--- a/vignettes/ONDA_XX-Hazard-Curve.pptx
+++ b/vignettes/ONDA_XX-Hazard-Curve.pptx
@@ -2660,7 +2660,7 @@
           </p:nvSpPr>
           <p:spPr>
             <a:xfrm>
-              <a:off x="1504602" y="983989"/>
+              <a:off x="1539894" y="983989"/>
               <a:ext cx="0" cy="3188077"/>
             </a:xfrm>
             <a:custGeom>
@@ -2703,7 +2703,7 @@
           </p:nvSpPr>
           <p:spPr>
             <a:xfrm>
-              <a:off x="1857516" y="983989"/>
+              <a:off x="1822225" y="983989"/>
               <a:ext cx="0" cy="3188077"/>
             </a:xfrm>
             <a:custGeom>
@@ -2746,7 +2746,7 @@
           </p:nvSpPr>
           <p:spPr>
             <a:xfrm>
-              <a:off x="2210430" y="983989"/>
+              <a:off x="2104556" y="983989"/>
               <a:ext cx="0" cy="3188077"/>
             </a:xfrm>
             <a:custGeom>
@@ -2789,7 +2789,7 @@
           </p:nvSpPr>
           <p:spPr>
             <a:xfrm>
-              <a:off x="2563343" y="983989"/>
+              <a:off x="2386887" y="983989"/>
               <a:ext cx="0" cy="3188077"/>
             </a:xfrm>
             <a:custGeom>
@@ -2832,7 +2832,7 @@
           </p:nvSpPr>
           <p:spPr>
             <a:xfrm>
-              <a:off x="2916257" y="983989"/>
+              <a:off x="2669217" y="983989"/>
               <a:ext cx="0" cy="3188077"/>
             </a:xfrm>
             <a:custGeom>
@@ -2875,7 +2875,7 @@
           </p:nvSpPr>
           <p:spPr>
             <a:xfrm>
-              <a:off x="3269171" y="983989"/>
+              <a:off x="2951548" y="983989"/>
               <a:ext cx="0" cy="3188077"/>
             </a:xfrm>
             <a:custGeom>
@@ -2918,7 +2918,7 @@
           </p:nvSpPr>
           <p:spPr>
             <a:xfrm>
-              <a:off x="3622084" y="983989"/>
+              <a:off x="3233879" y="983989"/>
               <a:ext cx="0" cy="3188077"/>
             </a:xfrm>
             <a:custGeom>
@@ -2961,7 +2961,7 @@
           </p:nvSpPr>
           <p:spPr>
             <a:xfrm>
-              <a:off x="3974998" y="983989"/>
+              <a:off x="3516210" y="983989"/>
               <a:ext cx="0" cy="3188077"/>
             </a:xfrm>
             <a:custGeom>
@@ -3004,7 +3004,7 @@
           </p:nvSpPr>
           <p:spPr>
             <a:xfrm>
-              <a:off x="4327911" y="983989"/>
+              <a:off x="3798541" y="983989"/>
               <a:ext cx="0" cy="3188077"/>
             </a:xfrm>
             <a:custGeom>
@@ -3047,7 +3047,7 @@
           </p:nvSpPr>
           <p:spPr>
             <a:xfrm>
-              <a:off x="4680825" y="983989"/>
+              <a:off x="4080872" y="983989"/>
               <a:ext cx="0" cy="3188077"/>
             </a:xfrm>
             <a:custGeom>
@@ -3090,7 +3090,7 @@
           </p:nvSpPr>
           <p:spPr>
             <a:xfrm>
-              <a:off x="5033739" y="983989"/>
+              <a:off x="4363203" y="983989"/>
               <a:ext cx="0" cy="3188077"/>
             </a:xfrm>
             <a:custGeom>
@@ -3133,7 +3133,7 @@
           </p:nvSpPr>
           <p:spPr>
             <a:xfrm>
-              <a:off x="5386652" y="983989"/>
+              <a:off x="4645534" y="983989"/>
               <a:ext cx="0" cy="3188077"/>
             </a:xfrm>
             <a:custGeom>
@@ -3176,6 +3176,135 @@
           </p:nvSpPr>
           <p:spPr>
             <a:xfrm>
+              <a:off x="4927865" y="983989"/>
+              <a:ext cx="0" cy="3188077"/>
+            </a:xfrm>
+            <a:custGeom>
+              <a:avLst/>
+              <a:pathLst>
+                <a:path w="0" h="3188077">
+                  <a:moveTo>
+                    <a:pt x="0" y="3188077"/>
+                  </a:moveTo>
+                  <a:lnTo>
+                    <a:pt x="0" y="0"/>
+                  </a:lnTo>
+                  <a:lnTo>
+                    <a:pt x="0" y="0"/>
+                  </a:lnTo>
+                </a:path>
+              </a:pathLst>
+            </a:custGeom>
+            <a:ln w="6775" cap="flat">
+              <a:solidFill>
+                <a:srgbClr val="FFFFFF">
+                  <a:alpha val="100000"/>
+                </a:srgbClr>
+              </a:solidFill>
+              <a:prstDash val="solid"/>
+              <a:round/>
+            </a:ln>
+          </p:spPr>
+          <p:txBody>
+            <a:bodyPr/>
+            <a:lstStyle/>
+            <a:p/>
+          </p:txBody>
+        </p:sp>
+        <p:sp>
+          <p:nvSpPr>
+            <p:cNvPr id="27" name="pl26"/>
+            <p:cNvSpPr/>
+            <p:nvPr/>
+          </p:nvSpPr>
+          <p:spPr>
+            <a:xfrm>
+              <a:off x="5210196" y="983989"/>
+              <a:ext cx="0" cy="3188077"/>
+            </a:xfrm>
+            <a:custGeom>
+              <a:avLst/>
+              <a:pathLst>
+                <a:path w="0" h="3188077">
+                  <a:moveTo>
+                    <a:pt x="0" y="3188077"/>
+                  </a:moveTo>
+                  <a:lnTo>
+                    <a:pt x="0" y="0"/>
+                  </a:lnTo>
+                  <a:lnTo>
+                    <a:pt x="0" y="0"/>
+                  </a:lnTo>
+                </a:path>
+              </a:pathLst>
+            </a:custGeom>
+            <a:ln w="6775" cap="flat">
+              <a:solidFill>
+                <a:srgbClr val="FFFFFF">
+                  <a:alpha val="100000"/>
+                </a:srgbClr>
+              </a:solidFill>
+              <a:prstDash val="solid"/>
+              <a:round/>
+            </a:ln>
+          </p:spPr>
+          <p:txBody>
+            <a:bodyPr/>
+            <a:lstStyle/>
+            <a:p/>
+          </p:txBody>
+        </p:sp>
+        <p:sp>
+          <p:nvSpPr>
+            <p:cNvPr id="28" name="pl27"/>
+            <p:cNvSpPr/>
+            <p:nvPr/>
+          </p:nvSpPr>
+          <p:spPr>
+            <a:xfrm>
+              <a:off x="5492526" y="983989"/>
+              <a:ext cx="0" cy="3188077"/>
+            </a:xfrm>
+            <a:custGeom>
+              <a:avLst/>
+              <a:pathLst>
+                <a:path w="0" h="3188077">
+                  <a:moveTo>
+                    <a:pt x="0" y="3188077"/>
+                  </a:moveTo>
+                  <a:lnTo>
+                    <a:pt x="0" y="0"/>
+                  </a:lnTo>
+                  <a:lnTo>
+                    <a:pt x="0" y="0"/>
+                  </a:lnTo>
+                </a:path>
+              </a:pathLst>
+            </a:custGeom>
+            <a:ln w="6775" cap="flat">
+              <a:solidFill>
+                <a:srgbClr val="FFFFFF">
+                  <a:alpha val="100000"/>
+                </a:srgbClr>
+              </a:solidFill>
+              <a:prstDash val="solid"/>
+              <a:round/>
+            </a:ln>
+          </p:spPr>
+          <p:txBody>
+            <a:bodyPr/>
+            <a:lstStyle/>
+            <a:p/>
+          </p:txBody>
+        </p:sp>
+        <p:sp>
+          <p:nvSpPr>
+            <p:cNvPr id="29" name="pl28"/>
+            <p:cNvSpPr/>
+            <p:nvPr/>
+          </p:nvSpPr>
+          <p:spPr>
+            <a:xfrm>
               <a:off x="1490486" y="4040699"/>
               <a:ext cx="4192613" cy="0"/>
             </a:xfrm>
@@ -3213,7 +3342,7 @@
         </p:sp>
         <p:sp>
           <p:nvSpPr>
-            <p:cNvPr id="27" name="pl26"/>
+            <p:cNvPr id="30" name="pl29"/>
             <p:cNvSpPr/>
             <p:nvPr/>
           </p:nvSpPr>
@@ -3256,7 +3385,7 @@
         </p:sp>
         <p:sp>
           <p:nvSpPr>
-            <p:cNvPr id="28" name="pl27"/>
+            <p:cNvPr id="31" name="pl30"/>
             <p:cNvSpPr/>
             <p:nvPr/>
           </p:nvSpPr>
@@ -3299,7 +3428,7 @@
         </p:sp>
         <p:sp>
           <p:nvSpPr>
-            <p:cNvPr id="29" name="pl28"/>
+            <p:cNvPr id="32" name="pl31"/>
             <p:cNvSpPr/>
             <p:nvPr/>
           </p:nvSpPr>
@@ -3342,7 +3471,7 @@
         </p:sp>
         <p:sp>
           <p:nvSpPr>
-            <p:cNvPr id="30" name="pl29"/>
+            <p:cNvPr id="33" name="pl32"/>
             <p:cNvSpPr/>
             <p:nvPr/>
           </p:nvSpPr>
@@ -3385,7 +3514,7 @@
         </p:sp>
         <p:sp>
           <p:nvSpPr>
-            <p:cNvPr id="31" name="pl30"/>
+            <p:cNvPr id="34" name="pl33"/>
             <p:cNvSpPr/>
             <p:nvPr/>
           </p:nvSpPr>
@@ -3428,7 +3557,7 @@
         </p:sp>
         <p:sp>
           <p:nvSpPr>
-            <p:cNvPr id="32" name="pl31"/>
+            <p:cNvPr id="35" name="pl34"/>
             <p:cNvSpPr/>
             <p:nvPr/>
           </p:nvSpPr>
@@ -3471,7 +3600,7 @@
         </p:sp>
         <p:sp>
           <p:nvSpPr>
-            <p:cNvPr id="33" name="pl32"/>
+            <p:cNvPr id="36" name="pl35"/>
             <p:cNvSpPr/>
             <p:nvPr/>
           </p:nvSpPr>
@@ -3514,13 +3643,13 @@
         </p:sp>
         <p:sp>
           <p:nvSpPr>
-            <p:cNvPr id="34" name="pl33"/>
-            <p:cNvSpPr/>
-            <p:nvPr/>
-          </p:nvSpPr>
-          <p:spPr>
-            <a:xfrm>
-              <a:off x="2033973" y="983989"/>
+            <p:cNvPr id="37" name="pl36"/>
+            <p:cNvSpPr/>
+            <p:nvPr/>
+          </p:nvSpPr>
+          <p:spPr>
+            <a:xfrm>
+              <a:off x="1963390" y="983989"/>
               <a:ext cx="0" cy="3188077"/>
             </a:xfrm>
             <a:custGeom>
@@ -3557,13 +3686,13 @@
         </p:sp>
         <p:sp>
           <p:nvSpPr>
-            <p:cNvPr id="35" name="pl34"/>
-            <p:cNvSpPr/>
-            <p:nvPr/>
-          </p:nvSpPr>
-          <p:spPr>
-            <a:xfrm>
-              <a:off x="2386887" y="983989"/>
+            <p:cNvPr id="38" name="pl37"/>
+            <p:cNvSpPr/>
+            <p:nvPr/>
+          </p:nvSpPr>
+          <p:spPr>
+            <a:xfrm>
+              <a:off x="2245721" y="983989"/>
               <a:ext cx="0" cy="3188077"/>
             </a:xfrm>
             <a:custGeom>
@@ -3600,13 +3729,13 @@
         </p:sp>
         <p:sp>
           <p:nvSpPr>
-            <p:cNvPr id="36" name="pl35"/>
-            <p:cNvSpPr/>
-            <p:nvPr/>
-          </p:nvSpPr>
-          <p:spPr>
-            <a:xfrm>
-              <a:off x="2739800" y="983989"/>
+            <p:cNvPr id="39" name="pl38"/>
+            <p:cNvSpPr/>
+            <p:nvPr/>
+          </p:nvSpPr>
+          <p:spPr>
+            <a:xfrm>
+              <a:off x="2528052" y="983989"/>
               <a:ext cx="0" cy="3188077"/>
             </a:xfrm>
             <a:custGeom>
@@ -3643,13 +3772,13 @@
         </p:sp>
         <p:sp>
           <p:nvSpPr>
-            <p:cNvPr id="37" name="pl36"/>
-            <p:cNvSpPr/>
-            <p:nvPr/>
-          </p:nvSpPr>
-          <p:spPr>
-            <a:xfrm>
-              <a:off x="3092714" y="983989"/>
+            <p:cNvPr id="40" name="pl39"/>
+            <p:cNvSpPr/>
+            <p:nvPr/>
+          </p:nvSpPr>
+          <p:spPr>
+            <a:xfrm>
+              <a:off x="2810383" y="983989"/>
               <a:ext cx="0" cy="3188077"/>
             </a:xfrm>
             <a:custGeom>
@@ -3686,13 +3815,13 @@
         </p:sp>
         <p:sp>
           <p:nvSpPr>
-            <p:cNvPr id="38" name="pl37"/>
-            <p:cNvSpPr/>
-            <p:nvPr/>
-          </p:nvSpPr>
-          <p:spPr>
-            <a:xfrm>
-              <a:off x="3445627" y="983989"/>
+            <p:cNvPr id="41" name="pl40"/>
+            <p:cNvSpPr/>
+            <p:nvPr/>
+          </p:nvSpPr>
+          <p:spPr>
+            <a:xfrm>
+              <a:off x="3092714" y="983989"/>
               <a:ext cx="0" cy="3188077"/>
             </a:xfrm>
             <a:custGeom>
@@ -3729,13 +3858,13 @@
         </p:sp>
         <p:sp>
           <p:nvSpPr>
-            <p:cNvPr id="39" name="pl38"/>
-            <p:cNvSpPr/>
-            <p:nvPr/>
-          </p:nvSpPr>
-          <p:spPr>
-            <a:xfrm>
-              <a:off x="3798541" y="983989"/>
+            <p:cNvPr id="42" name="pl41"/>
+            <p:cNvSpPr/>
+            <p:nvPr/>
+          </p:nvSpPr>
+          <p:spPr>
+            <a:xfrm>
+              <a:off x="3375045" y="983989"/>
               <a:ext cx="0" cy="3188077"/>
             </a:xfrm>
             <a:custGeom>
@@ -3772,13 +3901,13 @@
         </p:sp>
         <p:sp>
           <p:nvSpPr>
-            <p:cNvPr id="40" name="pl39"/>
-            <p:cNvSpPr/>
-            <p:nvPr/>
-          </p:nvSpPr>
-          <p:spPr>
-            <a:xfrm>
-              <a:off x="4151455" y="983989"/>
+            <p:cNvPr id="43" name="pl42"/>
+            <p:cNvSpPr/>
+            <p:nvPr/>
+          </p:nvSpPr>
+          <p:spPr>
+            <a:xfrm>
+              <a:off x="3657376" y="983989"/>
               <a:ext cx="0" cy="3188077"/>
             </a:xfrm>
             <a:custGeom>
@@ -3815,13 +3944,13 @@
         </p:sp>
         <p:sp>
           <p:nvSpPr>
-            <p:cNvPr id="41" name="pl40"/>
-            <p:cNvSpPr/>
-            <p:nvPr/>
-          </p:nvSpPr>
-          <p:spPr>
-            <a:xfrm>
-              <a:off x="4504368" y="983989"/>
+            <p:cNvPr id="44" name="pl43"/>
+            <p:cNvSpPr/>
+            <p:nvPr/>
+          </p:nvSpPr>
+          <p:spPr>
+            <a:xfrm>
+              <a:off x="3939706" y="983989"/>
               <a:ext cx="0" cy="3188077"/>
             </a:xfrm>
             <a:custGeom>
@@ -3858,13 +3987,13 @@
         </p:sp>
         <p:sp>
           <p:nvSpPr>
-            <p:cNvPr id="42" name="pl41"/>
-            <p:cNvSpPr/>
-            <p:nvPr/>
-          </p:nvSpPr>
-          <p:spPr>
-            <a:xfrm>
-              <a:off x="4857282" y="983989"/>
+            <p:cNvPr id="45" name="pl44"/>
+            <p:cNvSpPr/>
+            <p:nvPr/>
+          </p:nvSpPr>
+          <p:spPr>
+            <a:xfrm>
+              <a:off x="4222037" y="983989"/>
               <a:ext cx="0" cy="3188077"/>
             </a:xfrm>
             <a:custGeom>
@@ -3901,13 +4030,13 @@
         </p:sp>
         <p:sp>
           <p:nvSpPr>
-            <p:cNvPr id="43" name="pl42"/>
-            <p:cNvSpPr/>
-            <p:nvPr/>
-          </p:nvSpPr>
-          <p:spPr>
-            <a:xfrm>
-              <a:off x="5210196" y="983989"/>
+            <p:cNvPr id="46" name="pl45"/>
+            <p:cNvSpPr/>
+            <p:nvPr/>
+          </p:nvSpPr>
+          <p:spPr>
+            <a:xfrm>
+              <a:off x="4504368" y="983989"/>
               <a:ext cx="0" cy="3188077"/>
             </a:xfrm>
             <a:custGeom>
@@ -3944,13 +4073,13 @@
         </p:sp>
         <p:sp>
           <p:nvSpPr>
-            <p:cNvPr id="44" name="pl43"/>
-            <p:cNvSpPr/>
-            <p:nvPr/>
-          </p:nvSpPr>
-          <p:spPr>
-            <a:xfrm>
-              <a:off x="5563109" y="983989"/>
+            <p:cNvPr id="47" name="pl46"/>
+            <p:cNvSpPr/>
+            <p:nvPr/>
+          </p:nvSpPr>
+          <p:spPr>
+            <a:xfrm>
+              <a:off x="4786699" y="983989"/>
               <a:ext cx="0" cy="3188077"/>
             </a:xfrm>
             <a:custGeom>
@@ -3987,7 +4116,136 @@
         </p:sp>
         <p:sp>
           <p:nvSpPr>
-            <p:cNvPr id="45" name="pl44"/>
+            <p:cNvPr id="48" name="pl47"/>
+            <p:cNvSpPr/>
+            <p:nvPr/>
+          </p:nvSpPr>
+          <p:spPr>
+            <a:xfrm>
+              <a:off x="5069030" y="983989"/>
+              <a:ext cx="0" cy="3188077"/>
+            </a:xfrm>
+            <a:custGeom>
+              <a:avLst/>
+              <a:pathLst>
+                <a:path w="0" h="3188077">
+                  <a:moveTo>
+                    <a:pt x="0" y="3188077"/>
+                  </a:moveTo>
+                  <a:lnTo>
+                    <a:pt x="0" y="0"/>
+                  </a:lnTo>
+                  <a:lnTo>
+                    <a:pt x="0" y="0"/>
+                  </a:lnTo>
+                </a:path>
+              </a:pathLst>
+            </a:custGeom>
+            <a:ln w="13550" cap="flat">
+              <a:solidFill>
+                <a:srgbClr val="FFFFFF">
+                  <a:alpha val="100000"/>
+                </a:srgbClr>
+              </a:solidFill>
+              <a:prstDash val="solid"/>
+              <a:round/>
+            </a:ln>
+          </p:spPr>
+          <p:txBody>
+            <a:bodyPr/>
+            <a:lstStyle/>
+            <a:p/>
+          </p:txBody>
+        </p:sp>
+        <p:sp>
+          <p:nvSpPr>
+            <p:cNvPr id="49" name="pl48"/>
+            <p:cNvSpPr/>
+            <p:nvPr/>
+          </p:nvSpPr>
+          <p:spPr>
+            <a:xfrm>
+              <a:off x="5351361" y="983989"/>
+              <a:ext cx="0" cy="3188077"/>
+            </a:xfrm>
+            <a:custGeom>
+              <a:avLst/>
+              <a:pathLst>
+                <a:path w="0" h="3188077">
+                  <a:moveTo>
+                    <a:pt x="0" y="3188077"/>
+                  </a:moveTo>
+                  <a:lnTo>
+                    <a:pt x="0" y="0"/>
+                  </a:lnTo>
+                  <a:lnTo>
+                    <a:pt x="0" y="0"/>
+                  </a:lnTo>
+                </a:path>
+              </a:pathLst>
+            </a:custGeom>
+            <a:ln w="13550" cap="flat">
+              <a:solidFill>
+                <a:srgbClr val="FFFFFF">
+                  <a:alpha val="100000"/>
+                </a:srgbClr>
+              </a:solidFill>
+              <a:prstDash val="solid"/>
+              <a:round/>
+            </a:ln>
+          </p:spPr>
+          <p:txBody>
+            <a:bodyPr/>
+            <a:lstStyle/>
+            <a:p/>
+          </p:txBody>
+        </p:sp>
+        <p:sp>
+          <p:nvSpPr>
+            <p:cNvPr id="50" name="pl49"/>
+            <p:cNvSpPr/>
+            <p:nvPr/>
+          </p:nvSpPr>
+          <p:spPr>
+            <a:xfrm>
+              <a:off x="5633692" y="983989"/>
+              <a:ext cx="0" cy="3188077"/>
+            </a:xfrm>
+            <a:custGeom>
+              <a:avLst/>
+              <a:pathLst>
+                <a:path w="0" h="3188077">
+                  <a:moveTo>
+                    <a:pt x="0" y="3188077"/>
+                  </a:moveTo>
+                  <a:lnTo>
+                    <a:pt x="0" y="0"/>
+                  </a:lnTo>
+                  <a:lnTo>
+                    <a:pt x="0" y="0"/>
+                  </a:lnTo>
+                </a:path>
+              </a:pathLst>
+            </a:custGeom>
+            <a:ln w="13550" cap="flat">
+              <a:solidFill>
+                <a:srgbClr val="FFFFFF">
+                  <a:alpha val="100000"/>
+                </a:srgbClr>
+              </a:solidFill>
+              <a:prstDash val="solid"/>
+              <a:round/>
+            </a:ln>
+          </p:spPr>
+          <p:txBody>
+            <a:bodyPr/>
+            <a:lstStyle/>
+            <a:p/>
+          </p:txBody>
+        </p:sp>
+        <p:sp>
+          <p:nvSpPr>
+            <p:cNvPr id="51" name="pl50"/>
             <p:cNvSpPr/>
             <p:nvPr/>
           </p:nvSpPr>
@@ -4096,7 +4354,7 @@
         </p:sp>
         <p:sp>
           <p:nvSpPr>
-            <p:cNvPr id="46" name="pl45"/>
+            <p:cNvPr id="52" name="pl51"/>
             <p:cNvSpPr/>
             <p:nvPr/>
           </p:nvSpPr>
@@ -4214,7 +4472,7 @@
         </p:sp>
         <p:sp>
           <p:nvSpPr>
-            <p:cNvPr id="47" name="pl46"/>
+            <p:cNvPr id="53" name="pl52"/>
             <p:cNvSpPr/>
             <p:nvPr/>
           </p:nvSpPr>
@@ -4326,7 +4584,7 @@
         </p:sp>
         <p:sp>
           <p:nvSpPr>
-            <p:cNvPr id="48" name="pl47"/>
+            <p:cNvPr id="54" name="pl53"/>
             <p:cNvSpPr/>
             <p:nvPr/>
           </p:nvSpPr>
@@ -4438,7 +4696,7 @@
         </p:sp>
         <p:sp>
           <p:nvSpPr>
-            <p:cNvPr id="49" name="pt48"/>
+            <p:cNvPr id="55" name="pt54"/>
             <p:cNvSpPr/>
             <p:nvPr/>
           </p:nvSpPr>
@@ -4473,7 +4731,7 @@
         </p:sp>
         <p:sp>
           <p:nvSpPr>
-            <p:cNvPr id="50" name="pt49"/>
+            <p:cNvPr id="56" name="pt55"/>
             <p:cNvSpPr/>
             <p:nvPr/>
           </p:nvSpPr>
@@ -4508,7 +4766,7 @@
         </p:sp>
         <p:sp>
           <p:nvSpPr>
-            <p:cNvPr id="51" name="pt50"/>
+            <p:cNvPr id="57" name="pt56"/>
             <p:cNvSpPr/>
             <p:nvPr/>
           </p:nvSpPr>
@@ -4543,7 +4801,7 @@
         </p:sp>
         <p:sp>
           <p:nvSpPr>
-            <p:cNvPr id="52" name="pt51"/>
+            <p:cNvPr id="58" name="pt57"/>
             <p:cNvSpPr/>
             <p:nvPr/>
           </p:nvSpPr>
@@ -4578,7 +4836,7 @@
         </p:sp>
         <p:sp>
           <p:nvSpPr>
-            <p:cNvPr id="53" name="pt52"/>
+            <p:cNvPr id="59" name="pt58"/>
             <p:cNvSpPr/>
             <p:nvPr/>
           </p:nvSpPr>
@@ -4613,7 +4871,7 @@
         </p:sp>
         <p:sp>
           <p:nvSpPr>
-            <p:cNvPr id="54" name="pt53"/>
+            <p:cNvPr id="60" name="pt59"/>
             <p:cNvSpPr/>
             <p:nvPr/>
           </p:nvSpPr>
@@ -4648,7 +4906,7 @@
         </p:sp>
         <p:sp>
           <p:nvSpPr>
-            <p:cNvPr id="55" name="pt54"/>
+            <p:cNvPr id="61" name="pt60"/>
             <p:cNvSpPr/>
             <p:nvPr/>
           </p:nvSpPr>
@@ -4683,7 +4941,7 @@
         </p:sp>
         <p:sp>
           <p:nvSpPr>
-            <p:cNvPr id="56" name="pt55"/>
+            <p:cNvPr id="62" name="pt61"/>
             <p:cNvSpPr/>
             <p:nvPr/>
           </p:nvSpPr>
@@ -4718,7 +4976,7 @@
         </p:sp>
         <p:sp>
           <p:nvSpPr>
-            <p:cNvPr id="57" name="pt56"/>
+            <p:cNvPr id="63" name="pt62"/>
             <p:cNvSpPr/>
             <p:nvPr/>
           </p:nvSpPr>
@@ -4753,7 +5011,7 @@
         </p:sp>
         <p:sp>
           <p:nvSpPr>
-            <p:cNvPr id="58" name="pt57"/>
+            <p:cNvPr id="64" name="pt63"/>
             <p:cNvSpPr/>
             <p:nvPr/>
           </p:nvSpPr>
@@ -4788,7 +5046,7 @@
         </p:sp>
         <p:sp>
           <p:nvSpPr>
-            <p:cNvPr id="59" name="pt58"/>
+            <p:cNvPr id="65" name="pt64"/>
             <p:cNvSpPr/>
             <p:nvPr/>
           </p:nvSpPr>
@@ -4823,7 +5081,7 @@
         </p:sp>
         <p:sp>
           <p:nvSpPr>
-            <p:cNvPr id="60" name="pt59"/>
+            <p:cNvPr id="66" name="pt65"/>
             <p:cNvSpPr/>
             <p:nvPr/>
           </p:nvSpPr>
@@ -4858,7 +5116,7 @@
         </p:sp>
         <p:sp>
           <p:nvSpPr>
-            <p:cNvPr id="61" name="pt60"/>
+            <p:cNvPr id="67" name="pt66"/>
             <p:cNvSpPr/>
             <p:nvPr/>
           </p:nvSpPr>
@@ -4893,7 +5151,7 @@
         </p:sp>
         <p:sp>
           <p:nvSpPr>
-            <p:cNvPr id="62" name="pt61"/>
+            <p:cNvPr id="68" name="pt67"/>
             <p:cNvSpPr/>
             <p:nvPr/>
           </p:nvSpPr>
@@ -4928,7 +5186,7 @@
         </p:sp>
         <p:sp>
           <p:nvSpPr>
-            <p:cNvPr id="63" name="pt62"/>
+            <p:cNvPr id="69" name="pt68"/>
             <p:cNvSpPr/>
             <p:nvPr/>
           </p:nvSpPr>
@@ -4963,7 +5221,7 @@
         </p:sp>
         <p:sp>
           <p:nvSpPr>
-            <p:cNvPr id="64" name="pt63"/>
+            <p:cNvPr id="70" name="pt69"/>
             <p:cNvSpPr/>
             <p:nvPr/>
           </p:nvSpPr>
@@ -4998,7 +5256,7 @@
         </p:sp>
         <p:sp>
           <p:nvSpPr>
-            <p:cNvPr id="65" name="pt64"/>
+            <p:cNvPr id="71" name="pt70"/>
             <p:cNvSpPr/>
             <p:nvPr/>
           </p:nvSpPr>
@@ -5033,7 +5291,7 @@
         </p:sp>
         <p:sp>
           <p:nvSpPr>
-            <p:cNvPr id="66" name="pt65"/>
+            <p:cNvPr id="72" name="pt71"/>
             <p:cNvSpPr/>
             <p:nvPr/>
           </p:nvSpPr>
@@ -5068,7 +5326,7 @@
         </p:sp>
         <p:sp>
           <p:nvSpPr>
-            <p:cNvPr id="67" name="pt66"/>
+            <p:cNvPr id="73" name="pt72"/>
             <p:cNvSpPr/>
             <p:nvPr/>
           </p:nvSpPr>
@@ -5103,7 +5361,7 @@
         </p:sp>
         <p:sp>
           <p:nvSpPr>
-            <p:cNvPr id="68" name="pt67"/>
+            <p:cNvPr id="74" name="pt73"/>
             <p:cNvSpPr/>
             <p:nvPr/>
           </p:nvSpPr>
@@ -5138,7 +5396,7 @@
         </p:sp>
         <p:sp>
           <p:nvSpPr>
-            <p:cNvPr id="69" name="pt68"/>
+            <p:cNvPr id="75" name="pt74"/>
             <p:cNvSpPr/>
             <p:nvPr/>
           </p:nvSpPr>
@@ -5173,7 +5431,7 @@
         </p:sp>
         <p:sp>
           <p:nvSpPr>
-            <p:cNvPr id="70" name="pt69"/>
+            <p:cNvPr id="76" name="pt75"/>
             <p:cNvSpPr/>
             <p:nvPr/>
           </p:nvSpPr>
@@ -5208,7 +5466,7 @@
         </p:sp>
         <p:sp>
           <p:nvSpPr>
-            <p:cNvPr id="71" name="pt70"/>
+            <p:cNvPr id="77" name="pt76"/>
             <p:cNvSpPr/>
             <p:nvPr/>
           </p:nvSpPr>
@@ -5243,7 +5501,7 @@
         </p:sp>
         <p:sp>
           <p:nvSpPr>
-            <p:cNvPr id="72" name="pt71"/>
+            <p:cNvPr id="78" name="pt77"/>
             <p:cNvSpPr/>
             <p:nvPr/>
           </p:nvSpPr>
@@ -5278,7 +5536,7 @@
         </p:sp>
         <p:sp>
           <p:nvSpPr>
-            <p:cNvPr id="73" name="pt72"/>
+            <p:cNvPr id="79" name="pt78"/>
             <p:cNvSpPr/>
             <p:nvPr/>
           </p:nvSpPr>
@@ -5313,7 +5571,7 @@
         </p:sp>
         <p:sp>
           <p:nvSpPr>
-            <p:cNvPr id="74" name="pt73"/>
+            <p:cNvPr id="80" name="pt79"/>
             <p:cNvSpPr/>
             <p:nvPr/>
           </p:nvSpPr>
@@ -5348,7 +5606,7 @@
         </p:sp>
         <p:sp>
           <p:nvSpPr>
-            <p:cNvPr id="75" name="pt74"/>
+            <p:cNvPr id="81" name="pt80"/>
             <p:cNvSpPr/>
             <p:nvPr/>
           </p:nvSpPr>
@@ -5383,7 +5641,7 @@
         </p:sp>
         <p:sp>
           <p:nvSpPr>
-            <p:cNvPr id="76" name="pt75"/>
+            <p:cNvPr id="82" name="pt81"/>
             <p:cNvSpPr/>
             <p:nvPr/>
           </p:nvSpPr>
@@ -5418,7 +5676,7 @@
         </p:sp>
         <p:sp>
           <p:nvSpPr>
-            <p:cNvPr id="77" name="pt76"/>
+            <p:cNvPr id="83" name="pt82"/>
             <p:cNvSpPr/>
             <p:nvPr/>
           </p:nvSpPr>
@@ -5453,7 +5711,7 @@
         </p:sp>
         <p:sp>
           <p:nvSpPr>
-            <p:cNvPr id="78" name="pt77"/>
+            <p:cNvPr id="84" name="pt83"/>
             <p:cNvSpPr/>
             <p:nvPr/>
           </p:nvSpPr>
@@ -5488,7 +5746,7 @@
         </p:sp>
         <p:sp>
           <p:nvSpPr>
-            <p:cNvPr id="79" name="pt78"/>
+            <p:cNvPr id="85" name="pt84"/>
             <p:cNvSpPr/>
             <p:nvPr/>
           </p:nvSpPr>
@@ -5523,7 +5781,7 @@
         </p:sp>
         <p:sp>
           <p:nvSpPr>
-            <p:cNvPr id="80" name="pt79"/>
+            <p:cNvPr id="86" name="pt85"/>
             <p:cNvSpPr/>
             <p:nvPr/>
           </p:nvSpPr>
@@ -5558,7 +5816,7 @@
         </p:sp>
         <p:sp>
           <p:nvSpPr>
-            <p:cNvPr id="81" name="pt80"/>
+            <p:cNvPr id="87" name="pt86"/>
             <p:cNvSpPr/>
             <p:nvPr/>
           </p:nvSpPr>
@@ -5593,7 +5851,7 @@
         </p:sp>
         <p:sp>
           <p:nvSpPr>
-            <p:cNvPr id="82" name="pt81"/>
+            <p:cNvPr id="88" name="pt87"/>
             <p:cNvSpPr/>
             <p:nvPr/>
           </p:nvSpPr>
@@ -5628,7 +5886,7 @@
         </p:sp>
         <p:sp>
           <p:nvSpPr>
-            <p:cNvPr id="83" name="pt82"/>
+            <p:cNvPr id="89" name="pt88"/>
             <p:cNvSpPr/>
             <p:nvPr/>
           </p:nvSpPr>
@@ -5663,7 +5921,7 @@
         </p:sp>
         <p:sp>
           <p:nvSpPr>
-            <p:cNvPr id="84" name="pt83"/>
+            <p:cNvPr id="90" name="pt89"/>
             <p:cNvSpPr/>
             <p:nvPr/>
           </p:nvSpPr>
@@ -5698,7 +5956,7 @@
         </p:sp>
         <p:sp>
           <p:nvSpPr>
-            <p:cNvPr id="85" name="pt84"/>
+            <p:cNvPr id="91" name="pt90"/>
             <p:cNvSpPr/>
             <p:nvPr/>
           </p:nvSpPr>
@@ -5733,7 +5991,7 @@
         </p:sp>
         <p:sp>
           <p:nvSpPr>
-            <p:cNvPr id="86" name="pt85"/>
+            <p:cNvPr id="92" name="pt91"/>
             <p:cNvSpPr/>
             <p:nvPr/>
           </p:nvSpPr>
@@ -5768,7 +6026,7 @@
         </p:sp>
         <p:sp>
           <p:nvSpPr>
-            <p:cNvPr id="87" name="pt86"/>
+            <p:cNvPr id="93" name="pt92"/>
             <p:cNvSpPr/>
             <p:nvPr/>
           </p:nvSpPr>
@@ -5803,7 +6061,7 @@
         </p:sp>
         <p:sp>
           <p:nvSpPr>
-            <p:cNvPr id="88" name="pt87"/>
+            <p:cNvPr id="94" name="pt93"/>
             <p:cNvSpPr/>
             <p:nvPr/>
           </p:nvSpPr>
@@ -5838,7 +6096,7 @@
         </p:sp>
         <p:sp>
           <p:nvSpPr>
-            <p:cNvPr id="89" name="pt88"/>
+            <p:cNvPr id="95" name="pt94"/>
             <p:cNvSpPr/>
             <p:nvPr/>
           </p:nvSpPr>
@@ -5873,7 +6131,7 @@
         </p:sp>
         <p:sp>
           <p:nvSpPr>
-            <p:cNvPr id="90" name="pt89"/>
+            <p:cNvPr id="96" name="pt95"/>
             <p:cNvSpPr/>
             <p:nvPr/>
           </p:nvSpPr>
@@ -5908,7 +6166,7 @@
         </p:sp>
         <p:sp>
           <p:nvSpPr>
-            <p:cNvPr id="91" name="pt90"/>
+            <p:cNvPr id="97" name="pt96"/>
             <p:cNvSpPr/>
             <p:nvPr/>
           </p:nvSpPr>
@@ -5943,7 +6201,7 @@
         </p:sp>
         <p:sp>
           <p:nvSpPr>
-            <p:cNvPr id="92" name="pt91"/>
+            <p:cNvPr id="98" name="pt97"/>
             <p:cNvSpPr/>
             <p:nvPr/>
           </p:nvSpPr>
@@ -5978,7 +6236,7 @@
         </p:sp>
         <p:sp>
           <p:nvSpPr>
-            <p:cNvPr id="93" name="pt92"/>
+            <p:cNvPr id="99" name="pt98"/>
             <p:cNvSpPr/>
             <p:nvPr/>
           </p:nvSpPr>
@@ -6013,7 +6271,7 @@
         </p:sp>
         <p:sp>
           <p:nvSpPr>
-            <p:cNvPr id="94" name="pt93"/>
+            <p:cNvPr id="100" name="pt99"/>
             <p:cNvSpPr/>
             <p:nvPr/>
           </p:nvSpPr>
@@ -6048,7 +6306,7 @@
         </p:sp>
         <p:sp>
           <p:nvSpPr>
-            <p:cNvPr id="95" name="pt94"/>
+            <p:cNvPr id="101" name="pt100"/>
             <p:cNvSpPr/>
             <p:nvPr/>
           </p:nvSpPr>
@@ -6083,7 +6341,7 @@
         </p:sp>
         <p:sp>
           <p:nvSpPr>
-            <p:cNvPr id="96" name="pt95"/>
+            <p:cNvPr id="102" name="pt101"/>
             <p:cNvSpPr/>
             <p:nvPr/>
           </p:nvSpPr>
@@ -6118,7 +6376,7 @@
         </p:sp>
         <p:sp>
           <p:nvSpPr>
-            <p:cNvPr id="97" name="pt96"/>
+            <p:cNvPr id="103" name="pt102"/>
             <p:cNvSpPr/>
             <p:nvPr/>
           </p:nvSpPr>
@@ -6153,7 +6411,7 @@
         </p:sp>
         <p:sp>
           <p:nvSpPr>
-            <p:cNvPr id="98" name="pt97"/>
+            <p:cNvPr id="104" name="pt103"/>
             <p:cNvSpPr/>
             <p:nvPr/>
           </p:nvSpPr>
@@ -6188,7 +6446,7 @@
         </p:sp>
         <p:sp>
           <p:nvSpPr>
-            <p:cNvPr id="99" name="pt98"/>
+            <p:cNvPr id="105" name="pt104"/>
             <p:cNvSpPr/>
             <p:nvPr/>
           </p:nvSpPr>
@@ -6223,7 +6481,7 @@
         </p:sp>
         <p:sp>
           <p:nvSpPr>
-            <p:cNvPr id="100" name="pt99"/>
+            <p:cNvPr id="106" name="pt105"/>
             <p:cNvSpPr/>
             <p:nvPr/>
           </p:nvSpPr>
@@ -6258,7 +6516,7 @@
         </p:sp>
         <p:sp>
           <p:nvSpPr>
-            <p:cNvPr id="101" name="pt100"/>
+            <p:cNvPr id="107" name="pt106"/>
             <p:cNvSpPr/>
             <p:nvPr/>
           </p:nvSpPr>
@@ -6293,7 +6551,7 @@
         </p:sp>
         <p:sp>
           <p:nvSpPr>
-            <p:cNvPr id="102" name="pt101"/>
+            <p:cNvPr id="108" name="pt107"/>
             <p:cNvSpPr/>
             <p:nvPr/>
           </p:nvSpPr>
@@ -6328,7 +6586,7 @@
         </p:sp>
         <p:sp>
           <p:nvSpPr>
-            <p:cNvPr id="103" name="pt102"/>
+            <p:cNvPr id="109" name="pt108"/>
             <p:cNvSpPr/>
             <p:nvPr/>
           </p:nvSpPr>
@@ -6363,7 +6621,7 @@
         </p:sp>
         <p:sp>
           <p:nvSpPr>
-            <p:cNvPr id="104" name="pt103"/>
+            <p:cNvPr id="110" name="pt109"/>
             <p:cNvSpPr/>
             <p:nvPr/>
           </p:nvSpPr>
@@ -6398,7 +6656,7 @@
         </p:sp>
         <p:sp>
           <p:nvSpPr>
-            <p:cNvPr id="105" name="pt104"/>
+            <p:cNvPr id="111" name="pt110"/>
             <p:cNvSpPr/>
             <p:nvPr/>
           </p:nvSpPr>
@@ -6433,7 +6691,7 @@
         </p:sp>
         <p:sp>
           <p:nvSpPr>
-            <p:cNvPr id="106" name="pt105"/>
+            <p:cNvPr id="112" name="pt111"/>
             <p:cNvSpPr/>
             <p:nvPr/>
           </p:nvSpPr>
@@ -6468,7 +6726,7 @@
         </p:sp>
         <p:sp>
           <p:nvSpPr>
-            <p:cNvPr id="107" name="pt106"/>
+            <p:cNvPr id="113" name="pt112"/>
             <p:cNvSpPr/>
             <p:nvPr/>
           </p:nvSpPr>
@@ -6503,7 +6761,7 @@
         </p:sp>
         <p:sp>
           <p:nvSpPr>
-            <p:cNvPr id="108" name="pt107"/>
+            <p:cNvPr id="114" name="pt113"/>
             <p:cNvSpPr/>
             <p:nvPr/>
           </p:nvSpPr>
@@ -6538,7 +6796,7 @@
         </p:sp>
         <p:sp>
           <p:nvSpPr>
-            <p:cNvPr id="109" name="pt108"/>
+            <p:cNvPr id="115" name="pt114"/>
             <p:cNvSpPr/>
             <p:nvPr/>
           </p:nvSpPr>
@@ -6573,7 +6831,7 @@
         </p:sp>
         <p:sp>
           <p:nvSpPr>
-            <p:cNvPr id="110" name="pt109"/>
+            <p:cNvPr id="116" name="pt115"/>
             <p:cNvSpPr/>
             <p:nvPr/>
           </p:nvSpPr>
@@ -6608,7 +6866,7 @@
         </p:sp>
         <p:sp>
           <p:nvSpPr>
-            <p:cNvPr id="111" name="pt110"/>
+            <p:cNvPr id="117" name="pt116"/>
             <p:cNvSpPr/>
             <p:nvPr/>
           </p:nvSpPr>
@@ -6643,7 +6901,7 @@
         </p:sp>
         <p:sp>
           <p:nvSpPr>
-            <p:cNvPr id="112" name="pt111"/>
+            <p:cNvPr id="118" name="pt117"/>
             <p:cNvSpPr/>
             <p:nvPr/>
           </p:nvSpPr>
@@ -6678,7 +6936,7 @@
         </p:sp>
         <p:sp>
           <p:nvSpPr>
-            <p:cNvPr id="113" name="pt112"/>
+            <p:cNvPr id="119" name="pt118"/>
             <p:cNvSpPr/>
             <p:nvPr/>
           </p:nvSpPr>
@@ -6713,7 +6971,7 @@
         </p:sp>
         <p:sp>
           <p:nvSpPr>
-            <p:cNvPr id="114" name="pt113"/>
+            <p:cNvPr id="120" name="pt119"/>
             <p:cNvSpPr/>
             <p:nvPr/>
           </p:nvSpPr>
@@ -6748,7 +7006,7 @@
         </p:sp>
         <p:sp>
           <p:nvSpPr>
-            <p:cNvPr id="115" name="pt114"/>
+            <p:cNvPr id="121" name="pt120"/>
             <p:cNvSpPr/>
             <p:nvPr/>
           </p:nvSpPr>
@@ -6783,7 +7041,7 @@
         </p:sp>
         <p:sp>
           <p:nvSpPr>
-            <p:cNvPr id="116" name="pt115"/>
+            <p:cNvPr id="122" name="pt121"/>
             <p:cNvSpPr/>
             <p:nvPr/>
           </p:nvSpPr>
@@ -6818,7 +7076,7 @@
         </p:sp>
         <p:sp>
           <p:nvSpPr>
-            <p:cNvPr id="117" name="pt116"/>
+            <p:cNvPr id="123" name="pt122"/>
             <p:cNvSpPr/>
             <p:nvPr/>
           </p:nvSpPr>
@@ -6853,7 +7111,7 @@
         </p:sp>
         <p:sp>
           <p:nvSpPr>
-            <p:cNvPr id="118" name="pt117"/>
+            <p:cNvPr id="124" name="pt123"/>
             <p:cNvSpPr/>
             <p:nvPr/>
           </p:nvSpPr>
@@ -6888,7 +7146,7 @@
         </p:sp>
         <p:sp>
           <p:nvSpPr>
-            <p:cNvPr id="119" name="pt118"/>
+            <p:cNvPr id="125" name="pt124"/>
             <p:cNvSpPr/>
             <p:nvPr/>
           </p:nvSpPr>
@@ -6923,7 +7181,7 @@
         </p:sp>
         <p:sp>
           <p:nvSpPr>
-            <p:cNvPr id="120" name="pt119"/>
+            <p:cNvPr id="126" name="pt125"/>
             <p:cNvSpPr/>
             <p:nvPr/>
           </p:nvSpPr>
@@ -6958,7 +7216,7 @@
         </p:sp>
         <p:sp>
           <p:nvSpPr>
-            <p:cNvPr id="121" name="pt120"/>
+            <p:cNvPr id="127" name="pt126"/>
             <p:cNvSpPr/>
             <p:nvPr/>
           </p:nvSpPr>
@@ -6993,7 +7251,7 @@
         </p:sp>
         <p:sp>
           <p:nvSpPr>
-            <p:cNvPr id="122" name="pt121"/>
+            <p:cNvPr id="128" name="pt127"/>
             <p:cNvSpPr/>
             <p:nvPr/>
           </p:nvSpPr>
@@ -7028,7 +7286,7 @@
         </p:sp>
         <p:sp>
           <p:nvSpPr>
-            <p:cNvPr id="123" name="pt122"/>
+            <p:cNvPr id="129" name="pt128"/>
             <p:cNvSpPr/>
             <p:nvPr/>
           </p:nvSpPr>
@@ -7063,7 +7321,7 @@
         </p:sp>
         <p:sp>
           <p:nvSpPr>
-            <p:cNvPr id="124" name="pt123"/>
+            <p:cNvPr id="130" name="pt129"/>
             <p:cNvSpPr/>
             <p:nvPr/>
           </p:nvSpPr>
@@ -7098,7 +7356,7 @@
         </p:sp>
         <p:sp>
           <p:nvSpPr>
-            <p:cNvPr id="125" name="pt124"/>
+            <p:cNvPr id="131" name="pt130"/>
             <p:cNvSpPr/>
             <p:nvPr/>
           </p:nvSpPr>
@@ -7133,7 +7391,7 @@
         </p:sp>
         <p:sp>
           <p:nvSpPr>
-            <p:cNvPr id="126" name="pt125"/>
+            <p:cNvPr id="132" name="pt131"/>
             <p:cNvSpPr/>
             <p:nvPr/>
           </p:nvSpPr>
@@ -7168,7 +7426,7 @@
         </p:sp>
         <p:sp>
           <p:nvSpPr>
-            <p:cNvPr id="127" name="pt126"/>
+            <p:cNvPr id="133" name="pt132"/>
             <p:cNvSpPr/>
             <p:nvPr/>
           </p:nvSpPr>
@@ -7203,7 +7461,7 @@
         </p:sp>
         <p:sp>
           <p:nvSpPr>
-            <p:cNvPr id="128" name="pt127"/>
+            <p:cNvPr id="134" name="pt133"/>
             <p:cNvSpPr/>
             <p:nvPr/>
           </p:nvSpPr>
@@ -7238,7 +7496,7 @@
         </p:sp>
         <p:sp>
           <p:nvSpPr>
-            <p:cNvPr id="129" name="pt128"/>
+            <p:cNvPr id="135" name="pt134"/>
             <p:cNvSpPr/>
             <p:nvPr/>
           </p:nvSpPr>
@@ -7273,7 +7531,7 @@
         </p:sp>
         <p:sp>
           <p:nvSpPr>
-            <p:cNvPr id="130" name="pt129"/>
+            <p:cNvPr id="136" name="pt135"/>
             <p:cNvSpPr/>
             <p:nvPr/>
           </p:nvSpPr>
@@ -7308,7 +7566,7 @@
         </p:sp>
         <p:sp>
           <p:nvSpPr>
-            <p:cNvPr id="131" name="pt130"/>
+            <p:cNvPr id="137" name="pt136"/>
             <p:cNvSpPr/>
             <p:nvPr/>
           </p:nvSpPr>
@@ -7343,7 +7601,7 @@
         </p:sp>
         <p:sp>
           <p:nvSpPr>
-            <p:cNvPr id="132" name="pt131"/>
+            <p:cNvPr id="138" name="pt137"/>
             <p:cNvSpPr/>
             <p:nvPr/>
           </p:nvSpPr>
@@ -7378,7 +7636,7 @@
         </p:sp>
         <p:sp>
           <p:nvSpPr>
-            <p:cNvPr id="133" name="pt132"/>
+            <p:cNvPr id="139" name="pt138"/>
             <p:cNvSpPr/>
             <p:nvPr/>
           </p:nvSpPr>
@@ -7413,7 +7671,7 @@
         </p:sp>
         <p:sp>
           <p:nvSpPr>
-            <p:cNvPr id="134" name="pt133"/>
+            <p:cNvPr id="140" name="pt139"/>
             <p:cNvSpPr/>
             <p:nvPr/>
           </p:nvSpPr>
@@ -7448,7 +7706,7 @@
         </p:sp>
         <p:sp>
           <p:nvSpPr>
-            <p:cNvPr id="135" name="pt134"/>
+            <p:cNvPr id="141" name="pt140"/>
             <p:cNvSpPr/>
             <p:nvPr/>
           </p:nvSpPr>
@@ -7483,7 +7741,7 @@
         </p:sp>
         <p:sp>
           <p:nvSpPr>
-            <p:cNvPr id="136" name="pt135"/>
+            <p:cNvPr id="142" name="pt141"/>
             <p:cNvSpPr/>
             <p:nvPr/>
           </p:nvSpPr>
@@ -7518,7 +7776,7 @@
         </p:sp>
         <p:sp>
           <p:nvSpPr>
-            <p:cNvPr id="137" name="pt136"/>
+            <p:cNvPr id="143" name="pt142"/>
             <p:cNvSpPr/>
             <p:nvPr/>
           </p:nvSpPr>
@@ -7553,7 +7811,7 @@
         </p:sp>
         <p:sp>
           <p:nvSpPr>
-            <p:cNvPr id="138" name="pt137"/>
+            <p:cNvPr id="144" name="pt143"/>
             <p:cNvSpPr/>
             <p:nvPr/>
           </p:nvSpPr>
@@ -7588,7 +7846,7 @@
         </p:sp>
         <p:sp>
           <p:nvSpPr>
-            <p:cNvPr id="139" name="pt138"/>
+            <p:cNvPr id="145" name="pt144"/>
             <p:cNvSpPr/>
             <p:nvPr/>
           </p:nvSpPr>
@@ -7623,7 +7881,7 @@
         </p:sp>
         <p:sp>
           <p:nvSpPr>
-            <p:cNvPr id="140" name="pt139"/>
+            <p:cNvPr id="146" name="pt145"/>
             <p:cNvSpPr/>
             <p:nvPr/>
           </p:nvSpPr>
@@ -7658,7 +7916,7 @@
         </p:sp>
         <p:sp>
           <p:nvSpPr>
-            <p:cNvPr id="141" name="pt140"/>
+            <p:cNvPr id="147" name="pt146"/>
             <p:cNvSpPr/>
             <p:nvPr/>
           </p:nvSpPr>
@@ -7693,7 +7951,7 @@
         </p:sp>
         <p:sp>
           <p:nvSpPr>
-            <p:cNvPr id="142" name="pt141"/>
+            <p:cNvPr id="148" name="pt147"/>
             <p:cNvSpPr/>
             <p:nvPr/>
           </p:nvSpPr>
@@ -7728,7 +7986,7 @@
         </p:sp>
         <p:sp>
           <p:nvSpPr>
-            <p:cNvPr id="143" name="pt142"/>
+            <p:cNvPr id="149" name="pt148"/>
             <p:cNvSpPr/>
             <p:nvPr/>
           </p:nvSpPr>
@@ -7763,7 +8021,7 @@
         </p:sp>
         <p:sp>
           <p:nvSpPr>
-            <p:cNvPr id="144" name="pt143"/>
+            <p:cNvPr id="150" name="pt149"/>
             <p:cNvSpPr/>
             <p:nvPr/>
           </p:nvSpPr>
@@ -7798,7 +8056,7 @@
         </p:sp>
         <p:sp>
           <p:nvSpPr>
-            <p:cNvPr id="145" name="pt144"/>
+            <p:cNvPr id="151" name="pt150"/>
             <p:cNvSpPr/>
             <p:nvPr/>
           </p:nvSpPr>
@@ -7833,7 +8091,7 @@
         </p:sp>
         <p:sp>
           <p:nvSpPr>
-            <p:cNvPr id="146" name="pt145"/>
+            <p:cNvPr id="152" name="pt151"/>
             <p:cNvSpPr/>
             <p:nvPr/>
           </p:nvSpPr>
@@ -7868,7 +8126,7 @@
         </p:sp>
         <p:sp>
           <p:nvSpPr>
-            <p:cNvPr id="147" name="pt146"/>
+            <p:cNvPr id="153" name="pt152"/>
             <p:cNvSpPr/>
             <p:nvPr/>
           </p:nvSpPr>
@@ -7903,7 +8161,7 @@
         </p:sp>
         <p:sp>
           <p:nvSpPr>
-            <p:cNvPr id="148" name="pt147"/>
+            <p:cNvPr id="154" name="pt153"/>
             <p:cNvSpPr/>
             <p:nvPr/>
           </p:nvSpPr>
@@ -7938,7 +8196,7 @@
         </p:sp>
         <p:sp>
           <p:nvSpPr>
-            <p:cNvPr id="149" name="pt148"/>
+            <p:cNvPr id="155" name="pt154"/>
             <p:cNvSpPr/>
             <p:nvPr/>
           </p:nvSpPr>
@@ -7973,7 +8231,7 @@
         </p:sp>
         <p:sp>
           <p:nvSpPr>
-            <p:cNvPr id="150" name="pt149"/>
+            <p:cNvPr id="156" name="pt155"/>
             <p:cNvSpPr/>
             <p:nvPr/>
           </p:nvSpPr>
@@ -8008,7 +8266,7 @@
         </p:sp>
         <p:sp>
           <p:nvSpPr>
-            <p:cNvPr id="151" name="pt150"/>
+            <p:cNvPr id="157" name="pt156"/>
             <p:cNvSpPr/>
             <p:nvPr/>
           </p:nvSpPr>
@@ -8043,7 +8301,7 @@
         </p:sp>
         <p:sp>
           <p:nvSpPr>
-            <p:cNvPr id="152" name="pt151"/>
+            <p:cNvPr id="158" name="pt157"/>
             <p:cNvSpPr/>
             <p:nvPr/>
           </p:nvSpPr>
@@ -8078,7 +8336,7 @@
         </p:sp>
         <p:sp>
           <p:nvSpPr>
-            <p:cNvPr id="153" name="pt152"/>
+            <p:cNvPr id="159" name="pt158"/>
             <p:cNvSpPr/>
             <p:nvPr/>
           </p:nvSpPr>
@@ -8113,7 +8371,7 @@
         </p:sp>
         <p:sp>
           <p:nvSpPr>
-            <p:cNvPr id="154" name="tx153"/>
+            <p:cNvPr id="160" name="tx159"/>
             <p:cNvSpPr/>
             <p:nvPr/>
           </p:nvSpPr>
@@ -8159,7 +8417,7 @@
         </p:sp>
         <p:sp>
           <p:nvSpPr>
-            <p:cNvPr id="155" name="tx154"/>
+            <p:cNvPr id="161" name="tx160"/>
             <p:cNvSpPr/>
             <p:nvPr/>
           </p:nvSpPr>
@@ -8205,7 +8463,7 @@
         </p:sp>
         <p:sp>
           <p:nvSpPr>
-            <p:cNvPr id="156" name="tx155"/>
+            <p:cNvPr id="162" name="tx161"/>
             <p:cNvSpPr/>
             <p:nvPr/>
           </p:nvSpPr>
@@ -8251,7 +8509,7 @@
         </p:sp>
         <p:sp>
           <p:nvSpPr>
-            <p:cNvPr id="157" name="tx156"/>
+            <p:cNvPr id="163" name="tx162"/>
             <p:cNvSpPr/>
             <p:nvPr/>
           </p:nvSpPr>
@@ -8297,7 +8555,7 @@
         </p:sp>
         <p:sp>
           <p:nvSpPr>
-            <p:cNvPr id="158" name="tx157"/>
+            <p:cNvPr id="164" name="tx163"/>
             <p:cNvSpPr/>
             <p:nvPr/>
           </p:nvSpPr>
@@ -8343,7 +8601,7 @@
         </p:sp>
         <p:sp>
           <p:nvSpPr>
-            <p:cNvPr id="159" name="tx158"/>
+            <p:cNvPr id="165" name="tx164"/>
             <p:cNvSpPr/>
             <p:nvPr/>
           </p:nvSpPr>
@@ -8389,7 +8647,7 @@
         </p:sp>
         <p:sp>
           <p:nvSpPr>
-            <p:cNvPr id="160" name="tx159"/>
+            <p:cNvPr id="166" name="tx165"/>
             <p:cNvSpPr/>
             <p:nvPr/>
           </p:nvSpPr>
@@ -8435,7 +8693,7 @@
         </p:sp>
         <p:sp>
           <p:nvSpPr>
-            <p:cNvPr id="161" name="pl160"/>
+            <p:cNvPr id="167" name="pl166"/>
             <p:cNvSpPr/>
             <p:nvPr/>
           </p:nvSpPr>
@@ -8475,7 +8733,7 @@
         </p:sp>
         <p:sp>
           <p:nvSpPr>
-            <p:cNvPr id="162" name="pl161"/>
+            <p:cNvPr id="168" name="pl167"/>
             <p:cNvSpPr/>
             <p:nvPr/>
           </p:nvSpPr>
@@ -8515,7 +8773,7 @@
         </p:sp>
         <p:sp>
           <p:nvSpPr>
-            <p:cNvPr id="163" name="pl162"/>
+            <p:cNvPr id="169" name="pl168"/>
             <p:cNvSpPr/>
             <p:nvPr/>
           </p:nvSpPr>
@@ -8555,7 +8813,7 @@
         </p:sp>
         <p:sp>
           <p:nvSpPr>
-            <p:cNvPr id="164" name="pl163"/>
+            <p:cNvPr id="170" name="pl169"/>
             <p:cNvSpPr/>
             <p:nvPr/>
           </p:nvSpPr>
@@ -8595,7 +8853,7 @@
         </p:sp>
         <p:sp>
           <p:nvSpPr>
-            <p:cNvPr id="165" name="pl164"/>
+            <p:cNvPr id="171" name="pl170"/>
             <p:cNvSpPr/>
             <p:nvPr/>
           </p:nvSpPr>
@@ -8635,7 +8893,7 @@
         </p:sp>
         <p:sp>
           <p:nvSpPr>
-            <p:cNvPr id="166" name="pl165"/>
+            <p:cNvPr id="172" name="pl171"/>
             <p:cNvSpPr/>
             <p:nvPr/>
           </p:nvSpPr>
@@ -8675,7 +8933,7 @@
         </p:sp>
         <p:sp>
           <p:nvSpPr>
-            <p:cNvPr id="167" name="pl166"/>
+            <p:cNvPr id="173" name="pl172"/>
             <p:cNvSpPr/>
             <p:nvPr/>
           </p:nvSpPr>
@@ -8715,7 +8973,7 @@
         </p:sp>
         <p:sp>
           <p:nvSpPr>
-            <p:cNvPr id="168" name="pl167"/>
+            <p:cNvPr id="174" name="pl173"/>
             <p:cNvSpPr/>
             <p:nvPr/>
           </p:nvSpPr>
@@ -8755,13 +9013,13 @@
         </p:sp>
         <p:sp>
           <p:nvSpPr>
-            <p:cNvPr id="169" name="pl168"/>
-            <p:cNvSpPr/>
-            <p:nvPr/>
-          </p:nvSpPr>
-          <p:spPr>
-            <a:xfrm>
-              <a:off x="2033973" y="4172066"/>
+            <p:cNvPr id="175" name="pl174"/>
+            <p:cNvSpPr/>
+            <p:nvPr/>
+          </p:nvSpPr>
+          <p:spPr>
+            <a:xfrm>
+              <a:off x="1963390" y="4172066"/>
               <a:ext cx="0" cy="34794"/>
             </a:xfrm>
             <a:custGeom>
@@ -8795,13 +9053,13 @@
         </p:sp>
         <p:sp>
           <p:nvSpPr>
-            <p:cNvPr id="170" name="pl169"/>
-            <p:cNvSpPr/>
-            <p:nvPr/>
-          </p:nvSpPr>
-          <p:spPr>
-            <a:xfrm>
-              <a:off x="2386887" y="4172066"/>
+            <p:cNvPr id="176" name="pl175"/>
+            <p:cNvSpPr/>
+            <p:nvPr/>
+          </p:nvSpPr>
+          <p:spPr>
+            <a:xfrm>
+              <a:off x="2245721" y="4172066"/>
               <a:ext cx="0" cy="34794"/>
             </a:xfrm>
             <a:custGeom>
@@ -8835,13 +9093,13 @@
         </p:sp>
         <p:sp>
           <p:nvSpPr>
-            <p:cNvPr id="171" name="pl170"/>
-            <p:cNvSpPr/>
-            <p:nvPr/>
-          </p:nvSpPr>
-          <p:spPr>
-            <a:xfrm>
-              <a:off x="2739800" y="4172066"/>
+            <p:cNvPr id="177" name="pl176"/>
+            <p:cNvSpPr/>
+            <p:nvPr/>
+          </p:nvSpPr>
+          <p:spPr>
+            <a:xfrm>
+              <a:off x="2528052" y="4172066"/>
               <a:ext cx="0" cy="34794"/>
             </a:xfrm>
             <a:custGeom>
@@ -8875,13 +9133,13 @@
         </p:sp>
         <p:sp>
           <p:nvSpPr>
-            <p:cNvPr id="172" name="pl171"/>
-            <p:cNvSpPr/>
-            <p:nvPr/>
-          </p:nvSpPr>
-          <p:spPr>
-            <a:xfrm>
-              <a:off x="3092714" y="4172066"/>
+            <p:cNvPr id="178" name="pl177"/>
+            <p:cNvSpPr/>
+            <p:nvPr/>
+          </p:nvSpPr>
+          <p:spPr>
+            <a:xfrm>
+              <a:off x="2810383" y="4172066"/>
               <a:ext cx="0" cy="34794"/>
             </a:xfrm>
             <a:custGeom>
@@ -8915,13 +9173,13 @@
         </p:sp>
         <p:sp>
           <p:nvSpPr>
-            <p:cNvPr id="173" name="pl172"/>
-            <p:cNvSpPr/>
-            <p:nvPr/>
-          </p:nvSpPr>
-          <p:spPr>
-            <a:xfrm>
-              <a:off x="3445627" y="4172066"/>
+            <p:cNvPr id="179" name="pl178"/>
+            <p:cNvSpPr/>
+            <p:nvPr/>
+          </p:nvSpPr>
+          <p:spPr>
+            <a:xfrm>
+              <a:off x="3092714" y="4172066"/>
               <a:ext cx="0" cy="34794"/>
             </a:xfrm>
             <a:custGeom>
@@ -8955,13 +9213,13 @@
         </p:sp>
         <p:sp>
           <p:nvSpPr>
-            <p:cNvPr id="174" name="pl173"/>
-            <p:cNvSpPr/>
-            <p:nvPr/>
-          </p:nvSpPr>
-          <p:spPr>
-            <a:xfrm>
-              <a:off x="3798541" y="4172066"/>
+            <p:cNvPr id="180" name="pl179"/>
+            <p:cNvSpPr/>
+            <p:nvPr/>
+          </p:nvSpPr>
+          <p:spPr>
+            <a:xfrm>
+              <a:off x="3375045" y="4172066"/>
               <a:ext cx="0" cy="34794"/>
             </a:xfrm>
             <a:custGeom>
@@ -8995,13 +9253,13 @@
         </p:sp>
         <p:sp>
           <p:nvSpPr>
-            <p:cNvPr id="175" name="pl174"/>
-            <p:cNvSpPr/>
-            <p:nvPr/>
-          </p:nvSpPr>
-          <p:spPr>
-            <a:xfrm>
-              <a:off x="4151455" y="4172066"/>
+            <p:cNvPr id="181" name="pl180"/>
+            <p:cNvSpPr/>
+            <p:nvPr/>
+          </p:nvSpPr>
+          <p:spPr>
+            <a:xfrm>
+              <a:off x="3657376" y="4172066"/>
               <a:ext cx="0" cy="34794"/>
             </a:xfrm>
             <a:custGeom>
@@ -9035,13 +9293,13 @@
         </p:sp>
         <p:sp>
           <p:nvSpPr>
-            <p:cNvPr id="176" name="pl175"/>
-            <p:cNvSpPr/>
-            <p:nvPr/>
-          </p:nvSpPr>
-          <p:spPr>
-            <a:xfrm>
-              <a:off x="4504368" y="4172066"/>
+            <p:cNvPr id="182" name="pl181"/>
+            <p:cNvSpPr/>
+            <p:nvPr/>
+          </p:nvSpPr>
+          <p:spPr>
+            <a:xfrm>
+              <a:off x="3939706" y="4172066"/>
               <a:ext cx="0" cy="34794"/>
             </a:xfrm>
             <a:custGeom>
@@ -9075,13 +9333,13 @@
         </p:sp>
         <p:sp>
           <p:nvSpPr>
-            <p:cNvPr id="177" name="pl176"/>
-            <p:cNvSpPr/>
-            <p:nvPr/>
-          </p:nvSpPr>
-          <p:spPr>
-            <a:xfrm>
-              <a:off x="4857282" y="4172066"/>
+            <p:cNvPr id="183" name="pl182"/>
+            <p:cNvSpPr/>
+            <p:nvPr/>
+          </p:nvSpPr>
+          <p:spPr>
+            <a:xfrm>
+              <a:off x="4222037" y="4172066"/>
               <a:ext cx="0" cy="34794"/>
             </a:xfrm>
             <a:custGeom>
@@ -9115,13 +9373,13 @@
         </p:sp>
         <p:sp>
           <p:nvSpPr>
-            <p:cNvPr id="178" name="pl177"/>
-            <p:cNvSpPr/>
-            <p:nvPr/>
-          </p:nvSpPr>
-          <p:spPr>
-            <a:xfrm>
-              <a:off x="5210196" y="4172066"/>
+            <p:cNvPr id="184" name="pl183"/>
+            <p:cNvSpPr/>
+            <p:nvPr/>
+          </p:nvSpPr>
+          <p:spPr>
+            <a:xfrm>
+              <a:off x="4504368" y="4172066"/>
               <a:ext cx="0" cy="34794"/>
             </a:xfrm>
             <a:custGeom>
@@ -9155,13 +9413,13 @@
         </p:sp>
         <p:sp>
           <p:nvSpPr>
-            <p:cNvPr id="179" name="pl178"/>
-            <p:cNvSpPr/>
-            <p:nvPr/>
-          </p:nvSpPr>
-          <p:spPr>
-            <a:xfrm>
-              <a:off x="5563109" y="4172066"/>
+            <p:cNvPr id="185" name="pl184"/>
+            <p:cNvSpPr/>
+            <p:nvPr/>
+          </p:nvSpPr>
+          <p:spPr>
+            <a:xfrm>
+              <a:off x="4786699" y="4172066"/>
               <a:ext cx="0" cy="34794"/>
             </a:xfrm>
             <a:custGeom>
@@ -9195,7 +9453,127 @@
         </p:sp>
         <p:sp>
           <p:nvSpPr>
-            <p:cNvPr id="180" name="tx179"/>
+            <p:cNvPr id="186" name="pl185"/>
+            <p:cNvSpPr/>
+            <p:nvPr/>
+          </p:nvSpPr>
+          <p:spPr>
+            <a:xfrm>
+              <a:off x="5069030" y="4172066"/>
+              <a:ext cx="0" cy="34794"/>
+            </a:xfrm>
+            <a:custGeom>
+              <a:avLst/>
+              <a:pathLst>
+                <a:path w="0" h="34794">
+                  <a:moveTo>
+                    <a:pt x="0" y="34794"/>
+                  </a:moveTo>
+                  <a:lnTo>
+                    <a:pt x="0" y="0"/>
+                  </a:lnTo>
+                </a:path>
+              </a:pathLst>
+            </a:custGeom>
+            <a:ln w="13550" cap="flat">
+              <a:solidFill>
+                <a:srgbClr val="333333">
+                  <a:alpha val="100000"/>
+                </a:srgbClr>
+              </a:solidFill>
+              <a:prstDash val="solid"/>
+              <a:round/>
+            </a:ln>
+          </p:spPr>
+          <p:txBody>
+            <a:bodyPr/>
+            <a:lstStyle/>
+            <a:p/>
+          </p:txBody>
+        </p:sp>
+        <p:sp>
+          <p:nvSpPr>
+            <p:cNvPr id="187" name="pl186"/>
+            <p:cNvSpPr/>
+            <p:nvPr/>
+          </p:nvSpPr>
+          <p:spPr>
+            <a:xfrm>
+              <a:off x="5351361" y="4172066"/>
+              <a:ext cx="0" cy="34794"/>
+            </a:xfrm>
+            <a:custGeom>
+              <a:avLst/>
+              <a:pathLst>
+                <a:path w="0" h="34794">
+                  <a:moveTo>
+                    <a:pt x="0" y="34794"/>
+                  </a:moveTo>
+                  <a:lnTo>
+                    <a:pt x="0" y="0"/>
+                  </a:lnTo>
+                </a:path>
+              </a:pathLst>
+            </a:custGeom>
+            <a:ln w="13550" cap="flat">
+              <a:solidFill>
+                <a:srgbClr val="333333">
+                  <a:alpha val="100000"/>
+                </a:srgbClr>
+              </a:solidFill>
+              <a:prstDash val="solid"/>
+              <a:round/>
+            </a:ln>
+          </p:spPr>
+          <p:txBody>
+            <a:bodyPr/>
+            <a:lstStyle/>
+            <a:p/>
+          </p:txBody>
+        </p:sp>
+        <p:sp>
+          <p:nvSpPr>
+            <p:cNvPr id="188" name="pl187"/>
+            <p:cNvSpPr/>
+            <p:nvPr/>
+          </p:nvSpPr>
+          <p:spPr>
+            <a:xfrm>
+              <a:off x="5633692" y="4172066"/>
+              <a:ext cx="0" cy="34794"/>
+            </a:xfrm>
+            <a:custGeom>
+              <a:avLst/>
+              <a:pathLst>
+                <a:path w="0" h="34794">
+                  <a:moveTo>
+                    <a:pt x="0" y="34794"/>
+                  </a:moveTo>
+                  <a:lnTo>
+                    <a:pt x="0" y="0"/>
+                  </a:lnTo>
+                </a:path>
+              </a:pathLst>
+            </a:custGeom>
+            <a:ln w="13550" cap="flat">
+              <a:solidFill>
+                <a:srgbClr val="333333">
+                  <a:alpha val="100000"/>
+                </a:srgbClr>
+              </a:solidFill>
+              <a:prstDash val="solid"/>
+              <a:round/>
+            </a:ln>
+          </p:spPr>
+          <p:txBody>
+            <a:bodyPr/>
+            <a:lstStyle/>
+            <a:p/>
+          </p:txBody>
+        </p:sp>
+        <p:sp>
+          <p:nvSpPr>
+            <p:cNvPr id="189" name="tx188"/>
             <p:cNvSpPr/>
             <p:nvPr/>
           </p:nvSpPr>
@@ -9241,14 +9619,14 @@
         </p:sp>
         <p:sp>
           <p:nvSpPr>
-            <p:cNvPr id="181" name="tx180"/>
-            <p:cNvSpPr/>
-            <p:nvPr/>
-          </p:nvSpPr>
-          <p:spPr>
-            <a:xfrm>
-              <a:off x="2002895" y="4234423"/>
-              <a:ext cx="62155" cy="80272"/>
+            <p:cNvPr id="190" name="tx189"/>
+            <p:cNvSpPr/>
+            <p:nvPr/>
+          </p:nvSpPr>
+          <p:spPr>
+            <a:xfrm>
+              <a:off x="1932312" y="4234696"/>
+              <a:ext cx="62155" cy="80000"/>
             </a:xfrm>
             <a:prstGeom prst="rect">
               <a:avLst/>
@@ -9280,21 +9658,21 @@
                   <a:latin typeface="Arial"/>
                   <a:cs typeface="Arial"/>
                 </a:rPr>
-                <a:t>5</a:t>
+                <a:t>4</a:t>
               </a:r>
             </a:p>
           </p:txBody>
         </p:sp>
         <p:sp>
           <p:nvSpPr>
-            <p:cNvPr id="182" name="tx181"/>
-            <p:cNvSpPr/>
-            <p:nvPr/>
-          </p:nvSpPr>
-          <p:spPr>
-            <a:xfrm>
-              <a:off x="2324731" y="4233005"/>
-              <a:ext cx="124311" cy="81691"/>
+            <p:cNvPr id="191" name="tx190"/>
+            <p:cNvSpPr/>
+            <p:nvPr/>
+          </p:nvSpPr>
+          <p:spPr>
+            <a:xfrm>
+              <a:off x="2214643" y="4233005"/>
+              <a:ext cx="62155" cy="81691"/>
             </a:xfrm>
             <a:prstGeom prst="rect">
               <a:avLst/>
@@ -9326,21 +9704,21 @@
                   <a:latin typeface="Arial"/>
                   <a:cs typeface="Arial"/>
                 </a:rPr>
-                <a:t>10</a:t>
+                <a:t>8</a:t>
               </a:r>
             </a:p>
           </p:txBody>
         </p:sp>
         <p:sp>
           <p:nvSpPr>
-            <p:cNvPr id="183" name="tx182"/>
-            <p:cNvSpPr/>
-            <p:nvPr/>
-          </p:nvSpPr>
-          <p:spPr>
-            <a:xfrm>
-              <a:off x="2677645" y="4233005"/>
-              <a:ext cx="124311" cy="81691"/>
+            <p:cNvPr id="192" name="tx191"/>
+            <p:cNvSpPr/>
+            <p:nvPr/>
+          </p:nvSpPr>
+          <p:spPr>
+            <a:xfrm>
+              <a:off x="2465896" y="4234369"/>
+              <a:ext cx="124311" cy="80327"/>
             </a:xfrm>
             <a:prstGeom prst="rect">
               <a:avLst/>
@@ -9372,14 +9750,60 @@
                   <a:latin typeface="Arial"/>
                   <a:cs typeface="Arial"/>
                 </a:rPr>
-                <a:t>15</a:t>
+                <a:t>12</a:t>
               </a:r>
             </a:p>
           </p:txBody>
         </p:sp>
         <p:sp>
           <p:nvSpPr>
-            <p:cNvPr id="184" name="tx183"/>
+            <p:cNvPr id="193" name="tx192"/>
+            <p:cNvSpPr/>
+            <p:nvPr/>
+          </p:nvSpPr>
+          <p:spPr>
+            <a:xfrm>
+              <a:off x="2748227" y="4233005"/>
+              <a:ext cx="124311" cy="81691"/>
+            </a:xfrm>
+            <a:prstGeom prst="rect">
+              <a:avLst/>
+            </a:prstGeom>
+            <a:noFill/>
+          </p:spPr>
+          <p:txBody>
+            <a:bodyPr lIns="0" rIns="0" tIns="0" bIns="0" anchorCtr="1" anchor="ctr" wrap="none"/>
+            <a:lstStyle/>
+            <a:p>
+              <a:pPr algn="l" marL="0" marR="0" indent="0">
+                <a:lnSpc>
+                  <a:spcPts val="880"/>
+                </a:lnSpc>
+                <a:spcBef>
+                  <a:spcPts val="0"/>
+                </a:spcBef>
+                <a:spcAft>
+                  <a:spcPts val="0"/>
+                </a:spcAft>
+              </a:pPr>
+              <a:r>
+                <a:rPr sz="880">
+                  <a:solidFill>
+                    <a:srgbClr val="4D4D4D">
+                      <a:alpha val="100000"/>
+                    </a:srgbClr>
+                  </a:solidFill>
+                  <a:latin typeface="Arial"/>
+                  <a:cs typeface="Arial"/>
+                </a:rPr>
+                <a:t>16</a:t>
+              </a:r>
+            </a:p>
+          </p:txBody>
+        </p:sp>
+        <p:sp>
+          <p:nvSpPr>
+            <p:cNvPr id="194" name="tx193"/>
             <p:cNvSpPr/>
             <p:nvPr/>
           </p:nvSpPr>
@@ -9425,14 +9849,14 @@
         </p:sp>
         <p:sp>
           <p:nvSpPr>
-            <p:cNvPr id="185" name="tx184"/>
-            <p:cNvSpPr/>
-            <p:nvPr/>
-          </p:nvSpPr>
-          <p:spPr>
-            <a:xfrm>
-              <a:off x="3383472" y="4233005"/>
-              <a:ext cx="124311" cy="81691"/>
+            <p:cNvPr id="195" name="tx194"/>
+            <p:cNvSpPr/>
+            <p:nvPr/>
+          </p:nvSpPr>
+          <p:spPr>
+            <a:xfrm>
+              <a:off x="3312889" y="4234369"/>
+              <a:ext cx="124311" cy="80327"/>
             </a:xfrm>
             <a:prstGeom prst="rect">
               <a:avLst/>
@@ -9464,21 +9888,21 @@
                   <a:latin typeface="Arial"/>
                   <a:cs typeface="Arial"/>
                 </a:rPr>
-                <a:t>25</a:t>
+                <a:t>24</a:t>
               </a:r>
             </a:p>
           </p:txBody>
         </p:sp>
         <p:sp>
           <p:nvSpPr>
-            <p:cNvPr id="186" name="tx185"/>
-            <p:cNvSpPr/>
-            <p:nvPr/>
-          </p:nvSpPr>
-          <p:spPr>
-            <a:xfrm>
-              <a:off x="3736385" y="4232950"/>
-              <a:ext cx="124311" cy="81746"/>
+            <p:cNvPr id="196" name="tx195"/>
+            <p:cNvSpPr/>
+            <p:nvPr/>
+          </p:nvSpPr>
+          <p:spPr>
+            <a:xfrm>
+              <a:off x="3595220" y="4233005"/>
+              <a:ext cx="124311" cy="81691"/>
             </a:xfrm>
             <a:prstGeom prst="rect">
               <a:avLst/>
@@ -9510,20 +9934,20 @@
                   <a:latin typeface="Arial"/>
                   <a:cs typeface="Arial"/>
                 </a:rPr>
-                <a:t>30</a:t>
+                <a:t>28</a:t>
               </a:r>
             </a:p>
           </p:txBody>
         </p:sp>
         <p:sp>
           <p:nvSpPr>
-            <p:cNvPr id="187" name="tx186"/>
-            <p:cNvSpPr/>
-            <p:nvPr/>
-          </p:nvSpPr>
-          <p:spPr>
-            <a:xfrm>
-              <a:off x="4089299" y="4232950"/>
+            <p:cNvPr id="197" name="tx196"/>
+            <p:cNvSpPr/>
+            <p:nvPr/>
+          </p:nvSpPr>
+          <p:spPr>
+            <a:xfrm>
+              <a:off x="3877551" y="4232950"/>
               <a:ext cx="124311" cy="81746"/>
             </a:xfrm>
             <a:prstGeom prst="rect">
@@ -9556,14 +9980,60 @@
                   <a:latin typeface="Arial"/>
                   <a:cs typeface="Arial"/>
                 </a:rPr>
-                <a:t>35</a:t>
+                <a:t>32</a:t>
               </a:r>
             </a:p>
           </p:txBody>
         </p:sp>
         <p:sp>
           <p:nvSpPr>
-            <p:cNvPr id="188" name="tx187"/>
+            <p:cNvPr id="198" name="tx197"/>
+            <p:cNvSpPr/>
+            <p:nvPr/>
+          </p:nvSpPr>
+          <p:spPr>
+            <a:xfrm>
+              <a:off x="4159882" y="4232950"/>
+              <a:ext cx="124311" cy="81746"/>
+            </a:xfrm>
+            <a:prstGeom prst="rect">
+              <a:avLst/>
+            </a:prstGeom>
+            <a:noFill/>
+          </p:spPr>
+          <p:txBody>
+            <a:bodyPr lIns="0" rIns="0" tIns="0" bIns="0" anchorCtr="1" anchor="ctr" wrap="none"/>
+            <a:lstStyle/>
+            <a:p>
+              <a:pPr algn="l" marL="0" marR="0" indent="0">
+                <a:lnSpc>
+                  <a:spcPts val="880"/>
+                </a:lnSpc>
+                <a:spcBef>
+                  <a:spcPts val="0"/>
+                </a:spcBef>
+                <a:spcAft>
+                  <a:spcPts val="0"/>
+                </a:spcAft>
+              </a:pPr>
+              <a:r>
+                <a:rPr sz="880">
+                  <a:solidFill>
+                    <a:srgbClr val="4D4D4D">
+                      <a:alpha val="100000"/>
+                    </a:srgbClr>
+                  </a:solidFill>
+                  <a:latin typeface="Arial"/>
+                  <a:cs typeface="Arial"/>
+                </a:rPr>
+                <a:t>36</a:t>
+              </a:r>
+            </a:p>
+          </p:txBody>
+        </p:sp>
+        <p:sp>
+          <p:nvSpPr>
+            <p:cNvPr id="199" name="tx198"/>
             <p:cNvSpPr/>
             <p:nvPr/>
           </p:nvSpPr>
@@ -9609,14 +10079,14 @@
         </p:sp>
         <p:sp>
           <p:nvSpPr>
-            <p:cNvPr id="189" name="tx188"/>
-            <p:cNvSpPr/>
-            <p:nvPr/>
-          </p:nvSpPr>
-          <p:spPr>
-            <a:xfrm>
-              <a:off x="4795126" y="4233332"/>
-              <a:ext cx="124311" cy="81364"/>
+            <p:cNvPr id="200" name="tx199"/>
+            <p:cNvSpPr/>
+            <p:nvPr/>
+          </p:nvSpPr>
+          <p:spPr>
+            <a:xfrm>
+              <a:off x="4724544" y="4234696"/>
+              <a:ext cx="124311" cy="80000"/>
             </a:xfrm>
             <a:prstGeom prst="rect">
               <a:avLst/>
@@ -9648,20 +10118,20 @@
                   <a:latin typeface="Arial"/>
                   <a:cs typeface="Arial"/>
                 </a:rPr>
-                <a:t>45</a:t>
+                <a:t>44</a:t>
               </a:r>
             </a:p>
           </p:txBody>
         </p:sp>
         <p:sp>
           <p:nvSpPr>
-            <p:cNvPr id="190" name="tx189"/>
-            <p:cNvSpPr/>
-            <p:nvPr/>
-          </p:nvSpPr>
-          <p:spPr>
-            <a:xfrm>
-              <a:off x="5148040" y="4233005"/>
+            <p:cNvPr id="201" name="tx200"/>
+            <p:cNvSpPr/>
+            <p:nvPr/>
+          </p:nvSpPr>
+          <p:spPr>
+            <a:xfrm>
+              <a:off x="5006874" y="4233005"/>
               <a:ext cx="124311" cy="81691"/>
             </a:xfrm>
             <a:prstGeom prst="rect">
@@ -9694,21 +10164,21 @@
                   <a:latin typeface="Arial"/>
                   <a:cs typeface="Arial"/>
                 </a:rPr>
-                <a:t>50</a:t>
+                <a:t>48</a:t>
               </a:r>
             </a:p>
           </p:txBody>
         </p:sp>
         <p:sp>
           <p:nvSpPr>
-            <p:cNvPr id="191" name="tx190"/>
-            <p:cNvSpPr/>
-            <p:nvPr/>
-          </p:nvSpPr>
-          <p:spPr>
-            <a:xfrm>
-              <a:off x="5500954" y="4234423"/>
-              <a:ext cx="124311" cy="80272"/>
+            <p:cNvPr id="202" name="tx201"/>
+            <p:cNvSpPr/>
+            <p:nvPr/>
+          </p:nvSpPr>
+          <p:spPr>
+            <a:xfrm>
+              <a:off x="5289205" y="4233005"/>
+              <a:ext cx="124311" cy="81691"/>
             </a:xfrm>
             <a:prstGeom prst="rect">
               <a:avLst/>
@@ -9740,14 +10210,60 @@
                   <a:latin typeface="Arial"/>
                   <a:cs typeface="Arial"/>
                 </a:rPr>
-                <a:t>55</a:t>
+                <a:t>52</a:t>
               </a:r>
             </a:p>
           </p:txBody>
         </p:sp>
         <p:sp>
           <p:nvSpPr>
-            <p:cNvPr id="192" name="tx191"/>
+            <p:cNvPr id="203" name="tx202"/>
+            <p:cNvSpPr/>
+            <p:nvPr/>
+          </p:nvSpPr>
+          <p:spPr>
+            <a:xfrm>
+              <a:off x="5571536" y="4233005"/>
+              <a:ext cx="124311" cy="81691"/>
+            </a:xfrm>
+            <a:prstGeom prst="rect">
+              <a:avLst/>
+            </a:prstGeom>
+            <a:noFill/>
+          </p:spPr>
+          <p:txBody>
+            <a:bodyPr lIns="0" rIns="0" tIns="0" bIns="0" anchorCtr="1" anchor="ctr" wrap="none"/>
+            <a:lstStyle/>
+            <a:p>
+              <a:pPr algn="l" marL="0" marR="0" indent="0">
+                <a:lnSpc>
+                  <a:spcPts val="880"/>
+                </a:lnSpc>
+                <a:spcBef>
+                  <a:spcPts val="0"/>
+                </a:spcBef>
+                <a:spcAft>
+                  <a:spcPts val="0"/>
+                </a:spcAft>
+              </a:pPr>
+              <a:r>
+                <a:rPr sz="880">
+                  <a:solidFill>
+                    <a:srgbClr val="4D4D4D">
+                      <a:alpha val="100000"/>
+                    </a:srgbClr>
+                  </a:solidFill>
+                  <a:latin typeface="Arial"/>
+                  <a:cs typeface="Arial"/>
+                </a:rPr>
+                <a:t>56</a:t>
+              </a:r>
+            </a:p>
+          </p:txBody>
+        </p:sp>
+        <p:sp>
+          <p:nvSpPr>
+            <p:cNvPr id="204" name="tx203"/>
             <p:cNvSpPr/>
             <p:nvPr/>
           </p:nvSpPr>
@@ -9793,7 +10309,7 @@
         </p:sp>
         <p:sp>
           <p:nvSpPr>
-            <p:cNvPr id="193" name="tx192"/>
+            <p:cNvPr id="205" name="tx204"/>
             <p:cNvSpPr/>
             <p:nvPr/>
           </p:nvSpPr>
@@ -9839,7 +10355,7 @@
         </p:sp>
         <p:sp>
           <p:nvSpPr>
-            <p:cNvPr id="194" name="rc193"/>
+            <p:cNvPr id="206" name="rc205"/>
             <p:cNvSpPr/>
             <p:nvPr/>
           </p:nvSpPr>
@@ -9865,7 +10381,7 @@
         </p:sp>
         <p:sp>
           <p:nvSpPr>
-            <p:cNvPr id="195" name="tx194"/>
+            <p:cNvPr id="207" name="tx206"/>
             <p:cNvSpPr/>
             <p:nvPr/>
           </p:nvSpPr>
@@ -9911,7 +10427,7 @@
         </p:sp>
         <p:sp>
           <p:nvSpPr>
-            <p:cNvPr id="196" name="rc195"/>
+            <p:cNvPr id="208" name="rc207"/>
             <p:cNvSpPr/>
             <p:nvPr/>
           </p:nvSpPr>
@@ -9937,7 +10453,7 @@
         </p:sp>
         <p:sp>
           <p:nvSpPr>
-            <p:cNvPr id="197" name="pl196"/>
+            <p:cNvPr id="209" name="pl208"/>
             <p:cNvSpPr/>
             <p:nvPr/>
           </p:nvSpPr>
@@ -9977,7 +10493,7 @@
         </p:sp>
         <p:sp>
           <p:nvSpPr>
-            <p:cNvPr id="198" name="pt197"/>
+            <p:cNvPr id="210" name="pt209"/>
             <p:cNvSpPr/>
             <p:nvPr/>
           </p:nvSpPr>
@@ -10012,7 +10528,7 @@
         </p:sp>
         <p:sp>
           <p:nvSpPr>
-            <p:cNvPr id="199" name="rc198"/>
+            <p:cNvPr id="211" name="rc210"/>
             <p:cNvSpPr/>
             <p:nvPr/>
           </p:nvSpPr>
@@ -10038,7 +10554,7 @@
         </p:sp>
         <p:sp>
           <p:nvSpPr>
-            <p:cNvPr id="200" name="pl199"/>
+            <p:cNvPr id="212" name="pl211"/>
             <p:cNvSpPr/>
             <p:nvPr/>
           </p:nvSpPr>
@@ -10078,7 +10594,7 @@
         </p:sp>
         <p:sp>
           <p:nvSpPr>
-            <p:cNvPr id="201" name="pt200"/>
+            <p:cNvPr id="213" name="pt212"/>
             <p:cNvSpPr/>
             <p:nvPr/>
           </p:nvSpPr>
@@ -10113,7 +10629,7 @@
         </p:sp>
         <p:sp>
           <p:nvSpPr>
-            <p:cNvPr id="202" name="rc201"/>
+            <p:cNvPr id="214" name="rc213"/>
             <p:cNvSpPr/>
             <p:nvPr/>
           </p:nvSpPr>
@@ -10139,7 +10655,7 @@
         </p:sp>
         <p:sp>
           <p:nvSpPr>
-            <p:cNvPr id="203" name="pl202"/>
+            <p:cNvPr id="215" name="pl214"/>
             <p:cNvSpPr/>
             <p:nvPr/>
           </p:nvSpPr>
@@ -10179,7 +10695,7 @@
         </p:sp>
         <p:sp>
           <p:nvSpPr>
-            <p:cNvPr id="204" name="pt203"/>
+            <p:cNvPr id="216" name="pt215"/>
             <p:cNvSpPr/>
             <p:nvPr/>
           </p:nvSpPr>
@@ -10214,7 +10730,7 @@
         </p:sp>
         <p:sp>
           <p:nvSpPr>
-            <p:cNvPr id="205" name="rc204"/>
+            <p:cNvPr id="217" name="rc216"/>
             <p:cNvSpPr/>
             <p:nvPr/>
           </p:nvSpPr>
@@ -10240,7 +10756,7 @@
         </p:sp>
         <p:sp>
           <p:nvSpPr>
-            <p:cNvPr id="206" name="pl205"/>
+            <p:cNvPr id="218" name="pl217"/>
             <p:cNvSpPr/>
             <p:nvPr/>
           </p:nvSpPr>
@@ -10280,7 +10796,7 @@
         </p:sp>
         <p:sp>
           <p:nvSpPr>
-            <p:cNvPr id="207" name="pt206"/>
+            <p:cNvPr id="219" name="pt218"/>
             <p:cNvSpPr/>
             <p:nvPr/>
           </p:nvSpPr>
@@ -10315,7 +10831,7 @@
         </p:sp>
         <p:sp>
           <p:nvSpPr>
-            <p:cNvPr id="208" name="tx207"/>
+            <p:cNvPr id="220" name="tx219"/>
             <p:cNvSpPr/>
             <p:nvPr/>
           </p:nvSpPr>
@@ -10361,7 +10877,7 @@
         </p:sp>
         <p:sp>
           <p:nvSpPr>
-            <p:cNvPr id="209" name="tx208"/>
+            <p:cNvPr id="221" name="tx220"/>
             <p:cNvSpPr/>
             <p:nvPr/>
           </p:nvSpPr>
@@ -10407,7 +10923,7 @@
         </p:sp>
         <p:sp>
           <p:nvSpPr>
-            <p:cNvPr id="210" name="tx209"/>
+            <p:cNvPr id="222" name="tx221"/>
             <p:cNvSpPr/>
             <p:nvPr/>
           </p:nvSpPr>
@@ -10453,7 +10969,7 @@
         </p:sp>
         <p:sp>
           <p:nvSpPr>
-            <p:cNvPr id="211" name="tx210"/>
+            <p:cNvPr id="223" name="tx222"/>
             <p:cNvSpPr/>
             <p:nvPr/>
           </p:nvSpPr>

--- a/vignettes/ONDA_XX-Hazard-Curve.pptx
+++ b/vignettes/ONDA_XX-Hazard-Curve.pptx
@@ -2660,7 +2660,7 @@
           </p:nvSpPr>
           <p:spPr>
             <a:xfrm>
-              <a:off x="1539894" y="983989"/>
+              <a:off x="1963390" y="983989"/>
               <a:ext cx="0" cy="3188077"/>
             </a:xfrm>
             <a:custGeom>
@@ -2703,7 +2703,7 @@
           </p:nvSpPr>
           <p:spPr>
             <a:xfrm>
-              <a:off x="1822225" y="983989"/>
+              <a:off x="2528052" y="983989"/>
               <a:ext cx="0" cy="3188077"/>
             </a:xfrm>
             <a:custGeom>
@@ -2746,7 +2746,7 @@
           </p:nvSpPr>
           <p:spPr>
             <a:xfrm>
-              <a:off x="2104556" y="983989"/>
+              <a:off x="3092714" y="983989"/>
               <a:ext cx="0" cy="3188077"/>
             </a:xfrm>
             <a:custGeom>
@@ -2789,7 +2789,7 @@
           </p:nvSpPr>
           <p:spPr>
             <a:xfrm>
-              <a:off x="2386887" y="983989"/>
+              <a:off x="3657376" y="983989"/>
               <a:ext cx="0" cy="3188077"/>
             </a:xfrm>
             <a:custGeom>
@@ -2832,7 +2832,7 @@
           </p:nvSpPr>
           <p:spPr>
             <a:xfrm>
-              <a:off x="2669217" y="983989"/>
+              <a:off x="4222037" y="983989"/>
               <a:ext cx="0" cy="3188077"/>
             </a:xfrm>
             <a:custGeom>
@@ -2875,7 +2875,7 @@
           </p:nvSpPr>
           <p:spPr>
             <a:xfrm>
-              <a:off x="2951548" y="983989"/>
+              <a:off x="4786699" y="983989"/>
               <a:ext cx="0" cy="3188077"/>
             </a:xfrm>
             <a:custGeom>
@@ -2918,7 +2918,7 @@
           </p:nvSpPr>
           <p:spPr>
             <a:xfrm>
-              <a:off x="3233879" y="983989"/>
+              <a:off x="5351361" y="983989"/>
               <a:ext cx="0" cy="3188077"/>
             </a:xfrm>
             <a:custGeom>
@@ -2961,7 +2961,308 @@
           </p:nvSpPr>
           <p:spPr>
             <a:xfrm>
-              <a:off x="3516210" y="983989"/>
+              <a:off x="1490486" y="4040699"/>
+              <a:ext cx="4192613" cy="0"/>
+            </a:xfrm>
+            <a:custGeom>
+              <a:avLst/>
+              <a:pathLst>
+                <a:path w="4192613" h="0">
+                  <a:moveTo>
+                    <a:pt x="0" y="0"/>
+                  </a:moveTo>
+                  <a:lnTo>
+                    <a:pt x="4192613" y="0"/>
+                  </a:lnTo>
+                  <a:lnTo>
+                    <a:pt x="4192613" y="0"/>
+                  </a:lnTo>
+                </a:path>
+              </a:pathLst>
+            </a:custGeom>
+            <a:ln w="13550" cap="flat">
+              <a:solidFill>
+                <a:srgbClr val="FFFFFF">
+                  <a:alpha val="100000"/>
+                </a:srgbClr>
+              </a:solidFill>
+              <a:prstDash val="solid"/>
+              <a:round/>
+            </a:ln>
+          </p:spPr>
+          <p:txBody>
+            <a:bodyPr/>
+            <a:lstStyle/>
+            <a:p/>
+          </p:txBody>
+        </p:sp>
+        <p:sp>
+          <p:nvSpPr>
+            <p:cNvPr id="22" name="pl21"/>
+            <p:cNvSpPr/>
+            <p:nvPr/>
+          </p:nvSpPr>
+          <p:spPr>
+            <a:xfrm>
+              <a:off x="1490486" y="3583871"/>
+              <a:ext cx="4192613" cy="0"/>
+            </a:xfrm>
+            <a:custGeom>
+              <a:avLst/>
+              <a:pathLst>
+                <a:path w="4192613" h="0">
+                  <a:moveTo>
+                    <a:pt x="0" y="0"/>
+                  </a:moveTo>
+                  <a:lnTo>
+                    <a:pt x="4192613" y="0"/>
+                  </a:lnTo>
+                  <a:lnTo>
+                    <a:pt x="4192613" y="0"/>
+                  </a:lnTo>
+                </a:path>
+              </a:pathLst>
+            </a:custGeom>
+            <a:ln w="13550" cap="flat">
+              <a:solidFill>
+                <a:srgbClr val="FFFFFF">
+                  <a:alpha val="100000"/>
+                </a:srgbClr>
+              </a:solidFill>
+              <a:prstDash val="solid"/>
+              <a:round/>
+            </a:ln>
+          </p:spPr>
+          <p:txBody>
+            <a:bodyPr/>
+            <a:lstStyle/>
+            <a:p/>
+          </p:txBody>
+        </p:sp>
+        <p:sp>
+          <p:nvSpPr>
+            <p:cNvPr id="23" name="pl22"/>
+            <p:cNvSpPr/>
+            <p:nvPr/>
+          </p:nvSpPr>
+          <p:spPr>
+            <a:xfrm>
+              <a:off x="1490486" y="3127044"/>
+              <a:ext cx="4192613" cy="0"/>
+            </a:xfrm>
+            <a:custGeom>
+              <a:avLst/>
+              <a:pathLst>
+                <a:path w="4192613" h="0">
+                  <a:moveTo>
+                    <a:pt x="0" y="0"/>
+                  </a:moveTo>
+                  <a:lnTo>
+                    <a:pt x="4192613" y="0"/>
+                  </a:lnTo>
+                  <a:lnTo>
+                    <a:pt x="4192613" y="0"/>
+                  </a:lnTo>
+                </a:path>
+              </a:pathLst>
+            </a:custGeom>
+            <a:ln w="13550" cap="flat">
+              <a:solidFill>
+                <a:srgbClr val="FFFFFF">
+                  <a:alpha val="100000"/>
+                </a:srgbClr>
+              </a:solidFill>
+              <a:prstDash val="solid"/>
+              <a:round/>
+            </a:ln>
+          </p:spPr>
+          <p:txBody>
+            <a:bodyPr/>
+            <a:lstStyle/>
+            <a:p/>
+          </p:txBody>
+        </p:sp>
+        <p:sp>
+          <p:nvSpPr>
+            <p:cNvPr id="24" name="pl23"/>
+            <p:cNvSpPr/>
+            <p:nvPr/>
+          </p:nvSpPr>
+          <p:spPr>
+            <a:xfrm>
+              <a:off x="1490486" y="2670217"/>
+              <a:ext cx="4192613" cy="0"/>
+            </a:xfrm>
+            <a:custGeom>
+              <a:avLst/>
+              <a:pathLst>
+                <a:path w="4192613" h="0">
+                  <a:moveTo>
+                    <a:pt x="0" y="0"/>
+                  </a:moveTo>
+                  <a:lnTo>
+                    <a:pt x="4192613" y="0"/>
+                  </a:lnTo>
+                  <a:lnTo>
+                    <a:pt x="4192613" y="0"/>
+                  </a:lnTo>
+                </a:path>
+              </a:pathLst>
+            </a:custGeom>
+            <a:ln w="13550" cap="flat">
+              <a:solidFill>
+                <a:srgbClr val="FFFFFF">
+                  <a:alpha val="100000"/>
+                </a:srgbClr>
+              </a:solidFill>
+              <a:prstDash val="solid"/>
+              <a:round/>
+            </a:ln>
+          </p:spPr>
+          <p:txBody>
+            <a:bodyPr/>
+            <a:lstStyle/>
+            <a:p/>
+          </p:txBody>
+        </p:sp>
+        <p:sp>
+          <p:nvSpPr>
+            <p:cNvPr id="25" name="pl24"/>
+            <p:cNvSpPr/>
+            <p:nvPr/>
+          </p:nvSpPr>
+          <p:spPr>
+            <a:xfrm>
+              <a:off x="1490486" y="2213389"/>
+              <a:ext cx="4192613" cy="0"/>
+            </a:xfrm>
+            <a:custGeom>
+              <a:avLst/>
+              <a:pathLst>
+                <a:path w="4192613" h="0">
+                  <a:moveTo>
+                    <a:pt x="0" y="0"/>
+                  </a:moveTo>
+                  <a:lnTo>
+                    <a:pt x="4192613" y="0"/>
+                  </a:lnTo>
+                  <a:lnTo>
+                    <a:pt x="4192613" y="0"/>
+                  </a:lnTo>
+                </a:path>
+              </a:pathLst>
+            </a:custGeom>
+            <a:ln w="13550" cap="flat">
+              <a:solidFill>
+                <a:srgbClr val="FFFFFF">
+                  <a:alpha val="100000"/>
+                </a:srgbClr>
+              </a:solidFill>
+              <a:prstDash val="solid"/>
+              <a:round/>
+            </a:ln>
+          </p:spPr>
+          <p:txBody>
+            <a:bodyPr/>
+            <a:lstStyle/>
+            <a:p/>
+          </p:txBody>
+        </p:sp>
+        <p:sp>
+          <p:nvSpPr>
+            <p:cNvPr id="26" name="pl25"/>
+            <p:cNvSpPr/>
+            <p:nvPr/>
+          </p:nvSpPr>
+          <p:spPr>
+            <a:xfrm>
+              <a:off x="1490486" y="1756562"/>
+              <a:ext cx="4192613" cy="0"/>
+            </a:xfrm>
+            <a:custGeom>
+              <a:avLst/>
+              <a:pathLst>
+                <a:path w="4192613" h="0">
+                  <a:moveTo>
+                    <a:pt x="0" y="0"/>
+                  </a:moveTo>
+                  <a:lnTo>
+                    <a:pt x="4192613" y="0"/>
+                  </a:lnTo>
+                  <a:lnTo>
+                    <a:pt x="4192613" y="0"/>
+                  </a:lnTo>
+                </a:path>
+              </a:pathLst>
+            </a:custGeom>
+            <a:ln w="13550" cap="flat">
+              <a:solidFill>
+                <a:srgbClr val="FFFFFF">
+                  <a:alpha val="100000"/>
+                </a:srgbClr>
+              </a:solidFill>
+              <a:prstDash val="solid"/>
+              <a:round/>
+            </a:ln>
+          </p:spPr>
+          <p:txBody>
+            <a:bodyPr/>
+            <a:lstStyle/>
+            <a:p/>
+          </p:txBody>
+        </p:sp>
+        <p:sp>
+          <p:nvSpPr>
+            <p:cNvPr id="27" name="pl26"/>
+            <p:cNvSpPr/>
+            <p:nvPr/>
+          </p:nvSpPr>
+          <p:spPr>
+            <a:xfrm>
+              <a:off x="1490486" y="1299735"/>
+              <a:ext cx="4192613" cy="0"/>
+            </a:xfrm>
+            <a:custGeom>
+              <a:avLst/>
+              <a:pathLst>
+                <a:path w="4192613" h="0">
+                  <a:moveTo>
+                    <a:pt x="0" y="0"/>
+                  </a:moveTo>
+                  <a:lnTo>
+                    <a:pt x="4192613" y="0"/>
+                  </a:lnTo>
+                  <a:lnTo>
+                    <a:pt x="4192613" y="0"/>
+                  </a:lnTo>
+                </a:path>
+              </a:pathLst>
+            </a:custGeom>
+            <a:ln w="13550" cap="flat">
+              <a:solidFill>
+                <a:srgbClr val="FFFFFF">
+                  <a:alpha val="100000"/>
+                </a:srgbClr>
+              </a:solidFill>
+              <a:prstDash val="solid"/>
+              <a:round/>
+            </a:ln>
+          </p:spPr>
+          <p:txBody>
+            <a:bodyPr/>
+            <a:lstStyle/>
+            <a:p/>
+          </p:txBody>
+        </p:sp>
+        <p:sp>
+          <p:nvSpPr>
+            <p:cNvPr id="28" name="pl27"/>
+            <p:cNvSpPr/>
+            <p:nvPr/>
+          </p:nvSpPr>
+          <p:spPr>
+            <a:xfrm>
+              <a:off x="1681059" y="983989"/>
               <a:ext cx="0" cy="3188077"/>
             </a:xfrm>
             <a:custGeom>
@@ -2980,7 +3281,7 @@
                 </a:path>
               </a:pathLst>
             </a:custGeom>
-            <a:ln w="6775" cap="flat">
+            <a:ln w="13550" cap="flat">
               <a:solidFill>
                 <a:srgbClr val="FFFFFF">
                   <a:alpha val="100000"/>
@@ -2998,13 +3299,13 @@
         </p:sp>
         <p:sp>
           <p:nvSpPr>
-            <p:cNvPr id="22" name="pl21"/>
-            <p:cNvSpPr/>
-            <p:nvPr/>
-          </p:nvSpPr>
-          <p:spPr>
-            <a:xfrm>
-              <a:off x="3798541" y="983989"/>
+            <p:cNvPr id="29" name="pl28"/>
+            <p:cNvSpPr/>
+            <p:nvPr/>
+          </p:nvSpPr>
+          <p:spPr>
+            <a:xfrm>
+              <a:off x="2245721" y="983989"/>
               <a:ext cx="0" cy="3188077"/>
             </a:xfrm>
             <a:custGeom>
@@ -3023,7 +3324,7 @@
                 </a:path>
               </a:pathLst>
             </a:custGeom>
-            <a:ln w="6775" cap="flat">
+            <a:ln w="13550" cap="flat">
               <a:solidFill>
                 <a:srgbClr val="FFFFFF">
                   <a:alpha val="100000"/>
@@ -3041,13 +3342,13 @@
         </p:sp>
         <p:sp>
           <p:nvSpPr>
-            <p:cNvPr id="23" name="pl22"/>
-            <p:cNvSpPr/>
-            <p:nvPr/>
-          </p:nvSpPr>
-          <p:spPr>
-            <a:xfrm>
-              <a:off x="4080872" y="983989"/>
+            <p:cNvPr id="30" name="pl29"/>
+            <p:cNvSpPr/>
+            <p:nvPr/>
+          </p:nvSpPr>
+          <p:spPr>
+            <a:xfrm>
+              <a:off x="2810383" y="983989"/>
               <a:ext cx="0" cy="3188077"/>
             </a:xfrm>
             <a:custGeom>
@@ -3066,7 +3367,7 @@
                 </a:path>
               </a:pathLst>
             </a:custGeom>
-            <a:ln w="6775" cap="flat">
+            <a:ln w="13550" cap="flat">
               <a:solidFill>
                 <a:srgbClr val="FFFFFF">
                   <a:alpha val="100000"/>
@@ -3084,13 +3385,13 @@
         </p:sp>
         <p:sp>
           <p:nvSpPr>
-            <p:cNvPr id="24" name="pl23"/>
-            <p:cNvSpPr/>
-            <p:nvPr/>
-          </p:nvSpPr>
-          <p:spPr>
-            <a:xfrm>
-              <a:off x="4363203" y="983989"/>
+            <p:cNvPr id="31" name="pl30"/>
+            <p:cNvSpPr/>
+            <p:nvPr/>
+          </p:nvSpPr>
+          <p:spPr>
+            <a:xfrm>
+              <a:off x="3375045" y="983989"/>
               <a:ext cx="0" cy="3188077"/>
             </a:xfrm>
             <a:custGeom>
@@ -3109,7 +3410,7 @@
                 </a:path>
               </a:pathLst>
             </a:custGeom>
-            <a:ln w="6775" cap="flat">
+            <a:ln w="13550" cap="flat">
               <a:solidFill>
                 <a:srgbClr val="FFFFFF">
                   <a:alpha val="100000"/>
@@ -3127,13 +3428,13 @@
         </p:sp>
         <p:sp>
           <p:nvSpPr>
-            <p:cNvPr id="25" name="pl24"/>
-            <p:cNvSpPr/>
-            <p:nvPr/>
-          </p:nvSpPr>
-          <p:spPr>
-            <a:xfrm>
-              <a:off x="4645534" y="983989"/>
+            <p:cNvPr id="32" name="pl31"/>
+            <p:cNvSpPr/>
+            <p:nvPr/>
+          </p:nvSpPr>
+          <p:spPr>
+            <a:xfrm>
+              <a:off x="3939706" y="983989"/>
               <a:ext cx="0" cy="3188077"/>
             </a:xfrm>
             <a:custGeom>
@@ -3152,7 +3453,7 @@
                 </a:path>
               </a:pathLst>
             </a:custGeom>
-            <a:ln w="6775" cap="flat">
+            <a:ln w="13550" cap="flat">
               <a:solidFill>
                 <a:srgbClr val="FFFFFF">
                   <a:alpha val="100000"/>
@@ -3170,13 +3471,13 @@
         </p:sp>
         <p:sp>
           <p:nvSpPr>
-            <p:cNvPr id="26" name="pl25"/>
-            <p:cNvSpPr/>
-            <p:nvPr/>
-          </p:nvSpPr>
-          <p:spPr>
-            <a:xfrm>
-              <a:off x="4927865" y="983989"/>
+            <p:cNvPr id="33" name="pl32"/>
+            <p:cNvSpPr/>
+            <p:nvPr/>
+          </p:nvSpPr>
+          <p:spPr>
+            <a:xfrm>
+              <a:off x="4504368" y="983989"/>
               <a:ext cx="0" cy="3188077"/>
             </a:xfrm>
             <a:custGeom>
@@ -3195,7 +3496,7 @@
                 </a:path>
               </a:pathLst>
             </a:custGeom>
-            <a:ln w="6775" cap="flat">
+            <a:ln w="13550" cap="flat">
               <a:solidFill>
                 <a:srgbClr val="FFFFFF">
                   <a:alpha val="100000"/>
@@ -3213,13 +3514,13 @@
         </p:sp>
         <p:sp>
           <p:nvSpPr>
-            <p:cNvPr id="27" name="pl26"/>
-            <p:cNvSpPr/>
-            <p:nvPr/>
-          </p:nvSpPr>
-          <p:spPr>
-            <a:xfrm>
-              <a:off x="5210196" y="983989"/>
+            <p:cNvPr id="34" name="pl33"/>
+            <p:cNvSpPr/>
+            <p:nvPr/>
+          </p:nvSpPr>
+          <p:spPr>
+            <a:xfrm>
+              <a:off x="5069030" y="983989"/>
               <a:ext cx="0" cy="3188077"/>
             </a:xfrm>
             <a:custGeom>
@@ -3238,7 +3539,7 @@
                 </a:path>
               </a:pathLst>
             </a:custGeom>
-            <a:ln w="6775" cap="flat">
+            <a:ln w="13550" cap="flat">
               <a:solidFill>
                 <a:srgbClr val="FFFFFF">
                   <a:alpha val="100000"/>
@@ -3256,13 +3557,13 @@
         </p:sp>
         <p:sp>
           <p:nvSpPr>
-            <p:cNvPr id="28" name="pl27"/>
-            <p:cNvSpPr/>
-            <p:nvPr/>
-          </p:nvSpPr>
-          <p:spPr>
-            <a:xfrm>
-              <a:off x="5492526" y="983989"/>
+            <p:cNvPr id="35" name="pl34"/>
+            <p:cNvSpPr/>
+            <p:nvPr/>
+          </p:nvSpPr>
+          <p:spPr>
+            <a:xfrm>
+              <a:off x="5633692" y="983989"/>
               <a:ext cx="0" cy="3188077"/>
             </a:xfrm>
             <a:custGeom>
@@ -3281,7 +3582,7 @@
                 </a:path>
               </a:pathLst>
             </a:custGeom>
-            <a:ln w="6775" cap="flat">
+            <a:ln w="13550" cap="flat">
               <a:solidFill>
                 <a:srgbClr val="FFFFFF">
                   <a:alpha val="100000"/>
@@ -3299,953 +3600,7 @@
         </p:sp>
         <p:sp>
           <p:nvSpPr>
-            <p:cNvPr id="29" name="pl28"/>
-            <p:cNvSpPr/>
-            <p:nvPr/>
-          </p:nvSpPr>
-          <p:spPr>
-            <a:xfrm>
-              <a:off x="1490486" y="4040699"/>
-              <a:ext cx="4192613" cy="0"/>
-            </a:xfrm>
-            <a:custGeom>
-              <a:avLst/>
-              <a:pathLst>
-                <a:path w="4192613" h="0">
-                  <a:moveTo>
-                    <a:pt x="0" y="0"/>
-                  </a:moveTo>
-                  <a:lnTo>
-                    <a:pt x="4192613" y="0"/>
-                  </a:lnTo>
-                  <a:lnTo>
-                    <a:pt x="4192613" y="0"/>
-                  </a:lnTo>
-                </a:path>
-              </a:pathLst>
-            </a:custGeom>
-            <a:ln w="13550" cap="flat">
-              <a:solidFill>
-                <a:srgbClr val="FFFFFF">
-                  <a:alpha val="100000"/>
-                </a:srgbClr>
-              </a:solidFill>
-              <a:prstDash val="solid"/>
-              <a:round/>
-            </a:ln>
-          </p:spPr>
-          <p:txBody>
-            <a:bodyPr/>
-            <a:lstStyle/>
-            <a:p/>
-          </p:txBody>
-        </p:sp>
-        <p:sp>
-          <p:nvSpPr>
-            <p:cNvPr id="30" name="pl29"/>
-            <p:cNvSpPr/>
-            <p:nvPr/>
-          </p:nvSpPr>
-          <p:spPr>
-            <a:xfrm>
-              <a:off x="1490486" y="3583871"/>
-              <a:ext cx="4192613" cy="0"/>
-            </a:xfrm>
-            <a:custGeom>
-              <a:avLst/>
-              <a:pathLst>
-                <a:path w="4192613" h="0">
-                  <a:moveTo>
-                    <a:pt x="0" y="0"/>
-                  </a:moveTo>
-                  <a:lnTo>
-                    <a:pt x="4192613" y="0"/>
-                  </a:lnTo>
-                  <a:lnTo>
-                    <a:pt x="4192613" y="0"/>
-                  </a:lnTo>
-                </a:path>
-              </a:pathLst>
-            </a:custGeom>
-            <a:ln w="13550" cap="flat">
-              <a:solidFill>
-                <a:srgbClr val="FFFFFF">
-                  <a:alpha val="100000"/>
-                </a:srgbClr>
-              </a:solidFill>
-              <a:prstDash val="solid"/>
-              <a:round/>
-            </a:ln>
-          </p:spPr>
-          <p:txBody>
-            <a:bodyPr/>
-            <a:lstStyle/>
-            <a:p/>
-          </p:txBody>
-        </p:sp>
-        <p:sp>
-          <p:nvSpPr>
-            <p:cNvPr id="31" name="pl30"/>
-            <p:cNvSpPr/>
-            <p:nvPr/>
-          </p:nvSpPr>
-          <p:spPr>
-            <a:xfrm>
-              <a:off x="1490486" y="3127044"/>
-              <a:ext cx="4192613" cy="0"/>
-            </a:xfrm>
-            <a:custGeom>
-              <a:avLst/>
-              <a:pathLst>
-                <a:path w="4192613" h="0">
-                  <a:moveTo>
-                    <a:pt x="0" y="0"/>
-                  </a:moveTo>
-                  <a:lnTo>
-                    <a:pt x="4192613" y="0"/>
-                  </a:lnTo>
-                  <a:lnTo>
-                    <a:pt x="4192613" y="0"/>
-                  </a:lnTo>
-                </a:path>
-              </a:pathLst>
-            </a:custGeom>
-            <a:ln w="13550" cap="flat">
-              <a:solidFill>
-                <a:srgbClr val="FFFFFF">
-                  <a:alpha val="100000"/>
-                </a:srgbClr>
-              </a:solidFill>
-              <a:prstDash val="solid"/>
-              <a:round/>
-            </a:ln>
-          </p:spPr>
-          <p:txBody>
-            <a:bodyPr/>
-            <a:lstStyle/>
-            <a:p/>
-          </p:txBody>
-        </p:sp>
-        <p:sp>
-          <p:nvSpPr>
-            <p:cNvPr id="32" name="pl31"/>
-            <p:cNvSpPr/>
-            <p:nvPr/>
-          </p:nvSpPr>
-          <p:spPr>
-            <a:xfrm>
-              <a:off x="1490486" y="2670217"/>
-              <a:ext cx="4192613" cy="0"/>
-            </a:xfrm>
-            <a:custGeom>
-              <a:avLst/>
-              <a:pathLst>
-                <a:path w="4192613" h="0">
-                  <a:moveTo>
-                    <a:pt x="0" y="0"/>
-                  </a:moveTo>
-                  <a:lnTo>
-                    <a:pt x="4192613" y="0"/>
-                  </a:lnTo>
-                  <a:lnTo>
-                    <a:pt x="4192613" y="0"/>
-                  </a:lnTo>
-                </a:path>
-              </a:pathLst>
-            </a:custGeom>
-            <a:ln w="13550" cap="flat">
-              <a:solidFill>
-                <a:srgbClr val="FFFFFF">
-                  <a:alpha val="100000"/>
-                </a:srgbClr>
-              </a:solidFill>
-              <a:prstDash val="solid"/>
-              <a:round/>
-            </a:ln>
-          </p:spPr>
-          <p:txBody>
-            <a:bodyPr/>
-            <a:lstStyle/>
-            <a:p/>
-          </p:txBody>
-        </p:sp>
-        <p:sp>
-          <p:nvSpPr>
-            <p:cNvPr id="33" name="pl32"/>
-            <p:cNvSpPr/>
-            <p:nvPr/>
-          </p:nvSpPr>
-          <p:spPr>
-            <a:xfrm>
-              <a:off x="1490486" y="2213389"/>
-              <a:ext cx="4192613" cy="0"/>
-            </a:xfrm>
-            <a:custGeom>
-              <a:avLst/>
-              <a:pathLst>
-                <a:path w="4192613" h="0">
-                  <a:moveTo>
-                    <a:pt x="0" y="0"/>
-                  </a:moveTo>
-                  <a:lnTo>
-                    <a:pt x="4192613" y="0"/>
-                  </a:lnTo>
-                  <a:lnTo>
-                    <a:pt x="4192613" y="0"/>
-                  </a:lnTo>
-                </a:path>
-              </a:pathLst>
-            </a:custGeom>
-            <a:ln w="13550" cap="flat">
-              <a:solidFill>
-                <a:srgbClr val="FFFFFF">
-                  <a:alpha val="100000"/>
-                </a:srgbClr>
-              </a:solidFill>
-              <a:prstDash val="solid"/>
-              <a:round/>
-            </a:ln>
-          </p:spPr>
-          <p:txBody>
-            <a:bodyPr/>
-            <a:lstStyle/>
-            <a:p/>
-          </p:txBody>
-        </p:sp>
-        <p:sp>
-          <p:nvSpPr>
-            <p:cNvPr id="34" name="pl33"/>
-            <p:cNvSpPr/>
-            <p:nvPr/>
-          </p:nvSpPr>
-          <p:spPr>
-            <a:xfrm>
-              <a:off x="1490486" y="1756562"/>
-              <a:ext cx="4192613" cy="0"/>
-            </a:xfrm>
-            <a:custGeom>
-              <a:avLst/>
-              <a:pathLst>
-                <a:path w="4192613" h="0">
-                  <a:moveTo>
-                    <a:pt x="0" y="0"/>
-                  </a:moveTo>
-                  <a:lnTo>
-                    <a:pt x="4192613" y="0"/>
-                  </a:lnTo>
-                  <a:lnTo>
-                    <a:pt x="4192613" y="0"/>
-                  </a:lnTo>
-                </a:path>
-              </a:pathLst>
-            </a:custGeom>
-            <a:ln w="13550" cap="flat">
-              <a:solidFill>
-                <a:srgbClr val="FFFFFF">
-                  <a:alpha val="100000"/>
-                </a:srgbClr>
-              </a:solidFill>
-              <a:prstDash val="solid"/>
-              <a:round/>
-            </a:ln>
-          </p:spPr>
-          <p:txBody>
-            <a:bodyPr/>
-            <a:lstStyle/>
-            <a:p/>
-          </p:txBody>
-        </p:sp>
-        <p:sp>
-          <p:nvSpPr>
-            <p:cNvPr id="35" name="pl34"/>
-            <p:cNvSpPr/>
-            <p:nvPr/>
-          </p:nvSpPr>
-          <p:spPr>
-            <a:xfrm>
-              <a:off x="1490486" y="1299735"/>
-              <a:ext cx="4192613" cy="0"/>
-            </a:xfrm>
-            <a:custGeom>
-              <a:avLst/>
-              <a:pathLst>
-                <a:path w="4192613" h="0">
-                  <a:moveTo>
-                    <a:pt x="0" y="0"/>
-                  </a:moveTo>
-                  <a:lnTo>
-                    <a:pt x="4192613" y="0"/>
-                  </a:lnTo>
-                  <a:lnTo>
-                    <a:pt x="4192613" y="0"/>
-                  </a:lnTo>
-                </a:path>
-              </a:pathLst>
-            </a:custGeom>
-            <a:ln w="13550" cap="flat">
-              <a:solidFill>
-                <a:srgbClr val="FFFFFF">
-                  <a:alpha val="100000"/>
-                </a:srgbClr>
-              </a:solidFill>
-              <a:prstDash val="solid"/>
-              <a:round/>
-            </a:ln>
-          </p:spPr>
-          <p:txBody>
-            <a:bodyPr/>
-            <a:lstStyle/>
-            <a:p/>
-          </p:txBody>
-        </p:sp>
-        <p:sp>
-          <p:nvSpPr>
             <p:cNvPr id="36" name="pl35"/>
-            <p:cNvSpPr/>
-            <p:nvPr/>
-          </p:nvSpPr>
-          <p:spPr>
-            <a:xfrm>
-              <a:off x="1681059" y="983989"/>
-              <a:ext cx="0" cy="3188077"/>
-            </a:xfrm>
-            <a:custGeom>
-              <a:avLst/>
-              <a:pathLst>
-                <a:path w="0" h="3188077">
-                  <a:moveTo>
-                    <a:pt x="0" y="3188077"/>
-                  </a:moveTo>
-                  <a:lnTo>
-                    <a:pt x="0" y="0"/>
-                  </a:lnTo>
-                  <a:lnTo>
-                    <a:pt x="0" y="0"/>
-                  </a:lnTo>
-                </a:path>
-              </a:pathLst>
-            </a:custGeom>
-            <a:ln w="13550" cap="flat">
-              <a:solidFill>
-                <a:srgbClr val="FFFFFF">
-                  <a:alpha val="100000"/>
-                </a:srgbClr>
-              </a:solidFill>
-              <a:prstDash val="solid"/>
-              <a:round/>
-            </a:ln>
-          </p:spPr>
-          <p:txBody>
-            <a:bodyPr/>
-            <a:lstStyle/>
-            <a:p/>
-          </p:txBody>
-        </p:sp>
-        <p:sp>
-          <p:nvSpPr>
-            <p:cNvPr id="37" name="pl36"/>
-            <p:cNvSpPr/>
-            <p:nvPr/>
-          </p:nvSpPr>
-          <p:spPr>
-            <a:xfrm>
-              <a:off x="1963390" y="983989"/>
-              <a:ext cx="0" cy="3188077"/>
-            </a:xfrm>
-            <a:custGeom>
-              <a:avLst/>
-              <a:pathLst>
-                <a:path w="0" h="3188077">
-                  <a:moveTo>
-                    <a:pt x="0" y="3188077"/>
-                  </a:moveTo>
-                  <a:lnTo>
-                    <a:pt x="0" y="0"/>
-                  </a:lnTo>
-                  <a:lnTo>
-                    <a:pt x="0" y="0"/>
-                  </a:lnTo>
-                </a:path>
-              </a:pathLst>
-            </a:custGeom>
-            <a:ln w="13550" cap="flat">
-              <a:solidFill>
-                <a:srgbClr val="FFFFFF">
-                  <a:alpha val="100000"/>
-                </a:srgbClr>
-              </a:solidFill>
-              <a:prstDash val="solid"/>
-              <a:round/>
-            </a:ln>
-          </p:spPr>
-          <p:txBody>
-            <a:bodyPr/>
-            <a:lstStyle/>
-            <a:p/>
-          </p:txBody>
-        </p:sp>
-        <p:sp>
-          <p:nvSpPr>
-            <p:cNvPr id="38" name="pl37"/>
-            <p:cNvSpPr/>
-            <p:nvPr/>
-          </p:nvSpPr>
-          <p:spPr>
-            <a:xfrm>
-              <a:off x="2245721" y="983989"/>
-              <a:ext cx="0" cy="3188077"/>
-            </a:xfrm>
-            <a:custGeom>
-              <a:avLst/>
-              <a:pathLst>
-                <a:path w="0" h="3188077">
-                  <a:moveTo>
-                    <a:pt x="0" y="3188077"/>
-                  </a:moveTo>
-                  <a:lnTo>
-                    <a:pt x="0" y="0"/>
-                  </a:lnTo>
-                  <a:lnTo>
-                    <a:pt x="0" y="0"/>
-                  </a:lnTo>
-                </a:path>
-              </a:pathLst>
-            </a:custGeom>
-            <a:ln w="13550" cap="flat">
-              <a:solidFill>
-                <a:srgbClr val="FFFFFF">
-                  <a:alpha val="100000"/>
-                </a:srgbClr>
-              </a:solidFill>
-              <a:prstDash val="solid"/>
-              <a:round/>
-            </a:ln>
-          </p:spPr>
-          <p:txBody>
-            <a:bodyPr/>
-            <a:lstStyle/>
-            <a:p/>
-          </p:txBody>
-        </p:sp>
-        <p:sp>
-          <p:nvSpPr>
-            <p:cNvPr id="39" name="pl38"/>
-            <p:cNvSpPr/>
-            <p:nvPr/>
-          </p:nvSpPr>
-          <p:spPr>
-            <a:xfrm>
-              <a:off x="2528052" y="983989"/>
-              <a:ext cx="0" cy="3188077"/>
-            </a:xfrm>
-            <a:custGeom>
-              <a:avLst/>
-              <a:pathLst>
-                <a:path w="0" h="3188077">
-                  <a:moveTo>
-                    <a:pt x="0" y="3188077"/>
-                  </a:moveTo>
-                  <a:lnTo>
-                    <a:pt x="0" y="0"/>
-                  </a:lnTo>
-                  <a:lnTo>
-                    <a:pt x="0" y="0"/>
-                  </a:lnTo>
-                </a:path>
-              </a:pathLst>
-            </a:custGeom>
-            <a:ln w="13550" cap="flat">
-              <a:solidFill>
-                <a:srgbClr val="FFFFFF">
-                  <a:alpha val="100000"/>
-                </a:srgbClr>
-              </a:solidFill>
-              <a:prstDash val="solid"/>
-              <a:round/>
-            </a:ln>
-          </p:spPr>
-          <p:txBody>
-            <a:bodyPr/>
-            <a:lstStyle/>
-            <a:p/>
-          </p:txBody>
-        </p:sp>
-        <p:sp>
-          <p:nvSpPr>
-            <p:cNvPr id="40" name="pl39"/>
-            <p:cNvSpPr/>
-            <p:nvPr/>
-          </p:nvSpPr>
-          <p:spPr>
-            <a:xfrm>
-              <a:off x="2810383" y="983989"/>
-              <a:ext cx="0" cy="3188077"/>
-            </a:xfrm>
-            <a:custGeom>
-              <a:avLst/>
-              <a:pathLst>
-                <a:path w="0" h="3188077">
-                  <a:moveTo>
-                    <a:pt x="0" y="3188077"/>
-                  </a:moveTo>
-                  <a:lnTo>
-                    <a:pt x="0" y="0"/>
-                  </a:lnTo>
-                  <a:lnTo>
-                    <a:pt x="0" y="0"/>
-                  </a:lnTo>
-                </a:path>
-              </a:pathLst>
-            </a:custGeom>
-            <a:ln w="13550" cap="flat">
-              <a:solidFill>
-                <a:srgbClr val="FFFFFF">
-                  <a:alpha val="100000"/>
-                </a:srgbClr>
-              </a:solidFill>
-              <a:prstDash val="solid"/>
-              <a:round/>
-            </a:ln>
-          </p:spPr>
-          <p:txBody>
-            <a:bodyPr/>
-            <a:lstStyle/>
-            <a:p/>
-          </p:txBody>
-        </p:sp>
-        <p:sp>
-          <p:nvSpPr>
-            <p:cNvPr id="41" name="pl40"/>
-            <p:cNvSpPr/>
-            <p:nvPr/>
-          </p:nvSpPr>
-          <p:spPr>
-            <a:xfrm>
-              <a:off x="3092714" y="983989"/>
-              <a:ext cx="0" cy="3188077"/>
-            </a:xfrm>
-            <a:custGeom>
-              <a:avLst/>
-              <a:pathLst>
-                <a:path w="0" h="3188077">
-                  <a:moveTo>
-                    <a:pt x="0" y="3188077"/>
-                  </a:moveTo>
-                  <a:lnTo>
-                    <a:pt x="0" y="0"/>
-                  </a:lnTo>
-                  <a:lnTo>
-                    <a:pt x="0" y="0"/>
-                  </a:lnTo>
-                </a:path>
-              </a:pathLst>
-            </a:custGeom>
-            <a:ln w="13550" cap="flat">
-              <a:solidFill>
-                <a:srgbClr val="FFFFFF">
-                  <a:alpha val="100000"/>
-                </a:srgbClr>
-              </a:solidFill>
-              <a:prstDash val="solid"/>
-              <a:round/>
-            </a:ln>
-          </p:spPr>
-          <p:txBody>
-            <a:bodyPr/>
-            <a:lstStyle/>
-            <a:p/>
-          </p:txBody>
-        </p:sp>
-        <p:sp>
-          <p:nvSpPr>
-            <p:cNvPr id="42" name="pl41"/>
-            <p:cNvSpPr/>
-            <p:nvPr/>
-          </p:nvSpPr>
-          <p:spPr>
-            <a:xfrm>
-              <a:off x="3375045" y="983989"/>
-              <a:ext cx="0" cy="3188077"/>
-            </a:xfrm>
-            <a:custGeom>
-              <a:avLst/>
-              <a:pathLst>
-                <a:path w="0" h="3188077">
-                  <a:moveTo>
-                    <a:pt x="0" y="3188077"/>
-                  </a:moveTo>
-                  <a:lnTo>
-                    <a:pt x="0" y="0"/>
-                  </a:lnTo>
-                  <a:lnTo>
-                    <a:pt x="0" y="0"/>
-                  </a:lnTo>
-                </a:path>
-              </a:pathLst>
-            </a:custGeom>
-            <a:ln w="13550" cap="flat">
-              <a:solidFill>
-                <a:srgbClr val="FFFFFF">
-                  <a:alpha val="100000"/>
-                </a:srgbClr>
-              </a:solidFill>
-              <a:prstDash val="solid"/>
-              <a:round/>
-            </a:ln>
-          </p:spPr>
-          <p:txBody>
-            <a:bodyPr/>
-            <a:lstStyle/>
-            <a:p/>
-          </p:txBody>
-        </p:sp>
-        <p:sp>
-          <p:nvSpPr>
-            <p:cNvPr id="43" name="pl42"/>
-            <p:cNvSpPr/>
-            <p:nvPr/>
-          </p:nvSpPr>
-          <p:spPr>
-            <a:xfrm>
-              <a:off x="3657376" y="983989"/>
-              <a:ext cx="0" cy="3188077"/>
-            </a:xfrm>
-            <a:custGeom>
-              <a:avLst/>
-              <a:pathLst>
-                <a:path w="0" h="3188077">
-                  <a:moveTo>
-                    <a:pt x="0" y="3188077"/>
-                  </a:moveTo>
-                  <a:lnTo>
-                    <a:pt x="0" y="0"/>
-                  </a:lnTo>
-                  <a:lnTo>
-                    <a:pt x="0" y="0"/>
-                  </a:lnTo>
-                </a:path>
-              </a:pathLst>
-            </a:custGeom>
-            <a:ln w="13550" cap="flat">
-              <a:solidFill>
-                <a:srgbClr val="FFFFFF">
-                  <a:alpha val="100000"/>
-                </a:srgbClr>
-              </a:solidFill>
-              <a:prstDash val="solid"/>
-              <a:round/>
-            </a:ln>
-          </p:spPr>
-          <p:txBody>
-            <a:bodyPr/>
-            <a:lstStyle/>
-            <a:p/>
-          </p:txBody>
-        </p:sp>
-        <p:sp>
-          <p:nvSpPr>
-            <p:cNvPr id="44" name="pl43"/>
-            <p:cNvSpPr/>
-            <p:nvPr/>
-          </p:nvSpPr>
-          <p:spPr>
-            <a:xfrm>
-              <a:off x="3939706" y="983989"/>
-              <a:ext cx="0" cy="3188077"/>
-            </a:xfrm>
-            <a:custGeom>
-              <a:avLst/>
-              <a:pathLst>
-                <a:path w="0" h="3188077">
-                  <a:moveTo>
-                    <a:pt x="0" y="3188077"/>
-                  </a:moveTo>
-                  <a:lnTo>
-                    <a:pt x="0" y="0"/>
-                  </a:lnTo>
-                  <a:lnTo>
-                    <a:pt x="0" y="0"/>
-                  </a:lnTo>
-                </a:path>
-              </a:pathLst>
-            </a:custGeom>
-            <a:ln w="13550" cap="flat">
-              <a:solidFill>
-                <a:srgbClr val="FFFFFF">
-                  <a:alpha val="100000"/>
-                </a:srgbClr>
-              </a:solidFill>
-              <a:prstDash val="solid"/>
-              <a:round/>
-            </a:ln>
-          </p:spPr>
-          <p:txBody>
-            <a:bodyPr/>
-            <a:lstStyle/>
-            <a:p/>
-          </p:txBody>
-        </p:sp>
-        <p:sp>
-          <p:nvSpPr>
-            <p:cNvPr id="45" name="pl44"/>
-            <p:cNvSpPr/>
-            <p:nvPr/>
-          </p:nvSpPr>
-          <p:spPr>
-            <a:xfrm>
-              <a:off x="4222037" y="983989"/>
-              <a:ext cx="0" cy="3188077"/>
-            </a:xfrm>
-            <a:custGeom>
-              <a:avLst/>
-              <a:pathLst>
-                <a:path w="0" h="3188077">
-                  <a:moveTo>
-                    <a:pt x="0" y="3188077"/>
-                  </a:moveTo>
-                  <a:lnTo>
-                    <a:pt x="0" y="0"/>
-                  </a:lnTo>
-                  <a:lnTo>
-                    <a:pt x="0" y="0"/>
-                  </a:lnTo>
-                </a:path>
-              </a:pathLst>
-            </a:custGeom>
-            <a:ln w="13550" cap="flat">
-              <a:solidFill>
-                <a:srgbClr val="FFFFFF">
-                  <a:alpha val="100000"/>
-                </a:srgbClr>
-              </a:solidFill>
-              <a:prstDash val="solid"/>
-              <a:round/>
-            </a:ln>
-          </p:spPr>
-          <p:txBody>
-            <a:bodyPr/>
-            <a:lstStyle/>
-            <a:p/>
-          </p:txBody>
-        </p:sp>
-        <p:sp>
-          <p:nvSpPr>
-            <p:cNvPr id="46" name="pl45"/>
-            <p:cNvSpPr/>
-            <p:nvPr/>
-          </p:nvSpPr>
-          <p:spPr>
-            <a:xfrm>
-              <a:off x="4504368" y="983989"/>
-              <a:ext cx="0" cy="3188077"/>
-            </a:xfrm>
-            <a:custGeom>
-              <a:avLst/>
-              <a:pathLst>
-                <a:path w="0" h="3188077">
-                  <a:moveTo>
-                    <a:pt x="0" y="3188077"/>
-                  </a:moveTo>
-                  <a:lnTo>
-                    <a:pt x="0" y="0"/>
-                  </a:lnTo>
-                  <a:lnTo>
-                    <a:pt x="0" y="0"/>
-                  </a:lnTo>
-                </a:path>
-              </a:pathLst>
-            </a:custGeom>
-            <a:ln w="13550" cap="flat">
-              <a:solidFill>
-                <a:srgbClr val="FFFFFF">
-                  <a:alpha val="100000"/>
-                </a:srgbClr>
-              </a:solidFill>
-              <a:prstDash val="solid"/>
-              <a:round/>
-            </a:ln>
-          </p:spPr>
-          <p:txBody>
-            <a:bodyPr/>
-            <a:lstStyle/>
-            <a:p/>
-          </p:txBody>
-        </p:sp>
-        <p:sp>
-          <p:nvSpPr>
-            <p:cNvPr id="47" name="pl46"/>
-            <p:cNvSpPr/>
-            <p:nvPr/>
-          </p:nvSpPr>
-          <p:spPr>
-            <a:xfrm>
-              <a:off x="4786699" y="983989"/>
-              <a:ext cx="0" cy="3188077"/>
-            </a:xfrm>
-            <a:custGeom>
-              <a:avLst/>
-              <a:pathLst>
-                <a:path w="0" h="3188077">
-                  <a:moveTo>
-                    <a:pt x="0" y="3188077"/>
-                  </a:moveTo>
-                  <a:lnTo>
-                    <a:pt x="0" y="0"/>
-                  </a:lnTo>
-                  <a:lnTo>
-                    <a:pt x="0" y="0"/>
-                  </a:lnTo>
-                </a:path>
-              </a:pathLst>
-            </a:custGeom>
-            <a:ln w="13550" cap="flat">
-              <a:solidFill>
-                <a:srgbClr val="FFFFFF">
-                  <a:alpha val="100000"/>
-                </a:srgbClr>
-              </a:solidFill>
-              <a:prstDash val="solid"/>
-              <a:round/>
-            </a:ln>
-          </p:spPr>
-          <p:txBody>
-            <a:bodyPr/>
-            <a:lstStyle/>
-            <a:p/>
-          </p:txBody>
-        </p:sp>
-        <p:sp>
-          <p:nvSpPr>
-            <p:cNvPr id="48" name="pl47"/>
-            <p:cNvSpPr/>
-            <p:nvPr/>
-          </p:nvSpPr>
-          <p:spPr>
-            <a:xfrm>
-              <a:off x="5069030" y="983989"/>
-              <a:ext cx="0" cy="3188077"/>
-            </a:xfrm>
-            <a:custGeom>
-              <a:avLst/>
-              <a:pathLst>
-                <a:path w="0" h="3188077">
-                  <a:moveTo>
-                    <a:pt x="0" y="3188077"/>
-                  </a:moveTo>
-                  <a:lnTo>
-                    <a:pt x="0" y="0"/>
-                  </a:lnTo>
-                  <a:lnTo>
-                    <a:pt x="0" y="0"/>
-                  </a:lnTo>
-                </a:path>
-              </a:pathLst>
-            </a:custGeom>
-            <a:ln w="13550" cap="flat">
-              <a:solidFill>
-                <a:srgbClr val="FFFFFF">
-                  <a:alpha val="100000"/>
-                </a:srgbClr>
-              </a:solidFill>
-              <a:prstDash val="solid"/>
-              <a:round/>
-            </a:ln>
-          </p:spPr>
-          <p:txBody>
-            <a:bodyPr/>
-            <a:lstStyle/>
-            <a:p/>
-          </p:txBody>
-        </p:sp>
-        <p:sp>
-          <p:nvSpPr>
-            <p:cNvPr id="49" name="pl48"/>
-            <p:cNvSpPr/>
-            <p:nvPr/>
-          </p:nvSpPr>
-          <p:spPr>
-            <a:xfrm>
-              <a:off x="5351361" y="983989"/>
-              <a:ext cx="0" cy="3188077"/>
-            </a:xfrm>
-            <a:custGeom>
-              <a:avLst/>
-              <a:pathLst>
-                <a:path w="0" h="3188077">
-                  <a:moveTo>
-                    <a:pt x="0" y="3188077"/>
-                  </a:moveTo>
-                  <a:lnTo>
-                    <a:pt x="0" y="0"/>
-                  </a:lnTo>
-                  <a:lnTo>
-                    <a:pt x="0" y="0"/>
-                  </a:lnTo>
-                </a:path>
-              </a:pathLst>
-            </a:custGeom>
-            <a:ln w="13550" cap="flat">
-              <a:solidFill>
-                <a:srgbClr val="FFFFFF">
-                  <a:alpha val="100000"/>
-                </a:srgbClr>
-              </a:solidFill>
-              <a:prstDash val="solid"/>
-              <a:round/>
-            </a:ln>
-          </p:spPr>
-          <p:txBody>
-            <a:bodyPr/>
-            <a:lstStyle/>
-            <a:p/>
-          </p:txBody>
-        </p:sp>
-        <p:sp>
-          <p:nvSpPr>
-            <p:cNvPr id="50" name="pl49"/>
-            <p:cNvSpPr/>
-            <p:nvPr/>
-          </p:nvSpPr>
-          <p:spPr>
-            <a:xfrm>
-              <a:off x="5633692" y="983989"/>
-              <a:ext cx="0" cy="3188077"/>
-            </a:xfrm>
-            <a:custGeom>
-              <a:avLst/>
-              <a:pathLst>
-                <a:path w="0" h="3188077">
-                  <a:moveTo>
-                    <a:pt x="0" y="3188077"/>
-                  </a:moveTo>
-                  <a:lnTo>
-                    <a:pt x="0" y="0"/>
-                  </a:lnTo>
-                  <a:lnTo>
-                    <a:pt x="0" y="0"/>
-                  </a:lnTo>
-                </a:path>
-              </a:pathLst>
-            </a:custGeom>
-            <a:ln w="13550" cap="flat">
-              <a:solidFill>
-                <a:srgbClr val="FFFFFF">
-                  <a:alpha val="100000"/>
-                </a:srgbClr>
-              </a:solidFill>
-              <a:prstDash val="solid"/>
-              <a:round/>
-            </a:ln>
-          </p:spPr>
-          <p:txBody>
-            <a:bodyPr/>
-            <a:lstStyle/>
-            <a:p/>
-          </p:txBody>
-        </p:sp>
-        <p:sp>
-          <p:nvSpPr>
-            <p:cNvPr id="51" name="pl50"/>
             <p:cNvSpPr/>
             <p:nvPr/>
           </p:nvSpPr>
@@ -4354,7 +3709,7 @@
         </p:sp>
         <p:sp>
           <p:nvSpPr>
-            <p:cNvPr id="52" name="pl51"/>
+            <p:cNvPr id="37" name="pl36"/>
             <p:cNvSpPr/>
             <p:nvPr/>
           </p:nvSpPr>
@@ -4472,7 +3827,7 @@
         </p:sp>
         <p:sp>
           <p:nvSpPr>
-            <p:cNvPr id="53" name="pl52"/>
+            <p:cNvPr id="38" name="pl37"/>
             <p:cNvSpPr/>
             <p:nvPr/>
           </p:nvSpPr>
@@ -4584,7 +3939,7 @@
         </p:sp>
         <p:sp>
           <p:nvSpPr>
-            <p:cNvPr id="54" name="pl53"/>
+            <p:cNvPr id="39" name="pl38"/>
             <p:cNvSpPr/>
             <p:nvPr/>
           </p:nvSpPr>
@@ -4696,13 +4051,538 @@
         </p:sp>
         <p:sp>
           <p:nvSpPr>
+            <p:cNvPr id="40" name="pt39"/>
+            <p:cNvSpPr/>
+            <p:nvPr/>
+          </p:nvSpPr>
+          <p:spPr>
+            <a:xfrm>
+              <a:off x="2467935" y="4001527"/>
+              <a:ext cx="49651" cy="49651"/>
+            </a:xfrm>
+            <a:prstGeom prst="ellipse">
+              <a:avLst/>
+            </a:prstGeom>
+            <a:solidFill>
+              <a:srgbClr val="F8766D">
+                <a:alpha val="100000"/>
+              </a:srgbClr>
+            </a:solidFill>
+            <a:ln w="9000" cap="rnd">
+              <a:solidFill>
+                <a:srgbClr val="F8766D">
+                  <a:alpha val="100000"/>
+                </a:srgbClr>
+              </a:solidFill>
+              <a:prstDash val="solid"/>
+              <a:round/>
+            </a:ln>
+          </p:spPr>
+          <p:txBody>
+            <a:bodyPr/>
+            <a:lstStyle/>
+            <a:p/>
+          </p:txBody>
+        </p:sp>
+        <p:sp>
+          <p:nvSpPr>
+            <p:cNvPr id="41" name="pt40"/>
+            <p:cNvSpPr/>
+            <p:nvPr/>
+          </p:nvSpPr>
+          <p:spPr>
+            <a:xfrm>
+              <a:off x="3385510" y="3566121"/>
+              <a:ext cx="49651" cy="49651"/>
+            </a:xfrm>
+            <a:prstGeom prst="ellipse">
+              <a:avLst/>
+            </a:prstGeom>
+            <a:solidFill>
+              <a:srgbClr val="F8766D">
+                <a:alpha val="100000"/>
+              </a:srgbClr>
+            </a:solidFill>
+            <a:ln w="9000" cap="rnd">
+              <a:solidFill>
+                <a:srgbClr val="F8766D">
+                  <a:alpha val="100000"/>
+                </a:srgbClr>
+              </a:solidFill>
+              <a:prstDash val="solid"/>
+              <a:round/>
+            </a:ln>
+          </p:spPr>
+          <p:txBody>
+            <a:bodyPr/>
+            <a:lstStyle/>
+            <a:p/>
+          </p:txBody>
+        </p:sp>
+        <p:sp>
+          <p:nvSpPr>
+            <p:cNvPr id="42" name="pt41"/>
+            <p:cNvSpPr/>
+            <p:nvPr/>
+          </p:nvSpPr>
+          <p:spPr>
+            <a:xfrm>
+              <a:off x="3526676" y="3404493"/>
+              <a:ext cx="49651" cy="49651"/>
+            </a:xfrm>
+            <a:prstGeom prst="ellipse">
+              <a:avLst/>
+            </a:prstGeom>
+            <a:solidFill>
+              <a:srgbClr val="F8766D">
+                <a:alpha val="100000"/>
+              </a:srgbClr>
+            </a:solidFill>
+            <a:ln w="9000" cap="rnd">
+              <a:solidFill>
+                <a:srgbClr val="F8766D">
+                  <a:alpha val="100000"/>
+                </a:srgbClr>
+              </a:solidFill>
+              <a:prstDash val="solid"/>
+              <a:round/>
+            </a:ln>
+          </p:spPr>
+          <p:txBody>
+            <a:bodyPr/>
+            <a:lstStyle/>
+            <a:p/>
+          </p:txBody>
+        </p:sp>
+        <p:sp>
+          <p:nvSpPr>
+            <p:cNvPr id="43" name="pt42"/>
+            <p:cNvSpPr/>
+            <p:nvPr/>
+          </p:nvSpPr>
+          <p:spPr>
+            <a:xfrm>
+              <a:off x="3632550" y="3246649"/>
+              <a:ext cx="49651" cy="49651"/>
+            </a:xfrm>
+            <a:prstGeom prst="ellipse">
+              <a:avLst/>
+            </a:prstGeom>
+            <a:solidFill>
+              <a:srgbClr val="F8766D">
+                <a:alpha val="100000"/>
+              </a:srgbClr>
+            </a:solidFill>
+            <a:ln w="9000" cap="rnd">
+              <a:solidFill>
+                <a:srgbClr val="F8766D">
+                  <a:alpha val="100000"/>
+                </a:srgbClr>
+              </a:solidFill>
+              <a:prstDash val="solid"/>
+              <a:round/>
+            </a:ln>
+          </p:spPr>
+          <p:txBody>
+            <a:bodyPr/>
+            <a:lstStyle/>
+            <a:p/>
+          </p:txBody>
+        </p:sp>
+        <p:sp>
+          <p:nvSpPr>
+            <p:cNvPr id="44" name="pt43"/>
+            <p:cNvSpPr/>
+            <p:nvPr/>
+          </p:nvSpPr>
+          <p:spPr>
+            <a:xfrm>
+              <a:off x="3738424" y="2942098"/>
+              <a:ext cx="49651" cy="49651"/>
+            </a:xfrm>
+            <a:prstGeom prst="ellipse">
+              <a:avLst/>
+            </a:prstGeom>
+            <a:solidFill>
+              <a:srgbClr val="F8766D">
+                <a:alpha val="100000"/>
+              </a:srgbClr>
+            </a:solidFill>
+            <a:ln w="9000" cap="rnd">
+              <a:solidFill>
+                <a:srgbClr val="F8766D">
+                  <a:alpha val="100000"/>
+                </a:srgbClr>
+              </a:solidFill>
+              <a:prstDash val="solid"/>
+              <a:round/>
+            </a:ln>
+          </p:spPr>
+          <p:txBody>
+            <a:bodyPr/>
+            <a:lstStyle/>
+            <a:p/>
+          </p:txBody>
+        </p:sp>
+        <p:sp>
+          <p:nvSpPr>
+            <p:cNvPr id="45" name="pt44"/>
+            <p:cNvSpPr/>
+            <p:nvPr/>
+          </p:nvSpPr>
+          <p:spPr>
+            <a:xfrm>
+              <a:off x="3809006" y="2629743"/>
+              <a:ext cx="49651" cy="49651"/>
+            </a:xfrm>
+            <a:prstGeom prst="ellipse">
+              <a:avLst/>
+            </a:prstGeom>
+            <a:solidFill>
+              <a:srgbClr val="F8766D">
+                <a:alpha val="100000"/>
+              </a:srgbClr>
+            </a:solidFill>
+            <a:ln w="9000" cap="rnd">
+              <a:solidFill>
+                <a:srgbClr val="F8766D">
+                  <a:alpha val="100000"/>
+                </a:srgbClr>
+              </a:solidFill>
+              <a:prstDash val="solid"/>
+              <a:round/>
+            </a:ln>
+          </p:spPr>
+          <p:txBody>
+            <a:bodyPr/>
+            <a:lstStyle/>
+            <a:p/>
+          </p:txBody>
+        </p:sp>
+        <p:sp>
+          <p:nvSpPr>
+            <p:cNvPr id="46" name="pt45"/>
+            <p:cNvSpPr/>
+            <p:nvPr/>
+          </p:nvSpPr>
+          <p:spPr>
+            <a:xfrm>
+              <a:off x="3879589" y="2243567"/>
+              <a:ext cx="49651" cy="49651"/>
+            </a:xfrm>
+            <a:prstGeom prst="ellipse">
+              <a:avLst/>
+            </a:prstGeom>
+            <a:solidFill>
+              <a:srgbClr val="F8766D">
+                <a:alpha val="100000"/>
+              </a:srgbClr>
+            </a:solidFill>
+            <a:ln w="9000" cap="rnd">
+              <a:solidFill>
+                <a:srgbClr val="F8766D">
+                  <a:alpha val="100000"/>
+                </a:srgbClr>
+              </a:solidFill>
+              <a:prstDash val="solid"/>
+              <a:round/>
+            </a:ln>
+          </p:spPr>
+          <p:txBody>
+            <a:bodyPr/>
+            <a:lstStyle/>
+            <a:p/>
+          </p:txBody>
+        </p:sp>
+        <p:sp>
+          <p:nvSpPr>
+            <p:cNvPr id="47" name="pt46"/>
+            <p:cNvSpPr/>
+            <p:nvPr/>
+          </p:nvSpPr>
+          <p:spPr>
+            <a:xfrm>
+              <a:off x="3950172" y="1866832"/>
+              <a:ext cx="49651" cy="49651"/>
+            </a:xfrm>
+            <a:prstGeom prst="ellipse">
+              <a:avLst/>
+            </a:prstGeom>
+            <a:solidFill>
+              <a:srgbClr val="F8766D">
+                <a:alpha val="100000"/>
+              </a:srgbClr>
+            </a:solidFill>
+            <a:ln w="9000" cap="rnd">
+              <a:solidFill>
+                <a:srgbClr val="F8766D">
+                  <a:alpha val="100000"/>
+                </a:srgbClr>
+              </a:solidFill>
+              <a:prstDash val="solid"/>
+              <a:round/>
+            </a:ln>
+          </p:spPr>
+          <p:txBody>
+            <a:bodyPr/>
+            <a:lstStyle/>
+            <a:p/>
+          </p:txBody>
+        </p:sp>
+        <p:sp>
+          <p:nvSpPr>
+            <p:cNvPr id="48" name="pt47"/>
+            <p:cNvSpPr/>
+            <p:nvPr/>
+          </p:nvSpPr>
+          <p:spPr>
+            <a:xfrm>
+              <a:off x="4020755" y="1525708"/>
+              <a:ext cx="49651" cy="49651"/>
+            </a:xfrm>
+            <a:prstGeom prst="ellipse">
+              <a:avLst/>
+            </a:prstGeom>
+            <a:solidFill>
+              <a:srgbClr val="F8766D">
+                <a:alpha val="100000"/>
+              </a:srgbClr>
+            </a:solidFill>
+            <a:ln w="9000" cap="rnd">
+              <a:solidFill>
+                <a:srgbClr val="F8766D">
+                  <a:alpha val="100000"/>
+                </a:srgbClr>
+              </a:solidFill>
+              <a:prstDash val="solid"/>
+              <a:round/>
+            </a:ln>
+          </p:spPr>
+          <p:txBody>
+            <a:bodyPr/>
+            <a:lstStyle/>
+            <a:p/>
+          </p:txBody>
+        </p:sp>
+        <p:sp>
+          <p:nvSpPr>
+            <p:cNvPr id="49" name="pt48"/>
+            <p:cNvSpPr/>
+            <p:nvPr/>
+          </p:nvSpPr>
+          <p:spPr>
+            <a:xfrm>
+              <a:off x="4091337" y="1263007"/>
+              <a:ext cx="49651" cy="49651"/>
+            </a:xfrm>
+            <a:prstGeom prst="ellipse">
+              <a:avLst/>
+            </a:prstGeom>
+            <a:solidFill>
+              <a:srgbClr val="F8766D">
+                <a:alpha val="100000"/>
+              </a:srgbClr>
+            </a:solidFill>
+            <a:ln w="9000" cap="rnd">
+              <a:solidFill>
+                <a:srgbClr val="F8766D">
+                  <a:alpha val="100000"/>
+                </a:srgbClr>
+              </a:solidFill>
+              <a:prstDash val="solid"/>
+              <a:round/>
+            </a:ln>
+          </p:spPr>
+          <p:txBody>
+            <a:bodyPr/>
+            <a:lstStyle/>
+            <a:p/>
+          </p:txBody>
+        </p:sp>
+        <p:sp>
+          <p:nvSpPr>
+            <p:cNvPr id="50" name="pt49"/>
+            <p:cNvSpPr/>
+            <p:nvPr/>
+          </p:nvSpPr>
+          <p:spPr>
+            <a:xfrm>
+              <a:off x="4161920" y="1270783"/>
+              <a:ext cx="49651" cy="49651"/>
+            </a:xfrm>
+            <a:prstGeom prst="ellipse">
+              <a:avLst/>
+            </a:prstGeom>
+            <a:solidFill>
+              <a:srgbClr val="F8766D">
+                <a:alpha val="100000"/>
+              </a:srgbClr>
+            </a:solidFill>
+            <a:ln w="9000" cap="rnd">
+              <a:solidFill>
+                <a:srgbClr val="F8766D">
+                  <a:alpha val="100000"/>
+                </a:srgbClr>
+              </a:solidFill>
+              <a:prstDash val="solid"/>
+              <a:round/>
+            </a:ln>
+          </p:spPr>
+          <p:txBody>
+            <a:bodyPr/>
+            <a:lstStyle/>
+            <a:p/>
+          </p:txBody>
+        </p:sp>
+        <p:sp>
+          <p:nvSpPr>
+            <p:cNvPr id="51" name="pt50"/>
+            <p:cNvSpPr/>
+            <p:nvPr/>
+          </p:nvSpPr>
+          <p:spPr>
+            <a:xfrm>
+              <a:off x="4232503" y="1520096"/>
+              <a:ext cx="49651" cy="49651"/>
+            </a:xfrm>
+            <a:prstGeom prst="ellipse">
+              <a:avLst/>
+            </a:prstGeom>
+            <a:solidFill>
+              <a:srgbClr val="F8766D">
+                <a:alpha val="100000"/>
+              </a:srgbClr>
+            </a:solidFill>
+            <a:ln w="9000" cap="rnd">
+              <a:solidFill>
+                <a:srgbClr val="F8766D">
+                  <a:alpha val="100000"/>
+                </a:srgbClr>
+              </a:solidFill>
+              <a:prstDash val="solid"/>
+              <a:round/>
+            </a:ln>
+          </p:spPr>
+          <p:txBody>
+            <a:bodyPr/>
+            <a:lstStyle/>
+            <a:p/>
+          </p:txBody>
+        </p:sp>
+        <p:sp>
+          <p:nvSpPr>
+            <p:cNvPr id="52" name="pt51"/>
+            <p:cNvSpPr/>
+            <p:nvPr/>
+          </p:nvSpPr>
+          <p:spPr>
+            <a:xfrm>
+              <a:off x="4303086" y="1866912"/>
+              <a:ext cx="49651" cy="49651"/>
+            </a:xfrm>
+            <a:prstGeom prst="ellipse">
+              <a:avLst/>
+            </a:prstGeom>
+            <a:solidFill>
+              <a:srgbClr val="F8766D">
+                <a:alpha val="100000"/>
+              </a:srgbClr>
+            </a:solidFill>
+            <a:ln w="9000" cap="rnd">
+              <a:solidFill>
+                <a:srgbClr val="F8766D">
+                  <a:alpha val="100000"/>
+                </a:srgbClr>
+              </a:solidFill>
+              <a:prstDash val="solid"/>
+              <a:round/>
+            </a:ln>
+          </p:spPr>
+          <p:txBody>
+            <a:bodyPr/>
+            <a:lstStyle/>
+            <a:p/>
+          </p:txBody>
+        </p:sp>
+        <p:sp>
+          <p:nvSpPr>
+            <p:cNvPr id="53" name="pt52"/>
+            <p:cNvSpPr/>
+            <p:nvPr/>
+          </p:nvSpPr>
+          <p:spPr>
+            <a:xfrm>
+              <a:off x="4373668" y="2215727"/>
+              <a:ext cx="49651" cy="49651"/>
+            </a:xfrm>
+            <a:prstGeom prst="ellipse">
+              <a:avLst/>
+            </a:prstGeom>
+            <a:solidFill>
+              <a:srgbClr val="F8766D">
+                <a:alpha val="100000"/>
+              </a:srgbClr>
+            </a:solidFill>
+            <a:ln w="9000" cap="rnd">
+              <a:solidFill>
+                <a:srgbClr val="F8766D">
+                  <a:alpha val="100000"/>
+                </a:srgbClr>
+              </a:solidFill>
+              <a:prstDash val="solid"/>
+              <a:round/>
+            </a:ln>
+          </p:spPr>
+          <p:txBody>
+            <a:bodyPr/>
+            <a:lstStyle/>
+            <a:p/>
+          </p:txBody>
+        </p:sp>
+        <p:sp>
+          <p:nvSpPr>
+            <p:cNvPr id="54" name="pt53"/>
+            <p:cNvSpPr/>
+            <p:nvPr/>
+          </p:nvSpPr>
+          <p:spPr>
+            <a:xfrm>
+              <a:off x="4444251" y="2495014"/>
+              <a:ext cx="49651" cy="49651"/>
+            </a:xfrm>
+            <a:prstGeom prst="ellipse">
+              <a:avLst/>
+            </a:prstGeom>
+            <a:solidFill>
+              <a:srgbClr val="F8766D">
+                <a:alpha val="100000"/>
+              </a:srgbClr>
+            </a:solidFill>
+            <a:ln w="9000" cap="rnd">
+              <a:solidFill>
+                <a:srgbClr val="F8766D">
+                  <a:alpha val="100000"/>
+                </a:srgbClr>
+              </a:solidFill>
+              <a:prstDash val="solid"/>
+              <a:round/>
+            </a:ln>
+          </p:spPr>
+          <p:txBody>
+            <a:bodyPr/>
+            <a:lstStyle/>
+            <a:p/>
+          </p:txBody>
+        </p:sp>
+        <p:sp>
+          <p:nvSpPr>
             <p:cNvPr id="55" name="pt54"/>
             <p:cNvSpPr/>
             <p:nvPr/>
           </p:nvSpPr>
           <p:spPr>
             <a:xfrm>
-              <a:off x="2467935" y="4001527"/>
+              <a:off x="4514834" y="2698864"/>
               <a:ext cx="49651" cy="49651"/>
             </a:xfrm>
             <a:prstGeom prst="ellipse">
@@ -4737,7 +4617,7 @@
           </p:nvSpPr>
           <p:spPr>
             <a:xfrm>
-              <a:off x="3385510" y="3566121"/>
+              <a:off x="4620708" y="2840518"/>
               <a:ext cx="49651" cy="49651"/>
             </a:xfrm>
             <a:prstGeom prst="ellipse">
@@ -4772,7 +4652,7 @@
           </p:nvSpPr>
           <p:spPr>
             <a:xfrm>
-              <a:off x="3526676" y="3404493"/>
+              <a:off x="4726582" y="2779782"/>
               <a:ext cx="49651" cy="49651"/>
             </a:xfrm>
             <a:prstGeom prst="ellipse">
@@ -4807,7 +4687,7 @@
           </p:nvSpPr>
           <p:spPr>
             <a:xfrm>
-              <a:off x="3632550" y="3246649"/>
+              <a:off x="4797165" y="2684512"/>
               <a:ext cx="49651" cy="49651"/>
             </a:xfrm>
             <a:prstGeom prst="ellipse">
@@ -4842,7 +4722,7 @@
           </p:nvSpPr>
           <p:spPr>
             <a:xfrm>
-              <a:off x="3738424" y="2942098"/>
+              <a:off x="4867747" y="2594470"/>
               <a:ext cx="49651" cy="49651"/>
             </a:xfrm>
             <a:prstGeom prst="ellipse">
@@ -4877,7 +4757,7 @@
           </p:nvSpPr>
           <p:spPr>
             <a:xfrm>
-              <a:off x="3809006" y="2629743"/>
+              <a:off x="4938330" y="2552698"/>
               <a:ext cx="49651" cy="49651"/>
             </a:xfrm>
             <a:prstGeom prst="ellipse">
@@ -4912,7 +4792,7 @@
           </p:nvSpPr>
           <p:spPr>
             <a:xfrm>
-              <a:off x="3879589" y="2243567"/>
+              <a:off x="5008913" y="2668368"/>
               <a:ext cx="49651" cy="49651"/>
             </a:xfrm>
             <a:prstGeom prst="ellipse">
@@ -4947,7 +4827,7 @@
           </p:nvSpPr>
           <p:spPr>
             <a:xfrm>
-              <a:off x="3950172" y="1866832"/>
+              <a:off x="5079495" y="2892471"/>
               <a:ext cx="49651" cy="49651"/>
             </a:xfrm>
             <a:prstGeom prst="ellipse">
@@ -4982,7 +4862,7 @@
           </p:nvSpPr>
           <p:spPr>
             <a:xfrm>
-              <a:off x="4020755" y="1525708"/>
+              <a:off x="5150078" y="3163483"/>
               <a:ext cx="49651" cy="49651"/>
             </a:xfrm>
             <a:prstGeom prst="ellipse">
@@ -5017,7 +4897,7 @@
           </p:nvSpPr>
           <p:spPr>
             <a:xfrm>
-              <a:off x="4091337" y="1263007"/>
+              <a:off x="5326535" y="3701184"/>
               <a:ext cx="49651" cy="49651"/>
             </a:xfrm>
             <a:prstGeom prst="ellipse">
@@ -5052,20 +4932,20 @@
           </p:nvSpPr>
           <p:spPr>
             <a:xfrm>
-              <a:off x="4161920" y="1270783"/>
-              <a:ext cx="49651" cy="49651"/>
-            </a:xfrm>
-            <a:prstGeom prst="ellipse">
-              <a:avLst/>
-            </a:prstGeom>
-            <a:solidFill>
-              <a:srgbClr val="F8766D">
-                <a:alpha val="100000"/>
-              </a:srgbClr>
-            </a:solidFill>
-            <a:ln w="9000" cap="rnd">
-              <a:solidFill>
-                <a:srgbClr val="F8766D">
+              <a:off x="1797399" y="3955516"/>
+              <a:ext cx="49651" cy="49651"/>
+            </a:xfrm>
+            <a:prstGeom prst="ellipse">
+              <a:avLst/>
+            </a:prstGeom>
+            <a:solidFill>
+              <a:srgbClr val="7CAE00">
+                <a:alpha val="100000"/>
+              </a:srgbClr>
+            </a:solidFill>
+            <a:ln w="9000" cap="rnd">
+              <a:solidFill>
+                <a:srgbClr val="7CAE00">
                   <a:alpha val="100000"/>
                 </a:srgbClr>
               </a:solidFill>
@@ -5087,20 +4967,20 @@
           </p:nvSpPr>
           <p:spPr>
             <a:xfrm>
-              <a:off x="4232503" y="1520096"/>
-              <a:ext cx="49651" cy="49651"/>
-            </a:xfrm>
-            <a:prstGeom prst="ellipse">
-              <a:avLst/>
-            </a:prstGeom>
-            <a:solidFill>
-              <a:srgbClr val="F8766D">
-                <a:alpha val="100000"/>
-              </a:srgbClr>
-            </a:solidFill>
-            <a:ln w="9000" cap="rnd">
-              <a:solidFill>
-                <a:srgbClr val="F8766D">
+              <a:off x="2044438" y="3962819"/>
+              <a:ext cx="49651" cy="49651"/>
+            </a:xfrm>
+            <a:prstGeom prst="ellipse">
+              <a:avLst/>
+            </a:prstGeom>
+            <a:solidFill>
+              <a:srgbClr val="7CAE00">
+                <a:alpha val="100000"/>
+              </a:srgbClr>
+            </a:solidFill>
+            <a:ln w="9000" cap="rnd">
+              <a:solidFill>
+                <a:srgbClr val="7CAE00">
                   <a:alpha val="100000"/>
                 </a:srgbClr>
               </a:solidFill>
@@ -5122,20 +5002,20 @@
           </p:nvSpPr>
           <p:spPr>
             <a:xfrm>
-              <a:off x="4303086" y="1866912"/>
-              <a:ext cx="49651" cy="49651"/>
-            </a:xfrm>
-            <a:prstGeom prst="ellipse">
-              <a:avLst/>
-            </a:prstGeom>
-            <a:solidFill>
-              <a:srgbClr val="F8766D">
-                <a:alpha val="100000"/>
-              </a:srgbClr>
-            </a:solidFill>
-            <a:ln w="9000" cap="rnd">
-              <a:solidFill>
-                <a:srgbClr val="F8766D">
+              <a:off x="2573809" y="3949975"/>
+              <a:ext cx="49651" cy="49651"/>
+            </a:xfrm>
+            <a:prstGeom prst="ellipse">
+              <a:avLst/>
+            </a:prstGeom>
+            <a:solidFill>
+              <a:srgbClr val="7CAE00">
+                <a:alpha val="100000"/>
+              </a:srgbClr>
+            </a:solidFill>
+            <a:ln w="9000" cap="rnd">
+              <a:solidFill>
+                <a:srgbClr val="7CAE00">
                   <a:alpha val="100000"/>
                 </a:srgbClr>
               </a:solidFill>
@@ -5157,20 +5037,20 @@
           </p:nvSpPr>
           <p:spPr>
             <a:xfrm>
-              <a:off x="4373668" y="2215727"/>
-              <a:ext cx="49651" cy="49651"/>
-            </a:xfrm>
-            <a:prstGeom prst="ellipse">
-              <a:avLst/>
-            </a:prstGeom>
-            <a:solidFill>
-              <a:srgbClr val="F8766D">
-                <a:alpha val="100000"/>
-              </a:srgbClr>
-            </a:solidFill>
-            <a:ln w="9000" cap="rnd">
-              <a:solidFill>
-                <a:srgbClr val="F8766D">
+              <a:off x="3032596" y="3751204"/>
+              <a:ext cx="49651" cy="49651"/>
+            </a:xfrm>
+            <a:prstGeom prst="ellipse">
+              <a:avLst/>
+            </a:prstGeom>
+            <a:solidFill>
+              <a:srgbClr val="7CAE00">
+                <a:alpha val="100000"/>
+              </a:srgbClr>
+            </a:solidFill>
+            <a:ln w="9000" cap="rnd">
+              <a:solidFill>
+                <a:srgbClr val="7CAE00">
                   <a:alpha val="100000"/>
                 </a:srgbClr>
               </a:solidFill>
@@ -5192,20 +5072,20 @@
           </p:nvSpPr>
           <p:spPr>
             <a:xfrm>
-              <a:off x="4444251" y="2495014"/>
-              <a:ext cx="49651" cy="49651"/>
-            </a:xfrm>
-            <a:prstGeom prst="ellipse">
-              <a:avLst/>
-            </a:prstGeom>
-            <a:solidFill>
-              <a:srgbClr val="F8766D">
-                <a:alpha val="100000"/>
-              </a:srgbClr>
-            </a:solidFill>
-            <a:ln w="9000" cap="rnd">
-              <a:solidFill>
-                <a:srgbClr val="F8766D">
+              <a:off x="3103179" y="3672605"/>
+              <a:ext cx="49651" cy="49651"/>
+            </a:xfrm>
+            <a:prstGeom prst="ellipse">
+              <a:avLst/>
+            </a:prstGeom>
+            <a:solidFill>
+              <a:srgbClr val="7CAE00">
+                <a:alpha val="100000"/>
+              </a:srgbClr>
+            </a:solidFill>
+            <a:ln w="9000" cap="rnd">
+              <a:solidFill>
+                <a:srgbClr val="7CAE00">
                   <a:alpha val="100000"/>
                 </a:srgbClr>
               </a:solidFill>
@@ -5227,20 +5107,20 @@
           </p:nvSpPr>
           <p:spPr>
             <a:xfrm>
-              <a:off x="4514834" y="2698864"/>
-              <a:ext cx="49651" cy="49651"/>
-            </a:xfrm>
-            <a:prstGeom prst="ellipse">
-              <a:avLst/>
-            </a:prstGeom>
-            <a:solidFill>
-              <a:srgbClr val="F8766D">
-                <a:alpha val="100000"/>
-              </a:srgbClr>
-            </a:solidFill>
-            <a:ln w="9000" cap="rnd">
-              <a:solidFill>
-                <a:srgbClr val="F8766D">
+              <a:off x="3173762" y="3569613"/>
+              <a:ext cx="49651" cy="49651"/>
+            </a:xfrm>
+            <a:prstGeom prst="ellipse">
+              <a:avLst/>
+            </a:prstGeom>
+            <a:solidFill>
+              <a:srgbClr val="7CAE00">
+                <a:alpha val="100000"/>
+              </a:srgbClr>
+            </a:solidFill>
+            <a:ln w="9000" cap="rnd">
+              <a:solidFill>
+                <a:srgbClr val="7CAE00">
                   <a:alpha val="100000"/>
                 </a:srgbClr>
               </a:solidFill>
@@ -5262,20 +5142,20 @@
           </p:nvSpPr>
           <p:spPr>
             <a:xfrm>
-              <a:off x="4620708" y="2840518"/>
-              <a:ext cx="49651" cy="49651"/>
-            </a:xfrm>
-            <a:prstGeom prst="ellipse">
-              <a:avLst/>
-            </a:prstGeom>
-            <a:solidFill>
-              <a:srgbClr val="F8766D">
-                <a:alpha val="100000"/>
-              </a:srgbClr>
-            </a:solidFill>
-            <a:ln w="9000" cap="rnd">
-              <a:solidFill>
-                <a:srgbClr val="F8766D">
+              <a:off x="3279636" y="3347547"/>
+              <a:ext cx="49651" cy="49651"/>
+            </a:xfrm>
+            <a:prstGeom prst="ellipse">
+              <a:avLst/>
+            </a:prstGeom>
+            <a:solidFill>
+              <a:srgbClr val="7CAE00">
+                <a:alpha val="100000"/>
+              </a:srgbClr>
+            </a:solidFill>
+            <a:ln w="9000" cap="rnd">
+              <a:solidFill>
+                <a:srgbClr val="7CAE00">
                   <a:alpha val="100000"/>
                 </a:srgbClr>
               </a:solidFill>
@@ -5297,20 +5177,20 @@
           </p:nvSpPr>
           <p:spPr>
             <a:xfrm>
-              <a:off x="4726582" y="2779782"/>
-              <a:ext cx="49651" cy="49651"/>
-            </a:xfrm>
-            <a:prstGeom prst="ellipse">
-              <a:avLst/>
-            </a:prstGeom>
-            <a:solidFill>
-              <a:srgbClr val="F8766D">
-                <a:alpha val="100000"/>
-              </a:srgbClr>
-            </a:solidFill>
-            <a:ln w="9000" cap="rnd">
-              <a:solidFill>
-                <a:srgbClr val="F8766D">
+              <a:off x="3385510" y="3001333"/>
+              <a:ext cx="49651" cy="49651"/>
+            </a:xfrm>
+            <a:prstGeom prst="ellipse">
+              <a:avLst/>
+            </a:prstGeom>
+            <a:solidFill>
+              <a:srgbClr val="7CAE00">
+                <a:alpha val="100000"/>
+              </a:srgbClr>
+            </a:solidFill>
+            <a:ln w="9000" cap="rnd">
+              <a:solidFill>
+                <a:srgbClr val="7CAE00">
                   <a:alpha val="100000"/>
                 </a:srgbClr>
               </a:solidFill>
@@ -5332,20 +5212,20 @@
           </p:nvSpPr>
           <p:spPr>
             <a:xfrm>
-              <a:off x="4797165" y="2684512"/>
-              <a:ext cx="49651" cy="49651"/>
-            </a:xfrm>
-            <a:prstGeom prst="ellipse">
-              <a:avLst/>
-            </a:prstGeom>
-            <a:solidFill>
-              <a:srgbClr val="F8766D">
-                <a:alpha val="100000"/>
-              </a:srgbClr>
-            </a:solidFill>
-            <a:ln w="9000" cap="rnd">
-              <a:solidFill>
-                <a:srgbClr val="F8766D">
+              <a:off x="3456093" y="2684794"/>
+              <a:ext cx="49651" cy="49651"/>
+            </a:xfrm>
+            <a:prstGeom prst="ellipse">
+              <a:avLst/>
+            </a:prstGeom>
+            <a:solidFill>
+              <a:srgbClr val="7CAE00">
+                <a:alpha val="100000"/>
+              </a:srgbClr>
+            </a:solidFill>
+            <a:ln w="9000" cap="rnd">
+              <a:solidFill>
+                <a:srgbClr val="7CAE00">
                   <a:alpha val="100000"/>
                 </a:srgbClr>
               </a:solidFill>
@@ -5367,20 +5247,20 @@
           </p:nvSpPr>
           <p:spPr>
             <a:xfrm>
-              <a:off x="4867747" y="2594470"/>
-              <a:ext cx="49651" cy="49651"/>
-            </a:xfrm>
-            <a:prstGeom prst="ellipse">
-              <a:avLst/>
-            </a:prstGeom>
-            <a:solidFill>
-              <a:srgbClr val="F8766D">
-                <a:alpha val="100000"/>
-              </a:srgbClr>
-            </a:solidFill>
-            <a:ln w="9000" cap="rnd">
-              <a:solidFill>
-                <a:srgbClr val="F8766D">
+              <a:off x="3526676" y="2295121"/>
+              <a:ext cx="49651" cy="49651"/>
+            </a:xfrm>
+            <a:prstGeom prst="ellipse">
+              <a:avLst/>
+            </a:prstGeom>
+            <a:solidFill>
+              <a:srgbClr val="7CAE00">
+                <a:alpha val="100000"/>
+              </a:srgbClr>
+            </a:solidFill>
+            <a:ln w="9000" cap="rnd">
+              <a:solidFill>
+                <a:srgbClr val="7CAE00">
                   <a:alpha val="100000"/>
                 </a:srgbClr>
               </a:solidFill>
@@ -5402,20 +5282,20 @@
           </p:nvSpPr>
           <p:spPr>
             <a:xfrm>
-              <a:off x="4938330" y="2552698"/>
-              <a:ext cx="49651" cy="49651"/>
-            </a:xfrm>
-            <a:prstGeom prst="ellipse">
-              <a:avLst/>
-            </a:prstGeom>
-            <a:solidFill>
-              <a:srgbClr val="F8766D">
-                <a:alpha val="100000"/>
-              </a:srgbClr>
-            </a:solidFill>
-            <a:ln w="9000" cap="rnd">
-              <a:solidFill>
-                <a:srgbClr val="F8766D">
+              <a:off x="3597258" y="1903054"/>
+              <a:ext cx="49651" cy="49651"/>
+            </a:xfrm>
+            <a:prstGeom prst="ellipse">
+              <a:avLst/>
+            </a:prstGeom>
+            <a:solidFill>
+              <a:srgbClr val="7CAE00">
+                <a:alpha val="100000"/>
+              </a:srgbClr>
+            </a:solidFill>
+            <a:ln w="9000" cap="rnd">
+              <a:solidFill>
+                <a:srgbClr val="7CAE00">
                   <a:alpha val="100000"/>
                 </a:srgbClr>
               </a:solidFill>
@@ -5437,20 +5317,20 @@
           </p:nvSpPr>
           <p:spPr>
             <a:xfrm>
-              <a:off x="5008913" y="2668368"/>
-              <a:ext cx="49651" cy="49651"/>
-            </a:xfrm>
-            <a:prstGeom prst="ellipse">
-              <a:avLst/>
-            </a:prstGeom>
-            <a:solidFill>
-              <a:srgbClr val="F8766D">
-                <a:alpha val="100000"/>
-              </a:srgbClr>
-            </a:solidFill>
-            <a:ln w="9000" cap="rnd">
-              <a:solidFill>
-                <a:srgbClr val="F8766D">
+              <a:off x="3667841" y="1490218"/>
+              <a:ext cx="49651" cy="49651"/>
+            </a:xfrm>
+            <a:prstGeom prst="ellipse">
+              <a:avLst/>
+            </a:prstGeom>
+            <a:solidFill>
+              <a:srgbClr val="7CAE00">
+                <a:alpha val="100000"/>
+              </a:srgbClr>
+            </a:solidFill>
+            <a:ln w="9000" cap="rnd">
+              <a:solidFill>
+                <a:srgbClr val="7CAE00">
                   <a:alpha val="100000"/>
                 </a:srgbClr>
               </a:solidFill>
@@ -5472,20 +5352,20 @@
           </p:nvSpPr>
           <p:spPr>
             <a:xfrm>
-              <a:off x="5079495" y="2892471"/>
-              <a:ext cx="49651" cy="49651"/>
-            </a:xfrm>
-            <a:prstGeom prst="ellipse">
-              <a:avLst/>
-            </a:prstGeom>
-            <a:solidFill>
-              <a:srgbClr val="F8766D">
-                <a:alpha val="100000"/>
-              </a:srgbClr>
-            </a:solidFill>
-            <a:ln w="9000" cap="rnd">
-              <a:solidFill>
-                <a:srgbClr val="F8766D">
+              <a:off x="3738424" y="1246987"/>
+              <a:ext cx="49651" cy="49651"/>
+            </a:xfrm>
+            <a:prstGeom prst="ellipse">
+              <a:avLst/>
+            </a:prstGeom>
+            <a:solidFill>
+              <a:srgbClr val="7CAE00">
+                <a:alpha val="100000"/>
+              </a:srgbClr>
+            </a:solidFill>
+            <a:ln w="9000" cap="rnd">
+              <a:solidFill>
+                <a:srgbClr val="7CAE00">
                   <a:alpha val="100000"/>
                 </a:srgbClr>
               </a:solidFill>
@@ -5507,20 +5387,20 @@
           </p:nvSpPr>
           <p:spPr>
             <a:xfrm>
-              <a:off x="5150078" y="3163483"/>
-              <a:ext cx="49651" cy="49651"/>
-            </a:xfrm>
-            <a:prstGeom prst="ellipse">
-              <a:avLst/>
-            </a:prstGeom>
-            <a:solidFill>
-              <a:srgbClr val="F8766D">
-                <a:alpha val="100000"/>
-              </a:srgbClr>
-            </a:solidFill>
-            <a:ln w="9000" cap="rnd">
-              <a:solidFill>
-                <a:srgbClr val="F8766D">
+              <a:off x="3809006" y="1104075"/>
+              <a:ext cx="49651" cy="49651"/>
+            </a:xfrm>
+            <a:prstGeom prst="ellipse">
+              <a:avLst/>
+            </a:prstGeom>
+            <a:solidFill>
+              <a:srgbClr val="7CAE00">
+                <a:alpha val="100000"/>
+              </a:srgbClr>
+            </a:solidFill>
+            <a:ln w="9000" cap="rnd">
+              <a:solidFill>
+                <a:srgbClr val="7CAE00">
                   <a:alpha val="100000"/>
                 </a:srgbClr>
               </a:solidFill>
@@ -5542,20 +5422,20 @@
           </p:nvSpPr>
           <p:spPr>
             <a:xfrm>
-              <a:off x="5326535" y="3701184"/>
-              <a:ext cx="49651" cy="49651"/>
-            </a:xfrm>
-            <a:prstGeom prst="ellipse">
-              <a:avLst/>
-            </a:prstGeom>
-            <a:solidFill>
-              <a:srgbClr val="F8766D">
-                <a:alpha val="100000"/>
-              </a:srgbClr>
-            </a:solidFill>
-            <a:ln w="9000" cap="rnd">
-              <a:solidFill>
-                <a:srgbClr val="F8766D">
+              <a:off x="3879589" y="1105654"/>
+              <a:ext cx="49651" cy="49651"/>
+            </a:xfrm>
+            <a:prstGeom prst="ellipse">
+              <a:avLst/>
+            </a:prstGeom>
+            <a:solidFill>
+              <a:srgbClr val="7CAE00">
+                <a:alpha val="100000"/>
+              </a:srgbClr>
+            </a:solidFill>
+            <a:ln w="9000" cap="rnd">
+              <a:solidFill>
+                <a:srgbClr val="7CAE00">
                   <a:alpha val="100000"/>
                 </a:srgbClr>
               </a:solidFill>
@@ -5577,7 +5457,7 @@
           </p:nvSpPr>
           <p:spPr>
             <a:xfrm>
-              <a:off x="1797399" y="3955516"/>
+              <a:off x="3950172" y="1198106"/>
               <a:ext cx="49651" cy="49651"/>
             </a:xfrm>
             <a:prstGeom prst="ellipse">
@@ -5612,7 +5492,7 @@
           </p:nvSpPr>
           <p:spPr>
             <a:xfrm>
-              <a:off x="2044438" y="3962819"/>
+              <a:off x="4020755" y="1331125"/>
               <a:ext cx="49651" cy="49651"/>
             </a:xfrm>
             <a:prstGeom prst="ellipse">
@@ -5647,7 +5527,7 @@
           </p:nvSpPr>
           <p:spPr>
             <a:xfrm>
-              <a:off x="2573809" y="3949975"/>
+              <a:off x="4091337" y="1573165"/>
               <a:ext cx="49651" cy="49651"/>
             </a:xfrm>
             <a:prstGeom prst="ellipse">
@@ -5682,7 +5562,7 @@
           </p:nvSpPr>
           <p:spPr>
             <a:xfrm>
-              <a:off x="3032596" y="3751204"/>
+              <a:off x="4161920" y="1854817"/>
               <a:ext cx="49651" cy="49651"/>
             </a:xfrm>
             <a:prstGeom prst="ellipse">
@@ -5717,7 +5597,7 @@
           </p:nvSpPr>
           <p:spPr>
             <a:xfrm>
-              <a:off x="3103179" y="3672605"/>
+              <a:off x="4232503" y="2156842"/>
               <a:ext cx="49651" cy="49651"/>
             </a:xfrm>
             <a:prstGeom prst="ellipse">
@@ -5752,7 +5632,7 @@
           </p:nvSpPr>
           <p:spPr>
             <a:xfrm>
-              <a:off x="3173762" y="3569613"/>
+              <a:off x="4303086" y="2476840"/>
               <a:ext cx="49651" cy="49651"/>
             </a:xfrm>
             <a:prstGeom prst="ellipse">
@@ -5787,7 +5667,7 @@
           </p:nvSpPr>
           <p:spPr>
             <a:xfrm>
-              <a:off x="3279636" y="3347547"/>
+              <a:off x="4408960" y="2881861"/>
               <a:ext cx="49651" cy="49651"/>
             </a:xfrm>
             <a:prstGeom prst="ellipse">
@@ -5822,7 +5702,7 @@
           </p:nvSpPr>
           <p:spPr>
             <a:xfrm>
-              <a:off x="3385510" y="3001333"/>
+              <a:off x="4514834" y="3197855"/>
               <a:ext cx="49651" cy="49651"/>
             </a:xfrm>
             <a:prstGeom prst="ellipse">
@@ -5857,7 +5737,7 @@
           </p:nvSpPr>
           <p:spPr>
             <a:xfrm>
-              <a:off x="3456093" y="2684794"/>
+              <a:off x="4585416" y="3363698"/>
               <a:ext cx="49651" cy="49651"/>
             </a:xfrm>
             <a:prstGeom prst="ellipse">
@@ -5892,7 +5772,7 @@
           </p:nvSpPr>
           <p:spPr>
             <a:xfrm>
-              <a:off x="3526676" y="2295121"/>
+              <a:off x="4655999" y="3507100"/>
               <a:ext cx="49651" cy="49651"/>
             </a:xfrm>
             <a:prstGeom prst="ellipse">
@@ -5927,7 +5807,7 @@
           </p:nvSpPr>
           <p:spPr>
             <a:xfrm>
-              <a:off x="3597258" y="1903054"/>
+              <a:off x="4867747" y="3789974"/>
               <a:ext cx="49651" cy="49651"/>
             </a:xfrm>
             <a:prstGeom prst="ellipse">
@@ -5962,7 +5842,7 @@
           </p:nvSpPr>
           <p:spPr>
             <a:xfrm>
-              <a:off x="3667841" y="1490218"/>
+              <a:off x="5079495" y="3920272"/>
               <a:ext cx="49651" cy="49651"/>
             </a:xfrm>
             <a:prstGeom prst="ellipse">
@@ -5997,7 +5877,7 @@
           </p:nvSpPr>
           <p:spPr>
             <a:xfrm>
-              <a:off x="3738424" y="1246987"/>
+              <a:off x="5291244" y="3977339"/>
               <a:ext cx="49651" cy="49651"/>
             </a:xfrm>
             <a:prstGeom prst="ellipse">
@@ -6032,20 +5912,20 @@
           </p:nvSpPr>
           <p:spPr>
             <a:xfrm>
-              <a:off x="3809006" y="1104075"/>
-              <a:ext cx="49651" cy="49651"/>
-            </a:xfrm>
-            <a:prstGeom prst="ellipse">
-              <a:avLst/>
-            </a:prstGeom>
-            <a:solidFill>
-              <a:srgbClr val="7CAE00">
-                <a:alpha val="100000"/>
-              </a:srgbClr>
-            </a:solidFill>
-            <a:ln w="9000" cap="rnd">
-              <a:solidFill>
-                <a:srgbClr val="7CAE00">
+              <a:off x="2362061" y="4002328"/>
+              <a:ext cx="49651" cy="49651"/>
+            </a:xfrm>
+            <a:prstGeom prst="ellipse">
+              <a:avLst/>
+            </a:prstGeom>
+            <a:solidFill>
+              <a:srgbClr val="00BFC4">
+                <a:alpha val="100000"/>
+              </a:srgbClr>
+            </a:solidFill>
+            <a:ln w="9000" cap="rnd">
+              <a:solidFill>
+                <a:srgbClr val="00BFC4">
                   <a:alpha val="100000"/>
                 </a:srgbClr>
               </a:solidFill>
@@ -6067,20 +5947,20 @@
           </p:nvSpPr>
           <p:spPr>
             <a:xfrm>
-              <a:off x="3879589" y="1105654"/>
-              <a:ext cx="49651" cy="49651"/>
-            </a:xfrm>
-            <a:prstGeom prst="ellipse">
-              <a:avLst/>
-            </a:prstGeom>
-            <a:solidFill>
-              <a:srgbClr val="7CAE00">
-                <a:alpha val="100000"/>
-              </a:srgbClr>
-            </a:solidFill>
-            <a:ln w="9000" cap="rnd">
-              <a:solidFill>
-                <a:srgbClr val="7CAE00">
+              <a:off x="3138471" y="3868710"/>
+              <a:ext cx="49651" cy="49651"/>
+            </a:xfrm>
+            <a:prstGeom prst="ellipse">
+              <a:avLst/>
+            </a:prstGeom>
+            <a:solidFill>
+              <a:srgbClr val="00BFC4">
+                <a:alpha val="100000"/>
+              </a:srgbClr>
+            </a:solidFill>
+            <a:ln w="9000" cap="rnd">
+              <a:solidFill>
+                <a:srgbClr val="00BFC4">
                   <a:alpha val="100000"/>
                 </a:srgbClr>
               </a:solidFill>
@@ -6102,20 +5982,20 @@
           </p:nvSpPr>
           <p:spPr>
             <a:xfrm>
-              <a:off x="3950172" y="1198106"/>
-              <a:ext cx="49651" cy="49651"/>
-            </a:xfrm>
-            <a:prstGeom prst="ellipse">
-              <a:avLst/>
-            </a:prstGeom>
-            <a:solidFill>
-              <a:srgbClr val="7CAE00">
-                <a:alpha val="100000"/>
-              </a:srgbClr>
-            </a:solidFill>
-            <a:ln w="9000" cap="rnd">
-              <a:solidFill>
-                <a:srgbClr val="7CAE00">
+              <a:off x="3279636" y="3768568"/>
+              <a:ext cx="49651" cy="49651"/>
+            </a:xfrm>
+            <a:prstGeom prst="ellipse">
+              <a:avLst/>
+            </a:prstGeom>
+            <a:solidFill>
+              <a:srgbClr val="00BFC4">
+                <a:alpha val="100000"/>
+              </a:srgbClr>
+            </a:solidFill>
+            <a:ln w="9000" cap="rnd">
+              <a:solidFill>
+                <a:srgbClr val="00BFC4">
                   <a:alpha val="100000"/>
                 </a:srgbClr>
               </a:solidFill>
@@ -6137,20 +6017,20 @@
           </p:nvSpPr>
           <p:spPr>
             <a:xfrm>
-              <a:off x="4020755" y="1331125"/>
-              <a:ext cx="49651" cy="49651"/>
-            </a:xfrm>
-            <a:prstGeom prst="ellipse">
-              <a:avLst/>
-            </a:prstGeom>
-            <a:solidFill>
-              <a:srgbClr val="7CAE00">
-                <a:alpha val="100000"/>
-              </a:srgbClr>
-            </a:solidFill>
-            <a:ln w="9000" cap="rnd">
-              <a:solidFill>
-                <a:srgbClr val="7CAE00">
+              <a:off x="3420801" y="3583446"/>
+              <a:ext cx="49651" cy="49651"/>
+            </a:xfrm>
+            <a:prstGeom prst="ellipse">
+              <a:avLst/>
+            </a:prstGeom>
+            <a:solidFill>
+              <a:srgbClr val="00BFC4">
+                <a:alpha val="100000"/>
+              </a:srgbClr>
+            </a:solidFill>
+            <a:ln w="9000" cap="rnd">
+              <a:solidFill>
+                <a:srgbClr val="00BFC4">
                   <a:alpha val="100000"/>
                 </a:srgbClr>
               </a:solidFill>
@@ -6172,20 +6052,20 @@
           </p:nvSpPr>
           <p:spPr>
             <a:xfrm>
-              <a:off x="4091337" y="1573165"/>
-              <a:ext cx="49651" cy="49651"/>
-            </a:xfrm>
-            <a:prstGeom prst="ellipse">
-              <a:avLst/>
-            </a:prstGeom>
-            <a:solidFill>
-              <a:srgbClr val="7CAE00">
-                <a:alpha val="100000"/>
-              </a:srgbClr>
-            </a:solidFill>
-            <a:ln w="9000" cap="rnd">
-              <a:solidFill>
-                <a:srgbClr val="7CAE00">
+              <a:off x="3526676" y="3354122"/>
+              <a:ext cx="49651" cy="49651"/>
+            </a:xfrm>
+            <a:prstGeom prst="ellipse">
+              <a:avLst/>
+            </a:prstGeom>
+            <a:solidFill>
+              <a:srgbClr val="00BFC4">
+                <a:alpha val="100000"/>
+              </a:srgbClr>
+            </a:solidFill>
+            <a:ln w="9000" cap="rnd">
+              <a:solidFill>
+                <a:srgbClr val="00BFC4">
                   <a:alpha val="100000"/>
                 </a:srgbClr>
               </a:solidFill>
@@ -6207,20 +6087,20 @@
           </p:nvSpPr>
           <p:spPr>
             <a:xfrm>
-              <a:off x="4161920" y="1854817"/>
-              <a:ext cx="49651" cy="49651"/>
-            </a:xfrm>
-            <a:prstGeom prst="ellipse">
-              <a:avLst/>
-            </a:prstGeom>
-            <a:solidFill>
-              <a:srgbClr val="7CAE00">
-                <a:alpha val="100000"/>
-              </a:srgbClr>
-            </a:solidFill>
-            <a:ln w="9000" cap="rnd">
-              <a:solidFill>
-                <a:srgbClr val="7CAE00">
+              <a:off x="3597258" y="3145588"/>
+              <a:ext cx="49651" cy="49651"/>
+            </a:xfrm>
+            <a:prstGeom prst="ellipse">
+              <a:avLst/>
+            </a:prstGeom>
+            <a:solidFill>
+              <a:srgbClr val="00BFC4">
+                <a:alpha val="100000"/>
+              </a:srgbClr>
+            </a:solidFill>
+            <a:ln w="9000" cap="rnd">
+              <a:solidFill>
+                <a:srgbClr val="00BFC4">
                   <a:alpha val="100000"/>
                 </a:srgbClr>
               </a:solidFill>
@@ -6242,20 +6122,20 @@
           </p:nvSpPr>
           <p:spPr>
             <a:xfrm>
-              <a:off x="4232503" y="2156842"/>
-              <a:ext cx="49651" cy="49651"/>
-            </a:xfrm>
-            <a:prstGeom prst="ellipse">
-              <a:avLst/>
-            </a:prstGeom>
-            <a:solidFill>
-              <a:srgbClr val="7CAE00">
-                <a:alpha val="100000"/>
-              </a:srgbClr>
-            </a:solidFill>
-            <a:ln w="9000" cap="rnd">
-              <a:solidFill>
-                <a:srgbClr val="7CAE00">
+              <a:off x="3667841" y="2883403"/>
+              <a:ext cx="49651" cy="49651"/>
+            </a:xfrm>
+            <a:prstGeom prst="ellipse">
+              <a:avLst/>
+            </a:prstGeom>
+            <a:solidFill>
+              <a:srgbClr val="00BFC4">
+                <a:alpha val="100000"/>
+              </a:srgbClr>
+            </a:solidFill>
+            <a:ln w="9000" cap="rnd">
+              <a:solidFill>
+                <a:srgbClr val="00BFC4">
                   <a:alpha val="100000"/>
                 </a:srgbClr>
               </a:solidFill>
@@ -6277,20 +6157,20 @@
           </p:nvSpPr>
           <p:spPr>
             <a:xfrm>
-              <a:off x="4303086" y="2476840"/>
-              <a:ext cx="49651" cy="49651"/>
-            </a:xfrm>
-            <a:prstGeom prst="ellipse">
-              <a:avLst/>
-            </a:prstGeom>
-            <a:solidFill>
-              <a:srgbClr val="7CAE00">
-                <a:alpha val="100000"/>
-              </a:srgbClr>
-            </a:solidFill>
-            <a:ln w="9000" cap="rnd">
-              <a:solidFill>
-                <a:srgbClr val="7CAE00">
+              <a:off x="3738424" y="2571663"/>
+              <a:ext cx="49651" cy="49651"/>
+            </a:xfrm>
+            <a:prstGeom prst="ellipse">
+              <a:avLst/>
+            </a:prstGeom>
+            <a:solidFill>
+              <a:srgbClr val="00BFC4">
+                <a:alpha val="100000"/>
+              </a:srgbClr>
+            </a:solidFill>
+            <a:ln w="9000" cap="rnd">
+              <a:solidFill>
+                <a:srgbClr val="00BFC4">
                   <a:alpha val="100000"/>
                 </a:srgbClr>
               </a:solidFill>
@@ -6312,20 +6192,20 @@
           </p:nvSpPr>
           <p:spPr>
             <a:xfrm>
-              <a:off x="4408960" y="2881861"/>
-              <a:ext cx="49651" cy="49651"/>
-            </a:xfrm>
-            <a:prstGeom prst="ellipse">
-              <a:avLst/>
-            </a:prstGeom>
-            <a:solidFill>
-              <a:srgbClr val="7CAE00">
-                <a:alpha val="100000"/>
-              </a:srgbClr>
-            </a:solidFill>
-            <a:ln w="9000" cap="rnd">
-              <a:solidFill>
-                <a:srgbClr val="7CAE00">
+              <a:off x="3809006" y="2230269"/>
+              <a:ext cx="49651" cy="49651"/>
+            </a:xfrm>
+            <a:prstGeom prst="ellipse">
+              <a:avLst/>
+            </a:prstGeom>
+            <a:solidFill>
+              <a:srgbClr val="00BFC4">
+                <a:alpha val="100000"/>
+              </a:srgbClr>
+            </a:solidFill>
+            <a:ln w="9000" cap="rnd">
+              <a:solidFill>
+                <a:srgbClr val="00BFC4">
                   <a:alpha val="100000"/>
                 </a:srgbClr>
               </a:solidFill>
@@ -6347,20 +6227,20 @@
           </p:nvSpPr>
           <p:spPr>
             <a:xfrm>
-              <a:off x="4514834" y="3197855"/>
-              <a:ext cx="49651" cy="49651"/>
-            </a:xfrm>
-            <a:prstGeom prst="ellipse">
-              <a:avLst/>
-            </a:prstGeom>
-            <a:solidFill>
-              <a:srgbClr val="7CAE00">
-                <a:alpha val="100000"/>
-              </a:srgbClr>
-            </a:solidFill>
-            <a:ln w="9000" cap="rnd">
-              <a:solidFill>
-                <a:srgbClr val="7CAE00">
+              <a:off x="3879589" y="1871845"/>
+              <a:ext cx="49651" cy="49651"/>
+            </a:xfrm>
+            <a:prstGeom prst="ellipse">
+              <a:avLst/>
+            </a:prstGeom>
+            <a:solidFill>
+              <a:srgbClr val="00BFC4">
+                <a:alpha val="100000"/>
+              </a:srgbClr>
+            </a:solidFill>
+            <a:ln w="9000" cap="rnd">
+              <a:solidFill>
+                <a:srgbClr val="00BFC4">
                   <a:alpha val="100000"/>
                 </a:srgbClr>
               </a:solidFill>
@@ -6382,20 +6262,20 @@
           </p:nvSpPr>
           <p:spPr>
             <a:xfrm>
-              <a:off x="4585416" y="3363698"/>
-              <a:ext cx="49651" cy="49651"/>
-            </a:xfrm>
-            <a:prstGeom prst="ellipse">
-              <a:avLst/>
-            </a:prstGeom>
-            <a:solidFill>
-              <a:srgbClr val="7CAE00">
-                <a:alpha val="100000"/>
-              </a:srgbClr>
-            </a:solidFill>
-            <a:ln w="9000" cap="rnd">
-              <a:solidFill>
-                <a:srgbClr val="7CAE00">
+              <a:off x="3950172" y="1545748"/>
+              <a:ext cx="49651" cy="49651"/>
+            </a:xfrm>
+            <a:prstGeom prst="ellipse">
+              <a:avLst/>
+            </a:prstGeom>
+            <a:solidFill>
+              <a:srgbClr val="00BFC4">
+                <a:alpha val="100000"/>
+              </a:srgbClr>
+            </a:solidFill>
+            <a:ln w="9000" cap="rnd">
+              <a:solidFill>
+                <a:srgbClr val="00BFC4">
                   <a:alpha val="100000"/>
                 </a:srgbClr>
               </a:solidFill>
@@ -6417,20 +6297,20 @@
           </p:nvSpPr>
           <p:spPr>
             <a:xfrm>
-              <a:off x="4655999" y="3507100"/>
-              <a:ext cx="49651" cy="49651"/>
-            </a:xfrm>
-            <a:prstGeom prst="ellipse">
-              <a:avLst/>
-            </a:prstGeom>
-            <a:solidFill>
-              <a:srgbClr val="7CAE00">
-                <a:alpha val="100000"/>
-              </a:srgbClr>
-            </a:solidFill>
-            <a:ln w="9000" cap="rnd">
-              <a:solidFill>
-                <a:srgbClr val="7CAE00">
+              <a:off x="4020755" y="1403623"/>
+              <a:ext cx="49651" cy="49651"/>
+            </a:xfrm>
+            <a:prstGeom prst="ellipse">
+              <a:avLst/>
+            </a:prstGeom>
+            <a:solidFill>
+              <a:srgbClr val="00BFC4">
+                <a:alpha val="100000"/>
+              </a:srgbClr>
+            </a:solidFill>
+            <a:ln w="9000" cap="rnd">
+              <a:solidFill>
+                <a:srgbClr val="00BFC4">
                   <a:alpha val="100000"/>
                 </a:srgbClr>
               </a:solidFill>
@@ -6452,20 +6332,20 @@
           </p:nvSpPr>
           <p:spPr>
             <a:xfrm>
-              <a:off x="4867747" y="3789974"/>
-              <a:ext cx="49651" cy="49651"/>
-            </a:xfrm>
-            <a:prstGeom prst="ellipse">
-              <a:avLst/>
-            </a:prstGeom>
-            <a:solidFill>
-              <a:srgbClr val="7CAE00">
-                <a:alpha val="100000"/>
-              </a:srgbClr>
-            </a:solidFill>
-            <a:ln w="9000" cap="rnd">
-              <a:solidFill>
-                <a:srgbClr val="7CAE00">
+              <a:off x="4091337" y="1422869"/>
+              <a:ext cx="49651" cy="49651"/>
+            </a:xfrm>
+            <a:prstGeom prst="ellipse">
+              <a:avLst/>
+            </a:prstGeom>
+            <a:solidFill>
+              <a:srgbClr val="00BFC4">
+                <a:alpha val="100000"/>
+              </a:srgbClr>
+            </a:solidFill>
+            <a:ln w="9000" cap="rnd">
+              <a:solidFill>
+                <a:srgbClr val="00BFC4">
                   <a:alpha val="100000"/>
                 </a:srgbClr>
               </a:solidFill>
@@ -6487,20 +6367,20 @@
           </p:nvSpPr>
           <p:spPr>
             <a:xfrm>
-              <a:off x="5079495" y="3920272"/>
-              <a:ext cx="49651" cy="49651"/>
-            </a:xfrm>
-            <a:prstGeom prst="ellipse">
-              <a:avLst/>
-            </a:prstGeom>
-            <a:solidFill>
-              <a:srgbClr val="7CAE00">
-                <a:alpha val="100000"/>
-              </a:srgbClr>
-            </a:solidFill>
-            <a:ln w="9000" cap="rnd">
-              <a:solidFill>
-                <a:srgbClr val="7CAE00">
+              <a:off x="4161920" y="1603220"/>
+              <a:ext cx="49651" cy="49651"/>
+            </a:xfrm>
+            <a:prstGeom prst="ellipse">
+              <a:avLst/>
+            </a:prstGeom>
+            <a:solidFill>
+              <a:srgbClr val="00BFC4">
+                <a:alpha val="100000"/>
+              </a:srgbClr>
+            </a:solidFill>
+            <a:ln w="9000" cap="rnd">
+              <a:solidFill>
+                <a:srgbClr val="00BFC4">
                   <a:alpha val="100000"/>
                 </a:srgbClr>
               </a:solidFill>
@@ -6522,20 +6402,20 @@
           </p:nvSpPr>
           <p:spPr>
             <a:xfrm>
-              <a:off x="5291244" y="3977339"/>
-              <a:ext cx="49651" cy="49651"/>
-            </a:xfrm>
-            <a:prstGeom prst="ellipse">
-              <a:avLst/>
-            </a:prstGeom>
-            <a:solidFill>
-              <a:srgbClr val="7CAE00">
-                <a:alpha val="100000"/>
-              </a:srgbClr>
-            </a:solidFill>
-            <a:ln w="9000" cap="rnd">
-              <a:solidFill>
-                <a:srgbClr val="7CAE00">
+              <a:off x="4232503" y="1953203"/>
+              <a:ext cx="49651" cy="49651"/>
+            </a:xfrm>
+            <a:prstGeom prst="ellipse">
+              <a:avLst/>
+            </a:prstGeom>
+            <a:solidFill>
+              <a:srgbClr val="00BFC4">
+                <a:alpha val="100000"/>
+              </a:srgbClr>
+            </a:solidFill>
+            <a:ln w="9000" cap="rnd">
+              <a:solidFill>
+                <a:srgbClr val="00BFC4">
                   <a:alpha val="100000"/>
                 </a:srgbClr>
               </a:solidFill>
@@ -6557,7 +6437,7 @@
           </p:nvSpPr>
           <p:spPr>
             <a:xfrm>
-              <a:off x="2362061" y="4002328"/>
+              <a:off x="4303086" y="2302934"/>
               <a:ext cx="49651" cy="49651"/>
             </a:xfrm>
             <a:prstGeom prst="ellipse">
@@ -6592,7 +6472,7 @@
           </p:nvSpPr>
           <p:spPr>
             <a:xfrm>
-              <a:off x="3138471" y="3868710"/>
+              <a:off x="4373668" y="2625242"/>
               <a:ext cx="49651" cy="49651"/>
             </a:xfrm>
             <a:prstGeom prst="ellipse">
@@ -6627,7 +6507,7 @@
           </p:nvSpPr>
           <p:spPr>
             <a:xfrm>
-              <a:off x="3279636" y="3768568"/>
+              <a:off x="4444251" y="2897585"/>
               <a:ext cx="49651" cy="49651"/>
             </a:xfrm>
             <a:prstGeom prst="ellipse">
@@ -6662,7 +6542,7 @@
           </p:nvSpPr>
           <p:spPr>
             <a:xfrm>
-              <a:off x="3420801" y="3583446"/>
+              <a:off x="4514834" y="3107225"/>
               <a:ext cx="49651" cy="49651"/>
             </a:xfrm>
             <a:prstGeom prst="ellipse">
@@ -6697,7 +6577,7 @@
           </p:nvSpPr>
           <p:spPr>
             <a:xfrm>
-              <a:off x="3526676" y="3354122"/>
+              <a:off x="4620708" y="3334654"/>
               <a:ext cx="49651" cy="49651"/>
             </a:xfrm>
             <a:prstGeom prst="ellipse">
@@ -6732,7 +6612,7 @@
           </p:nvSpPr>
           <p:spPr>
             <a:xfrm>
-              <a:off x="3597258" y="3145588"/>
+              <a:off x="4726582" y="3487354"/>
               <a:ext cx="49651" cy="49651"/>
             </a:xfrm>
             <a:prstGeom prst="ellipse">
@@ -6767,7 +6647,7 @@
           </p:nvSpPr>
           <p:spPr>
             <a:xfrm>
-              <a:off x="3667841" y="2883403"/>
+              <a:off x="4797165" y="3566024"/>
               <a:ext cx="49651" cy="49651"/>
             </a:xfrm>
             <a:prstGeom prst="ellipse">
@@ -6802,7 +6682,7 @@
           </p:nvSpPr>
           <p:spPr>
             <a:xfrm>
-              <a:off x="3738424" y="2571663"/>
+              <a:off x="4938330" y="3692563"/>
               <a:ext cx="49651" cy="49651"/>
             </a:xfrm>
             <a:prstGeom prst="ellipse">
@@ -6837,7 +6717,7 @@
           </p:nvSpPr>
           <p:spPr>
             <a:xfrm>
-              <a:off x="3809006" y="2230269"/>
+              <a:off x="5079495" y="3788917"/>
               <a:ext cx="49651" cy="49651"/>
             </a:xfrm>
             <a:prstGeom prst="ellipse">
@@ -6872,7 +6752,7 @@
           </p:nvSpPr>
           <p:spPr>
             <a:xfrm>
-              <a:off x="3879589" y="1871845"/>
+              <a:off x="5185370" y="3848279"/>
               <a:ext cx="49651" cy="49651"/>
             </a:xfrm>
             <a:prstGeom prst="ellipse">
@@ -6907,7 +6787,7 @@
           </p:nvSpPr>
           <p:spPr>
             <a:xfrm>
-              <a:off x="3950172" y="1545748"/>
+              <a:off x="5361826" y="3919931"/>
               <a:ext cx="49651" cy="49651"/>
             </a:xfrm>
             <a:prstGeom prst="ellipse">
@@ -6942,20 +6822,20 @@
           </p:nvSpPr>
           <p:spPr>
             <a:xfrm>
-              <a:off x="4020755" y="1403623"/>
-              <a:ext cx="49651" cy="49651"/>
-            </a:xfrm>
-            <a:prstGeom prst="ellipse">
-              <a:avLst/>
-            </a:prstGeom>
-            <a:solidFill>
-              <a:srgbClr val="00BFC4">
-                <a:alpha val="100000"/>
-              </a:srgbClr>
-            </a:solidFill>
-            <a:ln w="9000" cap="rnd">
-              <a:solidFill>
-                <a:srgbClr val="00BFC4">
+              <a:off x="2326769" y="4001756"/>
+              <a:ext cx="49651" cy="49651"/>
+            </a:xfrm>
+            <a:prstGeom prst="ellipse">
+              <a:avLst/>
+            </a:prstGeom>
+            <a:solidFill>
+              <a:srgbClr val="C77CFF">
+                <a:alpha val="100000"/>
+              </a:srgbClr>
+            </a:solidFill>
+            <a:ln w="9000" cap="rnd">
+              <a:solidFill>
+                <a:srgbClr val="C77CFF">
                   <a:alpha val="100000"/>
                 </a:srgbClr>
               </a:solidFill>
@@ -6977,20 +6857,20 @@
           </p:nvSpPr>
           <p:spPr>
             <a:xfrm>
-              <a:off x="4091337" y="1422869"/>
-              <a:ext cx="49651" cy="49651"/>
-            </a:xfrm>
-            <a:prstGeom prst="ellipse">
-              <a:avLst/>
-            </a:prstGeom>
-            <a:solidFill>
-              <a:srgbClr val="00BFC4">
-                <a:alpha val="100000"/>
-              </a:srgbClr>
-            </a:solidFill>
-            <a:ln w="9000" cap="rnd">
-              <a:solidFill>
-                <a:srgbClr val="00BFC4">
+              <a:off x="3067888" y="3890076"/>
+              <a:ext cx="49651" cy="49651"/>
+            </a:xfrm>
+            <a:prstGeom prst="ellipse">
+              <a:avLst/>
+            </a:prstGeom>
+            <a:solidFill>
+              <a:srgbClr val="C77CFF">
+                <a:alpha val="100000"/>
+              </a:srgbClr>
+            </a:solidFill>
+            <a:ln w="9000" cap="rnd">
+              <a:solidFill>
+                <a:srgbClr val="C77CFF">
                   <a:alpha val="100000"/>
                 </a:srgbClr>
               </a:solidFill>
@@ -7012,20 +6892,20 @@
           </p:nvSpPr>
           <p:spPr>
             <a:xfrm>
-              <a:off x="4161920" y="1603220"/>
-              <a:ext cx="49651" cy="49651"/>
-            </a:xfrm>
-            <a:prstGeom prst="ellipse">
-              <a:avLst/>
-            </a:prstGeom>
-            <a:solidFill>
-              <a:srgbClr val="00BFC4">
-                <a:alpha val="100000"/>
-              </a:srgbClr>
-            </a:solidFill>
-            <a:ln w="9000" cap="rnd">
-              <a:solidFill>
-                <a:srgbClr val="00BFC4">
+              <a:off x="3173762" y="3834165"/>
+              <a:ext cx="49651" cy="49651"/>
+            </a:xfrm>
+            <a:prstGeom prst="ellipse">
+              <a:avLst/>
+            </a:prstGeom>
+            <a:solidFill>
+              <a:srgbClr val="C77CFF">
+                <a:alpha val="100000"/>
+              </a:srgbClr>
+            </a:solidFill>
+            <a:ln w="9000" cap="rnd">
+              <a:solidFill>
+                <a:srgbClr val="C77CFF">
                   <a:alpha val="100000"/>
                 </a:srgbClr>
               </a:solidFill>
@@ -7047,20 +6927,20 @@
           </p:nvSpPr>
           <p:spPr>
             <a:xfrm>
-              <a:off x="4232503" y="1953203"/>
-              <a:ext cx="49651" cy="49651"/>
-            </a:xfrm>
-            <a:prstGeom prst="ellipse">
-              <a:avLst/>
-            </a:prstGeom>
-            <a:solidFill>
-              <a:srgbClr val="00BFC4">
-                <a:alpha val="100000"/>
-              </a:srgbClr>
-            </a:solidFill>
-            <a:ln w="9000" cap="rnd">
-              <a:solidFill>
-                <a:srgbClr val="00BFC4">
+              <a:off x="3314927" y="3705751"/>
+              <a:ext cx="49651" cy="49651"/>
+            </a:xfrm>
+            <a:prstGeom prst="ellipse">
+              <a:avLst/>
+            </a:prstGeom>
+            <a:solidFill>
+              <a:srgbClr val="C77CFF">
+                <a:alpha val="100000"/>
+              </a:srgbClr>
+            </a:solidFill>
+            <a:ln w="9000" cap="rnd">
+              <a:solidFill>
+                <a:srgbClr val="C77CFF">
                   <a:alpha val="100000"/>
                 </a:srgbClr>
               </a:solidFill>
@@ -7082,20 +6962,20 @@
           </p:nvSpPr>
           <p:spPr>
             <a:xfrm>
-              <a:off x="4303086" y="2302934"/>
-              <a:ext cx="49651" cy="49651"/>
-            </a:xfrm>
-            <a:prstGeom prst="ellipse">
-              <a:avLst/>
-            </a:prstGeom>
-            <a:solidFill>
-              <a:srgbClr val="00BFC4">
-                <a:alpha val="100000"/>
-              </a:srgbClr>
-            </a:solidFill>
-            <a:ln w="9000" cap="rnd">
-              <a:solidFill>
-                <a:srgbClr val="00BFC4">
+              <a:off x="3456093" y="3451078"/>
+              <a:ext cx="49651" cy="49651"/>
+            </a:xfrm>
+            <a:prstGeom prst="ellipse">
+              <a:avLst/>
+            </a:prstGeom>
+            <a:solidFill>
+              <a:srgbClr val="C77CFF">
+                <a:alpha val="100000"/>
+              </a:srgbClr>
+            </a:solidFill>
+            <a:ln w="9000" cap="rnd">
+              <a:solidFill>
+                <a:srgbClr val="C77CFF">
                   <a:alpha val="100000"/>
                 </a:srgbClr>
               </a:solidFill>
@@ -7117,20 +6997,20 @@
           </p:nvSpPr>
           <p:spPr>
             <a:xfrm>
-              <a:off x="4373668" y="2625242"/>
-              <a:ext cx="49651" cy="49651"/>
-            </a:xfrm>
-            <a:prstGeom prst="ellipse">
-              <a:avLst/>
-            </a:prstGeom>
-            <a:solidFill>
-              <a:srgbClr val="00BFC4">
-                <a:alpha val="100000"/>
-              </a:srgbClr>
-            </a:solidFill>
-            <a:ln w="9000" cap="rnd">
-              <a:solidFill>
-                <a:srgbClr val="00BFC4">
+              <a:off x="3526676" y="3246489"/>
+              <a:ext cx="49651" cy="49651"/>
+            </a:xfrm>
+            <a:prstGeom prst="ellipse">
+              <a:avLst/>
+            </a:prstGeom>
+            <a:solidFill>
+              <a:srgbClr val="C77CFF">
+                <a:alpha val="100000"/>
+              </a:srgbClr>
+            </a:solidFill>
+            <a:ln w="9000" cap="rnd">
+              <a:solidFill>
+                <a:srgbClr val="C77CFF">
                   <a:alpha val="100000"/>
                 </a:srgbClr>
               </a:solidFill>
@@ -7152,20 +7032,20 @@
           </p:nvSpPr>
           <p:spPr>
             <a:xfrm>
-              <a:off x="4444251" y="2897585"/>
-              <a:ext cx="49651" cy="49651"/>
-            </a:xfrm>
-            <a:prstGeom prst="ellipse">
-              <a:avLst/>
-            </a:prstGeom>
-            <a:solidFill>
-              <a:srgbClr val="00BFC4">
-                <a:alpha val="100000"/>
-              </a:srgbClr>
-            </a:solidFill>
-            <a:ln w="9000" cap="rnd">
-              <a:solidFill>
-                <a:srgbClr val="00BFC4">
+              <a:off x="3597258" y="2979024"/>
+              <a:ext cx="49651" cy="49651"/>
+            </a:xfrm>
+            <a:prstGeom prst="ellipse">
+              <a:avLst/>
+            </a:prstGeom>
+            <a:solidFill>
+              <a:srgbClr val="C77CFF">
+                <a:alpha val="100000"/>
+              </a:srgbClr>
+            </a:solidFill>
+            <a:ln w="9000" cap="rnd">
+              <a:solidFill>
+                <a:srgbClr val="C77CFF">
                   <a:alpha val="100000"/>
                 </a:srgbClr>
               </a:solidFill>
@@ -7187,20 +7067,20 @@
           </p:nvSpPr>
           <p:spPr>
             <a:xfrm>
-              <a:off x="4514834" y="3107225"/>
-              <a:ext cx="49651" cy="49651"/>
-            </a:xfrm>
-            <a:prstGeom prst="ellipse">
-              <a:avLst/>
-            </a:prstGeom>
-            <a:solidFill>
-              <a:srgbClr val="00BFC4">
-                <a:alpha val="100000"/>
-              </a:srgbClr>
-            </a:solidFill>
-            <a:ln w="9000" cap="rnd">
-              <a:solidFill>
-                <a:srgbClr val="00BFC4">
+              <a:off x="3667841" y="2649602"/>
+              <a:ext cx="49651" cy="49651"/>
+            </a:xfrm>
+            <a:prstGeom prst="ellipse">
+              <a:avLst/>
+            </a:prstGeom>
+            <a:solidFill>
+              <a:srgbClr val="C77CFF">
+                <a:alpha val="100000"/>
+              </a:srgbClr>
+            </a:solidFill>
+            <a:ln w="9000" cap="rnd">
+              <a:solidFill>
+                <a:srgbClr val="C77CFF">
                   <a:alpha val="100000"/>
                 </a:srgbClr>
               </a:solidFill>
@@ -7222,20 +7102,20 @@
           </p:nvSpPr>
           <p:spPr>
             <a:xfrm>
-              <a:off x="4620708" y="3334654"/>
-              <a:ext cx="49651" cy="49651"/>
-            </a:xfrm>
-            <a:prstGeom prst="ellipse">
-              <a:avLst/>
-            </a:prstGeom>
-            <a:solidFill>
-              <a:srgbClr val="00BFC4">
-                <a:alpha val="100000"/>
-              </a:srgbClr>
-            </a:solidFill>
-            <a:ln w="9000" cap="rnd">
-              <a:solidFill>
-                <a:srgbClr val="00BFC4">
+              <a:off x="3738424" y="2275927"/>
+              <a:ext cx="49651" cy="49651"/>
+            </a:xfrm>
+            <a:prstGeom prst="ellipse">
+              <a:avLst/>
+            </a:prstGeom>
+            <a:solidFill>
+              <a:srgbClr val="C77CFF">
+                <a:alpha val="100000"/>
+              </a:srgbClr>
+            </a:solidFill>
+            <a:ln w="9000" cap="rnd">
+              <a:solidFill>
+                <a:srgbClr val="C77CFF">
                   <a:alpha val="100000"/>
                 </a:srgbClr>
               </a:solidFill>
@@ -7257,20 +7137,20 @@
           </p:nvSpPr>
           <p:spPr>
             <a:xfrm>
-              <a:off x="4726582" y="3487354"/>
-              <a:ext cx="49651" cy="49651"/>
-            </a:xfrm>
-            <a:prstGeom prst="ellipse">
-              <a:avLst/>
-            </a:prstGeom>
-            <a:solidFill>
-              <a:srgbClr val="00BFC4">
-                <a:alpha val="100000"/>
-              </a:srgbClr>
-            </a:solidFill>
-            <a:ln w="9000" cap="rnd">
-              <a:solidFill>
-                <a:srgbClr val="00BFC4">
+              <a:off x="3809006" y="1966938"/>
+              <a:ext cx="49651" cy="49651"/>
+            </a:xfrm>
+            <a:prstGeom prst="ellipse">
+              <a:avLst/>
+            </a:prstGeom>
+            <a:solidFill>
+              <a:srgbClr val="C77CFF">
+                <a:alpha val="100000"/>
+              </a:srgbClr>
+            </a:solidFill>
+            <a:ln w="9000" cap="rnd">
+              <a:solidFill>
+                <a:srgbClr val="C77CFF">
                   <a:alpha val="100000"/>
                 </a:srgbClr>
               </a:solidFill>
@@ -7292,20 +7172,20 @@
           </p:nvSpPr>
           <p:spPr>
             <a:xfrm>
-              <a:off x="4797165" y="3566024"/>
-              <a:ext cx="49651" cy="49651"/>
-            </a:xfrm>
-            <a:prstGeom prst="ellipse">
-              <a:avLst/>
-            </a:prstGeom>
-            <a:solidFill>
-              <a:srgbClr val="00BFC4">
-                <a:alpha val="100000"/>
-              </a:srgbClr>
-            </a:solidFill>
-            <a:ln w="9000" cap="rnd">
-              <a:solidFill>
-                <a:srgbClr val="00BFC4">
+              <a:off x="3879589" y="1691305"/>
+              <a:ext cx="49651" cy="49651"/>
+            </a:xfrm>
+            <a:prstGeom prst="ellipse">
+              <a:avLst/>
+            </a:prstGeom>
+            <a:solidFill>
+              <a:srgbClr val="C77CFF">
+                <a:alpha val="100000"/>
+              </a:srgbClr>
+            </a:solidFill>
+            <a:ln w="9000" cap="rnd">
+              <a:solidFill>
+                <a:srgbClr val="C77CFF">
                   <a:alpha val="100000"/>
                 </a:srgbClr>
               </a:solidFill>
@@ -7327,20 +7207,20 @@
           </p:nvSpPr>
           <p:spPr>
             <a:xfrm>
-              <a:off x="4938330" y="3692563"/>
-              <a:ext cx="49651" cy="49651"/>
-            </a:xfrm>
-            <a:prstGeom prst="ellipse">
-              <a:avLst/>
-            </a:prstGeom>
-            <a:solidFill>
-              <a:srgbClr val="00BFC4">
-                <a:alpha val="100000"/>
-              </a:srgbClr>
-            </a:solidFill>
-            <a:ln w="9000" cap="rnd">
-              <a:solidFill>
-                <a:srgbClr val="00BFC4">
+              <a:off x="3950172" y="1466586"/>
+              <a:ext cx="49651" cy="49651"/>
+            </a:xfrm>
+            <a:prstGeom prst="ellipse">
+              <a:avLst/>
+            </a:prstGeom>
+            <a:solidFill>
+              <a:srgbClr val="C77CFF">
+                <a:alpha val="100000"/>
+              </a:srgbClr>
+            </a:solidFill>
+            <a:ln w="9000" cap="rnd">
+              <a:solidFill>
+                <a:srgbClr val="C77CFF">
                   <a:alpha val="100000"/>
                 </a:srgbClr>
               </a:solidFill>
@@ -7362,20 +7242,20 @@
           </p:nvSpPr>
           <p:spPr>
             <a:xfrm>
-              <a:off x="5079495" y="3788917"/>
-              <a:ext cx="49651" cy="49651"/>
-            </a:xfrm>
-            <a:prstGeom prst="ellipse">
-              <a:avLst/>
-            </a:prstGeom>
-            <a:solidFill>
-              <a:srgbClr val="00BFC4">
-                <a:alpha val="100000"/>
-              </a:srgbClr>
-            </a:solidFill>
-            <a:ln w="9000" cap="rnd">
-              <a:solidFill>
-                <a:srgbClr val="00BFC4">
+              <a:off x="4020755" y="1307857"/>
+              <a:ext cx="49651" cy="49651"/>
+            </a:xfrm>
+            <a:prstGeom prst="ellipse">
+              <a:avLst/>
+            </a:prstGeom>
+            <a:solidFill>
+              <a:srgbClr val="C77CFF">
+                <a:alpha val="100000"/>
+              </a:srgbClr>
+            </a:solidFill>
+            <a:ln w="9000" cap="rnd">
+              <a:solidFill>
+                <a:srgbClr val="C77CFF">
                   <a:alpha val="100000"/>
                 </a:srgbClr>
               </a:solidFill>
@@ -7397,20 +7277,20 @@
           </p:nvSpPr>
           <p:spPr>
             <a:xfrm>
-              <a:off x="5185370" y="3848279"/>
-              <a:ext cx="49651" cy="49651"/>
-            </a:xfrm>
-            <a:prstGeom prst="ellipse">
-              <a:avLst/>
-            </a:prstGeom>
-            <a:solidFill>
-              <a:srgbClr val="00BFC4">
-                <a:alpha val="100000"/>
-              </a:srgbClr>
-            </a:solidFill>
-            <a:ln w="9000" cap="rnd">
-              <a:solidFill>
-                <a:srgbClr val="00BFC4">
+              <a:off x="4091337" y="1288050"/>
+              <a:ext cx="49651" cy="49651"/>
+            </a:xfrm>
+            <a:prstGeom prst="ellipse">
+              <a:avLst/>
+            </a:prstGeom>
+            <a:solidFill>
+              <a:srgbClr val="C77CFF">
+                <a:alpha val="100000"/>
+              </a:srgbClr>
+            </a:solidFill>
+            <a:ln w="9000" cap="rnd">
+              <a:solidFill>
+                <a:srgbClr val="C77CFF">
                   <a:alpha val="100000"/>
                 </a:srgbClr>
               </a:solidFill>
@@ -7432,20 +7312,20 @@
           </p:nvSpPr>
           <p:spPr>
             <a:xfrm>
-              <a:off x="5361826" y="3919931"/>
-              <a:ext cx="49651" cy="49651"/>
-            </a:xfrm>
-            <a:prstGeom prst="ellipse">
-              <a:avLst/>
-            </a:prstGeom>
-            <a:solidFill>
-              <a:srgbClr val="00BFC4">
-                <a:alpha val="100000"/>
-              </a:srgbClr>
-            </a:solidFill>
-            <a:ln w="9000" cap="rnd">
-              <a:solidFill>
-                <a:srgbClr val="00BFC4">
+              <a:off x="4161920" y="1404207"/>
+              <a:ext cx="49651" cy="49651"/>
+            </a:xfrm>
+            <a:prstGeom prst="ellipse">
+              <a:avLst/>
+            </a:prstGeom>
+            <a:solidFill>
+              <a:srgbClr val="C77CFF">
+                <a:alpha val="100000"/>
+              </a:srgbClr>
+            </a:solidFill>
+            <a:ln w="9000" cap="rnd">
+              <a:solidFill>
+                <a:srgbClr val="C77CFF">
                   <a:alpha val="100000"/>
                 </a:srgbClr>
               </a:solidFill>
@@ -7467,7 +7347,7 @@
           </p:nvSpPr>
           <p:spPr>
             <a:xfrm>
-              <a:off x="2326769" y="4001756"/>
+              <a:off x="4232503" y="1708142"/>
               <a:ext cx="49651" cy="49651"/>
             </a:xfrm>
             <a:prstGeom prst="ellipse">
@@ -7502,7 +7382,7 @@
           </p:nvSpPr>
           <p:spPr>
             <a:xfrm>
-              <a:off x="3067888" y="3890076"/>
+              <a:off x="4303086" y="2086480"/>
               <a:ext cx="49651" cy="49651"/>
             </a:xfrm>
             <a:prstGeom prst="ellipse">
@@ -7537,7 +7417,7 @@
           </p:nvSpPr>
           <p:spPr>
             <a:xfrm>
-              <a:off x="3173762" y="3834165"/>
+              <a:off x="4373668" y="2456211"/>
               <a:ext cx="49651" cy="49651"/>
             </a:xfrm>
             <a:prstGeom prst="ellipse">
@@ -7572,7 +7452,7 @@
           </p:nvSpPr>
           <p:spPr>
             <a:xfrm>
-              <a:off x="3314927" y="3705751"/>
+              <a:off x="4444251" y="2796835"/>
               <a:ext cx="49651" cy="49651"/>
             </a:xfrm>
             <a:prstGeom prst="ellipse">
@@ -7607,7 +7487,7 @@
           </p:nvSpPr>
           <p:spPr>
             <a:xfrm>
-              <a:off x="3456093" y="3451078"/>
+              <a:off x="4550125" y="3172459"/>
               <a:ext cx="49651" cy="49651"/>
             </a:xfrm>
             <a:prstGeom prst="ellipse">
@@ -7642,7 +7522,7 @@
           </p:nvSpPr>
           <p:spPr>
             <a:xfrm>
-              <a:off x="3526676" y="3246489"/>
+              <a:off x="4726582" y="3485237"/>
               <a:ext cx="49651" cy="49651"/>
             </a:xfrm>
             <a:prstGeom prst="ellipse">
@@ -7677,7 +7557,7 @@
           </p:nvSpPr>
           <p:spPr>
             <a:xfrm>
-              <a:off x="3597258" y="2979024"/>
+              <a:off x="4867747" y="3607577"/>
               <a:ext cx="49651" cy="49651"/>
             </a:xfrm>
             <a:prstGeom prst="ellipse">
@@ -7712,7 +7592,7 @@
           </p:nvSpPr>
           <p:spPr>
             <a:xfrm>
-              <a:off x="3667841" y="2649602"/>
+              <a:off x="4938330" y="3652214"/>
               <a:ext cx="49651" cy="49651"/>
             </a:xfrm>
             <a:prstGeom prst="ellipse">
@@ -7747,7 +7627,7 @@
           </p:nvSpPr>
           <p:spPr>
             <a:xfrm>
-              <a:off x="3738424" y="2275927"/>
+              <a:off x="5008913" y="3695054"/>
               <a:ext cx="49651" cy="49651"/>
             </a:xfrm>
             <a:prstGeom prst="ellipse">
@@ -7782,7 +7662,7 @@
           </p:nvSpPr>
           <p:spPr>
             <a:xfrm>
-              <a:off x="3809006" y="1966938"/>
+              <a:off x="5150078" y="3771729"/>
               <a:ext cx="49651" cy="49651"/>
             </a:xfrm>
             <a:prstGeom prst="ellipse">
@@ -7817,7 +7697,7 @@
           </p:nvSpPr>
           <p:spPr>
             <a:xfrm>
-              <a:off x="3879589" y="1691305"/>
+              <a:off x="5361826" y="3857017"/>
               <a:ext cx="49651" cy="49651"/>
             </a:xfrm>
             <a:prstGeom prst="ellipse">
@@ -7846,532 +7726,7 @@
         </p:sp>
         <p:sp>
           <p:nvSpPr>
-            <p:cNvPr id="145" name="pt144"/>
-            <p:cNvSpPr/>
-            <p:nvPr/>
-          </p:nvSpPr>
-          <p:spPr>
-            <a:xfrm>
-              <a:off x="3950172" y="1466586"/>
-              <a:ext cx="49651" cy="49651"/>
-            </a:xfrm>
-            <a:prstGeom prst="ellipse">
-              <a:avLst/>
-            </a:prstGeom>
-            <a:solidFill>
-              <a:srgbClr val="C77CFF">
-                <a:alpha val="100000"/>
-              </a:srgbClr>
-            </a:solidFill>
-            <a:ln w="9000" cap="rnd">
-              <a:solidFill>
-                <a:srgbClr val="C77CFF">
-                  <a:alpha val="100000"/>
-                </a:srgbClr>
-              </a:solidFill>
-              <a:prstDash val="solid"/>
-              <a:round/>
-            </a:ln>
-          </p:spPr>
-          <p:txBody>
-            <a:bodyPr/>
-            <a:lstStyle/>
-            <a:p/>
-          </p:txBody>
-        </p:sp>
-        <p:sp>
-          <p:nvSpPr>
-            <p:cNvPr id="146" name="pt145"/>
-            <p:cNvSpPr/>
-            <p:nvPr/>
-          </p:nvSpPr>
-          <p:spPr>
-            <a:xfrm>
-              <a:off x="4020755" y="1307857"/>
-              <a:ext cx="49651" cy="49651"/>
-            </a:xfrm>
-            <a:prstGeom prst="ellipse">
-              <a:avLst/>
-            </a:prstGeom>
-            <a:solidFill>
-              <a:srgbClr val="C77CFF">
-                <a:alpha val="100000"/>
-              </a:srgbClr>
-            </a:solidFill>
-            <a:ln w="9000" cap="rnd">
-              <a:solidFill>
-                <a:srgbClr val="C77CFF">
-                  <a:alpha val="100000"/>
-                </a:srgbClr>
-              </a:solidFill>
-              <a:prstDash val="solid"/>
-              <a:round/>
-            </a:ln>
-          </p:spPr>
-          <p:txBody>
-            <a:bodyPr/>
-            <a:lstStyle/>
-            <a:p/>
-          </p:txBody>
-        </p:sp>
-        <p:sp>
-          <p:nvSpPr>
-            <p:cNvPr id="147" name="pt146"/>
-            <p:cNvSpPr/>
-            <p:nvPr/>
-          </p:nvSpPr>
-          <p:spPr>
-            <a:xfrm>
-              <a:off x="4091337" y="1288050"/>
-              <a:ext cx="49651" cy="49651"/>
-            </a:xfrm>
-            <a:prstGeom prst="ellipse">
-              <a:avLst/>
-            </a:prstGeom>
-            <a:solidFill>
-              <a:srgbClr val="C77CFF">
-                <a:alpha val="100000"/>
-              </a:srgbClr>
-            </a:solidFill>
-            <a:ln w="9000" cap="rnd">
-              <a:solidFill>
-                <a:srgbClr val="C77CFF">
-                  <a:alpha val="100000"/>
-                </a:srgbClr>
-              </a:solidFill>
-              <a:prstDash val="solid"/>
-              <a:round/>
-            </a:ln>
-          </p:spPr>
-          <p:txBody>
-            <a:bodyPr/>
-            <a:lstStyle/>
-            <a:p/>
-          </p:txBody>
-        </p:sp>
-        <p:sp>
-          <p:nvSpPr>
-            <p:cNvPr id="148" name="pt147"/>
-            <p:cNvSpPr/>
-            <p:nvPr/>
-          </p:nvSpPr>
-          <p:spPr>
-            <a:xfrm>
-              <a:off x="4161920" y="1404207"/>
-              <a:ext cx="49651" cy="49651"/>
-            </a:xfrm>
-            <a:prstGeom prst="ellipse">
-              <a:avLst/>
-            </a:prstGeom>
-            <a:solidFill>
-              <a:srgbClr val="C77CFF">
-                <a:alpha val="100000"/>
-              </a:srgbClr>
-            </a:solidFill>
-            <a:ln w="9000" cap="rnd">
-              <a:solidFill>
-                <a:srgbClr val="C77CFF">
-                  <a:alpha val="100000"/>
-                </a:srgbClr>
-              </a:solidFill>
-              <a:prstDash val="solid"/>
-              <a:round/>
-            </a:ln>
-          </p:spPr>
-          <p:txBody>
-            <a:bodyPr/>
-            <a:lstStyle/>
-            <a:p/>
-          </p:txBody>
-        </p:sp>
-        <p:sp>
-          <p:nvSpPr>
-            <p:cNvPr id="149" name="pt148"/>
-            <p:cNvSpPr/>
-            <p:nvPr/>
-          </p:nvSpPr>
-          <p:spPr>
-            <a:xfrm>
-              <a:off x="4232503" y="1708142"/>
-              <a:ext cx="49651" cy="49651"/>
-            </a:xfrm>
-            <a:prstGeom prst="ellipse">
-              <a:avLst/>
-            </a:prstGeom>
-            <a:solidFill>
-              <a:srgbClr val="C77CFF">
-                <a:alpha val="100000"/>
-              </a:srgbClr>
-            </a:solidFill>
-            <a:ln w="9000" cap="rnd">
-              <a:solidFill>
-                <a:srgbClr val="C77CFF">
-                  <a:alpha val="100000"/>
-                </a:srgbClr>
-              </a:solidFill>
-              <a:prstDash val="solid"/>
-              <a:round/>
-            </a:ln>
-          </p:spPr>
-          <p:txBody>
-            <a:bodyPr/>
-            <a:lstStyle/>
-            <a:p/>
-          </p:txBody>
-        </p:sp>
-        <p:sp>
-          <p:nvSpPr>
-            <p:cNvPr id="150" name="pt149"/>
-            <p:cNvSpPr/>
-            <p:nvPr/>
-          </p:nvSpPr>
-          <p:spPr>
-            <a:xfrm>
-              <a:off x="4303086" y="2086480"/>
-              <a:ext cx="49651" cy="49651"/>
-            </a:xfrm>
-            <a:prstGeom prst="ellipse">
-              <a:avLst/>
-            </a:prstGeom>
-            <a:solidFill>
-              <a:srgbClr val="C77CFF">
-                <a:alpha val="100000"/>
-              </a:srgbClr>
-            </a:solidFill>
-            <a:ln w="9000" cap="rnd">
-              <a:solidFill>
-                <a:srgbClr val="C77CFF">
-                  <a:alpha val="100000"/>
-                </a:srgbClr>
-              </a:solidFill>
-              <a:prstDash val="solid"/>
-              <a:round/>
-            </a:ln>
-          </p:spPr>
-          <p:txBody>
-            <a:bodyPr/>
-            <a:lstStyle/>
-            <a:p/>
-          </p:txBody>
-        </p:sp>
-        <p:sp>
-          <p:nvSpPr>
-            <p:cNvPr id="151" name="pt150"/>
-            <p:cNvSpPr/>
-            <p:nvPr/>
-          </p:nvSpPr>
-          <p:spPr>
-            <a:xfrm>
-              <a:off x="4373668" y="2456211"/>
-              <a:ext cx="49651" cy="49651"/>
-            </a:xfrm>
-            <a:prstGeom prst="ellipse">
-              <a:avLst/>
-            </a:prstGeom>
-            <a:solidFill>
-              <a:srgbClr val="C77CFF">
-                <a:alpha val="100000"/>
-              </a:srgbClr>
-            </a:solidFill>
-            <a:ln w="9000" cap="rnd">
-              <a:solidFill>
-                <a:srgbClr val="C77CFF">
-                  <a:alpha val="100000"/>
-                </a:srgbClr>
-              </a:solidFill>
-              <a:prstDash val="solid"/>
-              <a:round/>
-            </a:ln>
-          </p:spPr>
-          <p:txBody>
-            <a:bodyPr/>
-            <a:lstStyle/>
-            <a:p/>
-          </p:txBody>
-        </p:sp>
-        <p:sp>
-          <p:nvSpPr>
-            <p:cNvPr id="152" name="pt151"/>
-            <p:cNvSpPr/>
-            <p:nvPr/>
-          </p:nvSpPr>
-          <p:spPr>
-            <a:xfrm>
-              <a:off x="4444251" y="2796835"/>
-              <a:ext cx="49651" cy="49651"/>
-            </a:xfrm>
-            <a:prstGeom prst="ellipse">
-              <a:avLst/>
-            </a:prstGeom>
-            <a:solidFill>
-              <a:srgbClr val="C77CFF">
-                <a:alpha val="100000"/>
-              </a:srgbClr>
-            </a:solidFill>
-            <a:ln w="9000" cap="rnd">
-              <a:solidFill>
-                <a:srgbClr val="C77CFF">
-                  <a:alpha val="100000"/>
-                </a:srgbClr>
-              </a:solidFill>
-              <a:prstDash val="solid"/>
-              <a:round/>
-            </a:ln>
-          </p:spPr>
-          <p:txBody>
-            <a:bodyPr/>
-            <a:lstStyle/>
-            <a:p/>
-          </p:txBody>
-        </p:sp>
-        <p:sp>
-          <p:nvSpPr>
-            <p:cNvPr id="153" name="pt152"/>
-            <p:cNvSpPr/>
-            <p:nvPr/>
-          </p:nvSpPr>
-          <p:spPr>
-            <a:xfrm>
-              <a:off x="4550125" y="3172459"/>
-              <a:ext cx="49651" cy="49651"/>
-            </a:xfrm>
-            <a:prstGeom prst="ellipse">
-              <a:avLst/>
-            </a:prstGeom>
-            <a:solidFill>
-              <a:srgbClr val="C77CFF">
-                <a:alpha val="100000"/>
-              </a:srgbClr>
-            </a:solidFill>
-            <a:ln w="9000" cap="rnd">
-              <a:solidFill>
-                <a:srgbClr val="C77CFF">
-                  <a:alpha val="100000"/>
-                </a:srgbClr>
-              </a:solidFill>
-              <a:prstDash val="solid"/>
-              <a:round/>
-            </a:ln>
-          </p:spPr>
-          <p:txBody>
-            <a:bodyPr/>
-            <a:lstStyle/>
-            <a:p/>
-          </p:txBody>
-        </p:sp>
-        <p:sp>
-          <p:nvSpPr>
-            <p:cNvPr id="154" name="pt153"/>
-            <p:cNvSpPr/>
-            <p:nvPr/>
-          </p:nvSpPr>
-          <p:spPr>
-            <a:xfrm>
-              <a:off x="4726582" y="3485237"/>
-              <a:ext cx="49651" cy="49651"/>
-            </a:xfrm>
-            <a:prstGeom prst="ellipse">
-              <a:avLst/>
-            </a:prstGeom>
-            <a:solidFill>
-              <a:srgbClr val="C77CFF">
-                <a:alpha val="100000"/>
-              </a:srgbClr>
-            </a:solidFill>
-            <a:ln w="9000" cap="rnd">
-              <a:solidFill>
-                <a:srgbClr val="C77CFF">
-                  <a:alpha val="100000"/>
-                </a:srgbClr>
-              </a:solidFill>
-              <a:prstDash val="solid"/>
-              <a:round/>
-            </a:ln>
-          </p:spPr>
-          <p:txBody>
-            <a:bodyPr/>
-            <a:lstStyle/>
-            <a:p/>
-          </p:txBody>
-        </p:sp>
-        <p:sp>
-          <p:nvSpPr>
-            <p:cNvPr id="155" name="pt154"/>
-            <p:cNvSpPr/>
-            <p:nvPr/>
-          </p:nvSpPr>
-          <p:spPr>
-            <a:xfrm>
-              <a:off x="4867747" y="3607577"/>
-              <a:ext cx="49651" cy="49651"/>
-            </a:xfrm>
-            <a:prstGeom prst="ellipse">
-              <a:avLst/>
-            </a:prstGeom>
-            <a:solidFill>
-              <a:srgbClr val="C77CFF">
-                <a:alpha val="100000"/>
-              </a:srgbClr>
-            </a:solidFill>
-            <a:ln w="9000" cap="rnd">
-              <a:solidFill>
-                <a:srgbClr val="C77CFF">
-                  <a:alpha val="100000"/>
-                </a:srgbClr>
-              </a:solidFill>
-              <a:prstDash val="solid"/>
-              <a:round/>
-            </a:ln>
-          </p:spPr>
-          <p:txBody>
-            <a:bodyPr/>
-            <a:lstStyle/>
-            <a:p/>
-          </p:txBody>
-        </p:sp>
-        <p:sp>
-          <p:nvSpPr>
-            <p:cNvPr id="156" name="pt155"/>
-            <p:cNvSpPr/>
-            <p:nvPr/>
-          </p:nvSpPr>
-          <p:spPr>
-            <a:xfrm>
-              <a:off x="4938330" y="3652214"/>
-              <a:ext cx="49651" cy="49651"/>
-            </a:xfrm>
-            <a:prstGeom prst="ellipse">
-              <a:avLst/>
-            </a:prstGeom>
-            <a:solidFill>
-              <a:srgbClr val="C77CFF">
-                <a:alpha val="100000"/>
-              </a:srgbClr>
-            </a:solidFill>
-            <a:ln w="9000" cap="rnd">
-              <a:solidFill>
-                <a:srgbClr val="C77CFF">
-                  <a:alpha val="100000"/>
-                </a:srgbClr>
-              </a:solidFill>
-              <a:prstDash val="solid"/>
-              <a:round/>
-            </a:ln>
-          </p:spPr>
-          <p:txBody>
-            <a:bodyPr/>
-            <a:lstStyle/>
-            <a:p/>
-          </p:txBody>
-        </p:sp>
-        <p:sp>
-          <p:nvSpPr>
-            <p:cNvPr id="157" name="pt156"/>
-            <p:cNvSpPr/>
-            <p:nvPr/>
-          </p:nvSpPr>
-          <p:spPr>
-            <a:xfrm>
-              <a:off x="5008913" y="3695054"/>
-              <a:ext cx="49651" cy="49651"/>
-            </a:xfrm>
-            <a:prstGeom prst="ellipse">
-              <a:avLst/>
-            </a:prstGeom>
-            <a:solidFill>
-              <a:srgbClr val="C77CFF">
-                <a:alpha val="100000"/>
-              </a:srgbClr>
-            </a:solidFill>
-            <a:ln w="9000" cap="rnd">
-              <a:solidFill>
-                <a:srgbClr val="C77CFF">
-                  <a:alpha val="100000"/>
-                </a:srgbClr>
-              </a:solidFill>
-              <a:prstDash val="solid"/>
-              <a:round/>
-            </a:ln>
-          </p:spPr>
-          <p:txBody>
-            <a:bodyPr/>
-            <a:lstStyle/>
-            <a:p/>
-          </p:txBody>
-        </p:sp>
-        <p:sp>
-          <p:nvSpPr>
-            <p:cNvPr id="158" name="pt157"/>
-            <p:cNvSpPr/>
-            <p:nvPr/>
-          </p:nvSpPr>
-          <p:spPr>
-            <a:xfrm>
-              <a:off x="5150078" y="3771729"/>
-              <a:ext cx="49651" cy="49651"/>
-            </a:xfrm>
-            <a:prstGeom prst="ellipse">
-              <a:avLst/>
-            </a:prstGeom>
-            <a:solidFill>
-              <a:srgbClr val="C77CFF">
-                <a:alpha val="100000"/>
-              </a:srgbClr>
-            </a:solidFill>
-            <a:ln w="9000" cap="rnd">
-              <a:solidFill>
-                <a:srgbClr val="C77CFF">
-                  <a:alpha val="100000"/>
-                </a:srgbClr>
-              </a:solidFill>
-              <a:prstDash val="solid"/>
-              <a:round/>
-            </a:ln>
-          </p:spPr>
-          <p:txBody>
-            <a:bodyPr/>
-            <a:lstStyle/>
-            <a:p/>
-          </p:txBody>
-        </p:sp>
-        <p:sp>
-          <p:nvSpPr>
-            <p:cNvPr id="159" name="pt158"/>
-            <p:cNvSpPr/>
-            <p:nvPr/>
-          </p:nvSpPr>
-          <p:spPr>
-            <a:xfrm>
-              <a:off x="5361826" y="3857017"/>
-              <a:ext cx="49651" cy="49651"/>
-            </a:xfrm>
-            <a:prstGeom prst="ellipse">
-              <a:avLst/>
-            </a:prstGeom>
-            <a:solidFill>
-              <a:srgbClr val="C77CFF">
-                <a:alpha val="100000"/>
-              </a:srgbClr>
-            </a:solidFill>
-            <a:ln w="9000" cap="rnd">
-              <a:solidFill>
-                <a:srgbClr val="C77CFF">
-                  <a:alpha val="100000"/>
-                </a:srgbClr>
-              </a:solidFill>
-              <a:prstDash val="solid"/>
-              <a:round/>
-            </a:ln>
-          </p:spPr>
-          <p:txBody>
-            <a:bodyPr/>
-            <a:lstStyle/>
-            <a:p/>
-          </p:txBody>
-        </p:sp>
-        <p:sp>
-          <p:nvSpPr>
-            <p:cNvPr id="160" name="tx159"/>
+            <p:cNvPr id="145" name="tx144"/>
             <p:cNvSpPr/>
             <p:nvPr/>
           </p:nvSpPr>
@@ -8417,7 +7772,7 @@
         </p:sp>
         <p:sp>
           <p:nvSpPr>
-            <p:cNvPr id="161" name="tx160"/>
+            <p:cNvPr id="146" name="tx145"/>
             <p:cNvSpPr/>
             <p:nvPr/>
           </p:nvSpPr>
@@ -8463,7 +7818,7 @@
         </p:sp>
         <p:sp>
           <p:nvSpPr>
-            <p:cNvPr id="162" name="tx161"/>
+            <p:cNvPr id="147" name="tx146"/>
             <p:cNvSpPr/>
             <p:nvPr/>
           </p:nvSpPr>
@@ -8509,7 +7864,7 @@
         </p:sp>
         <p:sp>
           <p:nvSpPr>
-            <p:cNvPr id="163" name="tx162"/>
+            <p:cNvPr id="148" name="tx147"/>
             <p:cNvSpPr/>
             <p:nvPr/>
           </p:nvSpPr>
@@ -8555,7 +7910,7 @@
         </p:sp>
         <p:sp>
           <p:nvSpPr>
-            <p:cNvPr id="164" name="tx163"/>
+            <p:cNvPr id="149" name="tx148"/>
             <p:cNvSpPr/>
             <p:nvPr/>
           </p:nvSpPr>
@@ -8601,7 +7956,7 @@
         </p:sp>
         <p:sp>
           <p:nvSpPr>
-            <p:cNvPr id="165" name="tx164"/>
+            <p:cNvPr id="150" name="tx149"/>
             <p:cNvSpPr/>
             <p:nvPr/>
           </p:nvSpPr>
@@ -8647,7 +8002,7 @@
         </p:sp>
         <p:sp>
           <p:nvSpPr>
-            <p:cNvPr id="166" name="tx165"/>
+            <p:cNvPr id="151" name="tx150"/>
             <p:cNvSpPr/>
             <p:nvPr/>
           </p:nvSpPr>
@@ -8693,7 +8048,7 @@
         </p:sp>
         <p:sp>
           <p:nvSpPr>
-            <p:cNvPr id="167" name="pl166"/>
+            <p:cNvPr id="152" name="pl151"/>
             <p:cNvSpPr/>
             <p:nvPr/>
           </p:nvSpPr>
@@ -8733,7 +8088,7 @@
         </p:sp>
         <p:sp>
           <p:nvSpPr>
-            <p:cNvPr id="168" name="pl167"/>
+            <p:cNvPr id="153" name="pl152"/>
             <p:cNvSpPr/>
             <p:nvPr/>
           </p:nvSpPr>
@@ -8773,7 +8128,7 @@
         </p:sp>
         <p:sp>
           <p:nvSpPr>
-            <p:cNvPr id="169" name="pl168"/>
+            <p:cNvPr id="154" name="pl153"/>
             <p:cNvSpPr/>
             <p:nvPr/>
           </p:nvSpPr>
@@ -8813,7 +8168,7 @@
         </p:sp>
         <p:sp>
           <p:nvSpPr>
-            <p:cNvPr id="170" name="pl169"/>
+            <p:cNvPr id="155" name="pl154"/>
             <p:cNvSpPr/>
             <p:nvPr/>
           </p:nvSpPr>
@@ -8853,7 +8208,7 @@
         </p:sp>
         <p:sp>
           <p:nvSpPr>
-            <p:cNvPr id="171" name="pl170"/>
+            <p:cNvPr id="156" name="pl155"/>
             <p:cNvSpPr/>
             <p:nvPr/>
           </p:nvSpPr>
@@ -8893,7 +8248,7 @@
         </p:sp>
         <p:sp>
           <p:nvSpPr>
-            <p:cNvPr id="172" name="pl171"/>
+            <p:cNvPr id="157" name="pl156"/>
             <p:cNvSpPr/>
             <p:nvPr/>
           </p:nvSpPr>
@@ -8933,7 +8288,7 @@
         </p:sp>
         <p:sp>
           <p:nvSpPr>
-            <p:cNvPr id="173" name="pl172"/>
+            <p:cNvPr id="158" name="pl157"/>
             <p:cNvSpPr/>
             <p:nvPr/>
           </p:nvSpPr>
@@ -8973,7 +8328,7 @@
         </p:sp>
         <p:sp>
           <p:nvSpPr>
-            <p:cNvPr id="174" name="pl173"/>
+            <p:cNvPr id="159" name="pl158"/>
             <p:cNvSpPr/>
             <p:nvPr/>
           </p:nvSpPr>
@@ -9013,13 +8368,13 @@
         </p:sp>
         <p:sp>
           <p:nvSpPr>
-            <p:cNvPr id="175" name="pl174"/>
-            <p:cNvSpPr/>
-            <p:nvPr/>
-          </p:nvSpPr>
-          <p:spPr>
-            <a:xfrm>
-              <a:off x="1963390" y="4172066"/>
+            <p:cNvPr id="160" name="pl159"/>
+            <p:cNvSpPr/>
+            <p:nvPr/>
+          </p:nvSpPr>
+          <p:spPr>
+            <a:xfrm>
+              <a:off x="2245721" y="4172066"/>
               <a:ext cx="0" cy="34794"/>
             </a:xfrm>
             <a:custGeom>
@@ -9053,13 +8408,13 @@
         </p:sp>
         <p:sp>
           <p:nvSpPr>
-            <p:cNvPr id="176" name="pl175"/>
-            <p:cNvSpPr/>
-            <p:nvPr/>
-          </p:nvSpPr>
-          <p:spPr>
-            <a:xfrm>
-              <a:off x="2245721" y="4172066"/>
+            <p:cNvPr id="161" name="pl160"/>
+            <p:cNvSpPr/>
+            <p:nvPr/>
+          </p:nvSpPr>
+          <p:spPr>
+            <a:xfrm>
+              <a:off x="2810383" y="4172066"/>
               <a:ext cx="0" cy="34794"/>
             </a:xfrm>
             <a:custGeom>
@@ -9093,13 +8448,13 @@
         </p:sp>
         <p:sp>
           <p:nvSpPr>
-            <p:cNvPr id="177" name="pl176"/>
-            <p:cNvSpPr/>
-            <p:nvPr/>
-          </p:nvSpPr>
-          <p:spPr>
-            <a:xfrm>
-              <a:off x="2528052" y="4172066"/>
+            <p:cNvPr id="162" name="pl161"/>
+            <p:cNvSpPr/>
+            <p:nvPr/>
+          </p:nvSpPr>
+          <p:spPr>
+            <a:xfrm>
+              <a:off x="3375045" y="4172066"/>
               <a:ext cx="0" cy="34794"/>
             </a:xfrm>
             <a:custGeom>
@@ -9133,13 +8488,13 @@
         </p:sp>
         <p:sp>
           <p:nvSpPr>
-            <p:cNvPr id="178" name="pl177"/>
-            <p:cNvSpPr/>
-            <p:nvPr/>
-          </p:nvSpPr>
-          <p:spPr>
-            <a:xfrm>
-              <a:off x="2810383" y="4172066"/>
+            <p:cNvPr id="163" name="pl162"/>
+            <p:cNvSpPr/>
+            <p:nvPr/>
+          </p:nvSpPr>
+          <p:spPr>
+            <a:xfrm>
+              <a:off x="3939706" y="4172066"/>
               <a:ext cx="0" cy="34794"/>
             </a:xfrm>
             <a:custGeom>
@@ -9173,13 +8528,13 @@
         </p:sp>
         <p:sp>
           <p:nvSpPr>
-            <p:cNvPr id="179" name="pl178"/>
-            <p:cNvSpPr/>
-            <p:nvPr/>
-          </p:nvSpPr>
-          <p:spPr>
-            <a:xfrm>
-              <a:off x="3092714" y="4172066"/>
+            <p:cNvPr id="164" name="pl163"/>
+            <p:cNvSpPr/>
+            <p:nvPr/>
+          </p:nvSpPr>
+          <p:spPr>
+            <a:xfrm>
+              <a:off x="4504368" y="4172066"/>
               <a:ext cx="0" cy="34794"/>
             </a:xfrm>
             <a:custGeom>
@@ -9213,13 +8568,13 @@
         </p:sp>
         <p:sp>
           <p:nvSpPr>
-            <p:cNvPr id="180" name="pl179"/>
-            <p:cNvSpPr/>
-            <p:nvPr/>
-          </p:nvSpPr>
-          <p:spPr>
-            <a:xfrm>
-              <a:off x="3375045" y="4172066"/>
+            <p:cNvPr id="165" name="pl164"/>
+            <p:cNvSpPr/>
+            <p:nvPr/>
+          </p:nvSpPr>
+          <p:spPr>
+            <a:xfrm>
+              <a:off x="5069030" y="4172066"/>
               <a:ext cx="0" cy="34794"/>
             </a:xfrm>
             <a:custGeom>
@@ -9253,13 +8608,13 @@
         </p:sp>
         <p:sp>
           <p:nvSpPr>
-            <p:cNvPr id="181" name="pl180"/>
-            <p:cNvSpPr/>
-            <p:nvPr/>
-          </p:nvSpPr>
-          <p:spPr>
-            <a:xfrm>
-              <a:off x="3657376" y="4172066"/>
+            <p:cNvPr id="166" name="pl165"/>
+            <p:cNvSpPr/>
+            <p:nvPr/>
+          </p:nvSpPr>
+          <p:spPr>
+            <a:xfrm>
+              <a:off x="5633692" y="4172066"/>
               <a:ext cx="0" cy="34794"/>
             </a:xfrm>
             <a:custGeom>
@@ -9293,287 +8648,7 @@
         </p:sp>
         <p:sp>
           <p:nvSpPr>
-            <p:cNvPr id="182" name="pl181"/>
-            <p:cNvSpPr/>
-            <p:nvPr/>
-          </p:nvSpPr>
-          <p:spPr>
-            <a:xfrm>
-              <a:off x="3939706" y="4172066"/>
-              <a:ext cx="0" cy="34794"/>
-            </a:xfrm>
-            <a:custGeom>
-              <a:avLst/>
-              <a:pathLst>
-                <a:path w="0" h="34794">
-                  <a:moveTo>
-                    <a:pt x="0" y="34794"/>
-                  </a:moveTo>
-                  <a:lnTo>
-                    <a:pt x="0" y="0"/>
-                  </a:lnTo>
-                </a:path>
-              </a:pathLst>
-            </a:custGeom>
-            <a:ln w="13550" cap="flat">
-              <a:solidFill>
-                <a:srgbClr val="333333">
-                  <a:alpha val="100000"/>
-                </a:srgbClr>
-              </a:solidFill>
-              <a:prstDash val="solid"/>
-              <a:round/>
-            </a:ln>
-          </p:spPr>
-          <p:txBody>
-            <a:bodyPr/>
-            <a:lstStyle/>
-            <a:p/>
-          </p:txBody>
-        </p:sp>
-        <p:sp>
-          <p:nvSpPr>
-            <p:cNvPr id="183" name="pl182"/>
-            <p:cNvSpPr/>
-            <p:nvPr/>
-          </p:nvSpPr>
-          <p:spPr>
-            <a:xfrm>
-              <a:off x="4222037" y="4172066"/>
-              <a:ext cx="0" cy="34794"/>
-            </a:xfrm>
-            <a:custGeom>
-              <a:avLst/>
-              <a:pathLst>
-                <a:path w="0" h="34794">
-                  <a:moveTo>
-                    <a:pt x="0" y="34794"/>
-                  </a:moveTo>
-                  <a:lnTo>
-                    <a:pt x="0" y="0"/>
-                  </a:lnTo>
-                </a:path>
-              </a:pathLst>
-            </a:custGeom>
-            <a:ln w="13550" cap="flat">
-              <a:solidFill>
-                <a:srgbClr val="333333">
-                  <a:alpha val="100000"/>
-                </a:srgbClr>
-              </a:solidFill>
-              <a:prstDash val="solid"/>
-              <a:round/>
-            </a:ln>
-          </p:spPr>
-          <p:txBody>
-            <a:bodyPr/>
-            <a:lstStyle/>
-            <a:p/>
-          </p:txBody>
-        </p:sp>
-        <p:sp>
-          <p:nvSpPr>
-            <p:cNvPr id="184" name="pl183"/>
-            <p:cNvSpPr/>
-            <p:nvPr/>
-          </p:nvSpPr>
-          <p:spPr>
-            <a:xfrm>
-              <a:off x="4504368" y="4172066"/>
-              <a:ext cx="0" cy="34794"/>
-            </a:xfrm>
-            <a:custGeom>
-              <a:avLst/>
-              <a:pathLst>
-                <a:path w="0" h="34794">
-                  <a:moveTo>
-                    <a:pt x="0" y="34794"/>
-                  </a:moveTo>
-                  <a:lnTo>
-                    <a:pt x="0" y="0"/>
-                  </a:lnTo>
-                </a:path>
-              </a:pathLst>
-            </a:custGeom>
-            <a:ln w="13550" cap="flat">
-              <a:solidFill>
-                <a:srgbClr val="333333">
-                  <a:alpha val="100000"/>
-                </a:srgbClr>
-              </a:solidFill>
-              <a:prstDash val="solid"/>
-              <a:round/>
-            </a:ln>
-          </p:spPr>
-          <p:txBody>
-            <a:bodyPr/>
-            <a:lstStyle/>
-            <a:p/>
-          </p:txBody>
-        </p:sp>
-        <p:sp>
-          <p:nvSpPr>
-            <p:cNvPr id="185" name="pl184"/>
-            <p:cNvSpPr/>
-            <p:nvPr/>
-          </p:nvSpPr>
-          <p:spPr>
-            <a:xfrm>
-              <a:off x="4786699" y="4172066"/>
-              <a:ext cx="0" cy="34794"/>
-            </a:xfrm>
-            <a:custGeom>
-              <a:avLst/>
-              <a:pathLst>
-                <a:path w="0" h="34794">
-                  <a:moveTo>
-                    <a:pt x="0" y="34794"/>
-                  </a:moveTo>
-                  <a:lnTo>
-                    <a:pt x="0" y="0"/>
-                  </a:lnTo>
-                </a:path>
-              </a:pathLst>
-            </a:custGeom>
-            <a:ln w="13550" cap="flat">
-              <a:solidFill>
-                <a:srgbClr val="333333">
-                  <a:alpha val="100000"/>
-                </a:srgbClr>
-              </a:solidFill>
-              <a:prstDash val="solid"/>
-              <a:round/>
-            </a:ln>
-          </p:spPr>
-          <p:txBody>
-            <a:bodyPr/>
-            <a:lstStyle/>
-            <a:p/>
-          </p:txBody>
-        </p:sp>
-        <p:sp>
-          <p:nvSpPr>
-            <p:cNvPr id="186" name="pl185"/>
-            <p:cNvSpPr/>
-            <p:nvPr/>
-          </p:nvSpPr>
-          <p:spPr>
-            <a:xfrm>
-              <a:off x="5069030" y="4172066"/>
-              <a:ext cx="0" cy="34794"/>
-            </a:xfrm>
-            <a:custGeom>
-              <a:avLst/>
-              <a:pathLst>
-                <a:path w="0" h="34794">
-                  <a:moveTo>
-                    <a:pt x="0" y="34794"/>
-                  </a:moveTo>
-                  <a:lnTo>
-                    <a:pt x="0" y="0"/>
-                  </a:lnTo>
-                </a:path>
-              </a:pathLst>
-            </a:custGeom>
-            <a:ln w="13550" cap="flat">
-              <a:solidFill>
-                <a:srgbClr val="333333">
-                  <a:alpha val="100000"/>
-                </a:srgbClr>
-              </a:solidFill>
-              <a:prstDash val="solid"/>
-              <a:round/>
-            </a:ln>
-          </p:spPr>
-          <p:txBody>
-            <a:bodyPr/>
-            <a:lstStyle/>
-            <a:p/>
-          </p:txBody>
-        </p:sp>
-        <p:sp>
-          <p:nvSpPr>
-            <p:cNvPr id="187" name="pl186"/>
-            <p:cNvSpPr/>
-            <p:nvPr/>
-          </p:nvSpPr>
-          <p:spPr>
-            <a:xfrm>
-              <a:off x="5351361" y="4172066"/>
-              <a:ext cx="0" cy="34794"/>
-            </a:xfrm>
-            <a:custGeom>
-              <a:avLst/>
-              <a:pathLst>
-                <a:path w="0" h="34794">
-                  <a:moveTo>
-                    <a:pt x="0" y="34794"/>
-                  </a:moveTo>
-                  <a:lnTo>
-                    <a:pt x="0" y="0"/>
-                  </a:lnTo>
-                </a:path>
-              </a:pathLst>
-            </a:custGeom>
-            <a:ln w="13550" cap="flat">
-              <a:solidFill>
-                <a:srgbClr val="333333">
-                  <a:alpha val="100000"/>
-                </a:srgbClr>
-              </a:solidFill>
-              <a:prstDash val="solid"/>
-              <a:round/>
-            </a:ln>
-          </p:spPr>
-          <p:txBody>
-            <a:bodyPr/>
-            <a:lstStyle/>
-            <a:p/>
-          </p:txBody>
-        </p:sp>
-        <p:sp>
-          <p:nvSpPr>
-            <p:cNvPr id="188" name="pl187"/>
-            <p:cNvSpPr/>
-            <p:nvPr/>
-          </p:nvSpPr>
-          <p:spPr>
-            <a:xfrm>
-              <a:off x="5633692" y="4172066"/>
-              <a:ext cx="0" cy="34794"/>
-            </a:xfrm>
-            <a:custGeom>
-              <a:avLst/>
-              <a:pathLst>
-                <a:path w="0" h="34794">
-                  <a:moveTo>
-                    <a:pt x="0" y="34794"/>
-                  </a:moveTo>
-                  <a:lnTo>
-                    <a:pt x="0" y="0"/>
-                  </a:lnTo>
-                </a:path>
-              </a:pathLst>
-            </a:custGeom>
-            <a:ln w="13550" cap="flat">
-              <a:solidFill>
-                <a:srgbClr val="333333">
-                  <a:alpha val="100000"/>
-                </a:srgbClr>
-              </a:solidFill>
-              <a:prstDash val="solid"/>
-              <a:round/>
-            </a:ln>
-          </p:spPr>
-          <p:txBody>
-            <a:bodyPr/>
-            <a:lstStyle/>
-            <a:p/>
-          </p:txBody>
-        </p:sp>
-        <p:sp>
-          <p:nvSpPr>
-            <p:cNvPr id="189" name="tx188"/>
+            <p:cNvPr id="167" name="tx166"/>
             <p:cNvSpPr/>
             <p:nvPr/>
           </p:nvSpPr>
@@ -9619,53 +8694,7 @@
         </p:sp>
         <p:sp>
           <p:nvSpPr>
-            <p:cNvPr id="190" name="tx189"/>
-            <p:cNvSpPr/>
-            <p:nvPr/>
-          </p:nvSpPr>
-          <p:spPr>
-            <a:xfrm>
-              <a:off x="1932312" y="4234696"/>
-              <a:ext cx="62155" cy="80000"/>
-            </a:xfrm>
-            <a:prstGeom prst="rect">
-              <a:avLst/>
-            </a:prstGeom>
-            <a:noFill/>
-          </p:spPr>
-          <p:txBody>
-            <a:bodyPr lIns="0" rIns="0" tIns="0" bIns="0" anchorCtr="1" anchor="ctr" wrap="none"/>
-            <a:lstStyle/>
-            <a:p>
-              <a:pPr algn="l" marL="0" marR="0" indent="0">
-                <a:lnSpc>
-                  <a:spcPts val="880"/>
-                </a:lnSpc>
-                <a:spcBef>
-                  <a:spcPts val="0"/>
-                </a:spcBef>
-                <a:spcAft>
-                  <a:spcPts val="0"/>
-                </a:spcAft>
-              </a:pPr>
-              <a:r>
-                <a:rPr sz="880">
-                  <a:solidFill>
-                    <a:srgbClr val="4D4D4D">
-                      <a:alpha val="100000"/>
-                    </a:srgbClr>
-                  </a:solidFill>
-                  <a:latin typeface="Arial"/>
-                  <a:cs typeface="Arial"/>
-                </a:rPr>
-                <a:t>4</a:t>
-              </a:r>
-            </a:p>
-          </p:txBody>
-        </p:sp>
-        <p:sp>
-          <p:nvSpPr>
-            <p:cNvPr id="191" name="tx190"/>
+            <p:cNvPr id="168" name="tx167"/>
             <p:cNvSpPr/>
             <p:nvPr/>
           </p:nvSpPr>
@@ -9711,53 +8740,7 @@
         </p:sp>
         <p:sp>
           <p:nvSpPr>
-            <p:cNvPr id="192" name="tx191"/>
-            <p:cNvSpPr/>
-            <p:nvPr/>
-          </p:nvSpPr>
-          <p:spPr>
-            <a:xfrm>
-              <a:off x="2465896" y="4234369"/>
-              <a:ext cx="124311" cy="80327"/>
-            </a:xfrm>
-            <a:prstGeom prst="rect">
-              <a:avLst/>
-            </a:prstGeom>
-            <a:noFill/>
-          </p:spPr>
-          <p:txBody>
-            <a:bodyPr lIns="0" rIns="0" tIns="0" bIns="0" anchorCtr="1" anchor="ctr" wrap="none"/>
-            <a:lstStyle/>
-            <a:p>
-              <a:pPr algn="l" marL="0" marR="0" indent="0">
-                <a:lnSpc>
-                  <a:spcPts val="880"/>
-                </a:lnSpc>
-                <a:spcBef>
-                  <a:spcPts val="0"/>
-                </a:spcBef>
-                <a:spcAft>
-                  <a:spcPts val="0"/>
-                </a:spcAft>
-              </a:pPr>
-              <a:r>
-                <a:rPr sz="880">
-                  <a:solidFill>
-                    <a:srgbClr val="4D4D4D">
-                      <a:alpha val="100000"/>
-                    </a:srgbClr>
-                  </a:solidFill>
-                  <a:latin typeface="Arial"/>
-                  <a:cs typeface="Arial"/>
-                </a:rPr>
-                <a:t>12</a:t>
-              </a:r>
-            </a:p>
-          </p:txBody>
-        </p:sp>
-        <p:sp>
-          <p:nvSpPr>
-            <p:cNvPr id="193" name="tx192"/>
+            <p:cNvPr id="169" name="tx168"/>
             <p:cNvSpPr/>
             <p:nvPr/>
           </p:nvSpPr>
@@ -9803,53 +8786,7 @@
         </p:sp>
         <p:sp>
           <p:nvSpPr>
-            <p:cNvPr id="194" name="tx193"/>
-            <p:cNvSpPr/>
-            <p:nvPr/>
-          </p:nvSpPr>
-          <p:spPr>
-            <a:xfrm>
-              <a:off x="3030558" y="4233005"/>
-              <a:ext cx="124311" cy="81691"/>
-            </a:xfrm>
-            <a:prstGeom prst="rect">
-              <a:avLst/>
-            </a:prstGeom>
-            <a:noFill/>
-          </p:spPr>
-          <p:txBody>
-            <a:bodyPr lIns="0" rIns="0" tIns="0" bIns="0" anchorCtr="1" anchor="ctr" wrap="none"/>
-            <a:lstStyle/>
-            <a:p>
-              <a:pPr algn="l" marL="0" marR="0" indent="0">
-                <a:lnSpc>
-                  <a:spcPts val="880"/>
-                </a:lnSpc>
-                <a:spcBef>
-                  <a:spcPts val="0"/>
-                </a:spcBef>
-                <a:spcAft>
-                  <a:spcPts val="0"/>
-                </a:spcAft>
-              </a:pPr>
-              <a:r>
-                <a:rPr sz="880">
-                  <a:solidFill>
-                    <a:srgbClr val="4D4D4D">
-                      <a:alpha val="100000"/>
-                    </a:srgbClr>
-                  </a:solidFill>
-                  <a:latin typeface="Arial"/>
-                  <a:cs typeface="Arial"/>
-                </a:rPr>
-                <a:t>20</a:t>
-              </a:r>
-            </a:p>
-          </p:txBody>
-        </p:sp>
-        <p:sp>
-          <p:nvSpPr>
-            <p:cNvPr id="195" name="tx194"/>
+            <p:cNvPr id="170" name="tx169"/>
             <p:cNvSpPr/>
             <p:nvPr/>
           </p:nvSpPr>
@@ -9895,53 +8832,7 @@
         </p:sp>
         <p:sp>
           <p:nvSpPr>
-            <p:cNvPr id="196" name="tx195"/>
-            <p:cNvSpPr/>
-            <p:nvPr/>
-          </p:nvSpPr>
-          <p:spPr>
-            <a:xfrm>
-              <a:off x="3595220" y="4233005"/>
-              <a:ext cx="124311" cy="81691"/>
-            </a:xfrm>
-            <a:prstGeom prst="rect">
-              <a:avLst/>
-            </a:prstGeom>
-            <a:noFill/>
-          </p:spPr>
-          <p:txBody>
-            <a:bodyPr lIns="0" rIns="0" tIns="0" bIns="0" anchorCtr="1" anchor="ctr" wrap="none"/>
-            <a:lstStyle/>
-            <a:p>
-              <a:pPr algn="l" marL="0" marR="0" indent="0">
-                <a:lnSpc>
-                  <a:spcPts val="880"/>
-                </a:lnSpc>
-                <a:spcBef>
-                  <a:spcPts val="0"/>
-                </a:spcBef>
-                <a:spcAft>
-                  <a:spcPts val="0"/>
-                </a:spcAft>
-              </a:pPr>
-              <a:r>
-                <a:rPr sz="880">
-                  <a:solidFill>
-                    <a:srgbClr val="4D4D4D">
-                      <a:alpha val="100000"/>
-                    </a:srgbClr>
-                  </a:solidFill>
-                  <a:latin typeface="Arial"/>
-                  <a:cs typeface="Arial"/>
-                </a:rPr>
-                <a:t>28</a:t>
-              </a:r>
-            </a:p>
-          </p:txBody>
-        </p:sp>
-        <p:sp>
-          <p:nvSpPr>
-            <p:cNvPr id="197" name="tx196"/>
+            <p:cNvPr id="171" name="tx170"/>
             <p:cNvSpPr/>
             <p:nvPr/>
           </p:nvSpPr>
@@ -9987,53 +8878,7 @@
         </p:sp>
         <p:sp>
           <p:nvSpPr>
-            <p:cNvPr id="198" name="tx197"/>
-            <p:cNvSpPr/>
-            <p:nvPr/>
-          </p:nvSpPr>
-          <p:spPr>
-            <a:xfrm>
-              <a:off x="4159882" y="4232950"/>
-              <a:ext cx="124311" cy="81746"/>
-            </a:xfrm>
-            <a:prstGeom prst="rect">
-              <a:avLst/>
-            </a:prstGeom>
-            <a:noFill/>
-          </p:spPr>
-          <p:txBody>
-            <a:bodyPr lIns="0" rIns="0" tIns="0" bIns="0" anchorCtr="1" anchor="ctr" wrap="none"/>
-            <a:lstStyle/>
-            <a:p>
-              <a:pPr algn="l" marL="0" marR="0" indent="0">
-                <a:lnSpc>
-                  <a:spcPts val="880"/>
-                </a:lnSpc>
-                <a:spcBef>
-                  <a:spcPts val="0"/>
-                </a:spcBef>
-                <a:spcAft>
-                  <a:spcPts val="0"/>
-                </a:spcAft>
-              </a:pPr>
-              <a:r>
-                <a:rPr sz="880">
-                  <a:solidFill>
-                    <a:srgbClr val="4D4D4D">
-                      <a:alpha val="100000"/>
-                    </a:srgbClr>
-                  </a:solidFill>
-                  <a:latin typeface="Arial"/>
-                  <a:cs typeface="Arial"/>
-                </a:rPr>
-                <a:t>36</a:t>
-              </a:r>
-            </a:p>
-          </p:txBody>
-        </p:sp>
-        <p:sp>
-          <p:nvSpPr>
-            <p:cNvPr id="199" name="tx198"/>
+            <p:cNvPr id="172" name="tx171"/>
             <p:cNvSpPr/>
             <p:nvPr/>
           </p:nvSpPr>
@@ -10079,53 +8924,7 @@
         </p:sp>
         <p:sp>
           <p:nvSpPr>
-            <p:cNvPr id="200" name="tx199"/>
-            <p:cNvSpPr/>
-            <p:nvPr/>
-          </p:nvSpPr>
-          <p:spPr>
-            <a:xfrm>
-              <a:off x="4724544" y="4234696"/>
-              <a:ext cx="124311" cy="80000"/>
-            </a:xfrm>
-            <a:prstGeom prst="rect">
-              <a:avLst/>
-            </a:prstGeom>
-            <a:noFill/>
-          </p:spPr>
-          <p:txBody>
-            <a:bodyPr lIns="0" rIns="0" tIns="0" bIns="0" anchorCtr="1" anchor="ctr" wrap="none"/>
-            <a:lstStyle/>
-            <a:p>
-              <a:pPr algn="l" marL="0" marR="0" indent="0">
-                <a:lnSpc>
-                  <a:spcPts val="880"/>
-                </a:lnSpc>
-                <a:spcBef>
-                  <a:spcPts val="0"/>
-                </a:spcBef>
-                <a:spcAft>
-                  <a:spcPts val="0"/>
-                </a:spcAft>
-              </a:pPr>
-              <a:r>
-                <a:rPr sz="880">
-                  <a:solidFill>
-                    <a:srgbClr val="4D4D4D">
-                      <a:alpha val="100000"/>
-                    </a:srgbClr>
-                  </a:solidFill>
-                  <a:latin typeface="Arial"/>
-                  <a:cs typeface="Arial"/>
-                </a:rPr>
-                <a:t>44</a:t>
-              </a:r>
-            </a:p>
-          </p:txBody>
-        </p:sp>
-        <p:sp>
-          <p:nvSpPr>
-            <p:cNvPr id="201" name="tx200"/>
+            <p:cNvPr id="173" name="tx172"/>
             <p:cNvSpPr/>
             <p:nvPr/>
           </p:nvSpPr>
@@ -10171,53 +8970,7 @@
         </p:sp>
         <p:sp>
           <p:nvSpPr>
-            <p:cNvPr id="202" name="tx201"/>
-            <p:cNvSpPr/>
-            <p:nvPr/>
-          </p:nvSpPr>
-          <p:spPr>
-            <a:xfrm>
-              <a:off x="5289205" y="4233005"/>
-              <a:ext cx="124311" cy="81691"/>
-            </a:xfrm>
-            <a:prstGeom prst="rect">
-              <a:avLst/>
-            </a:prstGeom>
-            <a:noFill/>
-          </p:spPr>
-          <p:txBody>
-            <a:bodyPr lIns="0" rIns="0" tIns="0" bIns="0" anchorCtr="1" anchor="ctr" wrap="none"/>
-            <a:lstStyle/>
-            <a:p>
-              <a:pPr algn="l" marL="0" marR="0" indent="0">
-                <a:lnSpc>
-                  <a:spcPts val="880"/>
-                </a:lnSpc>
-                <a:spcBef>
-                  <a:spcPts val="0"/>
-                </a:spcBef>
-                <a:spcAft>
-                  <a:spcPts val="0"/>
-                </a:spcAft>
-              </a:pPr>
-              <a:r>
-                <a:rPr sz="880">
-                  <a:solidFill>
-                    <a:srgbClr val="4D4D4D">
-                      <a:alpha val="100000"/>
-                    </a:srgbClr>
-                  </a:solidFill>
-                  <a:latin typeface="Arial"/>
-                  <a:cs typeface="Arial"/>
-                </a:rPr>
-                <a:t>52</a:t>
-              </a:r>
-            </a:p>
-          </p:txBody>
-        </p:sp>
-        <p:sp>
-          <p:nvSpPr>
-            <p:cNvPr id="203" name="tx202"/>
+            <p:cNvPr id="174" name="tx173"/>
             <p:cNvSpPr/>
             <p:nvPr/>
           </p:nvSpPr>
@@ -10263,7 +9016,7 @@
         </p:sp>
         <p:sp>
           <p:nvSpPr>
-            <p:cNvPr id="204" name="tx203"/>
+            <p:cNvPr id="175" name="tx174"/>
             <p:cNvSpPr/>
             <p:nvPr/>
           </p:nvSpPr>
@@ -10309,7 +9062,7 @@
         </p:sp>
         <p:sp>
           <p:nvSpPr>
-            <p:cNvPr id="205" name="tx204"/>
+            <p:cNvPr id="176" name="tx175"/>
             <p:cNvSpPr/>
             <p:nvPr/>
           </p:nvSpPr>
@@ -10355,7 +9108,7 @@
         </p:sp>
         <p:sp>
           <p:nvSpPr>
-            <p:cNvPr id="206" name="rc205"/>
+            <p:cNvPr id="177" name="rc176"/>
             <p:cNvSpPr/>
             <p:nvPr/>
           </p:nvSpPr>
@@ -10381,7 +9134,7 @@
         </p:sp>
         <p:sp>
           <p:nvSpPr>
-            <p:cNvPr id="207" name="tx206"/>
+            <p:cNvPr id="178" name="tx177"/>
             <p:cNvSpPr/>
             <p:nvPr/>
           </p:nvSpPr>
@@ -10427,7 +9180,7 @@
         </p:sp>
         <p:sp>
           <p:nvSpPr>
-            <p:cNvPr id="208" name="rc207"/>
+            <p:cNvPr id="179" name="rc178"/>
             <p:cNvSpPr/>
             <p:nvPr/>
           </p:nvSpPr>
@@ -10453,7 +9206,7 @@
         </p:sp>
         <p:sp>
           <p:nvSpPr>
-            <p:cNvPr id="209" name="pl208"/>
+            <p:cNvPr id="180" name="pl179"/>
             <p:cNvSpPr/>
             <p:nvPr/>
           </p:nvSpPr>
@@ -10493,7 +9246,7 @@
         </p:sp>
         <p:sp>
           <p:nvSpPr>
-            <p:cNvPr id="210" name="pt209"/>
+            <p:cNvPr id="181" name="pt180"/>
             <p:cNvSpPr/>
             <p:nvPr/>
           </p:nvSpPr>
@@ -10528,7 +9281,7 @@
         </p:sp>
         <p:sp>
           <p:nvSpPr>
-            <p:cNvPr id="211" name="rc210"/>
+            <p:cNvPr id="182" name="rc181"/>
             <p:cNvSpPr/>
             <p:nvPr/>
           </p:nvSpPr>
@@ -10554,7 +9307,7 @@
         </p:sp>
         <p:sp>
           <p:nvSpPr>
-            <p:cNvPr id="212" name="pl211"/>
+            <p:cNvPr id="183" name="pl182"/>
             <p:cNvSpPr/>
             <p:nvPr/>
           </p:nvSpPr>
@@ -10594,7 +9347,7 @@
         </p:sp>
         <p:sp>
           <p:nvSpPr>
-            <p:cNvPr id="213" name="pt212"/>
+            <p:cNvPr id="184" name="pt183"/>
             <p:cNvSpPr/>
             <p:nvPr/>
           </p:nvSpPr>
@@ -10629,7 +9382,7 @@
         </p:sp>
         <p:sp>
           <p:nvSpPr>
-            <p:cNvPr id="214" name="rc213"/>
+            <p:cNvPr id="185" name="rc184"/>
             <p:cNvSpPr/>
             <p:nvPr/>
           </p:nvSpPr>
@@ -10655,7 +9408,7 @@
         </p:sp>
         <p:sp>
           <p:nvSpPr>
-            <p:cNvPr id="215" name="pl214"/>
+            <p:cNvPr id="186" name="pl185"/>
             <p:cNvSpPr/>
             <p:nvPr/>
           </p:nvSpPr>
@@ -10695,7 +9448,7 @@
         </p:sp>
         <p:sp>
           <p:nvSpPr>
-            <p:cNvPr id="216" name="pt215"/>
+            <p:cNvPr id="187" name="pt186"/>
             <p:cNvSpPr/>
             <p:nvPr/>
           </p:nvSpPr>
@@ -10730,7 +9483,7 @@
         </p:sp>
         <p:sp>
           <p:nvSpPr>
-            <p:cNvPr id="217" name="rc216"/>
+            <p:cNvPr id="188" name="rc187"/>
             <p:cNvSpPr/>
             <p:nvPr/>
           </p:nvSpPr>
@@ -10756,7 +9509,7 @@
         </p:sp>
         <p:sp>
           <p:nvSpPr>
-            <p:cNvPr id="218" name="pl217"/>
+            <p:cNvPr id="189" name="pl188"/>
             <p:cNvSpPr/>
             <p:nvPr/>
           </p:nvSpPr>
@@ -10796,7 +9549,7 @@
         </p:sp>
         <p:sp>
           <p:nvSpPr>
-            <p:cNvPr id="219" name="pt218"/>
+            <p:cNvPr id="190" name="pt189"/>
             <p:cNvSpPr/>
             <p:nvPr/>
           </p:nvSpPr>
@@ -10831,7 +9584,7 @@
         </p:sp>
         <p:sp>
           <p:nvSpPr>
-            <p:cNvPr id="220" name="tx219"/>
+            <p:cNvPr id="191" name="tx190"/>
             <p:cNvSpPr/>
             <p:nvPr/>
           </p:nvSpPr>
@@ -10877,7 +9630,7 @@
         </p:sp>
         <p:sp>
           <p:nvSpPr>
-            <p:cNvPr id="221" name="tx220"/>
+            <p:cNvPr id="192" name="tx191"/>
             <p:cNvSpPr/>
             <p:nvPr/>
           </p:nvSpPr>
@@ -10923,7 +9676,7 @@
         </p:sp>
         <p:sp>
           <p:nvSpPr>
-            <p:cNvPr id="222" name="tx221"/>
+            <p:cNvPr id="193" name="tx192"/>
             <p:cNvSpPr/>
             <p:nvPr/>
           </p:nvSpPr>
@@ -10969,7 +9722,7 @@
         </p:sp>
         <p:sp>
           <p:nvSpPr>
-            <p:cNvPr id="223" name="tx222"/>
+            <p:cNvPr id="194" name="tx193"/>
             <p:cNvSpPr/>
             <p:nvPr/>
           </p:nvSpPr>

--- a/vignettes/ONDA_XX-Hazard-Curve.pptx
+++ b/vignettes/ONDA_XX-Hazard-Curve.pptx
@@ -2660,7 +2660,7 @@
           </p:nvSpPr>
           <p:spPr>
             <a:xfrm>
-              <a:off x="1963390" y="983989"/>
+              <a:off x="1539894" y="983989"/>
               <a:ext cx="0" cy="3188077"/>
             </a:xfrm>
             <a:custGeom>
@@ -2703,7 +2703,7 @@
           </p:nvSpPr>
           <p:spPr>
             <a:xfrm>
-              <a:off x="2528052" y="983989"/>
+              <a:off x="1822225" y="983989"/>
               <a:ext cx="0" cy="3188077"/>
             </a:xfrm>
             <a:custGeom>
@@ -2746,7 +2746,7 @@
           </p:nvSpPr>
           <p:spPr>
             <a:xfrm>
-              <a:off x="3092714" y="983989"/>
+              <a:off x="2104556" y="983989"/>
               <a:ext cx="0" cy="3188077"/>
             </a:xfrm>
             <a:custGeom>
@@ -2789,7 +2789,7 @@
           </p:nvSpPr>
           <p:spPr>
             <a:xfrm>
-              <a:off x="3657376" y="983989"/>
+              <a:off x="2386887" y="983989"/>
               <a:ext cx="0" cy="3188077"/>
             </a:xfrm>
             <a:custGeom>
@@ -2832,7 +2832,7 @@
           </p:nvSpPr>
           <p:spPr>
             <a:xfrm>
-              <a:off x="4222037" y="983989"/>
+              <a:off x="2669217" y="983989"/>
               <a:ext cx="0" cy="3188077"/>
             </a:xfrm>
             <a:custGeom>
@@ -2875,7 +2875,7 @@
           </p:nvSpPr>
           <p:spPr>
             <a:xfrm>
-              <a:off x="4786699" y="983989"/>
+              <a:off x="2951548" y="983989"/>
               <a:ext cx="0" cy="3188077"/>
             </a:xfrm>
             <a:custGeom>
@@ -2918,7 +2918,7 @@
           </p:nvSpPr>
           <p:spPr>
             <a:xfrm>
-              <a:off x="5351361" y="983989"/>
+              <a:off x="3233879" y="983989"/>
               <a:ext cx="0" cy="3188077"/>
             </a:xfrm>
             <a:custGeom>
@@ -2961,6 +2961,350 @@
           </p:nvSpPr>
           <p:spPr>
             <a:xfrm>
+              <a:off x="3516210" y="983989"/>
+              <a:ext cx="0" cy="3188077"/>
+            </a:xfrm>
+            <a:custGeom>
+              <a:avLst/>
+              <a:pathLst>
+                <a:path w="0" h="3188077">
+                  <a:moveTo>
+                    <a:pt x="0" y="3188077"/>
+                  </a:moveTo>
+                  <a:lnTo>
+                    <a:pt x="0" y="0"/>
+                  </a:lnTo>
+                  <a:lnTo>
+                    <a:pt x="0" y="0"/>
+                  </a:lnTo>
+                </a:path>
+              </a:pathLst>
+            </a:custGeom>
+            <a:ln w="6775" cap="flat">
+              <a:solidFill>
+                <a:srgbClr val="FFFFFF">
+                  <a:alpha val="100000"/>
+                </a:srgbClr>
+              </a:solidFill>
+              <a:prstDash val="solid"/>
+              <a:round/>
+            </a:ln>
+          </p:spPr>
+          <p:txBody>
+            <a:bodyPr/>
+            <a:lstStyle/>
+            <a:p/>
+          </p:txBody>
+        </p:sp>
+        <p:sp>
+          <p:nvSpPr>
+            <p:cNvPr id="22" name="pl21"/>
+            <p:cNvSpPr/>
+            <p:nvPr/>
+          </p:nvSpPr>
+          <p:spPr>
+            <a:xfrm>
+              <a:off x="3798541" y="983989"/>
+              <a:ext cx="0" cy="3188077"/>
+            </a:xfrm>
+            <a:custGeom>
+              <a:avLst/>
+              <a:pathLst>
+                <a:path w="0" h="3188077">
+                  <a:moveTo>
+                    <a:pt x="0" y="3188077"/>
+                  </a:moveTo>
+                  <a:lnTo>
+                    <a:pt x="0" y="0"/>
+                  </a:lnTo>
+                  <a:lnTo>
+                    <a:pt x="0" y="0"/>
+                  </a:lnTo>
+                </a:path>
+              </a:pathLst>
+            </a:custGeom>
+            <a:ln w="6775" cap="flat">
+              <a:solidFill>
+                <a:srgbClr val="FFFFFF">
+                  <a:alpha val="100000"/>
+                </a:srgbClr>
+              </a:solidFill>
+              <a:prstDash val="solid"/>
+              <a:round/>
+            </a:ln>
+          </p:spPr>
+          <p:txBody>
+            <a:bodyPr/>
+            <a:lstStyle/>
+            <a:p/>
+          </p:txBody>
+        </p:sp>
+        <p:sp>
+          <p:nvSpPr>
+            <p:cNvPr id="23" name="pl22"/>
+            <p:cNvSpPr/>
+            <p:nvPr/>
+          </p:nvSpPr>
+          <p:spPr>
+            <a:xfrm>
+              <a:off x="4080872" y="983989"/>
+              <a:ext cx="0" cy="3188077"/>
+            </a:xfrm>
+            <a:custGeom>
+              <a:avLst/>
+              <a:pathLst>
+                <a:path w="0" h="3188077">
+                  <a:moveTo>
+                    <a:pt x="0" y="3188077"/>
+                  </a:moveTo>
+                  <a:lnTo>
+                    <a:pt x="0" y="0"/>
+                  </a:lnTo>
+                  <a:lnTo>
+                    <a:pt x="0" y="0"/>
+                  </a:lnTo>
+                </a:path>
+              </a:pathLst>
+            </a:custGeom>
+            <a:ln w="6775" cap="flat">
+              <a:solidFill>
+                <a:srgbClr val="FFFFFF">
+                  <a:alpha val="100000"/>
+                </a:srgbClr>
+              </a:solidFill>
+              <a:prstDash val="solid"/>
+              <a:round/>
+            </a:ln>
+          </p:spPr>
+          <p:txBody>
+            <a:bodyPr/>
+            <a:lstStyle/>
+            <a:p/>
+          </p:txBody>
+        </p:sp>
+        <p:sp>
+          <p:nvSpPr>
+            <p:cNvPr id="24" name="pl23"/>
+            <p:cNvSpPr/>
+            <p:nvPr/>
+          </p:nvSpPr>
+          <p:spPr>
+            <a:xfrm>
+              <a:off x="4363203" y="983989"/>
+              <a:ext cx="0" cy="3188077"/>
+            </a:xfrm>
+            <a:custGeom>
+              <a:avLst/>
+              <a:pathLst>
+                <a:path w="0" h="3188077">
+                  <a:moveTo>
+                    <a:pt x="0" y="3188077"/>
+                  </a:moveTo>
+                  <a:lnTo>
+                    <a:pt x="0" y="0"/>
+                  </a:lnTo>
+                  <a:lnTo>
+                    <a:pt x="0" y="0"/>
+                  </a:lnTo>
+                </a:path>
+              </a:pathLst>
+            </a:custGeom>
+            <a:ln w="6775" cap="flat">
+              <a:solidFill>
+                <a:srgbClr val="FFFFFF">
+                  <a:alpha val="100000"/>
+                </a:srgbClr>
+              </a:solidFill>
+              <a:prstDash val="solid"/>
+              <a:round/>
+            </a:ln>
+          </p:spPr>
+          <p:txBody>
+            <a:bodyPr/>
+            <a:lstStyle/>
+            <a:p/>
+          </p:txBody>
+        </p:sp>
+        <p:sp>
+          <p:nvSpPr>
+            <p:cNvPr id="25" name="pl24"/>
+            <p:cNvSpPr/>
+            <p:nvPr/>
+          </p:nvSpPr>
+          <p:spPr>
+            <a:xfrm>
+              <a:off x="4645534" y="983989"/>
+              <a:ext cx="0" cy="3188077"/>
+            </a:xfrm>
+            <a:custGeom>
+              <a:avLst/>
+              <a:pathLst>
+                <a:path w="0" h="3188077">
+                  <a:moveTo>
+                    <a:pt x="0" y="3188077"/>
+                  </a:moveTo>
+                  <a:lnTo>
+                    <a:pt x="0" y="0"/>
+                  </a:lnTo>
+                  <a:lnTo>
+                    <a:pt x="0" y="0"/>
+                  </a:lnTo>
+                </a:path>
+              </a:pathLst>
+            </a:custGeom>
+            <a:ln w="6775" cap="flat">
+              <a:solidFill>
+                <a:srgbClr val="FFFFFF">
+                  <a:alpha val="100000"/>
+                </a:srgbClr>
+              </a:solidFill>
+              <a:prstDash val="solid"/>
+              <a:round/>
+            </a:ln>
+          </p:spPr>
+          <p:txBody>
+            <a:bodyPr/>
+            <a:lstStyle/>
+            <a:p/>
+          </p:txBody>
+        </p:sp>
+        <p:sp>
+          <p:nvSpPr>
+            <p:cNvPr id="26" name="pl25"/>
+            <p:cNvSpPr/>
+            <p:nvPr/>
+          </p:nvSpPr>
+          <p:spPr>
+            <a:xfrm>
+              <a:off x="4927865" y="983989"/>
+              <a:ext cx="0" cy="3188077"/>
+            </a:xfrm>
+            <a:custGeom>
+              <a:avLst/>
+              <a:pathLst>
+                <a:path w="0" h="3188077">
+                  <a:moveTo>
+                    <a:pt x="0" y="3188077"/>
+                  </a:moveTo>
+                  <a:lnTo>
+                    <a:pt x="0" y="0"/>
+                  </a:lnTo>
+                  <a:lnTo>
+                    <a:pt x="0" y="0"/>
+                  </a:lnTo>
+                </a:path>
+              </a:pathLst>
+            </a:custGeom>
+            <a:ln w="6775" cap="flat">
+              <a:solidFill>
+                <a:srgbClr val="FFFFFF">
+                  <a:alpha val="100000"/>
+                </a:srgbClr>
+              </a:solidFill>
+              <a:prstDash val="solid"/>
+              <a:round/>
+            </a:ln>
+          </p:spPr>
+          <p:txBody>
+            <a:bodyPr/>
+            <a:lstStyle/>
+            <a:p/>
+          </p:txBody>
+        </p:sp>
+        <p:sp>
+          <p:nvSpPr>
+            <p:cNvPr id="27" name="pl26"/>
+            <p:cNvSpPr/>
+            <p:nvPr/>
+          </p:nvSpPr>
+          <p:spPr>
+            <a:xfrm>
+              <a:off x="5210196" y="983989"/>
+              <a:ext cx="0" cy="3188077"/>
+            </a:xfrm>
+            <a:custGeom>
+              <a:avLst/>
+              <a:pathLst>
+                <a:path w="0" h="3188077">
+                  <a:moveTo>
+                    <a:pt x="0" y="3188077"/>
+                  </a:moveTo>
+                  <a:lnTo>
+                    <a:pt x="0" y="0"/>
+                  </a:lnTo>
+                  <a:lnTo>
+                    <a:pt x="0" y="0"/>
+                  </a:lnTo>
+                </a:path>
+              </a:pathLst>
+            </a:custGeom>
+            <a:ln w="6775" cap="flat">
+              <a:solidFill>
+                <a:srgbClr val="FFFFFF">
+                  <a:alpha val="100000"/>
+                </a:srgbClr>
+              </a:solidFill>
+              <a:prstDash val="solid"/>
+              <a:round/>
+            </a:ln>
+          </p:spPr>
+          <p:txBody>
+            <a:bodyPr/>
+            <a:lstStyle/>
+            <a:p/>
+          </p:txBody>
+        </p:sp>
+        <p:sp>
+          <p:nvSpPr>
+            <p:cNvPr id="28" name="pl27"/>
+            <p:cNvSpPr/>
+            <p:nvPr/>
+          </p:nvSpPr>
+          <p:spPr>
+            <a:xfrm>
+              <a:off x="5492526" y="983989"/>
+              <a:ext cx="0" cy="3188077"/>
+            </a:xfrm>
+            <a:custGeom>
+              <a:avLst/>
+              <a:pathLst>
+                <a:path w="0" h="3188077">
+                  <a:moveTo>
+                    <a:pt x="0" y="3188077"/>
+                  </a:moveTo>
+                  <a:lnTo>
+                    <a:pt x="0" y="0"/>
+                  </a:lnTo>
+                  <a:lnTo>
+                    <a:pt x="0" y="0"/>
+                  </a:lnTo>
+                </a:path>
+              </a:pathLst>
+            </a:custGeom>
+            <a:ln w="6775" cap="flat">
+              <a:solidFill>
+                <a:srgbClr val="FFFFFF">
+                  <a:alpha val="100000"/>
+                </a:srgbClr>
+              </a:solidFill>
+              <a:prstDash val="solid"/>
+              <a:round/>
+            </a:ln>
+          </p:spPr>
+          <p:txBody>
+            <a:bodyPr/>
+            <a:lstStyle/>
+            <a:p/>
+          </p:txBody>
+        </p:sp>
+        <p:sp>
+          <p:nvSpPr>
+            <p:cNvPr id="29" name="pl28"/>
+            <p:cNvSpPr/>
+            <p:nvPr/>
+          </p:nvSpPr>
+          <p:spPr>
+            <a:xfrm>
               <a:off x="1490486" y="4040699"/>
               <a:ext cx="4192613" cy="0"/>
             </a:xfrm>
@@ -2998,7 +3342,7 @@
         </p:sp>
         <p:sp>
           <p:nvSpPr>
-            <p:cNvPr id="22" name="pl21"/>
+            <p:cNvPr id="30" name="pl29"/>
             <p:cNvSpPr/>
             <p:nvPr/>
           </p:nvSpPr>
@@ -3041,7 +3385,7 @@
         </p:sp>
         <p:sp>
           <p:nvSpPr>
-            <p:cNvPr id="23" name="pl22"/>
+            <p:cNvPr id="31" name="pl30"/>
             <p:cNvSpPr/>
             <p:nvPr/>
           </p:nvSpPr>
@@ -3084,7 +3428,7 @@
         </p:sp>
         <p:sp>
           <p:nvSpPr>
-            <p:cNvPr id="24" name="pl23"/>
+            <p:cNvPr id="32" name="pl31"/>
             <p:cNvSpPr/>
             <p:nvPr/>
           </p:nvSpPr>
@@ -3127,7 +3471,7 @@
         </p:sp>
         <p:sp>
           <p:nvSpPr>
-            <p:cNvPr id="25" name="pl24"/>
+            <p:cNvPr id="33" name="pl32"/>
             <p:cNvSpPr/>
             <p:nvPr/>
           </p:nvSpPr>
@@ -3170,7 +3514,7 @@
         </p:sp>
         <p:sp>
           <p:nvSpPr>
-            <p:cNvPr id="26" name="pl25"/>
+            <p:cNvPr id="34" name="pl33"/>
             <p:cNvSpPr/>
             <p:nvPr/>
           </p:nvSpPr>
@@ -3213,7 +3557,7 @@
         </p:sp>
         <p:sp>
           <p:nvSpPr>
-            <p:cNvPr id="27" name="pl26"/>
+            <p:cNvPr id="35" name="pl34"/>
             <p:cNvSpPr/>
             <p:nvPr/>
           </p:nvSpPr>
@@ -3256,7 +3600,7 @@
         </p:sp>
         <p:sp>
           <p:nvSpPr>
-            <p:cNvPr id="28" name="pl27"/>
+            <p:cNvPr id="36" name="pl35"/>
             <p:cNvSpPr/>
             <p:nvPr/>
           </p:nvSpPr>
@@ -3299,13 +3643,13 @@
         </p:sp>
         <p:sp>
           <p:nvSpPr>
-            <p:cNvPr id="29" name="pl28"/>
-            <p:cNvSpPr/>
-            <p:nvPr/>
-          </p:nvSpPr>
-          <p:spPr>
-            <a:xfrm>
-              <a:off x="2245721" y="983989"/>
+            <p:cNvPr id="37" name="pl36"/>
+            <p:cNvSpPr/>
+            <p:nvPr/>
+          </p:nvSpPr>
+          <p:spPr>
+            <a:xfrm>
+              <a:off x="1963390" y="983989"/>
               <a:ext cx="0" cy="3188077"/>
             </a:xfrm>
             <a:custGeom>
@@ -3342,13 +3686,13 @@
         </p:sp>
         <p:sp>
           <p:nvSpPr>
-            <p:cNvPr id="30" name="pl29"/>
-            <p:cNvSpPr/>
-            <p:nvPr/>
-          </p:nvSpPr>
-          <p:spPr>
-            <a:xfrm>
-              <a:off x="2810383" y="983989"/>
+            <p:cNvPr id="38" name="pl37"/>
+            <p:cNvSpPr/>
+            <p:nvPr/>
+          </p:nvSpPr>
+          <p:spPr>
+            <a:xfrm>
+              <a:off x="2245721" y="983989"/>
               <a:ext cx="0" cy="3188077"/>
             </a:xfrm>
             <a:custGeom>
@@ -3385,13 +3729,13 @@
         </p:sp>
         <p:sp>
           <p:nvSpPr>
-            <p:cNvPr id="31" name="pl30"/>
-            <p:cNvSpPr/>
-            <p:nvPr/>
-          </p:nvSpPr>
-          <p:spPr>
-            <a:xfrm>
-              <a:off x="3375045" y="983989"/>
+            <p:cNvPr id="39" name="pl38"/>
+            <p:cNvSpPr/>
+            <p:nvPr/>
+          </p:nvSpPr>
+          <p:spPr>
+            <a:xfrm>
+              <a:off x="2528052" y="983989"/>
               <a:ext cx="0" cy="3188077"/>
             </a:xfrm>
             <a:custGeom>
@@ -3428,13 +3772,13 @@
         </p:sp>
         <p:sp>
           <p:nvSpPr>
-            <p:cNvPr id="32" name="pl31"/>
-            <p:cNvSpPr/>
-            <p:nvPr/>
-          </p:nvSpPr>
-          <p:spPr>
-            <a:xfrm>
-              <a:off x="3939706" y="983989"/>
+            <p:cNvPr id="40" name="pl39"/>
+            <p:cNvSpPr/>
+            <p:nvPr/>
+          </p:nvSpPr>
+          <p:spPr>
+            <a:xfrm>
+              <a:off x="2810383" y="983989"/>
               <a:ext cx="0" cy="3188077"/>
             </a:xfrm>
             <a:custGeom>
@@ -3471,13 +3815,13 @@
         </p:sp>
         <p:sp>
           <p:nvSpPr>
-            <p:cNvPr id="33" name="pl32"/>
-            <p:cNvSpPr/>
-            <p:nvPr/>
-          </p:nvSpPr>
-          <p:spPr>
-            <a:xfrm>
-              <a:off x="4504368" y="983989"/>
+            <p:cNvPr id="41" name="pl40"/>
+            <p:cNvSpPr/>
+            <p:nvPr/>
+          </p:nvSpPr>
+          <p:spPr>
+            <a:xfrm>
+              <a:off x="3092714" y="983989"/>
               <a:ext cx="0" cy="3188077"/>
             </a:xfrm>
             <a:custGeom>
@@ -3514,13 +3858,13 @@
         </p:sp>
         <p:sp>
           <p:nvSpPr>
-            <p:cNvPr id="34" name="pl33"/>
-            <p:cNvSpPr/>
-            <p:nvPr/>
-          </p:nvSpPr>
-          <p:spPr>
-            <a:xfrm>
-              <a:off x="5069030" y="983989"/>
+            <p:cNvPr id="42" name="pl41"/>
+            <p:cNvSpPr/>
+            <p:nvPr/>
+          </p:nvSpPr>
+          <p:spPr>
+            <a:xfrm>
+              <a:off x="3375045" y="983989"/>
               <a:ext cx="0" cy="3188077"/>
             </a:xfrm>
             <a:custGeom>
@@ -3557,13 +3901,13 @@
         </p:sp>
         <p:sp>
           <p:nvSpPr>
-            <p:cNvPr id="35" name="pl34"/>
-            <p:cNvSpPr/>
-            <p:nvPr/>
-          </p:nvSpPr>
-          <p:spPr>
-            <a:xfrm>
-              <a:off x="5633692" y="983989"/>
+            <p:cNvPr id="43" name="pl42"/>
+            <p:cNvSpPr/>
+            <p:nvPr/>
+          </p:nvSpPr>
+          <p:spPr>
+            <a:xfrm>
+              <a:off x="3657376" y="983989"/>
               <a:ext cx="0" cy="3188077"/>
             </a:xfrm>
             <a:custGeom>
@@ -3600,7 +3944,308 @@
         </p:sp>
         <p:sp>
           <p:nvSpPr>
-            <p:cNvPr id="36" name="pl35"/>
+            <p:cNvPr id="44" name="pl43"/>
+            <p:cNvSpPr/>
+            <p:nvPr/>
+          </p:nvSpPr>
+          <p:spPr>
+            <a:xfrm>
+              <a:off x="3939706" y="983989"/>
+              <a:ext cx="0" cy="3188077"/>
+            </a:xfrm>
+            <a:custGeom>
+              <a:avLst/>
+              <a:pathLst>
+                <a:path w="0" h="3188077">
+                  <a:moveTo>
+                    <a:pt x="0" y="3188077"/>
+                  </a:moveTo>
+                  <a:lnTo>
+                    <a:pt x="0" y="0"/>
+                  </a:lnTo>
+                  <a:lnTo>
+                    <a:pt x="0" y="0"/>
+                  </a:lnTo>
+                </a:path>
+              </a:pathLst>
+            </a:custGeom>
+            <a:ln w="13550" cap="flat">
+              <a:solidFill>
+                <a:srgbClr val="FFFFFF">
+                  <a:alpha val="100000"/>
+                </a:srgbClr>
+              </a:solidFill>
+              <a:prstDash val="solid"/>
+              <a:round/>
+            </a:ln>
+          </p:spPr>
+          <p:txBody>
+            <a:bodyPr/>
+            <a:lstStyle/>
+            <a:p/>
+          </p:txBody>
+        </p:sp>
+        <p:sp>
+          <p:nvSpPr>
+            <p:cNvPr id="45" name="pl44"/>
+            <p:cNvSpPr/>
+            <p:nvPr/>
+          </p:nvSpPr>
+          <p:spPr>
+            <a:xfrm>
+              <a:off x="4222037" y="983989"/>
+              <a:ext cx="0" cy="3188077"/>
+            </a:xfrm>
+            <a:custGeom>
+              <a:avLst/>
+              <a:pathLst>
+                <a:path w="0" h="3188077">
+                  <a:moveTo>
+                    <a:pt x="0" y="3188077"/>
+                  </a:moveTo>
+                  <a:lnTo>
+                    <a:pt x="0" y="0"/>
+                  </a:lnTo>
+                  <a:lnTo>
+                    <a:pt x="0" y="0"/>
+                  </a:lnTo>
+                </a:path>
+              </a:pathLst>
+            </a:custGeom>
+            <a:ln w="13550" cap="flat">
+              <a:solidFill>
+                <a:srgbClr val="FFFFFF">
+                  <a:alpha val="100000"/>
+                </a:srgbClr>
+              </a:solidFill>
+              <a:prstDash val="solid"/>
+              <a:round/>
+            </a:ln>
+          </p:spPr>
+          <p:txBody>
+            <a:bodyPr/>
+            <a:lstStyle/>
+            <a:p/>
+          </p:txBody>
+        </p:sp>
+        <p:sp>
+          <p:nvSpPr>
+            <p:cNvPr id="46" name="pl45"/>
+            <p:cNvSpPr/>
+            <p:nvPr/>
+          </p:nvSpPr>
+          <p:spPr>
+            <a:xfrm>
+              <a:off x="4504368" y="983989"/>
+              <a:ext cx="0" cy="3188077"/>
+            </a:xfrm>
+            <a:custGeom>
+              <a:avLst/>
+              <a:pathLst>
+                <a:path w="0" h="3188077">
+                  <a:moveTo>
+                    <a:pt x="0" y="3188077"/>
+                  </a:moveTo>
+                  <a:lnTo>
+                    <a:pt x="0" y="0"/>
+                  </a:lnTo>
+                  <a:lnTo>
+                    <a:pt x="0" y="0"/>
+                  </a:lnTo>
+                </a:path>
+              </a:pathLst>
+            </a:custGeom>
+            <a:ln w="13550" cap="flat">
+              <a:solidFill>
+                <a:srgbClr val="FFFFFF">
+                  <a:alpha val="100000"/>
+                </a:srgbClr>
+              </a:solidFill>
+              <a:prstDash val="solid"/>
+              <a:round/>
+            </a:ln>
+          </p:spPr>
+          <p:txBody>
+            <a:bodyPr/>
+            <a:lstStyle/>
+            <a:p/>
+          </p:txBody>
+        </p:sp>
+        <p:sp>
+          <p:nvSpPr>
+            <p:cNvPr id="47" name="pl46"/>
+            <p:cNvSpPr/>
+            <p:nvPr/>
+          </p:nvSpPr>
+          <p:spPr>
+            <a:xfrm>
+              <a:off x="4786699" y="983989"/>
+              <a:ext cx="0" cy="3188077"/>
+            </a:xfrm>
+            <a:custGeom>
+              <a:avLst/>
+              <a:pathLst>
+                <a:path w="0" h="3188077">
+                  <a:moveTo>
+                    <a:pt x="0" y="3188077"/>
+                  </a:moveTo>
+                  <a:lnTo>
+                    <a:pt x="0" y="0"/>
+                  </a:lnTo>
+                  <a:lnTo>
+                    <a:pt x="0" y="0"/>
+                  </a:lnTo>
+                </a:path>
+              </a:pathLst>
+            </a:custGeom>
+            <a:ln w="13550" cap="flat">
+              <a:solidFill>
+                <a:srgbClr val="FFFFFF">
+                  <a:alpha val="100000"/>
+                </a:srgbClr>
+              </a:solidFill>
+              <a:prstDash val="solid"/>
+              <a:round/>
+            </a:ln>
+          </p:spPr>
+          <p:txBody>
+            <a:bodyPr/>
+            <a:lstStyle/>
+            <a:p/>
+          </p:txBody>
+        </p:sp>
+        <p:sp>
+          <p:nvSpPr>
+            <p:cNvPr id="48" name="pl47"/>
+            <p:cNvSpPr/>
+            <p:nvPr/>
+          </p:nvSpPr>
+          <p:spPr>
+            <a:xfrm>
+              <a:off x="5069030" y="983989"/>
+              <a:ext cx="0" cy="3188077"/>
+            </a:xfrm>
+            <a:custGeom>
+              <a:avLst/>
+              <a:pathLst>
+                <a:path w="0" h="3188077">
+                  <a:moveTo>
+                    <a:pt x="0" y="3188077"/>
+                  </a:moveTo>
+                  <a:lnTo>
+                    <a:pt x="0" y="0"/>
+                  </a:lnTo>
+                  <a:lnTo>
+                    <a:pt x="0" y="0"/>
+                  </a:lnTo>
+                </a:path>
+              </a:pathLst>
+            </a:custGeom>
+            <a:ln w="13550" cap="flat">
+              <a:solidFill>
+                <a:srgbClr val="FFFFFF">
+                  <a:alpha val="100000"/>
+                </a:srgbClr>
+              </a:solidFill>
+              <a:prstDash val="solid"/>
+              <a:round/>
+            </a:ln>
+          </p:spPr>
+          <p:txBody>
+            <a:bodyPr/>
+            <a:lstStyle/>
+            <a:p/>
+          </p:txBody>
+        </p:sp>
+        <p:sp>
+          <p:nvSpPr>
+            <p:cNvPr id="49" name="pl48"/>
+            <p:cNvSpPr/>
+            <p:nvPr/>
+          </p:nvSpPr>
+          <p:spPr>
+            <a:xfrm>
+              <a:off x="5351361" y="983989"/>
+              <a:ext cx="0" cy="3188077"/>
+            </a:xfrm>
+            <a:custGeom>
+              <a:avLst/>
+              <a:pathLst>
+                <a:path w="0" h="3188077">
+                  <a:moveTo>
+                    <a:pt x="0" y="3188077"/>
+                  </a:moveTo>
+                  <a:lnTo>
+                    <a:pt x="0" y="0"/>
+                  </a:lnTo>
+                  <a:lnTo>
+                    <a:pt x="0" y="0"/>
+                  </a:lnTo>
+                </a:path>
+              </a:pathLst>
+            </a:custGeom>
+            <a:ln w="13550" cap="flat">
+              <a:solidFill>
+                <a:srgbClr val="FFFFFF">
+                  <a:alpha val="100000"/>
+                </a:srgbClr>
+              </a:solidFill>
+              <a:prstDash val="solid"/>
+              <a:round/>
+            </a:ln>
+          </p:spPr>
+          <p:txBody>
+            <a:bodyPr/>
+            <a:lstStyle/>
+            <a:p/>
+          </p:txBody>
+        </p:sp>
+        <p:sp>
+          <p:nvSpPr>
+            <p:cNvPr id="50" name="pl49"/>
+            <p:cNvSpPr/>
+            <p:nvPr/>
+          </p:nvSpPr>
+          <p:spPr>
+            <a:xfrm>
+              <a:off x="5633692" y="983989"/>
+              <a:ext cx="0" cy="3188077"/>
+            </a:xfrm>
+            <a:custGeom>
+              <a:avLst/>
+              <a:pathLst>
+                <a:path w="0" h="3188077">
+                  <a:moveTo>
+                    <a:pt x="0" y="3188077"/>
+                  </a:moveTo>
+                  <a:lnTo>
+                    <a:pt x="0" y="0"/>
+                  </a:lnTo>
+                  <a:lnTo>
+                    <a:pt x="0" y="0"/>
+                  </a:lnTo>
+                </a:path>
+              </a:pathLst>
+            </a:custGeom>
+            <a:ln w="13550" cap="flat">
+              <a:solidFill>
+                <a:srgbClr val="FFFFFF">
+                  <a:alpha val="100000"/>
+                </a:srgbClr>
+              </a:solidFill>
+              <a:prstDash val="solid"/>
+              <a:round/>
+            </a:ln>
+          </p:spPr>
+          <p:txBody>
+            <a:bodyPr/>
+            <a:lstStyle/>
+            <a:p/>
+          </p:txBody>
+        </p:sp>
+        <p:sp>
+          <p:nvSpPr>
+            <p:cNvPr id="51" name="pl50"/>
             <p:cNvSpPr/>
             <p:nvPr/>
           </p:nvSpPr>
@@ -3709,7 +4354,7 @@
         </p:sp>
         <p:sp>
           <p:nvSpPr>
-            <p:cNvPr id="37" name="pl36"/>
+            <p:cNvPr id="52" name="pl51"/>
             <p:cNvSpPr/>
             <p:nvPr/>
           </p:nvSpPr>
@@ -3827,7 +4472,7 @@
         </p:sp>
         <p:sp>
           <p:nvSpPr>
-            <p:cNvPr id="38" name="pl37"/>
+            <p:cNvPr id="53" name="pl52"/>
             <p:cNvSpPr/>
             <p:nvPr/>
           </p:nvSpPr>
@@ -3939,7 +4584,7 @@
         </p:sp>
         <p:sp>
           <p:nvSpPr>
-            <p:cNvPr id="39" name="pl38"/>
+            <p:cNvPr id="54" name="pl53"/>
             <p:cNvSpPr/>
             <p:nvPr/>
           </p:nvSpPr>
@@ -4051,7 +4696,7 @@
         </p:sp>
         <p:sp>
           <p:nvSpPr>
-            <p:cNvPr id="40" name="pt39"/>
+            <p:cNvPr id="55" name="pt54"/>
             <p:cNvSpPr/>
             <p:nvPr/>
           </p:nvSpPr>
@@ -4086,7 +4731,7 @@
         </p:sp>
         <p:sp>
           <p:nvSpPr>
-            <p:cNvPr id="41" name="pt40"/>
+            <p:cNvPr id="56" name="pt55"/>
             <p:cNvSpPr/>
             <p:nvPr/>
           </p:nvSpPr>
@@ -4121,7 +4766,7 @@
         </p:sp>
         <p:sp>
           <p:nvSpPr>
-            <p:cNvPr id="42" name="pt41"/>
+            <p:cNvPr id="57" name="pt56"/>
             <p:cNvSpPr/>
             <p:nvPr/>
           </p:nvSpPr>
@@ -4156,7 +4801,7 @@
         </p:sp>
         <p:sp>
           <p:nvSpPr>
-            <p:cNvPr id="43" name="pt42"/>
+            <p:cNvPr id="58" name="pt57"/>
             <p:cNvSpPr/>
             <p:nvPr/>
           </p:nvSpPr>
@@ -4191,7 +4836,7 @@
         </p:sp>
         <p:sp>
           <p:nvSpPr>
-            <p:cNvPr id="44" name="pt43"/>
+            <p:cNvPr id="59" name="pt58"/>
             <p:cNvSpPr/>
             <p:nvPr/>
           </p:nvSpPr>
@@ -4226,7 +4871,7 @@
         </p:sp>
         <p:sp>
           <p:nvSpPr>
-            <p:cNvPr id="45" name="pt44"/>
+            <p:cNvPr id="60" name="pt59"/>
             <p:cNvSpPr/>
             <p:nvPr/>
           </p:nvSpPr>
@@ -4261,7 +4906,7 @@
         </p:sp>
         <p:sp>
           <p:nvSpPr>
-            <p:cNvPr id="46" name="pt45"/>
+            <p:cNvPr id="61" name="pt60"/>
             <p:cNvSpPr/>
             <p:nvPr/>
           </p:nvSpPr>
@@ -4296,7 +4941,7 @@
         </p:sp>
         <p:sp>
           <p:nvSpPr>
-            <p:cNvPr id="47" name="pt46"/>
+            <p:cNvPr id="62" name="pt61"/>
             <p:cNvSpPr/>
             <p:nvPr/>
           </p:nvSpPr>
@@ -4331,7 +4976,7 @@
         </p:sp>
         <p:sp>
           <p:nvSpPr>
-            <p:cNvPr id="48" name="pt47"/>
+            <p:cNvPr id="63" name="pt62"/>
             <p:cNvSpPr/>
             <p:nvPr/>
           </p:nvSpPr>
@@ -4366,7 +5011,7 @@
         </p:sp>
         <p:sp>
           <p:nvSpPr>
-            <p:cNvPr id="49" name="pt48"/>
+            <p:cNvPr id="64" name="pt63"/>
             <p:cNvSpPr/>
             <p:nvPr/>
           </p:nvSpPr>
@@ -4401,7 +5046,7 @@
         </p:sp>
         <p:sp>
           <p:nvSpPr>
-            <p:cNvPr id="50" name="pt49"/>
+            <p:cNvPr id="65" name="pt64"/>
             <p:cNvSpPr/>
             <p:nvPr/>
           </p:nvSpPr>
@@ -4436,7 +5081,7 @@
         </p:sp>
         <p:sp>
           <p:nvSpPr>
-            <p:cNvPr id="51" name="pt50"/>
+            <p:cNvPr id="66" name="pt65"/>
             <p:cNvSpPr/>
             <p:nvPr/>
           </p:nvSpPr>
@@ -4471,7 +5116,7 @@
         </p:sp>
         <p:sp>
           <p:nvSpPr>
-            <p:cNvPr id="52" name="pt51"/>
+            <p:cNvPr id="67" name="pt66"/>
             <p:cNvSpPr/>
             <p:nvPr/>
           </p:nvSpPr>
@@ -4506,7 +5151,7 @@
         </p:sp>
         <p:sp>
           <p:nvSpPr>
-            <p:cNvPr id="53" name="pt52"/>
+            <p:cNvPr id="68" name="pt67"/>
             <p:cNvSpPr/>
             <p:nvPr/>
           </p:nvSpPr>
@@ -4541,7 +5186,7 @@
         </p:sp>
         <p:sp>
           <p:nvSpPr>
-            <p:cNvPr id="54" name="pt53"/>
+            <p:cNvPr id="69" name="pt68"/>
             <p:cNvSpPr/>
             <p:nvPr/>
           </p:nvSpPr>
@@ -4576,7 +5221,7 @@
         </p:sp>
         <p:sp>
           <p:nvSpPr>
-            <p:cNvPr id="55" name="pt54"/>
+            <p:cNvPr id="70" name="pt69"/>
             <p:cNvSpPr/>
             <p:nvPr/>
           </p:nvSpPr>
@@ -4611,7 +5256,7 @@
         </p:sp>
         <p:sp>
           <p:nvSpPr>
-            <p:cNvPr id="56" name="pt55"/>
+            <p:cNvPr id="71" name="pt70"/>
             <p:cNvSpPr/>
             <p:nvPr/>
           </p:nvSpPr>
@@ -4646,7 +5291,7 @@
         </p:sp>
         <p:sp>
           <p:nvSpPr>
-            <p:cNvPr id="57" name="pt56"/>
+            <p:cNvPr id="72" name="pt71"/>
             <p:cNvSpPr/>
             <p:nvPr/>
           </p:nvSpPr>
@@ -4681,7 +5326,7 @@
         </p:sp>
         <p:sp>
           <p:nvSpPr>
-            <p:cNvPr id="58" name="pt57"/>
+            <p:cNvPr id="73" name="pt72"/>
             <p:cNvSpPr/>
             <p:nvPr/>
           </p:nvSpPr>
@@ -4716,7 +5361,7 @@
         </p:sp>
         <p:sp>
           <p:nvSpPr>
-            <p:cNvPr id="59" name="pt58"/>
+            <p:cNvPr id="74" name="pt73"/>
             <p:cNvSpPr/>
             <p:nvPr/>
           </p:nvSpPr>
@@ -4751,7 +5396,7 @@
         </p:sp>
         <p:sp>
           <p:nvSpPr>
-            <p:cNvPr id="60" name="pt59"/>
+            <p:cNvPr id="75" name="pt74"/>
             <p:cNvSpPr/>
             <p:nvPr/>
           </p:nvSpPr>
@@ -4786,7 +5431,7 @@
         </p:sp>
         <p:sp>
           <p:nvSpPr>
-            <p:cNvPr id="61" name="pt60"/>
+            <p:cNvPr id="76" name="pt75"/>
             <p:cNvSpPr/>
             <p:nvPr/>
           </p:nvSpPr>
@@ -4821,7 +5466,7 @@
         </p:sp>
         <p:sp>
           <p:nvSpPr>
-            <p:cNvPr id="62" name="pt61"/>
+            <p:cNvPr id="77" name="pt76"/>
             <p:cNvSpPr/>
             <p:nvPr/>
           </p:nvSpPr>
@@ -4856,7 +5501,7 @@
         </p:sp>
         <p:sp>
           <p:nvSpPr>
-            <p:cNvPr id="63" name="pt62"/>
+            <p:cNvPr id="78" name="pt77"/>
             <p:cNvSpPr/>
             <p:nvPr/>
           </p:nvSpPr>
@@ -4891,7 +5536,7 @@
         </p:sp>
         <p:sp>
           <p:nvSpPr>
-            <p:cNvPr id="64" name="pt63"/>
+            <p:cNvPr id="79" name="pt78"/>
             <p:cNvSpPr/>
             <p:nvPr/>
           </p:nvSpPr>
@@ -4926,7 +5571,7 @@
         </p:sp>
         <p:sp>
           <p:nvSpPr>
-            <p:cNvPr id="65" name="pt64"/>
+            <p:cNvPr id="80" name="pt79"/>
             <p:cNvSpPr/>
             <p:nvPr/>
           </p:nvSpPr>
@@ -4961,7 +5606,7 @@
         </p:sp>
         <p:sp>
           <p:nvSpPr>
-            <p:cNvPr id="66" name="pt65"/>
+            <p:cNvPr id="81" name="pt80"/>
             <p:cNvSpPr/>
             <p:nvPr/>
           </p:nvSpPr>
@@ -4996,7 +5641,7 @@
         </p:sp>
         <p:sp>
           <p:nvSpPr>
-            <p:cNvPr id="67" name="pt66"/>
+            <p:cNvPr id="82" name="pt81"/>
             <p:cNvSpPr/>
             <p:nvPr/>
           </p:nvSpPr>
@@ -5031,7 +5676,7 @@
         </p:sp>
         <p:sp>
           <p:nvSpPr>
-            <p:cNvPr id="68" name="pt67"/>
+            <p:cNvPr id="83" name="pt82"/>
             <p:cNvSpPr/>
             <p:nvPr/>
           </p:nvSpPr>
@@ -5066,7 +5711,7 @@
         </p:sp>
         <p:sp>
           <p:nvSpPr>
-            <p:cNvPr id="69" name="pt68"/>
+            <p:cNvPr id="84" name="pt83"/>
             <p:cNvSpPr/>
             <p:nvPr/>
           </p:nvSpPr>
@@ -5101,7 +5746,7 @@
         </p:sp>
         <p:sp>
           <p:nvSpPr>
-            <p:cNvPr id="70" name="pt69"/>
+            <p:cNvPr id="85" name="pt84"/>
             <p:cNvSpPr/>
             <p:nvPr/>
           </p:nvSpPr>
@@ -5136,7 +5781,7 @@
         </p:sp>
         <p:sp>
           <p:nvSpPr>
-            <p:cNvPr id="71" name="pt70"/>
+            <p:cNvPr id="86" name="pt85"/>
             <p:cNvSpPr/>
             <p:nvPr/>
           </p:nvSpPr>
@@ -5171,7 +5816,7 @@
         </p:sp>
         <p:sp>
           <p:nvSpPr>
-            <p:cNvPr id="72" name="pt71"/>
+            <p:cNvPr id="87" name="pt86"/>
             <p:cNvSpPr/>
             <p:nvPr/>
           </p:nvSpPr>
@@ -5206,7 +5851,7 @@
         </p:sp>
         <p:sp>
           <p:nvSpPr>
-            <p:cNvPr id="73" name="pt72"/>
+            <p:cNvPr id="88" name="pt87"/>
             <p:cNvSpPr/>
             <p:nvPr/>
           </p:nvSpPr>
@@ -5241,7 +5886,7 @@
         </p:sp>
         <p:sp>
           <p:nvSpPr>
-            <p:cNvPr id="74" name="pt73"/>
+            <p:cNvPr id="89" name="pt88"/>
             <p:cNvSpPr/>
             <p:nvPr/>
           </p:nvSpPr>
@@ -5276,7 +5921,7 @@
         </p:sp>
         <p:sp>
           <p:nvSpPr>
-            <p:cNvPr id="75" name="pt74"/>
+            <p:cNvPr id="90" name="pt89"/>
             <p:cNvSpPr/>
             <p:nvPr/>
           </p:nvSpPr>
@@ -5311,7 +5956,7 @@
         </p:sp>
         <p:sp>
           <p:nvSpPr>
-            <p:cNvPr id="76" name="pt75"/>
+            <p:cNvPr id="91" name="pt90"/>
             <p:cNvSpPr/>
             <p:nvPr/>
           </p:nvSpPr>
@@ -5346,7 +5991,7 @@
         </p:sp>
         <p:sp>
           <p:nvSpPr>
-            <p:cNvPr id="77" name="pt76"/>
+            <p:cNvPr id="92" name="pt91"/>
             <p:cNvSpPr/>
             <p:nvPr/>
           </p:nvSpPr>
@@ -5381,7 +6026,7 @@
         </p:sp>
         <p:sp>
           <p:nvSpPr>
-            <p:cNvPr id="78" name="pt77"/>
+            <p:cNvPr id="93" name="pt92"/>
             <p:cNvSpPr/>
             <p:nvPr/>
           </p:nvSpPr>
@@ -5416,7 +6061,7 @@
         </p:sp>
         <p:sp>
           <p:nvSpPr>
-            <p:cNvPr id="79" name="pt78"/>
+            <p:cNvPr id="94" name="pt93"/>
             <p:cNvSpPr/>
             <p:nvPr/>
           </p:nvSpPr>
@@ -5451,7 +6096,7 @@
         </p:sp>
         <p:sp>
           <p:nvSpPr>
-            <p:cNvPr id="80" name="pt79"/>
+            <p:cNvPr id="95" name="pt94"/>
             <p:cNvSpPr/>
             <p:nvPr/>
           </p:nvSpPr>
@@ -5486,7 +6131,7 @@
         </p:sp>
         <p:sp>
           <p:nvSpPr>
-            <p:cNvPr id="81" name="pt80"/>
+            <p:cNvPr id="96" name="pt95"/>
             <p:cNvSpPr/>
             <p:nvPr/>
           </p:nvSpPr>
@@ -5521,7 +6166,7 @@
         </p:sp>
         <p:sp>
           <p:nvSpPr>
-            <p:cNvPr id="82" name="pt81"/>
+            <p:cNvPr id="97" name="pt96"/>
             <p:cNvSpPr/>
             <p:nvPr/>
           </p:nvSpPr>
@@ -5556,7 +6201,7 @@
         </p:sp>
         <p:sp>
           <p:nvSpPr>
-            <p:cNvPr id="83" name="pt82"/>
+            <p:cNvPr id="98" name="pt97"/>
             <p:cNvSpPr/>
             <p:nvPr/>
           </p:nvSpPr>
@@ -5591,7 +6236,7 @@
         </p:sp>
         <p:sp>
           <p:nvSpPr>
-            <p:cNvPr id="84" name="pt83"/>
+            <p:cNvPr id="99" name="pt98"/>
             <p:cNvSpPr/>
             <p:nvPr/>
           </p:nvSpPr>
@@ -5626,7 +6271,7 @@
         </p:sp>
         <p:sp>
           <p:nvSpPr>
-            <p:cNvPr id="85" name="pt84"/>
+            <p:cNvPr id="100" name="pt99"/>
             <p:cNvSpPr/>
             <p:nvPr/>
           </p:nvSpPr>
@@ -5661,7 +6306,7 @@
         </p:sp>
         <p:sp>
           <p:nvSpPr>
-            <p:cNvPr id="86" name="pt85"/>
+            <p:cNvPr id="101" name="pt100"/>
             <p:cNvSpPr/>
             <p:nvPr/>
           </p:nvSpPr>
@@ -5696,7 +6341,7 @@
         </p:sp>
         <p:sp>
           <p:nvSpPr>
-            <p:cNvPr id="87" name="pt86"/>
+            <p:cNvPr id="102" name="pt101"/>
             <p:cNvSpPr/>
             <p:nvPr/>
           </p:nvSpPr>
@@ -5731,7 +6376,7 @@
         </p:sp>
         <p:sp>
           <p:nvSpPr>
-            <p:cNvPr id="88" name="pt87"/>
+            <p:cNvPr id="103" name="pt102"/>
             <p:cNvSpPr/>
             <p:nvPr/>
           </p:nvSpPr>
@@ -5766,7 +6411,7 @@
         </p:sp>
         <p:sp>
           <p:nvSpPr>
-            <p:cNvPr id="89" name="pt88"/>
+            <p:cNvPr id="104" name="pt103"/>
             <p:cNvSpPr/>
             <p:nvPr/>
           </p:nvSpPr>
@@ -5801,7 +6446,7 @@
         </p:sp>
         <p:sp>
           <p:nvSpPr>
-            <p:cNvPr id="90" name="pt89"/>
+            <p:cNvPr id="105" name="pt104"/>
             <p:cNvSpPr/>
             <p:nvPr/>
           </p:nvSpPr>
@@ -5836,7 +6481,7 @@
         </p:sp>
         <p:sp>
           <p:nvSpPr>
-            <p:cNvPr id="91" name="pt90"/>
+            <p:cNvPr id="106" name="pt105"/>
             <p:cNvSpPr/>
             <p:nvPr/>
           </p:nvSpPr>
@@ -5871,7 +6516,7 @@
         </p:sp>
         <p:sp>
           <p:nvSpPr>
-            <p:cNvPr id="92" name="pt91"/>
+            <p:cNvPr id="107" name="pt106"/>
             <p:cNvSpPr/>
             <p:nvPr/>
           </p:nvSpPr>
@@ -5906,7 +6551,7 @@
         </p:sp>
         <p:sp>
           <p:nvSpPr>
-            <p:cNvPr id="93" name="pt92"/>
+            <p:cNvPr id="108" name="pt107"/>
             <p:cNvSpPr/>
             <p:nvPr/>
           </p:nvSpPr>
@@ -5941,7 +6586,7 @@
         </p:sp>
         <p:sp>
           <p:nvSpPr>
-            <p:cNvPr id="94" name="pt93"/>
+            <p:cNvPr id="109" name="pt108"/>
             <p:cNvSpPr/>
             <p:nvPr/>
           </p:nvSpPr>
@@ -5976,7 +6621,7 @@
         </p:sp>
         <p:sp>
           <p:nvSpPr>
-            <p:cNvPr id="95" name="pt94"/>
+            <p:cNvPr id="110" name="pt109"/>
             <p:cNvSpPr/>
             <p:nvPr/>
           </p:nvSpPr>
@@ -6011,7 +6656,7 @@
         </p:sp>
         <p:sp>
           <p:nvSpPr>
-            <p:cNvPr id="96" name="pt95"/>
+            <p:cNvPr id="111" name="pt110"/>
             <p:cNvSpPr/>
             <p:nvPr/>
           </p:nvSpPr>
@@ -6046,7 +6691,7 @@
         </p:sp>
         <p:sp>
           <p:nvSpPr>
-            <p:cNvPr id="97" name="pt96"/>
+            <p:cNvPr id="112" name="pt111"/>
             <p:cNvSpPr/>
             <p:nvPr/>
           </p:nvSpPr>
@@ -6081,7 +6726,7 @@
         </p:sp>
         <p:sp>
           <p:nvSpPr>
-            <p:cNvPr id="98" name="pt97"/>
+            <p:cNvPr id="113" name="pt112"/>
             <p:cNvSpPr/>
             <p:nvPr/>
           </p:nvSpPr>
@@ -6116,7 +6761,7 @@
         </p:sp>
         <p:sp>
           <p:nvSpPr>
-            <p:cNvPr id="99" name="pt98"/>
+            <p:cNvPr id="114" name="pt113"/>
             <p:cNvSpPr/>
             <p:nvPr/>
           </p:nvSpPr>
@@ -6151,7 +6796,7 @@
         </p:sp>
         <p:sp>
           <p:nvSpPr>
-            <p:cNvPr id="100" name="pt99"/>
+            <p:cNvPr id="115" name="pt114"/>
             <p:cNvSpPr/>
             <p:nvPr/>
           </p:nvSpPr>
@@ -6186,7 +6831,7 @@
         </p:sp>
         <p:sp>
           <p:nvSpPr>
-            <p:cNvPr id="101" name="pt100"/>
+            <p:cNvPr id="116" name="pt115"/>
             <p:cNvSpPr/>
             <p:nvPr/>
           </p:nvSpPr>
@@ -6221,7 +6866,7 @@
         </p:sp>
         <p:sp>
           <p:nvSpPr>
-            <p:cNvPr id="102" name="pt101"/>
+            <p:cNvPr id="117" name="pt116"/>
             <p:cNvSpPr/>
             <p:nvPr/>
           </p:nvSpPr>
@@ -6256,7 +6901,7 @@
         </p:sp>
         <p:sp>
           <p:nvSpPr>
-            <p:cNvPr id="103" name="pt102"/>
+            <p:cNvPr id="118" name="pt117"/>
             <p:cNvSpPr/>
             <p:nvPr/>
           </p:nvSpPr>
@@ -6291,7 +6936,7 @@
         </p:sp>
         <p:sp>
           <p:nvSpPr>
-            <p:cNvPr id="104" name="pt103"/>
+            <p:cNvPr id="119" name="pt118"/>
             <p:cNvSpPr/>
             <p:nvPr/>
           </p:nvSpPr>
@@ -6326,7 +6971,7 @@
         </p:sp>
         <p:sp>
           <p:nvSpPr>
-            <p:cNvPr id="105" name="pt104"/>
+            <p:cNvPr id="120" name="pt119"/>
             <p:cNvSpPr/>
             <p:nvPr/>
           </p:nvSpPr>
@@ -6361,7 +7006,7 @@
         </p:sp>
         <p:sp>
           <p:nvSpPr>
-            <p:cNvPr id="106" name="pt105"/>
+            <p:cNvPr id="121" name="pt120"/>
             <p:cNvSpPr/>
             <p:nvPr/>
           </p:nvSpPr>
@@ -6396,7 +7041,7 @@
         </p:sp>
         <p:sp>
           <p:nvSpPr>
-            <p:cNvPr id="107" name="pt106"/>
+            <p:cNvPr id="122" name="pt121"/>
             <p:cNvSpPr/>
             <p:nvPr/>
           </p:nvSpPr>
@@ -6431,7 +7076,7 @@
         </p:sp>
         <p:sp>
           <p:nvSpPr>
-            <p:cNvPr id="108" name="pt107"/>
+            <p:cNvPr id="123" name="pt122"/>
             <p:cNvSpPr/>
             <p:nvPr/>
           </p:nvSpPr>
@@ -6466,7 +7111,7 @@
         </p:sp>
         <p:sp>
           <p:nvSpPr>
-            <p:cNvPr id="109" name="pt108"/>
+            <p:cNvPr id="124" name="pt123"/>
             <p:cNvSpPr/>
             <p:nvPr/>
           </p:nvSpPr>
@@ -6501,7 +7146,7 @@
         </p:sp>
         <p:sp>
           <p:nvSpPr>
-            <p:cNvPr id="110" name="pt109"/>
+            <p:cNvPr id="125" name="pt124"/>
             <p:cNvSpPr/>
             <p:nvPr/>
           </p:nvSpPr>
@@ -6536,7 +7181,7 @@
         </p:sp>
         <p:sp>
           <p:nvSpPr>
-            <p:cNvPr id="111" name="pt110"/>
+            <p:cNvPr id="126" name="pt125"/>
             <p:cNvSpPr/>
             <p:nvPr/>
           </p:nvSpPr>
@@ -6571,7 +7216,7 @@
         </p:sp>
         <p:sp>
           <p:nvSpPr>
-            <p:cNvPr id="112" name="pt111"/>
+            <p:cNvPr id="127" name="pt126"/>
             <p:cNvSpPr/>
             <p:nvPr/>
           </p:nvSpPr>
@@ -6606,7 +7251,7 @@
         </p:sp>
         <p:sp>
           <p:nvSpPr>
-            <p:cNvPr id="113" name="pt112"/>
+            <p:cNvPr id="128" name="pt127"/>
             <p:cNvSpPr/>
             <p:nvPr/>
           </p:nvSpPr>
@@ -6641,7 +7286,7 @@
         </p:sp>
         <p:sp>
           <p:nvSpPr>
-            <p:cNvPr id="114" name="pt113"/>
+            <p:cNvPr id="129" name="pt128"/>
             <p:cNvSpPr/>
             <p:nvPr/>
           </p:nvSpPr>
@@ -6676,7 +7321,7 @@
         </p:sp>
         <p:sp>
           <p:nvSpPr>
-            <p:cNvPr id="115" name="pt114"/>
+            <p:cNvPr id="130" name="pt129"/>
             <p:cNvSpPr/>
             <p:nvPr/>
           </p:nvSpPr>
@@ -6711,7 +7356,7 @@
         </p:sp>
         <p:sp>
           <p:nvSpPr>
-            <p:cNvPr id="116" name="pt115"/>
+            <p:cNvPr id="131" name="pt130"/>
             <p:cNvSpPr/>
             <p:nvPr/>
           </p:nvSpPr>
@@ -6746,7 +7391,7 @@
         </p:sp>
         <p:sp>
           <p:nvSpPr>
-            <p:cNvPr id="117" name="pt116"/>
+            <p:cNvPr id="132" name="pt131"/>
             <p:cNvSpPr/>
             <p:nvPr/>
           </p:nvSpPr>
@@ -6781,7 +7426,7 @@
         </p:sp>
         <p:sp>
           <p:nvSpPr>
-            <p:cNvPr id="118" name="pt117"/>
+            <p:cNvPr id="133" name="pt132"/>
             <p:cNvSpPr/>
             <p:nvPr/>
           </p:nvSpPr>
@@ -6816,7 +7461,7 @@
         </p:sp>
         <p:sp>
           <p:nvSpPr>
-            <p:cNvPr id="119" name="pt118"/>
+            <p:cNvPr id="134" name="pt133"/>
             <p:cNvSpPr/>
             <p:nvPr/>
           </p:nvSpPr>
@@ -6851,7 +7496,7 @@
         </p:sp>
         <p:sp>
           <p:nvSpPr>
-            <p:cNvPr id="120" name="pt119"/>
+            <p:cNvPr id="135" name="pt134"/>
             <p:cNvSpPr/>
             <p:nvPr/>
           </p:nvSpPr>
@@ -6886,7 +7531,7 @@
         </p:sp>
         <p:sp>
           <p:nvSpPr>
-            <p:cNvPr id="121" name="pt120"/>
+            <p:cNvPr id="136" name="pt135"/>
             <p:cNvSpPr/>
             <p:nvPr/>
           </p:nvSpPr>
@@ -6921,7 +7566,7 @@
         </p:sp>
         <p:sp>
           <p:nvSpPr>
-            <p:cNvPr id="122" name="pt121"/>
+            <p:cNvPr id="137" name="pt136"/>
             <p:cNvSpPr/>
             <p:nvPr/>
           </p:nvSpPr>
@@ -6956,7 +7601,7 @@
         </p:sp>
         <p:sp>
           <p:nvSpPr>
-            <p:cNvPr id="123" name="pt122"/>
+            <p:cNvPr id="138" name="pt137"/>
             <p:cNvSpPr/>
             <p:nvPr/>
           </p:nvSpPr>
@@ -6991,7 +7636,7 @@
         </p:sp>
         <p:sp>
           <p:nvSpPr>
-            <p:cNvPr id="124" name="pt123"/>
+            <p:cNvPr id="139" name="pt138"/>
             <p:cNvSpPr/>
             <p:nvPr/>
           </p:nvSpPr>
@@ -7026,7 +7671,7 @@
         </p:sp>
         <p:sp>
           <p:nvSpPr>
-            <p:cNvPr id="125" name="pt124"/>
+            <p:cNvPr id="140" name="pt139"/>
             <p:cNvSpPr/>
             <p:nvPr/>
           </p:nvSpPr>
@@ -7061,7 +7706,7 @@
         </p:sp>
         <p:sp>
           <p:nvSpPr>
-            <p:cNvPr id="126" name="pt125"/>
+            <p:cNvPr id="141" name="pt140"/>
             <p:cNvSpPr/>
             <p:nvPr/>
           </p:nvSpPr>
@@ -7096,7 +7741,7 @@
         </p:sp>
         <p:sp>
           <p:nvSpPr>
-            <p:cNvPr id="127" name="pt126"/>
+            <p:cNvPr id="142" name="pt141"/>
             <p:cNvSpPr/>
             <p:nvPr/>
           </p:nvSpPr>
@@ -7131,7 +7776,7 @@
         </p:sp>
         <p:sp>
           <p:nvSpPr>
-            <p:cNvPr id="128" name="pt127"/>
+            <p:cNvPr id="143" name="pt142"/>
             <p:cNvSpPr/>
             <p:nvPr/>
           </p:nvSpPr>
@@ -7166,7 +7811,7 @@
         </p:sp>
         <p:sp>
           <p:nvSpPr>
-            <p:cNvPr id="129" name="pt128"/>
+            <p:cNvPr id="144" name="pt143"/>
             <p:cNvSpPr/>
             <p:nvPr/>
           </p:nvSpPr>
@@ -7201,7 +7846,7 @@
         </p:sp>
         <p:sp>
           <p:nvSpPr>
-            <p:cNvPr id="130" name="pt129"/>
+            <p:cNvPr id="145" name="pt144"/>
             <p:cNvSpPr/>
             <p:nvPr/>
           </p:nvSpPr>
@@ -7236,7 +7881,7 @@
         </p:sp>
         <p:sp>
           <p:nvSpPr>
-            <p:cNvPr id="131" name="pt130"/>
+            <p:cNvPr id="146" name="pt145"/>
             <p:cNvSpPr/>
             <p:nvPr/>
           </p:nvSpPr>
@@ -7271,7 +7916,7 @@
         </p:sp>
         <p:sp>
           <p:nvSpPr>
-            <p:cNvPr id="132" name="pt131"/>
+            <p:cNvPr id="147" name="pt146"/>
             <p:cNvSpPr/>
             <p:nvPr/>
           </p:nvSpPr>
@@ -7306,7 +7951,7 @@
         </p:sp>
         <p:sp>
           <p:nvSpPr>
-            <p:cNvPr id="133" name="pt132"/>
+            <p:cNvPr id="148" name="pt147"/>
             <p:cNvSpPr/>
             <p:nvPr/>
           </p:nvSpPr>
@@ -7341,7 +7986,7 @@
         </p:sp>
         <p:sp>
           <p:nvSpPr>
-            <p:cNvPr id="134" name="pt133"/>
+            <p:cNvPr id="149" name="pt148"/>
             <p:cNvSpPr/>
             <p:nvPr/>
           </p:nvSpPr>
@@ -7376,7 +8021,7 @@
         </p:sp>
         <p:sp>
           <p:nvSpPr>
-            <p:cNvPr id="135" name="pt134"/>
+            <p:cNvPr id="150" name="pt149"/>
             <p:cNvSpPr/>
             <p:nvPr/>
           </p:nvSpPr>
@@ -7411,7 +8056,7 @@
         </p:sp>
         <p:sp>
           <p:nvSpPr>
-            <p:cNvPr id="136" name="pt135"/>
+            <p:cNvPr id="151" name="pt150"/>
             <p:cNvSpPr/>
             <p:nvPr/>
           </p:nvSpPr>
@@ -7446,7 +8091,7 @@
         </p:sp>
         <p:sp>
           <p:nvSpPr>
-            <p:cNvPr id="137" name="pt136"/>
+            <p:cNvPr id="152" name="pt151"/>
             <p:cNvSpPr/>
             <p:nvPr/>
           </p:nvSpPr>
@@ -7481,7 +8126,7 @@
         </p:sp>
         <p:sp>
           <p:nvSpPr>
-            <p:cNvPr id="138" name="pt137"/>
+            <p:cNvPr id="153" name="pt152"/>
             <p:cNvSpPr/>
             <p:nvPr/>
           </p:nvSpPr>
@@ -7516,7 +8161,7 @@
         </p:sp>
         <p:sp>
           <p:nvSpPr>
-            <p:cNvPr id="139" name="pt138"/>
+            <p:cNvPr id="154" name="pt153"/>
             <p:cNvSpPr/>
             <p:nvPr/>
           </p:nvSpPr>
@@ -7551,7 +8196,7 @@
         </p:sp>
         <p:sp>
           <p:nvSpPr>
-            <p:cNvPr id="140" name="pt139"/>
+            <p:cNvPr id="155" name="pt154"/>
             <p:cNvSpPr/>
             <p:nvPr/>
           </p:nvSpPr>
@@ -7586,7 +8231,7 @@
         </p:sp>
         <p:sp>
           <p:nvSpPr>
-            <p:cNvPr id="141" name="pt140"/>
+            <p:cNvPr id="156" name="pt155"/>
             <p:cNvSpPr/>
             <p:nvPr/>
           </p:nvSpPr>
@@ -7621,7 +8266,7 @@
         </p:sp>
         <p:sp>
           <p:nvSpPr>
-            <p:cNvPr id="142" name="pt141"/>
+            <p:cNvPr id="157" name="pt156"/>
             <p:cNvSpPr/>
             <p:nvPr/>
           </p:nvSpPr>
@@ -7656,7 +8301,7 @@
         </p:sp>
         <p:sp>
           <p:nvSpPr>
-            <p:cNvPr id="143" name="pt142"/>
+            <p:cNvPr id="158" name="pt157"/>
             <p:cNvSpPr/>
             <p:nvPr/>
           </p:nvSpPr>
@@ -7691,7 +8336,7 @@
         </p:sp>
         <p:sp>
           <p:nvSpPr>
-            <p:cNvPr id="144" name="pt143"/>
+            <p:cNvPr id="159" name="pt158"/>
             <p:cNvSpPr/>
             <p:nvPr/>
           </p:nvSpPr>
@@ -7726,7 +8371,7 @@
         </p:sp>
         <p:sp>
           <p:nvSpPr>
-            <p:cNvPr id="145" name="tx144"/>
+            <p:cNvPr id="160" name="tx159"/>
             <p:cNvSpPr/>
             <p:nvPr/>
           </p:nvSpPr>
@@ -7772,7 +8417,7 @@
         </p:sp>
         <p:sp>
           <p:nvSpPr>
-            <p:cNvPr id="146" name="tx145"/>
+            <p:cNvPr id="161" name="tx160"/>
             <p:cNvSpPr/>
             <p:nvPr/>
           </p:nvSpPr>
@@ -7818,7 +8463,7 @@
         </p:sp>
         <p:sp>
           <p:nvSpPr>
-            <p:cNvPr id="147" name="tx146"/>
+            <p:cNvPr id="162" name="tx161"/>
             <p:cNvSpPr/>
             <p:nvPr/>
           </p:nvSpPr>
@@ -7864,7 +8509,7 @@
         </p:sp>
         <p:sp>
           <p:nvSpPr>
-            <p:cNvPr id="148" name="tx147"/>
+            <p:cNvPr id="163" name="tx162"/>
             <p:cNvSpPr/>
             <p:nvPr/>
           </p:nvSpPr>
@@ -7910,7 +8555,7 @@
         </p:sp>
         <p:sp>
           <p:nvSpPr>
-            <p:cNvPr id="149" name="tx148"/>
+            <p:cNvPr id="164" name="tx163"/>
             <p:cNvSpPr/>
             <p:nvPr/>
           </p:nvSpPr>
@@ -7956,7 +8601,7 @@
         </p:sp>
         <p:sp>
           <p:nvSpPr>
-            <p:cNvPr id="150" name="tx149"/>
+            <p:cNvPr id="165" name="tx164"/>
             <p:cNvSpPr/>
             <p:nvPr/>
           </p:nvSpPr>
@@ -8002,7 +8647,7 @@
         </p:sp>
         <p:sp>
           <p:nvSpPr>
-            <p:cNvPr id="151" name="tx150"/>
+            <p:cNvPr id="166" name="tx165"/>
             <p:cNvSpPr/>
             <p:nvPr/>
           </p:nvSpPr>
@@ -8048,7 +8693,7 @@
         </p:sp>
         <p:sp>
           <p:nvSpPr>
-            <p:cNvPr id="152" name="pl151"/>
+            <p:cNvPr id="167" name="pl166"/>
             <p:cNvSpPr/>
             <p:nvPr/>
           </p:nvSpPr>
@@ -8088,7 +8733,7 @@
         </p:sp>
         <p:sp>
           <p:nvSpPr>
-            <p:cNvPr id="153" name="pl152"/>
+            <p:cNvPr id="168" name="pl167"/>
             <p:cNvSpPr/>
             <p:nvPr/>
           </p:nvSpPr>
@@ -8128,7 +8773,7 @@
         </p:sp>
         <p:sp>
           <p:nvSpPr>
-            <p:cNvPr id="154" name="pl153"/>
+            <p:cNvPr id="169" name="pl168"/>
             <p:cNvSpPr/>
             <p:nvPr/>
           </p:nvSpPr>
@@ -8168,7 +8813,7 @@
         </p:sp>
         <p:sp>
           <p:nvSpPr>
-            <p:cNvPr id="155" name="pl154"/>
+            <p:cNvPr id="170" name="pl169"/>
             <p:cNvSpPr/>
             <p:nvPr/>
           </p:nvSpPr>
@@ -8208,7 +8853,7 @@
         </p:sp>
         <p:sp>
           <p:nvSpPr>
-            <p:cNvPr id="156" name="pl155"/>
+            <p:cNvPr id="171" name="pl170"/>
             <p:cNvSpPr/>
             <p:nvPr/>
           </p:nvSpPr>
@@ -8248,7 +8893,7 @@
         </p:sp>
         <p:sp>
           <p:nvSpPr>
-            <p:cNvPr id="157" name="pl156"/>
+            <p:cNvPr id="172" name="pl171"/>
             <p:cNvSpPr/>
             <p:nvPr/>
           </p:nvSpPr>
@@ -8288,7 +8933,7 @@
         </p:sp>
         <p:sp>
           <p:nvSpPr>
-            <p:cNvPr id="158" name="pl157"/>
+            <p:cNvPr id="173" name="pl172"/>
             <p:cNvSpPr/>
             <p:nvPr/>
           </p:nvSpPr>
@@ -8328,7 +8973,7 @@
         </p:sp>
         <p:sp>
           <p:nvSpPr>
-            <p:cNvPr id="159" name="pl158"/>
+            <p:cNvPr id="174" name="pl173"/>
             <p:cNvSpPr/>
             <p:nvPr/>
           </p:nvSpPr>
@@ -8368,13 +9013,13 @@
         </p:sp>
         <p:sp>
           <p:nvSpPr>
-            <p:cNvPr id="160" name="pl159"/>
-            <p:cNvSpPr/>
-            <p:nvPr/>
-          </p:nvSpPr>
-          <p:spPr>
-            <a:xfrm>
-              <a:off x="2245721" y="4172066"/>
+            <p:cNvPr id="175" name="pl174"/>
+            <p:cNvSpPr/>
+            <p:nvPr/>
+          </p:nvSpPr>
+          <p:spPr>
+            <a:xfrm>
+              <a:off x="1963390" y="4172066"/>
               <a:ext cx="0" cy="34794"/>
             </a:xfrm>
             <a:custGeom>
@@ -8408,13 +9053,13 @@
         </p:sp>
         <p:sp>
           <p:nvSpPr>
-            <p:cNvPr id="161" name="pl160"/>
-            <p:cNvSpPr/>
-            <p:nvPr/>
-          </p:nvSpPr>
-          <p:spPr>
-            <a:xfrm>
-              <a:off x="2810383" y="4172066"/>
+            <p:cNvPr id="176" name="pl175"/>
+            <p:cNvSpPr/>
+            <p:nvPr/>
+          </p:nvSpPr>
+          <p:spPr>
+            <a:xfrm>
+              <a:off x="2245721" y="4172066"/>
               <a:ext cx="0" cy="34794"/>
             </a:xfrm>
             <a:custGeom>
@@ -8448,13 +9093,13 @@
         </p:sp>
         <p:sp>
           <p:nvSpPr>
-            <p:cNvPr id="162" name="pl161"/>
-            <p:cNvSpPr/>
-            <p:nvPr/>
-          </p:nvSpPr>
-          <p:spPr>
-            <a:xfrm>
-              <a:off x="3375045" y="4172066"/>
+            <p:cNvPr id="177" name="pl176"/>
+            <p:cNvSpPr/>
+            <p:nvPr/>
+          </p:nvSpPr>
+          <p:spPr>
+            <a:xfrm>
+              <a:off x="2528052" y="4172066"/>
               <a:ext cx="0" cy="34794"/>
             </a:xfrm>
             <a:custGeom>
@@ -8488,13 +9133,13 @@
         </p:sp>
         <p:sp>
           <p:nvSpPr>
-            <p:cNvPr id="163" name="pl162"/>
-            <p:cNvSpPr/>
-            <p:nvPr/>
-          </p:nvSpPr>
-          <p:spPr>
-            <a:xfrm>
-              <a:off x="3939706" y="4172066"/>
+            <p:cNvPr id="178" name="pl177"/>
+            <p:cNvSpPr/>
+            <p:nvPr/>
+          </p:nvSpPr>
+          <p:spPr>
+            <a:xfrm>
+              <a:off x="2810383" y="4172066"/>
               <a:ext cx="0" cy="34794"/>
             </a:xfrm>
             <a:custGeom>
@@ -8528,13 +9173,13 @@
         </p:sp>
         <p:sp>
           <p:nvSpPr>
-            <p:cNvPr id="164" name="pl163"/>
-            <p:cNvSpPr/>
-            <p:nvPr/>
-          </p:nvSpPr>
-          <p:spPr>
-            <a:xfrm>
-              <a:off x="4504368" y="4172066"/>
+            <p:cNvPr id="179" name="pl178"/>
+            <p:cNvSpPr/>
+            <p:nvPr/>
+          </p:nvSpPr>
+          <p:spPr>
+            <a:xfrm>
+              <a:off x="3092714" y="4172066"/>
               <a:ext cx="0" cy="34794"/>
             </a:xfrm>
             <a:custGeom>
@@ -8568,13 +9213,13 @@
         </p:sp>
         <p:sp>
           <p:nvSpPr>
-            <p:cNvPr id="165" name="pl164"/>
-            <p:cNvSpPr/>
-            <p:nvPr/>
-          </p:nvSpPr>
-          <p:spPr>
-            <a:xfrm>
-              <a:off x="5069030" y="4172066"/>
+            <p:cNvPr id="180" name="pl179"/>
+            <p:cNvSpPr/>
+            <p:nvPr/>
+          </p:nvSpPr>
+          <p:spPr>
+            <a:xfrm>
+              <a:off x="3375045" y="4172066"/>
               <a:ext cx="0" cy="34794"/>
             </a:xfrm>
             <a:custGeom>
@@ -8608,13 +9253,13 @@
         </p:sp>
         <p:sp>
           <p:nvSpPr>
-            <p:cNvPr id="166" name="pl165"/>
-            <p:cNvSpPr/>
-            <p:nvPr/>
-          </p:nvSpPr>
-          <p:spPr>
-            <a:xfrm>
-              <a:off x="5633692" y="4172066"/>
+            <p:cNvPr id="181" name="pl180"/>
+            <p:cNvSpPr/>
+            <p:nvPr/>
+          </p:nvSpPr>
+          <p:spPr>
+            <a:xfrm>
+              <a:off x="3657376" y="4172066"/>
               <a:ext cx="0" cy="34794"/>
             </a:xfrm>
             <a:custGeom>
@@ -8648,7 +9293,287 @@
         </p:sp>
         <p:sp>
           <p:nvSpPr>
-            <p:cNvPr id="167" name="tx166"/>
+            <p:cNvPr id="182" name="pl181"/>
+            <p:cNvSpPr/>
+            <p:nvPr/>
+          </p:nvSpPr>
+          <p:spPr>
+            <a:xfrm>
+              <a:off x="3939706" y="4172066"/>
+              <a:ext cx="0" cy="34794"/>
+            </a:xfrm>
+            <a:custGeom>
+              <a:avLst/>
+              <a:pathLst>
+                <a:path w="0" h="34794">
+                  <a:moveTo>
+                    <a:pt x="0" y="34794"/>
+                  </a:moveTo>
+                  <a:lnTo>
+                    <a:pt x="0" y="0"/>
+                  </a:lnTo>
+                </a:path>
+              </a:pathLst>
+            </a:custGeom>
+            <a:ln w="13550" cap="flat">
+              <a:solidFill>
+                <a:srgbClr val="333333">
+                  <a:alpha val="100000"/>
+                </a:srgbClr>
+              </a:solidFill>
+              <a:prstDash val="solid"/>
+              <a:round/>
+            </a:ln>
+          </p:spPr>
+          <p:txBody>
+            <a:bodyPr/>
+            <a:lstStyle/>
+            <a:p/>
+          </p:txBody>
+        </p:sp>
+        <p:sp>
+          <p:nvSpPr>
+            <p:cNvPr id="183" name="pl182"/>
+            <p:cNvSpPr/>
+            <p:nvPr/>
+          </p:nvSpPr>
+          <p:spPr>
+            <a:xfrm>
+              <a:off x="4222037" y="4172066"/>
+              <a:ext cx="0" cy="34794"/>
+            </a:xfrm>
+            <a:custGeom>
+              <a:avLst/>
+              <a:pathLst>
+                <a:path w="0" h="34794">
+                  <a:moveTo>
+                    <a:pt x="0" y="34794"/>
+                  </a:moveTo>
+                  <a:lnTo>
+                    <a:pt x="0" y="0"/>
+                  </a:lnTo>
+                </a:path>
+              </a:pathLst>
+            </a:custGeom>
+            <a:ln w="13550" cap="flat">
+              <a:solidFill>
+                <a:srgbClr val="333333">
+                  <a:alpha val="100000"/>
+                </a:srgbClr>
+              </a:solidFill>
+              <a:prstDash val="solid"/>
+              <a:round/>
+            </a:ln>
+          </p:spPr>
+          <p:txBody>
+            <a:bodyPr/>
+            <a:lstStyle/>
+            <a:p/>
+          </p:txBody>
+        </p:sp>
+        <p:sp>
+          <p:nvSpPr>
+            <p:cNvPr id="184" name="pl183"/>
+            <p:cNvSpPr/>
+            <p:nvPr/>
+          </p:nvSpPr>
+          <p:spPr>
+            <a:xfrm>
+              <a:off x="4504368" y="4172066"/>
+              <a:ext cx="0" cy="34794"/>
+            </a:xfrm>
+            <a:custGeom>
+              <a:avLst/>
+              <a:pathLst>
+                <a:path w="0" h="34794">
+                  <a:moveTo>
+                    <a:pt x="0" y="34794"/>
+                  </a:moveTo>
+                  <a:lnTo>
+                    <a:pt x="0" y="0"/>
+                  </a:lnTo>
+                </a:path>
+              </a:pathLst>
+            </a:custGeom>
+            <a:ln w="13550" cap="flat">
+              <a:solidFill>
+                <a:srgbClr val="333333">
+                  <a:alpha val="100000"/>
+                </a:srgbClr>
+              </a:solidFill>
+              <a:prstDash val="solid"/>
+              <a:round/>
+            </a:ln>
+          </p:spPr>
+          <p:txBody>
+            <a:bodyPr/>
+            <a:lstStyle/>
+            <a:p/>
+          </p:txBody>
+        </p:sp>
+        <p:sp>
+          <p:nvSpPr>
+            <p:cNvPr id="185" name="pl184"/>
+            <p:cNvSpPr/>
+            <p:nvPr/>
+          </p:nvSpPr>
+          <p:spPr>
+            <a:xfrm>
+              <a:off x="4786699" y="4172066"/>
+              <a:ext cx="0" cy="34794"/>
+            </a:xfrm>
+            <a:custGeom>
+              <a:avLst/>
+              <a:pathLst>
+                <a:path w="0" h="34794">
+                  <a:moveTo>
+                    <a:pt x="0" y="34794"/>
+                  </a:moveTo>
+                  <a:lnTo>
+                    <a:pt x="0" y="0"/>
+                  </a:lnTo>
+                </a:path>
+              </a:pathLst>
+            </a:custGeom>
+            <a:ln w="13550" cap="flat">
+              <a:solidFill>
+                <a:srgbClr val="333333">
+                  <a:alpha val="100000"/>
+                </a:srgbClr>
+              </a:solidFill>
+              <a:prstDash val="solid"/>
+              <a:round/>
+            </a:ln>
+          </p:spPr>
+          <p:txBody>
+            <a:bodyPr/>
+            <a:lstStyle/>
+            <a:p/>
+          </p:txBody>
+        </p:sp>
+        <p:sp>
+          <p:nvSpPr>
+            <p:cNvPr id="186" name="pl185"/>
+            <p:cNvSpPr/>
+            <p:nvPr/>
+          </p:nvSpPr>
+          <p:spPr>
+            <a:xfrm>
+              <a:off x="5069030" y="4172066"/>
+              <a:ext cx="0" cy="34794"/>
+            </a:xfrm>
+            <a:custGeom>
+              <a:avLst/>
+              <a:pathLst>
+                <a:path w="0" h="34794">
+                  <a:moveTo>
+                    <a:pt x="0" y="34794"/>
+                  </a:moveTo>
+                  <a:lnTo>
+                    <a:pt x="0" y="0"/>
+                  </a:lnTo>
+                </a:path>
+              </a:pathLst>
+            </a:custGeom>
+            <a:ln w="13550" cap="flat">
+              <a:solidFill>
+                <a:srgbClr val="333333">
+                  <a:alpha val="100000"/>
+                </a:srgbClr>
+              </a:solidFill>
+              <a:prstDash val="solid"/>
+              <a:round/>
+            </a:ln>
+          </p:spPr>
+          <p:txBody>
+            <a:bodyPr/>
+            <a:lstStyle/>
+            <a:p/>
+          </p:txBody>
+        </p:sp>
+        <p:sp>
+          <p:nvSpPr>
+            <p:cNvPr id="187" name="pl186"/>
+            <p:cNvSpPr/>
+            <p:nvPr/>
+          </p:nvSpPr>
+          <p:spPr>
+            <a:xfrm>
+              <a:off x="5351361" y="4172066"/>
+              <a:ext cx="0" cy="34794"/>
+            </a:xfrm>
+            <a:custGeom>
+              <a:avLst/>
+              <a:pathLst>
+                <a:path w="0" h="34794">
+                  <a:moveTo>
+                    <a:pt x="0" y="34794"/>
+                  </a:moveTo>
+                  <a:lnTo>
+                    <a:pt x="0" y="0"/>
+                  </a:lnTo>
+                </a:path>
+              </a:pathLst>
+            </a:custGeom>
+            <a:ln w="13550" cap="flat">
+              <a:solidFill>
+                <a:srgbClr val="333333">
+                  <a:alpha val="100000"/>
+                </a:srgbClr>
+              </a:solidFill>
+              <a:prstDash val="solid"/>
+              <a:round/>
+            </a:ln>
+          </p:spPr>
+          <p:txBody>
+            <a:bodyPr/>
+            <a:lstStyle/>
+            <a:p/>
+          </p:txBody>
+        </p:sp>
+        <p:sp>
+          <p:nvSpPr>
+            <p:cNvPr id="188" name="pl187"/>
+            <p:cNvSpPr/>
+            <p:nvPr/>
+          </p:nvSpPr>
+          <p:spPr>
+            <a:xfrm>
+              <a:off x="5633692" y="4172066"/>
+              <a:ext cx="0" cy="34794"/>
+            </a:xfrm>
+            <a:custGeom>
+              <a:avLst/>
+              <a:pathLst>
+                <a:path w="0" h="34794">
+                  <a:moveTo>
+                    <a:pt x="0" y="34794"/>
+                  </a:moveTo>
+                  <a:lnTo>
+                    <a:pt x="0" y="0"/>
+                  </a:lnTo>
+                </a:path>
+              </a:pathLst>
+            </a:custGeom>
+            <a:ln w="13550" cap="flat">
+              <a:solidFill>
+                <a:srgbClr val="333333">
+                  <a:alpha val="100000"/>
+                </a:srgbClr>
+              </a:solidFill>
+              <a:prstDash val="solid"/>
+              <a:round/>
+            </a:ln>
+          </p:spPr>
+          <p:txBody>
+            <a:bodyPr/>
+            <a:lstStyle/>
+            <a:p/>
+          </p:txBody>
+        </p:sp>
+        <p:sp>
+          <p:nvSpPr>
+            <p:cNvPr id="189" name="tx188"/>
             <p:cNvSpPr/>
             <p:nvPr/>
           </p:nvSpPr>
@@ -8694,7 +9619,53 @@
         </p:sp>
         <p:sp>
           <p:nvSpPr>
-            <p:cNvPr id="168" name="tx167"/>
+            <p:cNvPr id="190" name="tx189"/>
+            <p:cNvSpPr/>
+            <p:nvPr/>
+          </p:nvSpPr>
+          <p:spPr>
+            <a:xfrm>
+              <a:off x="1932312" y="4234696"/>
+              <a:ext cx="62155" cy="80000"/>
+            </a:xfrm>
+            <a:prstGeom prst="rect">
+              <a:avLst/>
+            </a:prstGeom>
+            <a:noFill/>
+          </p:spPr>
+          <p:txBody>
+            <a:bodyPr lIns="0" rIns="0" tIns="0" bIns="0" anchorCtr="1" anchor="ctr" wrap="none"/>
+            <a:lstStyle/>
+            <a:p>
+              <a:pPr algn="l" marL="0" marR="0" indent="0">
+                <a:lnSpc>
+                  <a:spcPts val="880"/>
+                </a:lnSpc>
+                <a:spcBef>
+                  <a:spcPts val="0"/>
+                </a:spcBef>
+                <a:spcAft>
+                  <a:spcPts val="0"/>
+                </a:spcAft>
+              </a:pPr>
+              <a:r>
+                <a:rPr sz="880">
+                  <a:solidFill>
+                    <a:srgbClr val="4D4D4D">
+                      <a:alpha val="100000"/>
+                    </a:srgbClr>
+                  </a:solidFill>
+                  <a:latin typeface="Arial"/>
+                  <a:cs typeface="Arial"/>
+                </a:rPr>
+                <a:t>4</a:t>
+              </a:r>
+            </a:p>
+          </p:txBody>
+        </p:sp>
+        <p:sp>
+          <p:nvSpPr>
+            <p:cNvPr id="191" name="tx190"/>
             <p:cNvSpPr/>
             <p:nvPr/>
           </p:nvSpPr>
@@ -8740,7 +9711,53 @@
         </p:sp>
         <p:sp>
           <p:nvSpPr>
-            <p:cNvPr id="169" name="tx168"/>
+            <p:cNvPr id="192" name="tx191"/>
+            <p:cNvSpPr/>
+            <p:nvPr/>
+          </p:nvSpPr>
+          <p:spPr>
+            <a:xfrm>
+              <a:off x="2465896" y="4234369"/>
+              <a:ext cx="124311" cy="80327"/>
+            </a:xfrm>
+            <a:prstGeom prst="rect">
+              <a:avLst/>
+            </a:prstGeom>
+            <a:noFill/>
+          </p:spPr>
+          <p:txBody>
+            <a:bodyPr lIns="0" rIns="0" tIns="0" bIns="0" anchorCtr="1" anchor="ctr" wrap="none"/>
+            <a:lstStyle/>
+            <a:p>
+              <a:pPr algn="l" marL="0" marR="0" indent="0">
+                <a:lnSpc>
+                  <a:spcPts val="880"/>
+                </a:lnSpc>
+                <a:spcBef>
+                  <a:spcPts val="0"/>
+                </a:spcBef>
+                <a:spcAft>
+                  <a:spcPts val="0"/>
+                </a:spcAft>
+              </a:pPr>
+              <a:r>
+                <a:rPr sz="880">
+                  <a:solidFill>
+                    <a:srgbClr val="4D4D4D">
+                      <a:alpha val="100000"/>
+                    </a:srgbClr>
+                  </a:solidFill>
+                  <a:latin typeface="Arial"/>
+                  <a:cs typeface="Arial"/>
+                </a:rPr>
+                <a:t>12</a:t>
+              </a:r>
+            </a:p>
+          </p:txBody>
+        </p:sp>
+        <p:sp>
+          <p:nvSpPr>
+            <p:cNvPr id="193" name="tx192"/>
             <p:cNvSpPr/>
             <p:nvPr/>
           </p:nvSpPr>
@@ -8786,7 +9803,53 @@
         </p:sp>
         <p:sp>
           <p:nvSpPr>
-            <p:cNvPr id="170" name="tx169"/>
+            <p:cNvPr id="194" name="tx193"/>
+            <p:cNvSpPr/>
+            <p:nvPr/>
+          </p:nvSpPr>
+          <p:spPr>
+            <a:xfrm>
+              <a:off x="3030558" y="4233005"/>
+              <a:ext cx="124311" cy="81691"/>
+            </a:xfrm>
+            <a:prstGeom prst="rect">
+              <a:avLst/>
+            </a:prstGeom>
+            <a:noFill/>
+          </p:spPr>
+          <p:txBody>
+            <a:bodyPr lIns="0" rIns="0" tIns="0" bIns="0" anchorCtr="1" anchor="ctr" wrap="none"/>
+            <a:lstStyle/>
+            <a:p>
+              <a:pPr algn="l" marL="0" marR="0" indent="0">
+                <a:lnSpc>
+                  <a:spcPts val="880"/>
+                </a:lnSpc>
+                <a:spcBef>
+                  <a:spcPts val="0"/>
+                </a:spcBef>
+                <a:spcAft>
+                  <a:spcPts val="0"/>
+                </a:spcAft>
+              </a:pPr>
+              <a:r>
+                <a:rPr sz="880">
+                  <a:solidFill>
+                    <a:srgbClr val="4D4D4D">
+                      <a:alpha val="100000"/>
+                    </a:srgbClr>
+                  </a:solidFill>
+                  <a:latin typeface="Arial"/>
+                  <a:cs typeface="Arial"/>
+                </a:rPr>
+                <a:t>20</a:t>
+              </a:r>
+            </a:p>
+          </p:txBody>
+        </p:sp>
+        <p:sp>
+          <p:nvSpPr>
+            <p:cNvPr id="195" name="tx194"/>
             <p:cNvSpPr/>
             <p:nvPr/>
           </p:nvSpPr>
@@ -8832,7 +9895,53 @@
         </p:sp>
         <p:sp>
           <p:nvSpPr>
-            <p:cNvPr id="171" name="tx170"/>
+            <p:cNvPr id="196" name="tx195"/>
+            <p:cNvSpPr/>
+            <p:nvPr/>
+          </p:nvSpPr>
+          <p:spPr>
+            <a:xfrm>
+              <a:off x="3595220" y="4233005"/>
+              <a:ext cx="124311" cy="81691"/>
+            </a:xfrm>
+            <a:prstGeom prst="rect">
+              <a:avLst/>
+            </a:prstGeom>
+            <a:noFill/>
+          </p:spPr>
+          <p:txBody>
+            <a:bodyPr lIns="0" rIns="0" tIns="0" bIns="0" anchorCtr="1" anchor="ctr" wrap="none"/>
+            <a:lstStyle/>
+            <a:p>
+              <a:pPr algn="l" marL="0" marR="0" indent="0">
+                <a:lnSpc>
+                  <a:spcPts val="880"/>
+                </a:lnSpc>
+                <a:spcBef>
+                  <a:spcPts val="0"/>
+                </a:spcBef>
+                <a:spcAft>
+                  <a:spcPts val="0"/>
+                </a:spcAft>
+              </a:pPr>
+              <a:r>
+                <a:rPr sz="880">
+                  <a:solidFill>
+                    <a:srgbClr val="4D4D4D">
+                      <a:alpha val="100000"/>
+                    </a:srgbClr>
+                  </a:solidFill>
+                  <a:latin typeface="Arial"/>
+                  <a:cs typeface="Arial"/>
+                </a:rPr>
+                <a:t>28</a:t>
+              </a:r>
+            </a:p>
+          </p:txBody>
+        </p:sp>
+        <p:sp>
+          <p:nvSpPr>
+            <p:cNvPr id="197" name="tx196"/>
             <p:cNvSpPr/>
             <p:nvPr/>
           </p:nvSpPr>
@@ -8878,7 +9987,53 @@
         </p:sp>
         <p:sp>
           <p:nvSpPr>
-            <p:cNvPr id="172" name="tx171"/>
+            <p:cNvPr id="198" name="tx197"/>
+            <p:cNvSpPr/>
+            <p:nvPr/>
+          </p:nvSpPr>
+          <p:spPr>
+            <a:xfrm>
+              <a:off x="4159882" y="4232950"/>
+              <a:ext cx="124311" cy="81746"/>
+            </a:xfrm>
+            <a:prstGeom prst="rect">
+              <a:avLst/>
+            </a:prstGeom>
+            <a:noFill/>
+          </p:spPr>
+          <p:txBody>
+            <a:bodyPr lIns="0" rIns="0" tIns="0" bIns="0" anchorCtr="1" anchor="ctr" wrap="none"/>
+            <a:lstStyle/>
+            <a:p>
+              <a:pPr algn="l" marL="0" marR="0" indent="0">
+                <a:lnSpc>
+                  <a:spcPts val="880"/>
+                </a:lnSpc>
+                <a:spcBef>
+                  <a:spcPts val="0"/>
+                </a:spcBef>
+                <a:spcAft>
+                  <a:spcPts val="0"/>
+                </a:spcAft>
+              </a:pPr>
+              <a:r>
+                <a:rPr sz="880">
+                  <a:solidFill>
+                    <a:srgbClr val="4D4D4D">
+                      <a:alpha val="100000"/>
+                    </a:srgbClr>
+                  </a:solidFill>
+                  <a:latin typeface="Arial"/>
+                  <a:cs typeface="Arial"/>
+                </a:rPr>
+                <a:t>36</a:t>
+              </a:r>
+            </a:p>
+          </p:txBody>
+        </p:sp>
+        <p:sp>
+          <p:nvSpPr>
+            <p:cNvPr id="199" name="tx198"/>
             <p:cNvSpPr/>
             <p:nvPr/>
           </p:nvSpPr>
@@ -8924,7 +10079,53 @@
         </p:sp>
         <p:sp>
           <p:nvSpPr>
-            <p:cNvPr id="173" name="tx172"/>
+            <p:cNvPr id="200" name="tx199"/>
+            <p:cNvSpPr/>
+            <p:nvPr/>
+          </p:nvSpPr>
+          <p:spPr>
+            <a:xfrm>
+              <a:off x="4724544" y="4234696"/>
+              <a:ext cx="124311" cy="80000"/>
+            </a:xfrm>
+            <a:prstGeom prst="rect">
+              <a:avLst/>
+            </a:prstGeom>
+            <a:noFill/>
+          </p:spPr>
+          <p:txBody>
+            <a:bodyPr lIns="0" rIns="0" tIns="0" bIns="0" anchorCtr="1" anchor="ctr" wrap="none"/>
+            <a:lstStyle/>
+            <a:p>
+              <a:pPr algn="l" marL="0" marR="0" indent="0">
+                <a:lnSpc>
+                  <a:spcPts val="880"/>
+                </a:lnSpc>
+                <a:spcBef>
+                  <a:spcPts val="0"/>
+                </a:spcBef>
+                <a:spcAft>
+                  <a:spcPts val="0"/>
+                </a:spcAft>
+              </a:pPr>
+              <a:r>
+                <a:rPr sz="880">
+                  <a:solidFill>
+                    <a:srgbClr val="4D4D4D">
+                      <a:alpha val="100000"/>
+                    </a:srgbClr>
+                  </a:solidFill>
+                  <a:latin typeface="Arial"/>
+                  <a:cs typeface="Arial"/>
+                </a:rPr>
+                <a:t>44</a:t>
+              </a:r>
+            </a:p>
+          </p:txBody>
+        </p:sp>
+        <p:sp>
+          <p:nvSpPr>
+            <p:cNvPr id="201" name="tx200"/>
             <p:cNvSpPr/>
             <p:nvPr/>
           </p:nvSpPr>
@@ -8970,7 +10171,53 @@
         </p:sp>
         <p:sp>
           <p:nvSpPr>
-            <p:cNvPr id="174" name="tx173"/>
+            <p:cNvPr id="202" name="tx201"/>
+            <p:cNvSpPr/>
+            <p:nvPr/>
+          </p:nvSpPr>
+          <p:spPr>
+            <a:xfrm>
+              <a:off x="5289205" y="4233005"/>
+              <a:ext cx="124311" cy="81691"/>
+            </a:xfrm>
+            <a:prstGeom prst="rect">
+              <a:avLst/>
+            </a:prstGeom>
+            <a:noFill/>
+          </p:spPr>
+          <p:txBody>
+            <a:bodyPr lIns="0" rIns="0" tIns="0" bIns="0" anchorCtr="1" anchor="ctr" wrap="none"/>
+            <a:lstStyle/>
+            <a:p>
+              <a:pPr algn="l" marL="0" marR="0" indent="0">
+                <a:lnSpc>
+                  <a:spcPts val="880"/>
+                </a:lnSpc>
+                <a:spcBef>
+                  <a:spcPts val="0"/>
+                </a:spcBef>
+                <a:spcAft>
+                  <a:spcPts val="0"/>
+                </a:spcAft>
+              </a:pPr>
+              <a:r>
+                <a:rPr sz="880">
+                  <a:solidFill>
+                    <a:srgbClr val="4D4D4D">
+                      <a:alpha val="100000"/>
+                    </a:srgbClr>
+                  </a:solidFill>
+                  <a:latin typeface="Arial"/>
+                  <a:cs typeface="Arial"/>
+                </a:rPr>
+                <a:t>52</a:t>
+              </a:r>
+            </a:p>
+          </p:txBody>
+        </p:sp>
+        <p:sp>
+          <p:nvSpPr>
+            <p:cNvPr id="203" name="tx202"/>
             <p:cNvSpPr/>
             <p:nvPr/>
           </p:nvSpPr>
@@ -9016,7 +10263,7 @@
         </p:sp>
         <p:sp>
           <p:nvSpPr>
-            <p:cNvPr id="175" name="tx174"/>
+            <p:cNvPr id="204" name="tx203"/>
             <p:cNvSpPr/>
             <p:nvPr/>
           </p:nvSpPr>
@@ -9062,7 +10309,7 @@
         </p:sp>
         <p:sp>
           <p:nvSpPr>
-            <p:cNvPr id="176" name="tx175"/>
+            <p:cNvPr id="205" name="tx204"/>
             <p:cNvSpPr/>
             <p:nvPr/>
           </p:nvSpPr>
@@ -9108,7 +10355,7 @@
         </p:sp>
         <p:sp>
           <p:nvSpPr>
-            <p:cNvPr id="177" name="rc176"/>
+            <p:cNvPr id="206" name="rc205"/>
             <p:cNvSpPr/>
             <p:nvPr/>
           </p:nvSpPr>
@@ -9134,7 +10381,7 @@
         </p:sp>
         <p:sp>
           <p:nvSpPr>
-            <p:cNvPr id="178" name="tx177"/>
+            <p:cNvPr id="207" name="tx206"/>
             <p:cNvSpPr/>
             <p:nvPr/>
           </p:nvSpPr>
@@ -9180,7 +10427,7 @@
         </p:sp>
         <p:sp>
           <p:nvSpPr>
-            <p:cNvPr id="179" name="rc178"/>
+            <p:cNvPr id="208" name="rc207"/>
             <p:cNvSpPr/>
             <p:nvPr/>
           </p:nvSpPr>
@@ -9206,7 +10453,7 @@
         </p:sp>
         <p:sp>
           <p:nvSpPr>
-            <p:cNvPr id="180" name="pl179"/>
+            <p:cNvPr id="209" name="pl208"/>
             <p:cNvSpPr/>
             <p:nvPr/>
           </p:nvSpPr>
@@ -9246,7 +10493,7 @@
         </p:sp>
         <p:sp>
           <p:nvSpPr>
-            <p:cNvPr id="181" name="pt180"/>
+            <p:cNvPr id="210" name="pt209"/>
             <p:cNvSpPr/>
             <p:nvPr/>
           </p:nvSpPr>
@@ -9281,7 +10528,7 @@
         </p:sp>
         <p:sp>
           <p:nvSpPr>
-            <p:cNvPr id="182" name="rc181"/>
+            <p:cNvPr id="211" name="rc210"/>
             <p:cNvSpPr/>
             <p:nvPr/>
           </p:nvSpPr>
@@ -9307,7 +10554,7 @@
         </p:sp>
         <p:sp>
           <p:nvSpPr>
-            <p:cNvPr id="183" name="pl182"/>
+            <p:cNvPr id="212" name="pl211"/>
             <p:cNvSpPr/>
             <p:nvPr/>
           </p:nvSpPr>
@@ -9347,7 +10594,7 @@
         </p:sp>
         <p:sp>
           <p:nvSpPr>
-            <p:cNvPr id="184" name="pt183"/>
+            <p:cNvPr id="213" name="pt212"/>
             <p:cNvSpPr/>
             <p:nvPr/>
           </p:nvSpPr>
@@ -9382,7 +10629,7 @@
         </p:sp>
         <p:sp>
           <p:nvSpPr>
-            <p:cNvPr id="185" name="rc184"/>
+            <p:cNvPr id="214" name="rc213"/>
             <p:cNvSpPr/>
             <p:nvPr/>
           </p:nvSpPr>
@@ -9408,7 +10655,7 @@
         </p:sp>
         <p:sp>
           <p:nvSpPr>
-            <p:cNvPr id="186" name="pl185"/>
+            <p:cNvPr id="215" name="pl214"/>
             <p:cNvSpPr/>
             <p:nvPr/>
           </p:nvSpPr>
@@ -9448,7 +10695,7 @@
         </p:sp>
         <p:sp>
           <p:nvSpPr>
-            <p:cNvPr id="187" name="pt186"/>
+            <p:cNvPr id="216" name="pt215"/>
             <p:cNvSpPr/>
             <p:nvPr/>
           </p:nvSpPr>
@@ -9483,7 +10730,7 @@
         </p:sp>
         <p:sp>
           <p:nvSpPr>
-            <p:cNvPr id="188" name="rc187"/>
+            <p:cNvPr id="217" name="rc216"/>
             <p:cNvSpPr/>
             <p:nvPr/>
           </p:nvSpPr>
@@ -9509,7 +10756,7 @@
         </p:sp>
         <p:sp>
           <p:nvSpPr>
-            <p:cNvPr id="189" name="pl188"/>
+            <p:cNvPr id="218" name="pl217"/>
             <p:cNvSpPr/>
             <p:nvPr/>
           </p:nvSpPr>
@@ -9549,7 +10796,7 @@
         </p:sp>
         <p:sp>
           <p:nvSpPr>
-            <p:cNvPr id="190" name="pt189"/>
+            <p:cNvPr id="219" name="pt218"/>
             <p:cNvSpPr/>
             <p:nvPr/>
           </p:nvSpPr>
@@ -9584,7 +10831,7 @@
         </p:sp>
         <p:sp>
           <p:nvSpPr>
-            <p:cNvPr id="191" name="tx190"/>
+            <p:cNvPr id="220" name="tx219"/>
             <p:cNvSpPr/>
             <p:nvPr/>
           </p:nvSpPr>
@@ -9630,7 +10877,7 @@
         </p:sp>
         <p:sp>
           <p:nvSpPr>
-            <p:cNvPr id="192" name="tx191"/>
+            <p:cNvPr id="221" name="tx220"/>
             <p:cNvSpPr/>
             <p:nvPr/>
           </p:nvSpPr>
@@ -9676,7 +10923,7 @@
         </p:sp>
         <p:sp>
           <p:nvSpPr>
-            <p:cNvPr id="193" name="tx192"/>
+            <p:cNvPr id="222" name="tx221"/>
             <p:cNvSpPr/>
             <p:nvPr/>
           </p:nvSpPr>
@@ -9722,7 +10969,7 @@
         </p:sp>
         <p:sp>
           <p:nvSpPr>
-            <p:cNvPr id="194" name="tx193"/>
+            <p:cNvPr id="223" name="tx222"/>
             <p:cNvSpPr/>
             <p:nvPr/>
           </p:nvSpPr>

--- a/vignettes/ONDA_XX-Hazard-Curve.pptx
+++ b/vignettes/ONDA_XX-Hazard-Curve.pptx
@@ -2660,7 +2660,7 @@
           </p:nvSpPr>
           <p:spPr>
             <a:xfrm>
-              <a:off x="1539894" y="983989"/>
+              <a:off x="1504602" y="983989"/>
               <a:ext cx="0" cy="3188077"/>
             </a:xfrm>
             <a:custGeom>
@@ -2703,7 +2703,7 @@
           </p:nvSpPr>
           <p:spPr>
             <a:xfrm>
-              <a:off x="1822225" y="983989"/>
+              <a:off x="1857516" y="983989"/>
               <a:ext cx="0" cy="3188077"/>
             </a:xfrm>
             <a:custGeom>
@@ -2746,7 +2746,7 @@
           </p:nvSpPr>
           <p:spPr>
             <a:xfrm>
-              <a:off x="2104556" y="983989"/>
+              <a:off x="2210430" y="983989"/>
               <a:ext cx="0" cy="3188077"/>
             </a:xfrm>
             <a:custGeom>
@@ -2789,7 +2789,7 @@
           </p:nvSpPr>
           <p:spPr>
             <a:xfrm>
-              <a:off x="2386887" y="983989"/>
+              <a:off x="2563343" y="983989"/>
               <a:ext cx="0" cy="3188077"/>
             </a:xfrm>
             <a:custGeom>
@@ -2832,7 +2832,7 @@
           </p:nvSpPr>
           <p:spPr>
             <a:xfrm>
-              <a:off x="2669217" y="983989"/>
+              <a:off x="2916257" y="983989"/>
               <a:ext cx="0" cy="3188077"/>
             </a:xfrm>
             <a:custGeom>
@@ -2875,7 +2875,7 @@
           </p:nvSpPr>
           <p:spPr>
             <a:xfrm>
-              <a:off x="2951548" y="983989"/>
+              <a:off x="3269171" y="983989"/>
               <a:ext cx="0" cy="3188077"/>
             </a:xfrm>
             <a:custGeom>
@@ -2918,7 +2918,7 @@
           </p:nvSpPr>
           <p:spPr>
             <a:xfrm>
-              <a:off x="3233879" y="983989"/>
+              <a:off x="3622084" y="983989"/>
               <a:ext cx="0" cy="3188077"/>
             </a:xfrm>
             <a:custGeom>
@@ -2961,7 +2961,7 @@
           </p:nvSpPr>
           <p:spPr>
             <a:xfrm>
-              <a:off x="3516210" y="983989"/>
+              <a:off x="3974998" y="983989"/>
               <a:ext cx="0" cy="3188077"/>
             </a:xfrm>
             <a:custGeom>
@@ -3004,7 +3004,7 @@
           </p:nvSpPr>
           <p:spPr>
             <a:xfrm>
-              <a:off x="3798541" y="983989"/>
+              <a:off x="4327911" y="983989"/>
               <a:ext cx="0" cy="3188077"/>
             </a:xfrm>
             <a:custGeom>
@@ -3047,7 +3047,7 @@
           </p:nvSpPr>
           <p:spPr>
             <a:xfrm>
-              <a:off x="4080872" y="983989"/>
+              <a:off x="4680825" y="983989"/>
               <a:ext cx="0" cy="3188077"/>
             </a:xfrm>
             <a:custGeom>
@@ -3090,7 +3090,7 @@
           </p:nvSpPr>
           <p:spPr>
             <a:xfrm>
-              <a:off x="4363203" y="983989"/>
+              <a:off x="5033739" y="983989"/>
               <a:ext cx="0" cy="3188077"/>
             </a:xfrm>
             <a:custGeom>
@@ -3133,7 +3133,7 @@
           </p:nvSpPr>
           <p:spPr>
             <a:xfrm>
-              <a:off x="4645534" y="983989"/>
+              <a:off x="5386652" y="983989"/>
               <a:ext cx="0" cy="3188077"/>
             </a:xfrm>
             <a:custGeom>
@@ -3176,7 +3176,308 @@
           </p:nvSpPr>
           <p:spPr>
             <a:xfrm>
-              <a:off x="4927865" y="983989"/>
+              <a:off x="1490486" y="4040699"/>
+              <a:ext cx="4192613" cy="0"/>
+            </a:xfrm>
+            <a:custGeom>
+              <a:avLst/>
+              <a:pathLst>
+                <a:path w="4192613" h="0">
+                  <a:moveTo>
+                    <a:pt x="0" y="0"/>
+                  </a:moveTo>
+                  <a:lnTo>
+                    <a:pt x="4192613" y="0"/>
+                  </a:lnTo>
+                  <a:lnTo>
+                    <a:pt x="4192613" y="0"/>
+                  </a:lnTo>
+                </a:path>
+              </a:pathLst>
+            </a:custGeom>
+            <a:ln w="13550" cap="flat">
+              <a:solidFill>
+                <a:srgbClr val="FFFFFF">
+                  <a:alpha val="100000"/>
+                </a:srgbClr>
+              </a:solidFill>
+              <a:prstDash val="solid"/>
+              <a:round/>
+            </a:ln>
+          </p:spPr>
+          <p:txBody>
+            <a:bodyPr/>
+            <a:lstStyle/>
+            <a:p/>
+          </p:txBody>
+        </p:sp>
+        <p:sp>
+          <p:nvSpPr>
+            <p:cNvPr id="27" name="pl26"/>
+            <p:cNvSpPr/>
+            <p:nvPr/>
+          </p:nvSpPr>
+          <p:spPr>
+            <a:xfrm>
+              <a:off x="1490486" y="3583871"/>
+              <a:ext cx="4192613" cy="0"/>
+            </a:xfrm>
+            <a:custGeom>
+              <a:avLst/>
+              <a:pathLst>
+                <a:path w="4192613" h="0">
+                  <a:moveTo>
+                    <a:pt x="0" y="0"/>
+                  </a:moveTo>
+                  <a:lnTo>
+                    <a:pt x="4192613" y="0"/>
+                  </a:lnTo>
+                  <a:lnTo>
+                    <a:pt x="4192613" y="0"/>
+                  </a:lnTo>
+                </a:path>
+              </a:pathLst>
+            </a:custGeom>
+            <a:ln w="13550" cap="flat">
+              <a:solidFill>
+                <a:srgbClr val="FFFFFF">
+                  <a:alpha val="100000"/>
+                </a:srgbClr>
+              </a:solidFill>
+              <a:prstDash val="solid"/>
+              <a:round/>
+            </a:ln>
+          </p:spPr>
+          <p:txBody>
+            <a:bodyPr/>
+            <a:lstStyle/>
+            <a:p/>
+          </p:txBody>
+        </p:sp>
+        <p:sp>
+          <p:nvSpPr>
+            <p:cNvPr id="28" name="pl27"/>
+            <p:cNvSpPr/>
+            <p:nvPr/>
+          </p:nvSpPr>
+          <p:spPr>
+            <a:xfrm>
+              <a:off x="1490486" y="3127044"/>
+              <a:ext cx="4192613" cy="0"/>
+            </a:xfrm>
+            <a:custGeom>
+              <a:avLst/>
+              <a:pathLst>
+                <a:path w="4192613" h="0">
+                  <a:moveTo>
+                    <a:pt x="0" y="0"/>
+                  </a:moveTo>
+                  <a:lnTo>
+                    <a:pt x="4192613" y="0"/>
+                  </a:lnTo>
+                  <a:lnTo>
+                    <a:pt x="4192613" y="0"/>
+                  </a:lnTo>
+                </a:path>
+              </a:pathLst>
+            </a:custGeom>
+            <a:ln w="13550" cap="flat">
+              <a:solidFill>
+                <a:srgbClr val="FFFFFF">
+                  <a:alpha val="100000"/>
+                </a:srgbClr>
+              </a:solidFill>
+              <a:prstDash val="solid"/>
+              <a:round/>
+            </a:ln>
+          </p:spPr>
+          <p:txBody>
+            <a:bodyPr/>
+            <a:lstStyle/>
+            <a:p/>
+          </p:txBody>
+        </p:sp>
+        <p:sp>
+          <p:nvSpPr>
+            <p:cNvPr id="29" name="pl28"/>
+            <p:cNvSpPr/>
+            <p:nvPr/>
+          </p:nvSpPr>
+          <p:spPr>
+            <a:xfrm>
+              <a:off x="1490486" y="2670217"/>
+              <a:ext cx="4192613" cy="0"/>
+            </a:xfrm>
+            <a:custGeom>
+              <a:avLst/>
+              <a:pathLst>
+                <a:path w="4192613" h="0">
+                  <a:moveTo>
+                    <a:pt x="0" y="0"/>
+                  </a:moveTo>
+                  <a:lnTo>
+                    <a:pt x="4192613" y="0"/>
+                  </a:lnTo>
+                  <a:lnTo>
+                    <a:pt x="4192613" y="0"/>
+                  </a:lnTo>
+                </a:path>
+              </a:pathLst>
+            </a:custGeom>
+            <a:ln w="13550" cap="flat">
+              <a:solidFill>
+                <a:srgbClr val="FFFFFF">
+                  <a:alpha val="100000"/>
+                </a:srgbClr>
+              </a:solidFill>
+              <a:prstDash val="solid"/>
+              <a:round/>
+            </a:ln>
+          </p:spPr>
+          <p:txBody>
+            <a:bodyPr/>
+            <a:lstStyle/>
+            <a:p/>
+          </p:txBody>
+        </p:sp>
+        <p:sp>
+          <p:nvSpPr>
+            <p:cNvPr id="30" name="pl29"/>
+            <p:cNvSpPr/>
+            <p:nvPr/>
+          </p:nvSpPr>
+          <p:spPr>
+            <a:xfrm>
+              <a:off x="1490486" y="2213389"/>
+              <a:ext cx="4192613" cy="0"/>
+            </a:xfrm>
+            <a:custGeom>
+              <a:avLst/>
+              <a:pathLst>
+                <a:path w="4192613" h="0">
+                  <a:moveTo>
+                    <a:pt x="0" y="0"/>
+                  </a:moveTo>
+                  <a:lnTo>
+                    <a:pt x="4192613" y="0"/>
+                  </a:lnTo>
+                  <a:lnTo>
+                    <a:pt x="4192613" y="0"/>
+                  </a:lnTo>
+                </a:path>
+              </a:pathLst>
+            </a:custGeom>
+            <a:ln w="13550" cap="flat">
+              <a:solidFill>
+                <a:srgbClr val="FFFFFF">
+                  <a:alpha val="100000"/>
+                </a:srgbClr>
+              </a:solidFill>
+              <a:prstDash val="solid"/>
+              <a:round/>
+            </a:ln>
+          </p:spPr>
+          <p:txBody>
+            <a:bodyPr/>
+            <a:lstStyle/>
+            <a:p/>
+          </p:txBody>
+        </p:sp>
+        <p:sp>
+          <p:nvSpPr>
+            <p:cNvPr id="31" name="pl30"/>
+            <p:cNvSpPr/>
+            <p:nvPr/>
+          </p:nvSpPr>
+          <p:spPr>
+            <a:xfrm>
+              <a:off x="1490486" y="1756562"/>
+              <a:ext cx="4192613" cy="0"/>
+            </a:xfrm>
+            <a:custGeom>
+              <a:avLst/>
+              <a:pathLst>
+                <a:path w="4192613" h="0">
+                  <a:moveTo>
+                    <a:pt x="0" y="0"/>
+                  </a:moveTo>
+                  <a:lnTo>
+                    <a:pt x="4192613" y="0"/>
+                  </a:lnTo>
+                  <a:lnTo>
+                    <a:pt x="4192613" y="0"/>
+                  </a:lnTo>
+                </a:path>
+              </a:pathLst>
+            </a:custGeom>
+            <a:ln w="13550" cap="flat">
+              <a:solidFill>
+                <a:srgbClr val="FFFFFF">
+                  <a:alpha val="100000"/>
+                </a:srgbClr>
+              </a:solidFill>
+              <a:prstDash val="solid"/>
+              <a:round/>
+            </a:ln>
+          </p:spPr>
+          <p:txBody>
+            <a:bodyPr/>
+            <a:lstStyle/>
+            <a:p/>
+          </p:txBody>
+        </p:sp>
+        <p:sp>
+          <p:nvSpPr>
+            <p:cNvPr id="32" name="pl31"/>
+            <p:cNvSpPr/>
+            <p:nvPr/>
+          </p:nvSpPr>
+          <p:spPr>
+            <a:xfrm>
+              <a:off x="1490486" y="1299735"/>
+              <a:ext cx="4192613" cy="0"/>
+            </a:xfrm>
+            <a:custGeom>
+              <a:avLst/>
+              <a:pathLst>
+                <a:path w="4192613" h="0">
+                  <a:moveTo>
+                    <a:pt x="0" y="0"/>
+                  </a:moveTo>
+                  <a:lnTo>
+                    <a:pt x="4192613" y="0"/>
+                  </a:lnTo>
+                  <a:lnTo>
+                    <a:pt x="4192613" y="0"/>
+                  </a:lnTo>
+                </a:path>
+              </a:pathLst>
+            </a:custGeom>
+            <a:ln w="13550" cap="flat">
+              <a:solidFill>
+                <a:srgbClr val="FFFFFF">
+                  <a:alpha val="100000"/>
+                </a:srgbClr>
+              </a:solidFill>
+              <a:prstDash val="solid"/>
+              <a:round/>
+            </a:ln>
+          </p:spPr>
+          <p:txBody>
+            <a:bodyPr/>
+            <a:lstStyle/>
+            <a:p/>
+          </p:txBody>
+        </p:sp>
+        <p:sp>
+          <p:nvSpPr>
+            <p:cNvPr id="33" name="pl32"/>
+            <p:cNvSpPr/>
+            <p:nvPr/>
+          </p:nvSpPr>
+          <p:spPr>
+            <a:xfrm>
+              <a:off x="1681059" y="983989"/>
               <a:ext cx="0" cy="3188077"/>
             </a:xfrm>
             <a:custGeom>
@@ -3195,7 +3496,7 @@
                 </a:path>
               </a:pathLst>
             </a:custGeom>
-            <a:ln w="6775" cap="flat">
+            <a:ln w="13550" cap="flat">
               <a:solidFill>
                 <a:srgbClr val="FFFFFF">
                   <a:alpha val="100000"/>
@@ -3213,13 +3514,13 @@
         </p:sp>
         <p:sp>
           <p:nvSpPr>
-            <p:cNvPr id="27" name="pl26"/>
-            <p:cNvSpPr/>
-            <p:nvPr/>
-          </p:nvSpPr>
-          <p:spPr>
-            <a:xfrm>
-              <a:off x="5210196" y="983989"/>
+            <p:cNvPr id="34" name="pl33"/>
+            <p:cNvSpPr/>
+            <p:nvPr/>
+          </p:nvSpPr>
+          <p:spPr>
+            <a:xfrm>
+              <a:off x="2033973" y="983989"/>
               <a:ext cx="0" cy="3188077"/>
             </a:xfrm>
             <a:custGeom>
@@ -3238,7 +3539,7 @@
                 </a:path>
               </a:pathLst>
             </a:custGeom>
-            <a:ln w="6775" cap="flat">
+            <a:ln w="13550" cap="flat">
               <a:solidFill>
                 <a:srgbClr val="FFFFFF">
                   <a:alpha val="100000"/>
@@ -3256,13 +3557,13 @@
         </p:sp>
         <p:sp>
           <p:nvSpPr>
-            <p:cNvPr id="28" name="pl27"/>
-            <p:cNvSpPr/>
-            <p:nvPr/>
-          </p:nvSpPr>
-          <p:spPr>
-            <a:xfrm>
-              <a:off x="5492526" y="983989"/>
+            <p:cNvPr id="35" name="pl34"/>
+            <p:cNvSpPr/>
+            <p:nvPr/>
+          </p:nvSpPr>
+          <p:spPr>
+            <a:xfrm>
+              <a:off x="2386887" y="983989"/>
               <a:ext cx="0" cy="3188077"/>
             </a:xfrm>
             <a:custGeom>
@@ -3281,7 +3582,7 @@
                 </a:path>
               </a:pathLst>
             </a:custGeom>
-            <a:ln w="6775" cap="flat">
+            <a:ln w="13550" cap="flat">
               <a:solidFill>
                 <a:srgbClr val="FFFFFF">
                   <a:alpha val="100000"/>
@@ -3299,314 +3600,13 @@
         </p:sp>
         <p:sp>
           <p:nvSpPr>
-            <p:cNvPr id="29" name="pl28"/>
-            <p:cNvSpPr/>
-            <p:nvPr/>
-          </p:nvSpPr>
-          <p:spPr>
-            <a:xfrm>
-              <a:off x="1490486" y="4040699"/>
-              <a:ext cx="4192613" cy="0"/>
-            </a:xfrm>
-            <a:custGeom>
-              <a:avLst/>
-              <a:pathLst>
-                <a:path w="4192613" h="0">
-                  <a:moveTo>
-                    <a:pt x="0" y="0"/>
-                  </a:moveTo>
-                  <a:lnTo>
-                    <a:pt x="4192613" y="0"/>
-                  </a:lnTo>
-                  <a:lnTo>
-                    <a:pt x="4192613" y="0"/>
-                  </a:lnTo>
-                </a:path>
-              </a:pathLst>
-            </a:custGeom>
-            <a:ln w="13550" cap="flat">
-              <a:solidFill>
-                <a:srgbClr val="FFFFFF">
-                  <a:alpha val="100000"/>
-                </a:srgbClr>
-              </a:solidFill>
-              <a:prstDash val="solid"/>
-              <a:round/>
-            </a:ln>
-          </p:spPr>
-          <p:txBody>
-            <a:bodyPr/>
-            <a:lstStyle/>
-            <a:p/>
-          </p:txBody>
-        </p:sp>
-        <p:sp>
-          <p:nvSpPr>
-            <p:cNvPr id="30" name="pl29"/>
-            <p:cNvSpPr/>
-            <p:nvPr/>
-          </p:nvSpPr>
-          <p:spPr>
-            <a:xfrm>
-              <a:off x="1490486" y="3583871"/>
-              <a:ext cx="4192613" cy="0"/>
-            </a:xfrm>
-            <a:custGeom>
-              <a:avLst/>
-              <a:pathLst>
-                <a:path w="4192613" h="0">
-                  <a:moveTo>
-                    <a:pt x="0" y="0"/>
-                  </a:moveTo>
-                  <a:lnTo>
-                    <a:pt x="4192613" y="0"/>
-                  </a:lnTo>
-                  <a:lnTo>
-                    <a:pt x="4192613" y="0"/>
-                  </a:lnTo>
-                </a:path>
-              </a:pathLst>
-            </a:custGeom>
-            <a:ln w="13550" cap="flat">
-              <a:solidFill>
-                <a:srgbClr val="FFFFFF">
-                  <a:alpha val="100000"/>
-                </a:srgbClr>
-              </a:solidFill>
-              <a:prstDash val="solid"/>
-              <a:round/>
-            </a:ln>
-          </p:spPr>
-          <p:txBody>
-            <a:bodyPr/>
-            <a:lstStyle/>
-            <a:p/>
-          </p:txBody>
-        </p:sp>
-        <p:sp>
-          <p:nvSpPr>
-            <p:cNvPr id="31" name="pl30"/>
-            <p:cNvSpPr/>
-            <p:nvPr/>
-          </p:nvSpPr>
-          <p:spPr>
-            <a:xfrm>
-              <a:off x="1490486" y="3127044"/>
-              <a:ext cx="4192613" cy="0"/>
-            </a:xfrm>
-            <a:custGeom>
-              <a:avLst/>
-              <a:pathLst>
-                <a:path w="4192613" h="0">
-                  <a:moveTo>
-                    <a:pt x="0" y="0"/>
-                  </a:moveTo>
-                  <a:lnTo>
-                    <a:pt x="4192613" y="0"/>
-                  </a:lnTo>
-                  <a:lnTo>
-                    <a:pt x="4192613" y="0"/>
-                  </a:lnTo>
-                </a:path>
-              </a:pathLst>
-            </a:custGeom>
-            <a:ln w="13550" cap="flat">
-              <a:solidFill>
-                <a:srgbClr val="FFFFFF">
-                  <a:alpha val="100000"/>
-                </a:srgbClr>
-              </a:solidFill>
-              <a:prstDash val="solid"/>
-              <a:round/>
-            </a:ln>
-          </p:spPr>
-          <p:txBody>
-            <a:bodyPr/>
-            <a:lstStyle/>
-            <a:p/>
-          </p:txBody>
-        </p:sp>
-        <p:sp>
-          <p:nvSpPr>
-            <p:cNvPr id="32" name="pl31"/>
-            <p:cNvSpPr/>
-            <p:nvPr/>
-          </p:nvSpPr>
-          <p:spPr>
-            <a:xfrm>
-              <a:off x="1490486" y="2670217"/>
-              <a:ext cx="4192613" cy="0"/>
-            </a:xfrm>
-            <a:custGeom>
-              <a:avLst/>
-              <a:pathLst>
-                <a:path w="4192613" h="0">
-                  <a:moveTo>
-                    <a:pt x="0" y="0"/>
-                  </a:moveTo>
-                  <a:lnTo>
-                    <a:pt x="4192613" y="0"/>
-                  </a:lnTo>
-                  <a:lnTo>
-                    <a:pt x="4192613" y="0"/>
-                  </a:lnTo>
-                </a:path>
-              </a:pathLst>
-            </a:custGeom>
-            <a:ln w="13550" cap="flat">
-              <a:solidFill>
-                <a:srgbClr val="FFFFFF">
-                  <a:alpha val="100000"/>
-                </a:srgbClr>
-              </a:solidFill>
-              <a:prstDash val="solid"/>
-              <a:round/>
-            </a:ln>
-          </p:spPr>
-          <p:txBody>
-            <a:bodyPr/>
-            <a:lstStyle/>
-            <a:p/>
-          </p:txBody>
-        </p:sp>
-        <p:sp>
-          <p:nvSpPr>
-            <p:cNvPr id="33" name="pl32"/>
-            <p:cNvSpPr/>
-            <p:nvPr/>
-          </p:nvSpPr>
-          <p:spPr>
-            <a:xfrm>
-              <a:off x="1490486" y="2213389"/>
-              <a:ext cx="4192613" cy="0"/>
-            </a:xfrm>
-            <a:custGeom>
-              <a:avLst/>
-              <a:pathLst>
-                <a:path w="4192613" h="0">
-                  <a:moveTo>
-                    <a:pt x="0" y="0"/>
-                  </a:moveTo>
-                  <a:lnTo>
-                    <a:pt x="4192613" y="0"/>
-                  </a:lnTo>
-                  <a:lnTo>
-                    <a:pt x="4192613" y="0"/>
-                  </a:lnTo>
-                </a:path>
-              </a:pathLst>
-            </a:custGeom>
-            <a:ln w="13550" cap="flat">
-              <a:solidFill>
-                <a:srgbClr val="FFFFFF">
-                  <a:alpha val="100000"/>
-                </a:srgbClr>
-              </a:solidFill>
-              <a:prstDash val="solid"/>
-              <a:round/>
-            </a:ln>
-          </p:spPr>
-          <p:txBody>
-            <a:bodyPr/>
-            <a:lstStyle/>
-            <a:p/>
-          </p:txBody>
-        </p:sp>
-        <p:sp>
-          <p:nvSpPr>
-            <p:cNvPr id="34" name="pl33"/>
-            <p:cNvSpPr/>
-            <p:nvPr/>
-          </p:nvSpPr>
-          <p:spPr>
-            <a:xfrm>
-              <a:off x="1490486" y="1756562"/>
-              <a:ext cx="4192613" cy="0"/>
-            </a:xfrm>
-            <a:custGeom>
-              <a:avLst/>
-              <a:pathLst>
-                <a:path w="4192613" h="0">
-                  <a:moveTo>
-                    <a:pt x="0" y="0"/>
-                  </a:moveTo>
-                  <a:lnTo>
-                    <a:pt x="4192613" y="0"/>
-                  </a:lnTo>
-                  <a:lnTo>
-                    <a:pt x="4192613" y="0"/>
-                  </a:lnTo>
-                </a:path>
-              </a:pathLst>
-            </a:custGeom>
-            <a:ln w="13550" cap="flat">
-              <a:solidFill>
-                <a:srgbClr val="FFFFFF">
-                  <a:alpha val="100000"/>
-                </a:srgbClr>
-              </a:solidFill>
-              <a:prstDash val="solid"/>
-              <a:round/>
-            </a:ln>
-          </p:spPr>
-          <p:txBody>
-            <a:bodyPr/>
-            <a:lstStyle/>
-            <a:p/>
-          </p:txBody>
-        </p:sp>
-        <p:sp>
-          <p:nvSpPr>
-            <p:cNvPr id="35" name="pl34"/>
-            <p:cNvSpPr/>
-            <p:nvPr/>
-          </p:nvSpPr>
-          <p:spPr>
-            <a:xfrm>
-              <a:off x="1490486" y="1299735"/>
-              <a:ext cx="4192613" cy="0"/>
-            </a:xfrm>
-            <a:custGeom>
-              <a:avLst/>
-              <a:pathLst>
-                <a:path w="4192613" h="0">
-                  <a:moveTo>
-                    <a:pt x="0" y="0"/>
-                  </a:moveTo>
-                  <a:lnTo>
-                    <a:pt x="4192613" y="0"/>
-                  </a:lnTo>
-                  <a:lnTo>
-                    <a:pt x="4192613" y="0"/>
-                  </a:lnTo>
-                </a:path>
-              </a:pathLst>
-            </a:custGeom>
-            <a:ln w="13550" cap="flat">
-              <a:solidFill>
-                <a:srgbClr val="FFFFFF">
-                  <a:alpha val="100000"/>
-                </a:srgbClr>
-              </a:solidFill>
-              <a:prstDash val="solid"/>
-              <a:round/>
-            </a:ln>
-          </p:spPr>
-          <p:txBody>
-            <a:bodyPr/>
-            <a:lstStyle/>
-            <a:p/>
-          </p:txBody>
-        </p:sp>
-        <p:sp>
-          <p:nvSpPr>
             <p:cNvPr id="36" name="pl35"/>
             <p:cNvSpPr/>
             <p:nvPr/>
           </p:nvSpPr>
           <p:spPr>
             <a:xfrm>
-              <a:off x="1681059" y="983989"/>
+              <a:off x="2739800" y="983989"/>
               <a:ext cx="0" cy="3188077"/>
             </a:xfrm>
             <a:custGeom>
@@ -3649,7 +3649,7 @@
           </p:nvSpPr>
           <p:spPr>
             <a:xfrm>
-              <a:off x="1963390" y="983989"/>
+              <a:off x="3092714" y="983989"/>
               <a:ext cx="0" cy="3188077"/>
             </a:xfrm>
             <a:custGeom>
@@ -3692,7 +3692,7 @@
           </p:nvSpPr>
           <p:spPr>
             <a:xfrm>
-              <a:off x="2245721" y="983989"/>
+              <a:off x="3445627" y="983989"/>
               <a:ext cx="0" cy="3188077"/>
             </a:xfrm>
             <a:custGeom>
@@ -3735,7 +3735,7 @@
           </p:nvSpPr>
           <p:spPr>
             <a:xfrm>
-              <a:off x="2528052" y="983989"/>
+              <a:off x="3798541" y="983989"/>
               <a:ext cx="0" cy="3188077"/>
             </a:xfrm>
             <a:custGeom>
@@ -3778,7 +3778,7 @@
           </p:nvSpPr>
           <p:spPr>
             <a:xfrm>
-              <a:off x="2810383" y="983989"/>
+              <a:off x="4151455" y="983989"/>
               <a:ext cx="0" cy="3188077"/>
             </a:xfrm>
             <a:custGeom>
@@ -3821,7 +3821,7 @@
           </p:nvSpPr>
           <p:spPr>
             <a:xfrm>
-              <a:off x="3092714" y="983989"/>
+              <a:off x="4504368" y="983989"/>
               <a:ext cx="0" cy="3188077"/>
             </a:xfrm>
             <a:custGeom>
@@ -3864,7 +3864,7 @@
           </p:nvSpPr>
           <p:spPr>
             <a:xfrm>
-              <a:off x="3375045" y="983989"/>
+              <a:off x="4857282" y="983989"/>
               <a:ext cx="0" cy="3188077"/>
             </a:xfrm>
             <a:custGeom>
@@ -3907,7 +3907,7 @@
           </p:nvSpPr>
           <p:spPr>
             <a:xfrm>
-              <a:off x="3657376" y="983989"/>
+              <a:off x="5210196" y="983989"/>
               <a:ext cx="0" cy="3188077"/>
             </a:xfrm>
             <a:custGeom>
@@ -3950,7 +3950,7 @@
           </p:nvSpPr>
           <p:spPr>
             <a:xfrm>
-              <a:off x="3939706" y="983989"/>
+              <a:off x="5563109" y="983989"/>
               <a:ext cx="0" cy="3188077"/>
             </a:xfrm>
             <a:custGeom>
@@ -3993,264 +3993,6 @@
           </p:nvSpPr>
           <p:spPr>
             <a:xfrm>
-              <a:off x="4222037" y="983989"/>
-              <a:ext cx="0" cy="3188077"/>
-            </a:xfrm>
-            <a:custGeom>
-              <a:avLst/>
-              <a:pathLst>
-                <a:path w="0" h="3188077">
-                  <a:moveTo>
-                    <a:pt x="0" y="3188077"/>
-                  </a:moveTo>
-                  <a:lnTo>
-                    <a:pt x="0" y="0"/>
-                  </a:lnTo>
-                  <a:lnTo>
-                    <a:pt x="0" y="0"/>
-                  </a:lnTo>
-                </a:path>
-              </a:pathLst>
-            </a:custGeom>
-            <a:ln w="13550" cap="flat">
-              <a:solidFill>
-                <a:srgbClr val="FFFFFF">
-                  <a:alpha val="100000"/>
-                </a:srgbClr>
-              </a:solidFill>
-              <a:prstDash val="solid"/>
-              <a:round/>
-            </a:ln>
-          </p:spPr>
-          <p:txBody>
-            <a:bodyPr/>
-            <a:lstStyle/>
-            <a:p/>
-          </p:txBody>
-        </p:sp>
-        <p:sp>
-          <p:nvSpPr>
-            <p:cNvPr id="46" name="pl45"/>
-            <p:cNvSpPr/>
-            <p:nvPr/>
-          </p:nvSpPr>
-          <p:spPr>
-            <a:xfrm>
-              <a:off x="4504368" y="983989"/>
-              <a:ext cx="0" cy="3188077"/>
-            </a:xfrm>
-            <a:custGeom>
-              <a:avLst/>
-              <a:pathLst>
-                <a:path w="0" h="3188077">
-                  <a:moveTo>
-                    <a:pt x="0" y="3188077"/>
-                  </a:moveTo>
-                  <a:lnTo>
-                    <a:pt x="0" y="0"/>
-                  </a:lnTo>
-                  <a:lnTo>
-                    <a:pt x="0" y="0"/>
-                  </a:lnTo>
-                </a:path>
-              </a:pathLst>
-            </a:custGeom>
-            <a:ln w="13550" cap="flat">
-              <a:solidFill>
-                <a:srgbClr val="FFFFFF">
-                  <a:alpha val="100000"/>
-                </a:srgbClr>
-              </a:solidFill>
-              <a:prstDash val="solid"/>
-              <a:round/>
-            </a:ln>
-          </p:spPr>
-          <p:txBody>
-            <a:bodyPr/>
-            <a:lstStyle/>
-            <a:p/>
-          </p:txBody>
-        </p:sp>
-        <p:sp>
-          <p:nvSpPr>
-            <p:cNvPr id="47" name="pl46"/>
-            <p:cNvSpPr/>
-            <p:nvPr/>
-          </p:nvSpPr>
-          <p:spPr>
-            <a:xfrm>
-              <a:off x="4786699" y="983989"/>
-              <a:ext cx="0" cy="3188077"/>
-            </a:xfrm>
-            <a:custGeom>
-              <a:avLst/>
-              <a:pathLst>
-                <a:path w="0" h="3188077">
-                  <a:moveTo>
-                    <a:pt x="0" y="3188077"/>
-                  </a:moveTo>
-                  <a:lnTo>
-                    <a:pt x="0" y="0"/>
-                  </a:lnTo>
-                  <a:lnTo>
-                    <a:pt x="0" y="0"/>
-                  </a:lnTo>
-                </a:path>
-              </a:pathLst>
-            </a:custGeom>
-            <a:ln w="13550" cap="flat">
-              <a:solidFill>
-                <a:srgbClr val="FFFFFF">
-                  <a:alpha val="100000"/>
-                </a:srgbClr>
-              </a:solidFill>
-              <a:prstDash val="solid"/>
-              <a:round/>
-            </a:ln>
-          </p:spPr>
-          <p:txBody>
-            <a:bodyPr/>
-            <a:lstStyle/>
-            <a:p/>
-          </p:txBody>
-        </p:sp>
-        <p:sp>
-          <p:nvSpPr>
-            <p:cNvPr id="48" name="pl47"/>
-            <p:cNvSpPr/>
-            <p:nvPr/>
-          </p:nvSpPr>
-          <p:spPr>
-            <a:xfrm>
-              <a:off x="5069030" y="983989"/>
-              <a:ext cx="0" cy="3188077"/>
-            </a:xfrm>
-            <a:custGeom>
-              <a:avLst/>
-              <a:pathLst>
-                <a:path w="0" h="3188077">
-                  <a:moveTo>
-                    <a:pt x="0" y="3188077"/>
-                  </a:moveTo>
-                  <a:lnTo>
-                    <a:pt x="0" y="0"/>
-                  </a:lnTo>
-                  <a:lnTo>
-                    <a:pt x="0" y="0"/>
-                  </a:lnTo>
-                </a:path>
-              </a:pathLst>
-            </a:custGeom>
-            <a:ln w="13550" cap="flat">
-              <a:solidFill>
-                <a:srgbClr val="FFFFFF">
-                  <a:alpha val="100000"/>
-                </a:srgbClr>
-              </a:solidFill>
-              <a:prstDash val="solid"/>
-              <a:round/>
-            </a:ln>
-          </p:spPr>
-          <p:txBody>
-            <a:bodyPr/>
-            <a:lstStyle/>
-            <a:p/>
-          </p:txBody>
-        </p:sp>
-        <p:sp>
-          <p:nvSpPr>
-            <p:cNvPr id="49" name="pl48"/>
-            <p:cNvSpPr/>
-            <p:nvPr/>
-          </p:nvSpPr>
-          <p:spPr>
-            <a:xfrm>
-              <a:off x="5351361" y="983989"/>
-              <a:ext cx="0" cy="3188077"/>
-            </a:xfrm>
-            <a:custGeom>
-              <a:avLst/>
-              <a:pathLst>
-                <a:path w="0" h="3188077">
-                  <a:moveTo>
-                    <a:pt x="0" y="3188077"/>
-                  </a:moveTo>
-                  <a:lnTo>
-                    <a:pt x="0" y="0"/>
-                  </a:lnTo>
-                  <a:lnTo>
-                    <a:pt x="0" y="0"/>
-                  </a:lnTo>
-                </a:path>
-              </a:pathLst>
-            </a:custGeom>
-            <a:ln w="13550" cap="flat">
-              <a:solidFill>
-                <a:srgbClr val="FFFFFF">
-                  <a:alpha val="100000"/>
-                </a:srgbClr>
-              </a:solidFill>
-              <a:prstDash val="solid"/>
-              <a:round/>
-            </a:ln>
-          </p:spPr>
-          <p:txBody>
-            <a:bodyPr/>
-            <a:lstStyle/>
-            <a:p/>
-          </p:txBody>
-        </p:sp>
-        <p:sp>
-          <p:nvSpPr>
-            <p:cNvPr id="50" name="pl49"/>
-            <p:cNvSpPr/>
-            <p:nvPr/>
-          </p:nvSpPr>
-          <p:spPr>
-            <a:xfrm>
-              <a:off x="5633692" y="983989"/>
-              <a:ext cx="0" cy="3188077"/>
-            </a:xfrm>
-            <a:custGeom>
-              <a:avLst/>
-              <a:pathLst>
-                <a:path w="0" h="3188077">
-                  <a:moveTo>
-                    <a:pt x="0" y="3188077"/>
-                  </a:moveTo>
-                  <a:lnTo>
-                    <a:pt x="0" y="0"/>
-                  </a:lnTo>
-                  <a:lnTo>
-                    <a:pt x="0" y="0"/>
-                  </a:lnTo>
-                </a:path>
-              </a:pathLst>
-            </a:custGeom>
-            <a:ln w="13550" cap="flat">
-              <a:solidFill>
-                <a:srgbClr val="FFFFFF">
-                  <a:alpha val="100000"/>
-                </a:srgbClr>
-              </a:solidFill>
-              <a:prstDash val="solid"/>
-              <a:round/>
-            </a:ln>
-          </p:spPr>
-          <p:txBody>
-            <a:bodyPr/>
-            <a:lstStyle/>
-            <a:p/>
-          </p:txBody>
-        </p:sp>
-        <p:sp>
-          <p:nvSpPr>
-            <p:cNvPr id="51" name="pl50"/>
-            <p:cNvSpPr/>
-            <p:nvPr/>
-          </p:nvSpPr>
-          <p:spPr>
-            <a:xfrm>
               <a:off x="2492761" y="1287833"/>
               <a:ext cx="2858600" cy="2738519"/>
             </a:xfrm>
@@ -4354,7 +4096,7 @@
         </p:sp>
         <p:sp>
           <p:nvSpPr>
-            <p:cNvPr id="52" name="pl51"/>
+            <p:cNvPr id="46" name="pl45"/>
             <p:cNvSpPr/>
             <p:nvPr/>
           </p:nvSpPr>
@@ -4472,7 +4214,7 @@
         </p:sp>
         <p:sp>
           <p:nvSpPr>
-            <p:cNvPr id="53" name="pl52"/>
+            <p:cNvPr id="47" name="pl46"/>
             <p:cNvSpPr/>
             <p:nvPr/>
           </p:nvSpPr>
@@ -4584,7 +4326,7 @@
         </p:sp>
         <p:sp>
           <p:nvSpPr>
-            <p:cNvPr id="54" name="pl53"/>
+            <p:cNvPr id="48" name="pl47"/>
             <p:cNvSpPr/>
             <p:nvPr/>
           </p:nvSpPr>
@@ -4696,12 +4438,2812 @@
         </p:sp>
         <p:sp>
           <p:nvSpPr>
+            <p:cNvPr id="49" name="pt48"/>
+            <p:cNvSpPr/>
+            <p:nvPr/>
+          </p:nvSpPr>
+          <p:spPr>
+            <a:xfrm>
+              <a:off x="1797399" y="3955516"/>
+              <a:ext cx="49651" cy="49651"/>
+            </a:xfrm>
+            <a:prstGeom prst="ellipse">
+              <a:avLst/>
+            </a:prstGeom>
+            <a:solidFill>
+              <a:srgbClr val="7CAE00">
+                <a:alpha val="100000"/>
+              </a:srgbClr>
+            </a:solidFill>
+            <a:ln w="9000" cap="rnd">
+              <a:solidFill>
+                <a:srgbClr val="7CAE00">
+                  <a:alpha val="100000"/>
+                </a:srgbClr>
+              </a:solidFill>
+              <a:prstDash val="solid"/>
+              <a:round/>
+            </a:ln>
+          </p:spPr>
+          <p:txBody>
+            <a:bodyPr/>
+            <a:lstStyle/>
+            <a:p/>
+          </p:txBody>
+        </p:sp>
+        <p:sp>
+          <p:nvSpPr>
+            <p:cNvPr id="50" name="pt49"/>
+            <p:cNvSpPr/>
+            <p:nvPr/>
+          </p:nvSpPr>
+          <p:spPr>
+            <a:xfrm>
+              <a:off x="2044438" y="3962819"/>
+              <a:ext cx="49651" cy="49651"/>
+            </a:xfrm>
+            <a:prstGeom prst="ellipse">
+              <a:avLst/>
+            </a:prstGeom>
+            <a:solidFill>
+              <a:srgbClr val="7CAE00">
+                <a:alpha val="100000"/>
+              </a:srgbClr>
+            </a:solidFill>
+            <a:ln w="9000" cap="rnd">
+              <a:solidFill>
+                <a:srgbClr val="7CAE00">
+                  <a:alpha val="100000"/>
+                </a:srgbClr>
+              </a:solidFill>
+              <a:prstDash val="solid"/>
+              <a:round/>
+            </a:ln>
+          </p:spPr>
+          <p:txBody>
+            <a:bodyPr/>
+            <a:lstStyle/>
+            <a:p/>
+          </p:txBody>
+        </p:sp>
+        <p:sp>
+          <p:nvSpPr>
+            <p:cNvPr id="51" name="pt50"/>
+            <p:cNvSpPr/>
+            <p:nvPr/>
+          </p:nvSpPr>
+          <p:spPr>
+            <a:xfrm>
+              <a:off x="2573809" y="3949975"/>
+              <a:ext cx="49651" cy="49651"/>
+            </a:xfrm>
+            <a:prstGeom prst="ellipse">
+              <a:avLst/>
+            </a:prstGeom>
+            <a:solidFill>
+              <a:srgbClr val="7CAE00">
+                <a:alpha val="100000"/>
+              </a:srgbClr>
+            </a:solidFill>
+            <a:ln w="9000" cap="rnd">
+              <a:solidFill>
+                <a:srgbClr val="7CAE00">
+                  <a:alpha val="100000"/>
+                </a:srgbClr>
+              </a:solidFill>
+              <a:prstDash val="solid"/>
+              <a:round/>
+            </a:ln>
+          </p:spPr>
+          <p:txBody>
+            <a:bodyPr/>
+            <a:lstStyle/>
+            <a:p/>
+          </p:txBody>
+        </p:sp>
+        <p:sp>
+          <p:nvSpPr>
+            <p:cNvPr id="52" name="pt51"/>
+            <p:cNvSpPr/>
+            <p:nvPr/>
+          </p:nvSpPr>
+          <p:spPr>
+            <a:xfrm>
+              <a:off x="3032596" y="3751204"/>
+              <a:ext cx="49651" cy="49651"/>
+            </a:xfrm>
+            <a:prstGeom prst="ellipse">
+              <a:avLst/>
+            </a:prstGeom>
+            <a:solidFill>
+              <a:srgbClr val="7CAE00">
+                <a:alpha val="100000"/>
+              </a:srgbClr>
+            </a:solidFill>
+            <a:ln w="9000" cap="rnd">
+              <a:solidFill>
+                <a:srgbClr val="7CAE00">
+                  <a:alpha val="100000"/>
+                </a:srgbClr>
+              </a:solidFill>
+              <a:prstDash val="solid"/>
+              <a:round/>
+            </a:ln>
+          </p:spPr>
+          <p:txBody>
+            <a:bodyPr/>
+            <a:lstStyle/>
+            <a:p/>
+          </p:txBody>
+        </p:sp>
+        <p:sp>
+          <p:nvSpPr>
+            <p:cNvPr id="53" name="pt52"/>
+            <p:cNvSpPr/>
+            <p:nvPr/>
+          </p:nvSpPr>
+          <p:spPr>
+            <a:xfrm>
+              <a:off x="3103179" y="3672605"/>
+              <a:ext cx="49651" cy="49651"/>
+            </a:xfrm>
+            <a:prstGeom prst="ellipse">
+              <a:avLst/>
+            </a:prstGeom>
+            <a:solidFill>
+              <a:srgbClr val="7CAE00">
+                <a:alpha val="100000"/>
+              </a:srgbClr>
+            </a:solidFill>
+            <a:ln w="9000" cap="rnd">
+              <a:solidFill>
+                <a:srgbClr val="7CAE00">
+                  <a:alpha val="100000"/>
+                </a:srgbClr>
+              </a:solidFill>
+              <a:prstDash val="solid"/>
+              <a:round/>
+            </a:ln>
+          </p:spPr>
+          <p:txBody>
+            <a:bodyPr/>
+            <a:lstStyle/>
+            <a:p/>
+          </p:txBody>
+        </p:sp>
+        <p:sp>
+          <p:nvSpPr>
+            <p:cNvPr id="54" name="pt53"/>
+            <p:cNvSpPr/>
+            <p:nvPr/>
+          </p:nvSpPr>
+          <p:spPr>
+            <a:xfrm>
+              <a:off x="3173762" y="3569613"/>
+              <a:ext cx="49651" cy="49651"/>
+            </a:xfrm>
+            <a:prstGeom prst="ellipse">
+              <a:avLst/>
+            </a:prstGeom>
+            <a:solidFill>
+              <a:srgbClr val="7CAE00">
+                <a:alpha val="100000"/>
+              </a:srgbClr>
+            </a:solidFill>
+            <a:ln w="9000" cap="rnd">
+              <a:solidFill>
+                <a:srgbClr val="7CAE00">
+                  <a:alpha val="100000"/>
+                </a:srgbClr>
+              </a:solidFill>
+              <a:prstDash val="solid"/>
+              <a:round/>
+            </a:ln>
+          </p:spPr>
+          <p:txBody>
+            <a:bodyPr/>
+            <a:lstStyle/>
+            <a:p/>
+          </p:txBody>
+        </p:sp>
+        <p:sp>
+          <p:nvSpPr>
             <p:cNvPr id="55" name="pt54"/>
             <p:cNvSpPr/>
             <p:nvPr/>
           </p:nvSpPr>
           <p:spPr>
             <a:xfrm>
+              <a:off x="3279636" y="3347547"/>
+              <a:ext cx="49651" cy="49651"/>
+            </a:xfrm>
+            <a:prstGeom prst="ellipse">
+              <a:avLst/>
+            </a:prstGeom>
+            <a:solidFill>
+              <a:srgbClr val="7CAE00">
+                <a:alpha val="100000"/>
+              </a:srgbClr>
+            </a:solidFill>
+            <a:ln w="9000" cap="rnd">
+              <a:solidFill>
+                <a:srgbClr val="7CAE00">
+                  <a:alpha val="100000"/>
+                </a:srgbClr>
+              </a:solidFill>
+              <a:prstDash val="solid"/>
+              <a:round/>
+            </a:ln>
+          </p:spPr>
+          <p:txBody>
+            <a:bodyPr/>
+            <a:lstStyle/>
+            <a:p/>
+          </p:txBody>
+        </p:sp>
+        <p:sp>
+          <p:nvSpPr>
+            <p:cNvPr id="56" name="pt55"/>
+            <p:cNvSpPr/>
+            <p:nvPr/>
+          </p:nvSpPr>
+          <p:spPr>
+            <a:xfrm>
+              <a:off x="3385510" y="3001333"/>
+              <a:ext cx="49651" cy="49651"/>
+            </a:xfrm>
+            <a:prstGeom prst="ellipse">
+              <a:avLst/>
+            </a:prstGeom>
+            <a:solidFill>
+              <a:srgbClr val="7CAE00">
+                <a:alpha val="100000"/>
+              </a:srgbClr>
+            </a:solidFill>
+            <a:ln w="9000" cap="rnd">
+              <a:solidFill>
+                <a:srgbClr val="7CAE00">
+                  <a:alpha val="100000"/>
+                </a:srgbClr>
+              </a:solidFill>
+              <a:prstDash val="solid"/>
+              <a:round/>
+            </a:ln>
+          </p:spPr>
+          <p:txBody>
+            <a:bodyPr/>
+            <a:lstStyle/>
+            <a:p/>
+          </p:txBody>
+        </p:sp>
+        <p:sp>
+          <p:nvSpPr>
+            <p:cNvPr id="57" name="pt56"/>
+            <p:cNvSpPr/>
+            <p:nvPr/>
+          </p:nvSpPr>
+          <p:spPr>
+            <a:xfrm>
+              <a:off x="3456093" y="2684794"/>
+              <a:ext cx="49651" cy="49651"/>
+            </a:xfrm>
+            <a:prstGeom prst="ellipse">
+              <a:avLst/>
+            </a:prstGeom>
+            <a:solidFill>
+              <a:srgbClr val="7CAE00">
+                <a:alpha val="100000"/>
+              </a:srgbClr>
+            </a:solidFill>
+            <a:ln w="9000" cap="rnd">
+              <a:solidFill>
+                <a:srgbClr val="7CAE00">
+                  <a:alpha val="100000"/>
+                </a:srgbClr>
+              </a:solidFill>
+              <a:prstDash val="solid"/>
+              <a:round/>
+            </a:ln>
+          </p:spPr>
+          <p:txBody>
+            <a:bodyPr/>
+            <a:lstStyle/>
+            <a:p/>
+          </p:txBody>
+        </p:sp>
+        <p:sp>
+          <p:nvSpPr>
+            <p:cNvPr id="58" name="pt57"/>
+            <p:cNvSpPr/>
+            <p:nvPr/>
+          </p:nvSpPr>
+          <p:spPr>
+            <a:xfrm>
+              <a:off x="3526676" y="2295121"/>
+              <a:ext cx="49651" cy="49651"/>
+            </a:xfrm>
+            <a:prstGeom prst="ellipse">
+              <a:avLst/>
+            </a:prstGeom>
+            <a:solidFill>
+              <a:srgbClr val="7CAE00">
+                <a:alpha val="100000"/>
+              </a:srgbClr>
+            </a:solidFill>
+            <a:ln w="9000" cap="rnd">
+              <a:solidFill>
+                <a:srgbClr val="7CAE00">
+                  <a:alpha val="100000"/>
+                </a:srgbClr>
+              </a:solidFill>
+              <a:prstDash val="solid"/>
+              <a:round/>
+            </a:ln>
+          </p:spPr>
+          <p:txBody>
+            <a:bodyPr/>
+            <a:lstStyle/>
+            <a:p/>
+          </p:txBody>
+        </p:sp>
+        <p:sp>
+          <p:nvSpPr>
+            <p:cNvPr id="59" name="pt58"/>
+            <p:cNvSpPr/>
+            <p:nvPr/>
+          </p:nvSpPr>
+          <p:spPr>
+            <a:xfrm>
+              <a:off x="3597258" y="1903054"/>
+              <a:ext cx="49651" cy="49651"/>
+            </a:xfrm>
+            <a:prstGeom prst="ellipse">
+              <a:avLst/>
+            </a:prstGeom>
+            <a:solidFill>
+              <a:srgbClr val="7CAE00">
+                <a:alpha val="100000"/>
+              </a:srgbClr>
+            </a:solidFill>
+            <a:ln w="9000" cap="rnd">
+              <a:solidFill>
+                <a:srgbClr val="7CAE00">
+                  <a:alpha val="100000"/>
+                </a:srgbClr>
+              </a:solidFill>
+              <a:prstDash val="solid"/>
+              <a:round/>
+            </a:ln>
+          </p:spPr>
+          <p:txBody>
+            <a:bodyPr/>
+            <a:lstStyle/>
+            <a:p/>
+          </p:txBody>
+        </p:sp>
+        <p:sp>
+          <p:nvSpPr>
+            <p:cNvPr id="60" name="pt59"/>
+            <p:cNvSpPr/>
+            <p:nvPr/>
+          </p:nvSpPr>
+          <p:spPr>
+            <a:xfrm>
+              <a:off x="3667841" y="1490218"/>
+              <a:ext cx="49651" cy="49651"/>
+            </a:xfrm>
+            <a:prstGeom prst="ellipse">
+              <a:avLst/>
+            </a:prstGeom>
+            <a:solidFill>
+              <a:srgbClr val="7CAE00">
+                <a:alpha val="100000"/>
+              </a:srgbClr>
+            </a:solidFill>
+            <a:ln w="9000" cap="rnd">
+              <a:solidFill>
+                <a:srgbClr val="7CAE00">
+                  <a:alpha val="100000"/>
+                </a:srgbClr>
+              </a:solidFill>
+              <a:prstDash val="solid"/>
+              <a:round/>
+            </a:ln>
+          </p:spPr>
+          <p:txBody>
+            <a:bodyPr/>
+            <a:lstStyle/>
+            <a:p/>
+          </p:txBody>
+        </p:sp>
+        <p:sp>
+          <p:nvSpPr>
+            <p:cNvPr id="61" name="pt60"/>
+            <p:cNvSpPr/>
+            <p:nvPr/>
+          </p:nvSpPr>
+          <p:spPr>
+            <a:xfrm>
+              <a:off x="3738424" y="1246987"/>
+              <a:ext cx="49651" cy="49651"/>
+            </a:xfrm>
+            <a:prstGeom prst="ellipse">
+              <a:avLst/>
+            </a:prstGeom>
+            <a:solidFill>
+              <a:srgbClr val="7CAE00">
+                <a:alpha val="100000"/>
+              </a:srgbClr>
+            </a:solidFill>
+            <a:ln w="9000" cap="rnd">
+              <a:solidFill>
+                <a:srgbClr val="7CAE00">
+                  <a:alpha val="100000"/>
+                </a:srgbClr>
+              </a:solidFill>
+              <a:prstDash val="solid"/>
+              <a:round/>
+            </a:ln>
+          </p:spPr>
+          <p:txBody>
+            <a:bodyPr/>
+            <a:lstStyle/>
+            <a:p/>
+          </p:txBody>
+        </p:sp>
+        <p:sp>
+          <p:nvSpPr>
+            <p:cNvPr id="62" name="pt61"/>
+            <p:cNvSpPr/>
+            <p:nvPr/>
+          </p:nvSpPr>
+          <p:spPr>
+            <a:xfrm>
+              <a:off x="3809006" y="1104075"/>
+              <a:ext cx="49651" cy="49651"/>
+            </a:xfrm>
+            <a:prstGeom prst="ellipse">
+              <a:avLst/>
+            </a:prstGeom>
+            <a:solidFill>
+              <a:srgbClr val="7CAE00">
+                <a:alpha val="100000"/>
+              </a:srgbClr>
+            </a:solidFill>
+            <a:ln w="9000" cap="rnd">
+              <a:solidFill>
+                <a:srgbClr val="7CAE00">
+                  <a:alpha val="100000"/>
+                </a:srgbClr>
+              </a:solidFill>
+              <a:prstDash val="solid"/>
+              <a:round/>
+            </a:ln>
+          </p:spPr>
+          <p:txBody>
+            <a:bodyPr/>
+            <a:lstStyle/>
+            <a:p/>
+          </p:txBody>
+        </p:sp>
+        <p:sp>
+          <p:nvSpPr>
+            <p:cNvPr id="63" name="pt62"/>
+            <p:cNvSpPr/>
+            <p:nvPr/>
+          </p:nvSpPr>
+          <p:spPr>
+            <a:xfrm>
+              <a:off x="3879589" y="1105654"/>
+              <a:ext cx="49651" cy="49651"/>
+            </a:xfrm>
+            <a:prstGeom prst="ellipse">
+              <a:avLst/>
+            </a:prstGeom>
+            <a:solidFill>
+              <a:srgbClr val="7CAE00">
+                <a:alpha val="100000"/>
+              </a:srgbClr>
+            </a:solidFill>
+            <a:ln w="9000" cap="rnd">
+              <a:solidFill>
+                <a:srgbClr val="7CAE00">
+                  <a:alpha val="100000"/>
+                </a:srgbClr>
+              </a:solidFill>
+              <a:prstDash val="solid"/>
+              <a:round/>
+            </a:ln>
+          </p:spPr>
+          <p:txBody>
+            <a:bodyPr/>
+            <a:lstStyle/>
+            <a:p/>
+          </p:txBody>
+        </p:sp>
+        <p:sp>
+          <p:nvSpPr>
+            <p:cNvPr id="64" name="pt63"/>
+            <p:cNvSpPr/>
+            <p:nvPr/>
+          </p:nvSpPr>
+          <p:spPr>
+            <a:xfrm>
+              <a:off x="3950172" y="1198106"/>
+              <a:ext cx="49651" cy="49651"/>
+            </a:xfrm>
+            <a:prstGeom prst="ellipse">
+              <a:avLst/>
+            </a:prstGeom>
+            <a:solidFill>
+              <a:srgbClr val="7CAE00">
+                <a:alpha val="100000"/>
+              </a:srgbClr>
+            </a:solidFill>
+            <a:ln w="9000" cap="rnd">
+              <a:solidFill>
+                <a:srgbClr val="7CAE00">
+                  <a:alpha val="100000"/>
+                </a:srgbClr>
+              </a:solidFill>
+              <a:prstDash val="solid"/>
+              <a:round/>
+            </a:ln>
+          </p:spPr>
+          <p:txBody>
+            <a:bodyPr/>
+            <a:lstStyle/>
+            <a:p/>
+          </p:txBody>
+        </p:sp>
+        <p:sp>
+          <p:nvSpPr>
+            <p:cNvPr id="65" name="pt64"/>
+            <p:cNvSpPr/>
+            <p:nvPr/>
+          </p:nvSpPr>
+          <p:spPr>
+            <a:xfrm>
+              <a:off x="4020755" y="1331125"/>
+              <a:ext cx="49651" cy="49651"/>
+            </a:xfrm>
+            <a:prstGeom prst="ellipse">
+              <a:avLst/>
+            </a:prstGeom>
+            <a:solidFill>
+              <a:srgbClr val="7CAE00">
+                <a:alpha val="100000"/>
+              </a:srgbClr>
+            </a:solidFill>
+            <a:ln w="9000" cap="rnd">
+              <a:solidFill>
+                <a:srgbClr val="7CAE00">
+                  <a:alpha val="100000"/>
+                </a:srgbClr>
+              </a:solidFill>
+              <a:prstDash val="solid"/>
+              <a:round/>
+            </a:ln>
+          </p:spPr>
+          <p:txBody>
+            <a:bodyPr/>
+            <a:lstStyle/>
+            <a:p/>
+          </p:txBody>
+        </p:sp>
+        <p:sp>
+          <p:nvSpPr>
+            <p:cNvPr id="66" name="pt65"/>
+            <p:cNvSpPr/>
+            <p:nvPr/>
+          </p:nvSpPr>
+          <p:spPr>
+            <a:xfrm>
+              <a:off x="4091337" y="1573165"/>
+              <a:ext cx="49651" cy="49651"/>
+            </a:xfrm>
+            <a:prstGeom prst="ellipse">
+              <a:avLst/>
+            </a:prstGeom>
+            <a:solidFill>
+              <a:srgbClr val="7CAE00">
+                <a:alpha val="100000"/>
+              </a:srgbClr>
+            </a:solidFill>
+            <a:ln w="9000" cap="rnd">
+              <a:solidFill>
+                <a:srgbClr val="7CAE00">
+                  <a:alpha val="100000"/>
+                </a:srgbClr>
+              </a:solidFill>
+              <a:prstDash val="solid"/>
+              <a:round/>
+            </a:ln>
+          </p:spPr>
+          <p:txBody>
+            <a:bodyPr/>
+            <a:lstStyle/>
+            <a:p/>
+          </p:txBody>
+        </p:sp>
+        <p:sp>
+          <p:nvSpPr>
+            <p:cNvPr id="67" name="pt66"/>
+            <p:cNvSpPr/>
+            <p:nvPr/>
+          </p:nvSpPr>
+          <p:spPr>
+            <a:xfrm>
+              <a:off x="4161920" y="1854817"/>
+              <a:ext cx="49651" cy="49651"/>
+            </a:xfrm>
+            <a:prstGeom prst="ellipse">
+              <a:avLst/>
+            </a:prstGeom>
+            <a:solidFill>
+              <a:srgbClr val="7CAE00">
+                <a:alpha val="100000"/>
+              </a:srgbClr>
+            </a:solidFill>
+            <a:ln w="9000" cap="rnd">
+              <a:solidFill>
+                <a:srgbClr val="7CAE00">
+                  <a:alpha val="100000"/>
+                </a:srgbClr>
+              </a:solidFill>
+              <a:prstDash val="solid"/>
+              <a:round/>
+            </a:ln>
+          </p:spPr>
+          <p:txBody>
+            <a:bodyPr/>
+            <a:lstStyle/>
+            <a:p/>
+          </p:txBody>
+        </p:sp>
+        <p:sp>
+          <p:nvSpPr>
+            <p:cNvPr id="68" name="pt67"/>
+            <p:cNvSpPr/>
+            <p:nvPr/>
+          </p:nvSpPr>
+          <p:spPr>
+            <a:xfrm>
+              <a:off x="4232503" y="2156842"/>
+              <a:ext cx="49651" cy="49651"/>
+            </a:xfrm>
+            <a:prstGeom prst="ellipse">
+              <a:avLst/>
+            </a:prstGeom>
+            <a:solidFill>
+              <a:srgbClr val="7CAE00">
+                <a:alpha val="100000"/>
+              </a:srgbClr>
+            </a:solidFill>
+            <a:ln w="9000" cap="rnd">
+              <a:solidFill>
+                <a:srgbClr val="7CAE00">
+                  <a:alpha val="100000"/>
+                </a:srgbClr>
+              </a:solidFill>
+              <a:prstDash val="solid"/>
+              <a:round/>
+            </a:ln>
+          </p:spPr>
+          <p:txBody>
+            <a:bodyPr/>
+            <a:lstStyle/>
+            <a:p/>
+          </p:txBody>
+        </p:sp>
+        <p:sp>
+          <p:nvSpPr>
+            <p:cNvPr id="69" name="pt68"/>
+            <p:cNvSpPr/>
+            <p:nvPr/>
+          </p:nvSpPr>
+          <p:spPr>
+            <a:xfrm>
+              <a:off x="4303086" y="2476840"/>
+              <a:ext cx="49651" cy="49651"/>
+            </a:xfrm>
+            <a:prstGeom prst="ellipse">
+              <a:avLst/>
+            </a:prstGeom>
+            <a:solidFill>
+              <a:srgbClr val="7CAE00">
+                <a:alpha val="100000"/>
+              </a:srgbClr>
+            </a:solidFill>
+            <a:ln w="9000" cap="rnd">
+              <a:solidFill>
+                <a:srgbClr val="7CAE00">
+                  <a:alpha val="100000"/>
+                </a:srgbClr>
+              </a:solidFill>
+              <a:prstDash val="solid"/>
+              <a:round/>
+            </a:ln>
+          </p:spPr>
+          <p:txBody>
+            <a:bodyPr/>
+            <a:lstStyle/>
+            <a:p/>
+          </p:txBody>
+        </p:sp>
+        <p:sp>
+          <p:nvSpPr>
+            <p:cNvPr id="70" name="pt69"/>
+            <p:cNvSpPr/>
+            <p:nvPr/>
+          </p:nvSpPr>
+          <p:spPr>
+            <a:xfrm>
+              <a:off x="4408960" y="2881861"/>
+              <a:ext cx="49651" cy="49651"/>
+            </a:xfrm>
+            <a:prstGeom prst="ellipse">
+              <a:avLst/>
+            </a:prstGeom>
+            <a:solidFill>
+              <a:srgbClr val="7CAE00">
+                <a:alpha val="100000"/>
+              </a:srgbClr>
+            </a:solidFill>
+            <a:ln w="9000" cap="rnd">
+              <a:solidFill>
+                <a:srgbClr val="7CAE00">
+                  <a:alpha val="100000"/>
+                </a:srgbClr>
+              </a:solidFill>
+              <a:prstDash val="solid"/>
+              <a:round/>
+            </a:ln>
+          </p:spPr>
+          <p:txBody>
+            <a:bodyPr/>
+            <a:lstStyle/>
+            <a:p/>
+          </p:txBody>
+        </p:sp>
+        <p:sp>
+          <p:nvSpPr>
+            <p:cNvPr id="71" name="pt70"/>
+            <p:cNvSpPr/>
+            <p:nvPr/>
+          </p:nvSpPr>
+          <p:spPr>
+            <a:xfrm>
+              <a:off x="4514834" y="3197855"/>
+              <a:ext cx="49651" cy="49651"/>
+            </a:xfrm>
+            <a:prstGeom prst="ellipse">
+              <a:avLst/>
+            </a:prstGeom>
+            <a:solidFill>
+              <a:srgbClr val="7CAE00">
+                <a:alpha val="100000"/>
+              </a:srgbClr>
+            </a:solidFill>
+            <a:ln w="9000" cap="rnd">
+              <a:solidFill>
+                <a:srgbClr val="7CAE00">
+                  <a:alpha val="100000"/>
+                </a:srgbClr>
+              </a:solidFill>
+              <a:prstDash val="solid"/>
+              <a:round/>
+            </a:ln>
+          </p:spPr>
+          <p:txBody>
+            <a:bodyPr/>
+            <a:lstStyle/>
+            <a:p/>
+          </p:txBody>
+        </p:sp>
+        <p:sp>
+          <p:nvSpPr>
+            <p:cNvPr id="72" name="pt71"/>
+            <p:cNvSpPr/>
+            <p:nvPr/>
+          </p:nvSpPr>
+          <p:spPr>
+            <a:xfrm>
+              <a:off x="4585416" y="3363698"/>
+              <a:ext cx="49651" cy="49651"/>
+            </a:xfrm>
+            <a:prstGeom prst="ellipse">
+              <a:avLst/>
+            </a:prstGeom>
+            <a:solidFill>
+              <a:srgbClr val="7CAE00">
+                <a:alpha val="100000"/>
+              </a:srgbClr>
+            </a:solidFill>
+            <a:ln w="9000" cap="rnd">
+              <a:solidFill>
+                <a:srgbClr val="7CAE00">
+                  <a:alpha val="100000"/>
+                </a:srgbClr>
+              </a:solidFill>
+              <a:prstDash val="solid"/>
+              <a:round/>
+            </a:ln>
+          </p:spPr>
+          <p:txBody>
+            <a:bodyPr/>
+            <a:lstStyle/>
+            <a:p/>
+          </p:txBody>
+        </p:sp>
+        <p:sp>
+          <p:nvSpPr>
+            <p:cNvPr id="73" name="pt72"/>
+            <p:cNvSpPr/>
+            <p:nvPr/>
+          </p:nvSpPr>
+          <p:spPr>
+            <a:xfrm>
+              <a:off x="4655999" y="3507100"/>
+              <a:ext cx="49651" cy="49651"/>
+            </a:xfrm>
+            <a:prstGeom prst="ellipse">
+              <a:avLst/>
+            </a:prstGeom>
+            <a:solidFill>
+              <a:srgbClr val="7CAE00">
+                <a:alpha val="100000"/>
+              </a:srgbClr>
+            </a:solidFill>
+            <a:ln w="9000" cap="rnd">
+              <a:solidFill>
+                <a:srgbClr val="7CAE00">
+                  <a:alpha val="100000"/>
+                </a:srgbClr>
+              </a:solidFill>
+              <a:prstDash val="solid"/>
+              <a:round/>
+            </a:ln>
+          </p:spPr>
+          <p:txBody>
+            <a:bodyPr/>
+            <a:lstStyle/>
+            <a:p/>
+          </p:txBody>
+        </p:sp>
+        <p:sp>
+          <p:nvSpPr>
+            <p:cNvPr id="74" name="pt73"/>
+            <p:cNvSpPr/>
+            <p:nvPr/>
+          </p:nvSpPr>
+          <p:spPr>
+            <a:xfrm>
+              <a:off x="4867747" y="3789974"/>
+              <a:ext cx="49651" cy="49651"/>
+            </a:xfrm>
+            <a:prstGeom prst="ellipse">
+              <a:avLst/>
+            </a:prstGeom>
+            <a:solidFill>
+              <a:srgbClr val="7CAE00">
+                <a:alpha val="100000"/>
+              </a:srgbClr>
+            </a:solidFill>
+            <a:ln w="9000" cap="rnd">
+              <a:solidFill>
+                <a:srgbClr val="7CAE00">
+                  <a:alpha val="100000"/>
+                </a:srgbClr>
+              </a:solidFill>
+              <a:prstDash val="solid"/>
+              <a:round/>
+            </a:ln>
+          </p:spPr>
+          <p:txBody>
+            <a:bodyPr/>
+            <a:lstStyle/>
+            <a:p/>
+          </p:txBody>
+        </p:sp>
+        <p:sp>
+          <p:nvSpPr>
+            <p:cNvPr id="75" name="pt74"/>
+            <p:cNvSpPr/>
+            <p:nvPr/>
+          </p:nvSpPr>
+          <p:spPr>
+            <a:xfrm>
+              <a:off x="5079495" y="3920272"/>
+              <a:ext cx="49651" cy="49651"/>
+            </a:xfrm>
+            <a:prstGeom prst="ellipse">
+              <a:avLst/>
+            </a:prstGeom>
+            <a:solidFill>
+              <a:srgbClr val="7CAE00">
+                <a:alpha val="100000"/>
+              </a:srgbClr>
+            </a:solidFill>
+            <a:ln w="9000" cap="rnd">
+              <a:solidFill>
+                <a:srgbClr val="7CAE00">
+                  <a:alpha val="100000"/>
+                </a:srgbClr>
+              </a:solidFill>
+              <a:prstDash val="solid"/>
+              <a:round/>
+            </a:ln>
+          </p:spPr>
+          <p:txBody>
+            <a:bodyPr/>
+            <a:lstStyle/>
+            <a:p/>
+          </p:txBody>
+        </p:sp>
+        <p:sp>
+          <p:nvSpPr>
+            <p:cNvPr id="76" name="pt75"/>
+            <p:cNvSpPr/>
+            <p:nvPr/>
+          </p:nvSpPr>
+          <p:spPr>
+            <a:xfrm>
+              <a:off x="5291244" y="3977339"/>
+              <a:ext cx="49651" cy="49651"/>
+            </a:xfrm>
+            <a:prstGeom prst="ellipse">
+              <a:avLst/>
+            </a:prstGeom>
+            <a:solidFill>
+              <a:srgbClr val="7CAE00">
+                <a:alpha val="100000"/>
+              </a:srgbClr>
+            </a:solidFill>
+            <a:ln w="9000" cap="rnd">
+              <a:solidFill>
+                <a:srgbClr val="7CAE00">
+                  <a:alpha val="100000"/>
+                </a:srgbClr>
+              </a:solidFill>
+              <a:prstDash val="solid"/>
+              <a:round/>
+            </a:ln>
+          </p:spPr>
+          <p:txBody>
+            <a:bodyPr/>
+            <a:lstStyle/>
+            <a:p/>
+          </p:txBody>
+        </p:sp>
+        <p:sp>
+          <p:nvSpPr>
+            <p:cNvPr id="77" name="pt76"/>
+            <p:cNvSpPr/>
+            <p:nvPr/>
+          </p:nvSpPr>
+          <p:spPr>
+            <a:xfrm>
+              <a:off x="2326769" y="4001756"/>
+              <a:ext cx="49651" cy="49651"/>
+            </a:xfrm>
+            <a:prstGeom prst="ellipse">
+              <a:avLst/>
+            </a:prstGeom>
+            <a:solidFill>
+              <a:srgbClr val="C77CFF">
+                <a:alpha val="100000"/>
+              </a:srgbClr>
+            </a:solidFill>
+            <a:ln w="9000" cap="rnd">
+              <a:solidFill>
+                <a:srgbClr val="C77CFF">
+                  <a:alpha val="100000"/>
+                </a:srgbClr>
+              </a:solidFill>
+              <a:prstDash val="solid"/>
+              <a:round/>
+            </a:ln>
+          </p:spPr>
+          <p:txBody>
+            <a:bodyPr/>
+            <a:lstStyle/>
+            <a:p/>
+          </p:txBody>
+        </p:sp>
+        <p:sp>
+          <p:nvSpPr>
+            <p:cNvPr id="78" name="pt77"/>
+            <p:cNvSpPr/>
+            <p:nvPr/>
+          </p:nvSpPr>
+          <p:spPr>
+            <a:xfrm>
+              <a:off x="3067888" y="3890076"/>
+              <a:ext cx="49651" cy="49651"/>
+            </a:xfrm>
+            <a:prstGeom prst="ellipse">
+              <a:avLst/>
+            </a:prstGeom>
+            <a:solidFill>
+              <a:srgbClr val="C77CFF">
+                <a:alpha val="100000"/>
+              </a:srgbClr>
+            </a:solidFill>
+            <a:ln w="9000" cap="rnd">
+              <a:solidFill>
+                <a:srgbClr val="C77CFF">
+                  <a:alpha val="100000"/>
+                </a:srgbClr>
+              </a:solidFill>
+              <a:prstDash val="solid"/>
+              <a:round/>
+            </a:ln>
+          </p:spPr>
+          <p:txBody>
+            <a:bodyPr/>
+            <a:lstStyle/>
+            <a:p/>
+          </p:txBody>
+        </p:sp>
+        <p:sp>
+          <p:nvSpPr>
+            <p:cNvPr id="79" name="pt78"/>
+            <p:cNvSpPr/>
+            <p:nvPr/>
+          </p:nvSpPr>
+          <p:spPr>
+            <a:xfrm>
+              <a:off x="3173762" y="3834165"/>
+              <a:ext cx="49651" cy="49651"/>
+            </a:xfrm>
+            <a:prstGeom prst="ellipse">
+              <a:avLst/>
+            </a:prstGeom>
+            <a:solidFill>
+              <a:srgbClr val="C77CFF">
+                <a:alpha val="100000"/>
+              </a:srgbClr>
+            </a:solidFill>
+            <a:ln w="9000" cap="rnd">
+              <a:solidFill>
+                <a:srgbClr val="C77CFF">
+                  <a:alpha val="100000"/>
+                </a:srgbClr>
+              </a:solidFill>
+              <a:prstDash val="solid"/>
+              <a:round/>
+            </a:ln>
+          </p:spPr>
+          <p:txBody>
+            <a:bodyPr/>
+            <a:lstStyle/>
+            <a:p/>
+          </p:txBody>
+        </p:sp>
+        <p:sp>
+          <p:nvSpPr>
+            <p:cNvPr id="80" name="pt79"/>
+            <p:cNvSpPr/>
+            <p:nvPr/>
+          </p:nvSpPr>
+          <p:spPr>
+            <a:xfrm>
+              <a:off x="3314927" y="3705751"/>
+              <a:ext cx="49651" cy="49651"/>
+            </a:xfrm>
+            <a:prstGeom prst="ellipse">
+              <a:avLst/>
+            </a:prstGeom>
+            <a:solidFill>
+              <a:srgbClr val="C77CFF">
+                <a:alpha val="100000"/>
+              </a:srgbClr>
+            </a:solidFill>
+            <a:ln w="9000" cap="rnd">
+              <a:solidFill>
+                <a:srgbClr val="C77CFF">
+                  <a:alpha val="100000"/>
+                </a:srgbClr>
+              </a:solidFill>
+              <a:prstDash val="solid"/>
+              <a:round/>
+            </a:ln>
+          </p:spPr>
+          <p:txBody>
+            <a:bodyPr/>
+            <a:lstStyle/>
+            <a:p/>
+          </p:txBody>
+        </p:sp>
+        <p:sp>
+          <p:nvSpPr>
+            <p:cNvPr id="81" name="pt80"/>
+            <p:cNvSpPr/>
+            <p:nvPr/>
+          </p:nvSpPr>
+          <p:spPr>
+            <a:xfrm>
+              <a:off x="3456093" y="3451078"/>
+              <a:ext cx="49651" cy="49651"/>
+            </a:xfrm>
+            <a:prstGeom prst="ellipse">
+              <a:avLst/>
+            </a:prstGeom>
+            <a:solidFill>
+              <a:srgbClr val="C77CFF">
+                <a:alpha val="100000"/>
+              </a:srgbClr>
+            </a:solidFill>
+            <a:ln w="9000" cap="rnd">
+              <a:solidFill>
+                <a:srgbClr val="C77CFF">
+                  <a:alpha val="100000"/>
+                </a:srgbClr>
+              </a:solidFill>
+              <a:prstDash val="solid"/>
+              <a:round/>
+            </a:ln>
+          </p:spPr>
+          <p:txBody>
+            <a:bodyPr/>
+            <a:lstStyle/>
+            <a:p/>
+          </p:txBody>
+        </p:sp>
+        <p:sp>
+          <p:nvSpPr>
+            <p:cNvPr id="82" name="pt81"/>
+            <p:cNvSpPr/>
+            <p:nvPr/>
+          </p:nvSpPr>
+          <p:spPr>
+            <a:xfrm>
+              <a:off x="3526676" y="3246489"/>
+              <a:ext cx="49651" cy="49651"/>
+            </a:xfrm>
+            <a:prstGeom prst="ellipse">
+              <a:avLst/>
+            </a:prstGeom>
+            <a:solidFill>
+              <a:srgbClr val="C77CFF">
+                <a:alpha val="100000"/>
+              </a:srgbClr>
+            </a:solidFill>
+            <a:ln w="9000" cap="rnd">
+              <a:solidFill>
+                <a:srgbClr val="C77CFF">
+                  <a:alpha val="100000"/>
+                </a:srgbClr>
+              </a:solidFill>
+              <a:prstDash val="solid"/>
+              <a:round/>
+            </a:ln>
+          </p:spPr>
+          <p:txBody>
+            <a:bodyPr/>
+            <a:lstStyle/>
+            <a:p/>
+          </p:txBody>
+        </p:sp>
+        <p:sp>
+          <p:nvSpPr>
+            <p:cNvPr id="83" name="pt82"/>
+            <p:cNvSpPr/>
+            <p:nvPr/>
+          </p:nvSpPr>
+          <p:spPr>
+            <a:xfrm>
+              <a:off x="3597258" y="2979024"/>
+              <a:ext cx="49651" cy="49651"/>
+            </a:xfrm>
+            <a:prstGeom prst="ellipse">
+              <a:avLst/>
+            </a:prstGeom>
+            <a:solidFill>
+              <a:srgbClr val="C77CFF">
+                <a:alpha val="100000"/>
+              </a:srgbClr>
+            </a:solidFill>
+            <a:ln w="9000" cap="rnd">
+              <a:solidFill>
+                <a:srgbClr val="C77CFF">
+                  <a:alpha val="100000"/>
+                </a:srgbClr>
+              </a:solidFill>
+              <a:prstDash val="solid"/>
+              <a:round/>
+            </a:ln>
+          </p:spPr>
+          <p:txBody>
+            <a:bodyPr/>
+            <a:lstStyle/>
+            <a:p/>
+          </p:txBody>
+        </p:sp>
+        <p:sp>
+          <p:nvSpPr>
+            <p:cNvPr id="84" name="pt83"/>
+            <p:cNvSpPr/>
+            <p:nvPr/>
+          </p:nvSpPr>
+          <p:spPr>
+            <a:xfrm>
+              <a:off x="3667841" y="2649602"/>
+              <a:ext cx="49651" cy="49651"/>
+            </a:xfrm>
+            <a:prstGeom prst="ellipse">
+              <a:avLst/>
+            </a:prstGeom>
+            <a:solidFill>
+              <a:srgbClr val="C77CFF">
+                <a:alpha val="100000"/>
+              </a:srgbClr>
+            </a:solidFill>
+            <a:ln w="9000" cap="rnd">
+              <a:solidFill>
+                <a:srgbClr val="C77CFF">
+                  <a:alpha val="100000"/>
+                </a:srgbClr>
+              </a:solidFill>
+              <a:prstDash val="solid"/>
+              <a:round/>
+            </a:ln>
+          </p:spPr>
+          <p:txBody>
+            <a:bodyPr/>
+            <a:lstStyle/>
+            <a:p/>
+          </p:txBody>
+        </p:sp>
+        <p:sp>
+          <p:nvSpPr>
+            <p:cNvPr id="85" name="pt84"/>
+            <p:cNvSpPr/>
+            <p:nvPr/>
+          </p:nvSpPr>
+          <p:spPr>
+            <a:xfrm>
+              <a:off x="3738424" y="2275927"/>
+              <a:ext cx="49651" cy="49651"/>
+            </a:xfrm>
+            <a:prstGeom prst="ellipse">
+              <a:avLst/>
+            </a:prstGeom>
+            <a:solidFill>
+              <a:srgbClr val="C77CFF">
+                <a:alpha val="100000"/>
+              </a:srgbClr>
+            </a:solidFill>
+            <a:ln w="9000" cap="rnd">
+              <a:solidFill>
+                <a:srgbClr val="C77CFF">
+                  <a:alpha val="100000"/>
+                </a:srgbClr>
+              </a:solidFill>
+              <a:prstDash val="solid"/>
+              <a:round/>
+            </a:ln>
+          </p:spPr>
+          <p:txBody>
+            <a:bodyPr/>
+            <a:lstStyle/>
+            <a:p/>
+          </p:txBody>
+        </p:sp>
+        <p:sp>
+          <p:nvSpPr>
+            <p:cNvPr id="86" name="pt85"/>
+            <p:cNvSpPr/>
+            <p:nvPr/>
+          </p:nvSpPr>
+          <p:spPr>
+            <a:xfrm>
+              <a:off x="3809006" y="1966938"/>
+              <a:ext cx="49651" cy="49651"/>
+            </a:xfrm>
+            <a:prstGeom prst="ellipse">
+              <a:avLst/>
+            </a:prstGeom>
+            <a:solidFill>
+              <a:srgbClr val="C77CFF">
+                <a:alpha val="100000"/>
+              </a:srgbClr>
+            </a:solidFill>
+            <a:ln w="9000" cap="rnd">
+              <a:solidFill>
+                <a:srgbClr val="C77CFF">
+                  <a:alpha val="100000"/>
+                </a:srgbClr>
+              </a:solidFill>
+              <a:prstDash val="solid"/>
+              <a:round/>
+            </a:ln>
+          </p:spPr>
+          <p:txBody>
+            <a:bodyPr/>
+            <a:lstStyle/>
+            <a:p/>
+          </p:txBody>
+        </p:sp>
+        <p:sp>
+          <p:nvSpPr>
+            <p:cNvPr id="87" name="pt86"/>
+            <p:cNvSpPr/>
+            <p:nvPr/>
+          </p:nvSpPr>
+          <p:spPr>
+            <a:xfrm>
+              <a:off x="3879589" y="1691305"/>
+              <a:ext cx="49651" cy="49651"/>
+            </a:xfrm>
+            <a:prstGeom prst="ellipse">
+              <a:avLst/>
+            </a:prstGeom>
+            <a:solidFill>
+              <a:srgbClr val="C77CFF">
+                <a:alpha val="100000"/>
+              </a:srgbClr>
+            </a:solidFill>
+            <a:ln w="9000" cap="rnd">
+              <a:solidFill>
+                <a:srgbClr val="C77CFF">
+                  <a:alpha val="100000"/>
+                </a:srgbClr>
+              </a:solidFill>
+              <a:prstDash val="solid"/>
+              <a:round/>
+            </a:ln>
+          </p:spPr>
+          <p:txBody>
+            <a:bodyPr/>
+            <a:lstStyle/>
+            <a:p/>
+          </p:txBody>
+        </p:sp>
+        <p:sp>
+          <p:nvSpPr>
+            <p:cNvPr id="88" name="pt87"/>
+            <p:cNvSpPr/>
+            <p:nvPr/>
+          </p:nvSpPr>
+          <p:spPr>
+            <a:xfrm>
+              <a:off x="3950172" y="1466586"/>
+              <a:ext cx="49651" cy="49651"/>
+            </a:xfrm>
+            <a:prstGeom prst="ellipse">
+              <a:avLst/>
+            </a:prstGeom>
+            <a:solidFill>
+              <a:srgbClr val="C77CFF">
+                <a:alpha val="100000"/>
+              </a:srgbClr>
+            </a:solidFill>
+            <a:ln w="9000" cap="rnd">
+              <a:solidFill>
+                <a:srgbClr val="C77CFF">
+                  <a:alpha val="100000"/>
+                </a:srgbClr>
+              </a:solidFill>
+              <a:prstDash val="solid"/>
+              <a:round/>
+            </a:ln>
+          </p:spPr>
+          <p:txBody>
+            <a:bodyPr/>
+            <a:lstStyle/>
+            <a:p/>
+          </p:txBody>
+        </p:sp>
+        <p:sp>
+          <p:nvSpPr>
+            <p:cNvPr id="89" name="pt88"/>
+            <p:cNvSpPr/>
+            <p:nvPr/>
+          </p:nvSpPr>
+          <p:spPr>
+            <a:xfrm>
+              <a:off x="4020755" y="1307857"/>
+              <a:ext cx="49651" cy="49651"/>
+            </a:xfrm>
+            <a:prstGeom prst="ellipse">
+              <a:avLst/>
+            </a:prstGeom>
+            <a:solidFill>
+              <a:srgbClr val="C77CFF">
+                <a:alpha val="100000"/>
+              </a:srgbClr>
+            </a:solidFill>
+            <a:ln w="9000" cap="rnd">
+              <a:solidFill>
+                <a:srgbClr val="C77CFF">
+                  <a:alpha val="100000"/>
+                </a:srgbClr>
+              </a:solidFill>
+              <a:prstDash val="solid"/>
+              <a:round/>
+            </a:ln>
+          </p:spPr>
+          <p:txBody>
+            <a:bodyPr/>
+            <a:lstStyle/>
+            <a:p/>
+          </p:txBody>
+        </p:sp>
+        <p:sp>
+          <p:nvSpPr>
+            <p:cNvPr id="90" name="pt89"/>
+            <p:cNvSpPr/>
+            <p:nvPr/>
+          </p:nvSpPr>
+          <p:spPr>
+            <a:xfrm>
+              <a:off x="4091337" y="1288050"/>
+              <a:ext cx="49651" cy="49651"/>
+            </a:xfrm>
+            <a:prstGeom prst="ellipse">
+              <a:avLst/>
+            </a:prstGeom>
+            <a:solidFill>
+              <a:srgbClr val="C77CFF">
+                <a:alpha val="100000"/>
+              </a:srgbClr>
+            </a:solidFill>
+            <a:ln w="9000" cap="rnd">
+              <a:solidFill>
+                <a:srgbClr val="C77CFF">
+                  <a:alpha val="100000"/>
+                </a:srgbClr>
+              </a:solidFill>
+              <a:prstDash val="solid"/>
+              <a:round/>
+            </a:ln>
+          </p:spPr>
+          <p:txBody>
+            <a:bodyPr/>
+            <a:lstStyle/>
+            <a:p/>
+          </p:txBody>
+        </p:sp>
+        <p:sp>
+          <p:nvSpPr>
+            <p:cNvPr id="91" name="pt90"/>
+            <p:cNvSpPr/>
+            <p:nvPr/>
+          </p:nvSpPr>
+          <p:spPr>
+            <a:xfrm>
+              <a:off x="4161920" y="1404207"/>
+              <a:ext cx="49651" cy="49651"/>
+            </a:xfrm>
+            <a:prstGeom prst="ellipse">
+              <a:avLst/>
+            </a:prstGeom>
+            <a:solidFill>
+              <a:srgbClr val="C77CFF">
+                <a:alpha val="100000"/>
+              </a:srgbClr>
+            </a:solidFill>
+            <a:ln w="9000" cap="rnd">
+              <a:solidFill>
+                <a:srgbClr val="C77CFF">
+                  <a:alpha val="100000"/>
+                </a:srgbClr>
+              </a:solidFill>
+              <a:prstDash val="solid"/>
+              <a:round/>
+            </a:ln>
+          </p:spPr>
+          <p:txBody>
+            <a:bodyPr/>
+            <a:lstStyle/>
+            <a:p/>
+          </p:txBody>
+        </p:sp>
+        <p:sp>
+          <p:nvSpPr>
+            <p:cNvPr id="92" name="pt91"/>
+            <p:cNvSpPr/>
+            <p:nvPr/>
+          </p:nvSpPr>
+          <p:spPr>
+            <a:xfrm>
+              <a:off x="4232503" y="1708142"/>
+              <a:ext cx="49651" cy="49651"/>
+            </a:xfrm>
+            <a:prstGeom prst="ellipse">
+              <a:avLst/>
+            </a:prstGeom>
+            <a:solidFill>
+              <a:srgbClr val="C77CFF">
+                <a:alpha val="100000"/>
+              </a:srgbClr>
+            </a:solidFill>
+            <a:ln w="9000" cap="rnd">
+              <a:solidFill>
+                <a:srgbClr val="C77CFF">
+                  <a:alpha val="100000"/>
+                </a:srgbClr>
+              </a:solidFill>
+              <a:prstDash val="solid"/>
+              <a:round/>
+            </a:ln>
+          </p:spPr>
+          <p:txBody>
+            <a:bodyPr/>
+            <a:lstStyle/>
+            <a:p/>
+          </p:txBody>
+        </p:sp>
+        <p:sp>
+          <p:nvSpPr>
+            <p:cNvPr id="93" name="pt92"/>
+            <p:cNvSpPr/>
+            <p:nvPr/>
+          </p:nvSpPr>
+          <p:spPr>
+            <a:xfrm>
+              <a:off x="4303086" y="2086480"/>
+              <a:ext cx="49651" cy="49651"/>
+            </a:xfrm>
+            <a:prstGeom prst="ellipse">
+              <a:avLst/>
+            </a:prstGeom>
+            <a:solidFill>
+              <a:srgbClr val="C77CFF">
+                <a:alpha val="100000"/>
+              </a:srgbClr>
+            </a:solidFill>
+            <a:ln w="9000" cap="rnd">
+              <a:solidFill>
+                <a:srgbClr val="C77CFF">
+                  <a:alpha val="100000"/>
+                </a:srgbClr>
+              </a:solidFill>
+              <a:prstDash val="solid"/>
+              <a:round/>
+            </a:ln>
+          </p:spPr>
+          <p:txBody>
+            <a:bodyPr/>
+            <a:lstStyle/>
+            <a:p/>
+          </p:txBody>
+        </p:sp>
+        <p:sp>
+          <p:nvSpPr>
+            <p:cNvPr id="94" name="pt93"/>
+            <p:cNvSpPr/>
+            <p:nvPr/>
+          </p:nvSpPr>
+          <p:spPr>
+            <a:xfrm>
+              <a:off x="4373668" y="2456211"/>
+              <a:ext cx="49651" cy="49651"/>
+            </a:xfrm>
+            <a:prstGeom prst="ellipse">
+              <a:avLst/>
+            </a:prstGeom>
+            <a:solidFill>
+              <a:srgbClr val="C77CFF">
+                <a:alpha val="100000"/>
+              </a:srgbClr>
+            </a:solidFill>
+            <a:ln w="9000" cap="rnd">
+              <a:solidFill>
+                <a:srgbClr val="C77CFF">
+                  <a:alpha val="100000"/>
+                </a:srgbClr>
+              </a:solidFill>
+              <a:prstDash val="solid"/>
+              <a:round/>
+            </a:ln>
+          </p:spPr>
+          <p:txBody>
+            <a:bodyPr/>
+            <a:lstStyle/>
+            <a:p/>
+          </p:txBody>
+        </p:sp>
+        <p:sp>
+          <p:nvSpPr>
+            <p:cNvPr id="95" name="pt94"/>
+            <p:cNvSpPr/>
+            <p:nvPr/>
+          </p:nvSpPr>
+          <p:spPr>
+            <a:xfrm>
+              <a:off x="4444251" y="2796835"/>
+              <a:ext cx="49651" cy="49651"/>
+            </a:xfrm>
+            <a:prstGeom prst="ellipse">
+              <a:avLst/>
+            </a:prstGeom>
+            <a:solidFill>
+              <a:srgbClr val="C77CFF">
+                <a:alpha val="100000"/>
+              </a:srgbClr>
+            </a:solidFill>
+            <a:ln w="9000" cap="rnd">
+              <a:solidFill>
+                <a:srgbClr val="C77CFF">
+                  <a:alpha val="100000"/>
+                </a:srgbClr>
+              </a:solidFill>
+              <a:prstDash val="solid"/>
+              <a:round/>
+            </a:ln>
+          </p:spPr>
+          <p:txBody>
+            <a:bodyPr/>
+            <a:lstStyle/>
+            <a:p/>
+          </p:txBody>
+        </p:sp>
+        <p:sp>
+          <p:nvSpPr>
+            <p:cNvPr id="96" name="pt95"/>
+            <p:cNvSpPr/>
+            <p:nvPr/>
+          </p:nvSpPr>
+          <p:spPr>
+            <a:xfrm>
+              <a:off x="4550125" y="3172459"/>
+              <a:ext cx="49651" cy="49651"/>
+            </a:xfrm>
+            <a:prstGeom prst="ellipse">
+              <a:avLst/>
+            </a:prstGeom>
+            <a:solidFill>
+              <a:srgbClr val="C77CFF">
+                <a:alpha val="100000"/>
+              </a:srgbClr>
+            </a:solidFill>
+            <a:ln w="9000" cap="rnd">
+              <a:solidFill>
+                <a:srgbClr val="C77CFF">
+                  <a:alpha val="100000"/>
+                </a:srgbClr>
+              </a:solidFill>
+              <a:prstDash val="solid"/>
+              <a:round/>
+            </a:ln>
+          </p:spPr>
+          <p:txBody>
+            <a:bodyPr/>
+            <a:lstStyle/>
+            <a:p/>
+          </p:txBody>
+        </p:sp>
+        <p:sp>
+          <p:nvSpPr>
+            <p:cNvPr id="97" name="pt96"/>
+            <p:cNvSpPr/>
+            <p:nvPr/>
+          </p:nvSpPr>
+          <p:spPr>
+            <a:xfrm>
+              <a:off x="4726582" y="3485237"/>
+              <a:ext cx="49651" cy="49651"/>
+            </a:xfrm>
+            <a:prstGeom prst="ellipse">
+              <a:avLst/>
+            </a:prstGeom>
+            <a:solidFill>
+              <a:srgbClr val="C77CFF">
+                <a:alpha val="100000"/>
+              </a:srgbClr>
+            </a:solidFill>
+            <a:ln w="9000" cap="rnd">
+              <a:solidFill>
+                <a:srgbClr val="C77CFF">
+                  <a:alpha val="100000"/>
+                </a:srgbClr>
+              </a:solidFill>
+              <a:prstDash val="solid"/>
+              <a:round/>
+            </a:ln>
+          </p:spPr>
+          <p:txBody>
+            <a:bodyPr/>
+            <a:lstStyle/>
+            <a:p/>
+          </p:txBody>
+        </p:sp>
+        <p:sp>
+          <p:nvSpPr>
+            <p:cNvPr id="98" name="pt97"/>
+            <p:cNvSpPr/>
+            <p:nvPr/>
+          </p:nvSpPr>
+          <p:spPr>
+            <a:xfrm>
+              <a:off x="4867747" y="3607577"/>
+              <a:ext cx="49651" cy="49651"/>
+            </a:xfrm>
+            <a:prstGeom prst="ellipse">
+              <a:avLst/>
+            </a:prstGeom>
+            <a:solidFill>
+              <a:srgbClr val="C77CFF">
+                <a:alpha val="100000"/>
+              </a:srgbClr>
+            </a:solidFill>
+            <a:ln w="9000" cap="rnd">
+              <a:solidFill>
+                <a:srgbClr val="C77CFF">
+                  <a:alpha val="100000"/>
+                </a:srgbClr>
+              </a:solidFill>
+              <a:prstDash val="solid"/>
+              <a:round/>
+            </a:ln>
+          </p:spPr>
+          <p:txBody>
+            <a:bodyPr/>
+            <a:lstStyle/>
+            <a:p/>
+          </p:txBody>
+        </p:sp>
+        <p:sp>
+          <p:nvSpPr>
+            <p:cNvPr id="99" name="pt98"/>
+            <p:cNvSpPr/>
+            <p:nvPr/>
+          </p:nvSpPr>
+          <p:spPr>
+            <a:xfrm>
+              <a:off x="4938330" y="3652214"/>
+              <a:ext cx="49651" cy="49651"/>
+            </a:xfrm>
+            <a:prstGeom prst="ellipse">
+              <a:avLst/>
+            </a:prstGeom>
+            <a:solidFill>
+              <a:srgbClr val="C77CFF">
+                <a:alpha val="100000"/>
+              </a:srgbClr>
+            </a:solidFill>
+            <a:ln w="9000" cap="rnd">
+              <a:solidFill>
+                <a:srgbClr val="C77CFF">
+                  <a:alpha val="100000"/>
+                </a:srgbClr>
+              </a:solidFill>
+              <a:prstDash val="solid"/>
+              <a:round/>
+            </a:ln>
+          </p:spPr>
+          <p:txBody>
+            <a:bodyPr/>
+            <a:lstStyle/>
+            <a:p/>
+          </p:txBody>
+        </p:sp>
+        <p:sp>
+          <p:nvSpPr>
+            <p:cNvPr id="100" name="pt99"/>
+            <p:cNvSpPr/>
+            <p:nvPr/>
+          </p:nvSpPr>
+          <p:spPr>
+            <a:xfrm>
+              <a:off x="5008913" y="3695054"/>
+              <a:ext cx="49651" cy="49651"/>
+            </a:xfrm>
+            <a:prstGeom prst="ellipse">
+              <a:avLst/>
+            </a:prstGeom>
+            <a:solidFill>
+              <a:srgbClr val="C77CFF">
+                <a:alpha val="100000"/>
+              </a:srgbClr>
+            </a:solidFill>
+            <a:ln w="9000" cap="rnd">
+              <a:solidFill>
+                <a:srgbClr val="C77CFF">
+                  <a:alpha val="100000"/>
+                </a:srgbClr>
+              </a:solidFill>
+              <a:prstDash val="solid"/>
+              <a:round/>
+            </a:ln>
+          </p:spPr>
+          <p:txBody>
+            <a:bodyPr/>
+            <a:lstStyle/>
+            <a:p/>
+          </p:txBody>
+        </p:sp>
+        <p:sp>
+          <p:nvSpPr>
+            <p:cNvPr id="101" name="pt100"/>
+            <p:cNvSpPr/>
+            <p:nvPr/>
+          </p:nvSpPr>
+          <p:spPr>
+            <a:xfrm>
+              <a:off x="5150078" y="3771729"/>
+              <a:ext cx="49651" cy="49651"/>
+            </a:xfrm>
+            <a:prstGeom prst="ellipse">
+              <a:avLst/>
+            </a:prstGeom>
+            <a:solidFill>
+              <a:srgbClr val="C77CFF">
+                <a:alpha val="100000"/>
+              </a:srgbClr>
+            </a:solidFill>
+            <a:ln w="9000" cap="rnd">
+              <a:solidFill>
+                <a:srgbClr val="C77CFF">
+                  <a:alpha val="100000"/>
+                </a:srgbClr>
+              </a:solidFill>
+              <a:prstDash val="solid"/>
+              <a:round/>
+            </a:ln>
+          </p:spPr>
+          <p:txBody>
+            <a:bodyPr/>
+            <a:lstStyle/>
+            <a:p/>
+          </p:txBody>
+        </p:sp>
+        <p:sp>
+          <p:nvSpPr>
+            <p:cNvPr id="102" name="pt101"/>
+            <p:cNvSpPr/>
+            <p:nvPr/>
+          </p:nvSpPr>
+          <p:spPr>
+            <a:xfrm>
+              <a:off x="5361826" y="3857017"/>
+              <a:ext cx="49651" cy="49651"/>
+            </a:xfrm>
+            <a:prstGeom prst="ellipse">
+              <a:avLst/>
+            </a:prstGeom>
+            <a:solidFill>
+              <a:srgbClr val="C77CFF">
+                <a:alpha val="100000"/>
+              </a:srgbClr>
+            </a:solidFill>
+            <a:ln w="9000" cap="rnd">
+              <a:solidFill>
+                <a:srgbClr val="C77CFF">
+                  <a:alpha val="100000"/>
+                </a:srgbClr>
+              </a:solidFill>
+              <a:prstDash val="solid"/>
+              <a:round/>
+            </a:ln>
+          </p:spPr>
+          <p:txBody>
+            <a:bodyPr/>
+            <a:lstStyle/>
+            <a:p/>
+          </p:txBody>
+        </p:sp>
+        <p:sp>
+          <p:nvSpPr>
+            <p:cNvPr id="103" name="pt102"/>
+            <p:cNvSpPr/>
+            <p:nvPr/>
+          </p:nvSpPr>
+          <p:spPr>
+            <a:xfrm>
+              <a:off x="2362061" y="4002328"/>
+              <a:ext cx="49651" cy="49651"/>
+            </a:xfrm>
+            <a:prstGeom prst="ellipse">
+              <a:avLst/>
+            </a:prstGeom>
+            <a:solidFill>
+              <a:srgbClr val="00BFC4">
+                <a:alpha val="100000"/>
+              </a:srgbClr>
+            </a:solidFill>
+            <a:ln w="9000" cap="rnd">
+              <a:solidFill>
+                <a:srgbClr val="00BFC4">
+                  <a:alpha val="100000"/>
+                </a:srgbClr>
+              </a:solidFill>
+              <a:prstDash val="solid"/>
+              <a:round/>
+            </a:ln>
+          </p:spPr>
+          <p:txBody>
+            <a:bodyPr/>
+            <a:lstStyle/>
+            <a:p/>
+          </p:txBody>
+        </p:sp>
+        <p:sp>
+          <p:nvSpPr>
+            <p:cNvPr id="104" name="pt103"/>
+            <p:cNvSpPr/>
+            <p:nvPr/>
+          </p:nvSpPr>
+          <p:spPr>
+            <a:xfrm>
+              <a:off x="3138471" y="3868710"/>
+              <a:ext cx="49651" cy="49651"/>
+            </a:xfrm>
+            <a:prstGeom prst="ellipse">
+              <a:avLst/>
+            </a:prstGeom>
+            <a:solidFill>
+              <a:srgbClr val="00BFC4">
+                <a:alpha val="100000"/>
+              </a:srgbClr>
+            </a:solidFill>
+            <a:ln w="9000" cap="rnd">
+              <a:solidFill>
+                <a:srgbClr val="00BFC4">
+                  <a:alpha val="100000"/>
+                </a:srgbClr>
+              </a:solidFill>
+              <a:prstDash val="solid"/>
+              <a:round/>
+            </a:ln>
+          </p:spPr>
+          <p:txBody>
+            <a:bodyPr/>
+            <a:lstStyle/>
+            <a:p/>
+          </p:txBody>
+        </p:sp>
+        <p:sp>
+          <p:nvSpPr>
+            <p:cNvPr id="105" name="pt104"/>
+            <p:cNvSpPr/>
+            <p:nvPr/>
+          </p:nvSpPr>
+          <p:spPr>
+            <a:xfrm>
+              <a:off x="3279636" y="3768568"/>
+              <a:ext cx="49651" cy="49651"/>
+            </a:xfrm>
+            <a:prstGeom prst="ellipse">
+              <a:avLst/>
+            </a:prstGeom>
+            <a:solidFill>
+              <a:srgbClr val="00BFC4">
+                <a:alpha val="100000"/>
+              </a:srgbClr>
+            </a:solidFill>
+            <a:ln w="9000" cap="rnd">
+              <a:solidFill>
+                <a:srgbClr val="00BFC4">
+                  <a:alpha val="100000"/>
+                </a:srgbClr>
+              </a:solidFill>
+              <a:prstDash val="solid"/>
+              <a:round/>
+            </a:ln>
+          </p:spPr>
+          <p:txBody>
+            <a:bodyPr/>
+            <a:lstStyle/>
+            <a:p/>
+          </p:txBody>
+        </p:sp>
+        <p:sp>
+          <p:nvSpPr>
+            <p:cNvPr id="106" name="pt105"/>
+            <p:cNvSpPr/>
+            <p:nvPr/>
+          </p:nvSpPr>
+          <p:spPr>
+            <a:xfrm>
+              <a:off x="3420801" y="3583446"/>
+              <a:ext cx="49651" cy="49651"/>
+            </a:xfrm>
+            <a:prstGeom prst="ellipse">
+              <a:avLst/>
+            </a:prstGeom>
+            <a:solidFill>
+              <a:srgbClr val="00BFC4">
+                <a:alpha val="100000"/>
+              </a:srgbClr>
+            </a:solidFill>
+            <a:ln w="9000" cap="rnd">
+              <a:solidFill>
+                <a:srgbClr val="00BFC4">
+                  <a:alpha val="100000"/>
+                </a:srgbClr>
+              </a:solidFill>
+              <a:prstDash val="solid"/>
+              <a:round/>
+            </a:ln>
+          </p:spPr>
+          <p:txBody>
+            <a:bodyPr/>
+            <a:lstStyle/>
+            <a:p/>
+          </p:txBody>
+        </p:sp>
+        <p:sp>
+          <p:nvSpPr>
+            <p:cNvPr id="107" name="pt106"/>
+            <p:cNvSpPr/>
+            <p:nvPr/>
+          </p:nvSpPr>
+          <p:spPr>
+            <a:xfrm>
+              <a:off x="3526676" y="3354122"/>
+              <a:ext cx="49651" cy="49651"/>
+            </a:xfrm>
+            <a:prstGeom prst="ellipse">
+              <a:avLst/>
+            </a:prstGeom>
+            <a:solidFill>
+              <a:srgbClr val="00BFC4">
+                <a:alpha val="100000"/>
+              </a:srgbClr>
+            </a:solidFill>
+            <a:ln w="9000" cap="rnd">
+              <a:solidFill>
+                <a:srgbClr val="00BFC4">
+                  <a:alpha val="100000"/>
+                </a:srgbClr>
+              </a:solidFill>
+              <a:prstDash val="solid"/>
+              <a:round/>
+            </a:ln>
+          </p:spPr>
+          <p:txBody>
+            <a:bodyPr/>
+            <a:lstStyle/>
+            <a:p/>
+          </p:txBody>
+        </p:sp>
+        <p:sp>
+          <p:nvSpPr>
+            <p:cNvPr id="108" name="pt107"/>
+            <p:cNvSpPr/>
+            <p:nvPr/>
+          </p:nvSpPr>
+          <p:spPr>
+            <a:xfrm>
+              <a:off x="3597258" y="3145588"/>
+              <a:ext cx="49651" cy="49651"/>
+            </a:xfrm>
+            <a:prstGeom prst="ellipse">
+              <a:avLst/>
+            </a:prstGeom>
+            <a:solidFill>
+              <a:srgbClr val="00BFC4">
+                <a:alpha val="100000"/>
+              </a:srgbClr>
+            </a:solidFill>
+            <a:ln w="9000" cap="rnd">
+              <a:solidFill>
+                <a:srgbClr val="00BFC4">
+                  <a:alpha val="100000"/>
+                </a:srgbClr>
+              </a:solidFill>
+              <a:prstDash val="solid"/>
+              <a:round/>
+            </a:ln>
+          </p:spPr>
+          <p:txBody>
+            <a:bodyPr/>
+            <a:lstStyle/>
+            <a:p/>
+          </p:txBody>
+        </p:sp>
+        <p:sp>
+          <p:nvSpPr>
+            <p:cNvPr id="109" name="pt108"/>
+            <p:cNvSpPr/>
+            <p:nvPr/>
+          </p:nvSpPr>
+          <p:spPr>
+            <a:xfrm>
+              <a:off x="3667841" y="2883403"/>
+              <a:ext cx="49651" cy="49651"/>
+            </a:xfrm>
+            <a:prstGeom prst="ellipse">
+              <a:avLst/>
+            </a:prstGeom>
+            <a:solidFill>
+              <a:srgbClr val="00BFC4">
+                <a:alpha val="100000"/>
+              </a:srgbClr>
+            </a:solidFill>
+            <a:ln w="9000" cap="rnd">
+              <a:solidFill>
+                <a:srgbClr val="00BFC4">
+                  <a:alpha val="100000"/>
+                </a:srgbClr>
+              </a:solidFill>
+              <a:prstDash val="solid"/>
+              <a:round/>
+            </a:ln>
+          </p:spPr>
+          <p:txBody>
+            <a:bodyPr/>
+            <a:lstStyle/>
+            <a:p/>
+          </p:txBody>
+        </p:sp>
+        <p:sp>
+          <p:nvSpPr>
+            <p:cNvPr id="110" name="pt109"/>
+            <p:cNvSpPr/>
+            <p:nvPr/>
+          </p:nvSpPr>
+          <p:spPr>
+            <a:xfrm>
+              <a:off x="3738424" y="2571663"/>
+              <a:ext cx="49651" cy="49651"/>
+            </a:xfrm>
+            <a:prstGeom prst="ellipse">
+              <a:avLst/>
+            </a:prstGeom>
+            <a:solidFill>
+              <a:srgbClr val="00BFC4">
+                <a:alpha val="100000"/>
+              </a:srgbClr>
+            </a:solidFill>
+            <a:ln w="9000" cap="rnd">
+              <a:solidFill>
+                <a:srgbClr val="00BFC4">
+                  <a:alpha val="100000"/>
+                </a:srgbClr>
+              </a:solidFill>
+              <a:prstDash val="solid"/>
+              <a:round/>
+            </a:ln>
+          </p:spPr>
+          <p:txBody>
+            <a:bodyPr/>
+            <a:lstStyle/>
+            <a:p/>
+          </p:txBody>
+        </p:sp>
+        <p:sp>
+          <p:nvSpPr>
+            <p:cNvPr id="111" name="pt110"/>
+            <p:cNvSpPr/>
+            <p:nvPr/>
+          </p:nvSpPr>
+          <p:spPr>
+            <a:xfrm>
+              <a:off x="3809006" y="2230269"/>
+              <a:ext cx="49651" cy="49651"/>
+            </a:xfrm>
+            <a:prstGeom prst="ellipse">
+              <a:avLst/>
+            </a:prstGeom>
+            <a:solidFill>
+              <a:srgbClr val="00BFC4">
+                <a:alpha val="100000"/>
+              </a:srgbClr>
+            </a:solidFill>
+            <a:ln w="9000" cap="rnd">
+              <a:solidFill>
+                <a:srgbClr val="00BFC4">
+                  <a:alpha val="100000"/>
+                </a:srgbClr>
+              </a:solidFill>
+              <a:prstDash val="solid"/>
+              <a:round/>
+            </a:ln>
+          </p:spPr>
+          <p:txBody>
+            <a:bodyPr/>
+            <a:lstStyle/>
+            <a:p/>
+          </p:txBody>
+        </p:sp>
+        <p:sp>
+          <p:nvSpPr>
+            <p:cNvPr id="112" name="pt111"/>
+            <p:cNvSpPr/>
+            <p:nvPr/>
+          </p:nvSpPr>
+          <p:spPr>
+            <a:xfrm>
+              <a:off x="3879589" y="1871845"/>
+              <a:ext cx="49651" cy="49651"/>
+            </a:xfrm>
+            <a:prstGeom prst="ellipse">
+              <a:avLst/>
+            </a:prstGeom>
+            <a:solidFill>
+              <a:srgbClr val="00BFC4">
+                <a:alpha val="100000"/>
+              </a:srgbClr>
+            </a:solidFill>
+            <a:ln w="9000" cap="rnd">
+              <a:solidFill>
+                <a:srgbClr val="00BFC4">
+                  <a:alpha val="100000"/>
+                </a:srgbClr>
+              </a:solidFill>
+              <a:prstDash val="solid"/>
+              <a:round/>
+            </a:ln>
+          </p:spPr>
+          <p:txBody>
+            <a:bodyPr/>
+            <a:lstStyle/>
+            <a:p/>
+          </p:txBody>
+        </p:sp>
+        <p:sp>
+          <p:nvSpPr>
+            <p:cNvPr id="113" name="pt112"/>
+            <p:cNvSpPr/>
+            <p:nvPr/>
+          </p:nvSpPr>
+          <p:spPr>
+            <a:xfrm>
+              <a:off x="3950172" y="1545748"/>
+              <a:ext cx="49651" cy="49651"/>
+            </a:xfrm>
+            <a:prstGeom prst="ellipse">
+              <a:avLst/>
+            </a:prstGeom>
+            <a:solidFill>
+              <a:srgbClr val="00BFC4">
+                <a:alpha val="100000"/>
+              </a:srgbClr>
+            </a:solidFill>
+            <a:ln w="9000" cap="rnd">
+              <a:solidFill>
+                <a:srgbClr val="00BFC4">
+                  <a:alpha val="100000"/>
+                </a:srgbClr>
+              </a:solidFill>
+              <a:prstDash val="solid"/>
+              <a:round/>
+            </a:ln>
+          </p:spPr>
+          <p:txBody>
+            <a:bodyPr/>
+            <a:lstStyle/>
+            <a:p/>
+          </p:txBody>
+        </p:sp>
+        <p:sp>
+          <p:nvSpPr>
+            <p:cNvPr id="114" name="pt113"/>
+            <p:cNvSpPr/>
+            <p:nvPr/>
+          </p:nvSpPr>
+          <p:spPr>
+            <a:xfrm>
+              <a:off x="4020755" y="1403623"/>
+              <a:ext cx="49651" cy="49651"/>
+            </a:xfrm>
+            <a:prstGeom prst="ellipse">
+              <a:avLst/>
+            </a:prstGeom>
+            <a:solidFill>
+              <a:srgbClr val="00BFC4">
+                <a:alpha val="100000"/>
+              </a:srgbClr>
+            </a:solidFill>
+            <a:ln w="9000" cap="rnd">
+              <a:solidFill>
+                <a:srgbClr val="00BFC4">
+                  <a:alpha val="100000"/>
+                </a:srgbClr>
+              </a:solidFill>
+              <a:prstDash val="solid"/>
+              <a:round/>
+            </a:ln>
+          </p:spPr>
+          <p:txBody>
+            <a:bodyPr/>
+            <a:lstStyle/>
+            <a:p/>
+          </p:txBody>
+        </p:sp>
+        <p:sp>
+          <p:nvSpPr>
+            <p:cNvPr id="115" name="pt114"/>
+            <p:cNvSpPr/>
+            <p:nvPr/>
+          </p:nvSpPr>
+          <p:spPr>
+            <a:xfrm>
+              <a:off x="4091337" y="1422869"/>
+              <a:ext cx="49651" cy="49651"/>
+            </a:xfrm>
+            <a:prstGeom prst="ellipse">
+              <a:avLst/>
+            </a:prstGeom>
+            <a:solidFill>
+              <a:srgbClr val="00BFC4">
+                <a:alpha val="100000"/>
+              </a:srgbClr>
+            </a:solidFill>
+            <a:ln w="9000" cap="rnd">
+              <a:solidFill>
+                <a:srgbClr val="00BFC4">
+                  <a:alpha val="100000"/>
+                </a:srgbClr>
+              </a:solidFill>
+              <a:prstDash val="solid"/>
+              <a:round/>
+            </a:ln>
+          </p:spPr>
+          <p:txBody>
+            <a:bodyPr/>
+            <a:lstStyle/>
+            <a:p/>
+          </p:txBody>
+        </p:sp>
+        <p:sp>
+          <p:nvSpPr>
+            <p:cNvPr id="116" name="pt115"/>
+            <p:cNvSpPr/>
+            <p:nvPr/>
+          </p:nvSpPr>
+          <p:spPr>
+            <a:xfrm>
+              <a:off x="4161920" y="1603220"/>
+              <a:ext cx="49651" cy="49651"/>
+            </a:xfrm>
+            <a:prstGeom prst="ellipse">
+              <a:avLst/>
+            </a:prstGeom>
+            <a:solidFill>
+              <a:srgbClr val="00BFC4">
+                <a:alpha val="100000"/>
+              </a:srgbClr>
+            </a:solidFill>
+            <a:ln w="9000" cap="rnd">
+              <a:solidFill>
+                <a:srgbClr val="00BFC4">
+                  <a:alpha val="100000"/>
+                </a:srgbClr>
+              </a:solidFill>
+              <a:prstDash val="solid"/>
+              <a:round/>
+            </a:ln>
+          </p:spPr>
+          <p:txBody>
+            <a:bodyPr/>
+            <a:lstStyle/>
+            <a:p/>
+          </p:txBody>
+        </p:sp>
+        <p:sp>
+          <p:nvSpPr>
+            <p:cNvPr id="117" name="pt116"/>
+            <p:cNvSpPr/>
+            <p:nvPr/>
+          </p:nvSpPr>
+          <p:spPr>
+            <a:xfrm>
+              <a:off x="4232503" y="1953203"/>
+              <a:ext cx="49651" cy="49651"/>
+            </a:xfrm>
+            <a:prstGeom prst="ellipse">
+              <a:avLst/>
+            </a:prstGeom>
+            <a:solidFill>
+              <a:srgbClr val="00BFC4">
+                <a:alpha val="100000"/>
+              </a:srgbClr>
+            </a:solidFill>
+            <a:ln w="9000" cap="rnd">
+              <a:solidFill>
+                <a:srgbClr val="00BFC4">
+                  <a:alpha val="100000"/>
+                </a:srgbClr>
+              </a:solidFill>
+              <a:prstDash val="solid"/>
+              <a:round/>
+            </a:ln>
+          </p:spPr>
+          <p:txBody>
+            <a:bodyPr/>
+            <a:lstStyle/>
+            <a:p/>
+          </p:txBody>
+        </p:sp>
+        <p:sp>
+          <p:nvSpPr>
+            <p:cNvPr id="118" name="pt117"/>
+            <p:cNvSpPr/>
+            <p:nvPr/>
+          </p:nvSpPr>
+          <p:spPr>
+            <a:xfrm>
+              <a:off x="4303086" y="2302934"/>
+              <a:ext cx="49651" cy="49651"/>
+            </a:xfrm>
+            <a:prstGeom prst="ellipse">
+              <a:avLst/>
+            </a:prstGeom>
+            <a:solidFill>
+              <a:srgbClr val="00BFC4">
+                <a:alpha val="100000"/>
+              </a:srgbClr>
+            </a:solidFill>
+            <a:ln w="9000" cap="rnd">
+              <a:solidFill>
+                <a:srgbClr val="00BFC4">
+                  <a:alpha val="100000"/>
+                </a:srgbClr>
+              </a:solidFill>
+              <a:prstDash val="solid"/>
+              <a:round/>
+            </a:ln>
+          </p:spPr>
+          <p:txBody>
+            <a:bodyPr/>
+            <a:lstStyle/>
+            <a:p/>
+          </p:txBody>
+        </p:sp>
+        <p:sp>
+          <p:nvSpPr>
+            <p:cNvPr id="119" name="pt118"/>
+            <p:cNvSpPr/>
+            <p:nvPr/>
+          </p:nvSpPr>
+          <p:spPr>
+            <a:xfrm>
+              <a:off x="4373668" y="2625242"/>
+              <a:ext cx="49651" cy="49651"/>
+            </a:xfrm>
+            <a:prstGeom prst="ellipse">
+              <a:avLst/>
+            </a:prstGeom>
+            <a:solidFill>
+              <a:srgbClr val="00BFC4">
+                <a:alpha val="100000"/>
+              </a:srgbClr>
+            </a:solidFill>
+            <a:ln w="9000" cap="rnd">
+              <a:solidFill>
+                <a:srgbClr val="00BFC4">
+                  <a:alpha val="100000"/>
+                </a:srgbClr>
+              </a:solidFill>
+              <a:prstDash val="solid"/>
+              <a:round/>
+            </a:ln>
+          </p:spPr>
+          <p:txBody>
+            <a:bodyPr/>
+            <a:lstStyle/>
+            <a:p/>
+          </p:txBody>
+        </p:sp>
+        <p:sp>
+          <p:nvSpPr>
+            <p:cNvPr id="120" name="pt119"/>
+            <p:cNvSpPr/>
+            <p:nvPr/>
+          </p:nvSpPr>
+          <p:spPr>
+            <a:xfrm>
+              <a:off x="4444251" y="2897585"/>
+              <a:ext cx="49651" cy="49651"/>
+            </a:xfrm>
+            <a:prstGeom prst="ellipse">
+              <a:avLst/>
+            </a:prstGeom>
+            <a:solidFill>
+              <a:srgbClr val="00BFC4">
+                <a:alpha val="100000"/>
+              </a:srgbClr>
+            </a:solidFill>
+            <a:ln w="9000" cap="rnd">
+              <a:solidFill>
+                <a:srgbClr val="00BFC4">
+                  <a:alpha val="100000"/>
+                </a:srgbClr>
+              </a:solidFill>
+              <a:prstDash val="solid"/>
+              <a:round/>
+            </a:ln>
+          </p:spPr>
+          <p:txBody>
+            <a:bodyPr/>
+            <a:lstStyle/>
+            <a:p/>
+          </p:txBody>
+        </p:sp>
+        <p:sp>
+          <p:nvSpPr>
+            <p:cNvPr id="121" name="pt120"/>
+            <p:cNvSpPr/>
+            <p:nvPr/>
+          </p:nvSpPr>
+          <p:spPr>
+            <a:xfrm>
+              <a:off x="4514834" y="3107225"/>
+              <a:ext cx="49651" cy="49651"/>
+            </a:xfrm>
+            <a:prstGeom prst="ellipse">
+              <a:avLst/>
+            </a:prstGeom>
+            <a:solidFill>
+              <a:srgbClr val="00BFC4">
+                <a:alpha val="100000"/>
+              </a:srgbClr>
+            </a:solidFill>
+            <a:ln w="9000" cap="rnd">
+              <a:solidFill>
+                <a:srgbClr val="00BFC4">
+                  <a:alpha val="100000"/>
+                </a:srgbClr>
+              </a:solidFill>
+              <a:prstDash val="solid"/>
+              <a:round/>
+            </a:ln>
+          </p:spPr>
+          <p:txBody>
+            <a:bodyPr/>
+            <a:lstStyle/>
+            <a:p/>
+          </p:txBody>
+        </p:sp>
+        <p:sp>
+          <p:nvSpPr>
+            <p:cNvPr id="122" name="pt121"/>
+            <p:cNvSpPr/>
+            <p:nvPr/>
+          </p:nvSpPr>
+          <p:spPr>
+            <a:xfrm>
+              <a:off x="4620708" y="3334654"/>
+              <a:ext cx="49651" cy="49651"/>
+            </a:xfrm>
+            <a:prstGeom prst="ellipse">
+              <a:avLst/>
+            </a:prstGeom>
+            <a:solidFill>
+              <a:srgbClr val="00BFC4">
+                <a:alpha val="100000"/>
+              </a:srgbClr>
+            </a:solidFill>
+            <a:ln w="9000" cap="rnd">
+              <a:solidFill>
+                <a:srgbClr val="00BFC4">
+                  <a:alpha val="100000"/>
+                </a:srgbClr>
+              </a:solidFill>
+              <a:prstDash val="solid"/>
+              <a:round/>
+            </a:ln>
+          </p:spPr>
+          <p:txBody>
+            <a:bodyPr/>
+            <a:lstStyle/>
+            <a:p/>
+          </p:txBody>
+        </p:sp>
+        <p:sp>
+          <p:nvSpPr>
+            <p:cNvPr id="123" name="pt122"/>
+            <p:cNvSpPr/>
+            <p:nvPr/>
+          </p:nvSpPr>
+          <p:spPr>
+            <a:xfrm>
+              <a:off x="4726582" y="3487354"/>
+              <a:ext cx="49651" cy="49651"/>
+            </a:xfrm>
+            <a:prstGeom prst="ellipse">
+              <a:avLst/>
+            </a:prstGeom>
+            <a:solidFill>
+              <a:srgbClr val="00BFC4">
+                <a:alpha val="100000"/>
+              </a:srgbClr>
+            </a:solidFill>
+            <a:ln w="9000" cap="rnd">
+              <a:solidFill>
+                <a:srgbClr val="00BFC4">
+                  <a:alpha val="100000"/>
+                </a:srgbClr>
+              </a:solidFill>
+              <a:prstDash val="solid"/>
+              <a:round/>
+            </a:ln>
+          </p:spPr>
+          <p:txBody>
+            <a:bodyPr/>
+            <a:lstStyle/>
+            <a:p/>
+          </p:txBody>
+        </p:sp>
+        <p:sp>
+          <p:nvSpPr>
+            <p:cNvPr id="124" name="pt123"/>
+            <p:cNvSpPr/>
+            <p:nvPr/>
+          </p:nvSpPr>
+          <p:spPr>
+            <a:xfrm>
+              <a:off x="4797165" y="3566024"/>
+              <a:ext cx="49651" cy="49651"/>
+            </a:xfrm>
+            <a:prstGeom prst="ellipse">
+              <a:avLst/>
+            </a:prstGeom>
+            <a:solidFill>
+              <a:srgbClr val="00BFC4">
+                <a:alpha val="100000"/>
+              </a:srgbClr>
+            </a:solidFill>
+            <a:ln w="9000" cap="rnd">
+              <a:solidFill>
+                <a:srgbClr val="00BFC4">
+                  <a:alpha val="100000"/>
+                </a:srgbClr>
+              </a:solidFill>
+              <a:prstDash val="solid"/>
+              <a:round/>
+            </a:ln>
+          </p:spPr>
+          <p:txBody>
+            <a:bodyPr/>
+            <a:lstStyle/>
+            <a:p/>
+          </p:txBody>
+        </p:sp>
+        <p:sp>
+          <p:nvSpPr>
+            <p:cNvPr id="125" name="pt124"/>
+            <p:cNvSpPr/>
+            <p:nvPr/>
+          </p:nvSpPr>
+          <p:spPr>
+            <a:xfrm>
+              <a:off x="4938330" y="3692563"/>
+              <a:ext cx="49651" cy="49651"/>
+            </a:xfrm>
+            <a:prstGeom prst="ellipse">
+              <a:avLst/>
+            </a:prstGeom>
+            <a:solidFill>
+              <a:srgbClr val="00BFC4">
+                <a:alpha val="100000"/>
+              </a:srgbClr>
+            </a:solidFill>
+            <a:ln w="9000" cap="rnd">
+              <a:solidFill>
+                <a:srgbClr val="00BFC4">
+                  <a:alpha val="100000"/>
+                </a:srgbClr>
+              </a:solidFill>
+              <a:prstDash val="solid"/>
+              <a:round/>
+            </a:ln>
+          </p:spPr>
+          <p:txBody>
+            <a:bodyPr/>
+            <a:lstStyle/>
+            <a:p/>
+          </p:txBody>
+        </p:sp>
+        <p:sp>
+          <p:nvSpPr>
+            <p:cNvPr id="126" name="pt125"/>
+            <p:cNvSpPr/>
+            <p:nvPr/>
+          </p:nvSpPr>
+          <p:spPr>
+            <a:xfrm>
+              <a:off x="5079495" y="3788917"/>
+              <a:ext cx="49651" cy="49651"/>
+            </a:xfrm>
+            <a:prstGeom prst="ellipse">
+              <a:avLst/>
+            </a:prstGeom>
+            <a:solidFill>
+              <a:srgbClr val="00BFC4">
+                <a:alpha val="100000"/>
+              </a:srgbClr>
+            </a:solidFill>
+            <a:ln w="9000" cap="rnd">
+              <a:solidFill>
+                <a:srgbClr val="00BFC4">
+                  <a:alpha val="100000"/>
+                </a:srgbClr>
+              </a:solidFill>
+              <a:prstDash val="solid"/>
+              <a:round/>
+            </a:ln>
+          </p:spPr>
+          <p:txBody>
+            <a:bodyPr/>
+            <a:lstStyle/>
+            <a:p/>
+          </p:txBody>
+        </p:sp>
+        <p:sp>
+          <p:nvSpPr>
+            <p:cNvPr id="127" name="pt126"/>
+            <p:cNvSpPr/>
+            <p:nvPr/>
+          </p:nvSpPr>
+          <p:spPr>
+            <a:xfrm>
+              <a:off x="5185370" y="3848279"/>
+              <a:ext cx="49651" cy="49651"/>
+            </a:xfrm>
+            <a:prstGeom prst="ellipse">
+              <a:avLst/>
+            </a:prstGeom>
+            <a:solidFill>
+              <a:srgbClr val="00BFC4">
+                <a:alpha val="100000"/>
+              </a:srgbClr>
+            </a:solidFill>
+            <a:ln w="9000" cap="rnd">
+              <a:solidFill>
+                <a:srgbClr val="00BFC4">
+                  <a:alpha val="100000"/>
+                </a:srgbClr>
+              </a:solidFill>
+              <a:prstDash val="solid"/>
+              <a:round/>
+            </a:ln>
+          </p:spPr>
+          <p:txBody>
+            <a:bodyPr/>
+            <a:lstStyle/>
+            <a:p/>
+          </p:txBody>
+        </p:sp>
+        <p:sp>
+          <p:nvSpPr>
+            <p:cNvPr id="128" name="pt127"/>
+            <p:cNvSpPr/>
+            <p:nvPr/>
+          </p:nvSpPr>
+          <p:spPr>
+            <a:xfrm>
+              <a:off x="5361826" y="3919931"/>
+              <a:ext cx="49651" cy="49651"/>
+            </a:xfrm>
+            <a:prstGeom prst="ellipse">
+              <a:avLst/>
+            </a:prstGeom>
+            <a:solidFill>
+              <a:srgbClr val="00BFC4">
+                <a:alpha val="100000"/>
+              </a:srgbClr>
+            </a:solidFill>
+            <a:ln w="9000" cap="rnd">
+              <a:solidFill>
+                <a:srgbClr val="00BFC4">
+                  <a:alpha val="100000"/>
+                </a:srgbClr>
+              </a:solidFill>
+              <a:prstDash val="solid"/>
+              <a:round/>
+            </a:ln>
+          </p:spPr>
+          <p:txBody>
+            <a:bodyPr/>
+            <a:lstStyle/>
+            <a:p/>
+          </p:txBody>
+        </p:sp>
+        <p:sp>
+          <p:nvSpPr>
+            <p:cNvPr id="129" name="pt128"/>
+            <p:cNvSpPr/>
+            <p:nvPr/>
+          </p:nvSpPr>
+          <p:spPr>
+            <a:xfrm>
               <a:off x="2467935" y="4001527"/>
               <a:ext cx="49651" cy="49651"/>
             </a:xfrm>
@@ -4731,7 +7273,7 @@
         </p:sp>
         <p:sp>
           <p:nvSpPr>
-            <p:cNvPr id="56" name="pt55"/>
+            <p:cNvPr id="130" name="pt129"/>
             <p:cNvSpPr/>
             <p:nvPr/>
           </p:nvSpPr>
@@ -4766,7 +7308,7 @@
         </p:sp>
         <p:sp>
           <p:nvSpPr>
-            <p:cNvPr id="57" name="pt56"/>
+            <p:cNvPr id="131" name="pt130"/>
             <p:cNvSpPr/>
             <p:nvPr/>
           </p:nvSpPr>
@@ -4801,7 +7343,7 @@
         </p:sp>
         <p:sp>
           <p:nvSpPr>
-            <p:cNvPr id="58" name="pt57"/>
+            <p:cNvPr id="132" name="pt131"/>
             <p:cNvSpPr/>
             <p:nvPr/>
           </p:nvSpPr>
@@ -4836,7 +7378,7 @@
         </p:sp>
         <p:sp>
           <p:nvSpPr>
-            <p:cNvPr id="59" name="pt58"/>
+            <p:cNvPr id="133" name="pt132"/>
             <p:cNvSpPr/>
             <p:nvPr/>
           </p:nvSpPr>
@@ -4871,7 +7413,7 @@
         </p:sp>
         <p:sp>
           <p:nvSpPr>
-            <p:cNvPr id="60" name="pt59"/>
+            <p:cNvPr id="134" name="pt133"/>
             <p:cNvSpPr/>
             <p:nvPr/>
           </p:nvSpPr>
@@ -4906,7 +7448,7 @@
         </p:sp>
         <p:sp>
           <p:nvSpPr>
-            <p:cNvPr id="61" name="pt60"/>
+            <p:cNvPr id="135" name="pt134"/>
             <p:cNvSpPr/>
             <p:nvPr/>
           </p:nvSpPr>
@@ -4941,7 +7483,7 @@
         </p:sp>
         <p:sp>
           <p:nvSpPr>
-            <p:cNvPr id="62" name="pt61"/>
+            <p:cNvPr id="136" name="pt135"/>
             <p:cNvSpPr/>
             <p:nvPr/>
           </p:nvSpPr>
@@ -4976,7 +7518,7 @@
         </p:sp>
         <p:sp>
           <p:nvSpPr>
-            <p:cNvPr id="63" name="pt62"/>
+            <p:cNvPr id="137" name="pt136"/>
             <p:cNvSpPr/>
             <p:nvPr/>
           </p:nvSpPr>
@@ -5011,7 +7553,7 @@
         </p:sp>
         <p:sp>
           <p:nvSpPr>
-            <p:cNvPr id="64" name="pt63"/>
+            <p:cNvPr id="138" name="pt137"/>
             <p:cNvSpPr/>
             <p:nvPr/>
           </p:nvSpPr>
@@ -5046,7 +7588,7 @@
         </p:sp>
         <p:sp>
           <p:nvSpPr>
-            <p:cNvPr id="65" name="pt64"/>
+            <p:cNvPr id="139" name="pt138"/>
             <p:cNvSpPr/>
             <p:nvPr/>
           </p:nvSpPr>
@@ -5081,7 +7623,7 @@
         </p:sp>
         <p:sp>
           <p:nvSpPr>
-            <p:cNvPr id="66" name="pt65"/>
+            <p:cNvPr id="140" name="pt139"/>
             <p:cNvSpPr/>
             <p:nvPr/>
           </p:nvSpPr>
@@ -5116,7 +7658,7 @@
         </p:sp>
         <p:sp>
           <p:nvSpPr>
-            <p:cNvPr id="67" name="pt66"/>
+            <p:cNvPr id="141" name="pt140"/>
             <p:cNvSpPr/>
             <p:nvPr/>
           </p:nvSpPr>
@@ -5151,7 +7693,7 @@
         </p:sp>
         <p:sp>
           <p:nvSpPr>
-            <p:cNvPr id="68" name="pt67"/>
+            <p:cNvPr id="142" name="pt141"/>
             <p:cNvSpPr/>
             <p:nvPr/>
           </p:nvSpPr>
@@ -5186,7 +7728,7 @@
         </p:sp>
         <p:sp>
           <p:nvSpPr>
-            <p:cNvPr id="69" name="pt68"/>
+            <p:cNvPr id="143" name="pt142"/>
             <p:cNvSpPr/>
             <p:nvPr/>
           </p:nvSpPr>
@@ -5221,7 +7763,7 @@
         </p:sp>
         <p:sp>
           <p:nvSpPr>
-            <p:cNvPr id="70" name="pt69"/>
+            <p:cNvPr id="144" name="pt143"/>
             <p:cNvSpPr/>
             <p:nvPr/>
           </p:nvSpPr>
@@ -5256,7 +7798,7 @@
         </p:sp>
         <p:sp>
           <p:nvSpPr>
-            <p:cNvPr id="71" name="pt70"/>
+            <p:cNvPr id="145" name="pt144"/>
             <p:cNvSpPr/>
             <p:nvPr/>
           </p:nvSpPr>
@@ -5291,7 +7833,7 @@
         </p:sp>
         <p:sp>
           <p:nvSpPr>
-            <p:cNvPr id="72" name="pt71"/>
+            <p:cNvPr id="146" name="pt145"/>
             <p:cNvSpPr/>
             <p:nvPr/>
           </p:nvSpPr>
@@ -5326,7 +7868,7 @@
         </p:sp>
         <p:sp>
           <p:nvSpPr>
-            <p:cNvPr id="73" name="pt72"/>
+            <p:cNvPr id="147" name="pt146"/>
             <p:cNvSpPr/>
             <p:nvPr/>
           </p:nvSpPr>
@@ -5361,7 +7903,7 @@
         </p:sp>
         <p:sp>
           <p:nvSpPr>
-            <p:cNvPr id="74" name="pt73"/>
+            <p:cNvPr id="148" name="pt147"/>
             <p:cNvSpPr/>
             <p:nvPr/>
           </p:nvSpPr>
@@ -5396,7 +7938,7 @@
         </p:sp>
         <p:sp>
           <p:nvSpPr>
-            <p:cNvPr id="75" name="pt74"/>
+            <p:cNvPr id="149" name="pt148"/>
             <p:cNvSpPr/>
             <p:nvPr/>
           </p:nvSpPr>
@@ -5431,7 +7973,7 @@
         </p:sp>
         <p:sp>
           <p:nvSpPr>
-            <p:cNvPr id="76" name="pt75"/>
+            <p:cNvPr id="150" name="pt149"/>
             <p:cNvSpPr/>
             <p:nvPr/>
           </p:nvSpPr>
@@ -5466,7 +8008,7 @@
         </p:sp>
         <p:sp>
           <p:nvSpPr>
-            <p:cNvPr id="77" name="pt76"/>
+            <p:cNvPr id="151" name="pt150"/>
             <p:cNvSpPr/>
             <p:nvPr/>
           </p:nvSpPr>
@@ -5501,7 +8043,7 @@
         </p:sp>
         <p:sp>
           <p:nvSpPr>
-            <p:cNvPr id="78" name="pt77"/>
+            <p:cNvPr id="152" name="pt151"/>
             <p:cNvSpPr/>
             <p:nvPr/>
           </p:nvSpPr>
@@ -5536,7 +8078,7 @@
         </p:sp>
         <p:sp>
           <p:nvSpPr>
-            <p:cNvPr id="79" name="pt78"/>
+            <p:cNvPr id="153" name="pt152"/>
             <p:cNvSpPr/>
             <p:nvPr/>
           </p:nvSpPr>
@@ -5571,2807 +8113,7 @@
         </p:sp>
         <p:sp>
           <p:nvSpPr>
-            <p:cNvPr id="80" name="pt79"/>
-            <p:cNvSpPr/>
-            <p:nvPr/>
-          </p:nvSpPr>
-          <p:spPr>
-            <a:xfrm>
-              <a:off x="1797399" y="3955516"/>
-              <a:ext cx="49651" cy="49651"/>
-            </a:xfrm>
-            <a:prstGeom prst="ellipse">
-              <a:avLst/>
-            </a:prstGeom>
-            <a:solidFill>
-              <a:srgbClr val="7CAE00">
-                <a:alpha val="100000"/>
-              </a:srgbClr>
-            </a:solidFill>
-            <a:ln w="9000" cap="rnd">
-              <a:solidFill>
-                <a:srgbClr val="7CAE00">
-                  <a:alpha val="100000"/>
-                </a:srgbClr>
-              </a:solidFill>
-              <a:prstDash val="solid"/>
-              <a:round/>
-            </a:ln>
-          </p:spPr>
-          <p:txBody>
-            <a:bodyPr/>
-            <a:lstStyle/>
-            <a:p/>
-          </p:txBody>
-        </p:sp>
-        <p:sp>
-          <p:nvSpPr>
-            <p:cNvPr id="81" name="pt80"/>
-            <p:cNvSpPr/>
-            <p:nvPr/>
-          </p:nvSpPr>
-          <p:spPr>
-            <a:xfrm>
-              <a:off x="2044438" y="3962819"/>
-              <a:ext cx="49651" cy="49651"/>
-            </a:xfrm>
-            <a:prstGeom prst="ellipse">
-              <a:avLst/>
-            </a:prstGeom>
-            <a:solidFill>
-              <a:srgbClr val="7CAE00">
-                <a:alpha val="100000"/>
-              </a:srgbClr>
-            </a:solidFill>
-            <a:ln w="9000" cap="rnd">
-              <a:solidFill>
-                <a:srgbClr val="7CAE00">
-                  <a:alpha val="100000"/>
-                </a:srgbClr>
-              </a:solidFill>
-              <a:prstDash val="solid"/>
-              <a:round/>
-            </a:ln>
-          </p:spPr>
-          <p:txBody>
-            <a:bodyPr/>
-            <a:lstStyle/>
-            <a:p/>
-          </p:txBody>
-        </p:sp>
-        <p:sp>
-          <p:nvSpPr>
-            <p:cNvPr id="82" name="pt81"/>
-            <p:cNvSpPr/>
-            <p:nvPr/>
-          </p:nvSpPr>
-          <p:spPr>
-            <a:xfrm>
-              <a:off x="2573809" y="3949975"/>
-              <a:ext cx="49651" cy="49651"/>
-            </a:xfrm>
-            <a:prstGeom prst="ellipse">
-              <a:avLst/>
-            </a:prstGeom>
-            <a:solidFill>
-              <a:srgbClr val="7CAE00">
-                <a:alpha val="100000"/>
-              </a:srgbClr>
-            </a:solidFill>
-            <a:ln w="9000" cap="rnd">
-              <a:solidFill>
-                <a:srgbClr val="7CAE00">
-                  <a:alpha val="100000"/>
-                </a:srgbClr>
-              </a:solidFill>
-              <a:prstDash val="solid"/>
-              <a:round/>
-            </a:ln>
-          </p:spPr>
-          <p:txBody>
-            <a:bodyPr/>
-            <a:lstStyle/>
-            <a:p/>
-          </p:txBody>
-        </p:sp>
-        <p:sp>
-          <p:nvSpPr>
-            <p:cNvPr id="83" name="pt82"/>
-            <p:cNvSpPr/>
-            <p:nvPr/>
-          </p:nvSpPr>
-          <p:spPr>
-            <a:xfrm>
-              <a:off x="3032596" y="3751204"/>
-              <a:ext cx="49651" cy="49651"/>
-            </a:xfrm>
-            <a:prstGeom prst="ellipse">
-              <a:avLst/>
-            </a:prstGeom>
-            <a:solidFill>
-              <a:srgbClr val="7CAE00">
-                <a:alpha val="100000"/>
-              </a:srgbClr>
-            </a:solidFill>
-            <a:ln w="9000" cap="rnd">
-              <a:solidFill>
-                <a:srgbClr val="7CAE00">
-                  <a:alpha val="100000"/>
-                </a:srgbClr>
-              </a:solidFill>
-              <a:prstDash val="solid"/>
-              <a:round/>
-            </a:ln>
-          </p:spPr>
-          <p:txBody>
-            <a:bodyPr/>
-            <a:lstStyle/>
-            <a:p/>
-          </p:txBody>
-        </p:sp>
-        <p:sp>
-          <p:nvSpPr>
-            <p:cNvPr id="84" name="pt83"/>
-            <p:cNvSpPr/>
-            <p:nvPr/>
-          </p:nvSpPr>
-          <p:spPr>
-            <a:xfrm>
-              <a:off x="3103179" y="3672605"/>
-              <a:ext cx="49651" cy="49651"/>
-            </a:xfrm>
-            <a:prstGeom prst="ellipse">
-              <a:avLst/>
-            </a:prstGeom>
-            <a:solidFill>
-              <a:srgbClr val="7CAE00">
-                <a:alpha val="100000"/>
-              </a:srgbClr>
-            </a:solidFill>
-            <a:ln w="9000" cap="rnd">
-              <a:solidFill>
-                <a:srgbClr val="7CAE00">
-                  <a:alpha val="100000"/>
-                </a:srgbClr>
-              </a:solidFill>
-              <a:prstDash val="solid"/>
-              <a:round/>
-            </a:ln>
-          </p:spPr>
-          <p:txBody>
-            <a:bodyPr/>
-            <a:lstStyle/>
-            <a:p/>
-          </p:txBody>
-        </p:sp>
-        <p:sp>
-          <p:nvSpPr>
-            <p:cNvPr id="85" name="pt84"/>
-            <p:cNvSpPr/>
-            <p:nvPr/>
-          </p:nvSpPr>
-          <p:spPr>
-            <a:xfrm>
-              <a:off x="3173762" y="3569613"/>
-              <a:ext cx="49651" cy="49651"/>
-            </a:xfrm>
-            <a:prstGeom prst="ellipse">
-              <a:avLst/>
-            </a:prstGeom>
-            <a:solidFill>
-              <a:srgbClr val="7CAE00">
-                <a:alpha val="100000"/>
-              </a:srgbClr>
-            </a:solidFill>
-            <a:ln w="9000" cap="rnd">
-              <a:solidFill>
-                <a:srgbClr val="7CAE00">
-                  <a:alpha val="100000"/>
-                </a:srgbClr>
-              </a:solidFill>
-              <a:prstDash val="solid"/>
-              <a:round/>
-            </a:ln>
-          </p:spPr>
-          <p:txBody>
-            <a:bodyPr/>
-            <a:lstStyle/>
-            <a:p/>
-          </p:txBody>
-        </p:sp>
-        <p:sp>
-          <p:nvSpPr>
-            <p:cNvPr id="86" name="pt85"/>
-            <p:cNvSpPr/>
-            <p:nvPr/>
-          </p:nvSpPr>
-          <p:spPr>
-            <a:xfrm>
-              <a:off x="3279636" y="3347547"/>
-              <a:ext cx="49651" cy="49651"/>
-            </a:xfrm>
-            <a:prstGeom prst="ellipse">
-              <a:avLst/>
-            </a:prstGeom>
-            <a:solidFill>
-              <a:srgbClr val="7CAE00">
-                <a:alpha val="100000"/>
-              </a:srgbClr>
-            </a:solidFill>
-            <a:ln w="9000" cap="rnd">
-              <a:solidFill>
-                <a:srgbClr val="7CAE00">
-                  <a:alpha val="100000"/>
-                </a:srgbClr>
-              </a:solidFill>
-              <a:prstDash val="solid"/>
-              <a:round/>
-            </a:ln>
-          </p:spPr>
-          <p:txBody>
-            <a:bodyPr/>
-            <a:lstStyle/>
-            <a:p/>
-          </p:txBody>
-        </p:sp>
-        <p:sp>
-          <p:nvSpPr>
-            <p:cNvPr id="87" name="pt86"/>
-            <p:cNvSpPr/>
-            <p:nvPr/>
-          </p:nvSpPr>
-          <p:spPr>
-            <a:xfrm>
-              <a:off x="3385510" y="3001333"/>
-              <a:ext cx="49651" cy="49651"/>
-            </a:xfrm>
-            <a:prstGeom prst="ellipse">
-              <a:avLst/>
-            </a:prstGeom>
-            <a:solidFill>
-              <a:srgbClr val="7CAE00">
-                <a:alpha val="100000"/>
-              </a:srgbClr>
-            </a:solidFill>
-            <a:ln w="9000" cap="rnd">
-              <a:solidFill>
-                <a:srgbClr val="7CAE00">
-                  <a:alpha val="100000"/>
-                </a:srgbClr>
-              </a:solidFill>
-              <a:prstDash val="solid"/>
-              <a:round/>
-            </a:ln>
-          </p:spPr>
-          <p:txBody>
-            <a:bodyPr/>
-            <a:lstStyle/>
-            <a:p/>
-          </p:txBody>
-        </p:sp>
-        <p:sp>
-          <p:nvSpPr>
-            <p:cNvPr id="88" name="pt87"/>
-            <p:cNvSpPr/>
-            <p:nvPr/>
-          </p:nvSpPr>
-          <p:spPr>
-            <a:xfrm>
-              <a:off x="3456093" y="2684794"/>
-              <a:ext cx="49651" cy="49651"/>
-            </a:xfrm>
-            <a:prstGeom prst="ellipse">
-              <a:avLst/>
-            </a:prstGeom>
-            <a:solidFill>
-              <a:srgbClr val="7CAE00">
-                <a:alpha val="100000"/>
-              </a:srgbClr>
-            </a:solidFill>
-            <a:ln w="9000" cap="rnd">
-              <a:solidFill>
-                <a:srgbClr val="7CAE00">
-                  <a:alpha val="100000"/>
-                </a:srgbClr>
-              </a:solidFill>
-              <a:prstDash val="solid"/>
-              <a:round/>
-            </a:ln>
-          </p:spPr>
-          <p:txBody>
-            <a:bodyPr/>
-            <a:lstStyle/>
-            <a:p/>
-          </p:txBody>
-        </p:sp>
-        <p:sp>
-          <p:nvSpPr>
-            <p:cNvPr id="89" name="pt88"/>
-            <p:cNvSpPr/>
-            <p:nvPr/>
-          </p:nvSpPr>
-          <p:spPr>
-            <a:xfrm>
-              <a:off x="3526676" y="2295121"/>
-              <a:ext cx="49651" cy="49651"/>
-            </a:xfrm>
-            <a:prstGeom prst="ellipse">
-              <a:avLst/>
-            </a:prstGeom>
-            <a:solidFill>
-              <a:srgbClr val="7CAE00">
-                <a:alpha val="100000"/>
-              </a:srgbClr>
-            </a:solidFill>
-            <a:ln w="9000" cap="rnd">
-              <a:solidFill>
-                <a:srgbClr val="7CAE00">
-                  <a:alpha val="100000"/>
-                </a:srgbClr>
-              </a:solidFill>
-              <a:prstDash val="solid"/>
-              <a:round/>
-            </a:ln>
-          </p:spPr>
-          <p:txBody>
-            <a:bodyPr/>
-            <a:lstStyle/>
-            <a:p/>
-          </p:txBody>
-        </p:sp>
-        <p:sp>
-          <p:nvSpPr>
-            <p:cNvPr id="90" name="pt89"/>
-            <p:cNvSpPr/>
-            <p:nvPr/>
-          </p:nvSpPr>
-          <p:spPr>
-            <a:xfrm>
-              <a:off x="3597258" y="1903054"/>
-              <a:ext cx="49651" cy="49651"/>
-            </a:xfrm>
-            <a:prstGeom prst="ellipse">
-              <a:avLst/>
-            </a:prstGeom>
-            <a:solidFill>
-              <a:srgbClr val="7CAE00">
-                <a:alpha val="100000"/>
-              </a:srgbClr>
-            </a:solidFill>
-            <a:ln w="9000" cap="rnd">
-              <a:solidFill>
-                <a:srgbClr val="7CAE00">
-                  <a:alpha val="100000"/>
-                </a:srgbClr>
-              </a:solidFill>
-              <a:prstDash val="solid"/>
-              <a:round/>
-            </a:ln>
-          </p:spPr>
-          <p:txBody>
-            <a:bodyPr/>
-            <a:lstStyle/>
-            <a:p/>
-          </p:txBody>
-        </p:sp>
-        <p:sp>
-          <p:nvSpPr>
-            <p:cNvPr id="91" name="pt90"/>
-            <p:cNvSpPr/>
-            <p:nvPr/>
-          </p:nvSpPr>
-          <p:spPr>
-            <a:xfrm>
-              <a:off x="3667841" y="1490218"/>
-              <a:ext cx="49651" cy="49651"/>
-            </a:xfrm>
-            <a:prstGeom prst="ellipse">
-              <a:avLst/>
-            </a:prstGeom>
-            <a:solidFill>
-              <a:srgbClr val="7CAE00">
-                <a:alpha val="100000"/>
-              </a:srgbClr>
-            </a:solidFill>
-            <a:ln w="9000" cap="rnd">
-              <a:solidFill>
-                <a:srgbClr val="7CAE00">
-                  <a:alpha val="100000"/>
-                </a:srgbClr>
-              </a:solidFill>
-              <a:prstDash val="solid"/>
-              <a:round/>
-            </a:ln>
-          </p:spPr>
-          <p:txBody>
-            <a:bodyPr/>
-            <a:lstStyle/>
-            <a:p/>
-          </p:txBody>
-        </p:sp>
-        <p:sp>
-          <p:nvSpPr>
-            <p:cNvPr id="92" name="pt91"/>
-            <p:cNvSpPr/>
-            <p:nvPr/>
-          </p:nvSpPr>
-          <p:spPr>
-            <a:xfrm>
-              <a:off x="3738424" y="1246987"/>
-              <a:ext cx="49651" cy="49651"/>
-            </a:xfrm>
-            <a:prstGeom prst="ellipse">
-              <a:avLst/>
-            </a:prstGeom>
-            <a:solidFill>
-              <a:srgbClr val="7CAE00">
-                <a:alpha val="100000"/>
-              </a:srgbClr>
-            </a:solidFill>
-            <a:ln w="9000" cap="rnd">
-              <a:solidFill>
-                <a:srgbClr val="7CAE00">
-                  <a:alpha val="100000"/>
-                </a:srgbClr>
-              </a:solidFill>
-              <a:prstDash val="solid"/>
-              <a:round/>
-            </a:ln>
-          </p:spPr>
-          <p:txBody>
-            <a:bodyPr/>
-            <a:lstStyle/>
-            <a:p/>
-          </p:txBody>
-        </p:sp>
-        <p:sp>
-          <p:nvSpPr>
-            <p:cNvPr id="93" name="pt92"/>
-            <p:cNvSpPr/>
-            <p:nvPr/>
-          </p:nvSpPr>
-          <p:spPr>
-            <a:xfrm>
-              <a:off x="3809006" y="1104075"/>
-              <a:ext cx="49651" cy="49651"/>
-            </a:xfrm>
-            <a:prstGeom prst="ellipse">
-              <a:avLst/>
-            </a:prstGeom>
-            <a:solidFill>
-              <a:srgbClr val="7CAE00">
-                <a:alpha val="100000"/>
-              </a:srgbClr>
-            </a:solidFill>
-            <a:ln w="9000" cap="rnd">
-              <a:solidFill>
-                <a:srgbClr val="7CAE00">
-                  <a:alpha val="100000"/>
-                </a:srgbClr>
-              </a:solidFill>
-              <a:prstDash val="solid"/>
-              <a:round/>
-            </a:ln>
-          </p:spPr>
-          <p:txBody>
-            <a:bodyPr/>
-            <a:lstStyle/>
-            <a:p/>
-          </p:txBody>
-        </p:sp>
-        <p:sp>
-          <p:nvSpPr>
-            <p:cNvPr id="94" name="pt93"/>
-            <p:cNvSpPr/>
-            <p:nvPr/>
-          </p:nvSpPr>
-          <p:spPr>
-            <a:xfrm>
-              <a:off x="3879589" y="1105654"/>
-              <a:ext cx="49651" cy="49651"/>
-            </a:xfrm>
-            <a:prstGeom prst="ellipse">
-              <a:avLst/>
-            </a:prstGeom>
-            <a:solidFill>
-              <a:srgbClr val="7CAE00">
-                <a:alpha val="100000"/>
-              </a:srgbClr>
-            </a:solidFill>
-            <a:ln w="9000" cap="rnd">
-              <a:solidFill>
-                <a:srgbClr val="7CAE00">
-                  <a:alpha val="100000"/>
-                </a:srgbClr>
-              </a:solidFill>
-              <a:prstDash val="solid"/>
-              <a:round/>
-            </a:ln>
-          </p:spPr>
-          <p:txBody>
-            <a:bodyPr/>
-            <a:lstStyle/>
-            <a:p/>
-          </p:txBody>
-        </p:sp>
-        <p:sp>
-          <p:nvSpPr>
-            <p:cNvPr id="95" name="pt94"/>
-            <p:cNvSpPr/>
-            <p:nvPr/>
-          </p:nvSpPr>
-          <p:spPr>
-            <a:xfrm>
-              <a:off x="3950172" y="1198106"/>
-              <a:ext cx="49651" cy="49651"/>
-            </a:xfrm>
-            <a:prstGeom prst="ellipse">
-              <a:avLst/>
-            </a:prstGeom>
-            <a:solidFill>
-              <a:srgbClr val="7CAE00">
-                <a:alpha val="100000"/>
-              </a:srgbClr>
-            </a:solidFill>
-            <a:ln w="9000" cap="rnd">
-              <a:solidFill>
-                <a:srgbClr val="7CAE00">
-                  <a:alpha val="100000"/>
-                </a:srgbClr>
-              </a:solidFill>
-              <a:prstDash val="solid"/>
-              <a:round/>
-            </a:ln>
-          </p:spPr>
-          <p:txBody>
-            <a:bodyPr/>
-            <a:lstStyle/>
-            <a:p/>
-          </p:txBody>
-        </p:sp>
-        <p:sp>
-          <p:nvSpPr>
-            <p:cNvPr id="96" name="pt95"/>
-            <p:cNvSpPr/>
-            <p:nvPr/>
-          </p:nvSpPr>
-          <p:spPr>
-            <a:xfrm>
-              <a:off x="4020755" y="1331125"/>
-              <a:ext cx="49651" cy="49651"/>
-            </a:xfrm>
-            <a:prstGeom prst="ellipse">
-              <a:avLst/>
-            </a:prstGeom>
-            <a:solidFill>
-              <a:srgbClr val="7CAE00">
-                <a:alpha val="100000"/>
-              </a:srgbClr>
-            </a:solidFill>
-            <a:ln w="9000" cap="rnd">
-              <a:solidFill>
-                <a:srgbClr val="7CAE00">
-                  <a:alpha val="100000"/>
-                </a:srgbClr>
-              </a:solidFill>
-              <a:prstDash val="solid"/>
-              <a:round/>
-            </a:ln>
-          </p:spPr>
-          <p:txBody>
-            <a:bodyPr/>
-            <a:lstStyle/>
-            <a:p/>
-          </p:txBody>
-        </p:sp>
-        <p:sp>
-          <p:nvSpPr>
-            <p:cNvPr id="97" name="pt96"/>
-            <p:cNvSpPr/>
-            <p:nvPr/>
-          </p:nvSpPr>
-          <p:spPr>
-            <a:xfrm>
-              <a:off x="4091337" y="1573165"/>
-              <a:ext cx="49651" cy="49651"/>
-            </a:xfrm>
-            <a:prstGeom prst="ellipse">
-              <a:avLst/>
-            </a:prstGeom>
-            <a:solidFill>
-              <a:srgbClr val="7CAE00">
-                <a:alpha val="100000"/>
-              </a:srgbClr>
-            </a:solidFill>
-            <a:ln w="9000" cap="rnd">
-              <a:solidFill>
-                <a:srgbClr val="7CAE00">
-                  <a:alpha val="100000"/>
-                </a:srgbClr>
-              </a:solidFill>
-              <a:prstDash val="solid"/>
-              <a:round/>
-            </a:ln>
-          </p:spPr>
-          <p:txBody>
-            <a:bodyPr/>
-            <a:lstStyle/>
-            <a:p/>
-          </p:txBody>
-        </p:sp>
-        <p:sp>
-          <p:nvSpPr>
-            <p:cNvPr id="98" name="pt97"/>
-            <p:cNvSpPr/>
-            <p:nvPr/>
-          </p:nvSpPr>
-          <p:spPr>
-            <a:xfrm>
-              <a:off x="4161920" y="1854817"/>
-              <a:ext cx="49651" cy="49651"/>
-            </a:xfrm>
-            <a:prstGeom prst="ellipse">
-              <a:avLst/>
-            </a:prstGeom>
-            <a:solidFill>
-              <a:srgbClr val="7CAE00">
-                <a:alpha val="100000"/>
-              </a:srgbClr>
-            </a:solidFill>
-            <a:ln w="9000" cap="rnd">
-              <a:solidFill>
-                <a:srgbClr val="7CAE00">
-                  <a:alpha val="100000"/>
-                </a:srgbClr>
-              </a:solidFill>
-              <a:prstDash val="solid"/>
-              <a:round/>
-            </a:ln>
-          </p:spPr>
-          <p:txBody>
-            <a:bodyPr/>
-            <a:lstStyle/>
-            <a:p/>
-          </p:txBody>
-        </p:sp>
-        <p:sp>
-          <p:nvSpPr>
-            <p:cNvPr id="99" name="pt98"/>
-            <p:cNvSpPr/>
-            <p:nvPr/>
-          </p:nvSpPr>
-          <p:spPr>
-            <a:xfrm>
-              <a:off x="4232503" y="2156842"/>
-              <a:ext cx="49651" cy="49651"/>
-            </a:xfrm>
-            <a:prstGeom prst="ellipse">
-              <a:avLst/>
-            </a:prstGeom>
-            <a:solidFill>
-              <a:srgbClr val="7CAE00">
-                <a:alpha val="100000"/>
-              </a:srgbClr>
-            </a:solidFill>
-            <a:ln w="9000" cap="rnd">
-              <a:solidFill>
-                <a:srgbClr val="7CAE00">
-                  <a:alpha val="100000"/>
-                </a:srgbClr>
-              </a:solidFill>
-              <a:prstDash val="solid"/>
-              <a:round/>
-            </a:ln>
-          </p:spPr>
-          <p:txBody>
-            <a:bodyPr/>
-            <a:lstStyle/>
-            <a:p/>
-          </p:txBody>
-        </p:sp>
-        <p:sp>
-          <p:nvSpPr>
-            <p:cNvPr id="100" name="pt99"/>
-            <p:cNvSpPr/>
-            <p:nvPr/>
-          </p:nvSpPr>
-          <p:spPr>
-            <a:xfrm>
-              <a:off x="4303086" y="2476840"/>
-              <a:ext cx="49651" cy="49651"/>
-            </a:xfrm>
-            <a:prstGeom prst="ellipse">
-              <a:avLst/>
-            </a:prstGeom>
-            <a:solidFill>
-              <a:srgbClr val="7CAE00">
-                <a:alpha val="100000"/>
-              </a:srgbClr>
-            </a:solidFill>
-            <a:ln w="9000" cap="rnd">
-              <a:solidFill>
-                <a:srgbClr val="7CAE00">
-                  <a:alpha val="100000"/>
-                </a:srgbClr>
-              </a:solidFill>
-              <a:prstDash val="solid"/>
-              <a:round/>
-            </a:ln>
-          </p:spPr>
-          <p:txBody>
-            <a:bodyPr/>
-            <a:lstStyle/>
-            <a:p/>
-          </p:txBody>
-        </p:sp>
-        <p:sp>
-          <p:nvSpPr>
-            <p:cNvPr id="101" name="pt100"/>
-            <p:cNvSpPr/>
-            <p:nvPr/>
-          </p:nvSpPr>
-          <p:spPr>
-            <a:xfrm>
-              <a:off x="4408960" y="2881861"/>
-              <a:ext cx="49651" cy="49651"/>
-            </a:xfrm>
-            <a:prstGeom prst="ellipse">
-              <a:avLst/>
-            </a:prstGeom>
-            <a:solidFill>
-              <a:srgbClr val="7CAE00">
-                <a:alpha val="100000"/>
-              </a:srgbClr>
-            </a:solidFill>
-            <a:ln w="9000" cap="rnd">
-              <a:solidFill>
-                <a:srgbClr val="7CAE00">
-                  <a:alpha val="100000"/>
-                </a:srgbClr>
-              </a:solidFill>
-              <a:prstDash val="solid"/>
-              <a:round/>
-            </a:ln>
-          </p:spPr>
-          <p:txBody>
-            <a:bodyPr/>
-            <a:lstStyle/>
-            <a:p/>
-          </p:txBody>
-        </p:sp>
-        <p:sp>
-          <p:nvSpPr>
-            <p:cNvPr id="102" name="pt101"/>
-            <p:cNvSpPr/>
-            <p:nvPr/>
-          </p:nvSpPr>
-          <p:spPr>
-            <a:xfrm>
-              <a:off x="4514834" y="3197855"/>
-              <a:ext cx="49651" cy="49651"/>
-            </a:xfrm>
-            <a:prstGeom prst="ellipse">
-              <a:avLst/>
-            </a:prstGeom>
-            <a:solidFill>
-              <a:srgbClr val="7CAE00">
-                <a:alpha val="100000"/>
-              </a:srgbClr>
-            </a:solidFill>
-            <a:ln w="9000" cap="rnd">
-              <a:solidFill>
-                <a:srgbClr val="7CAE00">
-                  <a:alpha val="100000"/>
-                </a:srgbClr>
-              </a:solidFill>
-              <a:prstDash val="solid"/>
-              <a:round/>
-            </a:ln>
-          </p:spPr>
-          <p:txBody>
-            <a:bodyPr/>
-            <a:lstStyle/>
-            <a:p/>
-          </p:txBody>
-        </p:sp>
-        <p:sp>
-          <p:nvSpPr>
-            <p:cNvPr id="103" name="pt102"/>
-            <p:cNvSpPr/>
-            <p:nvPr/>
-          </p:nvSpPr>
-          <p:spPr>
-            <a:xfrm>
-              <a:off x="4585416" y="3363698"/>
-              <a:ext cx="49651" cy="49651"/>
-            </a:xfrm>
-            <a:prstGeom prst="ellipse">
-              <a:avLst/>
-            </a:prstGeom>
-            <a:solidFill>
-              <a:srgbClr val="7CAE00">
-                <a:alpha val="100000"/>
-              </a:srgbClr>
-            </a:solidFill>
-            <a:ln w="9000" cap="rnd">
-              <a:solidFill>
-                <a:srgbClr val="7CAE00">
-                  <a:alpha val="100000"/>
-                </a:srgbClr>
-              </a:solidFill>
-              <a:prstDash val="solid"/>
-              <a:round/>
-            </a:ln>
-          </p:spPr>
-          <p:txBody>
-            <a:bodyPr/>
-            <a:lstStyle/>
-            <a:p/>
-          </p:txBody>
-        </p:sp>
-        <p:sp>
-          <p:nvSpPr>
-            <p:cNvPr id="104" name="pt103"/>
-            <p:cNvSpPr/>
-            <p:nvPr/>
-          </p:nvSpPr>
-          <p:spPr>
-            <a:xfrm>
-              <a:off x="4655999" y="3507100"/>
-              <a:ext cx="49651" cy="49651"/>
-            </a:xfrm>
-            <a:prstGeom prst="ellipse">
-              <a:avLst/>
-            </a:prstGeom>
-            <a:solidFill>
-              <a:srgbClr val="7CAE00">
-                <a:alpha val="100000"/>
-              </a:srgbClr>
-            </a:solidFill>
-            <a:ln w="9000" cap="rnd">
-              <a:solidFill>
-                <a:srgbClr val="7CAE00">
-                  <a:alpha val="100000"/>
-                </a:srgbClr>
-              </a:solidFill>
-              <a:prstDash val="solid"/>
-              <a:round/>
-            </a:ln>
-          </p:spPr>
-          <p:txBody>
-            <a:bodyPr/>
-            <a:lstStyle/>
-            <a:p/>
-          </p:txBody>
-        </p:sp>
-        <p:sp>
-          <p:nvSpPr>
-            <p:cNvPr id="105" name="pt104"/>
-            <p:cNvSpPr/>
-            <p:nvPr/>
-          </p:nvSpPr>
-          <p:spPr>
-            <a:xfrm>
-              <a:off x="4867747" y="3789974"/>
-              <a:ext cx="49651" cy="49651"/>
-            </a:xfrm>
-            <a:prstGeom prst="ellipse">
-              <a:avLst/>
-            </a:prstGeom>
-            <a:solidFill>
-              <a:srgbClr val="7CAE00">
-                <a:alpha val="100000"/>
-              </a:srgbClr>
-            </a:solidFill>
-            <a:ln w="9000" cap="rnd">
-              <a:solidFill>
-                <a:srgbClr val="7CAE00">
-                  <a:alpha val="100000"/>
-                </a:srgbClr>
-              </a:solidFill>
-              <a:prstDash val="solid"/>
-              <a:round/>
-            </a:ln>
-          </p:spPr>
-          <p:txBody>
-            <a:bodyPr/>
-            <a:lstStyle/>
-            <a:p/>
-          </p:txBody>
-        </p:sp>
-        <p:sp>
-          <p:nvSpPr>
-            <p:cNvPr id="106" name="pt105"/>
-            <p:cNvSpPr/>
-            <p:nvPr/>
-          </p:nvSpPr>
-          <p:spPr>
-            <a:xfrm>
-              <a:off x="5079495" y="3920272"/>
-              <a:ext cx="49651" cy="49651"/>
-            </a:xfrm>
-            <a:prstGeom prst="ellipse">
-              <a:avLst/>
-            </a:prstGeom>
-            <a:solidFill>
-              <a:srgbClr val="7CAE00">
-                <a:alpha val="100000"/>
-              </a:srgbClr>
-            </a:solidFill>
-            <a:ln w="9000" cap="rnd">
-              <a:solidFill>
-                <a:srgbClr val="7CAE00">
-                  <a:alpha val="100000"/>
-                </a:srgbClr>
-              </a:solidFill>
-              <a:prstDash val="solid"/>
-              <a:round/>
-            </a:ln>
-          </p:spPr>
-          <p:txBody>
-            <a:bodyPr/>
-            <a:lstStyle/>
-            <a:p/>
-          </p:txBody>
-        </p:sp>
-        <p:sp>
-          <p:nvSpPr>
-            <p:cNvPr id="107" name="pt106"/>
-            <p:cNvSpPr/>
-            <p:nvPr/>
-          </p:nvSpPr>
-          <p:spPr>
-            <a:xfrm>
-              <a:off x="5291244" y="3977339"/>
-              <a:ext cx="49651" cy="49651"/>
-            </a:xfrm>
-            <a:prstGeom prst="ellipse">
-              <a:avLst/>
-            </a:prstGeom>
-            <a:solidFill>
-              <a:srgbClr val="7CAE00">
-                <a:alpha val="100000"/>
-              </a:srgbClr>
-            </a:solidFill>
-            <a:ln w="9000" cap="rnd">
-              <a:solidFill>
-                <a:srgbClr val="7CAE00">
-                  <a:alpha val="100000"/>
-                </a:srgbClr>
-              </a:solidFill>
-              <a:prstDash val="solid"/>
-              <a:round/>
-            </a:ln>
-          </p:spPr>
-          <p:txBody>
-            <a:bodyPr/>
-            <a:lstStyle/>
-            <a:p/>
-          </p:txBody>
-        </p:sp>
-        <p:sp>
-          <p:nvSpPr>
-            <p:cNvPr id="108" name="pt107"/>
-            <p:cNvSpPr/>
-            <p:nvPr/>
-          </p:nvSpPr>
-          <p:spPr>
-            <a:xfrm>
-              <a:off x="2362061" y="4002328"/>
-              <a:ext cx="49651" cy="49651"/>
-            </a:xfrm>
-            <a:prstGeom prst="ellipse">
-              <a:avLst/>
-            </a:prstGeom>
-            <a:solidFill>
-              <a:srgbClr val="00BFC4">
-                <a:alpha val="100000"/>
-              </a:srgbClr>
-            </a:solidFill>
-            <a:ln w="9000" cap="rnd">
-              <a:solidFill>
-                <a:srgbClr val="00BFC4">
-                  <a:alpha val="100000"/>
-                </a:srgbClr>
-              </a:solidFill>
-              <a:prstDash val="solid"/>
-              <a:round/>
-            </a:ln>
-          </p:spPr>
-          <p:txBody>
-            <a:bodyPr/>
-            <a:lstStyle/>
-            <a:p/>
-          </p:txBody>
-        </p:sp>
-        <p:sp>
-          <p:nvSpPr>
-            <p:cNvPr id="109" name="pt108"/>
-            <p:cNvSpPr/>
-            <p:nvPr/>
-          </p:nvSpPr>
-          <p:spPr>
-            <a:xfrm>
-              <a:off x="3138471" y="3868710"/>
-              <a:ext cx="49651" cy="49651"/>
-            </a:xfrm>
-            <a:prstGeom prst="ellipse">
-              <a:avLst/>
-            </a:prstGeom>
-            <a:solidFill>
-              <a:srgbClr val="00BFC4">
-                <a:alpha val="100000"/>
-              </a:srgbClr>
-            </a:solidFill>
-            <a:ln w="9000" cap="rnd">
-              <a:solidFill>
-                <a:srgbClr val="00BFC4">
-                  <a:alpha val="100000"/>
-                </a:srgbClr>
-              </a:solidFill>
-              <a:prstDash val="solid"/>
-              <a:round/>
-            </a:ln>
-          </p:spPr>
-          <p:txBody>
-            <a:bodyPr/>
-            <a:lstStyle/>
-            <a:p/>
-          </p:txBody>
-        </p:sp>
-        <p:sp>
-          <p:nvSpPr>
-            <p:cNvPr id="110" name="pt109"/>
-            <p:cNvSpPr/>
-            <p:nvPr/>
-          </p:nvSpPr>
-          <p:spPr>
-            <a:xfrm>
-              <a:off x="3279636" y="3768568"/>
-              <a:ext cx="49651" cy="49651"/>
-            </a:xfrm>
-            <a:prstGeom prst="ellipse">
-              <a:avLst/>
-            </a:prstGeom>
-            <a:solidFill>
-              <a:srgbClr val="00BFC4">
-                <a:alpha val="100000"/>
-              </a:srgbClr>
-            </a:solidFill>
-            <a:ln w="9000" cap="rnd">
-              <a:solidFill>
-                <a:srgbClr val="00BFC4">
-                  <a:alpha val="100000"/>
-                </a:srgbClr>
-              </a:solidFill>
-              <a:prstDash val="solid"/>
-              <a:round/>
-            </a:ln>
-          </p:spPr>
-          <p:txBody>
-            <a:bodyPr/>
-            <a:lstStyle/>
-            <a:p/>
-          </p:txBody>
-        </p:sp>
-        <p:sp>
-          <p:nvSpPr>
-            <p:cNvPr id="111" name="pt110"/>
-            <p:cNvSpPr/>
-            <p:nvPr/>
-          </p:nvSpPr>
-          <p:spPr>
-            <a:xfrm>
-              <a:off x="3420801" y="3583446"/>
-              <a:ext cx="49651" cy="49651"/>
-            </a:xfrm>
-            <a:prstGeom prst="ellipse">
-              <a:avLst/>
-            </a:prstGeom>
-            <a:solidFill>
-              <a:srgbClr val="00BFC4">
-                <a:alpha val="100000"/>
-              </a:srgbClr>
-            </a:solidFill>
-            <a:ln w="9000" cap="rnd">
-              <a:solidFill>
-                <a:srgbClr val="00BFC4">
-                  <a:alpha val="100000"/>
-                </a:srgbClr>
-              </a:solidFill>
-              <a:prstDash val="solid"/>
-              <a:round/>
-            </a:ln>
-          </p:spPr>
-          <p:txBody>
-            <a:bodyPr/>
-            <a:lstStyle/>
-            <a:p/>
-          </p:txBody>
-        </p:sp>
-        <p:sp>
-          <p:nvSpPr>
-            <p:cNvPr id="112" name="pt111"/>
-            <p:cNvSpPr/>
-            <p:nvPr/>
-          </p:nvSpPr>
-          <p:spPr>
-            <a:xfrm>
-              <a:off x="3526676" y="3354122"/>
-              <a:ext cx="49651" cy="49651"/>
-            </a:xfrm>
-            <a:prstGeom prst="ellipse">
-              <a:avLst/>
-            </a:prstGeom>
-            <a:solidFill>
-              <a:srgbClr val="00BFC4">
-                <a:alpha val="100000"/>
-              </a:srgbClr>
-            </a:solidFill>
-            <a:ln w="9000" cap="rnd">
-              <a:solidFill>
-                <a:srgbClr val="00BFC4">
-                  <a:alpha val="100000"/>
-                </a:srgbClr>
-              </a:solidFill>
-              <a:prstDash val="solid"/>
-              <a:round/>
-            </a:ln>
-          </p:spPr>
-          <p:txBody>
-            <a:bodyPr/>
-            <a:lstStyle/>
-            <a:p/>
-          </p:txBody>
-        </p:sp>
-        <p:sp>
-          <p:nvSpPr>
-            <p:cNvPr id="113" name="pt112"/>
-            <p:cNvSpPr/>
-            <p:nvPr/>
-          </p:nvSpPr>
-          <p:spPr>
-            <a:xfrm>
-              <a:off x="3597258" y="3145588"/>
-              <a:ext cx="49651" cy="49651"/>
-            </a:xfrm>
-            <a:prstGeom prst="ellipse">
-              <a:avLst/>
-            </a:prstGeom>
-            <a:solidFill>
-              <a:srgbClr val="00BFC4">
-                <a:alpha val="100000"/>
-              </a:srgbClr>
-            </a:solidFill>
-            <a:ln w="9000" cap="rnd">
-              <a:solidFill>
-                <a:srgbClr val="00BFC4">
-                  <a:alpha val="100000"/>
-                </a:srgbClr>
-              </a:solidFill>
-              <a:prstDash val="solid"/>
-              <a:round/>
-            </a:ln>
-          </p:spPr>
-          <p:txBody>
-            <a:bodyPr/>
-            <a:lstStyle/>
-            <a:p/>
-          </p:txBody>
-        </p:sp>
-        <p:sp>
-          <p:nvSpPr>
-            <p:cNvPr id="114" name="pt113"/>
-            <p:cNvSpPr/>
-            <p:nvPr/>
-          </p:nvSpPr>
-          <p:spPr>
-            <a:xfrm>
-              <a:off x="3667841" y="2883403"/>
-              <a:ext cx="49651" cy="49651"/>
-            </a:xfrm>
-            <a:prstGeom prst="ellipse">
-              <a:avLst/>
-            </a:prstGeom>
-            <a:solidFill>
-              <a:srgbClr val="00BFC4">
-                <a:alpha val="100000"/>
-              </a:srgbClr>
-            </a:solidFill>
-            <a:ln w="9000" cap="rnd">
-              <a:solidFill>
-                <a:srgbClr val="00BFC4">
-                  <a:alpha val="100000"/>
-                </a:srgbClr>
-              </a:solidFill>
-              <a:prstDash val="solid"/>
-              <a:round/>
-            </a:ln>
-          </p:spPr>
-          <p:txBody>
-            <a:bodyPr/>
-            <a:lstStyle/>
-            <a:p/>
-          </p:txBody>
-        </p:sp>
-        <p:sp>
-          <p:nvSpPr>
-            <p:cNvPr id="115" name="pt114"/>
-            <p:cNvSpPr/>
-            <p:nvPr/>
-          </p:nvSpPr>
-          <p:spPr>
-            <a:xfrm>
-              <a:off x="3738424" y="2571663"/>
-              <a:ext cx="49651" cy="49651"/>
-            </a:xfrm>
-            <a:prstGeom prst="ellipse">
-              <a:avLst/>
-            </a:prstGeom>
-            <a:solidFill>
-              <a:srgbClr val="00BFC4">
-                <a:alpha val="100000"/>
-              </a:srgbClr>
-            </a:solidFill>
-            <a:ln w="9000" cap="rnd">
-              <a:solidFill>
-                <a:srgbClr val="00BFC4">
-                  <a:alpha val="100000"/>
-                </a:srgbClr>
-              </a:solidFill>
-              <a:prstDash val="solid"/>
-              <a:round/>
-            </a:ln>
-          </p:spPr>
-          <p:txBody>
-            <a:bodyPr/>
-            <a:lstStyle/>
-            <a:p/>
-          </p:txBody>
-        </p:sp>
-        <p:sp>
-          <p:nvSpPr>
-            <p:cNvPr id="116" name="pt115"/>
-            <p:cNvSpPr/>
-            <p:nvPr/>
-          </p:nvSpPr>
-          <p:spPr>
-            <a:xfrm>
-              <a:off x="3809006" y="2230269"/>
-              <a:ext cx="49651" cy="49651"/>
-            </a:xfrm>
-            <a:prstGeom prst="ellipse">
-              <a:avLst/>
-            </a:prstGeom>
-            <a:solidFill>
-              <a:srgbClr val="00BFC4">
-                <a:alpha val="100000"/>
-              </a:srgbClr>
-            </a:solidFill>
-            <a:ln w="9000" cap="rnd">
-              <a:solidFill>
-                <a:srgbClr val="00BFC4">
-                  <a:alpha val="100000"/>
-                </a:srgbClr>
-              </a:solidFill>
-              <a:prstDash val="solid"/>
-              <a:round/>
-            </a:ln>
-          </p:spPr>
-          <p:txBody>
-            <a:bodyPr/>
-            <a:lstStyle/>
-            <a:p/>
-          </p:txBody>
-        </p:sp>
-        <p:sp>
-          <p:nvSpPr>
-            <p:cNvPr id="117" name="pt116"/>
-            <p:cNvSpPr/>
-            <p:nvPr/>
-          </p:nvSpPr>
-          <p:spPr>
-            <a:xfrm>
-              <a:off x="3879589" y="1871845"/>
-              <a:ext cx="49651" cy="49651"/>
-            </a:xfrm>
-            <a:prstGeom prst="ellipse">
-              <a:avLst/>
-            </a:prstGeom>
-            <a:solidFill>
-              <a:srgbClr val="00BFC4">
-                <a:alpha val="100000"/>
-              </a:srgbClr>
-            </a:solidFill>
-            <a:ln w="9000" cap="rnd">
-              <a:solidFill>
-                <a:srgbClr val="00BFC4">
-                  <a:alpha val="100000"/>
-                </a:srgbClr>
-              </a:solidFill>
-              <a:prstDash val="solid"/>
-              <a:round/>
-            </a:ln>
-          </p:spPr>
-          <p:txBody>
-            <a:bodyPr/>
-            <a:lstStyle/>
-            <a:p/>
-          </p:txBody>
-        </p:sp>
-        <p:sp>
-          <p:nvSpPr>
-            <p:cNvPr id="118" name="pt117"/>
-            <p:cNvSpPr/>
-            <p:nvPr/>
-          </p:nvSpPr>
-          <p:spPr>
-            <a:xfrm>
-              <a:off x="3950172" y="1545748"/>
-              <a:ext cx="49651" cy="49651"/>
-            </a:xfrm>
-            <a:prstGeom prst="ellipse">
-              <a:avLst/>
-            </a:prstGeom>
-            <a:solidFill>
-              <a:srgbClr val="00BFC4">
-                <a:alpha val="100000"/>
-              </a:srgbClr>
-            </a:solidFill>
-            <a:ln w="9000" cap="rnd">
-              <a:solidFill>
-                <a:srgbClr val="00BFC4">
-                  <a:alpha val="100000"/>
-                </a:srgbClr>
-              </a:solidFill>
-              <a:prstDash val="solid"/>
-              <a:round/>
-            </a:ln>
-          </p:spPr>
-          <p:txBody>
-            <a:bodyPr/>
-            <a:lstStyle/>
-            <a:p/>
-          </p:txBody>
-        </p:sp>
-        <p:sp>
-          <p:nvSpPr>
-            <p:cNvPr id="119" name="pt118"/>
-            <p:cNvSpPr/>
-            <p:nvPr/>
-          </p:nvSpPr>
-          <p:spPr>
-            <a:xfrm>
-              <a:off x="4020755" y="1403623"/>
-              <a:ext cx="49651" cy="49651"/>
-            </a:xfrm>
-            <a:prstGeom prst="ellipse">
-              <a:avLst/>
-            </a:prstGeom>
-            <a:solidFill>
-              <a:srgbClr val="00BFC4">
-                <a:alpha val="100000"/>
-              </a:srgbClr>
-            </a:solidFill>
-            <a:ln w="9000" cap="rnd">
-              <a:solidFill>
-                <a:srgbClr val="00BFC4">
-                  <a:alpha val="100000"/>
-                </a:srgbClr>
-              </a:solidFill>
-              <a:prstDash val="solid"/>
-              <a:round/>
-            </a:ln>
-          </p:spPr>
-          <p:txBody>
-            <a:bodyPr/>
-            <a:lstStyle/>
-            <a:p/>
-          </p:txBody>
-        </p:sp>
-        <p:sp>
-          <p:nvSpPr>
-            <p:cNvPr id="120" name="pt119"/>
-            <p:cNvSpPr/>
-            <p:nvPr/>
-          </p:nvSpPr>
-          <p:spPr>
-            <a:xfrm>
-              <a:off x="4091337" y="1422869"/>
-              <a:ext cx="49651" cy="49651"/>
-            </a:xfrm>
-            <a:prstGeom prst="ellipse">
-              <a:avLst/>
-            </a:prstGeom>
-            <a:solidFill>
-              <a:srgbClr val="00BFC4">
-                <a:alpha val="100000"/>
-              </a:srgbClr>
-            </a:solidFill>
-            <a:ln w="9000" cap="rnd">
-              <a:solidFill>
-                <a:srgbClr val="00BFC4">
-                  <a:alpha val="100000"/>
-                </a:srgbClr>
-              </a:solidFill>
-              <a:prstDash val="solid"/>
-              <a:round/>
-            </a:ln>
-          </p:spPr>
-          <p:txBody>
-            <a:bodyPr/>
-            <a:lstStyle/>
-            <a:p/>
-          </p:txBody>
-        </p:sp>
-        <p:sp>
-          <p:nvSpPr>
-            <p:cNvPr id="121" name="pt120"/>
-            <p:cNvSpPr/>
-            <p:nvPr/>
-          </p:nvSpPr>
-          <p:spPr>
-            <a:xfrm>
-              <a:off x="4161920" y="1603220"/>
-              <a:ext cx="49651" cy="49651"/>
-            </a:xfrm>
-            <a:prstGeom prst="ellipse">
-              <a:avLst/>
-            </a:prstGeom>
-            <a:solidFill>
-              <a:srgbClr val="00BFC4">
-                <a:alpha val="100000"/>
-              </a:srgbClr>
-            </a:solidFill>
-            <a:ln w="9000" cap="rnd">
-              <a:solidFill>
-                <a:srgbClr val="00BFC4">
-                  <a:alpha val="100000"/>
-                </a:srgbClr>
-              </a:solidFill>
-              <a:prstDash val="solid"/>
-              <a:round/>
-            </a:ln>
-          </p:spPr>
-          <p:txBody>
-            <a:bodyPr/>
-            <a:lstStyle/>
-            <a:p/>
-          </p:txBody>
-        </p:sp>
-        <p:sp>
-          <p:nvSpPr>
-            <p:cNvPr id="122" name="pt121"/>
-            <p:cNvSpPr/>
-            <p:nvPr/>
-          </p:nvSpPr>
-          <p:spPr>
-            <a:xfrm>
-              <a:off x="4232503" y="1953203"/>
-              <a:ext cx="49651" cy="49651"/>
-            </a:xfrm>
-            <a:prstGeom prst="ellipse">
-              <a:avLst/>
-            </a:prstGeom>
-            <a:solidFill>
-              <a:srgbClr val="00BFC4">
-                <a:alpha val="100000"/>
-              </a:srgbClr>
-            </a:solidFill>
-            <a:ln w="9000" cap="rnd">
-              <a:solidFill>
-                <a:srgbClr val="00BFC4">
-                  <a:alpha val="100000"/>
-                </a:srgbClr>
-              </a:solidFill>
-              <a:prstDash val="solid"/>
-              <a:round/>
-            </a:ln>
-          </p:spPr>
-          <p:txBody>
-            <a:bodyPr/>
-            <a:lstStyle/>
-            <a:p/>
-          </p:txBody>
-        </p:sp>
-        <p:sp>
-          <p:nvSpPr>
-            <p:cNvPr id="123" name="pt122"/>
-            <p:cNvSpPr/>
-            <p:nvPr/>
-          </p:nvSpPr>
-          <p:spPr>
-            <a:xfrm>
-              <a:off x="4303086" y="2302934"/>
-              <a:ext cx="49651" cy="49651"/>
-            </a:xfrm>
-            <a:prstGeom prst="ellipse">
-              <a:avLst/>
-            </a:prstGeom>
-            <a:solidFill>
-              <a:srgbClr val="00BFC4">
-                <a:alpha val="100000"/>
-              </a:srgbClr>
-            </a:solidFill>
-            <a:ln w="9000" cap="rnd">
-              <a:solidFill>
-                <a:srgbClr val="00BFC4">
-                  <a:alpha val="100000"/>
-                </a:srgbClr>
-              </a:solidFill>
-              <a:prstDash val="solid"/>
-              <a:round/>
-            </a:ln>
-          </p:spPr>
-          <p:txBody>
-            <a:bodyPr/>
-            <a:lstStyle/>
-            <a:p/>
-          </p:txBody>
-        </p:sp>
-        <p:sp>
-          <p:nvSpPr>
-            <p:cNvPr id="124" name="pt123"/>
-            <p:cNvSpPr/>
-            <p:nvPr/>
-          </p:nvSpPr>
-          <p:spPr>
-            <a:xfrm>
-              <a:off x="4373668" y="2625242"/>
-              <a:ext cx="49651" cy="49651"/>
-            </a:xfrm>
-            <a:prstGeom prst="ellipse">
-              <a:avLst/>
-            </a:prstGeom>
-            <a:solidFill>
-              <a:srgbClr val="00BFC4">
-                <a:alpha val="100000"/>
-              </a:srgbClr>
-            </a:solidFill>
-            <a:ln w="9000" cap="rnd">
-              <a:solidFill>
-                <a:srgbClr val="00BFC4">
-                  <a:alpha val="100000"/>
-                </a:srgbClr>
-              </a:solidFill>
-              <a:prstDash val="solid"/>
-              <a:round/>
-            </a:ln>
-          </p:spPr>
-          <p:txBody>
-            <a:bodyPr/>
-            <a:lstStyle/>
-            <a:p/>
-          </p:txBody>
-        </p:sp>
-        <p:sp>
-          <p:nvSpPr>
-            <p:cNvPr id="125" name="pt124"/>
-            <p:cNvSpPr/>
-            <p:nvPr/>
-          </p:nvSpPr>
-          <p:spPr>
-            <a:xfrm>
-              <a:off x="4444251" y="2897585"/>
-              <a:ext cx="49651" cy="49651"/>
-            </a:xfrm>
-            <a:prstGeom prst="ellipse">
-              <a:avLst/>
-            </a:prstGeom>
-            <a:solidFill>
-              <a:srgbClr val="00BFC4">
-                <a:alpha val="100000"/>
-              </a:srgbClr>
-            </a:solidFill>
-            <a:ln w="9000" cap="rnd">
-              <a:solidFill>
-                <a:srgbClr val="00BFC4">
-                  <a:alpha val="100000"/>
-                </a:srgbClr>
-              </a:solidFill>
-              <a:prstDash val="solid"/>
-              <a:round/>
-            </a:ln>
-          </p:spPr>
-          <p:txBody>
-            <a:bodyPr/>
-            <a:lstStyle/>
-            <a:p/>
-          </p:txBody>
-        </p:sp>
-        <p:sp>
-          <p:nvSpPr>
-            <p:cNvPr id="126" name="pt125"/>
-            <p:cNvSpPr/>
-            <p:nvPr/>
-          </p:nvSpPr>
-          <p:spPr>
-            <a:xfrm>
-              <a:off x="4514834" y="3107225"/>
-              <a:ext cx="49651" cy="49651"/>
-            </a:xfrm>
-            <a:prstGeom prst="ellipse">
-              <a:avLst/>
-            </a:prstGeom>
-            <a:solidFill>
-              <a:srgbClr val="00BFC4">
-                <a:alpha val="100000"/>
-              </a:srgbClr>
-            </a:solidFill>
-            <a:ln w="9000" cap="rnd">
-              <a:solidFill>
-                <a:srgbClr val="00BFC4">
-                  <a:alpha val="100000"/>
-                </a:srgbClr>
-              </a:solidFill>
-              <a:prstDash val="solid"/>
-              <a:round/>
-            </a:ln>
-          </p:spPr>
-          <p:txBody>
-            <a:bodyPr/>
-            <a:lstStyle/>
-            <a:p/>
-          </p:txBody>
-        </p:sp>
-        <p:sp>
-          <p:nvSpPr>
-            <p:cNvPr id="127" name="pt126"/>
-            <p:cNvSpPr/>
-            <p:nvPr/>
-          </p:nvSpPr>
-          <p:spPr>
-            <a:xfrm>
-              <a:off x="4620708" y="3334654"/>
-              <a:ext cx="49651" cy="49651"/>
-            </a:xfrm>
-            <a:prstGeom prst="ellipse">
-              <a:avLst/>
-            </a:prstGeom>
-            <a:solidFill>
-              <a:srgbClr val="00BFC4">
-                <a:alpha val="100000"/>
-              </a:srgbClr>
-            </a:solidFill>
-            <a:ln w="9000" cap="rnd">
-              <a:solidFill>
-                <a:srgbClr val="00BFC4">
-                  <a:alpha val="100000"/>
-                </a:srgbClr>
-              </a:solidFill>
-              <a:prstDash val="solid"/>
-              <a:round/>
-            </a:ln>
-          </p:spPr>
-          <p:txBody>
-            <a:bodyPr/>
-            <a:lstStyle/>
-            <a:p/>
-          </p:txBody>
-        </p:sp>
-        <p:sp>
-          <p:nvSpPr>
-            <p:cNvPr id="128" name="pt127"/>
-            <p:cNvSpPr/>
-            <p:nvPr/>
-          </p:nvSpPr>
-          <p:spPr>
-            <a:xfrm>
-              <a:off x="4726582" y="3487354"/>
-              <a:ext cx="49651" cy="49651"/>
-            </a:xfrm>
-            <a:prstGeom prst="ellipse">
-              <a:avLst/>
-            </a:prstGeom>
-            <a:solidFill>
-              <a:srgbClr val="00BFC4">
-                <a:alpha val="100000"/>
-              </a:srgbClr>
-            </a:solidFill>
-            <a:ln w="9000" cap="rnd">
-              <a:solidFill>
-                <a:srgbClr val="00BFC4">
-                  <a:alpha val="100000"/>
-                </a:srgbClr>
-              </a:solidFill>
-              <a:prstDash val="solid"/>
-              <a:round/>
-            </a:ln>
-          </p:spPr>
-          <p:txBody>
-            <a:bodyPr/>
-            <a:lstStyle/>
-            <a:p/>
-          </p:txBody>
-        </p:sp>
-        <p:sp>
-          <p:nvSpPr>
-            <p:cNvPr id="129" name="pt128"/>
-            <p:cNvSpPr/>
-            <p:nvPr/>
-          </p:nvSpPr>
-          <p:spPr>
-            <a:xfrm>
-              <a:off x="4797165" y="3566024"/>
-              <a:ext cx="49651" cy="49651"/>
-            </a:xfrm>
-            <a:prstGeom prst="ellipse">
-              <a:avLst/>
-            </a:prstGeom>
-            <a:solidFill>
-              <a:srgbClr val="00BFC4">
-                <a:alpha val="100000"/>
-              </a:srgbClr>
-            </a:solidFill>
-            <a:ln w="9000" cap="rnd">
-              <a:solidFill>
-                <a:srgbClr val="00BFC4">
-                  <a:alpha val="100000"/>
-                </a:srgbClr>
-              </a:solidFill>
-              <a:prstDash val="solid"/>
-              <a:round/>
-            </a:ln>
-          </p:spPr>
-          <p:txBody>
-            <a:bodyPr/>
-            <a:lstStyle/>
-            <a:p/>
-          </p:txBody>
-        </p:sp>
-        <p:sp>
-          <p:nvSpPr>
-            <p:cNvPr id="130" name="pt129"/>
-            <p:cNvSpPr/>
-            <p:nvPr/>
-          </p:nvSpPr>
-          <p:spPr>
-            <a:xfrm>
-              <a:off x="4938330" y="3692563"/>
-              <a:ext cx="49651" cy="49651"/>
-            </a:xfrm>
-            <a:prstGeom prst="ellipse">
-              <a:avLst/>
-            </a:prstGeom>
-            <a:solidFill>
-              <a:srgbClr val="00BFC4">
-                <a:alpha val="100000"/>
-              </a:srgbClr>
-            </a:solidFill>
-            <a:ln w="9000" cap="rnd">
-              <a:solidFill>
-                <a:srgbClr val="00BFC4">
-                  <a:alpha val="100000"/>
-                </a:srgbClr>
-              </a:solidFill>
-              <a:prstDash val="solid"/>
-              <a:round/>
-            </a:ln>
-          </p:spPr>
-          <p:txBody>
-            <a:bodyPr/>
-            <a:lstStyle/>
-            <a:p/>
-          </p:txBody>
-        </p:sp>
-        <p:sp>
-          <p:nvSpPr>
-            <p:cNvPr id="131" name="pt130"/>
-            <p:cNvSpPr/>
-            <p:nvPr/>
-          </p:nvSpPr>
-          <p:spPr>
-            <a:xfrm>
-              <a:off x="5079495" y="3788917"/>
-              <a:ext cx="49651" cy="49651"/>
-            </a:xfrm>
-            <a:prstGeom prst="ellipse">
-              <a:avLst/>
-            </a:prstGeom>
-            <a:solidFill>
-              <a:srgbClr val="00BFC4">
-                <a:alpha val="100000"/>
-              </a:srgbClr>
-            </a:solidFill>
-            <a:ln w="9000" cap="rnd">
-              <a:solidFill>
-                <a:srgbClr val="00BFC4">
-                  <a:alpha val="100000"/>
-                </a:srgbClr>
-              </a:solidFill>
-              <a:prstDash val="solid"/>
-              <a:round/>
-            </a:ln>
-          </p:spPr>
-          <p:txBody>
-            <a:bodyPr/>
-            <a:lstStyle/>
-            <a:p/>
-          </p:txBody>
-        </p:sp>
-        <p:sp>
-          <p:nvSpPr>
-            <p:cNvPr id="132" name="pt131"/>
-            <p:cNvSpPr/>
-            <p:nvPr/>
-          </p:nvSpPr>
-          <p:spPr>
-            <a:xfrm>
-              <a:off x="5185370" y="3848279"/>
-              <a:ext cx="49651" cy="49651"/>
-            </a:xfrm>
-            <a:prstGeom prst="ellipse">
-              <a:avLst/>
-            </a:prstGeom>
-            <a:solidFill>
-              <a:srgbClr val="00BFC4">
-                <a:alpha val="100000"/>
-              </a:srgbClr>
-            </a:solidFill>
-            <a:ln w="9000" cap="rnd">
-              <a:solidFill>
-                <a:srgbClr val="00BFC4">
-                  <a:alpha val="100000"/>
-                </a:srgbClr>
-              </a:solidFill>
-              <a:prstDash val="solid"/>
-              <a:round/>
-            </a:ln>
-          </p:spPr>
-          <p:txBody>
-            <a:bodyPr/>
-            <a:lstStyle/>
-            <a:p/>
-          </p:txBody>
-        </p:sp>
-        <p:sp>
-          <p:nvSpPr>
-            <p:cNvPr id="133" name="pt132"/>
-            <p:cNvSpPr/>
-            <p:nvPr/>
-          </p:nvSpPr>
-          <p:spPr>
-            <a:xfrm>
-              <a:off x="5361826" y="3919931"/>
-              <a:ext cx="49651" cy="49651"/>
-            </a:xfrm>
-            <a:prstGeom prst="ellipse">
-              <a:avLst/>
-            </a:prstGeom>
-            <a:solidFill>
-              <a:srgbClr val="00BFC4">
-                <a:alpha val="100000"/>
-              </a:srgbClr>
-            </a:solidFill>
-            <a:ln w="9000" cap="rnd">
-              <a:solidFill>
-                <a:srgbClr val="00BFC4">
-                  <a:alpha val="100000"/>
-                </a:srgbClr>
-              </a:solidFill>
-              <a:prstDash val="solid"/>
-              <a:round/>
-            </a:ln>
-          </p:spPr>
-          <p:txBody>
-            <a:bodyPr/>
-            <a:lstStyle/>
-            <a:p/>
-          </p:txBody>
-        </p:sp>
-        <p:sp>
-          <p:nvSpPr>
-            <p:cNvPr id="134" name="pt133"/>
-            <p:cNvSpPr/>
-            <p:nvPr/>
-          </p:nvSpPr>
-          <p:spPr>
-            <a:xfrm>
-              <a:off x="2326769" y="4001756"/>
-              <a:ext cx="49651" cy="49651"/>
-            </a:xfrm>
-            <a:prstGeom prst="ellipse">
-              <a:avLst/>
-            </a:prstGeom>
-            <a:solidFill>
-              <a:srgbClr val="C77CFF">
-                <a:alpha val="100000"/>
-              </a:srgbClr>
-            </a:solidFill>
-            <a:ln w="9000" cap="rnd">
-              <a:solidFill>
-                <a:srgbClr val="C77CFF">
-                  <a:alpha val="100000"/>
-                </a:srgbClr>
-              </a:solidFill>
-              <a:prstDash val="solid"/>
-              <a:round/>
-            </a:ln>
-          </p:spPr>
-          <p:txBody>
-            <a:bodyPr/>
-            <a:lstStyle/>
-            <a:p/>
-          </p:txBody>
-        </p:sp>
-        <p:sp>
-          <p:nvSpPr>
-            <p:cNvPr id="135" name="pt134"/>
-            <p:cNvSpPr/>
-            <p:nvPr/>
-          </p:nvSpPr>
-          <p:spPr>
-            <a:xfrm>
-              <a:off x="3067888" y="3890076"/>
-              <a:ext cx="49651" cy="49651"/>
-            </a:xfrm>
-            <a:prstGeom prst="ellipse">
-              <a:avLst/>
-            </a:prstGeom>
-            <a:solidFill>
-              <a:srgbClr val="C77CFF">
-                <a:alpha val="100000"/>
-              </a:srgbClr>
-            </a:solidFill>
-            <a:ln w="9000" cap="rnd">
-              <a:solidFill>
-                <a:srgbClr val="C77CFF">
-                  <a:alpha val="100000"/>
-                </a:srgbClr>
-              </a:solidFill>
-              <a:prstDash val="solid"/>
-              <a:round/>
-            </a:ln>
-          </p:spPr>
-          <p:txBody>
-            <a:bodyPr/>
-            <a:lstStyle/>
-            <a:p/>
-          </p:txBody>
-        </p:sp>
-        <p:sp>
-          <p:nvSpPr>
-            <p:cNvPr id="136" name="pt135"/>
-            <p:cNvSpPr/>
-            <p:nvPr/>
-          </p:nvSpPr>
-          <p:spPr>
-            <a:xfrm>
-              <a:off x="3173762" y="3834165"/>
-              <a:ext cx="49651" cy="49651"/>
-            </a:xfrm>
-            <a:prstGeom prst="ellipse">
-              <a:avLst/>
-            </a:prstGeom>
-            <a:solidFill>
-              <a:srgbClr val="C77CFF">
-                <a:alpha val="100000"/>
-              </a:srgbClr>
-            </a:solidFill>
-            <a:ln w="9000" cap="rnd">
-              <a:solidFill>
-                <a:srgbClr val="C77CFF">
-                  <a:alpha val="100000"/>
-                </a:srgbClr>
-              </a:solidFill>
-              <a:prstDash val="solid"/>
-              <a:round/>
-            </a:ln>
-          </p:spPr>
-          <p:txBody>
-            <a:bodyPr/>
-            <a:lstStyle/>
-            <a:p/>
-          </p:txBody>
-        </p:sp>
-        <p:sp>
-          <p:nvSpPr>
-            <p:cNvPr id="137" name="pt136"/>
-            <p:cNvSpPr/>
-            <p:nvPr/>
-          </p:nvSpPr>
-          <p:spPr>
-            <a:xfrm>
-              <a:off x="3314927" y="3705751"/>
-              <a:ext cx="49651" cy="49651"/>
-            </a:xfrm>
-            <a:prstGeom prst="ellipse">
-              <a:avLst/>
-            </a:prstGeom>
-            <a:solidFill>
-              <a:srgbClr val="C77CFF">
-                <a:alpha val="100000"/>
-              </a:srgbClr>
-            </a:solidFill>
-            <a:ln w="9000" cap="rnd">
-              <a:solidFill>
-                <a:srgbClr val="C77CFF">
-                  <a:alpha val="100000"/>
-                </a:srgbClr>
-              </a:solidFill>
-              <a:prstDash val="solid"/>
-              <a:round/>
-            </a:ln>
-          </p:spPr>
-          <p:txBody>
-            <a:bodyPr/>
-            <a:lstStyle/>
-            <a:p/>
-          </p:txBody>
-        </p:sp>
-        <p:sp>
-          <p:nvSpPr>
-            <p:cNvPr id="138" name="pt137"/>
-            <p:cNvSpPr/>
-            <p:nvPr/>
-          </p:nvSpPr>
-          <p:spPr>
-            <a:xfrm>
-              <a:off x="3456093" y="3451078"/>
-              <a:ext cx="49651" cy="49651"/>
-            </a:xfrm>
-            <a:prstGeom prst="ellipse">
-              <a:avLst/>
-            </a:prstGeom>
-            <a:solidFill>
-              <a:srgbClr val="C77CFF">
-                <a:alpha val="100000"/>
-              </a:srgbClr>
-            </a:solidFill>
-            <a:ln w="9000" cap="rnd">
-              <a:solidFill>
-                <a:srgbClr val="C77CFF">
-                  <a:alpha val="100000"/>
-                </a:srgbClr>
-              </a:solidFill>
-              <a:prstDash val="solid"/>
-              <a:round/>
-            </a:ln>
-          </p:spPr>
-          <p:txBody>
-            <a:bodyPr/>
-            <a:lstStyle/>
-            <a:p/>
-          </p:txBody>
-        </p:sp>
-        <p:sp>
-          <p:nvSpPr>
-            <p:cNvPr id="139" name="pt138"/>
-            <p:cNvSpPr/>
-            <p:nvPr/>
-          </p:nvSpPr>
-          <p:spPr>
-            <a:xfrm>
-              <a:off x="3526676" y="3246489"/>
-              <a:ext cx="49651" cy="49651"/>
-            </a:xfrm>
-            <a:prstGeom prst="ellipse">
-              <a:avLst/>
-            </a:prstGeom>
-            <a:solidFill>
-              <a:srgbClr val="C77CFF">
-                <a:alpha val="100000"/>
-              </a:srgbClr>
-            </a:solidFill>
-            <a:ln w="9000" cap="rnd">
-              <a:solidFill>
-                <a:srgbClr val="C77CFF">
-                  <a:alpha val="100000"/>
-                </a:srgbClr>
-              </a:solidFill>
-              <a:prstDash val="solid"/>
-              <a:round/>
-            </a:ln>
-          </p:spPr>
-          <p:txBody>
-            <a:bodyPr/>
-            <a:lstStyle/>
-            <a:p/>
-          </p:txBody>
-        </p:sp>
-        <p:sp>
-          <p:nvSpPr>
-            <p:cNvPr id="140" name="pt139"/>
-            <p:cNvSpPr/>
-            <p:nvPr/>
-          </p:nvSpPr>
-          <p:spPr>
-            <a:xfrm>
-              <a:off x="3597258" y="2979024"/>
-              <a:ext cx="49651" cy="49651"/>
-            </a:xfrm>
-            <a:prstGeom prst="ellipse">
-              <a:avLst/>
-            </a:prstGeom>
-            <a:solidFill>
-              <a:srgbClr val="C77CFF">
-                <a:alpha val="100000"/>
-              </a:srgbClr>
-            </a:solidFill>
-            <a:ln w="9000" cap="rnd">
-              <a:solidFill>
-                <a:srgbClr val="C77CFF">
-                  <a:alpha val="100000"/>
-                </a:srgbClr>
-              </a:solidFill>
-              <a:prstDash val="solid"/>
-              <a:round/>
-            </a:ln>
-          </p:spPr>
-          <p:txBody>
-            <a:bodyPr/>
-            <a:lstStyle/>
-            <a:p/>
-          </p:txBody>
-        </p:sp>
-        <p:sp>
-          <p:nvSpPr>
-            <p:cNvPr id="141" name="pt140"/>
-            <p:cNvSpPr/>
-            <p:nvPr/>
-          </p:nvSpPr>
-          <p:spPr>
-            <a:xfrm>
-              <a:off x="3667841" y="2649602"/>
-              <a:ext cx="49651" cy="49651"/>
-            </a:xfrm>
-            <a:prstGeom prst="ellipse">
-              <a:avLst/>
-            </a:prstGeom>
-            <a:solidFill>
-              <a:srgbClr val="C77CFF">
-                <a:alpha val="100000"/>
-              </a:srgbClr>
-            </a:solidFill>
-            <a:ln w="9000" cap="rnd">
-              <a:solidFill>
-                <a:srgbClr val="C77CFF">
-                  <a:alpha val="100000"/>
-                </a:srgbClr>
-              </a:solidFill>
-              <a:prstDash val="solid"/>
-              <a:round/>
-            </a:ln>
-          </p:spPr>
-          <p:txBody>
-            <a:bodyPr/>
-            <a:lstStyle/>
-            <a:p/>
-          </p:txBody>
-        </p:sp>
-        <p:sp>
-          <p:nvSpPr>
-            <p:cNvPr id="142" name="pt141"/>
-            <p:cNvSpPr/>
-            <p:nvPr/>
-          </p:nvSpPr>
-          <p:spPr>
-            <a:xfrm>
-              <a:off x="3738424" y="2275927"/>
-              <a:ext cx="49651" cy="49651"/>
-            </a:xfrm>
-            <a:prstGeom prst="ellipse">
-              <a:avLst/>
-            </a:prstGeom>
-            <a:solidFill>
-              <a:srgbClr val="C77CFF">
-                <a:alpha val="100000"/>
-              </a:srgbClr>
-            </a:solidFill>
-            <a:ln w="9000" cap="rnd">
-              <a:solidFill>
-                <a:srgbClr val="C77CFF">
-                  <a:alpha val="100000"/>
-                </a:srgbClr>
-              </a:solidFill>
-              <a:prstDash val="solid"/>
-              <a:round/>
-            </a:ln>
-          </p:spPr>
-          <p:txBody>
-            <a:bodyPr/>
-            <a:lstStyle/>
-            <a:p/>
-          </p:txBody>
-        </p:sp>
-        <p:sp>
-          <p:nvSpPr>
-            <p:cNvPr id="143" name="pt142"/>
-            <p:cNvSpPr/>
-            <p:nvPr/>
-          </p:nvSpPr>
-          <p:spPr>
-            <a:xfrm>
-              <a:off x="3809006" y="1966938"/>
-              <a:ext cx="49651" cy="49651"/>
-            </a:xfrm>
-            <a:prstGeom prst="ellipse">
-              <a:avLst/>
-            </a:prstGeom>
-            <a:solidFill>
-              <a:srgbClr val="C77CFF">
-                <a:alpha val="100000"/>
-              </a:srgbClr>
-            </a:solidFill>
-            <a:ln w="9000" cap="rnd">
-              <a:solidFill>
-                <a:srgbClr val="C77CFF">
-                  <a:alpha val="100000"/>
-                </a:srgbClr>
-              </a:solidFill>
-              <a:prstDash val="solid"/>
-              <a:round/>
-            </a:ln>
-          </p:spPr>
-          <p:txBody>
-            <a:bodyPr/>
-            <a:lstStyle/>
-            <a:p/>
-          </p:txBody>
-        </p:sp>
-        <p:sp>
-          <p:nvSpPr>
-            <p:cNvPr id="144" name="pt143"/>
-            <p:cNvSpPr/>
-            <p:nvPr/>
-          </p:nvSpPr>
-          <p:spPr>
-            <a:xfrm>
-              <a:off x="3879589" y="1691305"/>
-              <a:ext cx="49651" cy="49651"/>
-            </a:xfrm>
-            <a:prstGeom prst="ellipse">
-              <a:avLst/>
-            </a:prstGeom>
-            <a:solidFill>
-              <a:srgbClr val="C77CFF">
-                <a:alpha val="100000"/>
-              </a:srgbClr>
-            </a:solidFill>
-            <a:ln w="9000" cap="rnd">
-              <a:solidFill>
-                <a:srgbClr val="C77CFF">
-                  <a:alpha val="100000"/>
-                </a:srgbClr>
-              </a:solidFill>
-              <a:prstDash val="solid"/>
-              <a:round/>
-            </a:ln>
-          </p:spPr>
-          <p:txBody>
-            <a:bodyPr/>
-            <a:lstStyle/>
-            <a:p/>
-          </p:txBody>
-        </p:sp>
-        <p:sp>
-          <p:nvSpPr>
-            <p:cNvPr id="145" name="pt144"/>
-            <p:cNvSpPr/>
-            <p:nvPr/>
-          </p:nvSpPr>
-          <p:spPr>
-            <a:xfrm>
-              <a:off x="3950172" y="1466586"/>
-              <a:ext cx="49651" cy="49651"/>
-            </a:xfrm>
-            <a:prstGeom prst="ellipse">
-              <a:avLst/>
-            </a:prstGeom>
-            <a:solidFill>
-              <a:srgbClr val="C77CFF">
-                <a:alpha val="100000"/>
-              </a:srgbClr>
-            </a:solidFill>
-            <a:ln w="9000" cap="rnd">
-              <a:solidFill>
-                <a:srgbClr val="C77CFF">
-                  <a:alpha val="100000"/>
-                </a:srgbClr>
-              </a:solidFill>
-              <a:prstDash val="solid"/>
-              <a:round/>
-            </a:ln>
-          </p:spPr>
-          <p:txBody>
-            <a:bodyPr/>
-            <a:lstStyle/>
-            <a:p/>
-          </p:txBody>
-        </p:sp>
-        <p:sp>
-          <p:nvSpPr>
-            <p:cNvPr id="146" name="pt145"/>
-            <p:cNvSpPr/>
-            <p:nvPr/>
-          </p:nvSpPr>
-          <p:spPr>
-            <a:xfrm>
-              <a:off x="4020755" y="1307857"/>
-              <a:ext cx="49651" cy="49651"/>
-            </a:xfrm>
-            <a:prstGeom prst="ellipse">
-              <a:avLst/>
-            </a:prstGeom>
-            <a:solidFill>
-              <a:srgbClr val="C77CFF">
-                <a:alpha val="100000"/>
-              </a:srgbClr>
-            </a:solidFill>
-            <a:ln w="9000" cap="rnd">
-              <a:solidFill>
-                <a:srgbClr val="C77CFF">
-                  <a:alpha val="100000"/>
-                </a:srgbClr>
-              </a:solidFill>
-              <a:prstDash val="solid"/>
-              <a:round/>
-            </a:ln>
-          </p:spPr>
-          <p:txBody>
-            <a:bodyPr/>
-            <a:lstStyle/>
-            <a:p/>
-          </p:txBody>
-        </p:sp>
-        <p:sp>
-          <p:nvSpPr>
-            <p:cNvPr id="147" name="pt146"/>
-            <p:cNvSpPr/>
-            <p:nvPr/>
-          </p:nvSpPr>
-          <p:spPr>
-            <a:xfrm>
-              <a:off x="4091337" y="1288050"/>
-              <a:ext cx="49651" cy="49651"/>
-            </a:xfrm>
-            <a:prstGeom prst="ellipse">
-              <a:avLst/>
-            </a:prstGeom>
-            <a:solidFill>
-              <a:srgbClr val="C77CFF">
-                <a:alpha val="100000"/>
-              </a:srgbClr>
-            </a:solidFill>
-            <a:ln w="9000" cap="rnd">
-              <a:solidFill>
-                <a:srgbClr val="C77CFF">
-                  <a:alpha val="100000"/>
-                </a:srgbClr>
-              </a:solidFill>
-              <a:prstDash val="solid"/>
-              <a:round/>
-            </a:ln>
-          </p:spPr>
-          <p:txBody>
-            <a:bodyPr/>
-            <a:lstStyle/>
-            <a:p/>
-          </p:txBody>
-        </p:sp>
-        <p:sp>
-          <p:nvSpPr>
-            <p:cNvPr id="148" name="pt147"/>
-            <p:cNvSpPr/>
-            <p:nvPr/>
-          </p:nvSpPr>
-          <p:spPr>
-            <a:xfrm>
-              <a:off x="4161920" y="1404207"/>
-              <a:ext cx="49651" cy="49651"/>
-            </a:xfrm>
-            <a:prstGeom prst="ellipse">
-              <a:avLst/>
-            </a:prstGeom>
-            <a:solidFill>
-              <a:srgbClr val="C77CFF">
-                <a:alpha val="100000"/>
-              </a:srgbClr>
-            </a:solidFill>
-            <a:ln w="9000" cap="rnd">
-              <a:solidFill>
-                <a:srgbClr val="C77CFF">
-                  <a:alpha val="100000"/>
-                </a:srgbClr>
-              </a:solidFill>
-              <a:prstDash val="solid"/>
-              <a:round/>
-            </a:ln>
-          </p:spPr>
-          <p:txBody>
-            <a:bodyPr/>
-            <a:lstStyle/>
-            <a:p/>
-          </p:txBody>
-        </p:sp>
-        <p:sp>
-          <p:nvSpPr>
-            <p:cNvPr id="149" name="pt148"/>
-            <p:cNvSpPr/>
-            <p:nvPr/>
-          </p:nvSpPr>
-          <p:spPr>
-            <a:xfrm>
-              <a:off x="4232503" y="1708142"/>
-              <a:ext cx="49651" cy="49651"/>
-            </a:xfrm>
-            <a:prstGeom prst="ellipse">
-              <a:avLst/>
-            </a:prstGeom>
-            <a:solidFill>
-              <a:srgbClr val="C77CFF">
-                <a:alpha val="100000"/>
-              </a:srgbClr>
-            </a:solidFill>
-            <a:ln w="9000" cap="rnd">
-              <a:solidFill>
-                <a:srgbClr val="C77CFF">
-                  <a:alpha val="100000"/>
-                </a:srgbClr>
-              </a:solidFill>
-              <a:prstDash val="solid"/>
-              <a:round/>
-            </a:ln>
-          </p:spPr>
-          <p:txBody>
-            <a:bodyPr/>
-            <a:lstStyle/>
-            <a:p/>
-          </p:txBody>
-        </p:sp>
-        <p:sp>
-          <p:nvSpPr>
-            <p:cNvPr id="150" name="pt149"/>
-            <p:cNvSpPr/>
-            <p:nvPr/>
-          </p:nvSpPr>
-          <p:spPr>
-            <a:xfrm>
-              <a:off x="4303086" y="2086480"/>
-              <a:ext cx="49651" cy="49651"/>
-            </a:xfrm>
-            <a:prstGeom prst="ellipse">
-              <a:avLst/>
-            </a:prstGeom>
-            <a:solidFill>
-              <a:srgbClr val="C77CFF">
-                <a:alpha val="100000"/>
-              </a:srgbClr>
-            </a:solidFill>
-            <a:ln w="9000" cap="rnd">
-              <a:solidFill>
-                <a:srgbClr val="C77CFF">
-                  <a:alpha val="100000"/>
-                </a:srgbClr>
-              </a:solidFill>
-              <a:prstDash val="solid"/>
-              <a:round/>
-            </a:ln>
-          </p:spPr>
-          <p:txBody>
-            <a:bodyPr/>
-            <a:lstStyle/>
-            <a:p/>
-          </p:txBody>
-        </p:sp>
-        <p:sp>
-          <p:nvSpPr>
-            <p:cNvPr id="151" name="pt150"/>
-            <p:cNvSpPr/>
-            <p:nvPr/>
-          </p:nvSpPr>
-          <p:spPr>
-            <a:xfrm>
-              <a:off x="4373668" y="2456211"/>
-              <a:ext cx="49651" cy="49651"/>
-            </a:xfrm>
-            <a:prstGeom prst="ellipse">
-              <a:avLst/>
-            </a:prstGeom>
-            <a:solidFill>
-              <a:srgbClr val="C77CFF">
-                <a:alpha val="100000"/>
-              </a:srgbClr>
-            </a:solidFill>
-            <a:ln w="9000" cap="rnd">
-              <a:solidFill>
-                <a:srgbClr val="C77CFF">
-                  <a:alpha val="100000"/>
-                </a:srgbClr>
-              </a:solidFill>
-              <a:prstDash val="solid"/>
-              <a:round/>
-            </a:ln>
-          </p:spPr>
-          <p:txBody>
-            <a:bodyPr/>
-            <a:lstStyle/>
-            <a:p/>
-          </p:txBody>
-        </p:sp>
-        <p:sp>
-          <p:nvSpPr>
-            <p:cNvPr id="152" name="pt151"/>
-            <p:cNvSpPr/>
-            <p:nvPr/>
-          </p:nvSpPr>
-          <p:spPr>
-            <a:xfrm>
-              <a:off x="4444251" y="2796835"/>
-              <a:ext cx="49651" cy="49651"/>
-            </a:xfrm>
-            <a:prstGeom prst="ellipse">
-              <a:avLst/>
-            </a:prstGeom>
-            <a:solidFill>
-              <a:srgbClr val="C77CFF">
-                <a:alpha val="100000"/>
-              </a:srgbClr>
-            </a:solidFill>
-            <a:ln w="9000" cap="rnd">
-              <a:solidFill>
-                <a:srgbClr val="C77CFF">
-                  <a:alpha val="100000"/>
-                </a:srgbClr>
-              </a:solidFill>
-              <a:prstDash val="solid"/>
-              <a:round/>
-            </a:ln>
-          </p:spPr>
-          <p:txBody>
-            <a:bodyPr/>
-            <a:lstStyle/>
-            <a:p/>
-          </p:txBody>
-        </p:sp>
-        <p:sp>
-          <p:nvSpPr>
-            <p:cNvPr id="153" name="pt152"/>
-            <p:cNvSpPr/>
-            <p:nvPr/>
-          </p:nvSpPr>
-          <p:spPr>
-            <a:xfrm>
-              <a:off x="4550125" y="3172459"/>
-              <a:ext cx="49651" cy="49651"/>
-            </a:xfrm>
-            <a:prstGeom prst="ellipse">
-              <a:avLst/>
-            </a:prstGeom>
-            <a:solidFill>
-              <a:srgbClr val="C77CFF">
-                <a:alpha val="100000"/>
-              </a:srgbClr>
-            </a:solidFill>
-            <a:ln w="9000" cap="rnd">
-              <a:solidFill>
-                <a:srgbClr val="C77CFF">
-                  <a:alpha val="100000"/>
-                </a:srgbClr>
-              </a:solidFill>
-              <a:prstDash val="solid"/>
-              <a:round/>
-            </a:ln>
-          </p:spPr>
-          <p:txBody>
-            <a:bodyPr/>
-            <a:lstStyle/>
-            <a:p/>
-          </p:txBody>
-        </p:sp>
-        <p:sp>
-          <p:nvSpPr>
-            <p:cNvPr id="154" name="pt153"/>
-            <p:cNvSpPr/>
-            <p:nvPr/>
-          </p:nvSpPr>
-          <p:spPr>
-            <a:xfrm>
-              <a:off x="4726582" y="3485237"/>
-              <a:ext cx="49651" cy="49651"/>
-            </a:xfrm>
-            <a:prstGeom prst="ellipse">
-              <a:avLst/>
-            </a:prstGeom>
-            <a:solidFill>
-              <a:srgbClr val="C77CFF">
-                <a:alpha val="100000"/>
-              </a:srgbClr>
-            </a:solidFill>
-            <a:ln w="9000" cap="rnd">
-              <a:solidFill>
-                <a:srgbClr val="C77CFF">
-                  <a:alpha val="100000"/>
-                </a:srgbClr>
-              </a:solidFill>
-              <a:prstDash val="solid"/>
-              <a:round/>
-            </a:ln>
-          </p:spPr>
-          <p:txBody>
-            <a:bodyPr/>
-            <a:lstStyle/>
-            <a:p/>
-          </p:txBody>
-        </p:sp>
-        <p:sp>
-          <p:nvSpPr>
-            <p:cNvPr id="155" name="pt154"/>
-            <p:cNvSpPr/>
-            <p:nvPr/>
-          </p:nvSpPr>
-          <p:spPr>
-            <a:xfrm>
-              <a:off x="4867747" y="3607577"/>
-              <a:ext cx="49651" cy="49651"/>
-            </a:xfrm>
-            <a:prstGeom prst="ellipse">
-              <a:avLst/>
-            </a:prstGeom>
-            <a:solidFill>
-              <a:srgbClr val="C77CFF">
-                <a:alpha val="100000"/>
-              </a:srgbClr>
-            </a:solidFill>
-            <a:ln w="9000" cap="rnd">
-              <a:solidFill>
-                <a:srgbClr val="C77CFF">
-                  <a:alpha val="100000"/>
-                </a:srgbClr>
-              </a:solidFill>
-              <a:prstDash val="solid"/>
-              <a:round/>
-            </a:ln>
-          </p:spPr>
-          <p:txBody>
-            <a:bodyPr/>
-            <a:lstStyle/>
-            <a:p/>
-          </p:txBody>
-        </p:sp>
-        <p:sp>
-          <p:nvSpPr>
-            <p:cNvPr id="156" name="pt155"/>
-            <p:cNvSpPr/>
-            <p:nvPr/>
-          </p:nvSpPr>
-          <p:spPr>
-            <a:xfrm>
-              <a:off x="4938330" y="3652214"/>
-              <a:ext cx="49651" cy="49651"/>
-            </a:xfrm>
-            <a:prstGeom prst="ellipse">
-              <a:avLst/>
-            </a:prstGeom>
-            <a:solidFill>
-              <a:srgbClr val="C77CFF">
-                <a:alpha val="100000"/>
-              </a:srgbClr>
-            </a:solidFill>
-            <a:ln w="9000" cap="rnd">
-              <a:solidFill>
-                <a:srgbClr val="C77CFF">
-                  <a:alpha val="100000"/>
-                </a:srgbClr>
-              </a:solidFill>
-              <a:prstDash val="solid"/>
-              <a:round/>
-            </a:ln>
-          </p:spPr>
-          <p:txBody>
-            <a:bodyPr/>
-            <a:lstStyle/>
-            <a:p/>
-          </p:txBody>
-        </p:sp>
-        <p:sp>
-          <p:nvSpPr>
-            <p:cNvPr id="157" name="pt156"/>
-            <p:cNvSpPr/>
-            <p:nvPr/>
-          </p:nvSpPr>
-          <p:spPr>
-            <a:xfrm>
-              <a:off x="5008913" y="3695054"/>
-              <a:ext cx="49651" cy="49651"/>
-            </a:xfrm>
-            <a:prstGeom prst="ellipse">
-              <a:avLst/>
-            </a:prstGeom>
-            <a:solidFill>
-              <a:srgbClr val="C77CFF">
-                <a:alpha val="100000"/>
-              </a:srgbClr>
-            </a:solidFill>
-            <a:ln w="9000" cap="rnd">
-              <a:solidFill>
-                <a:srgbClr val="C77CFF">
-                  <a:alpha val="100000"/>
-                </a:srgbClr>
-              </a:solidFill>
-              <a:prstDash val="solid"/>
-              <a:round/>
-            </a:ln>
-          </p:spPr>
-          <p:txBody>
-            <a:bodyPr/>
-            <a:lstStyle/>
-            <a:p/>
-          </p:txBody>
-        </p:sp>
-        <p:sp>
-          <p:nvSpPr>
-            <p:cNvPr id="158" name="pt157"/>
-            <p:cNvSpPr/>
-            <p:nvPr/>
-          </p:nvSpPr>
-          <p:spPr>
-            <a:xfrm>
-              <a:off x="5150078" y="3771729"/>
-              <a:ext cx="49651" cy="49651"/>
-            </a:xfrm>
-            <a:prstGeom prst="ellipse">
-              <a:avLst/>
-            </a:prstGeom>
-            <a:solidFill>
-              <a:srgbClr val="C77CFF">
-                <a:alpha val="100000"/>
-              </a:srgbClr>
-            </a:solidFill>
-            <a:ln w="9000" cap="rnd">
-              <a:solidFill>
-                <a:srgbClr val="C77CFF">
-                  <a:alpha val="100000"/>
-                </a:srgbClr>
-              </a:solidFill>
-              <a:prstDash val="solid"/>
-              <a:round/>
-            </a:ln>
-          </p:spPr>
-          <p:txBody>
-            <a:bodyPr/>
-            <a:lstStyle/>
-            <a:p/>
-          </p:txBody>
-        </p:sp>
-        <p:sp>
-          <p:nvSpPr>
-            <p:cNvPr id="159" name="pt158"/>
-            <p:cNvSpPr/>
-            <p:nvPr/>
-          </p:nvSpPr>
-          <p:spPr>
-            <a:xfrm>
-              <a:off x="5361826" y="3857017"/>
-              <a:ext cx="49651" cy="49651"/>
-            </a:xfrm>
-            <a:prstGeom prst="ellipse">
-              <a:avLst/>
-            </a:prstGeom>
-            <a:solidFill>
-              <a:srgbClr val="C77CFF">
-                <a:alpha val="100000"/>
-              </a:srgbClr>
-            </a:solidFill>
-            <a:ln w="9000" cap="rnd">
-              <a:solidFill>
-                <a:srgbClr val="C77CFF">
-                  <a:alpha val="100000"/>
-                </a:srgbClr>
-              </a:solidFill>
-              <a:prstDash val="solid"/>
-              <a:round/>
-            </a:ln>
-          </p:spPr>
-          <p:txBody>
-            <a:bodyPr/>
-            <a:lstStyle/>
-            <a:p/>
-          </p:txBody>
-        </p:sp>
-        <p:sp>
-          <p:nvSpPr>
-            <p:cNvPr id="160" name="tx159"/>
+            <p:cNvPr id="154" name="tx153"/>
             <p:cNvSpPr/>
             <p:nvPr/>
           </p:nvSpPr>
@@ -8417,7 +8159,7 @@
         </p:sp>
         <p:sp>
           <p:nvSpPr>
-            <p:cNvPr id="161" name="tx160"/>
+            <p:cNvPr id="155" name="tx154"/>
             <p:cNvSpPr/>
             <p:nvPr/>
           </p:nvSpPr>
@@ -8463,7 +8205,7 @@
         </p:sp>
         <p:sp>
           <p:nvSpPr>
-            <p:cNvPr id="162" name="tx161"/>
+            <p:cNvPr id="156" name="tx155"/>
             <p:cNvSpPr/>
             <p:nvPr/>
           </p:nvSpPr>
@@ -8509,7 +8251,7 @@
         </p:sp>
         <p:sp>
           <p:nvSpPr>
-            <p:cNvPr id="163" name="tx162"/>
+            <p:cNvPr id="157" name="tx156"/>
             <p:cNvSpPr/>
             <p:nvPr/>
           </p:nvSpPr>
@@ -8555,7 +8297,7 @@
         </p:sp>
         <p:sp>
           <p:nvSpPr>
-            <p:cNvPr id="164" name="tx163"/>
+            <p:cNvPr id="158" name="tx157"/>
             <p:cNvSpPr/>
             <p:nvPr/>
           </p:nvSpPr>
@@ -8601,7 +8343,7 @@
         </p:sp>
         <p:sp>
           <p:nvSpPr>
-            <p:cNvPr id="165" name="tx164"/>
+            <p:cNvPr id="159" name="tx158"/>
             <p:cNvSpPr/>
             <p:nvPr/>
           </p:nvSpPr>
@@ -8647,7 +8389,7 @@
         </p:sp>
         <p:sp>
           <p:nvSpPr>
-            <p:cNvPr id="166" name="tx165"/>
+            <p:cNvPr id="160" name="tx159"/>
             <p:cNvSpPr/>
             <p:nvPr/>
           </p:nvSpPr>
@@ -8693,7 +8435,7 @@
         </p:sp>
         <p:sp>
           <p:nvSpPr>
-            <p:cNvPr id="167" name="pl166"/>
+            <p:cNvPr id="161" name="pl160"/>
             <p:cNvSpPr/>
             <p:nvPr/>
           </p:nvSpPr>
@@ -8733,7 +8475,7 @@
         </p:sp>
         <p:sp>
           <p:nvSpPr>
-            <p:cNvPr id="168" name="pl167"/>
+            <p:cNvPr id="162" name="pl161"/>
             <p:cNvSpPr/>
             <p:nvPr/>
           </p:nvSpPr>
@@ -8773,7 +8515,7 @@
         </p:sp>
         <p:sp>
           <p:nvSpPr>
-            <p:cNvPr id="169" name="pl168"/>
+            <p:cNvPr id="163" name="pl162"/>
             <p:cNvSpPr/>
             <p:nvPr/>
           </p:nvSpPr>
@@ -8813,7 +8555,7 @@
         </p:sp>
         <p:sp>
           <p:nvSpPr>
-            <p:cNvPr id="170" name="pl169"/>
+            <p:cNvPr id="164" name="pl163"/>
             <p:cNvSpPr/>
             <p:nvPr/>
           </p:nvSpPr>
@@ -8853,7 +8595,7 @@
         </p:sp>
         <p:sp>
           <p:nvSpPr>
-            <p:cNvPr id="171" name="pl170"/>
+            <p:cNvPr id="165" name="pl164"/>
             <p:cNvSpPr/>
             <p:nvPr/>
           </p:nvSpPr>
@@ -8893,7 +8635,7 @@
         </p:sp>
         <p:sp>
           <p:nvSpPr>
-            <p:cNvPr id="172" name="pl171"/>
+            <p:cNvPr id="166" name="pl165"/>
             <p:cNvSpPr/>
             <p:nvPr/>
           </p:nvSpPr>
@@ -8933,7 +8675,7 @@
         </p:sp>
         <p:sp>
           <p:nvSpPr>
-            <p:cNvPr id="173" name="pl172"/>
+            <p:cNvPr id="167" name="pl166"/>
             <p:cNvSpPr/>
             <p:nvPr/>
           </p:nvSpPr>
@@ -8973,7 +8715,7 @@
         </p:sp>
         <p:sp>
           <p:nvSpPr>
-            <p:cNvPr id="174" name="pl173"/>
+            <p:cNvPr id="168" name="pl167"/>
             <p:cNvSpPr/>
             <p:nvPr/>
           </p:nvSpPr>
@@ -9013,13 +8755,13 @@
         </p:sp>
         <p:sp>
           <p:nvSpPr>
-            <p:cNvPr id="175" name="pl174"/>
-            <p:cNvSpPr/>
-            <p:nvPr/>
-          </p:nvSpPr>
-          <p:spPr>
-            <a:xfrm>
-              <a:off x="1963390" y="4172066"/>
+            <p:cNvPr id="169" name="pl168"/>
+            <p:cNvSpPr/>
+            <p:nvPr/>
+          </p:nvSpPr>
+          <p:spPr>
+            <a:xfrm>
+              <a:off x="2033973" y="4172066"/>
               <a:ext cx="0" cy="34794"/>
             </a:xfrm>
             <a:custGeom>
@@ -9053,13 +8795,13 @@
         </p:sp>
         <p:sp>
           <p:nvSpPr>
-            <p:cNvPr id="176" name="pl175"/>
-            <p:cNvSpPr/>
-            <p:nvPr/>
-          </p:nvSpPr>
-          <p:spPr>
-            <a:xfrm>
-              <a:off x="2245721" y="4172066"/>
+            <p:cNvPr id="170" name="pl169"/>
+            <p:cNvSpPr/>
+            <p:nvPr/>
+          </p:nvSpPr>
+          <p:spPr>
+            <a:xfrm>
+              <a:off x="2386887" y="4172066"/>
               <a:ext cx="0" cy="34794"/>
             </a:xfrm>
             <a:custGeom>
@@ -9093,13 +8835,13 @@
         </p:sp>
         <p:sp>
           <p:nvSpPr>
-            <p:cNvPr id="177" name="pl176"/>
-            <p:cNvSpPr/>
-            <p:nvPr/>
-          </p:nvSpPr>
-          <p:spPr>
-            <a:xfrm>
-              <a:off x="2528052" y="4172066"/>
+            <p:cNvPr id="171" name="pl170"/>
+            <p:cNvSpPr/>
+            <p:nvPr/>
+          </p:nvSpPr>
+          <p:spPr>
+            <a:xfrm>
+              <a:off x="2739800" y="4172066"/>
               <a:ext cx="0" cy="34794"/>
             </a:xfrm>
             <a:custGeom>
@@ -9133,13 +8875,13 @@
         </p:sp>
         <p:sp>
           <p:nvSpPr>
-            <p:cNvPr id="178" name="pl177"/>
-            <p:cNvSpPr/>
-            <p:nvPr/>
-          </p:nvSpPr>
-          <p:spPr>
-            <a:xfrm>
-              <a:off x="2810383" y="4172066"/>
+            <p:cNvPr id="172" name="pl171"/>
+            <p:cNvSpPr/>
+            <p:nvPr/>
+          </p:nvSpPr>
+          <p:spPr>
+            <a:xfrm>
+              <a:off x="3092714" y="4172066"/>
               <a:ext cx="0" cy="34794"/>
             </a:xfrm>
             <a:custGeom>
@@ -9173,13 +8915,13 @@
         </p:sp>
         <p:sp>
           <p:nvSpPr>
-            <p:cNvPr id="179" name="pl178"/>
-            <p:cNvSpPr/>
-            <p:nvPr/>
-          </p:nvSpPr>
-          <p:spPr>
-            <a:xfrm>
-              <a:off x="3092714" y="4172066"/>
+            <p:cNvPr id="173" name="pl172"/>
+            <p:cNvSpPr/>
+            <p:nvPr/>
+          </p:nvSpPr>
+          <p:spPr>
+            <a:xfrm>
+              <a:off x="3445627" y="4172066"/>
               <a:ext cx="0" cy="34794"/>
             </a:xfrm>
             <a:custGeom>
@@ -9213,13 +8955,13 @@
         </p:sp>
         <p:sp>
           <p:nvSpPr>
-            <p:cNvPr id="180" name="pl179"/>
-            <p:cNvSpPr/>
-            <p:nvPr/>
-          </p:nvSpPr>
-          <p:spPr>
-            <a:xfrm>
-              <a:off x="3375045" y="4172066"/>
+            <p:cNvPr id="174" name="pl173"/>
+            <p:cNvSpPr/>
+            <p:nvPr/>
+          </p:nvSpPr>
+          <p:spPr>
+            <a:xfrm>
+              <a:off x="3798541" y="4172066"/>
               <a:ext cx="0" cy="34794"/>
             </a:xfrm>
             <a:custGeom>
@@ -9253,13 +8995,13 @@
         </p:sp>
         <p:sp>
           <p:nvSpPr>
-            <p:cNvPr id="181" name="pl180"/>
-            <p:cNvSpPr/>
-            <p:nvPr/>
-          </p:nvSpPr>
-          <p:spPr>
-            <a:xfrm>
-              <a:off x="3657376" y="4172066"/>
+            <p:cNvPr id="175" name="pl174"/>
+            <p:cNvSpPr/>
+            <p:nvPr/>
+          </p:nvSpPr>
+          <p:spPr>
+            <a:xfrm>
+              <a:off x="4151455" y="4172066"/>
               <a:ext cx="0" cy="34794"/>
             </a:xfrm>
             <a:custGeom>
@@ -9293,13 +9035,13 @@
         </p:sp>
         <p:sp>
           <p:nvSpPr>
-            <p:cNvPr id="182" name="pl181"/>
-            <p:cNvSpPr/>
-            <p:nvPr/>
-          </p:nvSpPr>
-          <p:spPr>
-            <a:xfrm>
-              <a:off x="3939706" y="4172066"/>
+            <p:cNvPr id="176" name="pl175"/>
+            <p:cNvSpPr/>
+            <p:nvPr/>
+          </p:nvSpPr>
+          <p:spPr>
+            <a:xfrm>
+              <a:off x="4504368" y="4172066"/>
               <a:ext cx="0" cy="34794"/>
             </a:xfrm>
             <a:custGeom>
@@ -9333,13 +9075,13 @@
         </p:sp>
         <p:sp>
           <p:nvSpPr>
-            <p:cNvPr id="183" name="pl182"/>
-            <p:cNvSpPr/>
-            <p:nvPr/>
-          </p:nvSpPr>
-          <p:spPr>
-            <a:xfrm>
-              <a:off x="4222037" y="4172066"/>
+            <p:cNvPr id="177" name="pl176"/>
+            <p:cNvSpPr/>
+            <p:nvPr/>
+          </p:nvSpPr>
+          <p:spPr>
+            <a:xfrm>
+              <a:off x="4857282" y="4172066"/>
               <a:ext cx="0" cy="34794"/>
             </a:xfrm>
             <a:custGeom>
@@ -9373,13 +9115,13 @@
         </p:sp>
         <p:sp>
           <p:nvSpPr>
-            <p:cNvPr id="184" name="pl183"/>
-            <p:cNvSpPr/>
-            <p:nvPr/>
-          </p:nvSpPr>
-          <p:spPr>
-            <a:xfrm>
-              <a:off x="4504368" y="4172066"/>
+            <p:cNvPr id="178" name="pl177"/>
+            <p:cNvSpPr/>
+            <p:nvPr/>
+          </p:nvSpPr>
+          <p:spPr>
+            <a:xfrm>
+              <a:off x="5210196" y="4172066"/>
               <a:ext cx="0" cy="34794"/>
             </a:xfrm>
             <a:custGeom>
@@ -9413,13 +9155,13 @@
         </p:sp>
         <p:sp>
           <p:nvSpPr>
-            <p:cNvPr id="185" name="pl184"/>
-            <p:cNvSpPr/>
-            <p:nvPr/>
-          </p:nvSpPr>
-          <p:spPr>
-            <a:xfrm>
-              <a:off x="4786699" y="4172066"/>
+            <p:cNvPr id="179" name="pl178"/>
+            <p:cNvSpPr/>
+            <p:nvPr/>
+          </p:nvSpPr>
+          <p:spPr>
+            <a:xfrm>
+              <a:off x="5563109" y="4172066"/>
               <a:ext cx="0" cy="34794"/>
             </a:xfrm>
             <a:custGeom>
@@ -9453,127 +9195,7 @@
         </p:sp>
         <p:sp>
           <p:nvSpPr>
-            <p:cNvPr id="186" name="pl185"/>
-            <p:cNvSpPr/>
-            <p:nvPr/>
-          </p:nvSpPr>
-          <p:spPr>
-            <a:xfrm>
-              <a:off x="5069030" y="4172066"/>
-              <a:ext cx="0" cy="34794"/>
-            </a:xfrm>
-            <a:custGeom>
-              <a:avLst/>
-              <a:pathLst>
-                <a:path w="0" h="34794">
-                  <a:moveTo>
-                    <a:pt x="0" y="34794"/>
-                  </a:moveTo>
-                  <a:lnTo>
-                    <a:pt x="0" y="0"/>
-                  </a:lnTo>
-                </a:path>
-              </a:pathLst>
-            </a:custGeom>
-            <a:ln w="13550" cap="flat">
-              <a:solidFill>
-                <a:srgbClr val="333333">
-                  <a:alpha val="100000"/>
-                </a:srgbClr>
-              </a:solidFill>
-              <a:prstDash val="solid"/>
-              <a:round/>
-            </a:ln>
-          </p:spPr>
-          <p:txBody>
-            <a:bodyPr/>
-            <a:lstStyle/>
-            <a:p/>
-          </p:txBody>
-        </p:sp>
-        <p:sp>
-          <p:nvSpPr>
-            <p:cNvPr id="187" name="pl186"/>
-            <p:cNvSpPr/>
-            <p:nvPr/>
-          </p:nvSpPr>
-          <p:spPr>
-            <a:xfrm>
-              <a:off x="5351361" y="4172066"/>
-              <a:ext cx="0" cy="34794"/>
-            </a:xfrm>
-            <a:custGeom>
-              <a:avLst/>
-              <a:pathLst>
-                <a:path w="0" h="34794">
-                  <a:moveTo>
-                    <a:pt x="0" y="34794"/>
-                  </a:moveTo>
-                  <a:lnTo>
-                    <a:pt x="0" y="0"/>
-                  </a:lnTo>
-                </a:path>
-              </a:pathLst>
-            </a:custGeom>
-            <a:ln w="13550" cap="flat">
-              <a:solidFill>
-                <a:srgbClr val="333333">
-                  <a:alpha val="100000"/>
-                </a:srgbClr>
-              </a:solidFill>
-              <a:prstDash val="solid"/>
-              <a:round/>
-            </a:ln>
-          </p:spPr>
-          <p:txBody>
-            <a:bodyPr/>
-            <a:lstStyle/>
-            <a:p/>
-          </p:txBody>
-        </p:sp>
-        <p:sp>
-          <p:nvSpPr>
-            <p:cNvPr id="188" name="pl187"/>
-            <p:cNvSpPr/>
-            <p:nvPr/>
-          </p:nvSpPr>
-          <p:spPr>
-            <a:xfrm>
-              <a:off x="5633692" y="4172066"/>
-              <a:ext cx="0" cy="34794"/>
-            </a:xfrm>
-            <a:custGeom>
-              <a:avLst/>
-              <a:pathLst>
-                <a:path w="0" h="34794">
-                  <a:moveTo>
-                    <a:pt x="0" y="34794"/>
-                  </a:moveTo>
-                  <a:lnTo>
-                    <a:pt x="0" y="0"/>
-                  </a:lnTo>
-                </a:path>
-              </a:pathLst>
-            </a:custGeom>
-            <a:ln w="13550" cap="flat">
-              <a:solidFill>
-                <a:srgbClr val="333333">
-                  <a:alpha val="100000"/>
-                </a:srgbClr>
-              </a:solidFill>
-              <a:prstDash val="solid"/>
-              <a:round/>
-            </a:ln>
-          </p:spPr>
-          <p:txBody>
-            <a:bodyPr/>
-            <a:lstStyle/>
-            <a:p/>
-          </p:txBody>
-        </p:sp>
-        <p:sp>
-          <p:nvSpPr>
-            <p:cNvPr id="189" name="tx188"/>
+            <p:cNvPr id="180" name="tx179"/>
             <p:cNvSpPr/>
             <p:nvPr/>
           </p:nvSpPr>
@@ -9619,14 +9241,14 @@
         </p:sp>
         <p:sp>
           <p:nvSpPr>
-            <p:cNvPr id="190" name="tx189"/>
-            <p:cNvSpPr/>
-            <p:nvPr/>
-          </p:nvSpPr>
-          <p:spPr>
-            <a:xfrm>
-              <a:off x="1932312" y="4234696"/>
-              <a:ext cx="62155" cy="80000"/>
+            <p:cNvPr id="181" name="tx180"/>
+            <p:cNvSpPr/>
+            <p:nvPr/>
+          </p:nvSpPr>
+          <p:spPr>
+            <a:xfrm>
+              <a:off x="2002895" y="4234423"/>
+              <a:ext cx="62155" cy="80272"/>
             </a:xfrm>
             <a:prstGeom prst="rect">
               <a:avLst/>
@@ -9658,21 +9280,21 @@
                   <a:latin typeface="Arial"/>
                   <a:cs typeface="Arial"/>
                 </a:rPr>
-                <a:t>4</a:t>
+                <a:t>5</a:t>
               </a:r>
             </a:p>
           </p:txBody>
         </p:sp>
         <p:sp>
           <p:nvSpPr>
-            <p:cNvPr id="191" name="tx190"/>
-            <p:cNvSpPr/>
-            <p:nvPr/>
-          </p:nvSpPr>
-          <p:spPr>
-            <a:xfrm>
-              <a:off x="2214643" y="4233005"/>
-              <a:ext cx="62155" cy="81691"/>
+            <p:cNvPr id="182" name="tx181"/>
+            <p:cNvSpPr/>
+            <p:nvPr/>
+          </p:nvSpPr>
+          <p:spPr>
+            <a:xfrm>
+              <a:off x="2324731" y="4233005"/>
+              <a:ext cx="124311" cy="81691"/>
             </a:xfrm>
             <a:prstGeom prst="rect">
               <a:avLst/>
@@ -9704,21 +9326,21 @@
                   <a:latin typeface="Arial"/>
                   <a:cs typeface="Arial"/>
                 </a:rPr>
-                <a:t>8</a:t>
+                <a:t>10</a:t>
               </a:r>
             </a:p>
           </p:txBody>
         </p:sp>
         <p:sp>
           <p:nvSpPr>
-            <p:cNvPr id="192" name="tx191"/>
-            <p:cNvSpPr/>
-            <p:nvPr/>
-          </p:nvSpPr>
-          <p:spPr>
-            <a:xfrm>
-              <a:off x="2465896" y="4234369"/>
-              <a:ext cx="124311" cy="80327"/>
+            <p:cNvPr id="183" name="tx182"/>
+            <p:cNvSpPr/>
+            <p:nvPr/>
+          </p:nvSpPr>
+          <p:spPr>
+            <a:xfrm>
+              <a:off x="2677645" y="4233005"/>
+              <a:ext cx="124311" cy="81691"/>
             </a:xfrm>
             <a:prstGeom prst="rect">
               <a:avLst/>
@@ -9750,60 +9372,14 @@
                   <a:latin typeface="Arial"/>
                   <a:cs typeface="Arial"/>
                 </a:rPr>
-                <a:t>12</a:t>
+                <a:t>15</a:t>
               </a:r>
             </a:p>
           </p:txBody>
         </p:sp>
         <p:sp>
           <p:nvSpPr>
-            <p:cNvPr id="193" name="tx192"/>
-            <p:cNvSpPr/>
-            <p:nvPr/>
-          </p:nvSpPr>
-          <p:spPr>
-            <a:xfrm>
-              <a:off x="2748227" y="4233005"/>
-              <a:ext cx="124311" cy="81691"/>
-            </a:xfrm>
-            <a:prstGeom prst="rect">
-              <a:avLst/>
-            </a:prstGeom>
-            <a:noFill/>
-          </p:spPr>
-          <p:txBody>
-            <a:bodyPr lIns="0" rIns="0" tIns="0" bIns="0" anchorCtr="1" anchor="ctr" wrap="none"/>
-            <a:lstStyle/>
-            <a:p>
-              <a:pPr algn="l" marL="0" marR="0" indent="0">
-                <a:lnSpc>
-                  <a:spcPts val="880"/>
-                </a:lnSpc>
-                <a:spcBef>
-                  <a:spcPts val="0"/>
-                </a:spcBef>
-                <a:spcAft>
-                  <a:spcPts val="0"/>
-                </a:spcAft>
-              </a:pPr>
-              <a:r>
-                <a:rPr sz="880">
-                  <a:solidFill>
-                    <a:srgbClr val="4D4D4D">
-                      <a:alpha val="100000"/>
-                    </a:srgbClr>
-                  </a:solidFill>
-                  <a:latin typeface="Arial"/>
-                  <a:cs typeface="Arial"/>
-                </a:rPr>
-                <a:t>16</a:t>
-              </a:r>
-            </a:p>
-          </p:txBody>
-        </p:sp>
-        <p:sp>
-          <p:nvSpPr>
-            <p:cNvPr id="194" name="tx193"/>
+            <p:cNvPr id="184" name="tx183"/>
             <p:cNvSpPr/>
             <p:nvPr/>
           </p:nvSpPr>
@@ -9849,14 +9425,14 @@
         </p:sp>
         <p:sp>
           <p:nvSpPr>
-            <p:cNvPr id="195" name="tx194"/>
-            <p:cNvSpPr/>
-            <p:nvPr/>
-          </p:nvSpPr>
-          <p:spPr>
-            <a:xfrm>
-              <a:off x="3312889" y="4234369"/>
-              <a:ext cx="124311" cy="80327"/>
+            <p:cNvPr id="185" name="tx184"/>
+            <p:cNvSpPr/>
+            <p:nvPr/>
+          </p:nvSpPr>
+          <p:spPr>
+            <a:xfrm>
+              <a:off x="3383472" y="4233005"/>
+              <a:ext cx="124311" cy="81691"/>
             </a:xfrm>
             <a:prstGeom prst="rect">
               <a:avLst/>
@@ -9888,21 +9464,21 @@
                   <a:latin typeface="Arial"/>
                   <a:cs typeface="Arial"/>
                 </a:rPr>
-                <a:t>24</a:t>
+                <a:t>25</a:t>
               </a:r>
             </a:p>
           </p:txBody>
         </p:sp>
         <p:sp>
           <p:nvSpPr>
-            <p:cNvPr id="196" name="tx195"/>
-            <p:cNvSpPr/>
-            <p:nvPr/>
-          </p:nvSpPr>
-          <p:spPr>
-            <a:xfrm>
-              <a:off x="3595220" y="4233005"/>
-              <a:ext cx="124311" cy="81691"/>
+            <p:cNvPr id="186" name="tx185"/>
+            <p:cNvSpPr/>
+            <p:nvPr/>
+          </p:nvSpPr>
+          <p:spPr>
+            <a:xfrm>
+              <a:off x="3736385" y="4232950"/>
+              <a:ext cx="124311" cy="81746"/>
             </a:xfrm>
             <a:prstGeom prst="rect">
               <a:avLst/>
@@ -9934,20 +9510,20 @@
                   <a:latin typeface="Arial"/>
                   <a:cs typeface="Arial"/>
                 </a:rPr>
-                <a:t>28</a:t>
+                <a:t>30</a:t>
               </a:r>
             </a:p>
           </p:txBody>
         </p:sp>
         <p:sp>
           <p:nvSpPr>
-            <p:cNvPr id="197" name="tx196"/>
-            <p:cNvSpPr/>
-            <p:nvPr/>
-          </p:nvSpPr>
-          <p:spPr>
-            <a:xfrm>
-              <a:off x="3877551" y="4232950"/>
+            <p:cNvPr id="187" name="tx186"/>
+            <p:cNvSpPr/>
+            <p:nvPr/>
+          </p:nvSpPr>
+          <p:spPr>
+            <a:xfrm>
+              <a:off x="4089299" y="4232950"/>
               <a:ext cx="124311" cy="81746"/>
             </a:xfrm>
             <a:prstGeom prst="rect">
@@ -9980,60 +9556,14 @@
                   <a:latin typeface="Arial"/>
                   <a:cs typeface="Arial"/>
                 </a:rPr>
-                <a:t>32</a:t>
+                <a:t>35</a:t>
               </a:r>
             </a:p>
           </p:txBody>
         </p:sp>
         <p:sp>
           <p:nvSpPr>
-            <p:cNvPr id="198" name="tx197"/>
-            <p:cNvSpPr/>
-            <p:nvPr/>
-          </p:nvSpPr>
-          <p:spPr>
-            <a:xfrm>
-              <a:off x="4159882" y="4232950"/>
-              <a:ext cx="124311" cy="81746"/>
-            </a:xfrm>
-            <a:prstGeom prst="rect">
-              <a:avLst/>
-            </a:prstGeom>
-            <a:noFill/>
-          </p:spPr>
-          <p:txBody>
-            <a:bodyPr lIns="0" rIns="0" tIns="0" bIns="0" anchorCtr="1" anchor="ctr" wrap="none"/>
-            <a:lstStyle/>
-            <a:p>
-              <a:pPr algn="l" marL="0" marR="0" indent="0">
-                <a:lnSpc>
-                  <a:spcPts val="880"/>
-                </a:lnSpc>
-                <a:spcBef>
-                  <a:spcPts val="0"/>
-                </a:spcBef>
-                <a:spcAft>
-                  <a:spcPts val="0"/>
-                </a:spcAft>
-              </a:pPr>
-              <a:r>
-                <a:rPr sz="880">
-                  <a:solidFill>
-                    <a:srgbClr val="4D4D4D">
-                      <a:alpha val="100000"/>
-                    </a:srgbClr>
-                  </a:solidFill>
-                  <a:latin typeface="Arial"/>
-                  <a:cs typeface="Arial"/>
-                </a:rPr>
-                <a:t>36</a:t>
-              </a:r>
-            </a:p>
-          </p:txBody>
-        </p:sp>
-        <p:sp>
-          <p:nvSpPr>
-            <p:cNvPr id="199" name="tx198"/>
+            <p:cNvPr id="188" name="tx187"/>
             <p:cNvSpPr/>
             <p:nvPr/>
           </p:nvSpPr>
@@ -10079,14 +9609,14 @@
         </p:sp>
         <p:sp>
           <p:nvSpPr>
-            <p:cNvPr id="200" name="tx199"/>
-            <p:cNvSpPr/>
-            <p:nvPr/>
-          </p:nvSpPr>
-          <p:spPr>
-            <a:xfrm>
-              <a:off x="4724544" y="4234696"/>
-              <a:ext cx="124311" cy="80000"/>
+            <p:cNvPr id="189" name="tx188"/>
+            <p:cNvSpPr/>
+            <p:nvPr/>
+          </p:nvSpPr>
+          <p:spPr>
+            <a:xfrm>
+              <a:off x="4795126" y="4233332"/>
+              <a:ext cx="124311" cy="81364"/>
             </a:xfrm>
             <a:prstGeom prst="rect">
               <a:avLst/>
@@ -10118,20 +9648,20 @@
                   <a:latin typeface="Arial"/>
                   <a:cs typeface="Arial"/>
                 </a:rPr>
-                <a:t>44</a:t>
+                <a:t>45</a:t>
               </a:r>
             </a:p>
           </p:txBody>
         </p:sp>
         <p:sp>
           <p:nvSpPr>
-            <p:cNvPr id="201" name="tx200"/>
-            <p:cNvSpPr/>
-            <p:nvPr/>
-          </p:nvSpPr>
-          <p:spPr>
-            <a:xfrm>
-              <a:off x="5006874" y="4233005"/>
+            <p:cNvPr id="190" name="tx189"/>
+            <p:cNvSpPr/>
+            <p:nvPr/>
+          </p:nvSpPr>
+          <p:spPr>
+            <a:xfrm>
+              <a:off x="5148040" y="4233005"/>
               <a:ext cx="124311" cy="81691"/>
             </a:xfrm>
             <a:prstGeom prst="rect">
@@ -10164,21 +9694,21 @@
                   <a:latin typeface="Arial"/>
                   <a:cs typeface="Arial"/>
                 </a:rPr>
-                <a:t>48</a:t>
+                <a:t>50</a:t>
               </a:r>
             </a:p>
           </p:txBody>
         </p:sp>
         <p:sp>
           <p:nvSpPr>
-            <p:cNvPr id="202" name="tx201"/>
-            <p:cNvSpPr/>
-            <p:nvPr/>
-          </p:nvSpPr>
-          <p:spPr>
-            <a:xfrm>
-              <a:off x="5289205" y="4233005"/>
-              <a:ext cx="124311" cy="81691"/>
+            <p:cNvPr id="191" name="tx190"/>
+            <p:cNvSpPr/>
+            <p:nvPr/>
+          </p:nvSpPr>
+          <p:spPr>
+            <a:xfrm>
+              <a:off x="5500954" y="4234423"/>
+              <a:ext cx="124311" cy="80272"/>
             </a:xfrm>
             <a:prstGeom prst="rect">
               <a:avLst/>
@@ -10210,60 +9740,14 @@
                   <a:latin typeface="Arial"/>
                   <a:cs typeface="Arial"/>
                 </a:rPr>
-                <a:t>52</a:t>
+                <a:t>55</a:t>
               </a:r>
             </a:p>
           </p:txBody>
         </p:sp>
         <p:sp>
           <p:nvSpPr>
-            <p:cNvPr id="203" name="tx202"/>
-            <p:cNvSpPr/>
-            <p:nvPr/>
-          </p:nvSpPr>
-          <p:spPr>
-            <a:xfrm>
-              <a:off x="5571536" y="4233005"/>
-              <a:ext cx="124311" cy="81691"/>
-            </a:xfrm>
-            <a:prstGeom prst="rect">
-              <a:avLst/>
-            </a:prstGeom>
-            <a:noFill/>
-          </p:spPr>
-          <p:txBody>
-            <a:bodyPr lIns="0" rIns="0" tIns="0" bIns="0" anchorCtr="1" anchor="ctr" wrap="none"/>
-            <a:lstStyle/>
-            <a:p>
-              <a:pPr algn="l" marL="0" marR="0" indent="0">
-                <a:lnSpc>
-                  <a:spcPts val="880"/>
-                </a:lnSpc>
-                <a:spcBef>
-                  <a:spcPts val="0"/>
-                </a:spcBef>
-                <a:spcAft>
-                  <a:spcPts val="0"/>
-                </a:spcAft>
-              </a:pPr>
-              <a:r>
-                <a:rPr sz="880">
-                  <a:solidFill>
-                    <a:srgbClr val="4D4D4D">
-                      <a:alpha val="100000"/>
-                    </a:srgbClr>
-                  </a:solidFill>
-                  <a:latin typeface="Arial"/>
-                  <a:cs typeface="Arial"/>
-                </a:rPr>
-                <a:t>56</a:t>
-              </a:r>
-            </a:p>
-          </p:txBody>
-        </p:sp>
-        <p:sp>
-          <p:nvSpPr>
-            <p:cNvPr id="204" name="tx203"/>
+            <p:cNvPr id="192" name="tx191"/>
             <p:cNvSpPr/>
             <p:nvPr/>
           </p:nvSpPr>
@@ -10309,7 +9793,7 @@
         </p:sp>
         <p:sp>
           <p:nvSpPr>
-            <p:cNvPr id="205" name="tx204"/>
+            <p:cNvPr id="193" name="tx192"/>
             <p:cNvSpPr/>
             <p:nvPr/>
           </p:nvSpPr>
@@ -10355,7 +9839,7 @@
         </p:sp>
         <p:sp>
           <p:nvSpPr>
-            <p:cNvPr id="206" name="rc205"/>
+            <p:cNvPr id="194" name="rc193"/>
             <p:cNvSpPr/>
             <p:nvPr/>
           </p:nvSpPr>
@@ -10381,7 +9865,7 @@
         </p:sp>
         <p:sp>
           <p:nvSpPr>
-            <p:cNvPr id="207" name="tx206"/>
+            <p:cNvPr id="195" name="tx194"/>
             <p:cNvSpPr/>
             <p:nvPr/>
           </p:nvSpPr>
@@ -10427,7 +9911,7 @@
         </p:sp>
         <p:sp>
           <p:nvSpPr>
-            <p:cNvPr id="208" name="rc207"/>
+            <p:cNvPr id="196" name="rc195"/>
             <p:cNvSpPr/>
             <p:nvPr/>
           </p:nvSpPr>
@@ -10453,7 +9937,7 @@
         </p:sp>
         <p:sp>
           <p:nvSpPr>
-            <p:cNvPr id="209" name="pl208"/>
+            <p:cNvPr id="197" name="pl196"/>
             <p:cNvSpPr/>
             <p:nvPr/>
           </p:nvSpPr>
@@ -10493,7 +9977,7 @@
         </p:sp>
         <p:sp>
           <p:nvSpPr>
-            <p:cNvPr id="210" name="pt209"/>
+            <p:cNvPr id="198" name="pt197"/>
             <p:cNvSpPr/>
             <p:nvPr/>
           </p:nvSpPr>
@@ -10528,7 +10012,7 @@
         </p:sp>
         <p:sp>
           <p:nvSpPr>
-            <p:cNvPr id="211" name="rc210"/>
+            <p:cNvPr id="199" name="rc198"/>
             <p:cNvSpPr/>
             <p:nvPr/>
           </p:nvSpPr>
@@ -10554,7 +10038,7 @@
         </p:sp>
         <p:sp>
           <p:nvSpPr>
-            <p:cNvPr id="212" name="pl211"/>
+            <p:cNvPr id="200" name="pl199"/>
             <p:cNvSpPr/>
             <p:nvPr/>
           </p:nvSpPr>
@@ -10594,7 +10078,7 @@
         </p:sp>
         <p:sp>
           <p:nvSpPr>
-            <p:cNvPr id="213" name="pt212"/>
+            <p:cNvPr id="201" name="pt200"/>
             <p:cNvSpPr/>
             <p:nvPr/>
           </p:nvSpPr>
@@ -10629,7 +10113,7 @@
         </p:sp>
         <p:sp>
           <p:nvSpPr>
-            <p:cNvPr id="214" name="rc213"/>
+            <p:cNvPr id="202" name="rc201"/>
             <p:cNvSpPr/>
             <p:nvPr/>
           </p:nvSpPr>
@@ -10655,7 +10139,7 @@
         </p:sp>
         <p:sp>
           <p:nvSpPr>
-            <p:cNvPr id="215" name="pl214"/>
+            <p:cNvPr id="203" name="pl202"/>
             <p:cNvSpPr/>
             <p:nvPr/>
           </p:nvSpPr>
@@ -10695,7 +10179,7 @@
         </p:sp>
         <p:sp>
           <p:nvSpPr>
-            <p:cNvPr id="216" name="pt215"/>
+            <p:cNvPr id="204" name="pt203"/>
             <p:cNvSpPr/>
             <p:nvPr/>
           </p:nvSpPr>
@@ -10730,7 +10214,7 @@
         </p:sp>
         <p:sp>
           <p:nvSpPr>
-            <p:cNvPr id="217" name="rc216"/>
+            <p:cNvPr id="205" name="rc204"/>
             <p:cNvSpPr/>
             <p:nvPr/>
           </p:nvSpPr>
@@ -10756,7 +10240,7 @@
         </p:sp>
         <p:sp>
           <p:nvSpPr>
-            <p:cNvPr id="218" name="pl217"/>
+            <p:cNvPr id="206" name="pl205"/>
             <p:cNvSpPr/>
             <p:nvPr/>
           </p:nvSpPr>
@@ -10796,7 +10280,7 @@
         </p:sp>
         <p:sp>
           <p:nvSpPr>
-            <p:cNvPr id="219" name="pt218"/>
+            <p:cNvPr id="207" name="pt206"/>
             <p:cNvSpPr/>
             <p:nvPr/>
           </p:nvSpPr>
@@ -10831,7 +10315,7 @@
         </p:sp>
         <p:sp>
           <p:nvSpPr>
-            <p:cNvPr id="220" name="tx219"/>
+            <p:cNvPr id="208" name="tx207"/>
             <p:cNvSpPr/>
             <p:nvPr/>
           </p:nvSpPr>
@@ -10877,7 +10361,7 @@
         </p:sp>
         <p:sp>
           <p:nvSpPr>
-            <p:cNvPr id="221" name="tx220"/>
+            <p:cNvPr id="209" name="tx208"/>
             <p:cNvSpPr/>
             <p:nvPr/>
           </p:nvSpPr>
@@ -10923,7 +10407,7 @@
         </p:sp>
         <p:sp>
           <p:nvSpPr>
-            <p:cNvPr id="222" name="tx221"/>
+            <p:cNvPr id="210" name="tx209"/>
             <p:cNvSpPr/>
             <p:nvPr/>
           </p:nvSpPr>
@@ -10969,7 +10453,7 @@
         </p:sp>
         <p:sp>
           <p:nvSpPr>
-            <p:cNvPr id="223" name="tx222"/>
+            <p:cNvPr id="211" name="tx210"/>
             <p:cNvSpPr/>
             <p:nvPr/>
           </p:nvSpPr>

--- a/vignettes/ONDA_XX-Hazard-Curve.pptx
+++ b/vignettes/ONDA_XX-Hazard-Curve.pptx
@@ -2299,7 +2299,7 @@
           <p:spPr>
             <a:xfrm>
               <a:off x="914400" y="914400"/>
-              <a:ext cx="5486400" cy="3657600"/>
+              <a:ext cx="5486399" cy="3657600"/>
             </a:xfrm>
             <a:prstGeom prst="rect">
               <a:avLst/>
@@ -2334,7 +2334,7 @@
           <p:spPr>
             <a:xfrm>
               <a:off x="1490486" y="983989"/>
-              <a:ext cx="4192613" cy="3188077"/>
+              <a:ext cx="4118070" cy="3188077"/>
             </a:xfrm>
             <a:prstGeom prst="rect">
               <a:avLst/>
@@ -2360,20 +2360,20 @@
           <p:spPr>
             <a:xfrm>
               <a:off x="1490486" y="3812285"/>
-              <a:ext cx="4192613" cy="0"/>
+              <a:ext cx="4118070" cy="0"/>
             </a:xfrm>
             <a:custGeom>
               <a:avLst/>
               <a:pathLst>
-                <a:path w="4192613" h="0">
+                <a:path w="4118070" h="0">
                   <a:moveTo>
                     <a:pt x="0" y="0"/>
                   </a:moveTo>
                   <a:lnTo>
-                    <a:pt x="4192613" y="0"/>
-                  </a:lnTo>
-                  <a:lnTo>
-                    <a:pt x="4192613" y="0"/>
+                    <a:pt x="4118070" y="0"/>
+                  </a:lnTo>
+                  <a:lnTo>
+                    <a:pt x="4118070" y="0"/>
                   </a:lnTo>
                 </a:path>
               </a:pathLst>
@@ -2403,20 +2403,20 @@
           <p:spPr>
             <a:xfrm>
               <a:off x="1490486" y="3355458"/>
-              <a:ext cx="4192613" cy="0"/>
+              <a:ext cx="4118070" cy="0"/>
             </a:xfrm>
             <a:custGeom>
               <a:avLst/>
               <a:pathLst>
-                <a:path w="4192613" h="0">
+                <a:path w="4118070" h="0">
                   <a:moveTo>
                     <a:pt x="0" y="0"/>
                   </a:moveTo>
                   <a:lnTo>
-                    <a:pt x="4192613" y="0"/>
-                  </a:lnTo>
-                  <a:lnTo>
-                    <a:pt x="4192613" y="0"/>
+                    <a:pt x="4118070" y="0"/>
+                  </a:lnTo>
+                  <a:lnTo>
+                    <a:pt x="4118070" y="0"/>
                   </a:lnTo>
                 </a:path>
               </a:pathLst>
@@ -2446,20 +2446,20 @@
           <p:spPr>
             <a:xfrm>
               <a:off x="1490486" y="2898630"/>
-              <a:ext cx="4192613" cy="0"/>
+              <a:ext cx="4118070" cy="0"/>
             </a:xfrm>
             <a:custGeom>
               <a:avLst/>
               <a:pathLst>
-                <a:path w="4192613" h="0">
+                <a:path w="4118070" h="0">
                   <a:moveTo>
                     <a:pt x="0" y="0"/>
                   </a:moveTo>
                   <a:lnTo>
-                    <a:pt x="4192613" y="0"/>
-                  </a:lnTo>
-                  <a:lnTo>
-                    <a:pt x="4192613" y="0"/>
+                    <a:pt x="4118070" y="0"/>
+                  </a:lnTo>
+                  <a:lnTo>
+                    <a:pt x="4118070" y="0"/>
                   </a:lnTo>
                 </a:path>
               </a:pathLst>
@@ -2489,20 +2489,20 @@
           <p:spPr>
             <a:xfrm>
               <a:off x="1490486" y="2441803"/>
-              <a:ext cx="4192613" cy="0"/>
+              <a:ext cx="4118070" cy="0"/>
             </a:xfrm>
             <a:custGeom>
               <a:avLst/>
               <a:pathLst>
-                <a:path w="4192613" h="0">
+                <a:path w="4118070" h="0">
                   <a:moveTo>
                     <a:pt x="0" y="0"/>
                   </a:moveTo>
                   <a:lnTo>
-                    <a:pt x="4192613" y="0"/>
-                  </a:lnTo>
-                  <a:lnTo>
-                    <a:pt x="4192613" y="0"/>
+                    <a:pt x="4118070" y="0"/>
+                  </a:lnTo>
+                  <a:lnTo>
+                    <a:pt x="4118070" y="0"/>
                   </a:lnTo>
                 </a:path>
               </a:pathLst>
@@ -2532,20 +2532,20 @@
           <p:spPr>
             <a:xfrm>
               <a:off x="1490486" y="1984976"/>
-              <a:ext cx="4192613" cy="0"/>
+              <a:ext cx="4118070" cy="0"/>
             </a:xfrm>
             <a:custGeom>
               <a:avLst/>
               <a:pathLst>
-                <a:path w="4192613" h="0">
+                <a:path w="4118070" h="0">
                   <a:moveTo>
                     <a:pt x="0" y="0"/>
                   </a:moveTo>
                   <a:lnTo>
-                    <a:pt x="4192613" y="0"/>
-                  </a:lnTo>
-                  <a:lnTo>
-                    <a:pt x="4192613" y="0"/>
+                    <a:pt x="4118070" y="0"/>
+                  </a:lnTo>
+                  <a:lnTo>
+                    <a:pt x="4118070" y="0"/>
                   </a:lnTo>
                 </a:path>
               </a:pathLst>
@@ -2575,20 +2575,20 @@
           <p:spPr>
             <a:xfrm>
               <a:off x="1490486" y="1528148"/>
-              <a:ext cx="4192613" cy="0"/>
+              <a:ext cx="4118070" cy="0"/>
             </a:xfrm>
             <a:custGeom>
               <a:avLst/>
               <a:pathLst>
-                <a:path w="4192613" h="0">
+                <a:path w="4118070" h="0">
                   <a:moveTo>
                     <a:pt x="0" y="0"/>
                   </a:moveTo>
                   <a:lnTo>
-                    <a:pt x="4192613" y="0"/>
-                  </a:lnTo>
-                  <a:lnTo>
-                    <a:pt x="4192613" y="0"/>
+                    <a:pt x="4118070" y="0"/>
+                  </a:lnTo>
+                  <a:lnTo>
+                    <a:pt x="4118070" y="0"/>
                   </a:lnTo>
                 </a:path>
               </a:pathLst>
@@ -2618,20 +2618,20 @@
           <p:spPr>
             <a:xfrm>
               <a:off x="1490486" y="1071321"/>
-              <a:ext cx="4192613" cy="0"/>
+              <a:ext cx="4118070" cy="0"/>
             </a:xfrm>
             <a:custGeom>
               <a:avLst/>
               <a:pathLst>
-                <a:path w="4192613" h="0">
+                <a:path w="4118070" h="0">
                   <a:moveTo>
                     <a:pt x="0" y="0"/>
                   </a:moveTo>
                   <a:lnTo>
-                    <a:pt x="4192613" y="0"/>
-                  </a:lnTo>
-                  <a:lnTo>
-                    <a:pt x="4192613" y="0"/>
+                    <a:pt x="4118070" y="0"/>
+                  </a:lnTo>
+                  <a:lnTo>
+                    <a:pt x="4118070" y="0"/>
                   </a:lnTo>
                 </a:path>
               </a:pathLst>
@@ -2660,7 +2660,7 @@
           </p:nvSpPr>
           <p:spPr>
             <a:xfrm>
-              <a:off x="1504602" y="983989"/>
+              <a:off x="1504351" y="983989"/>
               <a:ext cx="0" cy="3188077"/>
             </a:xfrm>
             <a:custGeom>
@@ -2703,7 +2703,7 @@
           </p:nvSpPr>
           <p:spPr>
             <a:xfrm>
-              <a:off x="1857516" y="983989"/>
+              <a:off x="1850990" y="983989"/>
               <a:ext cx="0" cy="3188077"/>
             </a:xfrm>
             <a:custGeom>
@@ -2746,7 +2746,7 @@
           </p:nvSpPr>
           <p:spPr>
             <a:xfrm>
-              <a:off x="2210430" y="983989"/>
+              <a:off x="2197629" y="983989"/>
               <a:ext cx="0" cy="3188077"/>
             </a:xfrm>
             <a:custGeom>
@@ -2789,7 +2789,7 @@
           </p:nvSpPr>
           <p:spPr>
             <a:xfrm>
-              <a:off x="2563343" y="983989"/>
+              <a:off x="2544268" y="983989"/>
               <a:ext cx="0" cy="3188077"/>
             </a:xfrm>
             <a:custGeom>
@@ -2832,7 +2832,7 @@
           </p:nvSpPr>
           <p:spPr>
             <a:xfrm>
-              <a:off x="2916257" y="983989"/>
+              <a:off x="2890907" y="983989"/>
               <a:ext cx="0" cy="3188077"/>
             </a:xfrm>
             <a:custGeom>
@@ -2875,7 +2875,7 @@
           </p:nvSpPr>
           <p:spPr>
             <a:xfrm>
-              <a:off x="3269171" y="983989"/>
+              <a:off x="3237546" y="983989"/>
               <a:ext cx="0" cy="3188077"/>
             </a:xfrm>
             <a:custGeom>
@@ -2918,7 +2918,7 @@
           </p:nvSpPr>
           <p:spPr>
             <a:xfrm>
-              <a:off x="3622084" y="983989"/>
+              <a:off x="3584185" y="983989"/>
               <a:ext cx="0" cy="3188077"/>
             </a:xfrm>
             <a:custGeom>
@@ -2961,7 +2961,7 @@
           </p:nvSpPr>
           <p:spPr>
             <a:xfrm>
-              <a:off x="3974998" y="983989"/>
+              <a:off x="3930824" y="983989"/>
               <a:ext cx="0" cy="3188077"/>
             </a:xfrm>
             <a:custGeom>
@@ -3004,7 +3004,7 @@
           </p:nvSpPr>
           <p:spPr>
             <a:xfrm>
-              <a:off x="4327911" y="983989"/>
+              <a:off x="4277463" y="983989"/>
               <a:ext cx="0" cy="3188077"/>
             </a:xfrm>
             <a:custGeom>
@@ -3047,7 +3047,7 @@
           </p:nvSpPr>
           <p:spPr>
             <a:xfrm>
-              <a:off x="4680825" y="983989"/>
+              <a:off x="4624102" y="983989"/>
               <a:ext cx="0" cy="3188077"/>
             </a:xfrm>
             <a:custGeom>
@@ -3090,7 +3090,7 @@
           </p:nvSpPr>
           <p:spPr>
             <a:xfrm>
-              <a:off x="5033739" y="983989"/>
+              <a:off x="4970741" y="983989"/>
               <a:ext cx="0" cy="3188077"/>
             </a:xfrm>
             <a:custGeom>
@@ -3133,7 +3133,7 @@
           </p:nvSpPr>
           <p:spPr>
             <a:xfrm>
-              <a:off x="5386652" y="983989"/>
+              <a:off x="5317380" y="983989"/>
               <a:ext cx="0" cy="3188077"/>
             </a:xfrm>
             <a:custGeom>
@@ -3177,20 +3177,20 @@
           <p:spPr>
             <a:xfrm>
               <a:off x="1490486" y="4040699"/>
-              <a:ext cx="4192613" cy="0"/>
+              <a:ext cx="4118070" cy="0"/>
             </a:xfrm>
             <a:custGeom>
               <a:avLst/>
               <a:pathLst>
-                <a:path w="4192613" h="0">
+                <a:path w="4118070" h="0">
                   <a:moveTo>
                     <a:pt x="0" y="0"/>
                   </a:moveTo>
                   <a:lnTo>
-                    <a:pt x="4192613" y="0"/>
-                  </a:lnTo>
-                  <a:lnTo>
-                    <a:pt x="4192613" y="0"/>
+                    <a:pt x="4118070" y="0"/>
+                  </a:lnTo>
+                  <a:lnTo>
+                    <a:pt x="4118070" y="0"/>
                   </a:lnTo>
                 </a:path>
               </a:pathLst>
@@ -3220,20 +3220,20 @@
           <p:spPr>
             <a:xfrm>
               <a:off x="1490486" y="3583871"/>
-              <a:ext cx="4192613" cy="0"/>
+              <a:ext cx="4118070" cy="0"/>
             </a:xfrm>
             <a:custGeom>
               <a:avLst/>
               <a:pathLst>
-                <a:path w="4192613" h="0">
+                <a:path w="4118070" h="0">
                   <a:moveTo>
                     <a:pt x="0" y="0"/>
                   </a:moveTo>
                   <a:lnTo>
-                    <a:pt x="4192613" y="0"/>
-                  </a:lnTo>
-                  <a:lnTo>
-                    <a:pt x="4192613" y="0"/>
+                    <a:pt x="4118070" y="0"/>
+                  </a:lnTo>
+                  <a:lnTo>
+                    <a:pt x="4118070" y="0"/>
                   </a:lnTo>
                 </a:path>
               </a:pathLst>
@@ -3263,20 +3263,20 @@
           <p:spPr>
             <a:xfrm>
               <a:off x="1490486" y="3127044"/>
-              <a:ext cx="4192613" cy="0"/>
+              <a:ext cx="4118070" cy="0"/>
             </a:xfrm>
             <a:custGeom>
               <a:avLst/>
               <a:pathLst>
-                <a:path w="4192613" h="0">
+                <a:path w="4118070" h="0">
                   <a:moveTo>
                     <a:pt x="0" y="0"/>
                   </a:moveTo>
                   <a:lnTo>
-                    <a:pt x="4192613" y="0"/>
-                  </a:lnTo>
-                  <a:lnTo>
-                    <a:pt x="4192613" y="0"/>
+                    <a:pt x="4118070" y="0"/>
+                  </a:lnTo>
+                  <a:lnTo>
+                    <a:pt x="4118070" y="0"/>
                   </a:lnTo>
                 </a:path>
               </a:pathLst>
@@ -3306,20 +3306,20 @@
           <p:spPr>
             <a:xfrm>
               <a:off x="1490486" y="2670217"/>
-              <a:ext cx="4192613" cy="0"/>
+              <a:ext cx="4118070" cy="0"/>
             </a:xfrm>
             <a:custGeom>
               <a:avLst/>
               <a:pathLst>
-                <a:path w="4192613" h="0">
+                <a:path w="4118070" h="0">
                   <a:moveTo>
                     <a:pt x="0" y="0"/>
                   </a:moveTo>
                   <a:lnTo>
-                    <a:pt x="4192613" y="0"/>
-                  </a:lnTo>
-                  <a:lnTo>
-                    <a:pt x="4192613" y="0"/>
+                    <a:pt x="4118070" y="0"/>
+                  </a:lnTo>
+                  <a:lnTo>
+                    <a:pt x="4118070" y="0"/>
                   </a:lnTo>
                 </a:path>
               </a:pathLst>
@@ -3349,20 +3349,20 @@
           <p:spPr>
             <a:xfrm>
               <a:off x="1490486" y="2213389"/>
-              <a:ext cx="4192613" cy="0"/>
+              <a:ext cx="4118070" cy="0"/>
             </a:xfrm>
             <a:custGeom>
               <a:avLst/>
               <a:pathLst>
-                <a:path w="4192613" h="0">
+                <a:path w="4118070" h="0">
                   <a:moveTo>
                     <a:pt x="0" y="0"/>
                   </a:moveTo>
                   <a:lnTo>
-                    <a:pt x="4192613" y="0"/>
-                  </a:lnTo>
-                  <a:lnTo>
-                    <a:pt x="4192613" y="0"/>
+                    <a:pt x="4118070" y="0"/>
+                  </a:lnTo>
+                  <a:lnTo>
+                    <a:pt x="4118070" y="0"/>
                   </a:lnTo>
                 </a:path>
               </a:pathLst>
@@ -3392,20 +3392,20 @@
           <p:spPr>
             <a:xfrm>
               <a:off x="1490486" y="1756562"/>
-              <a:ext cx="4192613" cy="0"/>
+              <a:ext cx="4118070" cy="0"/>
             </a:xfrm>
             <a:custGeom>
               <a:avLst/>
               <a:pathLst>
-                <a:path w="4192613" h="0">
+                <a:path w="4118070" h="0">
                   <a:moveTo>
                     <a:pt x="0" y="0"/>
                   </a:moveTo>
                   <a:lnTo>
-                    <a:pt x="4192613" y="0"/>
-                  </a:lnTo>
-                  <a:lnTo>
-                    <a:pt x="4192613" y="0"/>
+                    <a:pt x="4118070" y="0"/>
+                  </a:lnTo>
+                  <a:lnTo>
+                    <a:pt x="4118070" y="0"/>
                   </a:lnTo>
                 </a:path>
               </a:pathLst>
@@ -3435,20 +3435,20 @@
           <p:spPr>
             <a:xfrm>
               <a:off x="1490486" y="1299735"/>
-              <a:ext cx="4192613" cy="0"/>
+              <a:ext cx="4118070" cy="0"/>
             </a:xfrm>
             <a:custGeom>
               <a:avLst/>
               <a:pathLst>
-                <a:path w="4192613" h="0">
+                <a:path w="4118070" h="0">
                   <a:moveTo>
                     <a:pt x="0" y="0"/>
                   </a:moveTo>
                   <a:lnTo>
-                    <a:pt x="4192613" y="0"/>
-                  </a:lnTo>
-                  <a:lnTo>
-                    <a:pt x="4192613" y="0"/>
+                    <a:pt x="4118070" y="0"/>
+                  </a:lnTo>
+                  <a:lnTo>
+                    <a:pt x="4118070" y="0"/>
                   </a:lnTo>
                 </a:path>
               </a:pathLst>
@@ -3477,7 +3477,7 @@
           </p:nvSpPr>
           <p:spPr>
             <a:xfrm>
-              <a:off x="1681059" y="983989"/>
+              <a:off x="1677671" y="983989"/>
               <a:ext cx="0" cy="3188077"/>
             </a:xfrm>
             <a:custGeom>
@@ -3520,7 +3520,7 @@
           </p:nvSpPr>
           <p:spPr>
             <a:xfrm>
-              <a:off x="2033973" y="983989"/>
+              <a:off x="2024310" y="983989"/>
               <a:ext cx="0" cy="3188077"/>
             </a:xfrm>
             <a:custGeom>
@@ -3563,7 +3563,7 @@
           </p:nvSpPr>
           <p:spPr>
             <a:xfrm>
-              <a:off x="2386887" y="983989"/>
+              <a:off x="2370949" y="983989"/>
               <a:ext cx="0" cy="3188077"/>
             </a:xfrm>
             <a:custGeom>
@@ -3606,7 +3606,7 @@
           </p:nvSpPr>
           <p:spPr>
             <a:xfrm>
-              <a:off x="2739800" y="983989"/>
+              <a:off x="2717588" y="983989"/>
               <a:ext cx="0" cy="3188077"/>
             </a:xfrm>
             <a:custGeom>
@@ -3649,7 +3649,7 @@
           </p:nvSpPr>
           <p:spPr>
             <a:xfrm>
-              <a:off x="3092714" y="983989"/>
+              <a:off x="3064227" y="983989"/>
               <a:ext cx="0" cy="3188077"/>
             </a:xfrm>
             <a:custGeom>
@@ -3692,7 +3692,7 @@
           </p:nvSpPr>
           <p:spPr>
             <a:xfrm>
-              <a:off x="3445627" y="983989"/>
+              <a:off x="3410866" y="983989"/>
               <a:ext cx="0" cy="3188077"/>
             </a:xfrm>
             <a:custGeom>
@@ -3735,7 +3735,7 @@
           </p:nvSpPr>
           <p:spPr>
             <a:xfrm>
-              <a:off x="3798541" y="983989"/>
+              <a:off x="3757505" y="983989"/>
               <a:ext cx="0" cy="3188077"/>
             </a:xfrm>
             <a:custGeom>
@@ -3778,7 +3778,7 @@
           </p:nvSpPr>
           <p:spPr>
             <a:xfrm>
-              <a:off x="4151455" y="983989"/>
+              <a:off x="4104144" y="983989"/>
               <a:ext cx="0" cy="3188077"/>
             </a:xfrm>
             <a:custGeom>
@@ -3821,7 +3821,7 @@
           </p:nvSpPr>
           <p:spPr>
             <a:xfrm>
-              <a:off x="4504368" y="983989"/>
+              <a:off x="4450783" y="983989"/>
               <a:ext cx="0" cy="3188077"/>
             </a:xfrm>
             <a:custGeom>
@@ -3864,7 +3864,7 @@
           </p:nvSpPr>
           <p:spPr>
             <a:xfrm>
-              <a:off x="4857282" y="983989"/>
+              <a:off x="4797422" y="983989"/>
               <a:ext cx="0" cy="3188077"/>
             </a:xfrm>
             <a:custGeom>
@@ -3907,7 +3907,7 @@
           </p:nvSpPr>
           <p:spPr>
             <a:xfrm>
-              <a:off x="5210196" y="983989"/>
+              <a:off x="5144061" y="983989"/>
               <a:ext cx="0" cy="3188077"/>
             </a:xfrm>
             <a:custGeom>
@@ -3950,7 +3950,7 @@
           </p:nvSpPr>
           <p:spPr>
             <a:xfrm>
-              <a:off x="5563109" y="983989"/>
+              <a:off x="5490699" y="983989"/>
               <a:ext cx="0" cy="3188077"/>
             </a:xfrm>
             <a:custGeom>
@@ -3993,436 +3993,439 @@
           </p:nvSpPr>
           <p:spPr>
             <a:xfrm>
-              <a:off x="2492761" y="1287833"/>
-              <a:ext cx="2858600" cy="2738519"/>
+              <a:off x="1816327" y="1128901"/>
+              <a:ext cx="3501053" cy="2898252"/>
             </a:xfrm>
             <a:custGeom>
               <a:avLst/>
               <a:pathLst>
-                <a:path w="2858600" h="2738519">
+                <a:path w="3501053" h="2898252">
                   <a:moveTo>
-                    <a:pt x="0" y="2738519"/>
+                    <a:pt x="0" y="2851440"/>
                   </a:moveTo>
                   <a:lnTo>
-                    <a:pt x="917575" y="2303113"/>
-                  </a:lnTo>
-                  <a:lnTo>
-                    <a:pt x="1058740" y="2141485"/>
-                  </a:lnTo>
-                  <a:lnTo>
-                    <a:pt x="1164614" y="1983641"/>
-                  </a:lnTo>
-                  <a:lnTo>
-                    <a:pt x="1270489" y="1679091"/>
-                  </a:lnTo>
-                  <a:lnTo>
-                    <a:pt x="1341071" y="1366735"/>
-                  </a:lnTo>
-                  <a:lnTo>
-                    <a:pt x="1411654" y="980559"/>
-                  </a:lnTo>
-                  <a:lnTo>
-                    <a:pt x="1482237" y="603824"/>
-                  </a:lnTo>
-                  <a:lnTo>
-                    <a:pt x="1552819" y="262701"/>
-                  </a:lnTo>
-                  <a:lnTo>
-                    <a:pt x="1623402" y="0"/>
-                  </a:lnTo>
-                  <a:lnTo>
-                    <a:pt x="1693985" y="7775"/>
-                  </a:lnTo>
-                  <a:lnTo>
-                    <a:pt x="1764568" y="257088"/>
-                  </a:lnTo>
-                  <a:lnTo>
-                    <a:pt x="1835150" y="603904"/>
-                  </a:lnTo>
-                  <a:lnTo>
-                    <a:pt x="1905733" y="952719"/>
-                  </a:lnTo>
-                  <a:lnTo>
-                    <a:pt x="1976316" y="1232006"/>
-                  </a:lnTo>
-                  <a:lnTo>
-                    <a:pt x="2046899" y="1435856"/>
-                  </a:lnTo>
-                  <a:lnTo>
-                    <a:pt x="2152773" y="1577510"/>
-                  </a:lnTo>
-                  <a:lnTo>
-                    <a:pt x="2258647" y="1516774"/>
-                  </a:lnTo>
-                  <a:lnTo>
-                    <a:pt x="2329229" y="1421505"/>
-                  </a:lnTo>
-                  <a:lnTo>
-                    <a:pt x="2399812" y="1331462"/>
-                  </a:lnTo>
-                  <a:lnTo>
-                    <a:pt x="2470395" y="1289690"/>
-                  </a:lnTo>
-                  <a:lnTo>
-                    <a:pt x="2540978" y="1405360"/>
-                  </a:lnTo>
-                  <a:lnTo>
-                    <a:pt x="2611560" y="1629463"/>
-                  </a:lnTo>
-                  <a:lnTo>
-                    <a:pt x="2682143" y="1900475"/>
-                  </a:lnTo>
-                  <a:lnTo>
-                    <a:pt x="2858600" y="2438176"/>
+                    <a:pt x="242647" y="2858743"/>
+                  </a:lnTo>
+                  <a:lnTo>
+                    <a:pt x="519958" y="2897680"/>
+                  </a:lnTo>
+                  <a:lnTo>
+                    <a:pt x="554622" y="2898252"/>
+                  </a:lnTo>
+                  <a:lnTo>
+                    <a:pt x="658614" y="2897452"/>
+                  </a:lnTo>
+                  <a:lnTo>
+                    <a:pt x="762605" y="2845899"/>
+                  </a:lnTo>
+                  <a:lnTo>
+                    <a:pt x="1213236" y="2647128"/>
+                  </a:lnTo>
+                  <a:lnTo>
+                    <a:pt x="1247900" y="2786001"/>
+                  </a:lnTo>
+                  <a:lnTo>
+                    <a:pt x="1282564" y="2568529"/>
+                  </a:lnTo>
+                  <a:lnTo>
+                    <a:pt x="1317228" y="2764635"/>
+                  </a:lnTo>
+                  <a:lnTo>
+                    <a:pt x="1351891" y="2465538"/>
+                  </a:lnTo>
+                  <a:lnTo>
+                    <a:pt x="1351891" y="2730090"/>
+                  </a:lnTo>
+                  <a:lnTo>
+                    <a:pt x="1455883" y="2243471"/>
+                  </a:lnTo>
+                  <a:lnTo>
+                    <a:pt x="1455883" y="2664492"/>
+                  </a:lnTo>
+                  <a:lnTo>
+                    <a:pt x="1490547" y="2601675"/>
+                  </a:lnTo>
+                  <a:lnTo>
+                    <a:pt x="1559875" y="1897257"/>
+                  </a:lnTo>
+                  <a:lnTo>
+                    <a:pt x="1559875" y="2462045"/>
+                  </a:lnTo>
+                  <a:lnTo>
+                    <a:pt x="1594539" y="2479371"/>
+                  </a:lnTo>
+                  <a:lnTo>
+                    <a:pt x="1629203" y="1580719"/>
+                  </a:lnTo>
+                  <a:lnTo>
+                    <a:pt x="1629203" y="2347002"/>
+                  </a:lnTo>
+                  <a:lnTo>
+                    <a:pt x="1698530" y="1191045"/>
+                  </a:lnTo>
+                  <a:lnTo>
+                    <a:pt x="1698530" y="2142414"/>
+                  </a:lnTo>
+                  <a:lnTo>
+                    <a:pt x="1698530" y="2250046"/>
+                  </a:lnTo>
+                  <a:lnTo>
+                    <a:pt x="1698530" y="2300417"/>
+                  </a:lnTo>
+                  <a:lnTo>
+                    <a:pt x="1767858" y="798978"/>
+                  </a:lnTo>
+                  <a:lnTo>
+                    <a:pt x="1767858" y="1874948"/>
+                  </a:lnTo>
+                  <a:lnTo>
+                    <a:pt x="1767858" y="2041513"/>
+                  </a:lnTo>
+                  <a:lnTo>
+                    <a:pt x="1802522" y="2142573"/>
+                  </a:lnTo>
+                  <a:lnTo>
+                    <a:pt x="1837186" y="386142"/>
+                  </a:lnTo>
+                  <a:lnTo>
+                    <a:pt x="1837186" y="1545526"/>
+                  </a:lnTo>
+                  <a:lnTo>
+                    <a:pt x="1837186" y="1779327"/>
+                  </a:lnTo>
+                  <a:lnTo>
+                    <a:pt x="1906514" y="142911"/>
+                  </a:lnTo>
+                  <a:lnTo>
+                    <a:pt x="1906514" y="1171851"/>
+                  </a:lnTo>
+                  <a:lnTo>
+                    <a:pt x="1906514" y="1467587"/>
+                  </a:lnTo>
+                  <a:lnTo>
+                    <a:pt x="1906514" y="1838023"/>
+                  </a:lnTo>
+                  <a:lnTo>
+                    <a:pt x="1975842" y="0"/>
+                  </a:lnTo>
+                  <a:lnTo>
+                    <a:pt x="1975842" y="862863"/>
+                  </a:lnTo>
+                  <a:lnTo>
+                    <a:pt x="1975842" y="1126193"/>
+                  </a:lnTo>
+                  <a:lnTo>
+                    <a:pt x="1975842" y="1525667"/>
+                  </a:lnTo>
+                  <a:lnTo>
+                    <a:pt x="2045169" y="1579"/>
+                  </a:lnTo>
+                  <a:lnTo>
+                    <a:pt x="2045169" y="587229"/>
+                  </a:lnTo>
+                  <a:lnTo>
+                    <a:pt x="2045169" y="767770"/>
+                  </a:lnTo>
+                  <a:lnTo>
+                    <a:pt x="2045169" y="1139491"/>
+                  </a:lnTo>
+                  <a:lnTo>
+                    <a:pt x="2114497" y="94031"/>
+                  </a:lnTo>
+                  <a:lnTo>
+                    <a:pt x="2114497" y="362510"/>
+                  </a:lnTo>
+                  <a:lnTo>
+                    <a:pt x="2114497" y="441673"/>
+                  </a:lnTo>
+                  <a:lnTo>
+                    <a:pt x="2114497" y="762757"/>
+                  </a:lnTo>
+                  <a:lnTo>
+                    <a:pt x="2183825" y="227050"/>
+                  </a:lnTo>
+                  <a:lnTo>
+                    <a:pt x="2183825" y="203781"/>
+                  </a:lnTo>
+                  <a:lnTo>
+                    <a:pt x="2183825" y="299547"/>
+                  </a:lnTo>
+                  <a:lnTo>
+                    <a:pt x="2183825" y="421633"/>
+                  </a:lnTo>
+                  <a:lnTo>
+                    <a:pt x="2253153" y="469090"/>
+                  </a:lnTo>
+                  <a:lnTo>
+                    <a:pt x="2253153" y="183975"/>
+                  </a:lnTo>
+                  <a:lnTo>
+                    <a:pt x="2253153" y="318794"/>
+                  </a:lnTo>
+                  <a:lnTo>
+                    <a:pt x="2253153" y="158932"/>
+                  </a:lnTo>
+                  <a:lnTo>
+                    <a:pt x="2322481" y="750742"/>
+                  </a:lnTo>
+                  <a:lnTo>
+                    <a:pt x="2322481" y="300132"/>
+                  </a:lnTo>
+                  <a:lnTo>
+                    <a:pt x="2322481" y="499145"/>
+                  </a:lnTo>
+                  <a:lnTo>
+                    <a:pt x="2322481" y="166707"/>
+                  </a:lnTo>
+                  <a:lnTo>
+                    <a:pt x="2391808" y="1052766"/>
+                  </a:lnTo>
+                  <a:lnTo>
+                    <a:pt x="2391808" y="604066"/>
+                  </a:lnTo>
+                  <a:lnTo>
+                    <a:pt x="2391808" y="849127"/>
+                  </a:lnTo>
+                  <a:lnTo>
+                    <a:pt x="2391808" y="416020"/>
+                  </a:lnTo>
+                  <a:lnTo>
+                    <a:pt x="2461136" y="1372765"/>
+                  </a:lnTo>
+                  <a:lnTo>
+                    <a:pt x="2461136" y="982404"/>
+                  </a:lnTo>
+                  <a:lnTo>
+                    <a:pt x="2461136" y="1198858"/>
+                  </a:lnTo>
+                  <a:lnTo>
+                    <a:pt x="2461136" y="762836"/>
+                  </a:lnTo>
+                  <a:lnTo>
+                    <a:pt x="2530464" y="1352135"/>
+                  </a:lnTo>
+                  <a:lnTo>
+                    <a:pt x="2530464" y="1521166"/>
+                  </a:lnTo>
+                  <a:lnTo>
+                    <a:pt x="2530464" y="1111651"/>
+                  </a:lnTo>
+                  <a:lnTo>
+                    <a:pt x="2565128" y="1777786"/>
+                  </a:lnTo>
+                  <a:lnTo>
+                    <a:pt x="2599792" y="1692760"/>
+                  </a:lnTo>
+                  <a:lnTo>
+                    <a:pt x="2599792" y="1793509"/>
+                  </a:lnTo>
+                  <a:lnTo>
+                    <a:pt x="2599792" y="1390938"/>
+                  </a:lnTo>
+                  <a:lnTo>
+                    <a:pt x="2669119" y="2093779"/>
+                  </a:lnTo>
+                  <a:lnTo>
+                    <a:pt x="2669119" y="2003149"/>
+                  </a:lnTo>
+                  <a:lnTo>
+                    <a:pt x="2669119" y="1594788"/>
+                  </a:lnTo>
+                  <a:lnTo>
+                    <a:pt x="2703783" y="2068383"/>
+                  </a:lnTo>
+                  <a:lnTo>
+                    <a:pt x="2738447" y="2259622"/>
+                  </a:lnTo>
+                  <a:lnTo>
+                    <a:pt x="2773111" y="2230578"/>
+                  </a:lnTo>
+                  <a:lnTo>
+                    <a:pt x="2773111" y="1736442"/>
+                  </a:lnTo>
+                  <a:lnTo>
+                    <a:pt x="2807775" y="2403024"/>
+                  </a:lnTo>
+                  <a:lnTo>
+                    <a:pt x="2877103" y="2381161"/>
+                  </a:lnTo>
+                  <a:lnTo>
+                    <a:pt x="2877103" y="2383278"/>
+                  </a:lnTo>
+                  <a:lnTo>
+                    <a:pt x="2877103" y="1675706"/>
+                  </a:lnTo>
+                  <a:lnTo>
+                    <a:pt x="2946431" y="2461948"/>
+                  </a:lnTo>
+                  <a:lnTo>
+                    <a:pt x="2946431" y="1580437"/>
+                  </a:lnTo>
+                  <a:lnTo>
+                    <a:pt x="3015758" y="2685898"/>
+                  </a:lnTo>
+                  <a:lnTo>
+                    <a:pt x="3015758" y="2503502"/>
+                  </a:lnTo>
+                  <a:lnTo>
+                    <a:pt x="3015758" y="1490395"/>
+                  </a:lnTo>
+                  <a:lnTo>
+                    <a:pt x="3085086" y="2548139"/>
+                  </a:lnTo>
+                  <a:lnTo>
+                    <a:pt x="3085086" y="2588487"/>
+                  </a:lnTo>
+                  <a:lnTo>
+                    <a:pt x="3085086" y="1448622"/>
+                  </a:lnTo>
+                  <a:lnTo>
+                    <a:pt x="3154414" y="2590978"/>
+                  </a:lnTo>
+                  <a:lnTo>
+                    <a:pt x="3154414" y="1564292"/>
+                  </a:lnTo>
+                  <a:lnTo>
+                    <a:pt x="3223742" y="2816196"/>
+                  </a:lnTo>
+                  <a:lnTo>
+                    <a:pt x="3223742" y="2684842"/>
+                  </a:lnTo>
+                  <a:lnTo>
+                    <a:pt x="3223742" y="1788395"/>
+                  </a:lnTo>
+                  <a:lnTo>
+                    <a:pt x="3293070" y="2667654"/>
+                  </a:lnTo>
+                  <a:lnTo>
+                    <a:pt x="3293070" y="2059407"/>
+                  </a:lnTo>
+                  <a:lnTo>
+                    <a:pt x="3327733" y="2744203"/>
+                  </a:lnTo>
+                  <a:lnTo>
+                    <a:pt x="3431725" y="2873263"/>
+                  </a:lnTo>
+                  <a:lnTo>
+                    <a:pt x="3466389" y="2597108"/>
+                  </a:lnTo>
+                  <a:lnTo>
+                    <a:pt x="3501053" y="2752941"/>
+                  </a:lnTo>
+                  <a:lnTo>
+                    <a:pt x="3501053" y="2815855"/>
                   </a:lnTo>
                 </a:path>
               </a:pathLst>
             </a:custGeom>
             <a:ln w="27101" cap="flat">
               <a:solidFill>
-                <a:srgbClr val="F8766D">
-                  <a:alpha val="100000"/>
-                </a:srgbClr>
-              </a:solidFill>
-              <a:prstDash val="solid"/>
-              <a:round/>
-            </a:ln>
-          </p:spPr>
-          <p:txBody>
-            <a:bodyPr/>
-            <a:lstStyle/>
-            <a:p/>
-          </p:txBody>
-        </p:sp>
-        <p:sp>
-          <p:nvSpPr>
-            <p:cNvPr id="46" name="pl45"/>
-            <p:cNvSpPr/>
-            <p:nvPr/>
-          </p:nvSpPr>
-          <p:spPr>
-            <a:xfrm>
-              <a:off x="1822225" y="1128901"/>
-              <a:ext cx="3493844" cy="2873263"/>
-            </a:xfrm>
-            <a:custGeom>
-              <a:avLst/>
-              <a:pathLst>
-                <a:path w="3493844" h="2873263">
-                  <a:moveTo>
-                    <a:pt x="0" y="2851440"/>
-                  </a:moveTo>
-                  <a:lnTo>
-                    <a:pt x="247039" y="2858743"/>
-                  </a:lnTo>
-                  <a:lnTo>
-                    <a:pt x="776409" y="2845899"/>
-                  </a:lnTo>
-                  <a:lnTo>
-                    <a:pt x="1235197" y="2647128"/>
-                  </a:lnTo>
-                  <a:lnTo>
-                    <a:pt x="1305780" y="2568529"/>
-                  </a:lnTo>
-                  <a:lnTo>
-                    <a:pt x="1376363" y="2465538"/>
-                  </a:lnTo>
-                  <a:lnTo>
-                    <a:pt x="1482237" y="2243471"/>
-                  </a:lnTo>
-                  <a:lnTo>
-                    <a:pt x="1588111" y="1897257"/>
-                  </a:lnTo>
-                  <a:lnTo>
-                    <a:pt x="1658694" y="1580719"/>
-                  </a:lnTo>
-                  <a:lnTo>
-                    <a:pt x="1729276" y="1191045"/>
-                  </a:lnTo>
-                  <a:lnTo>
-                    <a:pt x="1799859" y="798978"/>
-                  </a:lnTo>
-                  <a:lnTo>
-                    <a:pt x="1870442" y="386142"/>
-                  </a:lnTo>
-                  <a:lnTo>
-                    <a:pt x="1941024" y="142911"/>
-                  </a:lnTo>
-                  <a:lnTo>
-                    <a:pt x="2011607" y="0"/>
-                  </a:lnTo>
-                  <a:lnTo>
-                    <a:pt x="2082190" y="1579"/>
-                  </a:lnTo>
-                  <a:lnTo>
-                    <a:pt x="2152773" y="94031"/>
-                  </a:lnTo>
-                  <a:lnTo>
-                    <a:pt x="2223355" y="227050"/>
-                  </a:lnTo>
-                  <a:lnTo>
-                    <a:pt x="2293938" y="469090"/>
-                  </a:lnTo>
-                  <a:lnTo>
-                    <a:pt x="2364521" y="750742"/>
-                  </a:lnTo>
-                  <a:lnTo>
-                    <a:pt x="2435104" y="1052766"/>
-                  </a:lnTo>
-                  <a:lnTo>
-                    <a:pt x="2505686" y="1372765"/>
-                  </a:lnTo>
-                  <a:lnTo>
-                    <a:pt x="2611560" y="1777786"/>
-                  </a:lnTo>
-                  <a:lnTo>
-                    <a:pt x="2717434" y="2093779"/>
-                  </a:lnTo>
-                  <a:lnTo>
-                    <a:pt x="2788017" y="2259622"/>
-                  </a:lnTo>
-                  <a:lnTo>
-                    <a:pt x="2858600" y="2403024"/>
-                  </a:lnTo>
-                  <a:lnTo>
-                    <a:pt x="3070348" y="2685898"/>
-                  </a:lnTo>
-                  <a:lnTo>
-                    <a:pt x="3282096" y="2816196"/>
-                  </a:lnTo>
-                  <a:lnTo>
-                    <a:pt x="3493844" y="2873263"/>
-                  </a:lnTo>
-                </a:path>
-              </a:pathLst>
-            </a:custGeom>
-            <a:ln w="27101" cap="flat">
-              <a:solidFill>
-                <a:srgbClr val="7CAE00">
-                  <a:alpha val="100000"/>
-                </a:srgbClr>
-              </a:solidFill>
-              <a:prstDash val="solid"/>
-              <a:round/>
-            </a:ln>
-          </p:spPr>
-          <p:txBody>
-            <a:bodyPr/>
-            <a:lstStyle/>
-            <a:p/>
-          </p:txBody>
-        </p:sp>
-        <p:sp>
-          <p:nvSpPr>
-            <p:cNvPr id="47" name="pl46"/>
-            <p:cNvSpPr/>
-            <p:nvPr/>
-          </p:nvSpPr>
-          <p:spPr>
-            <a:xfrm>
-              <a:off x="2386887" y="1428449"/>
-              <a:ext cx="2999765" cy="2598704"/>
-            </a:xfrm>
-            <a:custGeom>
-              <a:avLst/>
-              <a:pathLst>
-                <a:path w="2999765" h="2598704">
-                  <a:moveTo>
-                    <a:pt x="0" y="2598704"/>
-                  </a:moveTo>
-                  <a:lnTo>
-                    <a:pt x="776409" y="2465087"/>
-                  </a:lnTo>
-                  <a:lnTo>
-                    <a:pt x="917575" y="2364945"/>
-                  </a:lnTo>
-                  <a:lnTo>
-                    <a:pt x="1058740" y="2179823"/>
-                  </a:lnTo>
-                  <a:lnTo>
-                    <a:pt x="1164614" y="1950499"/>
-                  </a:lnTo>
-                  <a:lnTo>
-                    <a:pt x="1235197" y="1741965"/>
-                  </a:lnTo>
-                  <a:lnTo>
-                    <a:pt x="1305780" y="1479779"/>
-                  </a:lnTo>
-                  <a:lnTo>
-                    <a:pt x="1376363" y="1168040"/>
-                  </a:lnTo>
-                  <a:lnTo>
-                    <a:pt x="1446945" y="826645"/>
-                  </a:lnTo>
-                  <a:lnTo>
-                    <a:pt x="1517528" y="468222"/>
-                  </a:lnTo>
-                  <a:lnTo>
-                    <a:pt x="1588111" y="142125"/>
-                  </a:lnTo>
-                  <a:lnTo>
-                    <a:pt x="1658694" y="0"/>
-                  </a:lnTo>
-                  <a:lnTo>
-                    <a:pt x="1729276" y="19246"/>
-                  </a:lnTo>
-                  <a:lnTo>
-                    <a:pt x="1799859" y="199597"/>
-                  </a:lnTo>
-                  <a:lnTo>
-                    <a:pt x="1870442" y="549580"/>
-                  </a:lnTo>
-                  <a:lnTo>
-                    <a:pt x="1941024" y="899311"/>
-                  </a:lnTo>
-                  <a:lnTo>
-                    <a:pt x="2011607" y="1221618"/>
-                  </a:lnTo>
-                  <a:lnTo>
-                    <a:pt x="2082190" y="1493962"/>
-                  </a:lnTo>
-                  <a:lnTo>
-                    <a:pt x="2152773" y="1703602"/>
-                  </a:lnTo>
-                  <a:lnTo>
-                    <a:pt x="2258647" y="1931031"/>
-                  </a:lnTo>
-                  <a:lnTo>
-                    <a:pt x="2364521" y="2083731"/>
-                  </a:lnTo>
-                  <a:lnTo>
-                    <a:pt x="2435104" y="2162401"/>
-                  </a:lnTo>
-                  <a:lnTo>
-                    <a:pt x="2576269" y="2288939"/>
-                  </a:lnTo>
-                  <a:lnTo>
-                    <a:pt x="2717434" y="2385294"/>
-                  </a:lnTo>
-                  <a:lnTo>
-                    <a:pt x="2823308" y="2444655"/>
-                  </a:lnTo>
-                  <a:lnTo>
-                    <a:pt x="2999765" y="2516307"/>
-                  </a:lnTo>
-                </a:path>
-              </a:pathLst>
-            </a:custGeom>
-            <a:ln w="27101" cap="flat">
-              <a:solidFill>
-                <a:srgbClr val="00BFC4">
-                  <a:alpha val="100000"/>
-                </a:srgbClr>
-              </a:solidFill>
-              <a:prstDash val="solid"/>
-              <a:round/>
-            </a:ln>
-          </p:spPr>
-          <p:txBody>
-            <a:bodyPr/>
-            <a:lstStyle/>
-            <a:p/>
-          </p:txBody>
-        </p:sp>
-        <p:sp>
-          <p:nvSpPr>
-            <p:cNvPr id="48" name="pl47"/>
-            <p:cNvSpPr/>
-            <p:nvPr/>
-          </p:nvSpPr>
-          <p:spPr>
-            <a:xfrm>
-              <a:off x="2351595" y="1312876"/>
-              <a:ext cx="3035057" cy="2713705"/>
-            </a:xfrm>
-            <a:custGeom>
-              <a:avLst/>
-              <a:pathLst>
-                <a:path w="3035057" h="2713705">
-                  <a:moveTo>
-                    <a:pt x="0" y="2713705"/>
-                  </a:moveTo>
-                  <a:lnTo>
-                    <a:pt x="741118" y="2602025"/>
-                  </a:lnTo>
-                  <a:lnTo>
-                    <a:pt x="846992" y="2546114"/>
-                  </a:lnTo>
-                  <a:lnTo>
-                    <a:pt x="988158" y="2417700"/>
-                  </a:lnTo>
-                  <a:lnTo>
-                    <a:pt x="1129323" y="2163027"/>
-                  </a:lnTo>
-                  <a:lnTo>
-                    <a:pt x="1199906" y="1958439"/>
-                  </a:lnTo>
-                  <a:lnTo>
-                    <a:pt x="1270489" y="1690973"/>
-                  </a:lnTo>
-                  <a:lnTo>
-                    <a:pt x="1341071" y="1361551"/>
-                  </a:lnTo>
-                  <a:lnTo>
-                    <a:pt x="1411654" y="987876"/>
-                  </a:lnTo>
-                  <a:lnTo>
-                    <a:pt x="1482237" y="678887"/>
-                  </a:lnTo>
-                  <a:lnTo>
-                    <a:pt x="1552819" y="403254"/>
-                  </a:lnTo>
-                  <a:lnTo>
-                    <a:pt x="1623402" y="178535"/>
-                  </a:lnTo>
-                  <a:lnTo>
-                    <a:pt x="1693985" y="19806"/>
-                  </a:lnTo>
-                  <a:lnTo>
-                    <a:pt x="1764568" y="0"/>
-                  </a:lnTo>
-                  <a:lnTo>
-                    <a:pt x="1835150" y="116156"/>
-                  </a:lnTo>
-                  <a:lnTo>
-                    <a:pt x="1905733" y="420091"/>
-                  </a:lnTo>
-                  <a:lnTo>
-                    <a:pt x="1976316" y="798429"/>
-                  </a:lnTo>
-                  <a:lnTo>
-                    <a:pt x="2046899" y="1168160"/>
-                  </a:lnTo>
-                  <a:lnTo>
-                    <a:pt x="2117481" y="1508785"/>
-                  </a:lnTo>
-                  <a:lnTo>
-                    <a:pt x="2223355" y="1884408"/>
-                  </a:lnTo>
-                  <a:lnTo>
-                    <a:pt x="2399812" y="2197186"/>
-                  </a:lnTo>
-                  <a:lnTo>
-                    <a:pt x="2540978" y="2319526"/>
-                  </a:lnTo>
-                  <a:lnTo>
-                    <a:pt x="2611560" y="2364163"/>
-                  </a:lnTo>
-                  <a:lnTo>
-                    <a:pt x="2682143" y="2407003"/>
-                  </a:lnTo>
-                  <a:lnTo>
-                    <a:pt x="2823308" y="2483678"/>
-                  </a:lnTo>
-                  <a:lnTo>
-                    <a:pt x="3035057" y="2568966"/>
-                  </a:lnTo>
-                </a:path>
-              </a:pathLst>
-            </a:custGeom>
-            <a:ln w="27101" cap="flat">
-              <a:solidFill>
-                <a:srgbClr val="C77CFF">
+                <a:srgbClr val="7F7F7F">
+                  <a:alpha val="100000"/>
+                </a:srgbClr>
+              </a:solidFill>
+              <a:prstDash val="solid"/>
+              <a:round/>
+            </a:ln>
+          </p:spPr>
+          <p:txBody>
+            <a:bodyPr/>
+            <a:lstStyle/>
+            <a:p/>
+          </p:txBody>
+        </p:sp>
+        <p:sp>
+          <p:nvSpPr>
+            <p:cNvPr id="46" name="pt45"/>
+            <p:cNvSpPr/>
+            <p:nvPr/>
+          </p:nvSpPr>
+          <p:spPr>
+            <a:xfrm>
+              <a:off x="1791501" y="3955516"/>
+              <a:ext cx="49651" cy="49651"/>
+            </a:xfrm>
+            <a:prstGeom prst="ellipse">
+              <a:avLst/>
+            </a:prstGeom>
+            <a:solidFill>
+              <a:srgbClr val="7F7F7F">
+                <a:alpha val="100000"/>
+              </a:srgbClr>
+            </a:solidFill>
+            <a:ln w="9000" cap="rnd">
+              <a:solidFill>
+                <a:srgbClr val="7F7F7F">
+                  <a:alpha val="100000"/>
+                </a:srgbClr>
+              </a:solidFill>
+              <a:prstDash val="solid"/>
+              <a:round/>
+            </a:ln>
+          </p:spPr>
+          <p:txBody>
+            <a:bodyPr/>
+            <a:lstStyle/>
+            <a:p/>
+          </p:txBody>
+        </p:sp>
+        <p:sp>
+          <p:nvSpPr>
+            <p:cNvPr id="47" name="pt46"/>
+            <p:cNvSpPr/>
+            <p:nvPr/>
+          </p:nvSpPr>
+          <p:spPr>
+            <a:xfrm>
+              <a:off x="2034148" y="3962819"/>
+              <a:ext cx="49651" cy="49651"/>
+            </a:xfrm>
+            <a:prstGeom prst="ellipse">
+              <a:avLst/>
+            </a:prstGeom>
+            <a:solidFill>
+              <a:srgbClr val="7F7F7F">
+                <a:alpha val="100000"/>
+              </a:srgbClr>
+            </a:solidFill>
+            <a:ln w="9000" cap="rnd">
+              <a:solidFill>
+                <a:srgbClr val="7F7F7F">
+                  <a:alpha val="100000"/>
+                </a:srgbClr>
+              </a:solidFill>
+              <a:prstDash val="solid"/>
+              <a:round/>
+            </a:ln>
+          </p:spPr>
+          <p:txBody>
+            <a:bodyPr/>
+            <a:lstStyle/>
+            <a:p/>
+          </p:txBody>
+        </p:sp>
+        <p:sp>
+          <p:nvSpPr>
+            <p:cNvPr id="48" name="pt47"/>
+            <p:cNvSpPr/>
+            <p:nvPr/>
+          </p:nvSpPr>
+          <p:spPr>
+            <a:xfrm>
+              <a:off x="2554106" y="3949975"/>
+              <a:ext cx="49651" cy="49651"/>
+            </a:xfrm>
+            <a:prstGeom prst="ellipse">
+              <a:avLst/>
+            </a:prstGeom>
+            <a:solidFill>
+              <a:srgbClr val="7F7F7F">
+                <a:alpha val="100000"/>
+              </a:srgbClr>
+            </a:solidFill>
+            <a:ln w="9000" cap="rnd">
+              <a:solidFill>
+                <a:srgbClr val="7F7F7F">
                   <a:alpha val="100000"/>
                 </a:srgbClr>
               </a:solidFill>
@@ -4444,20 +4447,20 @@
           </p:nvSpPr>
           <p:spPr>
             <a:xfrm>
-              <a:off x="1797399" y="3955516"/>
-              <a:ext cx="49651" cy="49651"/>
-            </a:xfrm>
-            <a:prstGeom prst="ellipse">
-              <a:avLst/>
-            </a:prstGeom>
-            <a:solidFill>
-              <a:srgbClr val="7CAE00">
-                <a:alpha val="100000"/>
-              </a:srgbClr>
-            </a:solidFill>
-            <a:ln w="9000" cap="rnd">
-              <a:solidFill>
-                <a:srgbClr val="7CAE00">
+              <a:off x="3004737" y="3751204"/>
+              <a:ext cx="49651" cy="49651"/>
+            </a:xfrm>
+            <a:prstGeom prst="ellipse">
+              <a:avLst/>
+            </a:prstGeom>
+            <a:solidFill>
+              <a:srgbClr val="7F7F7F">
+                <a:alpha val="100000"/>
+              </a:srgbClr>
+            </a:solidFill>
+            <a:ln w="9000" cap="rnd">
+              <a:solidFill>
+                <a:srgbClr val="7F7F7F">
                   <a:alpha val="100000"/>
                 </a:srgbClr>
               </a:solidFill>
@@ -4479,20 +4482,20 @@
           </p:nvSpPr>
           <p:spPr>
             <a:xfrm>
-              <a:off x="2044438" y="3962819"/>
-              <a:ext cx="49651" cy="49651"/>
-            </a:xfrm>
-            <a:prstGeom prst="ellipse">
-              <a:avLst/>
-            </a:prstGeom>
-            <a:solidFill>
-              <a:srgbClr val="7CAE00">
-                <a:alpha val="100000"/>
-              </a:srgbClr>
-            </a:solidFill>
-            <a:ln w="9000" cap="rnd">
-              <a:solidFill>
-                <a:srgbClr val="7CAE00">
+              <a:off x="3074065" y="3672605"/>
+              <a:ext cx="49651" cy="49651"/>
+            </a:xfrm>
+            <a:prstGeom prst="ellipse">
+              <a:avLst/>
+            </a:prstGeom>
+            <a:solidFill>
+              <a:srgbClr val="7F7F7F">
+                <a:alpha val="100000"/>
+              </a:srgbClr>
+            </a:solidFill>
+            <a:ln w="9000" cap="rnd">
+              <a:solidFill>
+                <a:srgbClr val="7F7F7F">
                   <a:alpha val="100000"/>
                 </a:srgbClr>
               </a:solidFill>
@@ -4514,20 +4517,20 @@
           </p:nvSpPr>
           <p:spPr>
             <a:xfrm>
-              <a:off x="2573809" y="3949975"/>
-              <a:ext cx="49651" cy="49651"/>
-            </a:xfrm>
-            <a:prstGeom prst="ellipse">
-              <a:avLst/>
-            </a:prstGeom>
-            <a:solidFill>
-              <a:srgbClr val="7CAE00">
-                <a:alpha val="100000"/>
-              </a:srgbClr>
-            </a:solidFill>
-            <a:ln w="9000" cap="rnd">
-              <a:solidFill>
-                <a:srgbClr val="7CAE00">
+              <a:off x="3143393" y="3569613"/>
+              <a:ext cx="49651" cy="49651"/>
+            </a:xfrm>
+            <a:prstGeom prst="ellipse">
+              <a:avLst/>
+            </a:prstGeom>
+            <a:solidFill>
+              <a:srgbClr val="7F7F7F">
+                <a:alpha val="100000"/>
+              </a:srgbClr>
+            </a:solidFill>
+            <a:ln w="9000" cap="rnd">
+              <a:solidFill>
+                <a:srgbClr val="7F7F7F">
                   <a:alpha val="100000"/>
                 </a:srgbClr>
               </a:solidFill>
@@ -4549,20 +4552,20 @@
           </p:nvSpPr>
           <p:spPr>
             <a:xfrm>
-              <a:off x="3032596" y="3751204"/>
-              <a:ext cx="49651" cy="49651"/>
-            </a:xfrm>
-            <a:prstGeom prst="ellipse">
-              <a:avLst/>
-            </a:prstGeom>
-            <a:solidFill>
-              <a:srgbClr val="7CAE00">
-                <a:alpha val="100000"/>
-              </a:srgbClr>
-            </a:solidFill>
-            <a:ln w="9000" cap="rnd">
-              <a:solidFill>
-                <a:srgbClr val="7CAE00">
+              <a:off x="3247384" y="3347547"/>
+              <a:ext cx="49651" cy="49651"/>
+            </a:xfrm>
+            <a:prstGeom prst="ellipse">
+              <a:avLst/>
+            </a:prstGeom>
+            <a:solidFill>
+              <a:srgbClr val="7F7F7F">
+                <a:alpha val="100000"/>
+              </a:srgbClr>
+            </a:solidFill>
+            <a:ln w="9000" cap="rnd">
+              <a:solidFill>
+                <a:srgbClr val="7F7F7F">
                   <a:alpha val="100000"/>
                 </a:srgbClr>
               </a:solidFill>
@@ -4584,20 +4587,20 @@
           </p:nvSpPr>
           <p:spPr>
             <a:xfrm>
-              <a:off x="3103179" y="3672605"/>
-              <a:ext cx="49651" cy="49651"/>
-            </a:xfrm>
-            <a:prstGeom prst="ellipse">
-              <a:avLst/>
-            </a:prstGeom>
-            <a:solidFill>
-              <a:srgbClr val="7CAE00">
-                <a:alpha val="100000"/>
-              </a:srgbClr>
-            </a:solidFill>
-            <a:ln w="9000" cap="rnd">
-              <a:solidFill>
-                <a:srgbClr val="7CAE00">
+              <a:off x="3351376" y="3001333"/>
+              <a:ext cx="49651" cy="49651"/>
+            </a:xfrm>
+            <a:prstGeom prst="ellipse">
+              <a:avLst/>
+            </a:prstGeom>
+            <a:solidFill>
+              <a:srgbClr val="7F7F7F">
+                <a:alpha val="100000"/>
+              </a:srgbClr>
+            </a:solidFill>
+            <a:ln w="9000" cap="rnd">
+              <a:solidFill>
+                <a:srgbClr val="7F7F7F">
                   <a:alpha val="100000"/>
                 </a:srgbClr>
               </a:solidFill>
@@ -4619,20 +4622,20 @@
           </p:nvSpPr>
           <p:spPr>
             <a:xfrm>
-              <a:off x="3173762" y="3569613"/>
-              <a:ext cx="49651" cy="49651"/>
-            </a:xfrm>
-            <a:prstGeom prst="ellipse">
-              <a:avLst/>
-            </a:prstGeom>
-            <a:solidFill>
-              <a:srgbClr val="7CAE00">
-                <a:alpha val="100000"/>
-              </a:srgbClr>
-            </a:solidFill>
-            <a:ln w="9000" cap="rnd">
-              <a:solidFill>
-                <a:srgbClr val="7CAE00">
+              <a:off x="3420704" y="2684794"/>
+              <a:ext cx="49651" cy="49651"/>
+            </a:xfrm>
+            <a:prstGeom prst="ellipse">
+              <a:avLst/>
+            </a:prstGeom>
+            <a:solidFill>
+              <a:srgbClr val="7F7F7F">
+                <a:alpha val="100000"/>
+              </a:srgbClr>
+            </a:solidFill>
+            <a:ln w="9000" cap="rnd">
+              <a:solidFill>
+                <a:srgbClr val="7F7F7F">
                   <a:alpha val="100000"/>
                 </a:srgbClr>
               </a:solidFill>
@@ -4654,20 +4657,20 @@
           </p:nvSpPr>
           <p:spPr>
             <a:xfrm>
-              <a:off x="3279636" y="3347547"/>
-              <a:ext cx="49651" cy="49651"/>
-            </a:xfrm>
-            <a:prstGeom prst="ellipse">
-              <a:avLst/>
-            </a:prstGeom>
-            <a:solidFill>
-              <a:srgbClr val="7CAE00">
-                <a:alpha val="100000"/>
-              </a:srgbClr>
-            </a:solidFill>
-            <a:ln w="9000" cap="rnd">
-              <a:solidFill>
-                <a:srgbClr val="7CAE00">
+              <a:off x="3490031" y="2295121"/>
+              <a:ext cx="49651" cy="49651"/>
+            </a:xfrm>
+            <a:prstGeom prst="ellipse">
+              <a:avLst/>
+            </a:prstGeom>
+            <a:solidFill>
+              <a:srgbClr val="7F7F7F">
+                <a:alpha val="100000"/>
+              </a:srgbClr>
+            </a:solidFill>
+            <a:ln w="9000" cap="rnd">
+              <a:solidFill>
+                <a:srgbClr val="7F7F7F">
                   <a:alpha val="100000"/>
                 </a:srgbClr>
               </a:solidFill>
@@ -4689,20 +4692,20 @@
           </p:nvSpPr>
           <p:spPr>
             <a:xfrm>
-              <a:off x="3385510" y="3001333"/>
-              <a:ext cx="49651" cy="49651"/>
-            </a:xfrm>
-            <a:prstGeom prst="ellipse">
-              <a:avLst/>
-            </a:prstGeom>
-            <a:solidFill>
-              <a:srgbClr val="7CAE00">
-                <a:alpha val="100000"/>
-              </a:srgbClr>
-            </a:solidFill>
-            <a:ln w="9000" cap="rnd">
-              <a:solidFill>
-                <a:srgbClr val="7CAE00">
+              <a:off x="3559359" y="1903054"/>
+              <a:ext cx="49651" cy="49651"/>
+            </a:xfrm>
+            <a:prstGeom prst="ellipse">
+              <a:avLst/>
+            </a:prstGeom>
+            <a:solidFill>
+              <a:srgbClr val="7F7F7F">
+                <a:alpha val="100000"/>
+              </a:srgbClr>
+            </a:solidFill>
+            <a:ln w="9000" cap="rnd">
+              <a:solidFill>
+                <a:srgbClr val="7F7F7F">
                   <a:alpha val="100000"/>
                 </a:srgbClr>
               </a:solidFill>
@@ -4724,20 +4727,20 @@
           </p:nvSpPr>
           <p:spPr>
             <a:xfrm>
-              <a:off x="3456093" y="2684794"/>
-              <a:ext cx="49651" cy="49651"/>
-            </a:xfrm>
-            <a:prstGeom prst="ellipse">
-              <a:avLst/>
-            </a:prstGeom>
-            <a:solidFill>
-              <a:srgbClr val="7CAE00">
-                <a:alpha val="100000"/>
-              </a:srgbClr>
-            </a:solidFill>
-            <a:ln w="9000" cap="rnd">
-              <a:solidFill>
-                <a:srgbClr val="7CAE00">
+              <a:off x="3628687" y="1490218"/>
+              <a:ext cx="49651" cy="49651"/>
+            </a:xfrm>
+            <a:prstGeom prst="ellipse">
+              <a:avLst/>
+            </a:prstGeom>
+            <a:solidFill>
+              <a:srgbClr val="7F7F7F">
+                <a:alpha val="100000"/>
+              </a:srgbClr>
+            </a:solidFill>
+            <a:ln w="9000" cap="rnd">
+              <a:solidFill>
+                <a:srgbClr val="7F7F7F">
                   <a:alpha val="100000"/>
                 </a:srgbClr>
               </a:solidFill>
@@ -4759,20 +4762,20 @@
           </p:nvSpPr>
           <p:spPr>
             <a:xfrm>
-              <a:off x="3526676" y="2295121"/>
-              <a:ext cx="49651" cy="49651"/>
-            </a:xfrm>
-            <a:prstGeom prst="ellipse">
-              <a:avLst/>
-            </a:prstGeom>
-            <a:solidFill>
-              <a:srgbClr val="7CAE00">
-                <a:alpha val="100000"/>
-              </a:srgbClr>
-            </a:solidFill>
-            <a:ln w="9000" cap="rnd">
-              <a:solidFill>
-                <a:srgbClr val="7CAE00">
+              <a:off x="3698015" y="1246987"/>
+              <a:ext cx="49651" cy="49651"/>
+            </a:xfrm>
+            <a:prstGeom prst="ellipse">
+              <a:avLst/>
+            </a:prstGeom>
+            <a:solidFill>
+              <a:srgbClr val="7F7F7F">
+                <a:alpha val="100000"/>
+              </a:srgbClr>
+            </a:solidFill>
+            <a:ln w="9000" cap="rnd">
+              <a:solidFill>
+                <a:srgbClr val="7F7F7F">
                   <a:alpha val="100000"/>
                 </a:srgbClr>
               </a:solidFill>
@@ -4794,20 +4797,20 @@
           </p:nvSpPr>
           <p:spPr>
             <a:xfrm>
-              <a:off x="3597258" y="1903054"/>
-              <a:ext cx="49651" cy="49651"/>
-            </a:xfrm>
-            <a:prstGeom prst="ellipse">
-              <a:avLst/>
-            </a:prstGeom>
-            <a:solidFill>
-              <a:srgbClr val="7CAE00">
-                <a:alpha val="100000"/>
-              </a:srgbClr>
-            </a:solidFill>
-            <a:ln w="9000" cap="rnd">
-              <a:solidFill>
-                <a:srgbClr val="7CAE00">
+              <a:off x="3767343" y="1104075"/>
+              <a:ext cx="49651" cy="49651"/>
+            </a:xfrm>
+            <a:prstGeom prst="ellipse">
+              <a:avLst/>
+            </a:prstGeom>
+            <a:solidFill>
+              <a:srgbClr val="7F7F7F">
+                <a:alpha val="100000"/>
+              </a:srgbClr>
+            </a:solidFill>
+            <a:ln w="9000" cap="rnd">
+              <a:solidFill>
+                <a:srgbClr val="7F7F7F">
                   <a:alpha val="100000"/>
                 </a:srgbClr>
               </a:solidFill>
@@ -4829,20 +4832,20 @@
           </p:nvSpPr>
           <p:spPr>
             <a:xfrm>
-              <a:off x="3667841" y="1490218"/>
-              <a:ext cx="49651" cy="49651"/>
-            </a:xfrm>
-            <a:prstGeom prst="ellipse">
-              <a:avLst/>
-            </a:prstGeom>
-            <a:solidFill>
-              <a:srgbClr val="7CAE00">
-                <a:alpha val="100000"/>
-              </a:srgbClr>
-            </a:solidFill>
-            <a:ln w="9000" cap="rnd">
-              <a:solidFill>
-                <a:srgbClr val="7CAE00">
+              <a:off x="3836670" y="1105654"/>
+              <a:ext cx="49651" cy="49651"/>
+            </a:xfrm>
+            <a:prstGeom prst="ellipse">
+              <a:avLst/>
+            </a:prstGeom>
+            <a:solidFill>
+              <a:srgbClr val="7F7F7F">
+                <a:alpha val="100000"/>
+              </a:srgbClr>
+            </a:solidFill>
+            <a:ln w="9000" cap="rnd">
+              <a:solidFill>
+                <a:srgbClr val="7F7F7F">
                   <a:alpha val="100000"/>
                 </a:srgbClr>
               </a:solidFill>
@@ -4864,20 +4867,20 @@
           </p:nvSpPr>
           <p:spPr>
             <a:xfrm>
-              <a:off x="3738424" y="1246987"/>
-              <a:ext cx="49651" cy="49651"/>
-            </a:xfrm>
-            <a:prstGeom prst="ellipse">
-              <a:avLst/>
-            </a:prstGeom>
-            <a:solidFill>
-              <a:srgbClr val="7CAE00">
-                <a:alpha val="100000"/>
-              </a:srgbClr>
-            </a:solidFill>
-            <a:ln w="9000" cap="rnd">
-              <a:solidFill>
-                <a:srgbClr val="7CAE00">
+              <a:off x="3905998" y="1198106"/>
+              <a:ext cx="49651" cy="49651"/>
+            </a:xfrm>
+            <a:prstGeom prst="ellipse">
+              <a:avLst/>
+            </a:prstGeom>
+            <a:solidFill>
+              <a:srgbClr val="7F7F7F">
+                <a:alpha val="100000"/>
+              </a:srgbClr>
+            </a:solidFill>
+            <a:ln w="9000" cap="rnd">
+              <a:solidFill>
+                <a:srgbClr val="7F7F7F">
                   <a:alpha val="100000"/>
                 </a:srgbClr>
               </a:solidFill>
@@ -4899,20 +4902,20 @@
           </p:nvSpPr>
           <p:spPr>
             <a:xfrm>
-              <a:off x="3809006" y="1104075"/>
-              <a:ext cx="49651" cy="49651"/>
-            </a:xfrm>
-            <a:prstGeom prst="ellipse">
-              <a:avLst/>
-            </a:prstGeom>
-            <a:solidFill>
-              <a:srgbClr val="7CAE00">
-                <a:alpha val="100000"/>
-              </a:srgbClr>
-            </a:solidFill>
-            <a:ln w="9000" cap="rnd">
-              <a:solidFill>
-                <a:srgbClr val="7CAE00">
+              <a:off x="3975326" y="1331125"/>
+              <a:ext cx="49651" cy="49651"/>
+            </a:xfrm>
+            <a:prstGeom prst="ellipse">
+              <a:avLst/>
+            </a:prstGeom>
+            <a:solidFill>
+              <a:srgbClr val="7F7F7F">
+                <a:alpha val="100000"/>
+              </a:srgbClr>
+            </a:solidFill>
+            <a:ln w="9000" cap="rnd">
+              <a:solidFill>
+                <a:srgbClr val="7F7F7F">
                   <a:alpha val="100000"/>
                 </a:srgbClr>
               </a:solidFill>
@@ -4934,20 +4937,20 @@
           </p:nvSpPr>
           <p:spPr>
             <a:xfrm>
-              <a:off x="3879589" y="1105654"/>
-              <a:ext cx="49651" cy="49651"/>
-            </a:xfrm>
-            <a:prstGeom prst="ellipse">
-              <a:avLst/>
-            </a:prstGeom>
-            <a:solidFill>
-              <a:srgbClr val="7CAE00">
-                <a:alpha val="100000"/>
-              </a:srgbClr>
-            </a:solidFill>
-            <a:ln w="9000" cap="rnd">
-              <a:solidFill>
-                <a:srgbClr val="7CAE00">
+              <a:off x="4044654" y="1573165"/>
+              <a:ext cx="49651" cy="49651"/>
+            </a:xfrm>
+            <a:prstGeom prst="ellipse">
+              <a:avLst/>
+            </a:prstGeom>
+            <a:solidFill>
+              <a:srgbClr val="7F7F7F">
+                <a:alpha val="100000"/>
+              </a:srgbClr>
+            </a:solidFill>
+            <a:ln w="9000" cap="rnd">
+              <a:solidFill>
+                <a:srgbClr val="7F7F7F">
                   <a:alpha val="100000"/>
                 </a:srgbClr>
               </a:solidFill>
@@ -4969,20 +4972,20 @@
           </p:nvSpPr>
           <p:spPr>
             <a:xfrm>
-              <a:off x="3950172" y="1198106"/>
-              <a:ext cx="49651" cy="49651"/>
-            </a:xfrm>
-            <a:prstGeom prst="ellipse">
-              <a:avLst/>
-            </a:prstGeom>
-            <a:solidFill>
-              <a:srgbClr val="7CAE00">
-                <a:alpha val="100000"/>
-              </a:srgbClr>
-            </a:solidFill>
-            <a:ln w="9000" cap="rnd">
-              <a:solidFill>
-                <a:srgbClr val="7CAE00">
+              <a:off x="4113982" y="1854817"/>
+              <a:ext cx="49651" cy="49651"/>
+            </a:xfrm>
+            <a:prstGeom prst="ellipse">
+              <a:avLst/>
+            </a:prstGeom>
+            <a:solidFill>
+              <a:srgbClr val="7F7F7F">
+                <a:alpha val="100000"/>
+              </a:srgbClr>
+            </a:solidFill>
+            <a:ln w="9000" cap="rnd">
+              <a:solidFill>
+                <a:srgbClr val="7F7F7F">
                   <a:alpha val="100000"/>
                 </a:srgbClr>
               </a:solidFill>
@@ -5004,20 +5007,20 @@
           </p:nvSpPr>
           <p:spPr>
             <a:xfrm>
-              <a:off x="4020755" y="1331125"/>
-              <a:ext cx="49651" cy="49651"/>
-            </a:xfrm>
-            <a:prstGeom prst="ellipse">
-              <a:avLst/>
-            </a:prstGeom>
-            <a:solidFill>
-              <a:srgbClr val="7CAE00">
-                <a:alpha val="100000"/>
-              </a:srgbClr>
-            </a:solidFill>
-            <a:ln w="9000" cap="rnd">
-              <a:solidFill>
-                <a:srgbClr val="7CAE00">
+              <a:off x="4183309" y="2156842"/>
+              <a:ext cx="49651" cy="49651"/>
+            </a:xfrm>
+            <a:prstGeom prst="ellipse">
+              <a:avLst/>
+            </a:prstGeom>
+            <a:solidFill>
+              <a:srgbClr val="7F7F7F">
+                <a:alpha val="100000"/>
+              </a:srgbClr>
+            </a:solidFill>
+            <a:ln w="9000" cap="rnd">
+              <a:solidFill>
+                <a:srgbClr val="7F7F7F">
                   <a:alpha val="100000"/>
                 </a:srgbClr>
               </a:solidFill>
@@ -5039,20 +5042,20 @@
           </p:nvSpPr>
           <p:spPr>
             <a:xfrm>
-              <a:off x="4091337" y="1573165"/>
-              <a:ext cx="49651" cy="49651"/>
-            </a:xfrm>
-            <a:prstGeom prst="ellipse">
-              <a:avLst/>
-            </a:prstGeom>
-            <a:solidFill>
-              <a:srgbClr val="7CAE00">
-                <a:alpha val="100000"/>
-              </a:srgbClr>
-            </a:solidFill>
-            <a:ln w="9000" cap="rnd">
-              <a:solidFill>
-                <a:srgbClr val="7CAE00">
+              <a:off x="4252637" y="2476840"/>
+              <a:ext cx="49651" cy="49651"/>
+            </a:xfrm>
+            <a:prstGeom prst="ellipse">
+              <a:avLst/>
+            </a:prstGeom>
+            <a:solidFill>
+              <a:srgbClr val="7F7F7F">
+                <a:alpha val="100000"/>
+              </a:srgbClr>
+            </a:solidFill>
+            <a:ln w="9000" cap="rnd">
+              <a:solidFill>
+                <a:srgbClr val="7F7F7F">
                   <a:alpha val="100000"/>
                 </a:srgbClr>
               </a:solidFill>
@@ -5074,20 +5077,20 @@
           </p:nvSpPr>
           <p:spPr>
             <a:xfrm>
-              <a:off x="4161920" y="1854817"/>
-              <a:ext cx="49651" cy="49651"/>
-            </a:xfrm>
-            <a:prstGeom prst="ellipse">
-              <a:avLst/>
-            </a:prstGeom>
-            <a:solidFill>
-              <a:srgbClr val="7CAE00">
-                <a:alpha val="100000"/>
-              </a:srgbClr>
-            </a:solidFill>
-            <a:ln w="9000" cap="rnd">
-              <a:solidFill>
-                <a:srgbClr val="7CAE00">
+              <a:off x="4356629" y="2881861"/>
+              <a:ext cx="49651" cy="49651"/>
+            </a:xfrm>
+            <a:prstGeom prst="ellipse">
+              <a:avLst/>
+            </a:prstGeom>
+            <a:solidFill>
+              <a:srgbClr val="7F7F7F">
+                <a:alpha val="100000"/>
+              </a:srgbClr>
+            </a:solidFill>
+            <a:ln w="9000" cap="rnd">
+              <a:solidFill>
+                <a:srgbClr val="7F7F7F">
                   <a:alpha val="100000"/>
                 </a:srgbClr>
               </a:solidFill>
@@ -5109,20 +5112,20 @@
           </p:nvSpPr>
           <p:spPr>
             <a:xfrm>
-              <a:off x="4232503" y="2156842"/>
-              <a:ext cx="49651" cy="49651"/>
-            </a:xfrm>
-            <a:prstGeom prst="ellipse">
-              <a:avLst/>
-            </a:prstGeom>
-            <a:solidFill>
-              <a:srgbClr val="7CAE00">
-                <a:alpha val="100000"/>
-              </a:srgbClr>
-            </a:solidFill>
-            <a:ln w="9000" cap="rnd">
-              <a:solidFill>
-                <a:srgbClr val="7CAE00">
+              <a:off x="4460621" y="3197855"/>
+              <a:ext cx="49651" cy="49651"/>
+            </a:xfrm>
+            <a:prstGeom prst="ellipse">
+              <a:avLst/>
+            </a:prstGeom>
+            <a:solidFill>
+              <a:srgbClr val="7F7F7F">
+                <a:alpha val="100000"/>
+              </a:srgbClr>
+            </a:solidFill>
+            <a:ln w="9000" cap="rnd">
+              <a:solidFill>
+                <a:srgbClr val="7F7F7F">
                   <a:alpha val="100000"/>
                 </a:srgbClr>
               </a:solidFill>
@@ -5144,20 +5147,20 @@
           </p:nvSpPr>
           <p:spPr>
             <a:xfrm>
-              <a:off x="4303086" y="2476840"/>
-              <a:ext cx="49651" cy="49651"/>
-            </a:xfrm>
-            <a:prstGeom prst="ellipse">
-              <a:avLst/>
-            </a:prstGeom>
-            <a:solidFill>
-              <a:srgbClr val="7CAE00">
-                <a:alpha val="100000"/>
-              </a:srgbClr>
-            </a:solidFill>
-            <a:ln w="9000" cap="rnd">
-              <a:solidFill>
-                <a:srgbClr val="7CAE00">
+              <a:off x="4529948" y="3363698"/>
+              <a:ext cx="49651" cy="49651"/>
+            </a:xfrm>
+            <a:prstGeom prst="ellipse">
+              <a:avLst/>
+            </a:prstGeom>
+            <a:solidFill>
+              <a:srgbClr val="7F7F7F">
+                <a:alpha val="100000"/>
+              </a:srgbClr>
+            </a:solidFill>
+            <a:ln w="9000" cap="rnd">
+              <a:solidFill>
+                <a:srgbClr val="7F7F7F">
                   <a:alpha val="100000"/>
                 </a:srgbClr>
               </a:solidFill>
@@ -5179,20 +5182,20 @@
           </p:nvSpPr>
           <p:spPr>
             <a:xfrm>
-              <a:off x="4408960" y="2881861"/>
-              <a:ext cx="49651" cy="49651"/>
-            </a:xfrm>
-            <a:prstGeom prst="ellipse">
-              <a:avLst/>
-            </a:prstGeom>
-            <a:solidFill>
-              <a:srgbClr val="7CAE00">
-                <a:alpha val="100000"/>
-              </a:srgbClr>
-            </a:solidFill>
-            <a:ln w="9000" cap="rnd">
-              <a:solidFill>
-                <a:srgbClr val="7CAE00">
+              <a:off x="4599276" y="3507100"/>
+              <a:ext cx="49651" cy="49651"/>
+            </a:xfrm>
+            <a:prstGeom prst="ellipse">
+              <a:avLst/>
+            </a:prstGeom>
+            <a:solidFill>
+              <a:srgbClr val="7F7F7F">
+                <a:alpha val="100000"/>
+              </a:srgbClr>
+            </a:solidFill>
+            <a:ln w="9000" cap="rnd">
+              <a:solidFill>
+                <a:srgbClr val="7F7F7F">
                   <a:alpha val="100000"/>
                 </a:srgbClr>
               </a:solidFill>
@@ -5214,20 +5217,20 @@
           </p:nvSpPr>
           <p:spPr>
             <a:xfrm>
-              <a:off x="4514834" y="3197855"/>
-              <a:ext cx="49651" cy="49651"/>
-            </a:xfrm>
-            <a:prstGeom prst="ellipse">
-              <a:avLst/>
-            </a:prstGeom>
-            <a:solidFill>
-              <a:srgbClr val="7CAE00">
-                <a:alpha val="100000"/>
-              </a:srgbClr>
-            </a:solidFill>
-            <a:ln w="9000" cap="rnd">
-              <a:solidFill>
-                <a:srgbClr val="7CAE00">
+              <a:off x="4807260" y="3789974"/>
+              <a:ext cx="49651" cy="49651"/>
+            </a:xfrm>
+            <a:prstGeom prst="ellipse">
+              <a:avLst/>
+            </a:prstGeom>
+            <a:solidFill>
+              <a:srgbClr val="7F7F7F">
+                <a:alpha val="100000"/>
+              </a:srgbClr>
+            </a:solidFill>
+            <a:ln w="9000" cap="rnd">
+              <a:solidFill>
+                <a:srgbClr val="7F7F7F">
                   <a:alpha val="100000"/>
                 </a:srgbClr>
               </a:solidFill>
@@ -5249,20 +5252,20 @@
           </p:nvSpPr>
           <p:spPr>
             <a:xfrm>
-              <a:off x="4585416" y="3363698"/>
-              <a:ext cx="49651" cy="49651"/>
-            </a:xfrm>
-            <a:prstGeom prst="ellipse">
-              <a:avLst/>
-            </a:prstGeom>
-            <a:solidFill>
-              <a:srgbClr val="7CAE00">
-                <a:alpha val="100000"/>
-              </a:srgbClr>
-            </a:solidFill>
-            <a:ln w="9000" cap="rnd">
-              <a:solidFill>
-                <a:srgbClr val="7CAE00">
+              <a:off x="5015243" y="3920272"/>
+              <a:ext cx="49651" cy="49651"/>
+            </a:xfrm>
+            <a:prstGeom prst="ellipse">
+              <a:avLst/>
+            </a:prstGeom>
+            <a:solidFill>
+              <a:srgbClr val="7F7F7F">
+                <a:alpha val="100000"/>
+              </a:srgbClr>
+            </a:solidFill>
+            <a:ln w="9000" cap="rnd">
+              <a:solidFill>
+                <a:srgbClr val="7F7F7F">
                   <a:alpha val="100000"/>
                 </a:srgbClr>
               </a:solidFill>
@@ -5284,20 +5287,20 @@
           </p:nvSpPr>
           <p:spPr>
             <a:xfrm>
-              <a:off x="4655999" y="3507100"/>
-              <a:ext cx="49651" cy="49651"/>
-            </a:xfrm>
-            <a:prstGeom prst="ellipse">
-              <a:avLst/>
-            </a:prstGeom>
-            <a:solidFill>
-              <a:srgbClr val="7CAE00">
-                <a:alpha val="100000"/>
-              </a:srgbClr>
-            </a:solidFill>
-            <a:ln w="9000" cap="rnd">
-              <a:solidFill>
-                <a:srgbClr val="7CAE00">
+              <a:off x="5223226" y="3977339"/>
+              <a:ext cx="49651" cy="49651"/>
+            </a:xfrm>
+            <a:prstGeom prst="ellipse">
+              <a:avLst/>
+            </a:prstGeom>
+            <a:solidFill>
+              <a:srgbClr val="7F7F7F">
+                <a:alpha val="100000"/>
+              </a:srgbClr>
+            </a:solidFill>
+            <a:ln w="9000" cap="rnd">
+              <a:solidFill>
+                <a:srgbClr val="7F7F7F">
                   <a:alpha val="100000"/>
                 </a:srgbClr>
               </a:solidFill>
@@ -5319,20 +5322,20 @@
           </p:nvSpPr>
           <p:spPr>
             <a:xfrm>
-              <a:off x="4867747" y="3789974"/>
-              <a:ext cx="49651" cy="49651"/>
-            </a:xfrm>
-            <a:prstGeom prst="ellipse">
-              <a:avLst/>
-            </a:prstGeom>
-            <a:solidFill>
-              <a:srgbClr val="7CAE00">
-                <a:alpha val="100000"/>
-              </a:srgbClr>
-            </a:solidFill>
-            <a:ln w="9000" cap="rnd">
-              <a:solidFill>
-                <a:srgbClr val="7CAE00">
+              <a:off x="2311459" y="4001756"/>
+              <a:ext cx="49651" cy="49651"/>
+            </a:xfrm>
+            <a:prstGeom prst="ellipse">
+              <a:avLst/>
+            </a:prstGeom>
+            <a:solidFill>
+              <a:srgbClr val="7F7F7F">
+                <a:alpha val="100000"/>
+              </a:srgbClr>
+            </a:solidFill>
+            <a:ln w="9000" cap="rnd">
+              <a:solidFill>
+                <a:srgbClr val="7F7F7F">
                   <a:alpha val="100000"/>
                 </a:srgbClr>
               </a:solidFill>
@@ -5354,20 +5357,20 @@
           </p:nvSpPr>
           <p:spPr>
             <a:xfrm>
-              <a:off x="5079495" y="3920272"/>
-              <a:ext cx="49651" cy="49651"/>
-            </a:xfrm>
-            <a:prstGeom prst="ellipse">
-              <a:avLst/>
-            </a:prstGeom>
-            <a:solidFill>
-              <a:srgbClr val="7CAE00">
-                <a:alpha val="100000"/>
-              </a:srgbClr>
-            </a:solidFill>
-            <a:ln w="9000" cap="rnd">
-              <a:solidFill>
-                <a:srgbClr val="7CAE00">
+              <a:off x="3039401" y="3890076"/>
+              <a:ext cx="49651" cy="49651"/>
+            </a:xfrm>
+            <a:prstGeom prst="ellipse">
+              <a:avLst/>
+            </a:prstGeom>
+            <a:solidFill>
+              <a:srgbClr val="7F7F7F">
+                <a:alpha val="100000"/>
+              </a:srgbClr>
+            </a:solidFill>
+            <a:ln w="9000" cap="rnd">
+              <a:solidFill>
+                <a:srgbClr val="7F7F7F">
                   <a:alpha val="100000"/>
                 </a:srgbClr>
               </a:solidFill>
@@ -5389,20 +5392,20 @@
           </p:nvSpPr>
           <p:spPr>
             <a:xfrm>
-              <a:off x="5291244" y="3977339"/>
-              <a:ext cx="49651" cy="49651"/>
-            </a:xfrm>
-            <a:prstGeom prst="ellipse">
-              <a:avLst/>
-            </a:prstGeom>
-            <a:solidFill>
-              <a:srgbClr val="7CAE00">
-                <a:alpha val="100000"/>
-              </a:srgbClr>
-            </a:solidFill>
-            <a:ln w="9000" cap="rnd">
-              <a:solidFill>
-                <a:srgbClr val="7CAE00">
+              <a:off x="3143393" y="3834165"/>
+              <a:ext cx="49651" cy="49651"/>
+            </a:xfrm>
+            <a:prstGeom prst="ellipse">
+              <a:avLst/>
+            </a:prstGeom>
+            <a:solidFill>
+              <a:srgbClr val="7F7F7F">
+                <a:alpha val="100000"/>
+              </a:srgbClr>
+            </a:solidFill>
+            <a:ln w="9000" cap="rnd">
+              <a:solidFill>
+                <a:srgbClr val="7F7F7F">
                   <a:alpha val="100000"/>
                 </a:srgbClr>
               </a:solidFill>
@@ -5424,20 +5427,20 @@
           </p:nvSpPr>
           <p:spPr>
             <a:xfrm>
-              <a:off x="2326769" y="4001756"/>
-              <a:ext cx="49651" cy="49651"/>
-            </a:xfrm>
-            <a:prstGeom prst="ellipse">
-              <a:avLst/>
-            </a:prstGeom>
-            <a:solidFill>
-              <a:srgbClr val="C77CFF">
-                <a:alpha val="100000"/>
-              </a:srgbClr>
-            </a:solidFill>
-            <a:ln w="9000" cap="rnd">
-              <a:solidFill>
-                <a:srgbClr val="C77CFF">
+              <a:off x="3282048" y="3705751"/>
+              <a:ext cx="49651" cy="49651"/>
+            </a:xfrm>
+            <a:prstGeom prst="ellipse">
+              <a:avLst/>
+            </a:prstGeom>
+            <a:solidFill>
+              <a:srgbClr val="7F7F7F">
+                <a:alpha val="100000"/>
+              </a:srgbClr>
+            </a:solidFill>
+            <a:ln w="9000" cap="rnd">
+              <a:solidFill>
+                <a:srgbClr val="7F7F7F">
                   <a:alpha val="100000"/>
                 </a:srgbClr>
               </a:solidFill>
@@ -5459,20 +5462,20 @@
           </p:nvSpPr>
           <p:spPr>
             <a:xfrm>
-              <a:off x="3067888" y="3890076"/>
-              <a:ext cx="49651" cy="49651"/>
-            </a:xfrm>
-            <a:prstGeom prst="ellipse">
-              <a:avLst/>
-            </a:prstGeom>
-            <a:solidFill>
-              <a:srgbClr val="C77CFF">
-                <a:alpha val="100000"/>
-              </a:srgbClr>
-            </a:solidFill>
-            <a:ln w="9000" cap="rnd">
-              <a:solidFill>
-                <a:srgbClr val="C77CFF">
+              <a:off x="3420704" y="3451078"/>
+              <a:ext cx="49651" cy="49651"/>
+            </a:xfrm>
+            <a:prstGeom prst="ellipse">
+              <a:avLst/>
+            </a:prstGeom>
+            <a:solidFill>
+              <a:srgbClr val="7F7F7F">
+                <a:alpha val="100000"/>
+              </a:srgbClr>
+            </a:solidFill>
+            <a:ln w="9000" cap="rnd">
+              <a:solidFill>
+                <a:srgbClr val="7F7F7F">
                   <a:alpha val="100000"/>
                 </a:srgbClr>
               </a:solidFill>
@@ -5494,20 +5497,20 @@
           </p:nvSpPr>
           <p:spPr>
             <a:xfrm>
-              <a:off x="3173762" y="3834165"/>
-              <a:ext cx="49651" cy="49651"/>
-            </a:xfrm>
-            <a:prstGeom prst="ellipse">
-              <a:avLst/>
-            </a:prstGeom>
-            <a:solidFill>
-              <a:srgbClr val="C77CFF">
-                <a:alpha val="100000"/>
-              </a:srgbClr>
-            </a:solidFill>
-            <a:ln w="9000" cap="rnd">
-              <a:solidFill>
-                <a:srgbClr val="C77CFF">
+              <a:off x="3490031" y="3246489"/>
+              <a:ext cx="49651" cy="49651"/>
+            </a:xfrm>
+            <a:prstGeom prst="ellipse">
+              <a:avLst/>
+            </a:prstGeom>
+            <a:solidFill>
+              <a:srgbClr val="7F7F7F">
+                <a:alpha val="100000"/>
+              </a:srgbClr>
+            </a:solidFill>
+            <a:ln w="9000" cap="rnd">
+              <a:solidFill>
+                <a:srgbClr val="7F7F7F">
                   <a:alpha val="100000"/>
                 </a:srgbClr>
               </a:solidFill>
@@ -5529,20 +5532,20 @@
           </p:nvSpPr>
           <p:spPr>
             <a:xfrm>
-              <a:off x="3314927" y="3705751"/>
-              <a:ext cx="49651" cy="49651"/>
-            </a:xfrm>
-            <a:prstGeom prst="ellipse">
-              <a:avLst/>
-            </a:prstGeom>
-            <a:solidFill>
-              <a:srgbClr val="C77CFF">
-                <a:alpha val="100000"/>
-              </a:srgbClr>
-            </a:solidFill>
-            <a:ln w="9000" cap="rnd">
-              <a:solidFill>
-                <a:srgbClr val="C77CFF">
+              <a:off x="3559359" y="2979024"/>
+              <a:ext cx="49651" cy="49651"/>
+            </a:xfrm>
+            <a:prstGeom prst="ellipse">
+              <a:avLst/>
+            </a:prstGeom>
+            <a:solidFill>
+              <a:srgbClr val="7F7F7F">
+                <a:alpha val="100000"/>
+              </a:srgbClr>
+            </a:solidFill>
+            <a:ln w="9000" cap="rnd">
+              <a:solidFill>
+                <a:srgbClr val="7F7F7F">
                   <a:alpha val="100000"/>
                 </a:srgbClr>
               </a:solidFill>
@@ -5564,20 +5567,20 @@
           </p:nvSpPr>
           <p:spPr>
             <a:xfrm>
-              <a:off x="3456093" y="3451078"/>
-              <a:ext cx="49651" cy="49651"/>
-            </a:xfrm>
-            <a:prstGeom prst="ellipse">
-              <a:avLst/>
-            </a:prstGeom>
-            <a:solidFill>
-              <a:srgbClr val="C77CFF">
-                <a:alpha val="100000"/>
-              </a:srgbClr>
-            </a:solidFill>
-            <a:ln w="9000" cap="rnd">
-              <a:solidFill>
-                <a:srgbClr val="C77CFF">
+              <a:off x="3628687" y="2649602"/>
+              <a:ext cx="49651" cy="49651"/>
+            </a:xfrm>
+            <a:prstGeom prst="ellipse">
+              <a:avLst/>
+            </a:prstGeom>
+            <a:solidFill>
+              <a:srgbClr val="7F7F7F">
+                <a:alpha val="100000"/>
+              </a:srgbClr>
+            </a:solidFill>
+            <a:ln w="9000" cap="rnd">
+              <a:solidFill>
+                <a:srgbClr val="7F7F7F">
                   <a:alpha val="100000"/>
                 </a:srgbClr>
               </a:solidFill>
@@ -5599,20 +5602,20 @@
           </p:nvSpPr>
           <p:spPr>
             <a:xfrm>
-              <a:off x="3526676" y="3246489"/>
-              <a:ext cx="49651" cy="49651"/>
-            </a:xfrm>
-            <a:prstGeom prst="ellipse">
-              <a:avLst/>
-            </a:prstGeom>
-            <a:solidFill>
-              <a:srgbClr val="C77CFF">
-                <a:alpha val="100000"/>
-              </a:srgbClr>
-            </a:solidFill>
-            <a:ln w="9000" cap="rnd">
-              <a:solidFill>
-                <a:srgbClr val="C77CFF">
+              <a:off x="3698015" y="2275927"/>
+              <a:ext cx="49651" cy="49651"/>
+            </a:xfrm>
+            <a:prstGeom prst="ellipse">
+              <a:avLst/>
+            </a:prstGeom>
+            <a:solidFill>
+              <a:srgbClr val="7F7F7F">
+                <a:alpha val="100000"/>
+              </a:srgbClr>
+            </a:solidFill>
+            <a:ln w="9000" cap="rnd">
+              <a:solidFill>
+                <a:srgbClr val="7F7F7F">
                   <a:alpha val="100000"/>
                 </a:srgbClr>
               </a:solidFill>
@@ -5634,20 +5637,20 @@
           </p:nvSpPr>
           <p:spPr>
             <a:xfrm>
-              <a:off x="3597258" y="2979024"/>
-              <a:ext cx="49651" cy="49651"/>
-            </a:xfrm>
-            <a:prstGeom prst="ellipse">
-              <a:avLst/>
-            </a:prstGeom>
-            <a:solidFill>
-              <a:srgbClr val="C77CFF">
-                <a:alpha val="100000"/>
-              </a:srgbClr>
-            </a:solidFill>
-            <a:ln w="9000" cap="rnd">
-              <a:solidFill>
-                <a:srgbClr val="C77CFF">
+              <a:off x="3767343" y="1966938"/>
+              <a:ext cx="49651" cy="49651"/>
+            </a:xfrm>
+            <a:prstGeom prst="ellipse">
+              <a:avLst/>
+            </a:prstGeom>
+            <a:solidFill>
+              <a:srgbClr val="7F7F7F">
+                <a:alpha val="100000"/>
+              </a:srgbClr>
+            </a:solidFill>
+            <a:ln w="9000" cap="rnd">
+              <a:solidFill>
+                <a:srgbClr val="7F7F7F">
                   <a:alpha val="100000"/>
                 </a:srgbClr>
               </a:solidFill>
@@ -5669,20 +5672,20 @@
           </p:nvSpPr>
           <p:spPr>
             <a:xfrm>
-              <a:off x="3667841" y="2649602"/>
-              <a:ext cx="49651" cy="49651"/>
-            </a:xfrm>
-            <a:prstGeom prst="ellipse">
-              <a:avLst/>
-            </a:prstGeom>
-            <a:solidFill>
-              <a:srgbClr val="C77CFF">
-                <a:alpha val="100000"/>
-              </a:srgbClr>
-            </a:solidFill>
-            <a:ln w="9000" cap="rnd">
-              <a:solidFill>
-                <a:srgbClr val="C77CFF">
+              <a:off x="3836670" y="1691305"/>
+              <a:ext cx="49651" cy="49651"/>
+            </a:xfrm>
+            <a:prstGeom prst="ellipse">
+              <a:avLst/>
+            </a:prstGeom>
+            <a:solidFill>
+              <a:srgbClr val="7F7F7F">
+                <a:alpha val="100000"/>
+              </a:srgbClr>
+            </a:solidFill>
+            <a:ln w="9000" cap="rnd">
+              <a:solidFill>
+                <a:srgbClr val="7F7F7F">
                   <a:alpha val="100000"/>
                 </a:srgbClr>
               </a:solidFill>
@@ -5704,20 +5707,20 @@
           </p:nvSpPr>
           <p:spPr>
             <a:xfrm>
-              <a:off x="3738424" y="2275927"/>
-              <a:ext cx="49651" cy="49651"/>
-            </a:xfrm>
-            <a:prstGeom prst="ellipse">
-              <a:avLst/>
-            </a:prstGeom>
-            <a:solidFill>
-              <a:srgbClr val="C77CFF">
-                <a:alpha val="100000"/>
-              </a:srgbClr>
-            </a:solidFill>
-            <a:ln w="9000" cap="rnd">
-              <a:solidFill>
-                <a:srgbClr val="C77CFF">
+              <a:off x="3905998" y="1466586"/>
+              <a:ext cx="49651" cy="49651"/>
+            </a:xfrm>
+            <a:prstGeom prst="ellipse">
+              <a:avLst/>
+            </a:prstGeom>
+            <a:solidFill>
+              <a:srgbClr val="7F7F7F">
+                <a:alpha val="100000"/>
+              </a:srgbClr>
+            </a:solidFill>
+            <a:ln w="9000" cap="rnd">
+              <a:solidFill>
+                <a:srgbClr val="7F7F7F">
                   <a:alpha val="100000"/>
                 </a:srgbClr>
               </a:solidFill>
@@ -5739,20 +5742,20 @@
           </p:nvSpPr>
           <p:spPr>
             <a:xfrm>
-              <a:off x="3809006" y="1966938"/>
-              <a:ext cx="49651" cy="49651"/>
-            </a:xfrm>
-            <a:prstGeom prst="ellipse">
-              <a:avLst/>
-            </a:prstGeom>
-            <a:solidFill>
-              <a:srgbClr val="C77CFF">
-                <a:alpha val="100000"/>
-              </a:srgbClr>
-            </a:solidFill>
-            <a:ln w="9000" cap="rnd">
-              <a:solidFill>
-                <a:srgbClr val="C77CFF">
+              <a:off x="3975326" y="1307857"/>
+              <a:ext cx="49651" cy="49651"/>
+            </a:xfrm>
+            <a:prstGeom prst="ellipse">
+              <a:avLst/>
+            </a:prstGeom>
+            <a:solidFill>
+              <a:srgbClr val="7F7F7F">
+                <a:alpha val="100000"/>
+              </a:srgbClr>
+            </a:solidFill>
+            <a:ln w="9000" cap="rnd">
+              <a:solidFill>
+                <a:srgbClr val="7F7F7F">
                   <a:alpha val="100000"/>
                 </a:srgbClr>
               </a:solidFill>
@@ -5774,20 +5777,20 @@
           </p:nvSpPr>
           <p:spPr>
             <a:xfrm>
-              <a:off x="3879589" y="1691305"/>
-              <a:ext cx="49651" cy="49651"/>
-            </a:xfrm>
-            <a:prstGeom prst="ellipse">
-              <a:avLst/>
-            </a:prstGeom>
-            <a:solidFill>
-              <a:srgbClr val="C77CFF">
-                <a:alpha val="100000"/>
-              </a:srgbClr>
-            </a:solidFill>
-            <a:ln w="9000" cap="rnd">
-              <a:solidFill>
-                <a:srgbClr val="C77CFF">
+              <a:off x="4044654" y="1288050"/>
+              <a:ext cx="49651" cy="49651"/>
+            </a:xfrm>
+            <a:prstGeom prst="ellipse">
+              <a:avLst/>
+            </a:prstGeom>
+            <a:solidFill>
+              <a:srgbClr val="7F7F7F">
+                <a:alpha val="100000"/>
+              </a:srgbClr>
+            </a:solidFill>
+            <a:ln w="9000" cap="rnd">
+              <a:solidFill>
+                <a:srgbClr val="7F7F7F">
                   <a:alpha val="100000"/>
                 </a:srgbClr>
               </a:solidFill>
@@ -5809,20 +5812,20 @@
           </p:nvSpPr>
           <p:spPr>
             <a:xfrm>
-              <a:off x="3950172" y="1466586"/>
-              <a:ext cx="49651" cy="49651"/>
-            </a:xfrm>
-            <a:prstGeom prst="ellipse">
-              <a:avLst/>
-            </a:prstGeom>
-            <a:solidFill>
-              <a:srgbClr val="C77CFF">
-                <a:alpha val="100000"/>
-              </a:srgbClr>
-            </a:solidFill>
-            <a:ln w="9000" cap="rnd">
-              <a:solidFill>
-                <a:srgbClr val="C77CFF">
+              <a:off x="4113982" y="1404207"/>
+              <a:ext cx="49651" cy="49651"/>
+            </a:xfrm>
+            <a:prstGeom prst="ellipse">
+              <a:avLst/>
+            </a:prstGeom>
+            <a:solidFill>
+              <a:srgbClr val="7F7F7F">
+                <a:alpha val="100000"/>
+              </a:srgbClr>
+            </a:solidFill>
+            <a:ln w="9000" cap="rnd">
+              <a:solidFill>
+                <a:srgbClr val="7F7F7F">
                   <a:alpha val="100000"/>
                 </a:srgbClr>
               </a:solidFill>
@@ -5844,20 +5847,20 @@
           </p:nvSpPr>
           <p:spPr>
             <a:xfrm>
-              <a:off x="4020755" y="1307857"/>
-              <a:ext cx="49651" cy="49651"/>
-            </a:xfrm>
-            <a:prstGeom prst="ellipse">
-              <a:avLst/>
-            </a:prstGeom>
-            <a:solidFill>
-              <a:srgbClr val="C77CFF">
-                <a:alpha val="100000"/>
-              </a:srgbClr>
-            </a:solidFill>
-            <a:ln w="9000" cap="rnd">
-              <a:solidFill>
-                <a:srgbClr val="C77CFF">
+              <a:off x="4183309" y="1708142"/>
+              <a:ext cx="49651" cy="49651"/>
+            </a:xfrm>
+            <a:prstGeom prst="ellipse">
+              <a:avLst/>
+            </a:prstGeom>
+            <a:solidFill>
+              <a:srgbClr val="7F7F7F">
+                <a:alpha val="100000"/>
+              </a:srgbClr>
+            </a:solidFill>
+            <a:ln w="9000" cap="rnd">
+              <a:solidFill>
+                <a:srgbClr val="7F7F7F">
                   <a:alpha val="100000"/>
                 </a:srgbClr>
               </a:solidFill>
@@ -5879,20 +5882,20 @@
           </p:nvSpPr>
           <p:spPr>
             <a:xfrm>
-              <a:off x="4091337" y="1288050"/>
-              <a:ext cx="49651" cy="49651"/>
-            </a:xfrm>
-            <a:prstGeom prst="ellipse">
-              <a:avLst/>
-            </a:prstGeom>
-            <a:solidFill>
-              <a:srgbClr val="C77CFF">
-                <a:alpha val="100000"/>
-              </a:srgbClr>
-            </a:solidFill>
-            <a:ln w="9000" cap="rnd">
-              <a:solidFill>
-                <a:srgbClr val="C77CFF">
+              <a:off x="4252637" y="2086480"/>
+              <a:ext cx="49651" cy="49651"/>
+            </a:xfrm>
+            <a:prstGeom prst="ellipse">
+              <a:avLst/>
+            </a:prstGeom>
+            <a:solidFill>
+              <a:srgbClr val="7F7F7F">
+                <a:alpha val="100000"/>
+              </a:srgbClr>
+            </a:solidFill>
+            <a:ln w="9000" cap="rnd">
+              <a:solidFill>
+                <a:srgbClr val="7F7F7F">
                   <a:alpha val="100000"/>
                 </a:srgbClr>
               </a:solidFill>
@@ -5914,20 +5917,20 @@
           </p:nvSpPr>
           <p:spPr>
             <a:xfrm>
-              <a:off x="4161920" y="1404207"/>
-              <a:ext cx="49651" cy="49651"/>
-            </a:xfrm>
-            <a:prstGeom prst="ellipse">
-              <a:avLst/>
-            </a:prstGeom>
-            <a:solidFill>
-              <a:srgbClr val="C77CFF">
-                <a:alpha val="100000"/>
-              </a:srgbClr>
-            </a:solidFill>
-            <a:ln w="9000" cap="rnd">
-              <a:solidFill>
-                <a:srgbClr val="C77CFF">
+              <a:off x="4321965" y="2456211"/>
+              <a:ext cx="49651" cy="49651"/>
+            </a:xfrm>
+            <a:prstGeom prst="ellipse">
+              <a:avLst/>
+            </a:prstGeom>
+            <a:solidFill>
+              <a:srgbClr val="7F7F7F">
+                <a:alpha val="100000"/>
+              </a:srgbClr>
+            </a:solidFill>
+            <a:ln w="9000" cap="rnd">
+              <a:solidFill>
+                <a:srgbClr val="7F7F7F">
                   <a:alpha val="100000"/>
                 </a:srgbClr>
               </a:solidFill>
@@ -5949,20 +5952,20 @@
           </p:nvSpPr>
           <p:spPr>
             <a:xfrm>
-              <a:off x="4232503" y="1708142"/>
-              <a:ext cx="49651" cy="49651"/>
-            </a:xfrm>
-            <a:prstGeom prst="ellipse">
-              <a:avLst/>
-            </a:prstGeom>
-            <a:solidFill>
-              <a:srgbClr val="C77CFF">
-                <a:alpha val="100000"/>
-              </a:srgbClr>
-            </a:solidFill>
-            <a:ln w="9000" cap="rnd">
-              <a:solidFill>
-                <a:srgbClr val="C77CFF">
+              <a:off x="4391293" y="2796835"/>
+              <a:ext cx="49651" cy="49651"/>
+            </a:xfrm>
+            <a:prstGeom prst="ellipse">
+              <a:avLst/>
+            </a:prstGeom>
+            <a:solidFill>
+              <a:srgbClr val="7F7F7F">
+                <a:alpha val="100000"/>
+              </a:srgbClr>
+            </a:solidFill>
+            <a:ln w="9000" cap="rnd">
+              <a:solidFill>
+                <a:srgbClr val="7F7F7F">
                   <a:alpha val="100000"/>
                 </a:srgbClr>
               </a:solidFill>
@@ -5984,20 +5987,20 @@
           </p:nvSpPr>
           <p:spPr>
             <a:xfrm>
-              <a:off x="4303086" y="2086480"/>
-              <a:ext cx="49651" cy="49651"/>
-            </a:xfrm>
-            <a:prstGeom prst="ellipse">
-              <a:avLst/>
-            </a:prstGeom>
-            <a:solidFill>
-              <a:srgbClr val="C77CFF">
-                <a:alpha val="100000"/>
-              </a:srgbClr>
-            </a:solidFill>
-            <a:ln w="9000" cap="rnd">
-              <a:solidFill>
-                <a:srgbClr val="C77CFF">
+              <a:off x="4495284" y="3172459"/>
+              <a:ext cx="49651" cy="49651"/>
+            </a:xfrm>
+            <a:prstGeom prst="ellipse">
+              <a:avLst/>
+            </a:prstGeom>
+            <a:solidFill>
+              <a:srgbClr val="7F7F7F">
+                <a:alpha val="100000"/>
+              </a:srgbClr>
+            </a:solidFill>
+            <a:ln w="9000" cap="rnd">
+              <a:solidFill>
+                <a:srgbClr val="7F7F7F">
                   <a:alpha val="100000"/>
                 </a:srgbClr>
               </a:solidFill>
@@ -6019,20 +6022,20 @@
           </p:nvSpPr>
           <p:spPr>
             <a:xfrm>
-              <a:off x="4373668" y="2456211"/>
-              <a:ext cx="49651" cy="49651"/>
-            </a:xfrm>
-            <a:prstGeom prst="ellipse">
-              <a:avLst/>
-            </a:prstGeom>
-            <a:solidFill>
-              <a:srgbClr val="C77CFF">
-                <a:alpha val="100000"/>
-              </a:srgbClr>
-            </a:solidFill>
-            <a:ln w="9000" cap="rnd">
-              <a:solidFill>
-                <a:srgbClr val="C77CFF">
+              <a:off x="4668604" y="3485237"/>
+              <a:ext cx="49651" cy="49651"/>
+            </a:xfrm>
+            <a:prstGeom prst="ellipse">
+              <a:avLst/>
+            </a:prstGeom>
+            <a:solidFill>
+              <a:srgbClr val="7F7F7F">
+                <a:alpha val="100000"/>
+              </a:srgbClr>
+            </a:solidFill>
+            <a:ln w="9000" cap="rnd">
+              <a:solidFill>
+                <a:srgbClr val="7F7F7F">
                   <a:alpha val="100000"/>
                 </a:srgbClr>
               </a:solidFill>
@@ -6054,20 +6057,20 @@
           </p:nvSpPr>
           <p:spPr>
             <a:xfrm>
-              <a:off x="4444251" y="2796835"/>
-              <a:ext cx="49651" cy="49651"/>
-            </a:xfrm>
-            <a:prstGeom prst="ellipse">
-              <a:avLst/>
-            </a:prstGeom>
-            <a:solidFill>
-              <a:srgbClr val="C77CFF">
-                <a:alpha val="100000"/>
-              </a:srgbClr>
-            </a:solidFill>
-            <a:ln w="9000" cap="rnd">
-              <a:solidFill>
-                <a:srgbClr val="C77CFF">
+              <a:off x="4807260" y="3607577"/>
+              <a:ext cx="49651" cy="49651"/>
+            </a:xfrm>
+            <a:prstGeom prst="ellipse">
+              <a:avLst/>
+            </a:prstGeom>
+            <a:solidFill>
+              <a:srgbClr val="7F7F7F">
+                <a:alpha val="100000"/>
+              </a:srgbClr>
+            </a:solidFill>
+            <a:ln w="9000" cap="rnd">
+              <a:solidFill>
+                <a:srgbClr val="7F7F7F">
                   <a:alpha val="100000"/>
                 </a:srgbClr>
               </a:solidFill>
@@ -6089,20 +6092,20 @@
           </p:nvSpPr>
           <p:spPr>
             <a:xfrm>
-              <a:off x="4550125" y="3172459"/>
-              <a:ext cx="49651" cy="49651"/>
-            </a:xfrm>
-            <a:prstGeom prst="ellipse">
-              <a:avLst/>
-            </a:prstGeom>
-            <a:solidFill>
-              <a:srgbClr val="C77CFF">
-                <a:alpha val="100000"/>
-              </a:srgbClr>
-            </a:solidFill>
-            <a:ln w="9000" cap="rnd">
-              <a:solidFill>
-                <a:srgbClr val="C77CFF">
+              <a:off x="4876587" y="3652214"/>
+              <a:ext cx="49651" cy="49651"/>
+            </a:xfrm>
+            <a:prstGeom prst="ellipse">
+              <a:avLst/>
+            </a:prstGeom>
+            <a:solidFill>
+              <a:srgbClr val="7F7F7F">
+                <a:alpha val="100000"/>
+              </a:srgbClr>
+            </a:solidFill>
+            <a:ln w="9000" cap="rnd">
+              <a:solidFill>
+                <a:srgbClr val="7F7F7F">
                   <a:alpha val="100000"/>
                 </a:srgbClr>
               </a:solidFill>
@@ -6124,20 +6127,20 @@
           </p:nvSpPr>
           <p:spPr>
             <a:xfrm>
-              <a:off x="4726582" y="3485237"/>
-              <a:ext cx="49651" cy="49651"/>
-            </a:xfrm>
-            <a:prstGeom prst="ellipse">
-              <a:avLst/>
-            </a:prstGeom>
-            <a:solidFill>
-              <a:srgbClr val="C77CFF">
-                <a:alpha val="100000"/>
-              </a:srgbClr>
-            </a:solidFill>
-            <a:ln w="9000" cap="rnd">
-              <a:solidFill>
-                <a:srgbClr val="C77CFF">
+              <a:off x="4945915" y="3695054"/>
+              <a:ext cx="49651" cy="49651"/>
+            </a:xfrm>
+            <a:prstGeom prst="ellipse">
+              <a:avLst/>
+            </a:prstGeom>
+            <a:solidFill>
+              <a:srgbClr val="7F7F7F">
+                <a:alpha val="100000"/>
+              </a:srgbClr>
+            </a:solidFill>
+            <a:ln w="9000" cap="rnd">
+              <a:solidFill>
+                <a:srgbClr val="7F7F7F">
                   <a:alpha val="100000"/>
                 </a:srgbClr>
               </a:solidFill>
@@ -6159,20 +6162,20 @@
           </p:nvSpPr>
           <p:spPr>
             <a:xfrm>
-              <a:off x="4867747" y="3607577"/>
-              <a:ext cx="49651" cy="49651"/>
-            </a:xfrm>
-            <a:prstGeom prst="ellipse">
-              <a:avLst/>
-            </a:prstGeom>
-            <a:solidFill>
-              <a:srgbClr val="C77CFF">
-                <a:alpha val="100000"/>
-              </a:srgbClr>
-            </a:solidFill>
-            <a:ln w="9000" cap="rnd">
-              <a:solidFill>
-                <a:srgbClr val="C77CFF">
+              <a:off x="5084571" y="3771729"/>
+              <a:ext cx="49651" cy="49651"/>
+            </a:xfrm>
+            <a:prstGeom prst="ellipse">
+              <a:avLst/>
+            </a:prstGeom>
+            <a:solidFill>
+              <a:srgbClr val="7F7F7F">
+                <a:alpha val="100000"/>
+              </a:srgbClr>
+            </a:solidFill>
+            <a:ln w="9000" cap="rnd">
+              <a:solidFill>
+                <a:srgbClr val="7F7F7F">
                   <a:alpha val="100000"/>
                 </a:srgbClr>
               </a:solidFill>
@@ -6194,20 +6197,20 @@
           </p:nvSpPr>
           <p:spPr>
             <a:xfrm>
-              <a:off x="4938330" y="3652214"/>
-              <a:ext cx="49651" cy="49651"/>
-            </a:xfrm>
-            <a:prstGeom prst="ellipse">
-              <a:avLst/>
-            </a:prstGeom>
-            <a:solidFill>
-              <a:srgbClr val="C77CFF">
-                <a:alpha val="100000"/>
-              </a:srgbClr>
-            </a:solidFill>
-            <a:ln w="9000" cap="rnd">
-              <a:solidFill>
-                <a:srgbClr val="C77CFF">
+              <a:off x="5292554" y="3857017"/>
+              <a:ext cx="49651" cy="49651"/>
+            </a:xfrm>
+            <a:prstGeom prst="ellipse">
+              <a:avLst/>
+            </a:prstGeom>
+            <a:solidFill>
+              <a:srgbClr val="7F7F7F">
+                <a:alpha val="100000"/>
+              </a:srgbClr>
+            </a:solidFill>
+            <a:ln w="9000" cap="rnd">
+              <a:solidFill>
+                <a:srgbClr val="7F7F7F">
                   <a:alpha val="100000"/>
                 </a:srgbClr>
               </a:solidFill>
@@ -6229,20 +6232,20 @@
           </p:nvSpPr>
           <p:spPr>
             <a:xfrm>
-              <a:off x="5008913" y="3695054"/>
-              <a:ext cx="49651" cy="49651"/>
-            </a:xfrm>
-            <a:prstGeom prst="ellipse">
-              <a:avLst/>
-            </a:prstGeom>
-            <a:solidFill>
-              <a:srgbClr val="C77CFF">
-                <a:alpha val="100000"/>
-              </a:srgbClr>
-            </a:solidFill>
-            <a:ln w="9000" cap="rnd">
-              <a:solidFill>
-                <a:srgbClr val="C77CFF">
+              <a:off x="2346123" y="4002328"/>
+              <a:ext cx="49651" cy="49651"/>
+            </a:xfrm>
+            <a:prstGeom prst="ellipse">
+              <a:avLst/>
+            </a:prstGeom>
+            <a:solidFill>
+              <a:srgbClr val="7F7F7F">
+                <a:alpha val="100000"/>
+              </a:srgbClr>
+            </a:solidFill>
+            <a:ln w="9000" cap="rnd">
+              <a:solidFill>
+                <a:srgbClr val="7F7F7F">
                   <a:alpha val="100000"/>
                 </a:srgbClr>
               </a:solidFill>
@@ -6264,20 +6267,20 @@
           </p:nvSpPr>
           <p:spPr>
             <a:xfrm>
-              <a:off x="5150078" y="3771729"/>
-              <a:ext cx="49651" cy="49651"/>
-            </a:xfrm>
-            <a:prstGeom prst="ellipse">
-              <a:avLst/>
-            </a:prstGeom>
-            <a:solidFill>
-              <a:srgbClr val="C77CFF">
-                <a:alpha val="100000"/>
-              </a:srgbClr>
-            </a:solidFill>
-            <a:ln w="9000" cap="rnd">
-              <a:solidFill>
-                <a:srgbClr val="C77CFF">
+              <a:off x="3108729" y="3868710"/>
+              <a:ext cx="49651" cy="49651"/>
+            </a:xfrm>
+            <a:prstGeom prst="ellipse">
+              <a:avLst/>
+            </a:prstGeom>
+            <a:solidFill>
+              <a:srgbClr val="7F7F7F">
+                <a:alpha val="100000"/>
+              </a:srgbClr>
+            </a:solidFill>
+            <a:ln w="9000" cap="rnd">
+              <a:solidFill>
+                <a:srgbClr val="7F7F7F">
                   <a:alpha val="100000"/>
                 </a:srgbClr>
               </a:solidFill>
@@ -6299,20 +6302,20 @@
           </p:nvSpPr>
           <p:spPr>
             <a:xfrm>
-              <a:off x="5361826" y="3857017"/>
-              <a:ext cx="49651" cy="49651"/>
-            </a:xfrm>
-            <a:prstGeom prst="ellipse">
-              <a:avLst/>
-            </a:prstGeom>
-            <a:solidFill>
-              <a:srgbClr val="C77CFF">
-                <a:alpha val="100000"/>
-              </a:srgbClr>
-            </a:solidFill>
-            <a:ln w="9000" cap="rnd">
-              <a:solidFill>
-                <a:srgbClr val="C77CFF">
+              <a:off x="3247384" y="3768568"/>
+              <a:ext cx="49651" cy="49651"/>
+            </a:xfrm>
+            <a:prstGeom prst="ellipse">
+              <a:avLst/>
+            </a:prstGeom>
+            <a:solidFill>
+              <a:srgbClr val="7F7F7F">
+                <a:alpha val="100000"/>
+              </a:srgbClr>
+            </a:solidFill>
+            <a:ln w="9000" cap="rnd">
+              <a:solidFill>
+                <a:srgbClr val="7F7F7F">
                   <a:alpha val="100000"/>
                 </a:srgbClr>
               </a:solidFill>
@@ -6334,20 +6337,20 @@
           </p:nvSpPr>
           <p:spPr>
             <a:xfrm>
-              <a:off x="2362061" y="4002328"/>
-              <a:ext cx="49651" cy="49651"/>
-            </a:xfrm>
-            <a:prstGeom prst="ellipse">
-              <a:avLst/>
-            </a:prstGeom>
-            <a:solidFill>
-              <a:srgbClr val="00BFC4">
-                <a:alpha val="100000"/>
-              </a:srgbClr>
-            </a:solidFill>
-            <a:ln w="9000" cap="rnd">
-              <a:solidFill>
-                <a:srgbClr val="00BFC4">
+              <a:off x="3386040" y="3583446"/>
+              <a:ext cx="49651" cy="49651"/>
+            </a:xfrm>
+            <a:prstGeom prst="ellipse">
+              <a:avLst/>
+            </a:prstGeom>
+            <a:solidFill>
+              <a:srgbClr val="7F7F7F">
+                <a:alpha val="100000"/>
+              </a:srgbClr>
+            </a:solidFill>
+            <a:ln w="9000" cap="rnd">
+              <a:solidFill>
+                <a:srgbClr val="7F7F7F">
                   <a:alpha val="100000"/>
                 </a:srgbClr>
               </a:solidFill>
@@ -6369,20 +6372,20 @@
           </p:nvSpPr>
           <p:spPr>
             <a:xfrm>
-              <a:off x="3138471" y="3868710"/>
-              <a:ext cx="49651" cy="49651"/>
-            </a:xfrm>
-            <a:prstGeom prst="ellipse">
-              <a:avLst/>
-            </a:prstGeom>
-            <a:solidFill>
-              <a:srgbClr val="00BFC4">
-                <a:alpha val="100000"/>
-              </a:srgbClr>
-            </a:solidFill>
-            <a:ln w="9000" cap="rnd">
-              <a:solidFill>
-                <a:srgbClr val="00BFC4">
+              <a:off x="3490031" y="3354122"/>
+              <a:ext cx="49651" cy="49651"/>
+            </a:xfrm>
+            <a:prstGeom prst="ellipse">
+              <a:avLst/>
+            </a:prstGeom>
+            <a:solidFill>
+              <a:srgbClr val="7F7F7F">
+                <a:alpha val="100000"/>
+              </a:srgbClr>
+            </a:solidFill>
+            <a:ln w="9000" cap="rnd">
+              <a:solidFill>
+                <a:srgbClr val="7F7F7F">
                   <a:alpha val="100000"/>
                 </a:srgbClr>
               </a:solidFill>
@@ -6404,20 +6407,20 @@
           </p:nvSpPr>
           <p:spPr>
             <a:xfrm>
-              <a:off x="3279636" y="3768568"/>
-              <a:ext cx="49651" cy="49651"/>
-            </a:xfrm>
-            <a:prstGeom prst="ellipse">
-              <a:avLst/>
-            </a:prstGeom>
-            <a:solidFill>
-              <a:srgbClr val="00BFC4">
-                <a:alpha val="100000"/>
-              </a:srgbClr>
-            </a:solidFill>
-            <a:ln w="9000" cap="rnd">
-              <a:solidFill>
-                <a:srgbClr val="00BFC4">
+              <a:off x="3559359" y="3145588"/>
+              <a:ext cx="49651" cy="49651"/>
+            </a:xfrm>
+            <a:prstGeom prst="ellipse">
+              <a:avLst/>
+            </a:prstGeom>
+            <a:solidFill>
+              <a:srgbClr val="7F7F7F">
+                <a:alpha val="100000"/>
+              </a:srgbClr>
+            </a:solidFill>
+            <a:ln w="9000" cap="rnd">
+              <a:solidFill>
+                <a:srgbClr val="7F7F7F">
                   <a:alpha val="100000"/>
                 </a:srgbClr>
               </a:solidFill>
@@ -6439,20 +6442,20 @@
           </p:nvSpPr>
           <p:spPr>
             <a:xfrm>
-              <a:off x="3420801" y="3583446"/>
-              <a:ext cx="49651" cy="49651"/>
-            </a:xfrm>
-            <a:prstGeom prst="ellipse">
-              <a:avLst/>
-            </a:prstGeom>
-            <a:solidFill>
-              <a:srgbClr val="00BFC4">
-                <a:alpha val="100000"/>
-              </a:srgbClr>
-            </a:solidFill>
-            <a:ln w="9000" cap="rnd">
-              <a:solidFill>
-                <a:srgbClr val="00BFC4">
+              <a:off x="3628687" y="2883403"/>
+              <a:ext cx="49651" cy="49651"/>
+            </a:xfrm>
+            <a:prstGeom prst="ellipse">
+              <a:avLst/>
+            </a:prstGeom>
+            <a:solidFill>
+              <a:srgbClr val="7F7F7F">
+                <a:alpha val="100000"/>
+              </a:srgbClr>
+            </a:solidFill>
+            <a:ln w="9000" cap="rnd">
+              <a:solidFill>
+                <a:srgbClr val="7F7F7F">
                   <a:alpha val="100000"/>
                 </a:srgbClr>
               </a:solidFill>
@@ -6474,20 +6477,20 @@
           </p:nvSpPr>
           <p:spPr>
             <a:xfrm>
-              <a:off x="3526676" y="3354122"/>
-              <a:ext cx="49651" cy="49651"/>
-            </a:xfrm>
-            <a:prstGeom prst="ellipse">
-              <a:avLst/>
-            </a:prstGeom>
-            <a:solidFill>
-              <a:srgbClr val="00BFC4">
-                <a:alpha val="100000"/>
-              </a:srgbClr>
-            </a:solidFill>
-            <a:ln w="9000" cap="rnd">
-              <a:solidFill>
-                <a:srgbClr val="00BFC4">
+              <a:off x="3698015" y="2571663"/>
+              <a:ext cx="49651" cy="49651"/>
+            </a:xfrm>
+            <a:prstGeom prst="ellipse">
+              <a:avLst/>
+            </a:prstGeom>
+            <a:solidFill>
+              <a:srgbClr val="7F7F7F">
+                <a:alpha val="100000"/>
+              </a:srgbClr>
+            </a:solidFill>
+            <a:ln w="9000" cap="rnd">
+              <a:solidFill>
+                <a:srgbClr val="7F7F7F">
                   <a:alpha val="100000"/>
                 </a:srgbClr>
               </a:solidFill>
@@ -6509,20 +6512,20 @@
           </p:nvSpPr>
           <p:spPr>
             <a:xfrm>
-              <a:off x="3597258" y="3145588"/>
-              <a:ext cx="49651" cy="49651"/>
-            </a:xfrm>
-            <a:prstGeom prst="ellipse">
-              <a:avLst/>
-            </a:prstGeom>
-            <a:solidFill>
-              <a:srgbClr val="00BFC4">
-                <a:alpha val="100000"/>
-              </a:srgbClr>
-            </a:solidFill>
-            <a:ln w="9000" cap="rnd">
-              <a:solidFill>
-                <a:srgbClr val="00BFC4">
+              <a:off x="3767343" y="2230269"/>
+              <a:ext cx="49651" cy="49651"/>
+            </a:xfrm>
+            <a:prstGeom prst="ellipse">
+              <a:avLst/>
+            </a:prstGeom>
+            <a:solidFill>
+              <a:srgbClr val="7F7F7F">
+                <a:alpha val="100000"/>
+              </a:srgbClr>
+            </a:solidFill>
+            <a:ln w="9000" cap="rnd">
+              <a:solidFill>
+                <a:srgbClr val="7F7F7F">
                   <a:alpha val="100000"/>
                 </a:srgbClr>
               </a:solidFill>
@@ -6544,20 +6547,20 @@
           </p:nvSpPr>
           <p:spPr>
             <a:xfrm>
-              <a:off x="3667841" y="2883403"/>
-              <a:ext cx="49651" cy="49651"/>
-            </a:xfrm>
-            <a:prstGeom prst="ellipse">
-              <a:avLst/>
-            </a:prstGeom>
-            <a:solidFill>
-              <a:srgbClr val="00BFC4">
-                <a:alpha val="100000"/>
-              </a:srgbClr>
-            </a:solidFill>
-            <a:ln w="9000" cap="rnd">
-              <a:solidFill>
-                <a:srgbClr val="00BFC4">
+              <a:off x="3836670" y="1871845"/>
+              <a:ext cx="49651" cy="49651"/>
+            </a:xfrm>
+            <a:prstGeom prst="ellipse">
+              <a:avLst/>
+            </a:prstGeom>
+            <a:solidFill>
+              <a:srgbClr val="7F7F7F">
+                <a:alpha val="100000"/>
+              </a:srgbClr>
+            </a:solidFill>
+            <a:ln w="9000" cap="rnd">
+              <a:solidFill>
+                <a:srgbClr val="7F7F7F">
                   <a:alpha val="100000"/>
                 </a:srgbClr>
               </a:solidFill>
@@ -6579,20 +6582,20 @@
           </p:nvSpPr>
           <p:spPr>
             <a:xfrm>
-              <a:off x="3738424" y="2571663"/>
-              <a:ext cx="49651" cy="49651"/>
-            </a:xfrm>
-            <a:prstGeom prst="ellipse">
-              <a:avLst/>
-            </a:prstGeom>
-            <a:solidFill>
-              <a:srgbClr val="00BFC4">
-                <a:alpha val="100000"/>
-              </a:srgbClr>
-            </a:solidFill>
-            <a:ln w="9000" cap="rnd">
-              <a:solidFill>
-                <a:srgbClr val="00BFC4">
+              <a:off x="3905998" y="1545748"/>
+              <a:ext cx="49651" cy="49651"/>
+            </a:xfrm>
+            <a:prstGeom prst="ellipse">
+              <a:avLst/>
+            </a:prstGeom>
+            <a:solidFill>
+              <a:srgbClr val="7F7F7F">
+                <a:alpha val="100000"/>
+              </a:srgbClr>
+            </a:solidFill>
+            <a:ln w="9000" cap="rnd">
+              <a:solidFill>
+                <a:srgbClr val="7F7F7F">
                   <a:alpha val="100000"/>
                 </a:srgbClr>
               </a:solidFill>
@@ -6614,20 +6617,20 @@
           </p:nvSpPr>
           <p:spPr>
             <a:xfrm>
-              <a:off x="3809006" y="2230269"/>
-              <a:ext cx="49651" cy="49651"/>
-            </a:xfrm>
-            <a:prstGeom prst="ellipse">
-              <a:avLst/>
-            </a:prstGeom>
-            <a:solidFill>
-              <a:srgbClr val="00BFC4">
-                <a:alpha val="100000"/>
-              </a:srgbClr>
-            </a:solidFill>
-            <a:ln w="9000" cap="rnd">
-              <a:solidFill>
-                <a:srgbClr val="00BFC4">
+              <a:off x="3975326" y="1403623"/>
+              <a:ext cx="49651" cy="49651"/>
+            </a:xfrm>
+            <a:prstGeom prst="ellipse">
+              <a:avLst/>
+            </a:prstGeom>
+            <a:solidFill>
+              <a:srgbClr val="7F7F7F">
+                <a:alpha val="100000"/>
+              </a:srgbClr>
+            </a:solidFill>
+            <a:ln w="9000" cap="rnd">
+              <a:solidFill>
+                <a:srgbClr val="7F7F7F">
                   <a:alpha val="100000"/>
                 </a:srgbClr>
               </a:solidFill>
@@ -6649,20 +6652,20 @@
           </p:nvSpPr>
           <p:spPr>
             <a:xfrm>
-              <a:off x="3879589" y="1871845"/>
-              <a:ext cx="49651" cy="49651"/>
-            </a:xfrm>
-            <a:prstGeom prst="ellipse">
-              <a:avLst/>
-            </a:prstGeom>
-            <a:solidFill>
-              <a:srgbClr val="00BFC4">
-                <a:alpha val="100000"/>
-              </a:srgbClr>
-            </a:solidFill>
-            <a:ln w="9000" cap="rnd">
-              <a:solidFill>
-                <a:srgbClr val="00BFC4">
+              <a:off x="4044654" y="1422869"/>
+              <a:ext cx="49651" cy="49651"/>
+            </a:xfrm>
+            <a:prstGeom prst="ellipse">
+              <a:avLst/>
+            </a:prstGeom>
+            <a:solidFill>
+              <a:srgbClr val="7F7F7F">
+                <a:alpha val="100000"/>
+              </a:srgbClr>
+            </a:solidFill>
+            <a:ln w="9000" cap="rnd">
+              <a:solidFill>
+                <a:srgbClr val="7F7F7F">
                   <a:alpha val="100000"/>
                 </a:srgbClr>
               </a:solidFill>
@@ -6684,20 +6687,20 @@
           </p:nvSpPr>
           <p:spPr>
             <a:xfrm>
-              <a:off x="3950172" y="1545748"/>
-              <a:ext cx="49651" cy="49651"/>
-            </a:xfrm>
-            <a:prstGeom prst="ellipse">
-              <a:avLst/>
-            </a:prstGeom>
-            <a:solidFill>
-              <a:srgbClr val="00BFC4">
-                <a:alpha val="100000"/>
-              </a:srgbClr>
-            </a:solidFill>
-            <a:ln w="9000" cap="rnd">
-              <a:solidFill>
-                <a:srgbClr val="00BFC4">
+              <a:off x="4113982" y="1603220"/>
+              <a:ext cx="49651" cy="49651"/>
+            </a:xfrm>
+            <a:prstGeom prst="ellipse">
+              <a:avLst/>
+            </a:prstGeom>
+            <a:solidFill>
+              <a:srgbClr val="7F7F7F">
+                <a:alpha val="100000"/>
+              </a:srgbClr>
+            </a:solidFill>
+            <a:ln w="9000" cap="rnd">
+              <a:solidFill>
+                <a:srgbClr val="7F7F7F">
                   <a:alpha val="100000"/>
                 </a:srgbClr>
               </a:solidFill>
@@ -6719,20 +6722,20 @@
           </p:nvSpPr>
           <p:spPr>
             <a:xfrm>
-              <a:off x="4020755" y="1403623"/>
-              <a:ext cx="49651" cy="49651"/>
-            </a:xfrm>
-            <a:prstGeom prst="ellipse">
-              <a:avLst/>
-            </a:prstGeom>
-            <a:solidFill>
-              <a:srgbClr val="00BFC4">
-                <a:alpha val="100000"/>
-              </a:srgbClr>
-            </a:solidFill>
-            <a:ln w="9000" cap="rnd">
-              <a:solidFill>
-                <a:srgbClr val="00BFC4">
+              <a:off x="4183309" y="1953203"/>
+              <a:ext cx="49651" cy="49651"/>
+            </a:xfrm>
+            <a:prstGeom prst="ellipse">
+              <a:avLst/>
+            </a:prstGeom>
+            <a:solidFill>
+              <a:srgbClr val="7F7F7F">
+                <a:alpha val="100000"/>
+              </a:srgbClr>
+            </a:solidFill>
+            <a:ln w="9000" cap="rnd">
+              <a:solidFill>
+                <a:srgbClr val="7F7F7F">
                   <a:alpha val="100000"/>
                 </a:srgbClr>
               </a:solidFill>
@@ -6754,20 +6757,20 @@
           </p:nvSpPr>
           <p:spPr>
             <a:xfrm>
-              <a:off x="4091337" y="1422869"/>
-              <a:ext cx="49651" cy="49651"/>
-            </a:xfrm>
-            <a:prstGeom prst="ellipse">
-              <a:avLst/>
-            </a:prstGeom>
-            <a:solidFill>
-              <a:srgbClr val="00BFC4">
-                <a:alpha val="100000"/>
-              </a:srgbClr>
-            </a:solidFill>
-            <a:ln w="9000" cap="rnd">
-              <a:solidFill>
-                <a:srgbClr val="00BFC4">
+              <a:off x="4252637" y="2302934"/>
+              <a:ext cx="49651" cy="49651"/>
+            </a:xfrm>
+            <a:prstGeom prst="ellipse">
+              <a:avLst/>
+            </a:prstGeom>
+            <a:solidFill>
+              <a:srgbClr val="7F7F7F">
+                <a:alpha val="100000"/>
+              </a:srgbClr>
+            </a:solidFill>
+            <a:ln w="9000" cap="rnd">
+              <a:solidFill>
+                <a:srgbClr val="7F7F7F">
                   <a:alpha val="100000"/>
                 </a:srgbClr>
               </a:solidFill>
@@ -6789,20 +6792,20 @@
           </p:nvSpPr>
           <p:spPr>
             <a:xfrm>
-              <a:off x="4161920" y="1603220"/>
-              <a:ext cx="49651" cy="49651"/>
-            </a:xfrm>
-            <a:prstGeom prst="ellipse">
-              <a:avLst/>
-            </a:prstGeom>
-            <a:solidFill>
-              <a:srgbClr val="00BFC4">
-                <a:alpha val="100000"/>
-              </a:srgbClr>
-            </a:solidFill>
-            <a:ln w="9000" cap="rnd">
-              <a:solidFill>
-                <a:srgbClr val="00BFC4">
+              <a:off x="4321965" y="2625242"/>
+              <a:ext cx="49651" cy="49651"/>
+            </a:xfrm>
+            <a:prstGeom prst="ellipse">
+              <a:avLst/>
+            </a:prstGeom>
+            <a:solidFill>
+              <a:srgbClr val="7F7F7F">
+                <a:alpha val="100000"/>
+              </a:srgbClr>
+            </a:solidFill>
+            <a:ln w="9000" cap="rnd">
+              <a:solidFill>
+                <a:srgbClr val="7F7F7F">
                   <a:alpha val="100000"/>
                 </a:srgbClr>
               </a:solidFill>
@@ -6824,20 +6827,20 @@
           </p:nvSpPr>
           <p:spPr>
             <a:xfrm>
-              <a:off x="4232503" y="1953203"/>
-              <a:ext cx="49651" cy="49651"/>
-            </a:xfrm>
-            <a:prstGeom prst="ellipse">
-              <a:avLst/>
-            </a:prstGeom>
-            <a:solidFill>
-              <a:srgbClr val="00BFC4">
-                <a:alpha val="100000"/>
-              </a:srgbClr>
-            </a:solidFill>
-            <a:ln w="9000" cap="rnd">
-              <a:solidFill>
-                <a:srgbClr val="00BFC4">
+              <a:off x="4391293" y="2897585"/>
+              <a:ext cx="49651" cy="49651"/>
+            </a:xfrm>
+            <a:prstGeom prst="ellipse">
+              <a:avLst/>
+            </a:prstGeom>
+            <a:solidFill>
+              <a:srgbClr val="7F7F7F">
+                <a:alpha val="100000"/>
+              </a:srgbClr>
+            </a:solidFill>
+            <a:ln w="9000" cap="rnd">
+              <a:solidFill>
+                <a:srgbClr val="7F7F7F">
                   <a:alpha val="100000"/>
                 </a:srgbClr>
               </a:solidFill>
@@ -6859,20 +6862,20 @@
           </p:nvSpPr>
           <p:spPr>
             <a:xfrm>
-              <a:off x="4303086" y="2302934"/>
-              <a:ext cx="49651" cy="49651"/>
-            </a:xfrm>
-            <a:prstGeom prst="ellipse">
-              <a:avLst/>
-            </a:prstGeom>
-            <a:solidFill>
-              <a:srgbClr val="00BFC4">
-                <a:alpha val="100000"/>
-              </a:srgbClr>
-            </a:solidFill>
-            <a:ln w="9000" cap="rnd">
-              <a:solidFill>
-                <a:srgbClr val="00BFC4">
+              <a:off x="4460621" y="3107225"/>
+              <a:ext cx="49651" cy="49651"/>
+            </a:xfrm>
+            <a:prstGeom prst="ellipse">
+              <a:avLst/>
+            </a:prstGeom>
+            <a:solidFill>
+              <a:srgbClr val="7F7F7F">
+                <a:alpha val="100000"/>
+              </a:srgbClr>
+            </a:solidFill>
+            <a:ln w="9000" cap="rnd">
+              <a:solidFill>
+                <a:srgbClr val="7F7F7F">
                   <a:alpha val="100000"/>
                 </a:srgbClr>
               </a:solidFill>
@@ -6894,20 +6897,20 @@
           </p:nvSpPr>
           <p:spPr>
             <a:xfrm>
-              <a:off x="4373668" y="2625242"/>
-              <a:ext cx="49651" cy="49651"/>
-            </a:xfrm>
-            <a:prstGeom prst="ellipse">
-              <a:avLst/>
-            </a:prstGeom>
-            <a:solidFill>
-              <a:srgbClr val="00BFC4">
-                <a:alpha val="100000"/>
-              </a:srgbClr>
-            </a:solidFill>
-            <a:ln w="9000" cap="rnd">
-              <a:solidFill>
-                <a:srgbClr val="00BFC4">
+              <a:off x="4564612" y="3334654"/>
+              <a:ext cx="49651" cy="49651"/>
+            </a:xfrm>
+            <a:prstGeom prst="ellipse">
+              <a:avLst/>
+            </a:prstGeom>
+            <a:solidFill>
+              <a:srgbClr val="7F7F7F">
+                <a:alpha val="100000"/>
+              </a:srgbClr>
+            </a:solidFill>
+            <a:ln w="9000" cap="rnd">
+              <a:solidFill>
+                <a:srgbClr val="7F7F7F">
                   <a:alpha val="100000"/>
                 </a:srgbClr>
               </a:solidFill>
@@ -6929,20 +6932,20 @@
           </p:nvSpPr>
           <p:spPr>
             <a:xfrm>
-              <a:off x="4444251" y="2897585"/>
-              <a:ext cx="49651" cy="49651"/>
-            </a:xfrm>
-            <a:prstGeom prst="ellipse">
-              <a:avLst/>
-            </a:prstGeom>
-            <a:solidFill>
-              <a:srgbClr val="00BFC4">
-                <a:alpha val="100000"/>
-              </a:srgbClr>
-            </a:solidFill>
-            <a:ln w="9000" cap="rnd">
-              <a:solidFill>
-                <a:srgbClr val="00BFC4">
+              <a:off x="4668604" y="3487354"/>
+              <a:ext cx="49651" cy="49651"/>
+            </a:xfrm>
+            <a:prstGeom prst="ellipse">
+              <a:avLst/>
+            </a:prstGeom>
+            <a:solidFill>
+              <a:srgbClr val="7F7F7F">
+                <a:alpha val="100000"/>
+              </a:srgbClr>
+            </a:solidFill>
+            <a:ln w="9000" cap="rnd">
+              <a:solidFill>
+                <a:srgbClr val="7F7F7F">
                   <a:alpha val="100000"/>
                 </a:srgbClr>
               </a:solidFill>
@@ -6964,20 +6967,20 @@
           </p:nvSpPr>
           <p:spPr>
             <a:xfrm>
-              <a:off x="4514834" y="3107225"/>
-              <a:ext cx="49651" cy="49651"/>
-            </a:xfrm>
-            <a:prstGeom prst="ellipse">
-              <a:avLst/>
-            </a:prstGeom>
-            <a:solidFill>
-              <a:srgbClr val="00BFC4">
-                <a:alpha val="100000"/>
-              </a:srgbClr>
-            </a:solidFill>
-            <a:ln w="9000" cap="rnd">
-              <a:solidFill>
-                <a:srgbClr val="00BFC4">
+              <a:off x="4737932" y="3566024"/>
+              <a:ext cx="49651" cy="49651"/>
+            </a:xfrm>
+            <a:prstGeom prst="ellipse">
+              <a:avLst/>
+            </a:prstGeom>
+            <a:solidFill>
+              <a:srgbClr val="7F7F7F">
+                <a:alpha val="100000"/>
+              </a:srgbClr>
+            </a:solidFill>
+            <a:ln w="9000" cap="rnd">
+              <a:solidFill>
+                <a:srgbClr val="7F7F7F">
                   <a:alpha val="100000"/>
                 </a:srgbClr>
               </a:solidFill>
@@ -6999,20 +7002,20 @@
           </p:nvSpPr>
           <p:spPr>
             <a:xfrm>
-              <a:off x="4620708" y="3334654"/>
-              <a:ext cx="49651" cy="49651"/>
-            </a:xfrm>
-            <a:prstGeom prst="ellipse">
-              <a:avLst/>
-            </a:prstGeom>
-            <a:solidFill>
-              <a:srgbClr val="00BFC4">
-                <a:alpha val="100000"/>
-              </a:srgbClr>
-            </a:solidFill>
-            <a:ln w="9000" cap="rnd">
-              <a:solidFill>
-                <a:srgbClr val="00BFC4">
+              <a:off x="4876587" y="3692563"/>
+              <a:ext cx="49651" cy="49651"/>
+            </a:xfrm>
+            <a:prstGeom prst="ellipse">
+              <a:avLst/>
+            </a:prstGeom>
+            <a:solidFill>
+              <a:srgbClr val="7F7F7F">
+                <a:alpha val="100000"/>
+              </a:srgbClr>
+            </a:solidFill>
+            <a:ln w="9000" cap="rnd">
+              <a:solidFill>
+                <a:srgbClr val="7F7F7F">
                   <a:alpha val="100000"/>
                 </a:srgbClr>
               </a:solidFill>
@@ -7034,20 +7037,20 @@
           </p:nvSpPr>
           <p:spPr>
             <a:xfrm>
-              <a:off x="4726582" y="3487354"/>
-              <a:ext cx="49651" cy="49651"/>
-            </a:xfrm>
-            <a:prstGeom prst="ellipse">
-              <a:avLst/>
-            </a:prstGeom>
-            <a:solidFill>
-              <a:srgbClr val="00BFC4">
-                <a:alpha val="100000"/>
-              </a:srgbClr>
-            </a:solidFill>
-            <a:ln w="9000" cap="rnd">
-              <a:solidFill>
-                <a:srgbClr val="00BFC4">
+              <a:off x="5015243" y="3788917"/>
+              <a:ext cx="49651" cy="49651"/>
+            </a:xfrm>
+            <a:prstGeom prst="ellipse">
+              <a:avLst/>
+            </a:prstGeom>
+            <a:solidFill>
+              <a:srgbClr val="7F7F7F">
+                <a:alpha val="100000"/>
+              </a:srgbClr>
+            </a:solidFill>
+            <a:ln w="9000" cap="rnd">
+              <a:solidFill>
+                <a:srgbClr val="7F7F7F">
                   <a:alpha val="100000"/>
                 </a:srgbClr>
               </a:solidFill>
@@ -7069,20 +7072,20 @@
           </p:nvSpPr>
           <p:spPr>
             <a:xfrm>
-              <a:off x="4797165" y="3566024"/>
-              <a:ext cx="49651" cy="49651"/>
-            </a:xfrm>
-            <a:prstGeom prst="ellipse">
-              <a:avLst/>
-            </a:prstGeom>
-            <a:solidFill>
-              <a:srgbClr val="00BFC4">
-                <a:alpha val="100000"/>
-              </a:srgbClr>
-            </a:solidFill>
-            <a:ln w="9000" cap="rnd">
-              <a:solidFill>
-                <a:srgbClr val="00BFC4">
+              <a:off x="5119235" y="3848279"/>
+              <a:ext cx="49651" cy="49651"/>
+            </a:xfrm>
+            <a:prstGeom prst="ellipse">
+              <a:avLst/>
+            </a:prstGeom>
+            <a:solidFill>
+              <a:srgbClr val="7F7F7F">
+                <a:alpha val="100000"/>
+              </a:srgbClr>
+            </a:solidFill>
+            <a:ln w="9000" cap="rnd">
+              <a:solidFill>
+                <a:srgbClr val="7F7F7F">
                   <a:alpha val="100000"/>
                 </a:srgbClr>
               </a:solidFill>
@@ -7104,20 +7107,20 @@
           </p:nvSpPr>
           <p:spPr>
             <a:xfrm>
-              <a:off x="4938330" y="3692563"/>
-              <a:ext cx="49651" cy="49651"/>
-            </a:xfrm>
-            <a:prstGeom prst="ellipse">
-              <a:avLst/>
-            </a:prstGeom>
-            <a:solidFill>
-              <a:srgbClr val="00BFC4">
-                <a:alpha val="100000"/>
-              </a:srgbClr>
-            </a:solidFill>
-            <a:ln w="9000" cap="rnd">
-              <a:solidFill>
-                <a:srgbClr val="00BFC4">
+              <a:off x="5292554" y="3919931"/>
+              <a:ext cx="49651" cy="49651"/>
+            </a:xfrm>
+            <a:prstGeom prst="ellipse">
+              <a:avLst/>
+            </a:prstGeom>
+            <a:solidFill>
+              <a:srgbClr val="7F7F7F">
+                <a:alpha val="100000"/>
+              </a:srgbClr>
+            </a:solidFill>
+            <a:ln w="9000" cap="rnd">
+              <a:solidFill>
+                <a:srgbClr val="7F7F7F">
                   <a:alpha val="100000"/>
                 </a:srgbClr>
               </a:solidFill>
@@ -7139,20 +7142,20 @@
           </p:nvSpPr>
           <p:spPr>
             <a:xfrm>
-              <a:off x="5079495" y="3788917"/>
-              <a:ext cx="49651" cy="49651"/>
-            </a:xfrm>
-            <a:prstGeom prst="ellipse">
-              <a:avLst/>
-            </a:prstGeom>
-            <a:solidFill>
-              <a:srgbClr val="00BFC4">
-                <a:alpha val="100000"/>
-              </a:srgbClr>
-            </a:solidFill>
-            <a:ln w="9000" cap="rnd">
-              <a:solidFill>
-                <a:srgbClr val="00BFC4">
+              <a:off x="2450115" y="4001527"/>
+              <a:ext cx="49651" cy="49651"/>
+            </a:xfrm>
+            <a:prstGeom prst="ellipse">
+              <a:avLst/>
+            </a:prstGeom>
+            <a:solidFill>
+              <a:srgbClr val="7F7F7F">
+                <a:alpha val="100000"/>
+              </a:srgbClr>
+            </a:solidFill>
+            <a:ln w="9000" cap="rnd">
+              <a:solidFill>
+                <a:srgbClr val="7F7F7F">
                   <a:alpha val="100000"/>
                 </a:srgbClr>
               </a:solidFill>
@@ -7174,20 +7177,20 @@
           </p:nvSpPr>
           <p:spPr>
             <a:xfrm>
-              <a:off x="5185370" y="3848279"/>
-              <a:ext cx="49651" cy="49651"/>
-            </a:xfrm>
-            <a:prstGeom prst="ellipse">
-              <a:avLst/>
-            </a:prstGeom>
-            <a:solidFill>
-              <a:srgbClr val="00BFC4">
-                <a:alpha val="100000"/>
-              </a:srgbClr>
-            </a:solidFill>
-            <a:ln w="9000" cap="rnd">
-              <a:solidFill>
-                <a:srgbClr val="00BFC4">
+              <a:off x="3351376" y="3566121"/>
+              <a:ext cx="49651" cy="49651"/>
+            </a:xfrm>
+            <a:prstGeom prst="ellipse">
+              <a:avLst/>
+            </a:prstGeom>
+            <a:solidFill>
+              <a:srgbClr val="7F7F7F">
+                <a:alpha val="100000"/>
+              </a:srgbClr>
+            </a:solidFill>
+            <a:ln w="9000" cap="rnd">
+              <a:solidFill>
+                <a:srgbClr val="7F7F7F">
                   <a:alpha val="100000"/>
                 </a:srgbClr>
               </a:solidFill>
@@ -7209,20 +7212,20 @@
           </p:nvSpPr>
           <p:spPr>
             <a:xfrm>
-              <a:off x="5361826" y="3919931"/>
-              <a:ext cx="49651" cy="49651"/>
-            </a:xfrm>
-            <a:prstGeom prst="ellipse">
-              <a:avLst/>
-            </a:prstGeom>
-            <a:solidFill>
-              <a:srgbClr val="00BFC4">
-                <a:alpha val="100000"/>
-              </a:srgbClr>
-            </a:solidFill>
-            <a:ln w="9000" cap="rnd">
-              <a:solidFill>
-                <a:srgbClr val="00BFC4">
+              <a:off x="3490031" y="3404493"/>
+              <a:ext cx="49651" cy="49651"/>
+            </a:xfrm>
+            <a:prstGeom prst="ellipse">
+              <a:avLst/>
+            </a:prstGeom>
+            <a:solidFill>
+              <a:srgbClr val="7F7F7F">
+                <a:alpha val="100000"/>
+              </a:srgbClr>
+            </a:solidFill>
+            <a:ln w="9000" cap="rnd">
+              <a:solidFill>
+                <a:srgbClr val="7F7F7F">
                   <a:alpha val="100000"/>
                 </a:srgbClr>
               </a:solidFill>
@@ -7244,20 +7247,20 @@
           </p:nvSpPr>
           <p:spPr>
             <a:xfrm>
-              <a:off x="2467935" y="4001527"/>
-              <a:ext cx="49651" cy="49651"/>
-            </a:xfrm>
-            <a:prstGeom prst="ellipse">
-              <a:avLst/>
-            </a:prstGeom>
-            <a:solidFill>
-              <a:srgbClr val="F8766D">
-                <a:alpha val="100000"/>
-              </a:srgbClr>
-            </a:solidFill>
-            <a:ln w="9000" cap="rnd">
-              <a:solidFill>
-                <a:srgbClr val="F8766D">
+              <a:off x="3594023" y="3246649"/>
+              <a:ext cx="49651" cy="49651"/>
+            </a:xfrm>
+            <a:prstGeom prst="ellipse">
+              <a:avLst/>
+            </a:prstGeom>
+            <a:solidFill>
+              <a:srgbClr val="7F7F7F">
+                <a:alpha val="100000"/>
+              </a:srgbClr>
+            </a:solidFill>
+            <a:ln w="9000" cap="rnd">
+              <a:solidFill>
+                <a:srgbClr val="7F7F7F">
                   <a:alpha val="100000"/>
                 </a:srgbClr>
               </a:solidFill>
@@ -7279,20 +7282,20 @@
           </p:nvSpPr>
           <p:spPr>
             <a:xfrm>
-              <a:off x="3385510" y="3566121"/>
-              <a:ext cx="49651" cy="49651"/>
-            </a:xfrm>
-            <a:prstGeom prst="ellipse">
-              <a:avLst/>
-            </a:prstGeom>
-            <a:solidFill>
-              <a:srgbClr val="F8766D">
-                <a:alpha val="100000"/>
-              </a:srgbClr>
-            </a:solidFill>
-            <a:ln w="9000" cap="rnd">
-              <a:solidFill>
-                <a:srgbClr val="F8766D">
+              <a:off x="3698015" y="2942098"/>
+              <a:ext cx="49651" cy="49651"/>
+            </a:xfrm>
+            <a:prstGeom prst="ellipse">
+              <a:avLst/>
+            </a:prstGeom>
+            <a:solidFill>
+              <a:srgbClr val="7F7F7F">
+                <a:alpha val="100000"/>
+              </a:srgbClr>
+            </a:solidFill>
+            <a:ln w="9000" cap="rnd">
+              <a:solidFill>
+                <a:srgbClr val="7F7F7F">
                   <a:alpha val="100000"/>
                 </a:srgbClr>
               </a:solidFill>
@@ -7314,20 +7317,20 @@
           </p:nvSpPr>
           <p:spPr>
             <a:xfrm>
-              <a:off x="3526676" y="3404493"/>
-              <a:ext cx="49651" cy="49651"/>
-            </a:xfrm>
-            <a:prstGeom prst="ellipse">
-              <a:avLst/>
-            </a:prstGeom>
-            <a:solidFill>
-              <a:srgbClr val="F8766D">
-                <a:alpha val="100000"/>
-              </a:srgbClr>
-            </a:solidFill>
-            <a:ln w="9000" cap="rnd">
-              <a:solidFill>
-                <a:srgbClr val="F8766D">
+              <a:off x="3767343" y="2629743"/>
+              <a:ext cx="49651" cy="49651"/>
+            </a:xfrm>
+            <a:prstGeom prst="ellipse">
+              <a:avLst/>
+            </a:prstGeom>
+            <a:solidFill>
+              <a:srgbClr val="7F7F7F">
+                <a:alpha val="100000"/>
+              </a:srgbClr>
+            </a:solidFill>
+            <a:ln w="9000" cap="rnd">
+              <a:solidFill>
+                <a:srgbClr val="7F7F7F">
                   <a:alpha val="100000"/>
                 </a:srgbClr>
               </a:solidFill>
@@ -7349,20 +7352,20 @@
           </p:nvSpPr>
           <p:spPr>
             <a:xfrm>
-              <a:off x="3632550" y="3246649"/>
-              <a:ext cx="49651" cy="49651"/>
-            </a:xfrm>
-            <a:prstGeom prst="ellipse">
-              <a:avLst/>
-            </a:prstGeom>
-            <a:solidFill>
-              <a:srgbClr val="F8766D">
-                <a:alpha val="100000"/>
-              </a:srgbClr>
-            </a:solidFill>
-            <a:ln w="9000" cap="rnd">
-              <a:solidFill>
-                <a:srgbClr val="F8766D">
+              <a:off x="3836670" y="2243567"/>
+              <a:ext cx="49651" cy="49651"/>
+            </a:xfrm>
+            <a:prstGeom prst="ellipse">
+              <a:avLst/>
+            </a:prstGeom>
+            <a:solidFill>
+              <a:srgbClr val="7F7F7F">
+                <a:alpha val="100000"/>
+              </a:srgbClr>
+            </a:solidFill>
+            <a:ln w="9000" cap="rnd">
+              <a:solidFill>
+                <a:srgbClr val="7F7F7F">
                   <a:alpha val="100000"/>
                 </a:srgbClr>
               </a:solidFill>
@@ -7384,20 +7387,20 @@
           </p:nvSpPr>
           <p:spPr>
             <a:xfrm>
-              <a:off x="3738424" y="2942098"/>
-              <a:ext cx="49651" cy="49651"/>
-            </a:xfrm>
-            <a:prstGeom prst="ellipse">
-              <a:avLst/>
-            </a:prstGeom>
-            <a:solidFill>
-              <a:srgbClr val="F8766D">
-                <a:alpha val="100000"/>
-              </a:srgbClr>
-            </a:solidFill>
-            <a:ln w="9000" cap="rnd">
-              <a:solidFill>
-                <a:srgbClr val="F8766D">
+              <a:off x="3905998" y="1866832"/>
+              <a:ext cx="49651" cy="49651"/>
+            </a:xfrm>
+            <a:prstGeom prst="ellipse">
+              <a:avLst/>
+            </a:prstGeom>
+            <a:solidFill>
+              <a:srgbClr val="7F7F7F">
+                <a:alpha val="100000"/>
+              </a:srgbClr>
+            </a:solidFill>
+            <a:ln w="9000" cap="rnd">
+              <a:solidFill>
+                <a:srgbClr val="7F7F7F">
                   <a:alpha val="100000"/>
                 </a:srgbClr>
               </a:solidFill>
@@ -7419,20 +7422,20 @@
           </p:nvSpPr>
           <p:spPr>
             <a:xfrm>
-              <a:off x="3809006" y="2629743"/>
-              <a:ext cx="49651" cy="49651"/>
-            </a:xfrm>
-            <a:prstGeom prst="ellipse">
-              <a:avLst/>
-            </a:prstGeom>
-            <a:solidFill>
-              <a:srgbClr val="F8766D">
-                <a:alpha val="100000"/>
-              </a:srgbClr>
-            </a:solidFill>
-            <a:ln w="9000" cap="rnd">
-              <a:solidFill>
-                <a:srgbClr val="F8766D">
+              <a:off x="3975326" y="1525708"/>
+              <a:ext cx="49651" cy="49651"/>
+            </a:xfrm>
+            <a:prstGeom prst="ellipse">
+              <a:avLst/>
+            </a:prstGeom>
+            <a:solidFill>
+              <a:srgbClr val="7F7F7F">
+                <a:alpha val="100000"/>
+              </a:srgbClr>
+            </a:solidFill>
+            <a:ln w="9000" cap="rnd">
+              <a:solidFill>
+                <a:srgbClr val="7F7F7F">
                   <a:alpha val="100000"/>
                 </a:srgbClr>
               </a:solidFill>
@@ -7454,20 +7457,20 @@
           </p:nvSpPr>
           <p:spPr>
             <a:xfrm>
-              <a:off x="3879589" y="2243567"/>
-              <a:ext cx="49651" cy="49651"/>
-            </a:xfrm>
-            <a:prstGeom prst="ellipse">
-              <a:avLst/>
-            </a:prstGeom>
-            <a:solidFill>
-              <a:srgbClr val="F8766D">
-                <a:alpha val="100000"/>
-              </a:srgbClr>
-            </a:solidFill>
-            <a:ln w="9000" cap="rnd">
-              <a:solidFill>
-                <a:srgbClr val="F8766D">
+              <a:off x="4044654" y="1263007"/>
+              <a:ext cx="49651" cy="49651"/>
+            </a:xfrm>
+            <a:prstGeom prst="ellipse">
+              <a:avLst/>
+            </a:prstGeom>
+            <a:solidFill>
+              <a:srgbClr val="7F7F7F">
+                <a:alpha val="100000"/>
+              </a:srgbClr>
+            </a:solidFill>
+            <a:ln w="9000" cap="rnd">
+              <a:solidFill>
+                <a:srgbClr val="7F7F7F">
                   <a:alpha val="100000"/>
                 </a:srgbClr>
               </a:solidFill>
@@ -7489,20 +7492,20 @@
           </p:nvSpPr>
           <p:spPr>
             <a:xfrm>
-              <a:off x="3950172" y="1866832"/>
-              <a:ext cx="49651" cy="49651"/>
-            </a:xfrm>
-            <a:prstGeom prst="ellipse">
-              <a:avLst/>
-            </a:prstGeom>
-            <a:solidFill>
-              <a:srgbClr val="F8766D">
-                <a:alpha val="100000"/>
-              </a:srgbClr>
-            </a:solidFill>
-            <a:ln w="9000" cap="rnd">
-              <a:solidFill>
-                <a:srgbClr val="F8766D">
+              <a:off x="4113982" y="1270783"/>
+              <a:ext cx="49651" cy="49651"/>
+            </a:xfrm>
+            <a:prstGeom prst="ellipse">
+              <a:avLst/>
+            </a:prstGeom>
+            <a:solidFill>
+              <a:srgbClr val="7F7F7F">
+                <a:alpha val="100000"/>
+              </a:srgbClr>
+            </a:solidFill>
+            <a:ln w="9000" cap="rnd">
+              <a:solidFill>
+                <a:srgbClr val="7F7F7F">
                   <a:alpha val="100000"/>
                 </a:srgbClr>
               </a:solidFill>
@@ -7524,20 +7527,20 @@
           </p:nvSpPr>
           <p:spPr>
             <a:xfrm>
-              <a:off x="4020755" y="1525708"/>
-              <a:ext cx="49651" cy="49651"/>
-            </a:xfrm>
-            <a:prstGeom prst="ellipse">
-              <a:avLst/>
-            </a:prstGeom>
-            <a:solidFill>
-              <a:srgbClr val="F8766D">
-                <a:alpha val="100000"/>
-              </a:srgbClr>
-            </a:solidFill>
-            <a:ln w="9000" cap="rnd">
-              <a:solidFill>
-                <a:srgbClr val="F8766D">
+              <a:off x="4183309" y="1520096"/>
+              <a:ext cx="49651" cy="49651"/>
+            </a:xfrm>
+            <a:prstGeom prst="ellipse">
+              <a:avLst/>
+            </a:prstGeom>
+            <a:solidFill>
+              <a:srgbClr val="7F7F7F">
+                <a:alpha val="100000"/>
+              </a:srgbClr>
+            </a:solidFill>
+            <a:ln w="9000" cap="rnd">
+              <a:solidFill>
+                <a:srgbClr val="7F7F7F">
                   <a:alpha val="100000"/>
                 </a:srgbClr>
               </a:solidFill>
@@ -7559,20 +7562,20 @@
           </p:nvSpPr>
           <p:spPr>
             <a:xfrm>
-              <a:off x="4091337" y="1263007"/>
-              <a:ext cx="49651" cy="49651"/>
-            </a:xfrm>
-            <a:prstGeom prst="ellipse">
-              <a:avLst/>
-            </a:prstGeom>
-            <a:solidFill>
-              <a:srgbClr val="F8766D">
-                <a:alpha val="100000"/>
-              </a:srgbClr>
-            </a:solidFill>
-            <a:ln w="9000" cap="rnd">
-              <a:solidFill>
-                <a:srgbClr val="F8766D">
+              <a:off x="4252637" y="1866912"/>
+              <a:ext cx="49651" cy="49651"/>
+            </a:xfrm>
+            <a:prstGeom prst="ellipse">
+              <a:avLst/>
+            </a:prstGeom>
+            <a:solidFill>
+              <a:srgbClr val="7F7F7F">
+                <a:alpha val="100000"/>
+              </a:srgbClr>
+            </a:solidFill>
+            <a:ln w="9000" cap="rnd">
+              <a:solidFill>
+                <a:srgbClr val="7F7F7F">
                   <a:alpha val="100000"/>
                 </a:srgbClr>
               </a:solidFill>
@@ -7594,20 +7597,20 @@
           </p:nvSpPr>
           <p:spPr>
             <a:xfrm>
-              <a:off x="4161920" y="1270783"/>
-              <a:ext cx="49651" cy="49651"/>
-            </a:xfrm>
-            <a:prstGeom prst="ellipse">
-              <a:avLst/>
-            </a:prstGeom>
-            <a:solidFill>
-              <a:srgbClr val="F8766D">
-                <a:alpha val="100000"/>
-              </a:srgbClr>
-            </a:solidFill>
-            <a:ln w="9000" cap="rnd">
-              <a:solidFill>
-                <a:srgbClr val="F8766D">
+              <a:off x="4321965" y="2215727"/>
+              <a:ext cx="49651" cy="49651"/>
+            </a:xfrm>
+            <a:prstGeom prst="ellipse">
+              <a:avLst/>
+            </a:prstGeom>
+            <a:solidFill>
+              <a:srgbClr val="7F7F7F">
+                <a:alpha val="100000"/>
+              </a:srgbClr>
+            </a:solidFill>
+            <a:ln w="9000" cap="rnd">
+              <a:solidFill>
+                <a:srgbClr val="7F7F7F">
                   <a:alpha val="100000"/>
                 </a:srgbClr>
               </a:solidFill>
@@ -7629,20 +7632,20 @@
           </p:nvSpPr>
           <p:spPr>
             <a:xfrm>
-              <a:off x="4232503" y="1520096"/>
-              <a:ext cx="49651" cy="49651"/>
-            </a:xfrm>
-            <a:prstGeom prst="ellipse">
-              <a:avLst/>
-            </a:prstGeom>
-            <a:solidFill>
-              <a:srgbClr val="F8766D">
-                <a:alpha val="100000"/>
-              </a:srgbClr>
-            </a:solidFill>
-            <a:ln w="9000" cap="rnd">
-              <a:solidFill>
-                <a:srgbClr val="F8766D">
+              <a:off x="4391293" y="2495014"/>
+              <a:ext cx="49651" cy="49651"/>
+            </a:xfrm>
+            <a:prstGeom prst="ellipse">
+              <a:avLst/>
+            </a:prstGeom>
+            <a:solidFill>
+              <a:srgbClr val="7F7F7F">
+                <a:alpha val="100000"/>
+              </a:srgbClr>
+            </a:solidFill>
+            <a:ln w="9000" cap="rnd">
+              <a:solidFill>
+                <a:srgbClr val="7F7F7F">
                   <a:alpha val="100000"/>
                 </a:srgbClr>
               </a:solidFill>
@@ -7664,20 +7667,20 @@
           </p:nvSpPr>
           <p:spPr>
             <a:xfrm>
-              <a:off x="4303086" y="1866912"/>
-              <a:ext cx="49651" cy="49651"/>
-            </a:xfrm>
-            <a:prstGeom prst="ellipse">
-              <a:avLst/>
-            </a:prstGeom>
-            <a:solidFill>
-              <a:srgbClr val="F8766D">
-                <a:alpha val="100000"/>
-              </a:srgbClr>
-            </a:solidFill>
-            <a:ln w="9000" cap="rnd">
-              <a:solidFill>
-                <a:srgbClr val="F8766D">
+              <a:off x="4460621" y="2698864"/>
+              <a:ext cx="49651" cy="49651"/>
+            </a:xfrm>
+            <a:prstGeom prst="ellipse">
+              <a:avLst/>
+            </a:prstGeom>
+            <a:solidFill>
+              <a:srgbClr val="7F7F7F">
+                <a:alpha val="100000"/>
+              </a:srgbClr>
+            </a:solidFill>
+            <a:ln w="9000" cap="rnd">
+              <a:solidFill>
+                <a:srgbClr val="7F7F7F">
                   <a:alpha val="100000"/>
                 </a:srgbClr>
               </a:solidFill>
@@ -7699,20 +7702,20 @@
           </p:nvSpPr>
           <p:spPr>
             <a:xfrm>
-              <a:off x="4373668" y="2215727"/>
-              <a:ext cx="49651" cy="49651"/>
-            </a:xfrm>
-            <a:prstGeom prst="ellipse">
-              <a:avLst/>
-            </a:prstGeom>
-            <a:solidFill>
-              <a:srgbClr val="F8766D">
-                <a:alpha val="100000"/>
-              </a:srgbClr>
-            </a:solidFill>
-            <a:ln w="9000" cap="rnd">
-              <a:solidFill>
-                <a:srgbClr val="F8766D">
+              <a:off x="4564612" y="2840518"/>
+              <a:ext cx="49651" cy="49651"/>
+            </a:xfrm>
+            <a:prstGeom prst="ellipse">
+              <a:avLst/>
+            </a:prstGeom>
+            <a:solidFill>
+              <a:srgbClr val="7F7F7F">
+                <a:alpha val="100000"/>
+              </a:srgbClr>
+            </a:solidFill>
+            <a:ln w="9000" cap="rnd">
+              <a:solidFill>
+                <a:srgbClr val="7F7F7F">
                   <a:alpha val="100000"/>
                 </a:srgbClr>
               </a:solidFill>
@@ -7734,20 +7737,20 @@
           </p:nvSpPr>
           <p:spPr>
             <a:xfrm>
-              <a:off x="4444251" y="2495014"/>
-              <a:ext cx="49651" cy="49651"/>
-            </a:xfrm>
-            <a:prstGeom prst="ellipse">
-              <a:avLst/>
-            </a:prstGeom>
-            <a:solidFill>
-              <a:srgbClr val="F8766D">
-                <a:alpha val="100000"/>
-              </a:srgbClr>
-            </a:solidFill>
-            <a:ln w="9000" cap="rnd">
-              <a:solidFill>
-                <a:srgbClr val="F8766D">
+              <a:off x="4668604" y="2779782"/>
+              <a:ext cx="49651" cy="49651"/>
+            </a:xfrm>
+            <a:prstGeom prst="ellipse">
+              <a:avLst/>
+            </a:prstGeom>
+            <a:solidFill>
+              <a:srgbClr val="7F7F7F">
+                <a:alpha val="100000"/>
+              </a:srgbClr>
+            </a:solidFill>
+            <a:ln w="9000" cap="rnd">
+              <a:solidFill>
+                <a:srgbClr val="7F7F7F">
                   <a:alpha val="100000"/>
                 </a:srgbClr>
               </a:solidFill>
@@ -7769,20 +7772,20 @@
           </p:nvSpPr>
           <p:spPr>
             <a:xfrm>
-              <a:off x="4514834" y="2698864"/>
-              <a:ext cx="49651" cy="49651"/>
-            </a:xfrm>
-            <a:prstGeom prst="ellipse">
-              <a:avLst/>
-            </a:prstGeom>
-            <a:solidFill>
-              <a:srgbClr val="F8766D">
-                <a:alpha val="100000"/>
-              </a:srgbClr>
-            </a:solidFill>
-            <a:ln w="9000" cap="rnd">
-              <a:solidFill>
-                <a:srgbClr val="F8766D">
+              <a:off x="4737932" y="2684512"/>
+              <a:ext cx="49651" cy="49651"/>
+            </a:xfrm>
+            <a:prstGeom prst="ellipse">
+              <a:avLst/>
+            </a:prstGeom>
+            <a:solidFill>
+              <a:srgbClr val="7F7F7F">
+                <a:alpha val="100000"/>
+              </a:srgbClr>
+            </a:solidFill>
+            <a:ln w="9000" cap="rnd">
+              <a:solidFill>
+                <a:srgbClr val="7F7F7F">
                   <a:alpha val="100000"/>
                 </a:srgbClr>
               </a:solidFill>
@@ -7804,20 +7807,20 @@
           </p:nvSpPr>
           <p:spPr>
             <a:xfrm>
-              <a:off x="4620708" y="2840518"/>
-              <a:ext cx="49651" cy="49651"/>
-            </a:xfrm>
-            <a:prstGeom prst="ellipse">
-              <a:avLst/>
-            </a:prstGeom>
-            <a:solidFill>
-              <a:srgbClr val="F8766D">
-                <a:alpha val="100000"/>
-              </a:srgbClr>
-            </a:solidFill>
-            <a:ln w="9000" cap="rnd">
-              <a:solidFill>
-                <a:srgbClr val="F8766D">
+              <a:off x="4807260" y="2594470"/>
+              <a:ext cx="49651" cy="49651"/>
+            </a:xfrm>
+            <a:prstGeom prst="ellipse">
+              <a:avLst/>
+            </a:prstGeom>
+            <a:solidFill>
+              <a:srgbClr val="7F7F7F">
+                <a:alpha val="100000"/>
+              </a:srgbClr>
+            </a:solidFill>
+            <a:ln w="9000" cap="rnd">
+              <a:solidFill>
+                <a:srgbClr val="7F7F7F">
                   <a:alpha val="100000"/>
                 </a:srgbClr>
               </a:solidFill>
@@ -7839,20 +7842,20 @@
           </p:nvSpPr>
           <p:spPr>
             <a:xfrm>
-              <a:off x="4726582" y="2779782"/>
-              <a:ext cx="49651" cy="49651"/>
-            </a:xfrm>
-            <a:prstGeom prst="ellipse">
-              <a:avLst/>
-            </a:prstGeom>
-            <a:solidFill>
-              <a:srgbClr val="F8766D">
-                <a:alpha val="100000"/>
-              </a:srgbClr>
-            </a:solidFill>
-            <a:ln w="9000" cap="rnd">
-              <a:solidFill>
-                <a:srgbClr val="F8766D">
+              <a:off x="4876587" y="2552698"/>
+              <a:ext cx="49651" cy="49651"/>
+            </a:xfrm>
+            <a:prstGeom prst="ellipse">
+              <a:avLst/>
+            </a:prstGeom>
+            <a:solidFill>
+              <a:srgbClr val="7F7F7F">
+                <a:alpha val="100000"/>
+              </a:srgbClr>
+            </a:solidFill>
+            <a:ln w="9000" cap="rnd">
+              <a:solidFill>
+                <a:srgbClr val="7F7F7F">
                   <a:alpha val="100000"/>
                 </a:srgbClr>
               </a:solidFill>
@@ -7874,20 +7877,20 @@
           </p:nvSpPr>
           <p:spPr>
             <a:xfrm>
-              <a:off x="4797165" y="2684512"/>
-              <a:ext cx="49651" cy="49651"/>
-            </a:xfrm>
-            <a:prstGeom prst="ellipse">
-              <a:avLst/>
-            </a:prstGeom>
-            <a:solidFill>
-              <a:srgbClr val="F8766D">
-                <a:alpha val="100000"/>
-              </a:srgbClr>
-            </a:solidFill>
-            <a:ln w="9000" cap="rnd">
-              <a:solidFill>
-                <a:srgbClr val="F8766D">
+              <a:off x="4945915" y="2668368"/>
+              <a:ext cx="49651" cy="49651"/>
+            </a:xfrm>
+            <a:prstGeom prst="ellipse">
+              <a:avLst/>
+            </a:prstGeom>
+            <a:solidFill>
+              <a:srgbClr val="7F7F7F">
+                <a:alpha val="100000"/>
+              </a:srgbClr>
+            </a:solidFill>
+            <a:ln w="9000" cap="rnd">
+              <a:solidFill>
+                <a:srgbClr val="7F7F7F">
                   <a:alpha val="100000"/>
                 </a:srgbClr>
               </a:solidFill>
@@ -7909,20 +7912,20 @@
           </p:nvSpPr>
           <p:spPr>
             <a:xfrm>
-              <a:off x="4867747" y="2594470"/>
-              <a:ext cx="49651" cy="49651"/>
-            </a:xfrm>
-            <a:prstGeom prst="ellipse">
-              <a:avLst/>
-            </a:prstGeom>
-            <a:solidFill>
-              <a:srgbClr val="F8766D">
-                <a:alpha val="100000"/>
-              </a:srgbClr>
-            </a:solidFill>
-            <a:ln w="9000" cap="rnd">
-              <a:solidFill>
-                <a:srgbClr val="F8766D">
+              <a:off x="5015243" y="2892471"/>
+              <a:ext cx="49651" cy="49651"/>
+            </a:xfrm>
+            <a:prstGeom prst="ellipse">
+              <a:avLst/>
+            </a:prstGeom>
+            <a:solidFill>
+              <a:srgbClr val="7F7F7F">
+                <a:alpha val="100000"/>
+              </a:srgbClr>
+            </a:solidFill>
+            <a:ln w="9000" cap="rnd">
+              <a:solidFill>
+                <a:srgbClr val="7F7F7F">
                   <a:alpha val="100000"/>
                 </a:srgbClr>
               </a:solidFill>
@@ -7944,20 +7947,20 @@
           </p:nvSpPr>
           <p:spPr>
             <a:xfrm>
-              <a:off x="4938330" y="2552698"/>
-              <a:ext cx="49651" cy="49651"/>
-            </a:xfrm>
-            <a:prstGeom prst="ellipse">
-              <a:avLst/>
-            </a:prstGeom>
-            <a:solidFill>
-              <a:srgbClr val="F8766D">
-                <a:alpha val="100000"/>
-              </a:srgbClr>
-            </a:solidFill>
-            <a:ln w="9000" cap="rnd">
-              <a:solidFill>
-                <a:srgbClr val="F8766D">
+              <a:off x="5084571" y="3163483"/>
+              <a:ext cx="49651" cy="49651"/>
+            </a:xfrm>
+            <a:prstGeom prst="ellipse">
+              <a:avLst/>
+            </a:prstGeom>
+            <a:solidFill>
+              <a:srgbClr val="7F7F7F">
+                <a:alpha val="100000"/>
+              </a:srgbClr>
+            </a:solidFill>
+            <a:ln w="9000" cap="rnd">
+              <a:solidFill>
+                <a:srgbClr val="7F7F7F">
                   <a:alpha val="100000"/>
                 </a:srgbClr>
               </a:solidFill>
@@ -7979,141 +7982,36 @@
           </p:nvSpPr>
           <p:spPr>
             <a:xfrm>
-              <a:off x="5008913" y="2668368"/>
-              <a:ext cx="49651" cy="49651"/>
-            </a:xfrm>
-            <a:prstGeom prst="ellipse">
-              <a:avLst/>
-            </a:prstGeom>
-            <a:solidFill>
-              <a:srgbClr val="F8766D">
-                <a:alpha val="100000"/>
-              </a:srgbClr>
-            </a:solidFill>
-            <a:ln w="9000" cap="rnd">
-              <a:solidFill>
-                <a:srgbClr val="F8766D">
-                  <a:alpha val="100000"/>
-                </a:srgbClr>
-              </a:solidFill>
-              <a:prstDash val="solid"/>
-              <a:round/>
-            </a:ln>
-          </p:spPr>
-          <p:txBody>
-            <a:bodyPr/>
-            <a:lstStyle/>
-            <a:p/>
-          </p:txBody>
-        </p:sp>
-        <p:sp>
-          <p:nvSpPr>
-            <p:cNvPr id="151" name="pt150"/>
-            <p:cNvSpPr/>
-            <p:nvPr/>
-          </p:nvSpPr>
-          <p:spPr>
-            <a:xfrm>
-              <a:off x="5079495" y="2892471"/>
-              <a:ext cx="49651" cy="49651"/>
-            </a:xfrm>
-            <a:prstGeom prst="ellipse">
-              <a:avLst/>
-            </a:prstGeom>
-            <a:solidFill>
-              <a:srgbClr val="F8766D">
-                <a:alpha val="100000"/>
-              </a:srgbClr>
-            </a:solidFill>
-            <a:ln w="9000" cap="rnd">
-              <a:solidFill>
-                <a:srgbClr val="F8766D">
-                  <a:alpha val="100000"/>
-                </a:srgbClr>
-              </a:solidFill>
-              <a:prstDash val="solid"/>
-              <a:round/>
-            </a:ln>
-          </p:spPr>
-          <p:txBody>
-            <a:bodyPr/>
-            <a:lstStyle/>
-            <a:p/>
-          </p:txBody>
-        </p:sp>
-        <p:sp>
-          <p:nvSpPr>
-            <p:cNvPr id="152" name="pt151"/>
-            <p:cNvSpPr/>
-            <p:nvPr/>
-          </p:nvSpPr>
-          <p:spPr>
-            <a:xfrm>
-              <a:off x="5150078" y="3163483"/>
-              <a:ext cx="49651" cy="49651"/>
-            </a:xfrm>
-            <a:prstGeom prst="ellipse">
-              <a:avLst/>
-            </a:prstGeom>
-            <a:solidFill>
-              <a:srgbClr val="F8766D">
-                <a:alpha val="100000"/>
-              </a:srgbClr>
-            </a:solidFill>
-            <a:ln w="9000" cap="rnd">
-              <a:solidFill>
-                <a:srgbClr val="F8766D">
-                  <a:alpha val="100000"/>
-                </a:srgbClr>
-              </a:solidFill>
-              <a:prstDash val="solid"/>
-              <a:round/>
-            </a:ln>
-          </p:spPr>
-          <p:txBody>
-            <a:bodyPr/>
-            <a:lstStyle/>
-            <a:p/>
-          </p:txBody>
-        </p:sp>
-        <p:sp>
-          <p:nvSpPr>
-            <p:cNvPr id="153" name="pt152"/>
-            <p:cNvSpPr/>
-            <p:nvPr/>
-          </p:nvSpPr>
-          <p:spPr>
-            <a:xfrm>
-              <a:off x="5326535" y="3701184"/>
-              <a:ext cx="49651" cy="49651"/>
-            </a:xfrm>
-            <a:prstGeom prst="ellipse">
-              <a:avLst/>
-            </a:prstGeom>
-            <a:solidFill>
-              <a:srgbClr val="F8766D">
-                <a:alpha val="100000"/>
-              </a:srgbClr>
-            </a:solidFill>
-            <a:ln w="9000" cap="rnd">
-              <a:solidFill>
-                <a:srgbClr val="F8766D">
-                  <a:alpha val="100000"/>
-                </a:srgbClr>
-              </a:solidFill>
-              <a:prstDash val="solid"/>
-              <a:round/>
-            </a:ln>
-          </p:spPr>
-          <p:txBody>
-            <a:bodyPr/>
-            <a:lstStyle/>
-            <a:p/>
-          </p:txBody>
-        </p:sp>
-        <p:sp>
-          <p:nvSpPr>
-            <p:cNvPr id="154" name="tx153"/>
+              <a:off x="5257890" y="3701184"/>
+              <a:ext cx="49651" cy="49651"/>
+            </a:xfrm>
+            <a:prstGeom prst="ellipse">
+              <a:avLst/>
+            </a:prstGeom>
+            <a:solidFill>
+              <a:srgbClr val="7F7F7F">
+                <a:alpha val="100000"/>
+              </a:srgbClr>
+            </a:solidFill>
+            <a:ln w="9000" cap="rnd">
+              <a:solidFill>
+                <a:srgbClr val="7F7F7F">
+                  <a:alpha val="100000"/>
+                </a:srgbClr>
+              </a:solidFill>
+              <a:prstDash val="solid"/>
+              <a:round/>
+            </a:ln>
+          </p:spPr>
+          <p:txBody>
+            <a:bodyPr/>
+            <a:lstStyle/>
+            <a:p/>
+          </p:txBody>
+        </p:sp>
+        <p:sp>
+          <p:nvSpPr>
+            <p:cNvPr id="151" name="tx150"/>
             <p:cNvSpPr/>
             <p:nvPr/>
           </p:nvSpPr>
@@ -8159,7 +8057,7 @@
         </p:sp>
         <p:sp>
           <p:nvSpPr>
-            <p:cNvPr id="155" name="tx154"/>
+            <p:cNvPr id="152" name="tx151"/>
             <p:cNvSpPr/>
             <p:nvPr/>
           </p:nvSpPr>
@@ -8205,7 +8103,7 @@
         </p:sp>
         <p:sp>
           <p:nvSpPr>
-            <p:cNvPr id="156" name="tx155"/>
+            <p:cNvPr id="153" name="tx152"/>
             <p:cNvSpPr/>
             <p:nvPr/>
           </p:nvSpPr>
@@ -8251,7 +8149,7 @@
         </p:sp>
         <p:sp>
           <p:nvSpPr>
-            <p:cNvPr id="157" name="tx156"/>
+            <p:cNvPr id="154" name="tx153"/>
             <p:cNvSpPr/>
             <p:nvPr/>
           </p:nvSpPr>
@@ -8297,7 +8195,7 @@
         </p:sp>
         <p:sp>
           <p:nvSpPr>
-            <p:cNvPr id="158" name="tx157"/>
+            <p:cNvPr id="155" name="tx154"/>
             <p:cNvSpPr/>
             <p:nvPr/>
           </p:nvSpPr>
@@ -8343,7 +8241,7 @@
         </p:sp>
         <p:sp>
           <p:nvSpPr>
-            <p:cNvPr id="159" name="tx158"/>
+            <p:cNvPr id="156" name="tx155"/>
             <p:cNvSpPr/>
             <p:nvPr/>
           </p:nvSpPr>
@@ -8389,7 +8287,7 @@
         </p:sp>
         <p:sp>
           <p:nvSpPr>
-            <p:cNvPr id="160" name="tx159"/>
+            <p:cNvPr id="157" name="tx156"/>
             <p:cNvSpPr/>
             <p:nvPr/>
           </p:nvSpPr>
@@ -8435,7 +8333,7 @@
         </p:sp>
         <p:sp>
           <p:nvSpPr>
-            <p:cNvPr id="161" name="pl160"/>
+            <p:cNvPr id="158" name="pl157"/>
             <p:cNvSpPr/>
             <p:nvPr/>
           </p:nvSpPr>
@@ -8475,7 +8373,7 @@
         </p:sp>
         <p:sp>
           <p:nvSpPr>
-            <p:cNvPr id="162" name="pl161"/>
+            <p:cNvPr id="159" name="pl158"/>
             <p:cNvSpPr/>
             <p:nvPr/>
           </p:nvSpPr>
@@ -8515,7 +8413,7 @@
         </p:sp>
         <p:sp>
           <p:nvSpPr>
-            <p:cNvPr id="163" name="pl162"/>
+            <p:cNvPr id="160" name="pl159"/>
             <p:cNvSpPr/>
             <p:nvPr/>
           </p:nvSpPr>
@@ -8555,7 +8453,7 @@
         </p:sp>
         <p:sp>
           <p:nvSpPr>
-            <p:cNvPr id="164" name="pl163"/>
+            <p:cNvPr id="161" name="pl160"/>
             <p:cNvSpPr/>
             <p:nvPr/>
           </p:nvSpPr>
@@ -8595,7 +8493,7 @@
         </p:sp>
         <p:sp>
           <p:nvSpPr>
-            <p:cNvPr id="165" name="pl164"/>
+            <p:cNvPr id="162" name="pl161"/>
             <p:cNvSpPr/>
             <p:nvPr/>
           </p:nvSpPr>
@@ -8635,7 +8533,7 @@
         </p:sp>
         <p:sp>
           <p:nvSpPr>
-            <p:cNvPr id="166" name="pl165"/>
+            <p:cNvPr id="163" name="pl162"/>
             <p:cNvSpPr/>
             <p:nvPr/>
           </p:nvSpPr>
@@ -8675,7 +8573,7 @@
         </p:sp>
         <p:sp>
           <p:nvSpPr>
-            <p:cNvPr id="167" name="pl166"/>
+            <p:cNvPr id="164" name="pl163"/>
             <p:cNvSpPr/>
             <p:nvPr/>
           </p:nvSpPr>
@@ -8715,13 +8613,13 @@
         </p:sp>
         <p:sp>
           <p:nvSpPr>
-            <p:cNvPr id="168" name="pl167"/>
-            <p:cNvSpPr/>
-            <p:nvPr/>
-          </p:nvSpPr>
-          <p:spPr>
-            <a:xfrm>
-              <a:off x="1681059" y="4172066"/>
+            <p:cNvPr id="165" name="pl164"/>
+            <p:cNvSpPr/>
+            <p:nvPr/>
+          </p:nvSpPr>
+          <p:spPr>
+            <a:xfrm>
+              <a:off x="1677671" y="4172066"/>
               <a:ext cx="0" cy="34794"/>
             </a:xfrm>
             <a:custGeom>
@@ -8755,13 +8653,13 @@
         </p:sp>
         <p:sp>
           <p:nvSpPr>
-            <p:cNvPr id="169" name="pl168"/>
-            <p:cNvSpPr/>
-            <p:nvPr/>
-          </p:nvSpPr>
-          <p:spPr>
-            <a:xfrm>
-              <a:off x="2033973" y="4172066"/>
+            <p:cNvPr id="166" name="pl165"/>
+            <p:cNvSpPr/>
+            <p:nvPr/>
+          </p:nvSpPr>
+          <p:spPr>
+            <a:xfrm>
+              <a:off x="2024310" y="4172066"/>
               <a:ext cx="0" cy="34794"/>
             </a:xfrm>
             <a:custGeom>
@@ -8795,13 +8693,13 @@
         </p:sp>
         <p:sp>
           <p:nvSpPr>
-            <p:cNvPr id="170" name="pl169"/>
-            <p:cNvSpPr/>
-            <p:nvPr/>
-          </p:nvSpPr>
-          <p:spPr>
-            <a:xfrm>
-              <a:off x="2386887" y="4172066"/>
+            <p:cNvPr id="167" name="pl166"/>
+            <p:cNvSpPr/>
+            <p:nvPr/>
+          </p:nvSpPr>
+          <p:spPr>
+            <a:xfrm>
+              <a:off x="2370949" y="4172066"/>
               <a:ext cx="0" cy="34794"/>
             </a:xfrm>
             <a:custGeom>
@@ -8835,13 +8733,13 @@
         </p:sp>
         <p:sp>
           <p:nvSpPr>
-            <p:cNvPr id="171" name="pl170"/>
-            <p:cNvSpPr/>
-            <p:nvPr/>
-          </p:nvSpPr>
-          <p:spPr>
-            <a:xfrm>
-              <a:off x="2739800" y="4172066"/>
+            <p:cNvPr id="168" name="pl167"/>
+            <p:cNvSpPr/>
+            <p:nvPr/>
+          </p:nvSpPr>
+          <p:spPr>
+            <a:xfrm>
+              <a:off x="2717588" y="4172066"/>
               <a:ext cx="0" cy="34794"/>
             </a:xfrm>
             <a:custGeom>
@@ -8875,13 +8773,13 @@
         </p:sp>
         <p:sp>
           <p:nvSpPr>
-            <p:cNvPr id="172" name="pl171"/>
-            <p:cNvSpPr/>
-            <p:nvPr/>
-          </p:nvSpPr>
-          <p:spPr>
-            <a:xfrm>
-              <a:off x="3092714" y="4172066"/>
+            <p:cNvPr id="169" name="pl168"/>
+            <p:cNvSpPr/>
+            <p:nvPr/>
+          </p:nvSpPr>
+          <p:spPr>
+            <a:xfrm>
+              <a:off x="3064227" y="4172066"/>
               <a:ext cx="0" cy="34794"/>
             </a:xfrm>
             <a:custGeom>
@@ -8915,13 +8813,13 @@
         </p:sp>
         <p:sp>
           <p:nvSpPr>
-            <p:cNvPr id="173" name="pl172"/>
-            <p:cNvSpPr/>
-            <p:nvPr/>
-          </p:nvSpPr>
-          <p:spPr>
-            <a:xfrm>
-              <a:off x="3445627" y="4172066"/>
+            <p:cNvPr id="170" name="pl169"/>
+            <p:cNvSpPr/>
+            <p:nvPr/>
+          </p:nvSpPr>
+          <p:spPr>
+            <a:xfrm>
+              <a:off x="3410866" y="4172066"/>
               <a:ext cx="0" cy="34794"/>
             </a:xfrm>
             <a:custGeom>
@@ -8955,13 +8853,13 @@
         </p:sp>
         <p:sp>
           <p:nvSpPr>
-            <p:cNvPr id="174" name="pl173"/>
-            <p:cNvSpPr/>
-            <p:nvPr/>
-          </p:nvSpPr>
-          <p:spPr>
-            <a:xfrm>
-              <a:off x="3798541" y="4172066"/>
+            <p:cNvPr id="171" name="pl170"/>
+            <p:cNvSpPr/>
+            <p:nvPr/>
+          </p:nvSpPr>
+          <p:spPr>
+            <a:xfrm>
+              <a:off x="3757505" y="4172066"/>
               <a:ext cx="0" cy="34794"/>
             </a:xfrm>
             <a:custGeom>
@@ -8995,13 +8893,13 @@
         </p:sp>
         <p:sp>
           <p:nvSpPr>
-            <p:cNvPr id="175" name="pl174"/>
-            <p:cNvSpPr/>
-            <p:nvPr/>
-          </p:nvSpPr>
-          <p:spPr>
-            <a:xfrm>
-              <a:off x="4151455" y="4172066"/>
+            <p:cNvPr id="172" name="pl171"/>
+            <p:cNvSpPr/>
+            <p:nvPr/>
+          </p:nvSpPr>
+          <p:spPr>
+            <a:xfrm>
+              <a:off x="4104144" y="4172066"/>
               <a:ext cx="0" cy="34794"/>
             </a:xfrm>
             <a:custGeom>
@@ -9035,13 +8933,13 @@
         </p:sp>
         <p:sp>
           <p:nvSpPr>
-            <p:cNvPr id="176" name="pl175"/>
-            <p:cNvSpPr/>
-            <p:nvPr/>
-          </p:nvSpPr>
-          <p:spPr>
-            <a:xfrm>
-              <a:off x="4504368" y="4172066"/>
+            <p:cNvPr id="173" name="pl172"/>
+            <p:cNvSpPr/>
+            <p:nvPr/>
+          </p:nvSpPr>
+          <p:spPr>
+            <a:xfrm>
+              <a:off x="4450783" y="4172066"/>
               <a:ext cx="0" cy="34794"/>
             </a:xfrm>
             <a:custGeom>
@@ -9075,13 +8973,13 @@
         </p:sp>
         <p:sp>
           <p:nvSpPr>
-            <p:cNvPr id="177" name="pl176"/>
-            <p:cNvSpPr/>
-            <p:nvPr/>
-          </p:nvSpPr>
-          <p:spPr>
-            <a:xfrm>
-              <a:off x="4857282" y="4172066"/>
+            <p:cNvPr id="174" name="pl173"/>
+            <p:cNvSpPr/>
+            <p:nvPr/>
+          </p:nvSpPr>
+          <p:spPr>
+            <a:xfrm>
+              <a:off x="4797422" y="4172066"/>
               <a:ext cx="0" cy="34794"/>
             </a:xfrm>
             <a:custGeom>
@@ -9115,13 +9013,13 @@
         </p:sp>
         <p:sp>
           <p:nvSpPr>
-            <p:cNvPr id="178" name="pl177"/>
-            <p:cNvSpPr/>
-            <p:nvPr/>
-          </p:nvSpPr>
-          <p:spPr>
-            <a:xfrm>
-              <a:off x="5210196" y="4172066"/>
+            <p:cNvPr id="175" name="pl174"/>
+            <p:cNvSpPr/>
+            <p:nvPr/>
+          </p:nvSpPr>
+          <p:spPr>
+            <a:xfrm>
+              <a:off x="5144061" y="4172066"/>
               <a:ext cx="0" cy="34794"/>
             </a:xfrm>
             <a:custGeom>
@@ -9155,13 +9053,13 @@
         </p:sp>
         <p:sp>
           <p:nvSpPr>
-            <p:cNvPr id="179" name="pl178"/>
-            <p:cNvSpPr/>
-            <p:nvPr/>
-          </p:nvSpPr>
-          <p:spPr>
-            <a:xfrm>
-              <a:off x="5563109" y="4172066"/>
+            <p:cNvPr id="176" name="pl175"/>
+            <p:cNvSpPr/>
+            <p:nvPr/>
+          </p:nvSpPr>
+          <p:spPr>
+            <a:xfrm>
+              <a:off x="5490699" y="4172066"/>
               <a:ext cx="0" cy="34794"/>
             </a:xfrm>
             <a:custGeom>
@@ -9195,13 +9093,13 @@
         </p:sp>
         <p:sp>
           <p:nvSpPr>
-            <p:cNvPr id="180" name="tx179"/>
-            <p:cNvSpPr/>
-            <p:nvPr/>
-          </p:nvSpPr>
-          <p:spPr>
-            <a:xfrm>
-              <a:off x="1649981" y="4233005"/>
+            <p:cNvPr id="177" name="tx176"/>
+            <p:cNvSpPr/>
+            <p:nvPr/>
+          </p:nvSpPr>
+          <p:spPr>
+            <a:xfrm>
+              <a:off x="1646593" y="4233005"/>
               <a:ext cx="62155" cy="81691"/>
             </a:xfrm>
             <a:prstGeom prst="rect">
@@ -9241,13 +9139,13 @@
         </p:sp>
         <p:sp>
           <p:nvSpPr>
-            <p:cNvPr id="181" name="tx180"/>
-            <p:cNvSpPr/>
-            <p:nvPr/>
-          </p:nvSpPr>
-          <p:spPr>
-            <a:xfrm>
-              <a:off x="2002895" y="4234423"/>
+            <p:cNvPr id="178" name="tx177"/>
+            <p:cNvSpPr/>
+            <p:nvPr/>
+          </p:nvSpPr>
+          <p:spPr>
+            <a:xfrm>
+              <a:off x="1993232" y="4234423"/>
               <a:ext cx="62155" cy="80272"/>
             </a:xfrm>
             <a:prstGeom prst="rect">
@@ -9287,13 +9185,13 @@
         </p:sp>
         <p:sp>
           <p:nvSpPr>
-            <p:cNvPr id="182" name="tx181"/>
-            <p:cNvSpPr/>
-            <p:nvPr/>
-          </p:nvSpPr>
-          <p:spPr>
-            <a:xfrm>
-              <a:off x="2324731" y="4233005"/>
+            <p:cNvPr id="179" name="tx178"/>
+            <p:cNvSpPr/>
+            <p:nvPr/>
+          </p:nvSpPr>
+          <p:spPr>
+            <a:xfrm>
+              <a:off x="2308793" y="4233005"/>
               <a:ext cx="124311" cy="81691"/>
             </a:xfrm>
             <a:prstGeom prst="rect">
@@ -9333,13 +9231,13 @@
         </p:sp>
         <p:sp>
           <p:nvSpPr>
-            <p:cNvPr id="183" name="tx182"/>
-            <p:cNvSpPr/>
-            <p:nvPr/>
-          </p:nvSpPr>
-          <p:spPr>
-            <a:xfrm>
-              <a:off x="2677645" y="4233005"/>
+            <p:cNvPr id="180" name="tx179"/>
+            <p:cNvSpPr/>
+            <p:nvPr/>
+          </p:nvSpPr>
+          <p:spPr>
+            <a:xfrm>
+              <a:off x="2655432" y="4233005"/>
               <a:ext cx="124311" cy="81691"/>
             </a:xfrm>
             <a:prstGeom prst="rect">
@@ -9379,13 +9277,13 @@
         </p:sp>
         <p:sp>
           <p:nvSpPr>
-            <p:cNvPr id="184" name="tx183"/>
-            <p:cNvSpPr/>
-            <p:nvPr/>
-          </p:nvSpPr>
-          <p:spPr>
-            <a:xfrm>
-              <a:off x="3030558" y="4233005"/>
+            <p:cNvPr id="181" name="tx180"/>
+            <p:cNvSpPr/>
+            <p:nvPr/>
+          </p:nvSpPr>
+          <p:spPr>
+            <a:xfrm>
+              <a:off x="3002071" y="4233005"/>
               <a:ext cx="124311" cy="81691"/>
             </a:xfrm>
             <a:prstGeom prst="rect">
@@ -9425,13 +9323,13 @@
         </p:sp>
         <p:sp>
           <p:nvSpPr>
-            <p:cNvPr id="185" name="tx184"/>
-            <p:cNvSpPr/>
-            <p:nvPr/>
-          </p:nvSpPr>
-          <p:spPr>
-            <a:xfrm>
-              <a:off x="3383472" y="4233005"/>
+            <p:cNvPr id="182" name="tx181"/>
+            <p:cNvSpPr/>
+            <p:nvPr/>
+          </p:nvSpPr>
+          <p:spPr>
+            <a:xfrm>
+              <a:off x="3348710" y="4233005"/>
               <a:ext cx="124311" cy="81691"/>
             </a:xfrm>
             <a:prstGeom prst="rect">
@@ -9471,13 +9369,13 @@
         </p:sp>
         <p:sp>
           <p:nvSpPr>
-            <p:cNvPr id="186" name="tx185"/>
-            <p:cNvSpPr/>
-            <p:nvPr/>
-          </p:nvSpPr>
-          <p:spPr>
-            <a:xfrm>
-              <a:off x="3736385" y="4232950"/>
+            <p:cNvPr id="183" name="tx182"/>
+            <p:cNvSpPr/>
+            <p:nvPr/>
+          </p:nvSpPr>
+          <p:spPr>
+            <a:xfrm>
+              <a:off x="3695349" y="4232950"/>
               <a:ext cx="124311" cy="81746"/>
             </a:xfrm>
             <a:prstGeom prst="rect">
@@ -9517,13 +9415,13 @@
         </p:sp>
         <p:sp>
           <p:nvSpPr>
-            <p:cNvPr id="187" name="tx186"/>
-            <p:cNvSpPr/>
-            <p:nvPr/>
-          </p:nvSpPr>
-          <p:spPr>
-            <a:xfrm>
-              <a:off x="4089299" y="4232950"/>
+            <p:cNvPr id="184" name="tx183"/>
+            <p:cNvSpPr/>
+            <p:nvPr/>
+          </p:nvSpPr>
+          <p:spPr>
+            <a:xfrm>
+              <a:off x="4041988" y="4232950"/>
               <a:ext cx="124311" cy="81746"/>
             </a:xfrm>
             <a:prstGeom prst="rect">
@@ -9563,13 +9461,13 @@
         </p:sp>
         <p:sp>
           <p:nvSpPr>
-            <p:cNvPr id="188" name="tx187"/>
-            <p:cNvSpPr/>
-            <p:nvPr/>
-          </p:nvSpPr>
-          <p:spPr>
-            <a:xfrm>
-              <a:off x="4442213" y="4233005"/>
+            <p:cNvPr id="185" name="tx184"/>
+            <p:cNvSpPr/>
+            <p:nvPr/>
+          </p:nvSpPr>
+          <p:spPr>
+            <a:xfrm>
+              <a:off x="4388627" y="4233005"/>
               <a:ext cx="124311" cy="81691"/>
             </a:xfrm>
             <a:prstGeom prst="rect">
@@ -9609,13 +9507,13 @@
         </p:sp>
         <p:sp>
           <p:nvSpPr>
-            <p:cNvPr id="189" name="tx188"/>
-            <p:cNvSpPr/>
-            <p:nvPr/>
-          </p:nvSpPr>
-          <p:spPr>
-            <a:xfrm>
-              <a:off x="4795126" y="4233332"/>
+            <p:cNvPr id="186" name="tx185"/>
+            <p:cNvSpPr/>
+            <p:nvPr/>
+          </p:nvSpPr>
+          <p:spPr>
+            <a:xfrm>
+              <a:off x="4735266" y="4233332"/>
               <a:ext cx="124311" cy="81364"/>
             </a:xfrm>
             <a:prstGeom prst="rect">
@@ -9655,13 +9553,13 @@
         </p:sp>
         <p:sp>
           <p:nvSpPr>
-            <p:cNvPr id="190" name="tx189"/>
-            <p:cNvSpPr/>
-            <p:nvPr/>
-          </p:nvSpPr>
-          <p:spPr>
-            <a:xfrm>
-              <a:off x="5148040" y="4233005"/>
+            <p:cNvPr id="187" name="tx186"/>
+            <p:cNvSpPr/>
+            <p:nvPr/>
+          </p:nvSpPr>
+          <p:spPr>
+            <a:xfrm>
+              <a:off x="5081905" y="4233005"/>
               <a:ext cx="124311" cy="81691"/>
             </a:xfrm>
             <a:prstGeom prst="rect">
@@ -9701,13 +9599,13 @@
         </p:sp>
         <p:sp>
           <p:nvSpPr>
-            <p:cNvPr id="191" name="tx190"/>
-            <p:cNvSpPr/>
-            <p:nvPr/>
-          </p:nvSpPr>
-          <p:spPr>
-            <a:xfrm>
-              <a:off x="5500954" y="4234423"/>
+            <p:cNvPr id="188" name="tx187"/>
+            <p:cNvSpPr/>
+            <p:nvPr/>
+          </p:nvSpPr>
+          <p:spPr>
+            <a:xfrm>
+              <a:off x="5428544" y="4234423"/>
               <a:ext cx="124311" cy="80272"/>
             </a:xfrm>
             <a:prstGeom prst="rect">
@@ -9747,13 +9645,13 @@
         </p:sp>
         <p:sp>
           <p:nvSpPr>
-            <p:cNvPr id="192" name="tx191"/>
-            <p:cNvSpPr/>
-            <p:nvPr/>
-          </p:nvSpPr>
-          <p:spPr>
-            <a:xfrm>
-              <a:off x="2934507" y="4341906"/>
+            <p:cNvPr id="189" name="tx188"/>
+            <p:cNvSpPr/>
+            <p:nvPr/>
+          </p:nvSpPr>
+          <p:spPr>
+            <a:xfrm>
+              <a:off x="2897236" y="4341906"/>
               <a:ext cx="1304571" cy="131105"/>
             </a:xfrm>
             <a:prstGeom prst="rect">
@@ -9793,7 +9691,7 @@
         </p:sp>
         <p:sp>
           <p:nvSpPr>
-            <p:cNvPr id="193" name="tx192"/>
+            <p:cNvPr id="190" name="tx189"/>
             <p:cNvSpPr/>
             <p:nvPr/>
           </p:nvSpPr>
@@ -9839,14 +9737,14 @@
         </p:sp>
         <p:sp>
           <p:nvSpPr>
-            <p:cNvPr id="194" name="rc193"/>
-            <p:cNvSpPr/>
-            <p:nvPr/>
-          </p:nvSpPr>
-          <p:spPr>
-            <a:xfrm>
-              <a:off x="5822278" y="1970032"/>
-              <a:ext cx="508932" cy="1215990"/>
+            <p:cNvPr id="191" name="rc190"/>
+            <p:cNvSpPr/>
+            <p:nvPr/>
+          </p:nvSpPr>
+          <p:spPr>
+            <a:xfrm>
+              <a:off x="5747735" y="2299216"/>
+              <a:ext cx="583475" cy="557622"/>
             </a:xfrm>
             <a:prstGeom prst="rect">
               <a:avLst/>
@@ -9865,13 +9763,13 @@
         </p:sp>
         <p:sp>
           <p:nvSpPr>
-            <p:cNvPr id="195" name="tx194"/>
-            <p:cNvSpPr/>
-            <p:nvPr/>
-          </p:nvSpPr>
-          <p:spPr>
-            <a:xfrm>
-              <a:off x="5891867" y="2053366"/>
+            <p:cNvPr id="192" name="tx191"/>
+            <p:cNvSpPr/>
+            <p:nvPr/>
+          </p:nvSpPr>
+          <p:spPr>
+            <a:xfrm>
+              <a:off x="5817324" y="2382550"/>
               <a:ext cx="349181" cy="100955"/>
             </a:xfrm>
             <a:prstGeom prst="rect">
@@ -9911,13 +9809,13 @@
         </p:sp>
         <p:sp>
           <p:nvSpPr>
-            <p:cNvPr id="196" name="rc195"/>
-            <p:cNvSpPr/>
-            <p:nvPr/>
-          </p:nvSpPr>
-          <p:spPr>
-            <a:xfrm>
-              <a:off x="5891867" y="2238610"/>
+            <p:cNvPr id="193" name="rc192"/>
+            <p:cNvSpPr/>
+            <p:nvPr/>
+          </p:nvSpPr>
+          <p:spPr>
+            <a:xfrm>
+              <a:off x="5817324" y="2567794"/>
               <a:ext cx="219455" cy="219456"/>
             </a:xfrm>
             <a:prstGeom prst="rect">
@@ -9937,13 +9835,13 @@
         </p:sp>
         <p:sp>
           <p:nvSpPr>
-            <p:cNvPr id="197" name="pl196"/>
-            <p:cNvSpPr/>
-            <p:nvPr/>
-          </p:nvSpPr>
-          <p:spPr>
-            <a:xfrm>
-              <a:off x="5913812" y="2348338"/>
+            <p:cNvPr id="194" name="pl193"/>
+            <p:cNvSpPr/>
+            <p:nvPr/>
+          </p:nvSpPr>
+          <p:spPr>
+            <a:xfrm>
+              <a:off x="5839269" y="2677522"/>
               <a:ext cx="175564" cy="0"/>
             </a:xfrm>
             <a:custGeom>
@@ -9961,368 +9859,65 @@
             </a:custGeom>
             <a:ln w="27101" cap="flat">
               <a:solidFill>
-                <a:srgbClr val="F8766D">
-                  <a:alpha val="100000"/>
-                </a:srgbClr>
-              </a:solidFill>
-              <a:prstDash val="solid"/>
-              <a:round/>
-            </a:ln>
-          </p:spPr>
-          <p:txBody>
-            <a:bodyPr/>
-            <a:lstStyle/>
-            <a:p/>
-          </p:txBody>
-        </p:sp>
-        <p:sp>
-          <p:nvSpPr>
-            <p:cNvPr id="198" name="pt197"/>
-            <p:cNvSpPr/>
-            <p:nvPr/>
-          </p:nvSpPr>
-          <p:spPr>
-            <a:xfrm>
-              <a:off x="5976769" y="2323512"/>
-              <a:ext cx="49651" cy="49651"/>
-            </a:xfrm>
-            <a:prstGeom prst="ellipse">
-              <a:avLst/>
-            </a:prstGeom>
-            <a:solidFill>
-              <a:srgbClr val="F8766D">
-                <a:alpha val="100000"/>
-              </a:srgbClr>
-            </a:solidFill>
-            <a:ln w="9000" cap="rnd">
-              <a:solidFill>
-                <a:srgbClr val="F8766D">
-                  <a:alpha val="100000"/>
-                </a:srgbClr>
-              </a:solidFill>
-              <a:prstDash val="solid"/>
-              <a:round/>
-            </a:ln>
-          </p:spPr>
-          <p:txBody>
-            <a:bodyPr/>
-            <a:lstStyle/>
-            <a:p/>
-          </p:txBody>
-        </p:sp>
-        <p:sp>
-          <p:nvSpPr>
-            <p:cNvPr id="199" name="rc198"/>
-            <p:cNvSpPr/>
-            <p:nvPr/>
-          </p:nvSpPr>
-          <p:spPr>
-            <a:xfrm>
-              <a:off x="5891867" y="2458066"/>
-              <a:ext cx="219455" cy="219456"/>
-            </a:xfrm>
-            <a:prstGeom prst="rect">
-              <a:avLst/>
-            </a:prstGeom>
-            <a:solidFill>
-              <a:srgbClr val="EBEBEB">
-                <a:alpha val="100000"/>
-              </a:srgbClr>
-            </a:solidFill>
-          </p:spPr>
-          <p:txBody>
-            <a:bodyPr/>
-            <a:lstStyle/>
-            <a:p/>
-          </p:txBody>
-        </p:sp>
-        <p:sp>
-          <p:nvSpPr>
-            <p:cNvPr id="200" name="pl199"/>
-            <p:cNvSpPr/>
-            <p:nvPr/>
-          </p:nvSpPr>
-          <p:spPr>
-            <a:xfrm>
-              <a:off x="5913812" y="2567794"/>
-              <a:ext cx="175564" cy="0"/>
-            </a:xfrm>
-            <a:custGeom>
-              <a:avLst/>
-              <a:pathLst>
-                <a:path w="175564" h="0">
-                  <a:moveTo>
-                    <a:pt x="0" y="0"/>
-                  </a:moveTo>
-                  <a:lnTo>
-                    <a:pt x="175564" y="0"/>
-                  </a:lnTo>
-                </a:path>
-              </a:pathLst>
-            </a:custGeom>
-            <a:ln w="27101" cap="flat">
-              <a:solidFill>
-                <a:srgbClr val="7CAE00">
-                  <a:alpha val="100000"/>
-                </a:srgbClr>
-              </a:solidFill>
-              <a:prstDash val="solid"/>
-              <a:round/>
-            </a:ln>
-          </p:spPr>
-          <p:txBody>
-            <a:bodyPr/>
-            <a:lstStyle/>
-            <a:p/>
-          </p:txBody>
-        </p:sp>
-        <p:sp>
-          <p:nvSpPr>
-            <p:cNvPr id="201" name="pt200"/>
-            <p:cNvSpPr/>
-            <p:nvPr/>
-          </p:nvSpPr>
-          <p:spPr>
-            <a:xfrm>
-              <a:off x="5976769" y="2542968"/>
-              <a:ext cx="49651" cy="49651"/>
-            </a:xfrm>
-            <a:prstGeom prst="ellipse">
-              <a:avLst/>
-            </a:prstGeom>
-            <a:solidFill>
-              <a:srgbClr val="7CAE00">
-                <a:alpha val="100000"/>
-              </a:srgbClr>
-            </a:solidFill>
-            <a:ln w="9000" cap="rnd">
-              <a:solidFill>
-                <a:srgbClr val="7CAE00">
-                  <a:alpha val="100000"/>
-                </a:srgbClr>
-              </a:solidFill>
-              <a:prstDash val="solid"/>
-              <a:round/>
-            </a:ln>
-          </p:spPr>
-          <p:txBody>
-            <a:bodyPr/>
-            <a:lstStyle/>
-            <a:p/>
-          </p:txBody>
-        </p:sp>
-        <p:sp>
-          <p:nvSpPr>
-            <p:cNvPr id="202" name="rc201"/>
-            <p:cNvSpPr/>
-            <p:nvPr/>
-          </p:nvSpPr>
-          <p:spPr>
-            <a:xfrm>
-              <a:off x="5891867" y="2677522"/>
-              <a:ext cx="219455" cy="219456"/>
-            </a:xfrm>
-            <a:prstGeom prst="rect">
-              <a:avLst/>
-            </a:prstGeom>
-            <a:solidFill>
-              <a:srgbClr val="EBEBEB">
-                <a:alpha val="100000"/>
-              </a:srgbClr>
-            </a:solidFill>
-          </p:spPr>
-          <p:txBody>
-            <a:bodyPr/>
-            <a:lstStyle/>
-            <a:p/>
-          </p:txBody>
-        </p:sp>
-        <p:sp>
-          <p:nvSpPr>
-            <p:cNvPr id="203" name="pl202"/>
-            <p:cNvSpPr/>
-            <p:nvPr/>
-          </p:nvSpPr>
-          <p:spPr>
-            <a:xfrm>
-              <a:off x="5913812" y="2787250"/>
-              <a:ext cx="175564" cy="0"/>
-            </a:xfrm>
-            <a:custGeom>
-              <a:avLst/>
-              <a:pathLst>
-                <a:path w="175564" h="0">
-                  <a:moveTo>
-                    <a:pt x="0" y="0"/>
-                  </a:moveTo>
-                  <a:lnTo>
-                    <a:pt x="175564" y="0"/>
-                  </a:lnTo>
-                </a:path>
-              </a:pathLst>
-            </a:custGeom>
-            <a:ln w="27101" cap="flat">
-              <a:solidFill>
-                <a:srgbClr val="00BFC4">
-                  <a:alpha val="100000"/>
-                </a:srgbClr>
-              </a:solidFill>
-              <a:prstDash val="solid"/>
-              <a:round/>
-            </a:ln>
-          </p:spPr>
-          <p:txBody>
-            <a:bodyPr/>
-            <a:lstStyle/>
-            <a:p/>
-          </p:txBody>
-        </p:sp>
-        <p:sp>
-          <p:nvSpPr>
-            <p:cNvPr id="204" name="pt203"/>
-            <p:cNvSpPr/>
-            <p:nvPr/>
-          </p:nvSpPr>
-          <p:spPr>
-            <a:xfrm>
-              <a:off x="5976769" y="2762424"/>
-              <a:ext cx="49651" cy="49651"/>
-            </a:xfrm>
-            <a:prstGeom prst="ellipse">
-              <a:avLst/>
-            </a:prstGeom>
-            <a:solidFill>
-              <a:srgbClr val="00BFC4">
-                <a:alpha val="100000"/>
-              </a:srgbClr>
-            </a:solidFill>
-            <a:ln w="9000" cap="rnd">
-              <a:solidFill>
-                <a:srgbClr val="00BFC4">
-                  <a:alpha val="100000"/>
-                </a:srgbClr>
-              </a:solidFill>
-              <a:prstDash val="solid"/>
-              <a:round/>
-            </a:ln>
-          </p:spPr>
-          <p:txBody>
-            <a:bodyPr/>
-            <a:lstStyle/>
-            <a:p/>
-          </p:txBody>
-        </p:sp>
-        <p:sp>
-          <p:nvSpPr>
-            <p:cNvPr id="205" name="rc204"/>
-            <p:cNvSpPr/>
-            <p:nvPr/>
-          </p:nvSpPr>
-          <p:spPr>
-            <a:xfrm>
-              <a:off x="5891867" y="2896978"/>
-              <a:ext cx="219455" cy="219456"/>
-            </a:xfrm>
-            <a:prstGeom prst="rect">
-              <a:avLst/>
-            </a:prstGeom>
-            <a:solidFill>
-              <a:srgbClr val="EBEBEB">
-                <a:alpha val="100000"/>
-              </a:srgbClr>
-            </a:solidFill>
-          </p:spPr>
-          <p:txBody>
-            <a:bodyPr/>
-            <a:lstStyle/>
-            <a:p/>
-          </p:txBody>
-        </p:sp>
-        <p:sp>
-          <p:nvSpPr>
-            <p:cNvPr id="206" name="pl205"/>
-            <p:cNvSpPr/>
-            <p:nvPr/>
-          </p:nvSpPr>
-          <p:spPr>
-            <a:xfrm>
-              <a:off x="5913812" y="3006706"/>
-              <a:ext cx="175564" cy="0"/>
-            </a:xfrm>
-            <a:custGeom>
-              <a:avLst/>
-              <a:pathLst>
-                <a:path w="175564" h="0">
-                  <a:moveTo>
-                    <a:pt x="0" y="0"/>
-                  </a:moveTo>
-                  <a:lnTo>
-                    <a:pt x="175564" y="0"/>
-                  </a:lnTo>
-                </a:path>
-              </a:pathLst>
-            </a:custGeom>
-            <a:ln w="27101" cap="flat">
-              <a:solidFill>
-                <a:srgbClr val="C77CFF">
-                  <a:alpha val="100000"/>
-                </a:srgbClr>
-              </a:solidFill>
-              <a:prstDash val="solid"/>
-              <a:round/>
-            </a:ln>
-          </p:spPr>
-          <p:txBody>
-            <a:bodyPr/>
-            <a:lstStyle/>
-            <a:p/>
-          </p:txBody>
-        </p:sp>
-        <p:sp>
-          <p:nvSpPr>
-            <p:cNvPr id="207" name="pt206"/>
-            <p:cNvSpPr/>
-            <p:nvPr/>
-          </p:nvSpPr>
-          <p:spPr>
-            <a:xfrm>
-              <a:off x="5976769" y="2981880"/>
-              <a:ext cx="49651" cy="49651"/>
-            </a:xfrm>
-            <a:prstGeom prst="ellipse">
-              <a:avLst/>
-            </a:prstGeom>
-            <a:solidFill>
-              <a:srgbClr val="C77CFF">
-                <a:alpha val="100000"/>
-              </a:srgbClr>
-            </a:solidFill>
-            <a:ln w="9000" cap="rnd">
-              <a:solidFill>
-                <a:srgbClr val="C77CFF">
-                  <a:alpha val="100000"/>
-                </a:srgbClr>
-              </a:solidFill>
-              <a:prstDash val="solid"/>
-              <a:round/>
-            </a:ln>
-          </p:spPr>
-          <p:txBody>
-            <a:bodyPr/>
-            <a:lstStyle/>
-            <a:p/>
-          </p:txBody>
-        </p:sp>
-        <p:sp>
-          <p:nvSpPr>
-            <p:cNvPr id="208" name="tx207"/>
-            <p:cNvSpPr/>
-            <p:nvPr/>
-          </p:nvSpPr>
-          <p:spPr>
-            <a:xfrm>
-              <a:off x="6180912" y="2308338"/>
-              <a:ext cx="74543" cy="80000"/>
+                <a:srgbClr val="7F7F7F">
+                  <a:alpha val="100000"/>
+                </a:srgbClr>
+              </a:solidFill>
+              <a:prstDash val="solid"/>
+              <a:round/>
+            </a:ln>
+          </p:spPr>
+          <p:txBody>
+            <a:bodyPr/>
+            <a:lstStyle/>
+            <a:p/>
+          </p:txBody>
+        </p:sp>
+        <p:sp>
+          <p:nvSpPr>
+            <p:cNvPr id="195" name="pt194"/>
+            <p:cNvSpPr/>
+            <p:nvPr/>
+          </p:nvSpPr>
+          <p:spPr>
+            <a:xfrm>
+              <a:off x="5902226" y="2652696"/>
+              <a:ext cx="49651" cy="49651"/>
+            </a:xfrm>
+            <a:prstGeom prst="ellipse">
+              <a:avLst/>
+            </a:prstGeom>
+            <a:solidFill>
+              <a:srgbClr val="7F7F7F">
+                <a:alpha val="100000"/>
+              </a:srgbClr>
+            </a:solidFill>
+            <a:ln w="9000" cap="rnd">
+              <a:solidFill>
+                <a:srgbClr val="7F7F7F">
+                  <a:alpha val="100000"/>
+                </a:srgbClr>
+              </a:solidFill>
+              <a:prstDash val="solid"/>
+              <a:round/>
+            </a:ln>
+          </p:spPr>
+          <p:txBody>
+            <a:bodyPr/>
+            <a:lstStyle/>
+            <a:p/>
+          </p:txBody>
+        </p:sp>
+        <p:sp>
+          <p:nvSpPr>
+            <p:cNvPr id="196" name="tx195"/>
+            <p:cNvSpPr/>
+            <p:nvPr/>
+          </p:nvSpPr>
+          <p:spPr>
+            <a:xfrm>
+              <a:off x="6106369" y="2637522"/>
+              <a:ext cx="155252" cy="80000"/>
             </a:xfrm>
             <a:prstGeom prst="rect">
               <a:avLst/>
@@ -10354,145 +9949,7 @@
                   <a:latin typeface="Arial"/>
                   <a:cs typeface="Arial"/>
                 </a:rPr>
-                <a:t>A</a:t>
-              </a:r>
-            </a:p>
-          </p:txBody>
-        </p:sp>
-        <p:sp>
-          <p:nvSpPr>
-            <p:cNvPr id="209" name="tx208"/>
-            <p:cNvSpPr/>
-            <p:nvPr/>
-          </p:nvSpPr>
-          <p:spPr>
-            <a:xfrm>
-              <a:off x="6180912" y="2527794"/>
-              <a:ext cx="74543" cy="80000"/>
-            </a:xfrm>
-            <a:prstGeom prst="rect">
-              <a:avLst/>
-            </a:prstGeom>
-            <a:noFill/>
-          </p:spPr>
-          <p:txBody>
-            <a:bodyPr lIns="0" rIns="0" tIns="0" bIns="0" anchorCtr="1" anchor="ctr" wrap="none"/>
-            <a:lstStyle/>
-            <a:p>
-              <a:pPr algn="l" marL="0" marR="0" indent="0">
-                <a:lnSpc>
-                  <a:spcPts val="880"/>
-                </a:lnSpc>
-                <a:spcBef>
-                  <a:spcPts val="0"/>
-                </a:spcBef>
-                <a:spcAft>
-                  <a:spcPts val="0"/>
-                </a:spcAft>
-              </a:pPr>
-              <a:r>
-                <a:rPr sz="880">
-                  <a:solidFill>
-                    <a:srgbClr val="000000">
-                      <a:alpha val="100000"/>
-                    </a:srgbClr>
-                  </a:solidFill>
-                  <a:latin typeface="Arial"/>
-                  <a:cs typeface="Arial"/>
-                </a:rPr>
-                <a:t>B</a:t>
-              </a:r>
-            </a:p>
-          </p:txBody>
-        </p:sp>
-        <p:sp>
-          <p:nvSpPr>
-            <p:cNvPr id="210" name="tx209"/>
-            <p:cNvSpPr/>
-            <p:nvPr/>
-          </p:nvSpPr>
-          <p:spPr>
-            <a:xfrm>
-              <a:off x="6180912" y="2744521"/>
-              <a:ext cx="80709" cy="82728"/>
-            </a:xfrm>
-            <a:prstGeom prst="rect">
-              <a:avLst/>
-            </a:prstGeom>
-            <a:noFill/>
-          </p:spPr>
-          <p:txBody>
-            <a:bodyPr lIns="0" rIns="0" tIns="0" bIns="0" anchorCtr="1" anchor="ctr" wrap="none"/>
-            <a:lstStyle/>
-            <a:p>
-              <a:pPr algn="l" marL="0" marR="0" indent="0">
-                <a:lnSpc>
-                  <a:spcPts val="880"/>
-                </a:lnSpc>
-                <a:spcBef>
-                  <a:spcPts val="0"/>
-                </a:spcBef>
-                <a:spcAft>
-                  <a:spcPts val="0"/>
-                </a:spcAft>
-              </a:pPr>
-              <a:r>
-                <a:rPr sz="880">
-                  <a:solidFill>
-                    <a:srgbClr val="000000">
-                      <a:alpha val="100000"/>
-                    </a:srgbClr>
-                  </a:solidFill>
-                  <a:latin typeface="Arial"/>
-                  <a:cs typeface="Arial"/>
-                </a:rPr>
-                <a:t>C</a:t>
-              </a:r>
-            </a:p>
-          </p:txBody>
-        </p:sp>
-        <p:sp>
-          <p:nvSpPr>
-            <p:cNvPr id="211" name="tx210"/>
-            <p:cNvSpPr/>
-            <p:nvPr/>
-          </p:nvSpPr>
-          <p:spPr>
-            <a:xfrm>
-              <a:off x="6180912" y="2966706"/>
-              <a:ext cx="80709" cy="80000"/>
-            </a:xfrm>
-            <a:prstGeom prst="rect">
-              <a:avLst/>
-            </a:prstGeom>
-            <a:noFill/>
-          </p:spPr>
-          <p:txBody>
-            <a:bodyPr lIns="0" rIns="0" tIns="0" bIns="0" anchorCtr="1" anchor="ctr" wrap="none"/>
-            <a:lstStyle/>
-            <a:p>
-              <a:pPr algn="l" marL="0" marR="0" indent="0">
-                <a:lnSpc>
-                  <a:spcPts val="880"/>
-                </a:lnSpc>
-                <a:spcBef>
-                  <a:spcPts val="0"/>
-                </a:spcBef>
-                <a:spcAft>
-                  <a:spcPts val="0"/>
-                </a:spcAft>
-              </a:pPr>
-              <a:r>
-                <a:rPr sz="880">
-                  <a:solidFill>
-                    <a:srgbClr val="000000">
-                      <a:alpha val="100000"/>
-                    </a:srgbClr>
-                  </a:solidFill>
-                  <a:latin typeface="Arial"/>
-                  <a:cs typeface="Arial"/>
-                </a:rPr>
-                <a:t>D</a:t>
+                <a:t>NA</a:t>
               </a:r>
             </a:p>
           </p:txBody>

--- a/vignettes/ONDA_XX-Hazard-Curve.pptx
+++ b/vignettes/ONDA_XX-Hazard-Curve.pptx
@@ -2299,7 +2299,7 @@
           <p:spPr>
             <a:xfrm>
               <a:off x="914400" y="914400"/>
-              <a:ext cx="5486399" cy="3657600"/>
+              <a:ext cx="5486400" cy="3657600"/>
             </a:xfrm>
             <a:prstGeom prst="rect">
               <a:avLst/>
@@ -2334,7 +2334,7 @@
           <p:spPr>
             <a:xfrm>
               <a:off x="1490486" y="983989"/>
-              <a:ext cx="4118070" cy="3188077"/>
+              <a:ext cx="4192613" cy="3188077"/>
             </a:xfrm>
             <a:prstGeom prst="rect">
               <a:avLst/>
@@ -2360,20 +2360,20 @@
           <p:spPr>
             <a:xfrm>
               <a:off x="1490486" y="3812285"/>
-              <a:ext cx="4118070" cy="0"/>
+              <a:ext cx="4192613" cy="0"/>
             </a:xfrm>
             <a:custGeom>
               <a:avLst/>
               <a:pathLst>
-                <a:path w="4118070" h="0">
+                <a:path w="4192613" h="0">
                   <a:moveTo>
                     <a:pt x="0" y="0"/>
                   </a:moveTo>
                   <a:lnTo>
-                    <a:pt x="4118070" y="0"/>
-                  </a:lnTo>
-                  <a:lnTo>
-                    <a:pt x="4118070" y="0"/>
+                    <a:pt x="4192613" y="0"/>
+                  </a:lnTo>
+                  <a:lnTo>
+                    <a:pt x="4192613" y="0"/>
                   </a:lnTo>
                 </a:path>
               </a:pathLst>
@@ -2403,20 +2403,20 @@
           <p:spPr>
             <a:xfrm>
               <a:off x="1490486" y="3355458"/>
-              <a:ext cx="4118070" cy="0"/>
+              <a:ext cx="4192613" cy="0"/>
             </a:xfrm>
             <a:custGeom>
               <a:avLst/>
               <a:pathLst>
-                <a:path w="4118070" h="0">
+                <a:path w="4192613" h="0">
                   <a:moveTo>
                     <a:pt x="0" y="0"/>
                   </a:moveTo>
                   <a:lnTo>
-                    <a:pt x="4118070" y="0"/>
-                  </a:lnTo>
-                  <a:lnTo>
-                    <a:pt x="4118070" y="0"/>
+                    <a:pt x="4192613" y="0"/>
+                  </a:lnTo>
+                  <a:lnTo>
+                    <a:pt x="4192613" y="0"/>
                   </a:lnTo>
                 </a:path>
               </a:pathLst>
@@ -2446,20 +2446,20 @@
           <p:spPr>
             <a:xfrm>
               <a:off x="1490486" y="2898630"/>
-              <a:ext cx="4118070" cy="0"/>
+              <a:ext cx="4192613" cy="0"/>
             </a:xfrm>
             <a:custGeom>
               <a:avLst/>
               <a:pathLst>
-                <a:path w="4118070" h="0">
+                <a:path w="4192613" h="0">
                   <a:moveTo>
                     <a:pt x="0" y="0"/>
                   </a:moveTo>
                   <a:lnTo>
-                    <a:pt x="4118070" y="0"/>
-                  </a:lnTo>
-                  <a:lnTo>
-                    <a:pt x="4118070" y="0"/>
+                    <a:pt x="4192613" y="0"/>
+                  </a:lnTo>
+                  <a:lnTo>
+                    <a:pt x="4192613" y="0"/>
                   </a:lnTo>
                 </a:path>
               </a:pathLst>
@@ -2489,20 +2489,20 @@
           <p:spPr>
             <a:xfrm>
               <a:off x="1490486" y="2441803"/>
-              <a:ext cx="4118070" cy="0"/>
+              <a:ext cx="4192613" cy="0"/>
             </a:xfrm>
             <a:custGeom>
               <a:avLst/>
               <a:pathLst>
-                <a:path w="4118070" h="0">
+                <a:path w="4192613" h="0">
                   <a:moveTo>
                     <a:pt x="0" y="0"/>
                   </a:moveTo>
                   <a:lnTo>
-                    <a:pt x="4118070" y="0"/>
-                  </a:lnTo>
-                  <a:lnTo>
-                    <a:pt x="4118070" y="0"/>
+                    <a:pt x="4192613" y="0"/>
+                  </a:lnTo>
+                  <a:lnTo>
+                    <a:pt x="4192613" y="0"/>
                   </a:lnTo>
                 </a:path>
               </a:pathLst>
@@ -2532,20 +2532,20 @@
           <p:spPr>
             <a:xfrm>
               <a:off x="1490486" y="1984976"/>
-              <a:ext cx="4118070" cy="0"/>
+              <a:ext cx="4192613" cy="0"/>
             </a:xfrm>
             <a:custGeom>
               <a:avLst/>
               <a:pathLst>
-                <a:path w="4118070" h="0">
+                <a:path w="4192613" h="0">
                   <a:moveTo>
                     <a:pt x="0" y="0"/>
                   </a:moveTo>
                   <a:lnTo>
-                    <a:pt x="4118070" y="0"/>
-                  </a:lnTo>
-                  <a:lnTo>
-                    <a:pt x="4118070" y="0"/>
+                    <a:pt x="4192613" y="0"/>
+                  </a:lnTo>
+                  <a:lnTo>
+                    <a:pt x="4192613" y="0"/>
                   </a:lnTo>
                 </a:path>
               </a:pathLst>
@@ -2575,20 +2575,20 @@
           <p:spPr>
             <a:xfrm>
               <a:off x="1490486" y="1528148"/>
-              <a:ext cx="4118070" cy="0"/>
+              <a:ext cx="4192613" cy="0"/>
             </a:xfrm>
             <a:custGeom>
               <a:avLst/>
               <a:pathLst>
-                <a:path w="4118070" h="0">
+                <a:path w="4192613" h="0">
                   <a:moveTo>
                     <a:pt x="0" y="0"/>
                   </a:moveTo>
                   <a:lnTo>
-                    <a:pt x="4118070" y="0"/>
-                  </a:lnTo>
-                  <a:lnTo>
-                    <a:pt x="4118070" y="0"/>
+                    <a:pt x="4192613" y="0"/>
+                  </a:lnTo>
+                  <a:lnTo>
+                    <a:pt x="4192613" y="0"/>
                   </a:lnTo>
                 </a:path>
               </a:pathLst>
@@ -2618,20 +2618,20 @@
           <p:spPr>
             <a:xfrm>
               <a:off x="1490486" y="1071321"/>
-              <a:ext cx="4118070" cy="0"/>
+              <a:ext cx="4192613" cy="0"/>
             </a:xfrm>
             <a:custGeom>
               <a:avLst/>
               <a:pathLst>
-                <a:path w="4118070" h="0">
+                <a:path w="4192613" h="0">
                   <a:moveTo>
                     <a:pt x="0" y="0"/>
                   </a:moveTo>
                   <a:lnTo>
-                    <a:pt x="4118070" y="0"/>
-                  </a:lnTo>
-                  <a:lnTo>
-                    <a:pt x="4118070" y="0"/>
+                    <a:pt x="4192613" y="0"/>
+                  </a:lnTo>
+                  <a:lnTo>
+                    <a:pt x="4192613" y="0"/>
                   </a:lnTo>
                 </a:path>
               </a:pathLst>
@@ -2660,7 +2660,7 @@
           </p:nvSpPr>
           <p:spPr>
             <a:xfrm>
-              <a:off x="1504351" y="983989"/>
+              <a:off x="1504602" y="983989"/>
               <a:ext cx="0" cy="3188077"/>
             </a:xfrm>
             <a:custGeom>
@@ -2703,7 +2703,7 @@
           </p:nvSpPr>
           <p:spPr>
             <a:xfrm>
-              <a:off x="1850990" y="983989"/>
+              <a:off x="1857516" y="983989"/>
               <a:ext cx="0" cy="3188077"/>
             </a:xfrm>
             <a:custGeom>
@@ -2746,7 +2746,7 @@
           </p:nvSpPr>
           <p:spPr>
             <a:xfrm>
-              <a:off x="2197629" y="983989"/>
+              <a:off x="2210430" y="983989"/>
               <a:ext cx="0" cy="3188077"/>
             </a:xfrm>
             <a:custGeom>
@@ -2789,7 +2789,7 @@
           </p:nvSpPr>
           <p:spPr>
             <a:xfrm>
-              <a:off x="2544268" y="983989"/>
+              <a:off x="2563343" y="983989"/>
               <a:ext cx="0" cy="3188077"/>
             </a:xfrm>
             <a:custGeom>
@@ -2832,7 +2832,7 @@
           </p:nvSpPr>
           <p:spPr>
             <a:xfrm>
-              <a:off x="2890907" y="983989"/>
+              <a:off x="2916257" y="983989"/>
               <a:ext cx="0" cy="3188077"/>
             </a:xfrm>
             <a:custGeom>
@@ -2875,7 +2875,7 @@
           </p:nvSpPr>
           <p:spPr>
             <a:xfrm>
-              <a:off x="3237546" y="983989"/>
+              <a:off x="3269171" y="983989"/>
               <a:ext cx="0" cy="3188077"/>
             </a:xfrm>
             <a:custGeom>
@@ -2918,7 +2918,7 @@
           </p:nvSpPr>
           <p:spPr>
             <a:xfrm>
-              <a:off x="3584185" y="983989"/>
+              <a:off x="3622084" y="983989"/>
               <a:ext cx="0" cy="3188077"/>
             </a:xfrm>
             <a:custGeom>
@@ -2961,7 +2961,7 @@
           </p:nvSpPr>
           <p:spPr>
             <a:xfrm>
-              <a:off x="3930824" y="983989"/>
+              <a:off x="3974998" y="983989"/>
               <a:ext cx="0" cy="3188077"/>
             </a:xfrm>
             <a:custGeom>
@@ -3004,7 +3004,7 @@
           </p:nvSpPr>
           <p:spPr>
             <a:xfrm>
-              <a:off x="4277463" y="983989"/>
+              <a:off x="4327911" y="983989"/>
               <a:ext cx="0" cy="3188077"/>
             </a:xfrm>
             <a:custGeom>
@@ -3047,7 +3047,7 @@
           </p:nvSpPr>
           <p:spPr>
             <a:xfrm>
-              <a:off x="4624102" y="983989"/>
+              <a:off x="4680825" y="983989"/>
               <a:ext cx="0" cy="3188077"/>
             </a:xfrm>
             <a:custGeom>
@@ -3090,7 +3090,7 @@
           </p:nvSpPr>
           <p:spPr>
             <a:xfrm>
-              <a:off x="4970741" y="983989"/>
+              <a:off x="5033739" y="983989"/>
               <a:ext cx="0" cy="3188077"/>
             </a:xfrm>
             <a:custGeom>
@@ -3133,7 +3133,7 @@
           </p:nvSpPr>
           <p:spPr>
             <a:xfrm>
-              <a:off x="5317380" y="983989"/>
+              <a:off x="5386652" y="983989"/>
               <a:ext cx="0" cy="3188077"/>
             </a:xfrm>
             <a:custGeom>
@@ -3177,20 +3177,20 @@
           <p:spPr>
             <a:xfrm>
               <a:off x="1490486" y="4040699"/>
-              <a:ext cx="4118070" cy="0"/>
+              <a:ext cx="4192613" cy="0"/>
             </a:xfrm>
             <a:custGeom>
               <a:avLst/>
               <a:pathLst>
-                <a:path w="4118070" h="0">
+                <a:path w="4192613" h="0">
                   <a:moveTo>
                     <a:pt x="0" y="0"/>
                   </a:moveTo>
                   <a:lnTo>
-                    <a:pt x="4118070" y="0"/>
-                  </a:lnTo>
-                  <a:lnTo>
-                    <a:pt x="4118070" y="0"/>
+                    <a:pt x="4192613" y="0"/>
+                  </a:lnTo>
+                  <a:lnTo>
+                    <a:pt x="4192613" y="0"/>
                   </a:lnTo>
                 </a:path>
               </a:pathLst>
@@ -3220,20 +3220,20 @@
           <p:spPr>
             <a:xfrm>
               <a:off x="1490486" y="3583871"/>
-              <a:ext cx="4118070" cy="0"/>
+              <a:ext cx="4192613" cy="0"/>
             </a:xfrm>
             <a:custGeom>
               <a:avLst/>
               <a:pathLst>
-                <a:path w="4118070" h="0">
+                <a:path w="4192613" h="0">
                   <a:moveTo>
                     <a:pt x="0" y="0"/>
                   </a:moveTo>
                   <a:lnTo>
-                    <a:pt x="4118070" y="0"/>
-                  </a:lnTo>
-                  <a:lnTo>
-                    <a:pt x="4118070" y="0"/>
+                    <a:pt x="4192613" y="0"/>
+                  </a:lnTo>
+                  <a:lnTo>
+                    <a:pt x="4192613" y="0"/>
                   </a:lnTo>
                 </a:path>
               </a:pathLst>
@@ -3263,20 +3263,20 @@
           <p:spPr>
             <a:xfrm>
               <a:off x="1490486" y="3127044"/>
-              <a:ext cx="4118070" cy="0"/>
+              <a:ext cx="4192613" cy="0"/>
             </a:xfrm>
             <a:custGeom>
               <a:avLst/>
               <a:pathLst>
-                <a:path w="4118070" h="0">
+                <a:path w="4192613" h="0">
                   <a:moveTo>
                     <a:pt x="0" y="0"/>
                   </a:moveTo>
                   <a:lnTo>
-                    <a:pt x="4118070" y="0"/>
-                  </a:lnTo>
-                  <a:lnTo>
-                    <a:pt x="4118070" y="0"/>
+                    <a:pt x="4192613" y="0"/>
+                  </a:lnTo>
+                  <a:lnTo>
+                    <a:pt x="4192613" y="0"/>
                   </a:lnTo>
                 </a:path>
               </a:pathLst>
@@ -3306,20 +3306,20 @@
           <p:spPr>
             <a:xfrm>
               <a:off x="1490486" y="2670217"/>
-              <a:ext cx="4118070" cy="0"/>
+              <a:ext cx="4192613" cy="0"/>
             </a:xfrm>
             <a:custGeom>
               <a:avLst/>
               <a:pathLst>
-                <a:path w="4118070" h="0">
+                <a:path w="4192613" h="0">
                   <a:moveTo>
                     <a:pt x="0" y="0"/>
                   </a:moveTo>
                   <a:lnTo>
-                    <a:pt x="4118070" y="0"/>
-                  </a:lnTo>
-                  <a:lnTo>
-                    <a:pt x="4118070" y="0"/>
+                    <a:pt x="4192613" y="0"/>
+                  </a:lnTo>
+                  <a:lnTo>
+                    <a:pt x="4192613" y="0"/>
                   </a:lnTo>
                 </a:path>
               </a:pathLst>
@@ -3349,20 +3349,20 @@
           <p:spPr>
             <a:xfrm>
               <a:off x="1490486" y="2213389"/>
-              <a:ext cx="4118070" cy="0"/>
+              <a:ext cx="4192613" cy="0"/>
             </a:xfrm>
             <a:custGeom>
               <a:avLst/>
               <a:pathLst>
-                <a:path w="4118070" h="0">
+                <a:path w="4192613" h="0">
                   <a:moveTo>
                     <a:pt x="0" y="0"/>
                   </a:moveTo>
                   <a:lnTo>
-                    <a:pt x="4118070" y="0"/>
-                  </a:lnTo>
-                  <a:lnTo>
-                    <a:pt x="4118070" y="0"/>
+                    <a:pt x="4192613" y="0"/>
+                  </a:lnTo>
+                  <a:lnTo>
+                    <a:pt x="4192613" y="0"/>
                   </a:lnTo>
                 </a:path>
               </a:pathLst>
@@ -3392,20 +3392,20 @@
           <p:spPr>
             <a:xfrm>
               <a:off x="1490486" y="1756562"/>
-              <a:ext cx="4118070" cy="0"/>
+              <a:ext cx="4192613" cy="0"/>
             </a:xfrm>
             <a:custGeom>
               <a:avLst/>
               <a:pathLst>
-                <a:path w="4118070" h="0">
+                <a:path w="4192613" h="0">
                   <a:moveTo>
                     <a:pt x="0" y="0"/>
                   </a:moveTo>
                   <a:lnTo>
-                    <a:pt x="4118070" y="0"/>
-                  </a:lnTo>
-                  <a:lnTo>
-                    <a:pt x="4118070" y="0"/>
+                    <a:pt x="4192613" y="0"/>
+                  </a:lnTo>
+                  <a:lnTo>
+                    <a:pt x="4192613" y="0"/>
                   </a:lnTo>
                 </a:path>
               </a:pathLst>
@@ -3435,20 +3435,20 @@
           <p:spPr>
             <a:xfrm>
               <a:off x="1490486" y="1299735"/>
-              <a:ext cx="4118070" cy="0"/>
+              <a:ext cx="4192613" cy="0"/>
             </a:xfrm>
             <a:custGeom>
               <a:avLst/>
               <a:pathLst>
-                <a:path w="4118070" h="0">
+                <a:path w="4192613" h="0">
                   <a:moveTo>
                     <a:pt x="0" y="0"/>
                   </a:moveTo>
                   <a:lnTo>
-                    <a:pt x="4118070" y="0"/>
-                  </a:lnTo>
-                  <a:lnTo>
-                    <a:pt x="4118070" y="0"/>
+                    <a:pt x="4192613" y="0"/>
+                  </a:lnTo>
+                  <a:lnTo>
+                    <a:pt x="4192613" y="0"/>
                   </a:lnTo>
                 </a:path>
               </a:pathLst>
@@ -3477,7 +3477,7 @@
           </p:nvSpPr>
           <p:spPr>
             <a:xfrm>
-              <a:off x="1677671" y="983989"/>
+              <a:off x="1681059" y="983989"/>
               <a:ext cx="0" cy="3188077"/>
             </a:xfrm>
             <a:custGeom>
@@ -3520,7 +3520,7 @@
           </p:nvSpPr>
           <p:spPr>
             <a:xfrm>
-              <a:off x="2024310" y="983989"/>
+              <a:off x="2033973" y="983989"/>
               <a:ext cx="0" cy="3188077"/>
             </a:xfrm>
             <a:custGeom>
@@ -3563,7 +3563,7 @@
           </p:nvSpPr>
           <p:spPr>
             <a:xfrm>
-              <a:off x="2370949" y="983989"/>
+              <a:off x="2386887" y="983989"/>
               <a:ext cx="0" cy="3188077"/>
             </a:xfrm>
             <a:custGeom>
@@ -3606,7 +3606,7 @@
           </p:nvSpPr>
           <p:spPr>
             <a:xfrm>
-              <a:off x="2717588" y="983989"/>
+              <a:off x="2739800" y="983989"/>
               <a:ext cx="0" cy="3188077"/>
             </a:xfrm>
             <a:custGeom>
@@ -3649,7 +3649,7 @@
           </p:nvSpPr>
           <p:spPr>
             <a:xfrm>
-              <a:off x="3064227" y="983989"/>
+              <a:off x="3092714" y="983989"/>
               <a:ext cx="0" cy="3188077"/>
             </a:xfrm>
             <a:custGeom>
@@ -3692,7 +3692,7 @@
           </p:nvSpPr>
           <p:spPr>
             <a:xfrm>
-              <a:off x="3410866" y="983989"/>
+              <a:off x="3445627" y="983989"/>
               <a:ext cx="0" cy="3188077"/>
             </a:xfrm>
             <a:custGeom>
@@ -3735,7 +3735,7 @@
           </p:nvSpPr>
           <p:spPr>
             <a:xfrm>
-              <a:off x="3757505" y="983989"/>
+              <a:off x="3798541" y="983989"/>
               <a:ext cx="0" cy="3188077"/>
             </a:xfrm>
             <a:custGeom>
@@ -3778,7 +3778,7 @@
           </p:nvSpPr>
           <p:spPr>
             <a:xfrm>
-              <a:off x="4104144" y="983989"/>
+              <a:off x="4151455" y="983989"/>
               <a:ext cx="0" cy="3188077"/>
             </a:xfrm>
             <a:custGeom>
@@ -3821,7 +3821,7 @@
           </p:nvSpPr>
           <p:spPr>
             <a:xfrm>
-              <a:off x="4450783" y="983989"/>
+              <a:off x="4504368" y="983989"/>
               <a:ext cx="0" cy="3188077"/>
             </a:xfrm>
             <a:custGeom>
@@ -3864,7 +3864,7 @@
           </p:nvSpPr>
           <p:spPr>
             <a:xfrm>
-              <a:off x="4797422" y="983989"/>
+              <a:off x="4857282" y="983989"/>
               <a:ext cx="0" cy="3188077"/>
             </a:xfrm>
             <a:custGeom>
@@ -3907,7 +3907,7 @@
           </p:nvSpPr>
           <p:spPr>
             <a:xfrm>
-              <a:off x="5144061" y="983989"/>
+              <a:off x="5210196" y="983989"/>
               <a:ext cx="0" cy="3188077"/>
             </a:xfrm>
             <a:custGeom>
@@ -3950,7 +3950,7 @@
           </p:nvSpPr>
           <p:spPr>
             <a:xfrm>
-              <a:off x="5490699" y="983989"/>
+              <a:off x="5563109" y="983989"/>
               <a:ext cx="0" cy="3188077"/>
             </a:xfrm>
             <a:custGeom>
@@ -3993,439 +3993,436 @@
           </p:nvSpPr>
           <p:spPr>
             <a:xfrm>
-              <a:off x="1816327" y="1128901"/>
-              <a:ext cx="3501053" cy="2898252"/>
+              <a:off x="2492761" y="1287833"/>
+              <a:ext cx="2858600" cy="2738519"/>
             </a:xfrm>
             <a:custGeom>
               <a:avLst/>
               <a:pathLst>
-                <a:path w="3501053" h="2898252">
+                <a:path w="2858600" h="2738519">
                   <a:moveTo>
-                    <a:pt x="0" y="2851440"/>
+                    <a:pt x="0" y="2738519"/>
                   </a:moveTo>
                   <a:lnTo>
-                    <a:pt x="242647" y="2858743"/>
-                  </a:lnTo>
-                  <a:lnTo>
-                    <a:pt x="519958" y="2897680"/>
-                  </a:lnTo>
-                  <a:lnTo>
-                    <a:pt x="554622" y="2898252"/>
-                  </a:lnTo>
-                  <a:lnTo>
-                    <a:pt x="658614" y="2897452"/>
-                  </a:lnTo>
-                  <a:lnTo>
-                    <a:pt x="762605" y="2845899"/>
-                  </a:lnTo>
-                  <a:lnTo>
-                    <a:pt x="1213236" y="2647128"/>
-                  </a:lnTo>
-                  <a:lnTo>
-                    <a:pt x="1247900" y="2786001"/>
-                  </a:lnTo>
-                  <a:lnTo>
-                    <a:pt x="1282564" y="2568529"/>
-                  </a:lnTo>
-                  <a:lnTo>
-                    <a:pt x="1317228" y="2764635"/>
-                  </a:lnTo>
-                  <a:lnTo>
-                    <a:pt x="1351891" y="2465538"/>
-                  </a:lnTo>
-                  <a:lnTo>
-                    <a:pt x="1351891" y="2730090"/>
-                  </a:lnTo>
-                  <a:lnTo>
-                    <a:pt x="1455883" y="2243471"/>
-                  </a:lnTo>
-                  <a:lnTo>
-                    <a:pt x="1455883" y="2664492"/>
-                  </a:lnTo>
-                  <a:lnTo>
-                    <a:pt x="1490547" y="2601675"/>
-                  </a:lnTo>
-                  <a:lnTo>
-                    <a:pt x="1559875" y="1897257"/>
-                  </a:lnTo>
-                  <a:lnTo>
-                    <a:pt x="1559875" y="2462045"/>
-                  </a:lnTo>
-                  <a:lnTo>
-                    <a:pt x="1594539" y="2479371"/>
-                  </a:lnTo>
-                  <a:lnTo>
-                    <a:pt x="1629203" y="1580719"/>
-                  </a:lnTo>
-                  <a:lnTo>
-                    <a:pt x="1629203" y="2347002"/>
-                  </a:lnTo>
-                  <a:lnTo>
-                    <a:pt x="1698530" y="1191045"/>
-                  </a:lnTo>
-                  <a:lnTo>
-                    <a:pt x="1698530" y="2142414"/>
-                  </a:lnTo>
-                  <a:lnTo>
-                    <a:pt x="1698530" y="2250046"/>
-                  </a:lnTo>
-                  <a:lnTo>
-                    <a:pt x="1698530" y="2300417"/>
-                  </a:lnTo>
-                  <a:lnTo>
-                    <a:pt x="1767858" y="798978"/>
-                  </a:lnTo>
-                  <a:lnTo>
-                    <a:pt x="1767858" y="1874948"/>
-                  </a:lnTo>
-                  <a:lnTo>
-                    <a:pt x="1767858" y="2041513"/>
-                  </a:lnTo>
-                  <a:lnTo>
-                    <a:pt x="1802522" y="2142573"/>
-                  </a:lnTo>
-                  <a:lnTo>
-                    <a:pt x="1837186" y="386142"/>
-                  </a:lnTo>
-                  <a:lnTo>
-                    <a:pt x="1837186" y="1545526"/>
-                  </a:lnTo>
-                  <a:lnTo>
-                    <a:pt x="1837186" y="1779327"/>
-                  </a:lnTo>
-                  <a:lnTo>
-                    <a:pt x="1906514" y="142911"/>
-                  </a:lnTo>
-                  <a:lnTo>
-                    <a:pt x="1906514" y="1171851"/>
-                  </a:lnTo>
-                  <a:lnTo>
-                    <a:pt x="1906514" y="1467587"/>
-                  </a:lnTo>
-                  <a:lnTo>
-                    <a:pt x="1906514" y="1838023"/>
-                  </a:lnTo>
-                  <a:lnTo>
-                    <a:pt x="1975842" y="0"/>
-                  </a:lnTo>
-                  <a:lnTo>
-                    <a:pt x="1975842" y="862863"/>
-                  </a:lnTo>
-                  <a:lnTo>
-                    <a:pt x="1975842" y="1126193"/>
-                  </a:lnTo>
-                  <a:lnTo>
-                    <a:pt x="1975842" y="1525667"/>
-                  </a:lnTo>
-                  <a:lnTo>
-                    <a:pt x="2045169" y="1579"/>
-                  </a:lnTo>
-                  <a:lnTo>
-                    <a:pt x="2045169" y="587229"/>
-                  </a:lnTo>
-                  <a:lnTo>
-                    <a:pt x="2045169" y="767770"/>
-                  </a:lnTo>
-                  <a:lnTo>
-                    <a:pt x="2045169" y="1139491"/>
-                  </a:lnTo>
-                  <a:lnTo>
-                    <a:pt x="2114497" y="94031"/>
-                  </a:lnTo>
-                  <a:lnTo>
-                    <a:pt x="2114497" y="362510"/>
-                  </a:lnTo>
-                  <a:lnTo>
-                    <a:pt x="2114497" y="441673"/>
-                  </a:lnTo>
-                  <a:lnTo>
-                    <a:pt x="2114497" y="762757"/>
-                  </a:lnTo>
-                  <a:lnTo>
-                    <a:pt x="2183825" y="227050"/>
-                  </a:lnTo>
-                  <a:lnTo>
-                    <a:pt x="2183825" y="203781"/>
-                  </a:lnTo>
-                  <a:lnTo>
-                    <a:pt x="2183825" y="299547"/>
-                  </a:lnTo>
-                  <a:lnTo>
-                    <a:pt x="2183825" y="421633"/>
-                  </a:lnTo>
-                  <a:lnTo>
-                    <a:pt x="2253153" y="469090"/>
-                  </a:lnTo>
-                  <a:lnTo>
-                    <a:pt x="2253153" y="183975"/>
-                  </a:lnTo>
-                  <a:lnTo>
-                    <a:pt x="2253153" y="318794"/>
-                  </a:lnTo>
-                  <a:lnTo>
-                    <a:pt x="2253153" y="158932"/>
-                  </a:lnTo>
-                  <a:lnTo>
-                    <a:pt x="2322481" y="750742"/>
-                  </a:lnTo>
-                  <a:lnTo>
-                    <a:pt x="2322481" y="300132"/>
-                  </a:lnTo>
-                  <a:lnTo>
-                    <a:pt x="2322481" y="499145"/>
-                  </a:lnTo>
-                  <a:lnTo>
-                    <a:pt x="2322481" y="166707"/>
-                  </a:lnTo>
-                  <a:lnTo>
-                    <a:pt x="2391808" y="1052766"/>
-                  </a:lnTo>
-                  <a:lnTo>
-                    <a:pt x="2391808" y="604066"/>
-                  </a:lnTo>
-                  <a:lnTo>
-                    <a:pt x="2391808" y="849127"/>
-                  </a:lnTo>
-                  <a:lnTo>
-                    <a:pt x="2391808" y="416020"/>
-                  </a:lnTo>
-                  <a:lnTo>
-                    <a:pt x="2461136" y="1372765"/>
-                  </a:lnTo>
-                  <a:lnTo>
-                    <a:pt x="2461136" y="982404"/>
-                  </a:lnTo>
-                  <a:lnTo>
-                    <a:pt x="2461136" y="1198858"/>
-                  </a:lnTo>
-                  <a:lnTo>
-                    <a:pt x="2461136" y="762836"/>
-                  </a:lnTo>
-                  <a:lnTo>
-                    <a:pt x="2530464" y="1352135"/>
-                  </a:lnTo>
-                  <a:lnTo>
-                    <a:pt x="2530464" y="1521166"/>
-                  </a:lnTo>
-                  <a:lnTo>
-                    <a:pt x="2530464" y="1111651"/>
-                  </a:lnTo>
-                  <a:lnTo>
-                    <a:pt x="2565128" y="1777786"/>
-                  </a:lnTo>
-                  <a:lnTo>
-                    <a:pt x="2599792" y="1692760"/>
-                  </a:lnTo>
-                  <a:lnTo>
-                    <a:pt x="2599792" y="1793509"/>
-                  </a:lnTo>
-                  <a:lnTo>
-                    <a:pt x="2599792" y="1390938"/>
-                  </a:lnTo>
-                  <a:lnTo>
-                    <a:pt x="2669119" y="2093779"/>
-                  </a:lnTo>
-                  <a:lnTo>
-                    <a:pt x="2669119" y="2003149"/>
-                  </a:lnTo>
-                  <a:lnTo>
-                    <a:pt x="2669119" y="1594788"/>
-                  </a:lnTo>
-                  <a:lnTo>
-                    <a:pt x="2703783" y="2068383"/>
-                  </a:lnTo>
-                  <a:lnTo>
-                    <a:pt x="2738447" y="2259622"/>
-                  </a:lnTo>
-                  <a:lnTo>
-                    <a:pt x="2773111" y="2230578"/>
-                  </a:lnTo>
-                  <a:lnTo>
-                    <a:pt x="2773111" y="1736442"/>
-                  </a:lnTo>
-                  <a:lnTo>
-                    <a:pt x="2807775" y="2403024"/>
-                  </a:lnTo>
-                  <a:lnTo>
-                    <a:pt x="2877103" y="2381161"/>
-                  </a:lnTo>
-                  <a:lnTo>
-                    <a:pt x="2877103" y="2383278"/>
-                  </a:lnTo>
-                  <a:lnTo>
-                    <a:pt x="2877103" y="1675706"/>
-                  </a:lnTo>
-                  <a:lnTo>
-                    <a:pt x="2946431" y="2461948"/>
-                  </a:lnTo>
-                  <a:lnTo>
-                    <a:pt x="2946431" y="1580437"/>
-                  </a:lnTo>
-                  <a:lnTo>
-                    <a:pt x="3015758" y="2685898"/>
-                  </a:lnTo>
-                  <a:lnTo>
-                    <a:pt x="3015758" y="2503502"/>
-                  </a:lnTo>
-                  <a:lnTo>
-                    <a:pt x="3015758" y="1490395"/>
-                  </a:lnTo>
-                  <a:lnTo>
-                    <a:pt x="3085086" y="2548139"/>
-                  </a:lnTo>
-                  <a:lnTo>
-                    <a:pt x="3085086" y="2588487"/>
-                  </a:lnTo>
-                  <a:lnTo>
-                    <a:pt x="3085086" y="1448622"/>
-                  </a:lnTo>
-                  <a:lnTo>
-                    <a:pt x="3154414" y="2590978"/>
-                  </a:lnTo>
-                  <a:lnTo>
-                    <a:pt x="3154414" y="1564292"/>
-                  </a:lnTo>
-                  <a:lnTo>
-                    <a:pt x="3223742" y="2816196"/>
-                  </a:lnTo>
-                  <a:lnTo>
-                    <a:pt x="3223742" y="2684842"/>
-                  </a:lnTo>
-                  <a:lnTo>
-                    <a:pt x="3223742" y="1788395"/>
-                  </a:lnTo>
-                  <a:lnTo>
-                    <a:pt x="3293070" y="2667654"/>
-                  </a:lnTo>
-                  <a:lnTo>
-                    <a:pt x="3293070" y="2059407"/>
-                  </a:lnTo>
-                  <a:lnTo>
-                    <a:pt x="3327733" y="2744203"/>
-                  </a:lnTo>
-                  <a:lnTo>
-                    <a:pt x="3431725" y="2873263"/>
-                  </a:lnTo>
-                  <a:lnTo>
-                    <a:pt x="3466389" y="2597108"/>
-                  </a:lnTo>
-                  <a:lnTo>
-                    <a:pt x="3501053" y="2752941"/>
-                  </a:lnTo>
-                  <a:lnTo>
-                    <a:pt x="3501053" y="2815855"/>
+                    <a:pt x="917575" y="2303113"/>
+                  </a:lnTo>
+                  <a:lnTo>
+                    <a:pt x="1058740" y="2141485"/>
+                  </a:lnTo>
+                  <a:lnTo>
+                    <a:pt x="1164614" y="1983641"/>
+                  </a:lnTo>
+                  <a:lnTo>
+                    <a:pt x="1270489" y="1679091"/>
+                  </a:lnTo>
+                  <a:lnTo>
+                    <a:pt x="1341071" y="1366735"/>
+                  </a:lnTo>
+                  <a:lnTo>
+                    <a:pt x="1411654" y="980559"/>
+                  </a:lnTo>
+                  <a:lnTo>
+                    <a:pt x="1482237" y="603824"/>
+                  </a:lnTo>
+                  <a:lnTo>
+                    <a:pt x="1552819" y="262701"/>
+                  </a:lnTo>
+                  <a:lnTo>
+                    <a:pt x="1623402" y="0"/>
+                  </a:lnTo>
+                  <a:lnTo>
+                    <a:pt x="1693985" y="7775"/>
+                  </a:lnTo>
+                  <a:lnTo>
+                    <a:pt x="1764568" y="257088"/>
+                  </a:lnTo>
+                  <a:lnTo>
+                    <a:pt x="1835150" y="603904"/>
+                  </a:lnTo>
+                  <a:lnTo>
+                    <a:pt x="1905733" y="952719"/>
+                  </a:lnTo>
+                  <a:lnTo>
+                    <a:pt x="1976316" y="1232006"/>
+                  </a:lnTo>
+                  <a:lnTo>
+                    <a:pt x="2046899" y="1435856"/>
+                  </a:lnTo>
+                  <a:lnTo>
+                    <a:pt x="2152773" y="1577510"/>
+                  </a:lnTo>
+                  <a:lnTo>
+                    <a:pt x="2258647" y="1516774"/>
+                  </a:lnTo>
+                  <a:lnTo>
+                    <a:pt x="2329229" y="1421505"/>
+                  </a:lnTo>
+                  <a:lnTo>
+                    <a:pt x="2399812" y="1331462"/>
+                  </a:lnTo>
+                  <a:lnTo>
+                    <a:pt x="2470395" y="1289690"/>
+                  </a:lnTo>
+                  <a:lnTo>
+                    <a:pt x="2540978" y="1405360"/>
+                  </a:lnTo>
+                  <a:lnTo>
+                    <a:pt x="2611560" y="1629463"/>
+                  </a:lnTo>
+                  <a:lnTo>
+                    <a:pt x="2682143" y="1900475"/>
+                  </a:lnTo>
+                  <a:lnTo>
+                    <a:pt x="2858600" y="2438176"/>
                   </a:lnTo>
                 </a:path>
               </a:pathLst>
             </a:custGeom>
             <a:ln w="27101" cap="flat">
               <a:solidFill>
-                <a:srgbClr val="7F7F7F">
-                  <a:alpha val="100000"/>
-                </a:srgbClr>
-              </a:solidFill>
-              <a:prstDash val="solid"/>
-              <a:round/>
-            </a:ln>
-          </p:spPr>
-          <p:txBody>
-            <a:bodyPr/>
-            <a:lstStyle/>
-            <a:p/>
-          </p:txBody>
-        </p:sp>
-        <p:sp>
-          <p:nvSpPr>
-            <p:cNvPr id="46" name="pt45"/>
-            <p:cNvSpPr/>
-            <p:nvPr/>
-          </p:nvSpPr>
-          <p:spPr>
-            <a:xfrm>
-              <a:off x="1791501" y="3955516"/>
-              <a:ext cx="49651" cy="49651"/>
-            </a:xfrm>
-            <a:prstGeom prst="ellipse">
-              <a:avLst/>
-            </a:prstGeom>
-            <a:solidFill>
-              <a:srgbClr val="7F7F7F">
-                <a:alpha val="100000"/>
-              </a:srgbClr>
-            </a:solidFill>
-            <a:ln w="9000" cap="rnd">
-              <a:solidFill>
-                <a:srgbClr val="7F7F7F">
-                  <a:alpha val="100000"/>
-                </a:srgbClr>
-              </a:solidFill>
-              <a:prstDash val="solid"/>
-              <a:round/>
-            </a:ln>
-          </p:spPr>
-          <p:txBody>
-            <a:bodyPr/>
-            <a:lstStyle/>
-            <a:p/>
-          </p:txBody>
-        </p:sp>
-        <p:sp>
-          <p:nvSpPr>
-            <p:cNvPr id="47" name="pt46"/>
-            <p:cNvSpPr/>
-            <p:nvPr/>
-          </p:nvSpPr>
-          <p:spPr>
-            <a:xfrm>
-              <a:off x="2034148" y="3962819"/>
-              <a:ext cx="49651" cy="49651"/>
-            </a:xfrm>
-            <a:prstGeom prst="ellipse">
-              <a:avLst/>
-            </a:prstGeom>
-            <a:solidFill>
-              <a:srgbClr val="7F7F7F">
-                <a:alpha val="100000"/>
-              </a:srgbClr>
-            </a:solidFill>
-            <a:ln w="9000" cap="rnd">
-              <a:solidFill>
-                <a:srgbClr val="7F7F7F">
-                  <a:alpha val="100000"/>
-                </a:srgbClr>
-              </a:solidFill>
-              <a:prstDash val="solid"/>
-              <a:round/>
-            </a:ln>
-          </p:spPr>
-          <p:txBody>
-            <a:bodyPr/>
-            <a:lstStyle/>
-            <a:p/>
-          </p:txBody>
-        </p:sp>
-        <p:sp>
-          <p:nvSpPr>
-            <p:cNvPr id="48" name="pt47"/>
-            <p:cNvSpPr/>
-            <p:nvPr/>
-          </p:nvSpPr>
-          <p:spPr>
-            <a:xfrm>
-              <a:off x="2554106" y="3949975"/>
-              <a:ext cx="49651" cy="49651"/>
-            </a:xfrm>
-            <a:prstGeom prst="ellipse">
-              <a:avLst/>
-            </a:prstGeom>
-            <a:solidFill>
-              <a:srgbClr val="7F7F7F">
-                <a:alpha val="100000"/>
-              </a:srgbClr>
-            </a:solidFill>
-            <a:ln w="9000" cap="rnd">
-              <a:solidFill>
-                <a:srgbClr val="7F7F7F">
+                <a:srgbClr val="F8766D">
+                  <a:alpha val="100000"/>
+                </a:srgbClr>
+              </a:solidFill>
+              <a:prstDash val="solid"/>
+              <a:round/>
+            </a:ln>
+          </p:spPr>
+          <p:txBody>
+            <a:bodyPr/>
+            <a:lstStyle/>
+            <a:p/>
+          </p:txBody>
+        </p:sp>
+        <p:sp>
+          <p:nvSpPr>
+            <p:cNvPr id="46" name="pl45"/>
+            <p:cNvSpPr/>
+            <p:nvPr/>
+          </p:nvSpPr>
+          <p:spPr>
+            <a:xfrm>
+              <a:off x="1822225" y="1128901"/>
+              <a:ext cx="3493844" cy="2873263"/>
+            </a:xfrm>
+            <a:custGeom>
+              <a:avLst/>
+              <a:pathLst>
+                <a:path w="3493844" h="2873263">
+                  <a:moveTo>
+                    <a:pt x="0" y="2851440"/>
+                  </a:moveTo>
+                  <a:lnTo>
+                    <a:pt x="247039" y="2858743"/>
+                  </a:lnTo>
+                  <a:lnTo>
+                    <a:pt x="776409" y="2845899"/>
+                  </a:lnTo>
+                  <a:lnTo>
+                    <a:pt x="1235197" y="2647128"/>
+                  </a:lnTo>
+                  <a:lnTo>
+                    <a:pt x="1305780" y="2568529"/>
+                  </a:lnTo>
+                  <a:lnTo>
+                    <a:pt x="1376363" y="2465538"/>
+                  </a:lnTo>
+                  <a:lnTo>
+                    <a:pt x="1482237" y="2243471"/>
+                  </a:lnTo>
+                  <a:lnTo>
+                    <a:pt x="1588111" y="1897257"/>
+                  </a:lnTo>
+                  <a:lnTo>
+                    <a:pt x="1658694" y="1580719"/>
+                  </a:lnTo>
+                  <a:lnTo>
+                    <a:pt x="1729276" y="1191045"/>
+                  </a:lnTo>
+                  <a:lnTo>
+                    <a:pt x="1799859" y="798978"/>
+                  </a:lnTo>
+                  <a:lnTo>
+                    <a:pt x="1870442" y="386142"/>
+                  </a:lnTo>
+                  <a:lnTo>
+                    <a:pt x="1941024" y="142911"/>
+                  </a:lnTo>
+                  <a:lnTo>
+                    <a:pt x="2011607" y="0"/>
+                  </a:lnTo>
+                  <a:lnTo>
+                    <a:pt x="2082190" y="1579"/>
+                  </a:lnTo>
+                  <a:lnTo>
+                    <a:pt x="2152773" y="94031"/>
+                  </a:lnTo>
+                  <a:lnTo>
+                    <a:pt x="2223355" y="227050"/>
+                  </a:lnTo>
+                  <a:lnTo>
+                    <a:pt x="2293938" y="469090"/>
+                  </a:lnTo>
+                  <a:lnTo>
+                    <a:pt x="2364521" y="750742"/>
+                  </a:lnTo>
+                  <a:lnTo>
+                    <a:pt x="2435104" y="1052766"/>
+                  </a:lnTo>
+                  <a:lnTo>
+                    <a:pt x="2505686" y="1372765"/>
+                  </a:lnTo>
+                  <a:lnTo>
+                    <a:pt x="2611560" y="1777786"/>
+                  </a:lnTo>
+                  <a:lnTo>
+                    <a:pt x="2717434" y="2093779"/>
+                  </a:lnTo>
+                  <a:lnTo>
+                    <a:pt x="2788017" y="2259622"/>
+                  </a:lnTo>
+                  <a:lnTo>
+                    <a:pt x="2858600" y="2403024"/>
+                  </a:lnTo>
+                  <a:lnTo>
+                    <a:pt x="3070348" y="2685898"/>
+                  </a:lnTo>
+                  <a:lnTo>
+                    <a:pt x="3282096" y="2816196"/>
+                  </a:lnTo>
+                  <a:lnTo>
+                    <a:pt x="3493844" y="2873263"/>
+                  </a:lnTo>
+                </a:path>
+              </a:pathLst>
+            </a:custGeom>
+            <a:ln w="27101" cap="flat">
+              <a:solidFill>
+                <a:srgbClr val="7CAE00">
+                  <a:alpha val="100000"/>
+                </a:srgbClr>
+              </a:solidFill>
+              <a:prstDash val="solid"/>
+              <a:round/>
+            </a:ln>
+          </p:spPr>
+          <p:txBody>
+            <a:bodyPr/>
+            <a:lstStyle/>
+            <a:p/>
+          </p:txBody>
+        </p:sp>
+        <p:sp>
+          <p:nvSpPr>
+            <p:cNvPr id="47" name="pl46"/>
+            <p:cNvSpPr/>
+            <p:nvPr/>
+          </p:nvSpPr>
+          <p:spPr>
+            <a:xfrm>
+              <a:off x="2386887" y="1428449"/>
+              <a:ext cx="2999765" cy="2598704"/>
+            </a:xfrm>
+            <a:custGeom>
+              <a:avLst/>
+              <a:pathLst>
+                <a:path w="2999765" h="2598704">
+                  <a:moveTo>
+                    <a:pt x="0" y="2598704"/>
+                  </a:moveTo>
+                  <a:lnTo>
+                    <a:pt x="776409" y="2465087"/>
+                  </a:lnTo>
+                  <a:lnTo>
+                    <a:pt x="917575" y="2364945"/>
+                  </a:lnTo>
+                  <a:lnTo>
+                    <a:pt x="1058740" y="2179823"/>
+                  </a:lnTo>
+                  <a:lnTo>
+                    <a:pt x="1164614" y="1950499"/>
+                  </a:lnTo>
+                  <a:lnTo>
+                    <a:pt x="1235197" y="1741965"/>
+                  </a:lnTo>
+                  <a:lnTo>
+                    <a:pt x="1305780" y="1479779"/>
+                  </a:lnTo>
+                  <a:lnTo>
+                    <a:pt x="1376363" y="1168040"/>
+                  </a:lnTo>
+                  <a:lnTo>
+                    <a:pt x="1446945" y="826645"/>
+                  </a:lnTo>
+                  <a:lnTo>
+                    <a:pt x="1517528" y="468222"/>
+                  </a:lnTo>
+                  <a:lnTo>
+                    <a:pt x="1588111" y="142125"/>
+                  </a:lnTo>
+                  <a:lnTo>
+                    <a:pt x="1658694" y="0"/>
+                  </a:lnTo>
+                  <a:lnTo>
+                    <a:pt x="1729276" y="19246"/>
+                  </a:lnTo>
+                  <a:lnTo>
+                    <a:pt x="1799859" y="199597"/>
+                  </a:lnTo>
+                  <a:lnTo>
+                    <a:pt x="1870442" y="549580"/>
+                  </a:lnTo>
+                  <a:lnTo>
+                    <a:pt x="1941024" y="899311"/>
+                  </a:lnTo>
+                  <a:lnTo>
+                    <a:pt x="2011607" y="1221618"/>
+                  </a:lnTo>
+                  <a:lnTo>
+                    <a:pt x="2082190" y="1493962"/>
+                  </a:lnTo>
+                  <a:lnTo>
+                    <a:pt x="2152773" y="1703602"/>
+                  </a:lnTo>
+                  <a:lnTo>
+                    <a:pt x="2258647" y="1931031"/>
+                  </a:lnTo>
+                  <a:lnTo>
+                    <a:pt x="2364521" y="2083731"/>
+                  </a:lnTo>
+                  <a:lnTo>
+                    <a:pt x="2435104" y="2162401"/>
+                  </a:lnTo>
+                  <a:lnTo>
+                    <a:pt x="2576269" y="2288939"/>
+                  </a:lnTo>
+                  <a:lnTo>
+                    <a:pt x="2717434" y="2385294"/>
+                  </a:lnTo>
+                  <a:lnTo>
+                    <a:pt x="2823308" y="2444655"/>
+                  </a:lnTo>
+                  <a:lnTo>
+                    <a:pt x="2999765" y="2516307"/>
+                  </a:lnTo>
+                </a:path>
+              </a:pathLst>
+            </a:custGeom>
+            <a:ln w="27101" cap="flat">
+              <a:solidFill>
+                <a:srgbClr val="00BFC4">
+                  <a:alpha val="100000"/>
+                </a:srgbClr>
+              </a:solidFill>
+              <a:prstDash val="solid"/>
+              <a:round/>
+            </a:ln>
+          </p:spPr>
+          <p:txBody>
+            <a:bodyPr/>
+            <a:lstStyle/>
+            <a:p/>
+          </p:txBody>
+        </p:sp>
+        <p:sp>
+          <p:nvSpPr>
+            <p:cNvPr id="48" name="pl47"/>
+            <p:cNvSpPr/>
+            <p:nvPr/>
+          </p:nvSpPr>
+          <p:spPr>
+            <a:xfrm>
+              <a:off x="2351595" y="1312876"/>
+              <a:ext cx="3035057" cy="2713705"/>
+            </a:xfrm>
+            <a:custGeom>
+              <a:avLst/>
+              <a:pathLst>
+                <a:path w="3035057" h="2713705">
+                  <a:moveTo>
+                    <a:pt x="0" y="2713705"/>
+                  </a:moveTo>
+                  <a:lnTo>
+                    <a:pt x="741118" y="2602025"/>
+                  </a:lnTo>
+                  <a:lnTo>
+                    <a:pt x="846992" y="2546114"/>
+                  </a:lnTo>
+                  <a:lnTo>
+                    <a:pt x="988158" y="2417700"/>
+                  </a:lnTo>
+                  <a:lnTo>
+                    <a:pt x="1129323" y="2163027"/>
+                  </a:lnTo>
+                  <a:lnTo>
+                    <a:pt x="1199906" y="1958439"/>
+                  </a:lnTo>
+                  <a:lnTo>
+                    <a:pt x="1270489" y="1690973"/>
+                  </a:lnTo>
+                  <a:lnTo>
+                    <a:pt x="1341071" y="1361551"/>
+                  </a:lnTo>
+                  <a:lnTo>
+                    <a:pt x="1411654" y="987876"/>
+                  </a:lnTo>
+                  <a:lnTo>
+                    <a:pt x="1482237" y="678887"/>
+                  </a:lnTo>
+                  <a:lnTo>
+                    <a:pt x="1552819" y="403254"/>
+                  </a:lnTo>
+                  <a:lnTo>
+                    <a:pt x="1623402" y="178535"/>
+                  </a:lnTo>
+                  <a:lnTo>
+                    <a:pt x="1693985" y="19806"/>
+                  </a:lnTo>
+                  <a:lnTo>
+                    <a:pt x="1764568" y="0"/>
+                  </a:lnTo>
+                  <a:lnTo>
+                    <a:pt x="1835150" y="116156"/>
+                  </a:lnTo>
+                  <a:lnTo>
+                    <a:pt x="1905733" y="420091"/>
+                  </a:lnTo>
+                  <a:lnTo>
+                    <a:pt x="1976316" y="798429"/>
+                  </a:lnTo>
+                  <a:lnTo>
+                    <a:pt x="2046899" y="1168160"/>
+                  </a:lnTo>
+                  <a:lnTo>
+                    <a:pt x="2117481" y="1508785"/>
+                  </a:lnTo>
+                  <a:lnTo>
+                    <a:pt x="2223355" y="1884408"/>
+                  </a:lnTo>
+                  <a:lnTo>
+                    <a:pt x="2399812" y="2197186"/>
+                  </a:lnTo>
+                  <a:lnTo>
+                    <a:pt x="2540978" y="2319526"/>
+                  </a:lnTo>
+                  <a:lnTo>
+                    <a:pt x="2611560" y="2364163"/>
+                  </a:lnTo>
+                  <a:lnTo>
+                    <a:pt x="2682143" y="2407003"/>
+                  </a:lnTo>
+                  <a:lnTo>
+                    <a:pt x="2823308" y="2483678"/>
+                  </a:lnTo>
+                  <a:lnTo>
+                    <a:pt x="3035057" y="2568966"/>
+                  </a:lnTo>
+                </a:path>
+              </a:pathLst>
+            </a:custGeom>
+            <a:ln w="27101" cap="flat">
+              <a:solidFill>
+                <a:srgbClr val="C77CFF">
                   <a:alpha val="100000"/>
                 </a:srgbClr>
               </a:solidFill>
@@ -4447,20 +4444,20 @@
           </p:nvSpPr>
           <p:spPr>
             <a:xfrm>
-              <a:off x="3004737" y="3751204"/>
-              <a:ext cx="49651" cy="49651"/>
-            </a:xfrm>
-            <a:prstGeom prst="ellipse">
-              <a:avLst/>
-            </a:prstGeom>
-            <a:solidFill>
-              <a:srgbClr val="7F7F7F">
-                <a:alpha val="100000"/>
-              </a:srgbClr>
-            </a:solidFill>
-            <a:ln w="9000" cap="rnd">
-              <a:solidFill>
-                <a:srgbClr val="7F7F7F">
+              <a:off x="1797399" y="3955516"/>
+              <a:ext cx="49651" cy="49651"/>
+            </a:xfrm>
+            <a:prstGeom prst="ellipse">
+              <a:avLst/>
+            </a:prstGeom>
+            <a:solidFill>
+              <a:srgbClr val="7CAE00">
+                <a:alpha val="100000"/>
+              </a:srgbClr>
+            </a:solidFill>
+            <a:ln w="9000" cap="rnd">
+              <a:solidFill>
+                <a:srgbClr val="7CAE00">
                   <a:alpha val="100000"/>
                 </a:srgbClr>
               </a:solidFill>
@@ -4482,20 +4479,20 @@
           </p:nvSpPr>
           <p:spPr>
             <a:xfrm>
-              <a:off x="3074065" y="3672605"/>
-              <a:ext cx="49651" cy="49651"/>
-            </a:xfrm>
-            <a:prstGeom prst="ellipse">
-              <a:avLst/>
-            </a:prstGeom>
-            <a:solidFill>
-              <a:srgbClr val="7F7F7F">
-                <a:alpha val="100000"/>
-              </a:srgbClr>
-            </a:solidFill>
-            <a:ln w="9000" cap="rnd">
-              <a:solidFill>
-                <a:srgbClr val="7F7F7F">
+              <a:off x="2044438" y="3962819"/>
+              <a:ext cx="49651" cy="49651"/>
+            </a:xfrm>
+            <a:prstGeom prst="ellipse">
+              <a:avLst/>
+            </a:prstGeom>
+            <a:solidFill>
+              <a:srgbClr val="7CAE00">
+                <a:alpha val="100000"/>
+              </a:srgbClr>
+            </a:solidFill>
+            <a:ln w="9000" cap="rnd">
+              <a:solidFill>
+                <a:srgbClr val="7CAE00">
                   <a:alpha val="100000"/>
                 </a:srgbClr>
               </a:solidFill>
@@ -4517,20 +4514,20 @@
           </p:nvSpPr>
           <p:spPr>
             <a:xfrm>
-              <a:off x="3143393" y="3569613"/>
-              <a:ext cx="49651" cy="49651"/>
-            </a:xfrm>
-            <a:prstGeom prst="ellipse">
-              <a:avLst/>
-            </a:prstGeom>
-            <a:solidFill>
-              <a:srgbClr val="7F7F7F">
-                <a:alpha val="100000"/>
-              </a:srgbClr>
-            </a:solidFill>
-            <a:ln w="9000" cap="rnd">
-              <a:solidFill>
-                <a:srgbClr val="7F7F7F">
+              <a:off x="2573809" y="3949975"/>
+              <a:ext cx="49651" cy="49651"/>
+            </a:xfrm>
+            <a:prstGeom prst="ellipse">
+              <a:avLst/>
+            </a:prstGeom>
+            <a:solidFill>
+              <a:srgbClr val="7CAE00">
+                <a:alpha val="100000"/>
+              </a:srgbClr>
+            </a:solidFill>
+            <a:ln w="9000" cap="rnd">
+              <a:solidFill>
+                <a:srgbClr val="7CAE00">
                   <a:alpha val="100000"/>
                 </a:srgbClr>
               </a:solidFill>
@@ -4552,20 +4549,20 @@
           </p:nvSpPr>
           <p:spPr>
             <a:xfrm>
-              <a:off x="3247384" y="3347547"/>
-              <a:ext cx="49651" cy="49651"/>
-            </a:xfrm>
-            <a:prstGeom prst="ellipse">
-              <a:avLst/>
-            </a:prstGeom>
-            <a:solidFill>
-              <a:srgbClr val="7F7F7F">
-                <a:alpha val="100000"/>
-              </a:srgbClr>
-            </a:solidFill>
-            <a:ln w="9000" cap="rnd">
-              <a:solidFill>
-                <a:srgbClr val="7F7F7F">
+              <a:off x="3032596" y="3751204"/>
+              <a:ext cx="49651" cy="49651"/>
+            </a:xfrm>
+            <a:prstGeom prst="ellipse">
+              <a:avLst/>
+            </a:prstGeom>
+            <a:solidFill>
+              <a:srgbClr val="7CAE00">
+                <a:alpha val="100000"/>
+              </a:srgbClr>
+            </a:solidFill>
+            <a:ln w="9000" cap="rnd">
+              <a:solidFill>
+                <a:srgbClr val="7CAE00">
                   <a:alpha val="100000"/>
                 </a:srgbClr>
               </a:solidFill>
@@ -4587,20 +4584,20 @@
           </p:nvSpPr>
           <p:spPr>
             <a:xfrm>
-              <a:off x="3351376" y="3001333"/>
-              <a:ext cx="49651" cy="49651"/>
-            </a:xfrm>
-            <a:prstGeom prst="ellipse">
-              <a:avLst/>
-            </a:prstGeom>
-            <a:solidFill>
-              <a:srgbClr val="7F7F7F">
-                <a:alpha val="100000"/>
-              </a:srgbClr>
-            </a:solidFill>
-            <a:ln w="9000" cap="rnd">
-              <a:solidFill>
-                <a:srgbClr val="7F7F7F">
+              <a:off x="3103179" y="3672605"/>
+              <a:ext cx="49651" cy="49651"/>
+            </a:xfrm>
+            <a:prstGeom prst="ellipse">
+              <a:avLst/>
+            </a:prstGeom>
+            <a:solidFill>
+              <a:srgbClr val="7CAE00">
+                <a:alpha val="100000"/>
+              </a:srgbClr>
+            </a:solidFill>
+            <a:ln w="9000" cap="rnd">
+              <a:solidFill>
+                <a:srgbClr val="7CAE00">
                   <a:alpha val="100000"/>
                 </a:srgbClr>
               </a:solidFill>
@@ -4622,20 +4619,20 @@
           </p:nvSpPr>
           <p:spPr>
             <a:xfrm>
-              <a:off x="3420704" y="2684794"/>
-              <a:ext cx="49651" cy="49651"/>
-            </a:xfrm>
-            <a:prstGeom prst="ellipse">
-              <a:avLst/>
-            </a:prstGeom>
-            <a:solidFill>
-              <a:srgbClr val="7F7F7F">
-                <a:alpha val="100000"/>
-              </a:srgbClr>
-            </a:solidFill>
-            <a:ln w="9000" cap="rnd">
-              <a:solidFill>
-                <a:srgbClr val="7F7F7F">
+              <a:off x="3173762" y="3569613"/>
+              <a:ext cx="49651" cy="49651"/>
+            </a:xfrm>
+            <a:prstGeom prst="ellipse">
+              <a:avLst/>
+            </a:prstGeom>
+            <a:solidFill>
+              <a:srgbClr val="7CAE00">
+                <a:alpha val="100000"/>
+              </a:srgbClr>
+            </a:solidFill>
+            <a:ln w="9000" cap="rnd">
+              <a:solidFill>
+                <a:srgbClr val="7CAE00">
                   <a:alpha val="100000"/>
                 </a:srgbClr>
               </a:solidFill>
@@ -4657,20 +4654,20 @@
           </p:nvSpPr>
           <p:spPr>
             <a:xfrm>
-              <a:off x="3490031" y="2295121"/>
-              <a:ext cx="49651" cy="49651"/>
-            </a:xfrm>
-            <a:prstGeom prst="ellipse">
-              <a:avLst/>
-            </a:prstGeom>
-            <a:solidFill>
-              <a:srgbClr val="7F7F7F">
-                <a:alpha val="100000"/>
-              </a:srgbClr>
-            </a:solidFill>
-            <a:ln w="9000" cap="rnd">
-              <a:solidFill>
-                <a:srgbClr val="7F7F7F">
+              <a:off x="3279636" y="3347547"/>
+              <a:ext cx="49651" cy="49651"/>
+            </a:xfrm>
+            <a:prstGeom prst="ellipse">
+              <a:avLst/>
+            </a:prstGeom>
+            <a:solidFill>
+              <a:srgbClr val="7CAE00">
+                <a:alpha val="100000"/>
+              </a:srgbClr>
+            </a:solidFill>
+            <a:ln w="9000" cap="rnd">
+              <a:solidFill>
+                <a:srgbClr val="7CAE00">
                   <a:alpha val="100000"/>
                 </a:srgbClr>
               </a:solidFill>
@@ -4692,20 +4689,20 @@
           </p:nvSpPr>
           <p:spPr>
             <a:xfrm>
-              <a:off x="3559359" y="1903054"/>
-              <a:ext cx="49651" cy="49651"/>
-            </a:xfrm>
-            <a:prstGeom prst="ellipse">
-              <a:avLst/>
-            </a:prstGeom>
-            <a:solidFill>
-              <a:srgbClr val="7F7F7F">
-                <a:alpha val="100000"/>
-              </a:srgbClr>
-            </a:solidFill>
-            <a:ln w="9000" cap="rnd">
-              <a:solidFill>
-                <a:srgbClr val="7F7F7F">
+              <a:off x="3385510" y="3001333"/>
+              <a:ext cx="49651" cy="49651"/>
+            </a:xfrm>
+            <a:prstGeom prst="ellipse">
+              <a:avLst/>
+            </a:prstGeom>
+            <a:solidFill>
+              <a:srgbClr val="7CAE00">
+                <a:alpha val="100000"/>
+              </a:srgbClr>
+            </a:solidFill>
+            <a:ln w="9000" cap="rnd">
+              <a:solidFill>
+                <a:srgbClr val="7CAE00">
                   <a:alpha val="100000"/>
                 </a:srgbClr>
               </a:solidFill>
@@ -4727,20 +4724,20 @@
           </p:nvSpPr>
           <p:spPr>
             <a:xfrm>
-              <a:off x="3628687" y="1490218"/>
-              <a:ext cx="49651" cy="49651"/>
-            </a:xfrm>
-            <a:prstGeom prst="ellipse">
-              <a:avLst/>
-            </a:prstGeom>
-            <a:solidFill>
-              <a:srgbClr val="7F7F7F">
-                <a:alpha val="100000"/>
-              </a:srgbClr>
-            </a:solidFill>
-            <a:ln w="9000" cap="rnd">
-              <a:solidFill>
-                <a:srgbClr val="7F7F7F">
+              <a:off x="3456093" y="2684794"/>
+              <a:ext cx="49651" cy="49651"/>
+            </a:xfrm>
+            <a:prstGeom prst="ellipse">
+              <a:avLst/>
+            </a:prstGeom>
+            <a:solidFill>
+              <a:srgbClr val="7CAE00">
+                <a:alpha val="100000"/>
+              </a:srgbClr>
+            </a:solidFill>
+            <a:ln w="9000" cap="rnd">
+              <a:solidFill>
+                <a:srgbClr val="7CAE00">
                   <a:alpha val="100000"/>
                 </a:srgbClr>
               </a:solidFill>
@@ -4762,20 +4759,20 @@
           </p:nvSpPr>
           <p:spPr>
             <a:xfrm>
-              <a:off x="3698015" y="1246987"/>
-              <a:ext cx="49651" cy="49651"/>
-            </a:xfrm>
-            <a:prstGeom prst="ellipse">
-              <a:avLst/>
-            </a:prstGeom>
-            <a:solidFill>
-              <a:srgbClr val="7F7F7F">
-                <a:alpha val="100000"/>
-              </a:srgbClr>
-            </a:solidFill>
-            <a:ln w="9000" cap="rnd">
-              <a:solidFill>
-                <a:srgbClr val="7F7F7F">
+              <a:off x="3526676" y="2295121"/>
+              <a:ext cx="49651" cy="49651"/>
+            </a:xfrm>
+            <a:prstGeom prst="ellipse">
+              <a:avLst/>
+            </a:prstGeom>
+            <a:solidFill>
+              <a:srgbClr val="7CAE00">
+                <a:alpha val="100000"/>
+              </a:srgbClr>
+            </a:solidFill>
+            <a:ln w="9000" cap="rnd">
+              <a:solidFill>
+                <a:srgbClr val="7CAE00">
                   <a:alpha val="100000"/>
                 </a:srgbClr>
               </a:solidFill>
@@ -4797,20 +4794,20 @@
           </p:nvSpPr>
           <p:spPr>
             <a:xfrm>
-              <a:off x="3767343" y="1104075"/>
-              <a:ext cx="49651" cy="49651"/>
-            </a:xfrm>
-            <a:prstGeom prst="ellipse">
-              <a:avLst/>
-            </a:prstGeom>
-            <a:solidFill>
-              <a:srgbClr val="7F7F7F">
-                <a:alpha val="100000"/>
-              </a:srgbClr>
-            </a:solidFill>
-            <a:ln w="9000" cap="rnd">
-              <a:solidFill>
-                <a:srgbClr val="7F7F7F">
+              <a:off x="3597258" y="1903054"/>
+              <a:ext cx="49651" cy="49651"/>
+            </a:xfrm>
+            <a:prstGeom prst="ellipse">
+              <a:avLst/>
+            </a:prstGeom>
+            <a:solidFill>
+              <a:srgbClr val="7CAE00">
+                <a:alpha val="100000"/>
+              </a:srgbClr>
+            </a:solidFill>
+            <a:ln w="9000" cap="rnd">
+              <a:solidFill>
+                <a:srgbClr val="7CAE00">
                   <a:alpha val="100000"/>
                 </a:srgbClr>
               </a:solidFill>
@@ -4832,20 +4829,20 @@
           </p:nvSpPr>
           <p:spPr>
             <a:xfrm>
-              <a:off x="3836670" y="1105654"/>
-              <a:ext cx="49651" cy="49651"/>
-            </a:xfrm>
-            <a:prstGeom prst="ellipse">
-              <a:avLst/>
-            </a:prstGeom>
-            <a:solidFill>
-              <a:srgbClr val="7F7F7F">
-                <a:alpha val="100000"/>
-              </a:srgbClr>
-            </a:solidFill>
-            <a:ln w="9000" cap="rnd">
-              <a:solidFill>
-                <a:srgbClr val="7F7F7F">
+              <a:off x="3667841" y="1490218"/>
+              <a:ext cx="49651" cy="49651"/>
+            </a:xfrm>
+            <a:prstGeom prst="ellipse">
+              <a:avLst/>
+            </a:prstGeom>
+            <a:solidFill>
+              <a:srgbClr val="7CAE00">
+                <a:alpha val="100000"/>
+              </a:srgbClr>
+            </a:solidFill>
+            <a:ln w="9000" cap="rnd">
+              <a:solidFill>
+                <a:srgbClr val="7CAE00">
                   <a:alpha val="100000"/>
                 </a:srgbClr>
               </a:solidFill>
@@ -4867,20 +4864,20 @@
           </p:nvSpPr>
           <p:spPr>
             <a:xfrm>
-              <a:off x="3905998" y="1198106"/>
-              <a:ext cx="49651" cy="49651"/>
-            </a:xfrm>
-            <a:prstGeom prst="ellipse">
-              <a:avLst/>
-            </a:prstGeom>
-            <a:solidFill>
-              <a:srgbClr val="7F7F7F">
-                <a:alpha val="100000"/>
-              </a:srgbClr>
-            </a:solidFill>
-            <a:ln w="9000" cap="rnd">
-              <a:solidFill>
-                <a:srgbClr val="7F7F7F">
+              <a:off x="3738424" y="1246987"/>
+              <a:ext cx="49651" cy="49651"/>
+            </a:xfrm>
+            <a:prstGeom prst="ellipse">
+              <a:avLst/>
+            </a:prstGeom>
+            <a:solidFill>
+              <a:srgbClr val="7CAE00">
+                <a:alpha val="100000"/>
+              </a:srgbClr>
+            </a:solidFill>
+            <a:ln w="9000" cap="rnd">
+              <a:solidFill>
+                <a:srgbClr val="7CAE00">
                   <a:alpha val="100000"/>
                 </a:srgbClr>
               </a:solidFill>
@@ -4902,20 +4899,20 @@
           </p:nvSpPr>
           <p:spPr>
             <a:xfrm>
-              <a:off x="3975326" y="1331125"/>
-              <a:ext cx="49651" cy="49651"/>
-            </a:xfrm>
-            <a:prstGeom prst="ellipse">
-              <a:avLst/>
-            </a:prstGeom>
-            <a:solidFill>
-              <a:srgbClr val="7F7F7F">
-                <a:alpha val="100000"/>
-              </a:srgbClr>
-            </a:solidFill>
-            <a:ln w="9000" cap="rnd">
-              <a:solidFill>
-                <a:srgbClr val="7F7F7F">
+              <a:off x="3809006" y="1104075"/>
+              <a:ext cx="49651" cy="49651"/>
+            </a:xfrm>
+            <a:prstGeom prst="ellipse">
+              <a:avLst/>
+            </a:prstGeom>
+            <a:solidFill>
+              <a:srgbClr val="7CAE00">
+                <a:alpha val="100000"/>
+              </a:srgbClr>
+            </a:solidFill>
+            <a:ln w="9000" cap="rnd">
+              <a:solidFill>
+                <a:srgbClr val="7CAE00">
                   <a:alpha val="100000"/>
                 </a:srgbClr>
               </a:solidFill>
@@ -4937,20 +4934,20 @@
           </p:nvSpPr>
           <p:spPr>
             <a:xfrm>
-              <a:off x="4044654" y="1573165"/>
-              <a:ext cx="49651" cy="49651"/>
-            </a:xfrm>
-            <a:prstGeom prst="ellipse">
-              <a:avLst/>
-            </a:prstGeom>
-            <a:solidFill>
-              <a:srgbClr val="7F7F7F">
-                <a:alpha val="100000"/>
-              </a:srgbClr>
-            </a:solidFill>
-            <a:ln w="9000" cap="rnd">
-              <a:solidFill>
-                <a:srgbClr val="7F7F7F">
+              <a:off x="3879589" y="1105654"/>
+              <a:ext cx="49651" cy="49651"/>
+            </a:xfrm>
+            <a:prstGeom prst="ellipse">
+              <a:avLst/>
+            </a:prstGeom>
+            <a:solidFill>
+              <a:srgbClr val="7CAE00">
+                <a:alpha val="100000"/>
+              </a:srgbClr>
+            </a:solidFill>
+            <a:ln w="9000" cap="rnd">
+              <a:solidFill>
+                <a:srgbClr val="7CAE00">
                   <a:alpha val="100000"/>
                 </a:srgbClr>
               </a:solidFill>
@@ -4972,20 +4969,20 @@
           </p:nvSpPr>
           <p:spPr>
             <a:xfrm>
-              <a:off x="4113982" y="1854817"/>
-              <a:ext cx="49651" cy="49651"/>
-            </a:xfrm>
-            <a:prstGeom prst="ellipse">
-              <a:avLst/>
-            </a:prstGeom>
-            <a:solidFill>
-              <a:srgbClr val="7F7F7F">
-                <a:alpha val="100000"/>
-              </a:srgbClr>
-            </a:solidFill>
-            <a:ln w="9000" cap="rnd">
-              <a:solidFill>
-                <a:srgbClr val="7F7F7F">
+              <a:off x="3950172" y="1198106"/>
+              <a:ext cx="49651" cy="49651"/>
+            </a:xfrm>
+            <a:prstGeom prst="ellipse">
+              <a:avLst/>
+            </a:prstGeom>
+            <a:solidFill>
+              <a:srgbClr val="7CAE00">
+                <a:alpha val="100000"/>
+              </a:srgbClr>
+            </a:solidFill>
+            <a:ln w="9000" cap="rnd">
+              <a:solidFill>
+                <a:srgbClr val="7CAE00">
                   <a:alpha val="100000"/>
                 </a:srgbClr>
               </a:solidFill>
@@ -5007,20 +5004,20 @@
           </p:nvSpPr>
           <p:spPr>
             <a:xfrm>
-              <a:off x="4183309" y="2156842"/>
-              <a:ext cx="49651" cy="49651"/>
-            </a:xfrm>
-            <a:prstGeom prst="ellipse">
-              <a:avLst/>
-            </a:prstGeom>
-            <a:solidFill>
-              <a:srgbClr val="7F7F7F">
-                <a:alpha val="100000"/>
-              </a:srgbClr>
-            </a:solidFill>
-            <a:ln w="9000" cap="rnd">
-              <a:solidFill>
-                <a:srgbClr val="7F7F7F">
+              <a:off x="4020755" y="1331125"/>
+              <a:ext cx="49651" cy="49651"/>
+            </a:xfrm>
+            <a:prstGeom prst="ellipse">
+              <a:avLst/>
+            </a:prstGeom>
+            <a:solidFill>
+              <a:srgbClr val="7CAE00">
+                <a:alpha val="100000"/>
+              </a:srgbClr>
+            </a:solidFill>
+            <a:ln w="9000" cap="rnd">
+              <a:solidFill>
+                <a:srgbClr val="7CAE00">
                   <a:alpha val="100000"/>
                 </a:srgbClr>
               </a:solidFill>
@@ -5042,20 +5039,20 @@
           </p:nvSpPr>
           <p:spPr>
             <a:xfrm>
-              <a:off x="4252637" y="2476840"/>
-              <a:ext cx="49651" cy="49651"/>
-            </a:xfrm>
-            <a:prstGeom prst="ellipse">
-              <a:avLst/>
-            </a:prstGeom>
-            <a:solidFill>
-              <a:srgbClr val="7F7F7F">
-                <a:alpha val="100000"/>
-              </a:srgbClr>
-            </a:solidFill>
-            <a:ln w="9000" cap="rnd">
-              <a:solidFill>
-                <a:srgbClr val="7F7F7F">
+              <a:off x="4091337" y="1573165"/>
+              <a:ext cx="49651" cy="49651"/>
+            </a:xfrm>
+            <a:prstGeom prst="ellipse">
+              <a:avLst/>
+            </a:prstGeom>
+            <a:solidFill>
+              <a:srgbClr val="7CAE00">
+                <a:alpha val="100000"/>
+              </a:srgbClr>
+            </a:solidFill>
+            <a:ln w="9000" cap="rnd">
+              <a:solidFill>
+                <a:srgbClr val="7CAE00">
                   <a:alpha val="100000"/>
                 </a:srgbClr>
               </a:solidFill>
@@ -5077,20 +5074,20 @@
           </p:nvSpPr>
           <p:spPr>
             <a:xfrm>
-              <a:off x="4356629" y="2881861"/>
-              <a:ext cx="49651" cy="49651"/>
-            </a:xfrm>
-            <a:prstGeom prst="ellipse">
-              <a:avLst/>
-            </a:prstGeom>
-            <a:solidFill>
-              <a:srgbClr val="7F7F7F">
-                <a:alpha val="100000"/>
-              </a:srgbClr>
-            </a:solidFill>
-            <a:ln w="9000" cap="rnd">
-              <a:solidFill>
-                <a:srgbClr val="7F7F7F">
+              <a:off x="4161920" y="1854817"/>
+              <a:ext cx="49651" cy="49651"/>
+            </a:xfrm>
+            <a:prstGeom prst="ellipse">
+              <a:avLst/>
+            </a:prstGeom>
+            <a:solidFill>
+              <a:srgbClr val="7CAE00">
+                <a:alpha val="100000"/>
+              </a:srgbClr>
+            </a:solidFill>
+            <a:ln w="9000" cap="rnd">
+              <a:solidFill>
+                <a:srgbClr val="7CAE00">
                   <a:alpha val="100000"/>
                 </a:srgbClr>
               </a:solidFill>
@@ -5112,20 +5109,20 @@
           </p:nvSpPr>
           <p:spPr>
             <a:xfrm>
-              <a:off x="4460621" y="3197855"/>
-              <a:ext cx="49651" cy="49651"/>
-            </a:xfrm>
-            <a:prstGeom prst="ellipse">
-              <a:avLst/>
-            </a:prstGeom>
-            <a:solidFill>
-              <a:srgbClr val="7F7F7F">
-                <a:alpha val="100000"/>
-              </a:srgbClr>
-            </a:solidFill>
-            <a:ln w="9000" cap="rnd">
-              <a:solidFill>
-                <a:srgbClr val="7F7F7F">
+              <a:off x="4232503" y="2156842"/>
+              <a:ext cx="49651" cy="49651"/>
+            </a:xfrm>
+            <a:prstGeom prst="ellipse">
+              <a:avLst/>
+            </a:prstGeom>
+            <a:solidFill>
+              <a:srgbClr val="7CAE00">
+                <a:alpha val="100000"/>
+              </a:srgbClr>
+            </a:solidFill>
+            <a:ln w="9000" cap="rnd">
+              <a:solidFill>
+                <a:srgbClr val="7CAE00">
                   <a:alpha val="100000"/>
                 </a:srgbClr>
               </a:solidFill>
@@ -5147,20 +5144,20 @@
           </p:nvSpPr>
           <p:spPr>
             <a:xfrm>
-              <a:off x="4529948" y="3363698"/>
-              <a:ext cx="49651" cy="49651"/>
-            </a:xfrm>
-            <a:prstGeom prst="ellipse">
-              <a:avLst/>
-            </a:prstGeom>
-            <a:solidFill>
-              <a:srgbClr val="7F7F7F">
-                <a:alpha val="100000"/>
-              </a:srgbClr>
-            </a:solidFill>
-            <a:ln w="9000" cap="rnd">
-              <a:solidFill>
-                <a:srgbClr val="7F7F7F">
+              <a:off x="4303086" y="2476840"/>
+              <a:ext cx="49651" cy="49651"/>
+            </a:xfrm>
+            <a:prstGeom prst="ellipse">
+              <a:avLst/>
+            </a:prstGeom>
+            <a:solidFill>
+              <a:srgbClr val="7CAE00">
+                <a:alpha val="100000"/>
+              </a:srgbClr>
+            </a:solidFill>
+            <a:ln w="9000" cap="rnd">
+              <a:solidFill>
+                <a:srgbClr val="7CAE00">
                   <a:alpha val="100000"/>
                 </a:srgbClr>
               </a:solidFill>
@@ -5182,20 +5179,20 @@
           </p:nvSpPr>
           <p:spPr>
             <a:xfrm>
-              <a:off x="4599276" y="3507100"/>
-              <a:ext cx="49651" cy="49651"/>
-            </a:xfrm>
-            <a:prstGeom prst="ellipse">
-              <a:avLst/>
-            </a:prstGeom>
-            <a:solidFill>
-              <a:srgbClr val="7F7F7F">
-                <a:alpha val="100000"/>
-              </a:srgbClr>
-            </a:solidFill>
-            <a:ln w="9000" cap="rnd">
-              <a:solidFill>
-                <a:srgbClr val="7F7F7F">
+              <a:off x="4408960" y="2881861"/>
+              <a:ext cx="49651" cy="49651"/>
+            </a:xfrm>
+            <a:prstGeom prst="ellipse">
+              <a:avLst/>
+            </a:prstGeom>
+            <a:solidFill>
+              <a:srgbClr val="7CAE00">
+                <a:alpha val="100000"/>
+              </a:srgbClr>
+            </a:solidFill>
+            <a:ln w="9000" cap="rnd">
+              <a:solidFill>
+                <a:srgbClr val="7CAE00">
                   <a:alpha val="100000"/>
                 </a:srgbClr>
               </a:solidFill>
@@ -5217,20 +5214,20 @@
           </p:nvSpPr>
           <p:spPr>
             <a:xfrm>
-              <a:off x="4807260" y="3789974"/>
-              <a:ext cx="49651" cy="49651"/>
-            </a:xfrm>
-            <a:prstGeom prst="ellipse">
-              <a:avLst/>
-            </a:prstGeom>
-            <a:solidFill>
-              <a:srgbClr val="7F7F7F">
-                <a:alpha val="100000"/>
-              </a:srgbClr>
-            </a:solidFill>
-            <a:ln w="9000" cap="rnd">
-              <a:solidFill>
-                <a:srgbClr val="7F7F7F">
+              <a:off x="4514834" y="3197855"/>
+              <a:ext cx="49651" cy="49651"/>
+            </a:xfrm>
+            <a:prstGeom prst="ellipse">
+              <a:avLst/>
+            </a:prstGeom>
+            <a:solidFill>
+              <a:srgbClr val="7CAE00">
+                <a:alpha val="100000"/>
+              </a:srgbClr>
+            </a:solidFill>
+            <a:ln w="9000" cap="rnd">
+              <a:solidFill>
+                <a:srgbClr val="7CAE00">
                   <a:alpha val="100000"/>
                 </a:srgbClr>
               </a:solidFill>
@@ -5252,20 +5249,20 @@
           </p:nvSpPr>
           <p:spPr>
             <a:xfrm>
-              <a:off x="5015243" y="3920272"/>
-              <a:ext cx="49651" cy="49651"/>
-            </a:xfrm>
-            <a:prstGeom prst="ellipse">
-              <a:avLst/>
-            </a:prstGeom>
-            <a:solidFill>
-              <a:srgbClr val="7F7F7F">
-                <a:alpha val="100000"/>
-              </a:srgbClr>
-            </a:solidFill>
-            <a:ln w="9000" cap="rnd">
-              <a:solidFill>
-                <a:srgbClr val="7F7F7F">
+              <a:off x="4585416" y="3363698"/>
+              <a:ext cx="49651" cy="49651"/>
+            </a:xfrm>
+            <a:prstGeom prst="ellipse">
+              <a:avLst/>
+            </a:prstGeom>
+            <a:solidFill>
+              <a:srgbClr val="7CAE00">
+                <a:alpha val="100000"/>
+              </a:srgbClr>
+            </a:solidFill>
+            <a:ln w="9000" cap="rnd">
+              <a:solidFill>
+                <a:srgbClr val="7CAE00">
                   <a:alpha val="100000"/>
                 </a:srgbClr>
               </a:solidFill>
@@ -5287,20 +5284,20 @@
           </p:nvSpPr>
           <p:spPr>
             <a:xfrm>
-              <a:off x="5223226" y="3977339"/>
-              <a:ext cx="49651" cy="49651"/>
-            </a:xfrm>
-            <a:prstGeom prst="ellipse">
-              <a:avLst/>
-            </a:prstGeom>
-            <a:solidFill>
-              <a:srgbClr val="7F7F7F">
-                <a:alpha val="100000"/>
-              </a:srgbClr>
-            </a:solidFill>
-            <a:ln w="9000" cap="rnd">
-              <a:solidFill>
-                <a:srgbClr val="7F7F7F">
+              <a:off x="4655999" y="3507100"/>
+              <a:ext cx="49651" cy="49651"/>
+            </a:xfrm>
+            <a:prstGeom prst="ellipse">
+              <a:avLst/>
+            </a:prstGeom>
+            <a:solidFill>
+              <a:srgbClr val="7CAE00">
+                <a:alpha val="100000"/>
+              </a:srgbClr>
+            </a:solidFill>
+            <a:ln w="9000" cap="rnd">
+              <a:solidFill>
+                <a:srgbClr val="7CAE00">
                   <a:alpha val="100000"/>
                 </a:srgbClr>
               </a:solidFill>
@@ -5322,20 +5319,20 @@
           </p:nvSpPr>
           <p:spPr>
             <a:xfrm>
-              <a:off x="2311459" y="4001756"/>
-              <a:ext cx="49651" cy="49651"/>
-            </a:xfrm>
-            <a:prstGeom prst="ellipse">
-              <a:avLst/>
-            </a:prstGeom>
-            <a:solidFill>
-              <a:srgbClr val="7F7F7F">
-                <a:alpha val="100000"/>
-              </a:srgbClr>
-            </a:solidFill>
-            <a:ln w="9000" cap="rnd">
-              <a:solidFill>
-                <a:srgbClr val="7F7F7F">
+              <a:off x="4867747" y="3789974"/>
+              <a:ext cx="49651" cy="49651"/>
+            </a:xfrm>
+            <a:prstGeom prst="ellipse">
+              <a:avLst/>
+            </a:prstGeom>
+            <a:solidFill>
+              <a:srgbClr val="7CAE00">
+                <a:alpha val="100000"/>
+              </a:srgbClr>
+            </a:solidFill>
+            <a:ln w="9000" cap="rnd">
+              <a:solidFill>
+                <a:srgbClr val="7CAE00">
                   <a:alpha val="100000"/>
                 </a:srgbClr>
               </a:solidFill>
@@ -5357,20 +5354,20 @@
           </p:nvSpPr>
           <p:spPr>
             <a:xfrm>
-              <a:off x="3039401" y="3890076"/>
-              <a:ext cx="49651" cy="49651"/>
-            </a:xfrm>
-            <a:prstGeom prst="ellipse">
-              <a:avLst/>
-            </a:prstGeom>
-            <a:solidFill>
-              <a:srgbClr val="7F7F7F">
-                <a:alpha val="100000"/>
-              </a:srgbClr>
-            </a:solidFill>
-            <a:ln w="9000" cap="rnd">
-              <a:solidFill>
-                <a:srgbClr val="7F7F7F">
+              <a:off x="5079495" y="3920272"/>
+              <a:ext cx="49651" cy="49651"/>
+            </a:xfrm>
+            <a:prstGeom prst="ellipse">
+              <a:avLst/>
+            </a:prstGeom>
+            <a:solidFill>
+              <a:srgbClr val="7CAE00">
+                <a:alpha val="100000"/>
+              </a:srgbClr>
+            </a:solidFill>
+            <a:ln w="9000" cap="rnd">
+              <a:solidFill>
+                <a:srgbClr val="7CAE00">
                   <a:alpha val="100000"/>
                 </a:srgbClr>
               </a:solidFill>
@@ -5392,20 +5389,20 @@
           </p:nvSpPr>
           <p:spPr>
             <a:xfrm>
-              <a:off x="3143393" y="3834165"/>
-              <a:ext cx="49651" cy="49651"/>
-            </a:xfrm>
-            <a:prstGeom prst="ellipse">
-              <a:avLst/>
-            </a:prstGeom>
-            <a:solidFill>
-              <a:srgbClr val="7F7F7F">
-                <a:alpha val="100000"/>
-              </a:srgbClr>
-            </a:solidFill>
-            <a:ln w="9000" cap="rnd">
-              <a:solidFill>
-                <a:srgbClr val="7F7F7F">
+              <a:off x="5291244" y="3977339"/>
+              <a:ext cx="49651" cy="49651"/>
+            </a:xfrm>
+            <a:prstGeom prst="ellipse">
+              <a:avLst/>
+            </a:prstGeom>
+            <a:solidFill>
+              <a:srgbClr val="7CAE00">
+                <a:alpha val="100000"/>
+              </a:srgbClr>
+            </a:solidFill>
+            <a:ln w="9000" cap="rnd">
+              <a:solidFill>
+                <a:srgbClr val="7CAE00">
                   <a:alpha val="100000"/>
                 </a:srgbClr>
               </a:solidFill>
@@ -5427,20 +5424,20 @@
           </p:nvSpPr>
           <p:spPr>
             <a:xfrm>
-              <a:off x="3282048" y="3705751"/>
-              <a:ext cx="49651" cy="49651"/>
-            </a:xfrm>
-            <a:prstGeom prst="ellipse">
-              <a:avLst/>
-            </a:prstGeom>
-            <a:solidFill>
-              <a:srgbClr val="7F7F7F">
-                <a:alpha val="100000"/>
-              </a:srgbClr>
-            </a:solidFill>
-            <a:ln w="9000" cap="rnd">
-              <a:solidFill>
-                <a:srgbClr val="7F7F7F">
+              <a:off x="2326769" y="4001756"/>
+              <a:ext cx="49651" cy="49651"/>
+            </a:xfrm>
+            <a:prstGeom prst="ellipse">
+              <a:avLst/>
+            </a:prstGeom>
+            <a:solidFill>
+              <a:srgbClr val="C77CFF">
+                <a:alpha val="100000"/>
+              </a:srgbClr>
+            </a:solidFill>
+            <a:ln w="9000" cap="rnd">
+              <a:solidFill>
+                <a:srgbClr val="C77CFF">
                   <a:alpha val="100000"/>
                 </a:srgbClr>
               </a:solidFill>
@@ -5462,20 +5459,20 @@
           </p:nvSpPr>
           <p:spPr>
             <a:xfrm>
-              <a:off x="3420704" y="3451078"/>
-              <a:ext cx="49651" cy="49651"/>
-            </a:xfrm>
-            <a:prstGeom prst="ellipse">
-              <a:avLst/>
-            </a:prstGeom>
-            <a:solidFill>
-              <a:srgbClr val="7F7F7F">
-                <a:alpha val="100000"/>
-              </a:srgbClr>
-            </a:solidFill>
-            <a:ln w="9000" cap="rnd">
-              <a:solidFill>
-                <a:srgbClr val="7F7F7F">
+              <a:off x="3067888" y="3890076"/>
+              <a:ext cx="49651" cy="49651"/>
+            </a:xfrm>
+            <a:prstGeom prst="ellipse">
+              <a:avLst/>
+            </a:prstGeom>
+            <a:solidFill>
+              <a:srgbClr val="C77CFF">
+                <a:alpha val="100000"/>
+              </a:srgbClr>
+            </a:solidFill>
+            <a:ln w="9000" cap="rnd">
+              <a:solidFill>
+                <a:srgbClr val="C77CFF">
                   <a:alpha val="100000"/>
                 </a:srgbClr>
               </a:solidFill>
@@ -5497,20 +5494,20 @@
           </p:nvSpPr>
           <p:spPr>
             <a:xfrm>
-              <a:off x="3490031" y="3246489"/>
-              <a:ext cx="49651" cy="49651"/>
-            </a:xfrm>
-            <a:prstGeom prst="ellipse">
-              <a:avLst/>
-            </a:prstGeom>
-            <a:solidFill>
-              <a:srgbClr val="7F7F7F">
-                <a:alpha val="100000"/>
-              </a:srgbClr>
-            </a:solidFill>
-            <a:ln w="9000" cap="rnd">
-              <a:solidFill>
-                <a:srgbClr val="7F7F7F">
+              <a:off x="3173762" y="3834165"/>
+              <a:ext cx="49651" cy="49651"/>
+            </a:xfrm>
+            <a:prstGeom prst="ellipse">
+              <a:avLst/>
+            </a:prstGeom>
+            <a:solidFill>
+              <a:srgbClr val="C77CFF">
+                <a:alpha val="100000"/>
+              </a:srgbClr>
+            </a:solidFill>
+            <a:ln w="9000" cap="rnd">
+              <a:solidFill>
+                <a:srgbClr val="C77CFF">
                   <a:alpha val="100000"/>
                 </a:srgbClr>
               </a:solidFill>
@@ -5532,20 +5529,20 @@
           </p:nvSpPr>
           <p:spPr>
             <a:xfrm>
-              <a:off x="3559359" y="2979024"/>
-              <a:ext cx="49651" cy="49651"/>
-            </a:xfrm>
-            <a:prstGeom prst="ellipse">
-              <a:avLst/>
-            </a:prstGeom>
-            <a:solidFill>
-              <a:srgbClr val="7F7F7F">
-                <a:alpha val="100000"/>
-              </a:srgbClr>
-            </a:solidFill>
-            <a:ln w="9000" cap="rnd">
-              <a:solidFill>
-                <a:srgbClr val="7F7F7F">
+              <a:off x="3314927" y="3705751"/>
+              <a:ext cx="49651" cy="49651"/>
+            </a:xfrm>
+            <a:prstGeom prst="ellipse">
+              <a:avLst/>
+            </a:prstGeom>
+            <a:solidFill>
+              <a:srgbClr val="C77CFF">
+                <a:alpha val="100000"/>
+              </a:srgbClr>
+            </a:solidFill>
+            <a:ln w="9000" cap="rnd">
+              <a:solidFill>
+                <a:srgbClr val="C77CFF">
                   <a:alpha val="100000"/>
                 </a:srgbClr>
               </a:solidFill>
@@ -5567,20 +5564,20 @@
           </p:nvSpPr>
           <p:spPr>
             <a:xfrm>
-              <a:off x="3628687" y="2649602"/>
-              <a:ext cx="49651" cy="49651"/>
-            </a:xfrm>
-            <a:prstGeom prst="ellipse">
-              <a:avLst/>
-            </a:prstGeom>
-            <a:solidFill>
-              <a:srgbClr val="7F7F7F">
-                <a:alpha val="100000"/>
-              </a:srgbClr>
-            </a:solidFill>
-            <a:ln w="9000" cap="rnd">
-              <a:solidFill>
-                <a:srgbClr val="7F7F7F">
+              <a:off x="3456093" y="3451078"/>
+              <a:ext cx="49651" cy="49651"/>
+            </a:xfrm>
+            <a:prstGeom prst="ellipse">
+              <a:avLst/>
+            </a:prstGeom>
+            <a:solidFill>
+              <a:srgbClr val="C77CFF">
+                <a:alpha val="100000"/>
+              </a:srgbClr>
+            </a:solidFill>
+            <a:ln w="9000" cap="rnd">
+              <a:solidFill>
+                <a:srgbClr val="C77CFF">
                   <a:alpha val="100000"/>
                 </a:srgbClr>
               </a:solidFill>
@@ -5602,20 +5599,20 @@
           </p:nvSpPr>
           <p:spPr>
             <a:xfrm>
-              <a:off x="3698015" y="2275927"/>
-              <a:ext cx="49651" cy="49651"/>
-            </a:xfrm>
-            <a:prstGeom prst="ellipse">
-              <a:avLst/>
-            </a:prstGeom>
-            <a:solidFill>
-              <a:srgbClr val="7F7F7F">
-                <a:alpha val="100000"/>
-              </a:srgbClr>
-            </a:solidFill>
-            <a:ln w="9000" cap="rnd">
-              <a:solidFill>
-                <a:srgbClr val="7F7F7F">
+              <a:off x="3526676" y="3246489"/>
+              <a:ext cx="49651" cy="49651"/>
+            </a:xfrm>
+            <a:prstGeom prst="ellipse">
+              <a:avLst/>
+            </a:prstGeom>
+            <a:solidFill>
+              <a:srgbClr val="C77CFF">
+                <a:alpha val="100000"/>
+              </a:srgbClr>
+            </a:solidFill>
+            <a:ln w="9000" cap="rnd">
+              <a:solidFill>
+                <a:srgbClr val="C77CFF">
                   <a:alpha val="100000"/>
                 </a:srgbClr>
               </a:solidFill>
@@ -5637,20 +5634,20 @@
           </p:nvSpPr>
           <p:spPr>
             <a:xfrm>
-              <a:off x="3767343" y="1966938"/>
-              <a:ext cx="49651" cy="49651"/>
-            </a:xfrm>
-            <a:prstGeom prst="ellipse">
-              <a:avLst/>
-            </a:prstGeom>
-            <a:solidFill>
-              <a:srgbClr val="7F7F7F">
-                <a:alpha val="100000"/>
-              </a:srgbClr>
-            </a:solidFill>
-            <a:ln w="9000" cap="rnd">
-              <a:solidFill>
-                <a:srgbClr val="7F7F7F">
+              <a:off x="3597258" y="2979024"/>
+              <a:ext cx="49651" cy="49651"/>
+            </a:xfrm>
+            <a:prstGeom prst="ellipse">
+              <a:avLst/>
+            </a:prstGeom>
+            <a:solidFill>
+              <a:srgbClr val="C77CFF">
+                <a:alpha val="100000"/>
+              </a:srgbClr>
+            </a:solidFill>
+            <a:ln w="9000" cap="rnd">
+              <a:solidFill>
+                <a:srgbClr val="C77CFF">
                   <a:alpha val="100000"/>
                 </a:srgbClr>
               </a:solidFill>
@@ -5672,20 +5669,20 @@
           </p:nvSpPr>
           <p:spPr>
             <a:xfrm>
-              <a:off x="3836670" y="1691305"/>
-              <a:ext cx="49651" cy="49651"/>
-            </a:xfrm>
-            <a:prstGeom prst="ellipse">
-              <a:avLst/>
-            </a:prstGeom>
-            <a:solidFill>
-              <a:srgbClr val="7F7F7F">
-                <a:alpha val="100000"/>
-              </a:srgbClr>
-            </a:solidFill>
-            <a:ln w="9000" cap="rnd">
-              <a:solidFill>
-                <a:srgbClr val="7F7F7F">
+              <a:off x="3667841" y="2649602"/>
+              <a:ext cx="49651" cy="49651"/>
+            </a:xfrm>
+            <a:prstGeom prst="ellipse">
+              <a:avLst/>
+            </a:prstGeom>
+            <a:solidFill>
+              <a:srgbClr val="C77CFF">
+                <a:alpha val="100000"/>
+              </a:srgbClr>
+            </a:solidFill>
+            <a:ln w="9000" cap="rnd">
+              <a:solidFill>
+                <a:srgbClr val="C77CFF">
                   <a:alpha val="100000"/>
                 </a:srgbClr>
               </a:solidFill>
@@ -5707,20 +5704,20 @@
           </p:nvSpPr>
           <p:spPr>
             <a:xfrm>
-              <a:off x="3905998" y="1466586"/>
-              <a:ext cx="49651" cy="49651"/>
-            </a:xfrm>
-            <a:prstGeom prst="ellipse">
-              <a:avLst/>
-            </a:prstGeom>
-            <a:solidFill>
-              <a:srgbClr val="7F7F7F">
-                <a:alpha val="100000"/>
-              </a:srgbClr>
-            </a:solidFill>
-            <a:ln w="9000" cap="rnd">
-              <a:solidFill>
-                <a:srgbClr val="7F7F7F">
+              <a:off x="3738424" y="2275927"/>
+              <a:ext cx="49651" cy="49651"/>
+            </a:xfrm>
+            <a:prstGeom prst="ellipse">
+              <a:avLst/>
+            </a:prstGeom>
+            <a:solidFill>
+              <a:srgbClr val="C77CFF">
+                <a:alpha val="100000"/>
+              </a:srgbClr>
+            </a:solidFill>
+            <a:ln w="9000" cap="rnd">
+              <a:solidFill>
+                <a:srgbClr val="C77CFF">
                   <a:alpha val="100000"/>
                 </a:srgbClr>
               </a:solidFill>
@@ -5742,20 +5739,20 @@
           </p:nvSpPr>
           <p:spPr>
             <a:xfrm>
-              <a:off x="3975326" y="1307857"/>
-              <a:ext cx="49651" cy="49651"/>
-            </a:xfrm>
-            <a:prstGeom prst="ellipse">
-              <a:avLst/>
-            </a:prstGeom>
-            <a:solidFill>
-              <a:srgbClr val="7F7F7F">
-                <a:alpha val="100000"/>
-              </a:srgbClr>
-            </a:solidFill>
-            <a:ln w="9000" cap="rnd">
-              <a:solidFill>
-                <a:srgbClr val="7F7F7F">
+              <a:off x="3809006" y="1966938"/>
+              <a:ext cx="49651" cy="49651"/>
+            </a:xfrm>
+            <a:prstGeom prst="ellipse">
+              <a:avLst/>
+            </a:prstGeom>
+            <a:solidFill>
+              <a:srgbClr val="C77CFF">
+                <a:alpha val="100000"/>
+              </a:srgbClr>
+            </a:solidFill>
+            <a:ln w="9000" cap="rnd">
+              <a:solidFill>
+                <a:srgbClr val="C77CFF">
                   <a:alpha val="100000"/>
                 </a:srgbClr>
               </a:solidFill>
@@ -5777,20 +5774,20 @@
           </p:nvSpPr>
           <p:spPr>
             <a:xfrm>
-              <a:off x="4044654" y="1288050"/>
-              <a:ext cx="49651" cy="49651"/>
-            </a:xfrm>
-            <a:prstGeom prst="ellipse">
-              <a:avLst/>
-            </a:prstGeom>
-            <a:solidFill>
-              <a:srgbClr val="7F7F7F">
-                <a:alpha val="100000"/>
-              </a:srgbClr>
-            </a:solidFill>
-            <a:ln w="9000" cap="rnd">
-              <a:solidFill>
-                <a:srgbClr val="7F7F7F">
+              <a:off x="3879589" y="1691305"/>
+              <a:ext cx="49651" cy="49651"/>
+            </a:xfrm>
+            <a:prstGeom prst="ellipse">
+              <a:avLst/>
+            </a:prstGeom>
+            <a:solidFill>
+              <a:srgbClr val="C77CFF">
+                <a:alpha val="100000"/>
+              </a:srgbClr>
+            </a:solidFill>
+            <a:ln w="9000" cap="rnd">
+              <a:solidFill>
+                <a:srgbClr val="C77CFF">
                   <a:alpha val="100000"/>
                 </a:srgbClr>
               </a:solidFill>
@@ -5812,20 +5809,20 @@
           </p:nvSpPr>
           <p:spPr>
             <a:xfrm>
-              <a:off x="4113982" y="1404207"/>
-              <a:ext cx="49651" cy="49651"/>
-            </a:xfrm>
-            <a:prstGeom prst="ellipse">
-              <a:avLst/>
-            </a:prstGeom>
-            <a:solidFill>
-              <a:srgbClr val="7F7F7F">
-                <a:alpha val="100000"/>
-              </a:srgbClr>
-            </a:solidFill>
-            <a:ln w="9000" cap="rnd">
-              <a:solidFill>
-                <a:srgbClr val="7F7F7F">
+              <a:off x="3950172" y="1466586"/>
+              <a:ext cx="49651" cy="49651"/>
+            </a:xfrm>
+            <a:prstGeom prst="ellipse">
+              <a:avLst/>
+            </a:prstGeom>
+            <a:solidFill>
+              <a:srgbClr val="C77CFF">
+                <a:alpha val="100000"/>
+              </a:srgbClr>
+            </a:solidFill>
+            <a:ln w="9000" cap="rnd">
+              <a:solidFill>
+                <a:srgbClr val="C77CFF">
                   <a:alpha val="100000"/>
                 </a:srgbClr>
               </a:solidFill>
@@ -5847,20 +5844,20 @@
           </p:nvSpPr>
           <p:spPr>
             <a:xfrm>
-              <a:off x="4183309" y="1708142"/>
-              <a:ext cx="49651" cy="49651"/>
-            </a:xfrm>
-            <a:prstGeom prst="ellipse">
-              <a:avLst/>
-            </a:prstGeom>
-            <a:solidFill>
-              <a:srgbClr val="7F7F7F">
-                <a:alpha val="100000"/>
-              </a:srgbClr>
-            </a:solidFill>
-            <a:ln w="9000" cap="rnd">
-              <a:solidFill>
-                <a:srgbClr val="7F7F7F">
+              <a:off x="4020755" y="1307857"/>
+              <a:ext cx="49651" cy="49651"/>
+            </a:xfrm>
+            <a:prstGeom prst="ellipse">
+              <a:avLst/>
+            </a:prstGeom>
+            <a:solidFill>
+              <a:srgbClr val="C77CFF">
+                <a:alpha val="100000"/>
+              </a:srgbClr>
+            </a:solidFill>
+            <a:ln w="9000" cap="rnd">
+              <a:solidFill>
+                <a:srgbClr val="C77CFF">
                   <a:alpha val="100000"/>
                 </a:srgbClr>
               </a:solidFill>
@@ -5882,20 +5879,20 @@
           </p:nvSpPr>
           <p:spPr>
             <a:xfrm>
-              <a:off x="4252637" y="2086480"/>
-              <a:ext cx="49651" cy="49651"/>
-            </a:xfrm>
-            <a:prstGeom prst="ellipse">
-              <a:avLst/>
-            </a:prstGeom>
-            <a:solidFill>
-              <a:srgbClr val="7F7F7F">
-                <a:alpha val="100000"/>
-              </a:srgbClr>
-            </a:solidFill>
-            <a:ln w="9000" cap="rnd">
-              <a:solidFill>
-                <a:srgbClr val="7F7F7F">
+              <a:off x="4091337" y="1288050"/>
+              <a:ext cx="49651" cy="49651"/>
+            </a:xfrm>
+            <a:prstGeom prst="ellipse">
+              <a:avLst/>
+            </a:prstGeom>
+            <a:solidFill>
+              <a:srgbClr val="C77CFF">
+                <a:alpha val="100000"/>
+              </a:srgbClr>
+            </a:solidFill>
+            <a:ln w="9000" cap="rnd">
+              <a:solidFill>
+                <a:srgbClr val="C77CFF">
                   <a:alpha val="100000"/>
                 </a:srgbClr>
               </a:solidFill>
@@ -5917,20 +5914,20 @@
           </p:nvSpPr>
           <p:spPr>
             <a:xfrm>
-              <a:off x="4321965" y="2456211"/>
-              <a:ext cx="49651" cy="49651"/>
-            </a:xfrm>
-            <a:prstGeom prst="ellipse">
-              <a:avLst/>
-            </a:prstGeom>
-            <a:solidFill>
-              <a:srgbClr val="7F7F7F">
-                <a:alpha val="100000"/>
-              </a:srgbClr>
-            </a:solidFill>
-            <a:ln w="9000" cap="rnd">
-              <a:solidFill>
-                <a:srgbClr val="7F7F7F">
+              <a:off x="4161920" y="1404207"/>
+              <a:ext cx="49651" cy="49651"/>
+            </a:xfrm>
+            <a:prstGeom prst="ellipse">
+              <a:avLst/>
+            </a:prstGeom>
+            <a:solidFill>
+              <a:srgbClr val="C77CFF">
+                <a:alpha val="100000"/>
+              </a:srgbClr>
+            </a:solidFill>
+            <a:ln w="9000" cap="rnd">
+              <a:solidFill>
+                <a:srgbClr val="C77CFF">
                   <a:alpha val="100000"/>
                 </a:srgbClr>
               </a:solidFill>
@@ -5952,20 +5949,20 @@
           </p:nvSpPr>
           <p:spPr>
             <a:xfrm>
-              <a:off x="4391293" y="2796835"/>
-              <a:ext cx="49651" cy="49651"/>
-            </a:xfrm>
-            <a:prstGeom prst="ellipse">
-              <a:avLst/>
-            </a:prstGeom>
-            <a:solidFill>
-              <a:srgbClr val="7F7F7F">
-                <a:alpha val="100000"/>
-              </a:srgbClr>
-            </a:solidFill>
-            <a:ln w="9000" cap="rnd">
-              <a:solidFill>
-                <a:srgbClr val="7F7F7F">
+              <a:off x="4232503" y="1708142"/>
+              <a:ext cx="49651" cy="49651"/>
+            </a:xfrm>
+            <a:prstGeom prst="ellipse">
+              <a:avLst/>
+            </a:prstGeom>
+            <a:solidFill>
+              <a:srgbClr val="C77CFF">
+                <a:alpha val="100000"/>
+              </a:srgbClr>
+            </a:solidFill>
+            <a:ln w="9000" cap="rnd">
+              <a:solidFill>
+                <a:srgbClr val="C77CFF">
                   <a:alpha val="100000"/>
                 </a:srgbClr>
               </a:solidFill>
@@ -5987,20 +5984,20 @@
           </p:nvSpPr>
           <p:spPr>
             <a:xfrm>
-              <a:off x="4495284" y="3172459"/>
-              <a:ext cx="49651" cy="49651"/>
-            </a:xfrm>
-            <a:prstGeom prst="ellipse">
-              <a:avLst/>
-            </a:prstGeom>
-            <a:solidFill>
-              <a:srgbClr val="7F7F7F">
-                <a:alpha val="100000"/>
-              </a:srgbClr>
-            </a:solidFill>
-            <a:ln w="9000" cap="rnd">
-              <a:solidFill>
-                <a:srgbClr val="7F7F7F">
+              <a:off x="4303086" y="2086480"/>
+              <a:ext cx="49651" cy="49651"/>
+            </a:xfrm>
+            <a:prstGeom prst="ellipse">
+              <a:avLst/>
+            </a:prstGeom>
+            <a:solidFill>
+              <a:srgbClr val="C77CFF">
+                <a:alpha val="100000"/>
+              </a:srgbClr>
+            </a:solidFill>
+            <a:ln w="9000" cap="rnd">
+              <a:solidFill>
+                <a:srgbClr val="C77CFF">
                   <a:alpha val="100000"/>
                 </a:srgbClr>
               </a:solidFill>
@@ -6022,20 +6019,20 @@
           </p:nvSpPr>
           <p:spPr>
             <a:xfrm>
-              <a:off x="4668604" y="3485237"/>
-              <a:ext cx="49651" cy="49651"/>
-            </a:xfrm>
-            <a:prstGeom prst="ellipse">
-              <a:avLst/>
-            </a:prstGeom>
-            <a:solidFill>
-              <a:srgbClr val="7F7F7F">
-                <a:alpha val="100000"/>
-              </a:srgbClr>
-            </a:solidFill>
-            <a:ln w="9000" cap="rnd">
-              <a:solidFill>
-                <a:srgbClr val="7F7F7F">
+              <a:off x="4373668" y="2456211"/>
+              <a:ext cx="49651" cy="49651"/>
+            </a:xfrm>
+            <a:prstGeom prst="ellipse">
+              <a:avLst/>
+            </a:prstGeom>
+            <a:solidFill>
+              <a:srgbClr val="C77CFF">
+                <a:alpha val="100000"/>
+              </a:srgbClr>
+            </a:solidFill>
+            <a:ln w="9000" cap="rnd">
+              <a:solidFill>
+                <a:srgbClr val="C77CFF">
                   <a:alpha val="100000"/>
                 </a:srgbClr>
               </a:solidFill>
@@ -6057,20 +6054,20 @@
           </p:nvSpPr>
           <p:spPr>
             <a:xfrm>
-              <a:off x="4807260" y="3607577"/>
-              <a:ext cx="49651" cy="49651"/>
-            </a:xfrm>
-            <a:prstGeom prst="ellipse">
-              <a:avLst/>
-            </a:prstGeom>
-            <a:solidFill>
-              <a:srgbClr val="7F7F7F">
-                <a:alpha val="100000"/>
-              </a:srgbClr>
-            </a:solidFill>
-            <a:ln w="9000" cap="rnd">
-              <a:solidFill>
-                <a:srgbClr val="7F7F7F">
+              <a:off x="4444251" y="2796835"/>
+              <a:ext cx="49651" cy="49651"/>
+            </a:xfrm>
+            <a:prstGeom prst="ellipse">
+              <a:avLst/>
+            </a:prstGeom>
+            <a:solidFill>
+              <a:srgbClr val="C77CFF">
+                <a:alpha val="100000"/>
+              </a:srgbClr>
+            </a:solidFill>
+            <a:ln w="9000" cap="rnd">
+              <a:solidFill>
+                <a:srgbClr val="C77CFF">
                   <a:alpha val="100000"/>
                 </a:srgbClr>
               </a:solidFill>
@@ -6092,20 +6089,20 @@
           </p:nvSpPr>
           <p:spPr>
             <a:xfrm>
-              <a:off x="4876587" y="3652214"/>
-              <a:ext cx="49651" cy="49651"/>
-            </a:xfrm>
-            <a:prstGeom prst="ellipse">
-              <a:avLst/>
-            </a:prstGeom>
-            <a:solidFill>
-              <a:srgbClr val="7F7F7F">
-                <a:alpha val="100000"/>
-              </a:srgbClr>
-            </a:solidFill>
-            <a:ln w="9000" cap="rnd">
-              <a:solidFill>
-                <a:srgbClr val="7F7F7F">
+              <a:off x="4550125" y="3172459"/>
+              <a:ext cx="49651" cy="49651"/>
+            </a:xfrm>
+            <a:prstGeom prst="ellipse">
+              <a:avLst/>
+            </a:prstGeom>
+            <a:solidFill>
+              <a:srgbClr val="C77CFF">
+                <a:alpha val="100000"/>
+              </a:srgbClr>
+            </a:solidFill>
+            <a:ln w="9000" cap="rnd">
+              <a:solidFill>
+                <a:srgbClr val="C77CFF">
                   <a:alpha val="100000"/>
                 </a:srgbClr>
               </a:solidFill>
@@ -6127,20 +6124,20 @@
           </p:nvSpPr>
           <p:spPr>
             <a:xfrm>
-              <a:off x="4945915" y="3695054"/>
-              <a:ext cx="49651" cy="49651"/>
-            </a:xfrm>
-            <a:prstGeom prst="ellipse">
-              <a:avLst/>
-            </a:prstGeom>
-            <a:solidFill>
-              <a:srgbClr val="7F7F7F">
-                <a:alpha val="100000"/>
-              </a:srgbClr>
-            </a:solidFill>
-            <a:ln w="9000" cap="rnd">
-              <a:solidFill>
-                <a:srgbClr val="7F7F7F">
+              <a:off x="4726582" y="3485237"/>
+              <a:ext cx="49651" cy="49651"/>
+            </a:xfrm>
+            <a:prstGeom prst="ellipse">
+              <a:avLst/>
+            </a:prstGeom>
+            <a:solidFill>
+              <a:srgbClr val="C77CFF">
+                <a:alpha val="100000"/>
+              </a:srgbClr>
+            </a:solidFill>
+            <a:ln w="9000" cap="rnd">
+              <a:solidFill>
+                <a:srgbClr val="C77CFF">
                   <a:alpha val="100000"/>
                 </a:srgbClr>
               </a:solidFill>
@@ -6162,20 +6159,20 @@
           </p:nvSpPr>
           <p:spPr>
             <a:xfrm>
-              <a:off x="5084571" y="3771729"/>
-              <a:ext cx="49651" cy="49651"/>
-            </a:xfrm>
-            <a:prstGeom prst="ellipse">
-              <a:avLst/>
-            </a:prstGeom>
-            <a:solidFill>
-              <a:srgbClr val="7F7F7F">
-                <a:alpha val="100000"/>
-              </a:srgbClr>
-            </a:solidFill>
-            <a:ln w="9000" cap="rnd">
-              <a:solidFill>
-                <a:srgbClr val="7F7F7F">
+              <a:off x="4867747" y="3607577"/>
+              <a:ext cx="49651" cy="49651"/>
+            </a:xfrm>
+            <a:prstGeom prst="ellipse">
+              <a:avLst/>
+            </a:prstGeom>
+            <a:solidFill>
+              <a:srgbClr val="C77CFF">
+                <a:alpha val="100000"/>
+              </a:srgbClr>
+            </a:solidFill>
+            <a:ln w="9000" cap="rnd">
+              <a:solidFill>
+                <a:srgbClr val="C77CFF">
                   <a:alpha val="100000"/>
                 </a:srgbClr>
               </a:solidFill>
@@ -6197,20 +6194,20 @@
           </p:nvSpPr>
           <p:spPr>
             <a:xfrm>
-              <a:off x="5292554" y="3857017"/>
-              <a:ext cx="49651" cy="49651"/>
-            </a:xfrm>
-            <a:prstGeom prst="ellipse">
-              <a:avLst/>
-            </a:prstGeom>
-            <a:solidFill>
-              <a:srgbClr val="7F7F7F">
-                <a:alpha val="100000"/>
-              </a:srgbClr>
-            </a:solidFill>
-            <a:ln w="9000" cap="rnd">
-              <a:solidFill>
-                <a:srgbClr val="7F7F7F">
+              <a:off x="4938330" y="3652214"/>
+              <a:ext cx="49651" cy="49651"/>
+            </a:xfrm>
+            <a:prstGeom prst="ellipse">
+              <a:avLst/>
+            </a:prstGeom>
+            <a:solidFill>
+              <a:srgbClr val="C77CFF">
+                <a:alpha val="100000"/>
+              </a:srgbClr>
+            </a:solidFill>
+            <a:ln w="9000" cap="rnd">
+              <a:solidFill>
+                <a:srgbClr val="C77CFF">
                   <a:alpha val="100000"/>
                 </a:srgbClr>
               </a:solidFill>
@@ -6232,20 +6229,20 @@
           </p:nvSpPr>
           <p:spPr>
             <a:xfrm>
-              <a:off x="2346123" y="4002328"/>
-              <a:ext cx="49651" cy="49651"/>
-            </a:xfrm>
-            <a:prstGeom prst="ellipse">
-              <a:avLst/>
-            </a:prstGeom>
-            <a:solidFill>
-              <a:srgbClr val="7F7F7F">
-                <a:alpha val="100000"/>
-              </a:srgbClr>
-            </a:solidFill>
-            <a:ln w="9000" cap="rnd">
-              <a:solidFill>
-                <a:srgbClr val="7F7F7F">
+              <a:off x="5008913" y="3695054"/>
+              <a:ext cx="49651" cy="49651"/>
+            </a:xfrm>
+            <a:prstGeom prst="ellipse">
+              <a:avLst/>
+            </a:prstGeom>
+            <a:solidFill>
+              <a:srgbClr val="C77CFF">
+                <a:alpha val="100000"/>
+              </a:srgbClr>
+            </a:solidFill>
+            <a:ln w="9000" cap="rnd">
+              <a:solidFill>
+                <a:srgbClr val="C77CFF">
                   <a:alpha val="100000"/>
                 </a:srgbClr>
               </a:solidFill>
@@ -6267,20 +6264,20 @@
           </p:nvSpPr>
           <p:spPr>
             <a:xfrm>
-              <a:off x="3108729" y="3868710"/>
-              <a:ext cx="49651" cy="49651"/>
-            </a:xfrm>
-            <a:prstGeom prst="ellipse">
-              <a:avLst/>
-            </a:prstGeom>
-            <a:solidFill>
-              <a:srgbClr val="7F7F7F">
-                <a:alpha val="100000"/>
-              </a:srgbClr>
-            </a:solidFill>
-            <a:ln w="9000" cap="rnd">
-              <a:solidFill>
-                <a:srgbClr val="7F7F7F">
+              <a:off x="5150078" y="3771729"/>
+              <a:ext cx="49651" cy="49651"/>
+            </a:xfrm>
+            <a:prstGeom prst="ellipse">
+              <a:avLst/>
+            </a:prstGeom>
+            <a:solidFill>
+              <a:srgbClr val="C77CFF">
+                <a:alpha val="100000"/>
+              </a:srgbClr>
+            </a:solidFill>
+            <a:ln w="9000" cap="rnd">
+              <a:solidFill>
+                <a:srgbClr val="C77CFF">
                   <a:alpha val="100000"/>
                 </a:srgbClr>
               </a:solidFill>
@@ -6302,20 +6299,20 @@
           </p:nvSpPr>
           <p:spPr>
             <a:xfrm>
-              <a:off x="3247384" y="3768568"/>
-              <a:ext cx="49651" cy="49651"/>
-            </a:xfrm>
-            <a:prstGeom prst="ellipse">
-              <a:avLst/>
-            </a:prstGeom>
-            <a:solidFill>
-              <a:srgbClr val="7F7F7F">
-                <a:alpha val="100000"/>
-              </a:srgbClr>
-            </a:solidFill>
-            <a:ln w="9000" cap="rnd">
-              <a:solidFill>
-                <a:srgbClr val="7F7F7F">
+              <a:off x="5361826" y="3857017"/>
+              <a:ext cx="49651" cy="49651"/>
+            </a:xfrm>
+            <a:prstGeom prst="ellipse">
+              <a:avLst/>
+            </a:prstGeom>
+            <a:solidFill>
+              <a:srgbClr val="C77CFF">
+                <a:alpha val="100000"/>
+              </a:srgbClr>
+            </a:solidFill>
+            <a:ln w="9000" cap="rnd">
+              <a:solidFill>
+                <a:srgbClr val="C77CFF">
                   <a:alpha val="100000"/>
                 </a:srgbClr>
               </a:solidFill>
@@ -6337,20 +6334,20 @@
           </p:nvSpPr>
           <p:spPr>
             <a:xfrm>
-              <a:off x="3386040" y="3583446"/>
-              <a:ext cx="49651" cy="49651"/>
-            </a:xfrm>
-            <a:prstGeom prst="ellipse">
-              <a:avLst/>
-            </a:prstGeom>
-            <a:solidFill>
-              <a:srgbClr val="7F7F7F">
-                <a:alpha val="100000"/>
-              </a:srgbClr>
-            </a:solidFill>
-            <a:ln w="9000" cap="rnd">
-              <a:solidFill>
-                <a:srgbClr val="7F7F7F">
+              <a:off x="2362061" y="4002328"/>
+              <a:ext cx="49651" cy="49651"/>
+            </a:xfrm>
+            <a:prstGeom prst="ellipse">
+              <a:avLst/>
+            </a:prstGeom>
+            <a:solidFill>
+              <a:srgbClr val="00BFC4">
+                <a:alpha val="100000"/>
+              </a:srgbClr>
+            </a:solidFill>
+            <a:ln w="9000" cap="rnd">
+              <a:solidFill>
+                <a:srgbClr val="00BFC4">
                   <a:alpha val="100000"/>
                 </a:srgbClr>
               </a:solidFill>
@@ -6372,20 +6369,20 @@
           </p:nvSpPr>
           <p:spPr>
             <a:xfrm>
-              <a:off x="3490031" y="3354122"/>
-              <a:ext cx="49651" cy="49651"/>
-            </a:xfrm>
-            <a:prstGeom prst="ellipse">
-              <a:avLst/>
-            </a:prstGeom>
-            <a:solidFill>
-              <a:srgbClr val="7F7F7F">
-                <a:alpha val="100000"/>
-              </a:srgbClr>
-            </a:solidFill>
-            <a:ln w="9000" cap="rnd">
-              <a:solidFill>
-                <a:srgbClr val="7F7F7F">
+              <a:off x="3138471" y="3868710"/>
+              <a:ext cx="49651" cy="49651"/>
+            </a:xfrm>
+            <a:prstGeom prst="ellipse">
+              <a:avLst/>
+            </a:prstGeom>
+            <a:solidFill>
+              <a:srgbClr val="00BFC4">
+                <a:alpha val="100000"/>
+              </a:srgbClr>
+            </a:solidFill>
+            <a:ln w="9000" cap="rnd">
+              <a:solidFill>
+                <a:srgbClr val="00BFC4">
                   <a:alpha val="100000"/>
                 </a:srgbClr>
               </a:solidFill>
@@ -6407,20 +6404,20 @@
           </p:nvSpPr>
           <p:spPr>
             <a:xfrm>
-              <a:off x="3559359" y="3145588"/>
-              <a:ext cx="49651" cy="49651"/>
-            </a:xfrm>
-            <a:prstGeom prst="ellipse">
-              <a:avLst/>
-            </a:prstGeom>
-            <a:solidFill>
-              <a:srgbClr val="7F7F7F">
-                <a:alpha val="100000"/>
-              </a:srgbClr>
-            </a:solidFill>
-            <a:ln w="9000" cap="rnd">
-              <a:solidFill>
-                <a:srgbClr val="7F7F7F">
+              <a:off x="3279636" y="3768568"/>
+              <a:ext cx="49651" cy="49651"/>
+            </a:xfrm>
+            <a:prstGeom prst="ellipse">
+              <a:avLst/>
+            </a:prstGeom>
+            <a:solidFill>
+              <a:srgbClr val="00BFC4">
+                <a:alpha val="100000"/>
+              </a:srgbClr>
+            </a:solidFill>
+            <a:ln w="9000" cap="rnd">
+              <a:solidFill>
+                <a:srgbClr val="00BFC4">
                   <a:alpha val="100000"/>
                 </a:srgbClr>
               </a:solidFill>
@@ -6442,20 +6439,20 @@
           </p:nvSpPr>
           <p:spPr>
             <a:xfrm>
-              <a:off x="3628687" y="2883403"/>
-              <a:ext cx="49651" cy="49651"/>
-            </a:xfrm>
-            <a:prstGeom prst="ellipse">
-              <a:avLst/>
-            </a:prstGeom>
-            <a:solidFill>
-              <a:srgbClr val="7F7F7F">
-                <a:alpha val="100000"/>
-              </a:srgbClr>
-            </a:solidFill>
-            <a:ln w="9000" cap="rnd">
-              <a:solidFill>
-                <a:srgbClr val="7F7F7F">
+              <a:off x="3420801" y="3583446"/>
+              <a:ext cx="49651" cy="49651"/>
+            </a:xfrm>
+            <a:prstGeom prst="ellipse">
+              <a:avLst/>
+            </a:prstGeom>
+            <a:solidFill>
+              <a:srgbClr val="00BFC4">
+                <a:alpha val="100000"/>
+              </a:srgbClr>
+            </a:solidFill>
+            <a:ln w="9000" cap="rnd">
+              <a:solidFill>
+                <a:srgbClr val="00BFC4">
                   <a:alpha val="100000"/>
                 </a:srgbClr>
               </a:solidFill>
@@ -6477,20 +6474,20 @@
           </p:nvSpPr>
           <p:spPr>
             <a:xfrm>
-              <a:off x="3698015" y="2571663"/>
-              <a:ext cx="49651" cy="49651"/>
-            </a:xfrm>
-            <a:prstGeom prst="ellipse">
-              <a:avLst/>
-            </a:prstGeom>
-            <a:solidFill>
-              <a:srgbClr val="7F7F7F">
-                <a:alpha val="100000"/>
-              </a:srgbClr>
-            </a:solidFill>
-            <a:ln w="9000" cap="rnd">
-              <a:solidFill>
-                <a:srgbClr val="7F7F7F">
+              <a:off x="3526676" y="3354122"/>
+              <a:ext cx="49651" cy="49651"/>
+            </a:xfrm>
+            <a:prstGeom prst="ellipse">
+              <a:avLst/>
+            </a:prstGeom>
+            <a:solidFill>
+              <a:srgbClr val="00BFC4">
+                <a:alpha val="100000"/>
+              </a:srgbClr>
+            </a:solidFill>
+            <a:ln w="9000" cap="rnd">
+              <a:solidFill>
+                <a:srgbClr val="00BFC4">
                   <a:alpha val="100000"/>
                 </a:srgbClr>
               </a:solidFill>
@@ -6512,20 +6509,20 @@
           </p:nvSpPr>
           <p:spPr>
             <a:xfrm>
-              <a:off x="3767343" y="2230269"/>
-              <a:ext cx="49651" cy="49651"/>
-            </a:xfrm>
-            <a:prstGeom prst="ellipse">
-              <a:avLst/>
-            </a:prstGeom>
-            <a:solidFill>
-              <a:srgbClr val="7F7F7F">
-                <a:alpha val="100000"/>
-              </a:srgbClr>
-            </a:solidFill>
-            <a:ln w="9000" cap="rnd">
-              <a:solidFill>
-                <a:srgbClr val="7F7F7F">
+              <a:off x="3597258" y="3145588"/>
+              <a:ext cx="49651" cy="49651"/>
+            </a:xfrm>
+            <a:prstGeom prst="ellipse">
+              <a:avLst/>
+            </a:prstGeom>
+            <a:solidFill>
+              <a:srgbClr val="00BFC4">
+                <a:alpha val="100000"/>
+              </a:srgbClr>
+            </a:solidFill>
+            <a:ln w="9000" cap="rnd">
+              <a:solidFill>
+                <a:srgbClr val="00BFC4">
                   <a:alpha val="100000"/>
                 </a:srgbClr>
               </a:solidFill>
@@ -6547,20 +6544,20 @@
           </p:nvSpPr>
           <p:spPr>
             <a:xfrm>
-              <a:off x="3836670" y="1871845"/>
-              <a:ext cx="49651" cy="49651"/>
-            </a:xfrm>
-            <a:prstGeom prst="ellipse">
-              <a:avLst/>
-            </a:prstGeom>
-            <a:solidFill>
-              <a:srgbClr val="7F7F7F">
-                <a:alpha val="100000"/>
-              </a:srgbClr>
-            </a:solidFill>
-            <a:ln w="9000" cap="rnd">
-              <a:solidFill>
-                <a:srgbClr val="7F7F7F">
+              <a:off x="3667841" y="2883403"/>
+              <a:ext cx="49651" cy="49651"/>
+            </a:xfrm>
+            <a:prstGeom prst="ellipse">
+              <a:avLst/>
+            </a:prstGeom>
+            <a:solidFill>
+              <a:srgbClr val="00BFC4">
+                <a:alpha val="100000"/>
+              </a:srgbClr>
+            </a:solidFill>
+            <a:ln w="9000" cap="rnd">
+              <a:solidFill>
+                <a:srgbClr val="00BFC4">
                   <a:alpha val="100000"/>
                 </a:srgbClr>
               </a:solidFill>
@@ -6582,20 +6579,20 @@
           </p:nvSpPr>
           <p:spPr>
             <a:xfrm>
-              <a:off x="3905998" y="1545748"/>
-              <a:ext cx="49651" cy="49651"/>
-            </a:xfrm>
-            <a:prstGeom prst="ellipse">
-              <a:avLst/>
-            </a:prstGeom>
-            <a:solidFill>
-              <a:srgbClr val="7F7F7F">
-                <a:alpha val="100000"/>
-              </a:srgbClr>
-            </a:solidFill>
-            <a:ln w="9000" cap="rnd">
-              <a:solidFill>
-                <a:srgbClr val="7F7F7F">
+              <a:off x="3738424" y="2571663"/>
+              <a:ext cx="49651" cy="49651"/>
+            </a:xfrm>
+            <a:prstGeom prst="ellipse">
+              <a:avLst/>
+            </a:prstGeom>
+            <a:solidFill>
+              <a:srgbClr val="00BFC4">
+                <a:alpha val="100000"/>
+              </a:srgbClr>
+            </a:solidFill>
+            <a:ln w="9000" cap="rnd">
+              <a:solidFill>
+                <a:srgbClr val="00BFC4">
                   <a:alpha val="100000"/>
                 </a:srgbClr>
               </a:solidFill>
@@ -6617,20 +6614,20 @@
           </p:nvSpPr>
           <p:spPr>
             <a:xfrm>
-              <a:off x="3975326" y="1403623"/>
-              <a:ext cx="49651" cy="49651"/>
-            </a:xfrm>
-            <a:prstGeom prst="ellipse">
-              <a:avLst/>
-            </a:prstGeom>
-            <a:solidFill>
-              <a:srgbClr val="7F7F7F">
-                <a:alpha val="100000"/>
-              </a:srgbClr>
-            </a:solidFill>
-            <a:ln w="9000" cap="rnd">
-              <a:solidFill>
-                <a:srgbClr val="7F7F7F">
+              <a:off x="3809006" y="2230269"/>
+              <a:ext cx="49651" cy="49651"/>
+            </a:xfrm>
+            <a:prstGeom prst="ellipse">
+              <a:avLst/>
+            </a:prstGeom>
+            <a:solidFill>
+              <a:srgbClr val="00BFC4">
+                <a:alpha val="100000"/>
+              </a:srgbClr>
+            </a:solidFill>
+            <a:ln w="9000" cap="rnd">
+              <a:solidFill>
+                <a:srgbClr val="00BFC4">
                   <a:alpha val="100000"/>
                 </a:srgbClr>
               </a:solidFill>
@@ -6652,20 +6649,20 @@
           </p:nvSpPr>
           <p:spPr>
             <a:xfrm>
-              <a:off x="4044654" y="1422869"/>
-              <a:ext cx="49651" cy="49651"/>
-            </a:xfrm>
-            <a:prstGeom prst="ellipse">
-              <a:avLst/>
-            </a:prstGeom>
-            <a:solidFill>
-              <a:srgbClr val="7F7F7F">
-                <a:alpha val="100000"/>
-              </a:srgbClr>
-            </a:solidFill>
-            <a:ln w="9000" cap="rnd">
-              <a:solidFill>
-                <a:srgbClr val="7F7F7F">
+              <a:off x="3879589" y="1871845"/>
+              <a:ext cx="49651" cy="49651"/>
+            </a:xfrm>
+            <a:prstGeom prst="ellipse">
+              <a:avLst/>
+            </a:prstGeom>
+            <a:solidFill>
+              <a:srgbClr val="00BFC4">
+                <a:alpha val="100000"/>
+              </a:srgbClr>
+            </a:solidFill>
+            <a:ln w="9000" cap="rnd">
+              <a:solidFill>
+                <a:srgbClr val="00BFC4">
                   <a:alpha val="100000"/>
                 </a:srgbClr>
               </a:solidFill>
@@ -6687,20 +6684,20 @@
           </p:nvSpPr>
           <p:spPr>
             <a:xfrm>
-              <a:off x="4113982" y="1603220"/>
-              <a:ext cx="49651" cy="49651"/>
-            </a:xfrm>
-            <a:prstGeom prst="ellipse">
-              <a:avLst/>
-            </a:prstGeom>
-            <a:solidFill>
-              <a:srgbClr val="7F7F7F">
-                <a:alpha val="100000"/>
-              </a:srgbClr>
-            </a:solidFill>
-            <a:ln w="9000" cap="rnd">
-              <a:solidFill>
-                <a:srgbClr val="7F7F7F">
+              <a:off x="3950172" y="1545748"/>
+              <a:ext cx="49651" cy="49651"/>
+            </a:xfrm>
+            <a:prstGeom prst="ellipse">
+              <a:avLst/>
+            </a:prstGeom>
+            <a:solidFill>
+              <a:srgbClr val="00BFC4">
+                <a:alpha val="100000"/>
+              </a:srgbClr>
+            </a:solidFill>
+            <a:ln w="9000" cap="rnd">
+              <a:solidFill>
+                <a:srgbClr val="00BFC4">
                   <a:alpha val="100000"/>
                 </a:srgbClr>
               </a:solidFill>
@@ -6722,20 +6719,20 @@
           </p:nvSpPr>
           <p:spPr>
             <a:xfrm>
-              <a:off x="4183309" y="1953203"/>
-              <a:ext cx="49651" cy="49651"/>
-            </a:xfrm>
-            <a:prstGeom prst="ellipse">
-              <a:avLst/>
-            </a:prstGeom>
-            <a:solidFill>
-              <a:srgbClr val="7F7F7F">
-                <a:alpha val="100000"/>
-              </a:srgbClr>
-            </a:solidFill>
-            <a:ln w="9000" cap="rnd">
-              <a:solidFill>
-                <a:srgbClr val="7F7F7F">
+              <a:off x="4020755" y="1403623"/>
+              <a:ext cx="49651" cy="49651"/>
+            </a:xfrm>
+            <a:prstGeom prst="ellipse">
+              <a:avLst/>
+            </a:prstGeom>
+            <a:solidFill>
+              <a:srgbClr val="00BFC4">
+                <a:alpha val="100000"/>
+              </a:srgbClr>
+            </a:solidFill>
+            <a:ln w="9000" cap="rnd">
+              <a:solidFill>
+                <a:srgbClr val="00BFC4">
                   <a:alpha val="100000"/>
                 </a:srgbClr>
               </a:solidFill>
@@ -6757,20 +6754,20 @@
           </p:nvSpPr>
           <p:spPr>
             <a:xfrm>
-              <a:off x="4252637" y="2302934"/>
-              <a:ext cx="49651" cy="49651"/>
-            </a:xfrm>
-            <a:prstGeom prst="ellipse">
-              <a:avLst/>
-            </a:prstGeom>
-            <a:solidFill>
-              <a:srgbClr val="7F7F7F">
-                <a:alpha val="100000"/>
-              </a:srgbClr>
-            </a:solidFill>
-            <a:ln w="9000" cap="rnd">
-              <a:solidFill>
-                <a:srgbClr val="7F7F7F">
+              <a:off x="4091337" y="1422869"/>
+              <a:ext cx="49651" cy="49651"/>
+            </a:xfrm>
+            <a:prstGeom prst="ellipse">
+              <a:avLst/>
+            </a:prstGeom>
+            <a:solidFill>
+              <a:srgbClr val="00BFC4">
+                <a:alpha val="100000"/>
+              </a:srgbClr>
+            </a:solidFill>
+            <a:ln w="9000" cap="rnd">
+              <a:solidFill>
+                <a:srgbClr val="00BFC4">
                   <a:alpha val="100000"/>
                 </a:srgbClr>
               </a:solidFill>
@@ -6792,20 +6789,20 @@
           </p:nvSpPr>
           <p:spPr>
             <a:xfrm>
-              <a:off x="4321965" y="2625242"/>
-              <a:ext cx="49651" cy="49651"/>
-            </a:xfrm>
-            <a:prstGeom prst="ellipse">
-              <a:avLst/>
-            </a:prstGeom>
-            <a:solidFill>
-              <a:srgbClr val="7F7F7F">
-                <a:alpha val="100000"/>
-              </a:srgbClr>
-            </a:solidFill>
-            <a:ln w="9000" cap="rnd">
-              <a:solidFill>
-                <a:srgbClr val="7F7F7F">
+              <a:off x="4161920" y="1603220"/>
+              <a:ext cx="49651" cy="49651"/>
+            </a:xfrm>
+            <a:prstGeom prst="ellipse">
+              <a:avLst/>
+            </a:prstGeom>
+            <a:solidFill>
+              <a:srgbClr val="00BFC4">
+                <a:alpha val="100000"/>
+              </a:srgbClr>
+            </a:solidFill>
+            <a:ln w="9000" cap="rnd">
+              <a:solidFill>
+                <a:srgbClr val="00BFC4">
                   <a:alpha val="100000"/>
                 </a:srgbClr>
               </a:solidFill>
@@ -6827,20 +6824,20 @@
           </p:nvSpPr>
           <p:spPr>
             <a:xfrm>
-              <a:off x="4391293" y="2897585"/>
-              <a:ext cx="49651" cy="49651"/>
-            </a:xfrm>
-            <a:prstGeom prst="ellipse">
-              <a:avLst/>
-            </a:prstGeom>
-            <a:solidFill>
-              <a:srgbClr val="7F7F7F">
-                <a:alpha val="100000"/>
-              </a:srgbClr>
-            </a:solidFill>
-            <a:ln w="9000" cap="rnd">
-              <a:solidFill>
-                <a:srgbClr val="7F7F7F">
+              <a:off x="4232503" y="1953203"/>
+              <a:ext cx="49651" cy="49651"/>
+            </a:xfrm>
+            <a:prstGeom prst="ellipse">
+              <a:avLst/>
+            </a:prstGeom>
+            <a:solidFill>
+              <a:srgbClr val="00BFC4">
+                <a:alpha val="100000"/>
+              </a:srgbClr>
+            </a:solidFill>
+            <a:ln w="9000" cap="rnd">
+              <a:solidFill>
+                <a:srgbClr val="00BFC4">
                   <a:alpha val="100000"/>
                 </a:srgbClr>
               </a:solidFill>
@@ -6862,20 +6859,20 @@
           </p:nvSpPr>
           <p:spPr>
             <a:xfrm>
-              <a:off x="4460621" y="3107225"/>
-              <a:ext cx="49651" cy="49651"/>
-            </a:xfrm>
-            <a:prstGeom prst="ellipse">
-              <a:avLst/>
-            </a:prstGeom>
-            <a:solidFill>
-              <a:srgbClr val="7F7F7F">
-                <a:alpha val="100000"/>
-              </a:srgbClr>
-            </a:solidFill>
-            <a:ln w="9000" cap="rnd">
-              <a:solidFill>
-                <a:srgbClr val="7F7F7F">
+              <a:off x="4303086" y="2302934"/>
+              <a:ext cx="49651" cy="49651"/>
+            </a:xfrm>
+            <a:prstGeom prst="ellipse">
+              <a:avLst/>
+            </a:prstGeom>
+            <a:solidFill>
+              <a:srgbClr val="00BFC4">
+                <a:alpha val="100000"/>
+              </a:srgbClr>
+            </a:solidFill>
+            <a:ln w="9000" cap="rnd">
+              <a:solidFill>
+                <a:srgbClr val="00BFC4">
                   <a:alpha val="100000"/>
                 </a:srgbClr>
               </a:solidFill>
@@ -6897,20 +6894,20 @@
           </p:nvSpPr>
           <p:spPr>
             <a:xfrm>
-              <a:off x="4564612" y="3334654"/>
-              <a:ext cx="49651" cy="49651"/>
-            </a:xfrm>
-            <a:prstGeom prst="ellipse">
-              <a:avLst/>
-            </a:prstGeom>
-            <a:solidFill>
-              <a:srgbClr val="7F7F7F">
-                <a:alpha val="100000"/>
-              </a:srgbClr>
-            </a:solidFill>
-            <a:ln w="9000" cap="rnd">
-              <a:solidFill>
-                <a:srgbClr val="7F7F7F">
+              <a:off x="4373668" y="2625242"/>
+              <a:ext cx="49651" cy="49651"/>
+            </a:xfrm>
+            <a:prstGeom prst="ellipse">
+              <a:avLst/>
+            </a:prstGeom>
+            <a:solidFill>
+              <a:srgbClr val="00BFC4">
+                <a:alpha val="100000"/>
+              </a:srgbClr>
+            </a:solidFill>
+            <a:ln w="9000" cap="rnd">
+              <a:solidFill>
+                <a:srgbClr val="00BFC4">
                   <a:alpha val="100000"/>
                 </a:srgbClr>
               </a:solidFill>
@@ -6932,20 +6929,20 @@
           </p:nvSpPr>
           <p:spPr>
             <a:xfrm>
-              <a:off x="4668604" y="3487354"/>
-              <a:ext cx="49651" cy="49651"/>
-            </a:xfrm>
-            <a:prstGeom prst="ellipse">
-              <a:avLst/>
-            </a:prstGeom>
-            <a:solidFill>
-              <a:srgbClr val="7F7F7F">
-                <a:alpha val="100000"/>
-              </a:srgbClr>
-            </a:solidFill>
-            <a:ln w="9000" cap="rnd">
-              <a:solidFill>
-                <a:srgbClr val="7F7F7F">
+              <a:off x="4444251" y="2897585"/>
+              <a:ext cx="49651" cy="49651"/>
+            </a:xfrm>
+            <a:prstGeom prst="ellipse">
+              <a:avLst/>
+            </a:prstGeom>
+            <a:solidFill>
+              <a:srgbClr val="00BFC4">
+                <a:alpha val="100000"/>
+              </a:srgbClr>
+            </a:solidFill>
+            <a:ln w="9000" cap="rnd">
+              <a:solidFill>
+                <a:srgbClr val="00BFC4">
                   <a:alpha val="100000"/>
                 </a:srgbClr>
               </a:solidFill>
@@ -6967,20 +6964,20 @@
           </p:nvSpPr>
           <p:spPr>
             <a:xfrm>
-              <a:off x="4737932" y="3566024"/>
-              <a:ext cx="49651" cy="49651"/>
-            </a:xfrm>
-            <a:prstGeom prst="ellipse">
-              <a:avLst/>
-            </a:prstGeom>
-            <a:solidFill>
-              <a:srgbClr val="7F7F7F">
-                <a:alpha val="100000"/>
-              </a:srgbClr>
-            </a:solidFill>
-            <a:ln w="9000" cap="rnd">
-              <a:solidFill>
-                <a:srgbClr val="7F7F7F">
+              <a:off x="4514834" y="3107225"/>
+              <a:ext cx="49651" cy="49651"/>
+            </a:xfrm>
+            <a:prstGeom prst="ellipse">
+              <a:avLst/>
+            </a:prstGeom>
+            <a:solidFill>
+              <a:srgbClr val="00BFC4">
+                <a:alpha val="100000"/>
+              </a:srgbClr>
+            </a:solidFill>
+            <a:ln w="9000" cap="rnd">
+              <a:solidFill>
+                <a:srgbClr val="00BFC4">
                   <a:alpha val="100000"/>
                 </a:srgbClr>
               </a:solidFill>
@@ -7002,20 +6999,20 @@
           </p:nvSpPr>
           <p:spPr>
             <a:xfrm>
-              <a:off x="4876587" y="3692563"/>
-              <a:ext cx="49651" cy="49651"/>
-            </a:xfrm>
-            <a:prstGeom prst="ellipse">
-              <a:avLst/>
-            </a:prstGeom>
-            <a:solidFill>
-              <a:srgbClr val="7F7F7F">
-                <a:alpha val="100000"/>
-              </a:srgbClr>
-            </a:solidFill>
-            <a:ln w="9000" cap="rnd">
-              <a:solidFill>
-                <a:srgbClr val="7F7F7F">
+              <a:off x="4620708" y="3334654"/>
+              <a:ext cx="49651" cy="49651"/>
+            </a:xfrm>
+            <a:prstGeom prst="ellipse">
+              <a:avLst/>
+            </a:prstGeom>
+            <a:solidFill>
+              <a:srgbClr val="00BFC4">
+                <a:alpha val="100000"/>
+              </a:srgbClr>
+            </a:solidFill>
+            <a:ln w="9000" cap="rnd">
+              <a:solidFill>
+                <a:srgbClr val="00BFC4">
                   <a:alpha val="100000"/>
                 </a:srgbClr>
               </a:solidFill>
@@ -7037,20 +7034,20 @@
           </p:nvSpPr>
           <p:spPr>
             <a:xfrm>
-              <a:off x="5015243" y="3788917"/>
-              <a:ext cx="49651" cy="49651"/>
-            </a:xfrm>
-            <a:prstGeom prst="ellipse">
-              <a:avLst/>
-            </a:prstGeom>
-            <a:solidFill>
-              <a:srgbClr val="7F7F7F">
-                <a:alpha val="100000"/>
-              </a:srgbClr>
-            </a:solidFill>
-            <a:ln w="9000" cap="rnd">
-              <a:solidFill>
-                <a:srgbClr val="7F7F7F">
+              <a:off x="4726582" y="3487354"/>
+              <a:ext cx="49651" cy="49651"/>
+            </a:xfrm>
+            <a:prstGeom prst="ellipse">
+              <a:avLst/>
+            </a:prstGeom>
+            <a:solidFill>
+              <a:srgbClr val="00BFC4">
+                <a:alpha val="100000"/>
+              </a:srgbClr>
+            </a:solidFill>
+            <a:ln w="9000" cap="rnd">
+              <a:solidFill>
+                <a:srgbClr val="00BFC4">
                   <a:alpha val="100000"/>
                 </a:srgbClr>
               </a:solidFill>
@@ -7072,20 +7069,20 @@
           </p:nvSpPr>
           <p:spPr>
             <a:xfrm>
-              <a:off x="5119235" y="3848279"/>
-              <a:ext cx="49651" cy="49651"/>
-            </a:xfrm>
-            <a:prstGeom prst="ellipse">
-              <a:avLst/>
-            </a:prstGeom>
-            <a:solidFill>
-              <a:srgbClr val="7F7F7F">
-                <a:alpha val="100000"/>
-              </a:srgbClr>
-            </a:solidFill>
-            <a:ln w="9000" cap="rnd">
-              <a:solidFill>
-                <a:srgbClr val="7F7F7F">
+              <a:off x="4797165" y="3566024"/>
+              <a:ext cx="49651" cy="49651"/>
+            </a:xfrm>
+            <a:prstGeom prst="ellipse">
+              <a:avLst/>
+            </a:prstGeom>
+            <a:solidFill>
+              <a:srgbClr val="00BFC4">
+                <a:alpha val="100000"/>
+              </a:srgbClr>
+            </a:solidFill>
+            <a:ln w="9000" cap="rnd">
+              <a:solidFill>
+                <a:srgbClr val="00BFC4">
                   <a:alpha val="100000"/>
                 </a:srgbClr>
               </a:solidFill>
@@ -7107,20 +7104,20 @@
           </p:nvSpPr>
           <p:spPr>
             <a:xfrm>
-              <a:off x="5292554" y="3919931"/>
-              <a:ext cx="49651" cy="49651"/>
-            </a:xfrm>
-            <a:prstGeom prst="ellipse">
-              <a:avLst/>
-            </a:prstGeom>
-            <a:solidFill>
-              <a:srgbClr val="7F7F7F">
-                <a:alpha val="100000"/>
-              </a:srgbClr>
-            </a:solidFill>
-            <a:ln w="9000" cap="rnd">
-              <a:solidFill>
-                <a:srgbClr val="7F7F7F">
+              <a:off x="4938330" y="3692563"/>
+              <a:ext cx="49651" cy="49651"/>
+            </a:xfrm>
+            <a:prstGeom prst="ellipse">
+              <a:avLst/>
+            </a:prstGeom>
+            <a:solidFill>
+              <a:srgbClr val="00BFC4">
+                <a:alpha val="100000"/>
+              </a:srgbClr>
+            </a:solidFill>
+            <a:ln w="9000" cap="rnd">
+              <a:solidFill>
+                <a:srgbClr val="00BFC4">
                   <a:alpha val="100000"/>
                 </a:srgbClr>
               </a:solidFill>
@@ -7142,20 +7139,20 @@
           </p:nvSpPr>
           <p:spPr>
             <a:xfrm>
-              <a:off x="2450115" y="4001527"/>
-              <a:ext cx="49651" cy="49651"/>
-            </a:xfrm>
-            <a:prstGeom prst="ellipse">
-              <a:avLst/>
-            </a:prstGeom>
-            <a:solidFill>
-              <a:srgbClr val="7F7F7F">
-                <a:alpha val="100000"/>
-              </a:srgbClr>
-            </a:solidFill>
-            <a:ln w="9000" cap="rnd">
-              <a:solidFill>
-                <a:srgbClr val="7F7F7F">
+              <a:off x="5079495" y="3788917"/>
+              <a:ext cx="49651" cy="49651"/>
+            </a:xfrm>
+            <a:prstGeom prst="ellipse">
+              <a:avLst/>
+            </a:prstGeom>
+            <a:solidFill>
+              <a:srgbClr val="00BFC4">
+                <a:alpha val="100000"/>
+              </a:srgbClr>
+            </a:solidFill>
+            <a:ln w="9000" cap="rnd">
+              <a:solidFill>
+                <a:srgbClr val="00BFC4">
                   <a:alpha val="100000"/>
                 </a:srgbClr>
               </a:solidFill>
@@ -7177,20 +7174,20 @@
           </p:nvSpPr>
           <p:spPr>
             <a:xfrm>
-              <a:off x="3351376" y="3566121"/>
-              <a:ext cx="49651" cy="49651"/>
-            </a:xfrm>
-            <a:prstGeom prst="ellipse">
-              <a:avLst/>
-            </a:prstGeom>
-            <a:solidFill>
-              <a:srgbClr val="7F7F7F">
-                <a:alpha val="100000"/>
-              </a:srgbClr>
-            </a:solidFill>
-            <a:ln w="9000" cap="rnd">
-              <a:solidFill>
-                <a:srgbClr val="7F7F7F">
+              <a:off x="5185370" y="3848279"/>
+              <a:ext cx="49651" cy="49651"/>
+            </a:xfrm>
+            <a:prstGeom prst="ellipse">
+              <a:avLst/>
+            </a:prstGeom>
+            <a:solidFill>
+              <a:srgbClr val="00BFC4">
+                <a:alpha val="100000"/>
+              </a:srgbClr>
+            </a:solidFill>
+            <a:ln w="9000" cap="rnd">
+              <a:solidFill>
+                <a:srgbClr val="00BFC4">
                   <a:alpha val="100000"/>
                 </a:srgbClr>
               </a:solidFill>
@@ -7212,20 +7209,20 @@
           </p:nvSpPr>
           <p:spPr>
             <a:xfrm>
-              <a:off x="3490031" y="3404493"/>
-              <a:ext cx="49651" cy="49651"/>
-            </a:xfrm>
-            <a:prstGeom prst="ellipse">
-              <a:avLst/>
-            </a:prstGeom>
-            <a:solidFill>
-              <a:srgbClr val="7F7F7F">
-                <a:alpha val="100000"/>
-              </a:srgbClr>
-            </a:solidFill>
-            <a:ln w="9000" cap="rnd">
-              <a:solidFill>
-                <a:srgbClr val="7F7F7F">
+              <a:off x="5361826" y="3919931"/>
+              <a:ext cx="49651" cy="49651"/>
+            </a:xfrm>
+            <a:prstGeom prst="ellipse">
+              <a:avLst/>
+            </a:prstGeom>
+            <a:solidFill>
+              <a:srgbClr val="00BFC4">
+                <a:alpha val="100000"/>
+              </a:srgbClr>
+            </a:solidFill>
+            <a:ln w="9000" cap="rnd">
+              <a:solidFill>
+                <a:srgbClr val="00BFC4">
                   <a:alpha val="100000"/>
                 </a:srgbClr>
               </a:solidFill>
@@ -7247,20 +7244,20 @@
           </p:nvSpPr>
           <p:spPr>
             <a:xfrm>
-              <a:off x="3594023" y="3246649"/>
-              <a:ext cx="49651" cy="49651"/>
-            </a:xfrm>
-            <a:prstGeom prst="ellipse">
-              <a:avLst/>
-            </a:prstGeom>
-            <a:solidFill>
-              <a:srgbClr val="7F7F7F">
-                <a:alpha val="100000"/>
-              </a:srgbClr>
-            </a:solidFill>
-            <a:ln w="9000" cap="rnd">
-              <a:solidFill>
-                <a:srgbClr val="7F7F7F">
+              <a:off x="2467935" y="4001527"/>
+              <a:ext cx="49651" cy="49651"/>
+            </a:xfrm>
+            <a:prstGeom prst="ellipse">
+              <a:avLst/>
+            </a:prstGeom>
+            <a:solidFill>
+              <a:srgbClr val="F8766D">
+                <a:alpha val="100000"/>
+              </a:srgbClr>
+            </a:solidFill>
+            <a:ln w="9000" cap="rnd">
+              <a:solidFill>
+                <a:srgbClr val="F8766D">
                   <a:alpha val="100000"/>
                 </a:srgbClr>
               </a:solidFill>
@@ -7282,20 +7279,20 @@
           </p:nvSpPr>
           <p:spPr>
             <a:xfrm>
-              <a:off x="3698015" y="2942098"/>
-              <a:ext cx="49651" cy="49651"/>
-            </a:xfrm>
-            <a:prstGeom prst="ellipse">
-              <a:avLst/>
-            </a:prstGeom>
-            <a:solidFill>
-              <a:srgbClr val="7F7F7F">
-                <a:alpha val="100000"/>
-              </a:srgbClr>
-            </a:solidFill>
-            <a:ln w="9000" cap="rnd">
-              <a:solidFill>
-                <a:srgbClr val="7F7F7F">
+              <a:off x="3385510" y="3566121"/>
+              <a:ext cx="49651" cy="49651"/>
+            </a:xfrm>
+            <a:prstGeom prst="ellipse">
+              <a:avLst/>
+            </a:prstGeom>
+            <a:solidFill>
+              <a:srgbClr val="F8766D">
+                <a:alpha val="100000"/>
+              </a:srgbClr>
+            </a:solidFill>
+            <a:ln w="9000" cap="rnd">
+              <a:solidFill>
+                <a:srgbClr val="F8766D">
                   <a:alpha val="100000"/>
                 </a:srgbClr>
               </a:solidFill>
@@ -7317,20 +7314,20 @@
           </p:nvSpPr>
           <p:spPr>
             <a:xfrm>
-              <a:off x="3767343" y="2629743"/>
-              <a:ext cx="49651" cy="49651"/>
-            </a:xfrm>
-            <a:prstGeom prst="ellipse">
-              <a:avLst/>
-            </a:prstGeom>
-            <a:solidFill>
-              <a:srgbClr val="7F7F7F">
-                <a:alpha val="100000"/>
-              </a:srgbClr>
-            </a:solidFill>
-            <a:ln w="9000" cap="rnd">
-              <a:solidFill>
-                <a:srgbClr val="7F7F7F">
+              <a:off x="3526676" y="3404493"/>
+              <a:ext cx="49651" cy="49651"/>
+            </a:xfrm>
+            <a:prstGeom prst="ellipse">
+              <a:avLst/>
+            </a:prstGeom>
+            <a:solidFill>
+              <a:srgbClr val="F8766D">
+                <a:alpha val="100000"/>
+              </a:srgbClr>
+            </a:solidFill>
+            <a:ln w="9000" cap="rnd">
+              <a:solidFill>
+                <a:srgbClr val="F8766D">
                   <a:alpha val="100000"/>
                 </a:srgbClr>
               </a:solidFill>
@@ -7352,20 +7349,20 @@
           </p:nvSpPr>
           <p:spPr>
             <a:xfrm>
-              <a:off x="3836670" y="2243567"/>
-              <a:ext cx="49651" cy="49651"/>
-            </a:xfrm>
-            <a:prstGeom prst="ellipse">
-              <a:avLst/>
-            </a:prstGeom>
-            <a:solidFill>
-              <a:srgbClr val="7F7F7F">
-                <a:alpha val="100000"/>
-              </a:srgbClr>
-            </a:solidFill>
-            <a:ln w="9000" cap="rnd">
-              <a:solidFill>
-                <a:srgbClr val="7F7F7F">
+              <a:off x="3632550" y="3246649"/>
+              <a:ext cx="49651" cy="49651"/>
+            </a:xfrm>
+            <a:prstGeom prst="ellipse">
+              <a:avLst/>
+            </a:prstGeom>
+            <a:solidFill>
+              <a:srgbClr val="F8766D">
+                <a:alpha val="100000"/>
+              </a:srgbClr>
+            </a:solidFill>
+            <a:ln w="9000" cap="rnd">
+              <a:solidFill>
+                <a:srgbClr val="F8766D">
                   <a:alpha val="100000"/>
                 </a:srgbClr>
               </a:solidFill>
@@ -7387,20 +7384,20 @@
           </p:nvSpPr>
           <p:spPr>
             <a:xfrm>
-              <a:off x="3905998" y="1866832"/>
-              <a:ext cx="49651" cy="49651"/>
-            </a:xfrm>
-            <a:prstGeom prst="ellipse">
-              <a:avLst/>
-            </a:prstGeom>
-            <a:solidFill>
-              <a:srgbClr val="7F7F7F">
-                <a:alpha val="100000"/>
-              </a:srgbClr>
-            </a:solidFill>
-            <a:ln w="9000" cap="rnd">
-              <a:solidFill>
-                <a:srgbClr val="7F7F7F">
+              <a:off x="3738424" y="2942098"/>
+              <a:ext cx="49651" cy="49651"/>
+            </a:xfrm>
+            <a:prstGeom prst="ellipse">
+              <a:avLst/>
+            </a:prstGeom>
+            <a:solidFill>
+              <a:srgbClr val="F8766D">
+                <a:alpha val="100000"/>
+              </a:srgbClr>
+            </a:solidFill>
+            <a:ln w="9000" cap="rnd">
+              <a:solidFill>
+                <a:srgbClr val="F8766D">
                   <a:alpha val="100000"/>
                 </a:srgbClr>
               </a:solidFill>
@@ -7422,20 +7419,20 @@
           </p:nvSpPr>
           <p:spPr>
             <a:xfrm>
-              <a:off x="3975326" y="1525708"/>
-              <a:ext cx="49651" cy="49651"/>
-            </a:xfrm>
-            <a:prstGeom prst="ellipse">
-              <a:avLst/>
-            </a:prstGeom>
-            <a:solidFill>
-              <a:srgbClr val="7F7F7F">
-                <a:alpha val="100000"/>
-              </a:srgbClr>
-            </a:solidFill>
-            <a:ln w="9000" cap="rnd">
-              <a:solidFill>
-                <a:srgbClr val="7F7F7F">
+              <a:off x="3809006" y="2629743"/>
+              <a:ext cx="49651" cy="49651"/>
+            </a:xfrm>
+            <a:prstGeom prst="ellipse">
+              <a:avLst/>
+            </a:prstGeom>
+            <a:solidFill>
+              <a:srgbClr val="F8766D">
+                <a:alpha val="100000"/>
+              </a:srgbClr>
+            </a:solidFill>
+            <a:ln w="9000" cap="rnd">
+              <a:solidFill>
+                <a:srgbClr val="F8766D">
                   <a:alpha val="100000"/>
                 </a:srgbClr>
               </a:solidFill>
@@ -7457,20 +7454,20 @@
           </p:nvSpPr>
           <p:spPr>
             <a:xfrm>
-              <a:off x="4044654" y="1263007"/>
-              <a:ext cx="49651" cy="49651"/>
-            </a:xfrm>
-            <a:prstGeom prst="ellipse">
-              <a:avLst/>
-            </a:prstGeom>
-            <a:solidFill>
-              <a:srgbClr val="7F7F7F">
-                <a:alpha val="100000"/>
-              </a:srgbClr>
-            </a:solidFill>
-            <a:ln w="9000" cap="rnd">
-              <a:solidFill>
-                <a:srgbClr val="7F7F7F">
+              <a:off x="3879589" y="2243567"/>
+              <a:ext cx="49651" cy="49651"/>
+            </a:xfrm>
+            <a:prstGeom prst="ellipse">
+              <a:avLst/>
+            </a:prstGeom>
+            <a:solidFill>
+              <a:srgbClr val="F8766D">
+                <a:alpha val="100000"/>
+              </a:srgbClr>
+            </a:solidFill>
+            <a:ln w="9000" cap="rnd">
+              <a:solidFill>
+                <a:srgbClr val="F8766D">
                   <a:alpha val="100000"/>
                 </a:srgbClr>
               </a:solidFill>
@@ -7492,20 +7489,20 @@
           </p:nvSpPr>
           <p:spPr>
             <a:xfrm>
-              <a:off x="4113982" y="1270783"/>
-              <a:ext cx="49651" cy="49651"/>
-            </a:xfrm>
-            <a:prstGeom prst="ellipse">
-              <a:avLst/>
-            </a:prstGeom>
-            <a:solidFill>
-              <a:srgbClr val="7F7F7F">
-                <a:alpha val="100000"/>
-              </a:srgbClr>
-            </a:solidFill>
-            <a:ln w="9000" cap="rnd">
-              <a:solidFill>
-                <a:srgbClr val="7F7F7F">
+              <a:off x="3950172" y="1866832"/>
+              <a:ext cx="49651" cy="49651"/>
+            </a:xfrm>
+            <a:prstGeom prst="ellipse">
+              <a:avLst/>
+            </a:prstGeom>
+            <a:solidFill>
+              <a:srgbClr val="F8766D">
+                <a:alpha val="100000"/>
+              </a:srgbClr>
+            </a:solidFill>
+            <a:ln w="9000" cap="rnd">
+              <a:solidFill>
+                <a:srgbClr val="F8766D">
                   <a:alpha val="100000"/>
                 </a:srgbClr>
               </a:solidFill>
@@ -7527,20 +7524,20 @@
           </p:nvSpPr>
           <p:spPr>
             <a:xfrm>
-              <a:off x="4183309" y="1520096"/>
-              <a:ext cx="49651" cy="49651"/>
-            </a:xfrm>
-            <a:prstGeom prst="ellipse">
-              <a:avLst/>
-            </a:prstGeom>
-            <a:solidFill>
-              <a:srgbClr val="7F7F7F">
-                <a:alpha val="100000"/>
-              </a:srgbClr>
-            </a:solidFill>
-            <a:ln w="9000" cap="rnd">
-              <a:solidFill>
-                <a:srgbClr val="7F7F7F">
+              <a:off x="4020755" y="1525708"/>
+              <a:ext cx="49651" cy="49651"/>
+            </a:xfrm>
+            <a:prstGeom prst="ellipse">
+              <a:avLst/>
+            </a:prstGeom>
+            <a:solidFill>
+              <a:srgbClr val="F8766D">
+                <a:alpha val="100000"/>
+              </a:srgbClr>
+            </a:solidFill>
+            <a:ln w="9000" cap="rnd">
+              <a:solidFill>
+                <a:srgbClr val="F8766D">
                   <a:alpha val="100000"/>
                 </a:srgbClr>
               </a:solidFill>
@@ -7562,20 +7559,20 @@
           </p:nvSpPr>
           <p:spPr>
             <a:xfrm>
-              <a:off x="4252637" y="1866912"/>
-              <a:ext cx="49651" cy="49651"/>
-            </a:xfrm>
-            <a:prstGeom prst="ellipse">
-              <a:avLst/>
-            </a:prstGeom>
-            <a:solidFill>
-              <a:srgbClr val="7F7F7F">
-                <a:alpha val="100000"/>
-              </a:srgbClr>
-            </a:solidFill>
-            <a:ln w="9000" cap="rnd">
-              <a:solidFill>
-                <a:srgbClr val="7F7F7F">
+              <a:off x="4091337" y="1263007"/>
+              <a:ext cx="49651" cy="49651"/>
+            </a:xfrm>
+            <a:prstGeom prst="ellipse">
+              <a:avLst/>
+            </a:prstGeom>
+            <a:solidFill>
+              <a:srgbClr val="F8766D">
+                <a:alpha val="100000"/>
+              </a:srgbClr>
+            </a:solidFill>
+            <a:ln w="9000" cap="rnd">
+              <a:solidFill>
+                <a:srgbClr val="F8766D">
                   <a:alpha val="100000"/>
                 </a:srgbClr>
               </a:solidFill>
@@ -7597,20 +7594,20 @@
           </p:nvSpPr>
           <p:spPr>
             <a:xfrm>
-              <a:off x="4321965" y="2215727"/>
-              <a:ext cx="49651" cy="49651"/>
-            </a:xfrm>
-            <a:prstGeom prst="ellipse">
-              <a:avLst/>
-            </a:prstGeom>
-            <a:solidFill>
-              <a:srgbClr val="7F7F7F">
-                <a:alpha val="100000"/>
-              </a:srgbClr>
-            </a:solidFill>
-            <a:ln w="9000" cap="rnd">
-              <a:solidFill>
-                <a:srgbClr val="7F7F7F">
+              <a:off x="4161920" y="1270783"/>
+              <a:ext cx="49651" cy="49651"/>
+            </a:xfrm>
+            <a:prstGeom prst="ellipse">
+              <a:avLst/>
+            </a:prstGeom>
+            <a:solidFill>
+              <a:srgbClr val="F8766D">
+                <a:alpha val="100000"/>
+              </a:srgbClr>
+            </a:solidFill>
+            <a:ln w="9000" cap="rnd">
+              <a:solidFill>
+                <a:srgbClr val="F8766D">
                   <a:alpha val="100000"/>
                 </a:srgbClr>
               </a:solidFill>
@@ -7632,20 +7629,20 @@
           </p:nvSpPr>
           <p:spPr>
             <a:xfrm>
-              <a:off x="4391293" y="2495014"/>
-              <a:ext cx="49651" cy="49651"/>
-            </a:xfrm>
-            <a:prstGeom prst="ellipse">
-              <a:avLst/>
-            </a:prstGeom>
-            <a:solidFill>
-              <a:srgbClr val="7F7F7F">
-                <a:alpha val="100000"/>
-              </a:srgbClr>
-            </a:solidFill>
-            <a:ln w="9000" cap="rnd">
-              <a:solidFill>
-                <a:srgbClr val="7F7F7F">
+              <a:off x="4232503" y="1520096"/>
+              <a:ext cx="49651" cy="49651"/>
+            </a:xfrm>
+            <a:prstGeom prst="ellipse">
+              <a:avLst/>
+            </a:prstGeom>
+            <a:solidFill>
+              <a:srgbClr val="F8766D">
+                <a:alpha val="100000"/>
+              </a:srgbClr>
+            </a:solidFill>
+            <a:ln w="9000" cap="rnd">
+              <a:solidFill>
+                <a:srgbClr val="F8766D">
                   <a:alpha val="100000"/>
                 </a:srgbClr>
               </a:solidFill>
@@ -7667,20 +7664,20 @@
           </p:nvSpPr>
           <p:spPr>
             <a:xfrm>
-              <a:off x="4460621" y="2698864"/>
-              <a:ext cx="49651" cy="49651"/>
-            </a:xfrm>
-            <a:prstGeom prst="ellipse">
-              <a:avLst/>
-            </a:prstGeom>
-            <a:solidFill>
-              <a:srgbClr val="7F7F7F">
-                <a:alpha val="100000"/>
-              </a:srgbClr>
-            </a:solidFill>
-            <a:ln w="9000" cap="rnd">
-              <a:solidFill>
-                <a:srgbClr val="7F7F7F">
+              <a:off x="4303086" y="1866912"/>
+              <a:ext cx="49651" cy="49651"/>
+            </a:xfrm>
+            <a:prstGeom prst="ellipse">
+              <a:avLst/>
+            </a:prstGeom>
+            <a:solidFill>
+              <a:srgbClr val="F8766D">
+                <a:alpha val="100000"/>
+              </a:srgbClr>
+            </a:solidFill>
+            <a:ln w="9000" cap="rnd">
+              <a:solidFill>
+                <a:srgbClr val="F8766D">
                   <a:alpha val="100000"/>
                 </a:srgbClr>
               </a:solidFill>
@@ -7702,20 +7699,20 @@
           </p:nvSpPr>
           <p:spPr>
             <a:xfrm>
-              <a:off x="4564612" y="2840518"/>
-              <a:ext cx="49651" cy="49651"/>
-            </a:xfrm>
-            <a:prstGeom prst="ellipse">
-              <a:avLst/>
-            </a:prstGeom>
-            <a:solidFill>
-              <a:srgbClr val="7F7F7F">
-                <a:alpha val="100000"/>
-              </a:srgbClr>
-            </a:solidFill>
-            <a:ln w="9000" cap="rnd">
-              <a:solidFill>
-                <a:srgbClr val="7F7F7F">
+              <a:off x="4373668" y="2215727"/>
+              <a:ext cx="49651" cy="49651"/>
+            </a:xfrm>
+            <a:prstGeom prst="ellipse">
+              <a:avLst/>
+            </a:prstGeom>
+            <a:solidFill>
+              <a:srgbClr val="F8766D">
+                <a:alpha val="100000"/>
+              </a:srgbClr>
+            </a:solidFill>
+            <a:ln w="9000" cap="rnd">
+              <a:solidFill>
+                <a:srgbClr val="F8766D">
                   <a:alpha val="100000"/>
                 </a:srgbClr>
               </a:solidFill>
@@ -7737,20 +7734,20 @@
           </p:nvSpPr>
           <p:spPr>
             <a:xfrm>
-              <a:off x="4668604" y="2779782"/>
-              <a:ext cx="49651" cy="49651"/>
-            </a:xfrm>
-            <a:prstGeom prst="ellipse">
-              <a:avLst/>
-            </a:prstGeom>
-            <a:solidFill>
-              <a:srgbClr val="7F7F7F">
-                <a:alpha val="100000"/>
-              </a:srgbClr>
-            </a:solidFill>
-            <a:ln w="9000" cap="rnd">
-              <a:solidFill>
-                <a:srgbClr val="7F7F7F">
+              <a:off x="4444251" y="2495014"/>
+              <a:ext cx="49651" cy="49651"/>
+            </a:xfrm>
+            <a:prstGeom prst="ellipse">
+              <a:avLst/>
+            </a:prstGeom>
+            <a:solidFill>
+              <a:srgbClr val="F8766D">
+                <a:alpha val="100000"/>
+              </a:srgbClr>
+            </a:solidFill>
+            <a:ln w="9000" cap="rnd">
+              <a:solidFill>
+                <a:srgbClr val="F8766D">
                   <a:alpha val="100000"/>
                 </a:srgbClr>
               </a:solidFill>
@@ -7772,20 +7769,20 @@
           </p:nvSpPr>
           <p:spPr>
             <a:xfrm>
-              <a:off x="4737932" y="2684512"/>
-              <a:ext cx="49651" cy="49651"/>
-            </a:xfrm>
-            <a:prstGeom prst="ellipse">
-              <a:avLst/>
-            </a:prstGeom>
-            <a:solidFill>
-              <a:srgbClr val="7F7F7F">
-                <a:alpha val="100000"/>
-              </a:srgbClr>
-            </a:solidFill>
-            <a:ln w="9000" cap="rnd">
-              <a:solidFill>
-                <a:srgbClr val="7F7F7F">
+              <a:off x="4514834" y="2698864"/>
+              <a:ext cx="49651" cy="49651"/>
+            </a:xfrm>
+            <a:prstGeom prst="ellipse">
+              <a:avLst/>
+            </a:prstGeom>
+            <a:solidFill>
+              <a:srgbClr val="F8766D">
+                <a:alpha val="100000"/>
+              </a:srgbClr>
+            </a:solidFill>
+            <a:ln w="9000" cap="rnd">
+              <a:solidFill>
+                <a:srgbClr val="F8766D">
                   <a:alpha val="100000"/>
                 </a:srgbClr>
               </a:solidFill>
@@ -7807,20 +7804,20 @@
           </p:nvSpPr>
           <p:spPr>
             <a:xfrm>
-              <a:off x="4807260" y="2594470"/>
-              <a:ext cx="49651" cy="49651"/>
-            </a:xfrm>
-            <a:prstGeom prst="ellipse">
-              <a:avLst/>
-            </a:prstGeom>
-            <a:solidFill>
-              <a:srgbClr val="7F7F7F">
-                <a:alpha val="100000"/>
-              </a:srgbClr>
-            </a:solidFill>
-            <a:ln w="9000" cap="rnd">
-              <a:solidFill>
-                <a:srgbClr val="7F7F7F">
+              <a:off x="4620708" y="2840518"/>
+              <a:ext cx="49651" cy="49651"/>
+            </a:xfrm>
+            <a:prstGeom prst="ellipse">
+              <a:avLst/>
+            </a:prstGeom>
+            <a:solidFill>
+              <a:srgbClr val="F8766D">
+                <a:alpha val="100000"/>
+              </a:srgbClr>
+            </a:solidFill>
+            <a:ln w="9000" cap="rnd">
+              <a:solidFill>
+                <a:srgbClr val="F8766D">
                   <a:alpha val="100000"/>
                 </a:srgbClr>
               </a:solidFill>
@@ -7842,20 +7839,20 @@
           </p:nvSpPr>
           <p:spPr>
             <a:xfrm>
-              <a:off x="4876587" y="2552698"/>
-              <a:ext cx="49651" cy="49651"/>
-            </a:xfrm>
-            <a:prstGeom prst="ellipse">
-              <a:avLst/>
-            </a:prstGeom>
-            <a:solidFill>
-              <a:srgbClr val="7F7F7F">
-                <a:alpha val="100000"/>
-              </a:srgbClr>
-            </a:solidFill>
-            <a:ln w="9000" cap="rnd">
-              <a:solidFill>
-                <a:srgbClr val="7F7F7F">
+              <a:off x="4726582" y="2779782"/>
+              <a:ext cx="49651" cy="49651"/>
+            </a:xfrm>
+            <a:prstGeom prst="ellipse">
+              <a:avLst/>
+            </a:prstGeom>
+            <a:solidFill>
+              <a:srgbClr val="F8766D">
+                <a:alpha val="100000"/>
+              </a:srgbClr>
+            </a:solidFill>
+            <a:ln w="9000" cap="rnd">
+              <a:solidFill>
+                <a:srgbClr val="F8766D">
                   <a:alpha val="100000"/>
                 </a:srgbClr>
               </a:solidFill>
@@ -7877,20 +7874,20 @@
           </p:nvSpPr>
           <p:spPr>
             <a:xfrm>
-              <a:off x="4945915" y="2668368"/>
-              <a:ext cx="49651" cy="49651"/>
-            </a:xfrm>
-            <a:prstGeom prst="ellipse">
-              <a:avLst/>
-            </a:prstGeom>
-            <a:solidFill>
-              <a:srgbClr val="7F7F7F">
-                <a:alpha val="100000"/>
-              </a:srgbClr>
-            </a:solidFill>
-            <a:ln w="9000" cap="rnd">
-              <a:solidFill>
-                <a:srgbClr val="7F7F7F">
+              <a:off x="4797165" y="2684512"/>
+              <a:ext cx="49651" cy="49651"/>
+            </a:xfrm>
+            <a:prstGeom prst="ellipse">
+              <a:avLst/>
+            </a:prstGeom>
+            <a:solidFill>
+              <a:srgbClr val="F8766D">
+                <a:alpha val="100000"/>
+              </a:srgbClr>
+            </a:solidFill>
+            <a:ln w="9000" cap="rnd">
+              <a:solidFill>
+                <a:srgbClr val="F8766D">
                   <a:alpha val="100000"/>
                 </a:srgbClr>
               </a:solidFill>
@@ -7912,20 +7909,20 @@
           </p:nvSpPr>
           <p:spPr>
             <a:xfrm>
-              <a:off x="5015243" y="2892471"/>
-              <a:ext cx="49651" cy="49651"/>
-            </a:xfrm>
-            <a:prstGeom prst="ellipse">
-              <a:avLst/>
-            </a:prstGeom>
-            <a:solidFill>
-              <a:srgbClr val="7F7F7F">
-                <a:alpha val="100000"/>
-              </a:srgbClr>
-            </a:solidFill>
-            <a:ln w="9000" cap="rnd">
-              <a:solidFill>
-                <a:srgbClr val="7F7F7F">
+              <a:off x="4867747" y="2594470"/>
+              <a:ext cx="49651" cy="49651"/>
+            </a:xfrm>
+            <a:prstGeom prst="ellipse">
+              <a:avLst/>
+            </a:prstGeom>
+            <a:solidFill>
+              <a:srgbClr val="F8766D">
+                <a:alpha val="100000"/>
+              </a:srgbClr>
+            </a:solidFill>
+            <a:ln w="9000" cap="rnd">
+              <a:solidFill>
+                <a:srgbClr val="F8766D">
                   <a:alpha val="100000"/>
                 </a:srgbClr>
               </a:solidFill>
@@ -7947,20 +7944,20 @@
           </p:nvSpPr>
           <p:spPr>
             <a:xfrm>
-              <a:off x="5084571" y="3163483"/>
-              <a:ext cx="49651" cy="49651"/>
-            </a:xfrm>
-            <a:prstGeom prst="ellipse">
-              <a:avLst/>
-            </a:prstGeom>
-            <a:solidFill>
-              <a:srgbClr val="7F7F7F">
-                <a:alpha val="100000"/>
-              </a:srgbClr>
-            </a:solidFill>
-            <a:ln w="9000" cap="rnd">
-              <a:solidFill>
-                <a:srgbClr val="7F7F7F">
+              <a:off x="4938330" y="2552698"/>
+              <a:ext cx="49651" cy="49651"/>
+            </a:xfrm>
+            <a:prstGeom prst="ellipse">
+              <a:avLst/>
+            </a:prstGeom>
+            <a:solidFill>
+              <a:srgbClr val="F8766D">
+                <a:alpha val="100000"/>
+              </a:srgbClr>
+            </a:solidFill>
+            <a:ln w="9000" cap="rnd">
+              <a:solidFill>
+                <a:srgbClr val="F8766D">
                   <a:alpha val="100000"/>
                 </a:srgbClr>
               </a:solidFill>
@@ -7982,36 +7979,141 @@
           </p:nvSpPr>
           <p:spPr>
             <a:xfrm>
-              <a:off x="5257890" y="3701184"/>
-              <a:ext cx="49651" cy="49651"/>
-            </a:xfrm>
-            <a:prstGeom prst="ellipse">
-              <a:avLst/>
-            </a:prstGeom>
-            <a:solidFill>
-              <a:srgbClr val="7F7F7F">
-                <a:alpha val="100000"/>
-              </a:srgbClr>
-            </a:solidFill>
-            <a:ln w="9000" cap="rnd">
-              <a:solidFill>
-                <a:srgbClr val="7F7F7F">
-                  <a:alpha val="100000"/>
-                </a:srgbClr>
-              </a:solidFill>
-              <a:prstDash val="solid"/>
-              <a:round/>
-            </a:ln>
-          </p:spPr>
-          <p:txBody>
-            <a:bodyPr/>
-            <a:lstStyle/>
-            <a:p/>
-          </p:txBody>
-        </p:sp>
-        <p:sp>
-          <p:nvSpPr>
-            <p:cNvPr id="151" name="tx150"/>
+              <a:off x="5008913" y="2668368"/>
+              <a:ext cx="49651" cy="49651"/>
+            </a:xfrm>
+            <a:prstGeom prst="ellipse">
+              <a:avLst/>
+            </a:prstGeom>
+            <a:solidFill>
+              <a:srgbClr val="F8766D">
+                <a:alpha val="100000"/>
+              </a:srgbClr>
+            </a:solidFill>
+            <a:ln w="9000" cap="rnd">
+              <a:solidFill>
+                <a:srgbClr val="F8766D">
+                  <a:alpha val="100000"/>
+                </a:srgbClr>
+              </a:solidFill>
+              <a:prstDash val="solid"/>
+              <a:round/>
+            </a:ln>
+          </p:spPr>
+          <p:txBody>
+            <a:bodyPr/>
+            <a:lstStyle/>
+            <a:p/>
+          </p:txBody>
+        </p:sp>
+        <p:sp>
+          <p:nvSpPr>
+            <p:cNvPr id="151" name="pt150"/>
+            <p:cNvSpPr/>
+            <p:nvPr/>
+          </p:nvSpPr>
+          <p:spPr>
+            <a:xfrm>
+              <a:off x="5079495" y="2892471"/>
+              <a:ext cx="49651" cy="49651"/>
+            </a:xfrm>
+            <a:prstGeom prst="ellipse">
+              <a:avLst/>
+            </a:prstGeom>
+            <a:solidFill>
+              <a:srgbClr val="F8766D">
+                <a:alpha val="100000"/>
+              </a:srgbClr>
+            </a:solidFill>
+            <a:ln w="9000" cap="rnd">
+              <a:solidFill>
+                <a:srgbClr val="F8766D">
+                  <a:alpha val="100000"/>
+                </a:srgbClr>
+              </a:solidFill>
+              <a:prstDash val="solid"/>
+              <a:round/>
+            </a:ln>
+          </p:spPr>
+          <p:txBody>
+            <a:bodyPr/>
+            <a:lstStyle/>
+            <a:p/>
+          </p:txBody>
+        </p:sp>
+        <p:sp>
+          <p:nvSpPr>
+            <p:cNvPr id="152" name="pt151"/>
+            <p:cNvSpPr/>
+            <p:nvPr/>
+          </p:nvSpPr>
+          <p:spPr>
+            <a:xfrm>
+              <a:off x="5150078" y="3163483"/>
+              <a:ext cx="49651" cy="49651"/>
+            </a:xfrm>
+            <a:prstGeom prst="ellipse">
+              <a:avLst/>
+            </a:prstGeom>
+            <a:solidFill>
+              <a:srgbClr val="F8766D">
+                <a:alpha val="100000"/>
+              </a:srgbClr>
+            </a:solidFill>
+            <a:ln w="9000" cap="rnd">
+              <a:solidFill>
+                <a:srgbClr val="F8766D">
+                  <a:alpha val="100000"/>
+                </a:srgbClr>
+              </a:solidFill>
+              <a:prstDash val="solid"/>
+              <a:round/>
+            </a:ln>
+          </p:spPr>
+          <p:txBody>
+            <a:bodyPr/>
+            <a:lstStyle/>
+            <a:p/>
+          </p:txBody>
+        </p:sp>
+        <p:sp>
+          <p:nvSpPr>
+            <p:cNvPr id="153" name="pt152"/>
+            <p:cNvSpPr/>
+            <p:nvPr/>
+          </p:nvSpPr>
+          <p:spPr>
+            <a:xfrm>
+              <a:off x="5326535" y="3701184"/>
+              <a:ext cx="49651" cy="49651"/>
+            </a:xfrm>
+            <a:prstGeom prst="ellipse">
+              <a:avLst/>
+            </a:prstGeom>
+            <a:solidFill>
+              <a:srgbClr val="F8766D">
+                <a:alpha val="100000"/>
+              </a:srgbClr>
+            </a:solidFill>
+            <a:ln w="9000" cap="rnd">
+              <a:solidFill>
+                <a:srgbClr val="F8766D">
+                  <a:alpha val="100000"/>
+                </a:srgbClr>
+              </a:solidFill>
+              <a:prstDash val="solid"/>
+              <a:round/>
+            </a:ln>
+          </p:spPr>
+          <p:txBody>
+            <a:bodyPr/>
+            <a:lstStyle/>
+            <a:p/>
+          </p:txBody>
+        </p:sp>
+        <p:sp>
+          <p:nvSpPr>
+            <p:cNvPr id="154" name="tx153"/>
             <p:cNvSpPr/>
             <p:nvPr/>
           </p:nvSpPr>
@@ -8057,7 +8159,7 @@
         </p:sp>
         <p:sp>
           <p:nvSpPr>
-            <p:cNvPr id="152" name="tx151"/>
+            <p:cNvPr id="155" name="tx154"/>
             <p:cNvSpPr/>
             <p:nvPr/>
           </p:nvSpPr>
@@ -8103,7 +8205,7 @@
         </p:sp>
         <p:sp>
           <p:nvSpPr>
-            <p:cNvPr id="153" name="tx152"/>
+            <p:cNvPr id="156" name="tx155"/>
             <p:cNvSpPr/>
             <p:nvPr/>
           </p:nvSpPr>
@@ -8149,7 +8251,7 @@
         </p:sp>
         <p:sp>
           <p:nvSpPr>
-            <p:cNvPr id="154" name="tx153"/>
+            <p:cNvPr id="157" name="tx156"/>
             <p:cNvSpPr/>
             <p:nvPr/>
           </p:nvSpPr>
@@ -8195,7 +8297,7 @@
         </p:sp>
         <p:sp>
           <p:nvSpPr>
-            <p:cNvPr id="155" name="tx154"/>
+            <p:cNvPr id="158" name="tx157"/>
             <p:cNvSpPr/>
             <p:nvPr/>
           </p:nvSpPr>
@@ -8241,7 +8343,7 @@
         </p:sp>
         <p:sp>
           <p:nvSpPr>
-            <p:cNvPr id="156" name="tx155"/>
+            <p:cNvPr id="159" name="tx158"/>
             <p:cNvSpPr/>
             <p:nvPr/>
           </p:nvSpPr>
@@ -8287,7 +8389,7 @@
         </p:sp>
         <p:sp>
           <p:nvSpPr>
-            <p:cNvPr id="157" name="tx156"/>
+            <p:cNvPr id="160" name="tx159"/>
             <p:cNvSpPr/>
             <p:nvPr/>
           </p:nvSpPr>
@@ -8333,7 +8435,7 @@
         </p:sp>
         <p:sp>
           <p:nvSpPr>
-            <p:cNvPr id="158" name="pl157"/>
+            <p:cNvPr id="161" name="pl160"/>
             <p:cNvSpPr/>
             <p:nvPr/>
           </p:nvSpPr>
@@ -8373,7 +8475,7 @@
         </p:sp>
         <p:sp>
           <p:nvSpPr>
-            <p:cNvPr id="159" name="pl158"/>
+            <p:cNvPr id="162" name="pl161"/>
             <p:cNvSpPr/>
             <p:nvPr/>
           </p:nvSpPr>
@@ -8413,7 +8515,7 @@
         </p:sp>
         <p:sp>
           <p:nvSpPr>
-            <p:cNvPr id="160" name="pl159"/>
+            <p:cNvPr id="163" name="pl162"/>
             <p:cNvSpPr/>
             <p:nvPr/>
           </p:nvSpPr>
@@ -8453,7 +8555,7 @@
         </p:sp>
         <p:sp>
           <p:nvSpPr>
-            <p:cNvPr id="161" name="pl160"/>
+            <p:cNvPr id="164" name="pl163"/>
             <p:cNvSpPr/>
             <p:nvPr/>
           </p:nvSpPr>
@@ -8493,7 +8595,7 @@
         </p:sp>
         <p:sp>
           <p:nvSpPr>
-            <p:cNvPr id="162" name="pl161"/>
+            <p:cNvPr id="165" name="pl164"/>
             <p:cNvSpPr/>
             <p:nvPr/>
           </p:nvSpPr>
@@ -8533,7 +8635,7 @@
         </p:sp>
         <p:sp>
           <p:nvSpPr>
-            <p:cNvPr id="163" name="pl162"/>
+            <p:cNvPr id="166" name="pl165"/>
             <p:cNvSpPr/>
             <p:nvPr/>
           </p:nvSpPr>
@@ -8573,7 +8675,7 @@
         </p:sp>
         <p:sp>
           <p:nvSpPr>
-            <p:cNvPr id="164" name="pl163"/>
+            <p:cNvPr id="167" name="pl166"/>
             <p:cNvSpPr/>
             <p:nvPr/>
           </p:nvSpPr>
@@ -8613,13 +8715,13 @@
         </p:sp>
         <p:sp>
           <p:nvSpPr>
-            <p:cNvPr id="165" name="pl164"/>
-            <p:cNvSpPr/>
-            <p:nvPr/>
-          </p:nvSpPr>
-          <p:spPr>
-            <a:xfrm>
-              <a:off x="1677671" y="4172066"/>
+            <p:cNvPr id="168" name="pl167"/>
+            <p:cNvSpPr/>
+            <p:nvPr/>
+          </p:nvSpPr>
+          <p:spPr>
+            <a:xfrm>
+              <a:off x="1681059" y="4172066"/>
               <a:ext cx="0" cy="34794"/>
             </a:xfrm>
             <a:custGeom>
@@ -8653,13 +8755,13 @@
         </p:sp>
         <p:sp>
           <p:nvSpPr>
-            <p:cNvPr id="166" name="pl165"/>
-            <p:cNvSpPr/>
-            <p:nvPr/>
-          </p:nvSpPr>
-          <p:spPr>
-            <a:xfrm>
-              <a:off x="2024310" y="4172066"/>
+            <p:cNvPr id="169" name="pl168"/>
+            <p:cNvSpPr/>
+            <p:nvPr/>
+          </p:nvSpPr>
+          <p:spPr>
+            <a:xfrm>
+              <a:off x="2033973" y="4172066"/>
               <a:ext cx="0" cy="34794"/>
             </a:xfrm>
             <a:custGeom>
@@ -8693,13 +8795,13 @@
         </p:sp>
         <p:sp>
           <p:nvSpPr>
-            <p:cNvPr id="167" name="pl166"/>
-            <p:cNvSpPr/>
-            <p:nvPr/>
-          </p:nvSpPr>
-          <p:spPr>
-            <a:xfrm>
-              <a:off x="2370949" y="4172066"/>
+            <p:cNvPr id="170" name="pl169"/>
+            <p:cNvSpPr/>
+            <p:nvPr/>
+          </p:nvSpPr>
+          <p:spPr>
+            <a:xfrm>
+              <a:off x="2386887" y="4172066"/>
               <a:ext cx="0" cy="34794"/>
             </a:xfrm>
             <a:custGeom>
@@ -8733,13 +8835,13 @@
         </p:sp>
         <p:sp>
           <p:nvSpPr>
-            <p:cNvPr id="168" name="pl167"/>
-            <p:cNvSpPr/>
-            <p:nvPr/>
-          </p:nvSpPr>
-          <p:spPr>
-            <a:xfrm>
-              <a:off x="2717588" y="4172066"/>
+            <p:cNvPr id="171" name="pl170"/>
+            <p:cNvSpPr/>
+            <p:nvPr/>
+          </p:nvSpPr>
+          <p:spPr>
+            <a:xfrm>
+              <a:off x="2739800" y="4172066"/>
               <a:ext cx="0" cy="34794"/>
             </a:xfrm>
             <a:custGeom>
@@ -8773,13 +8875,13 @@
         </p:sp>
         <p:sp>
           <p:nvSpPr>
-            <p:cNvPr id="169" name="pl168"/>
-            <p:cNvSpPr/>
-            <p:nvPr/>
-          </p:nvSpPr>
-          <p:spPr>
-            <a:xfrm>
-              <a:off x="3064227" y="4172066"/>
+            <p:cNvPr id="172" name="pl171"/>
+            <p:cNvSpPr/>
+            <p:nvPr/>
+          </p:nvSpPr>
+          <p:spPr>
+            <a:xfrm>
+              <a:off x="3092714" y="4172066"/>
               <a:ext cx="0" cy="34794"/>
             </a:xfrm>
             <a:custGeom>
@@ -8813,13 +8915,13 @@
         </p:sp>
         <p:sp>
           <p:nvSpPr>
-            <p:cNvPr id="170" name="pl169"/>
-            <p:cNvSpPr/>
-            <p:nvPr/>
-          </p:nvSpPr>
-          <p:spPr>
-            <a:xfrm>
-              <a:off x="3410866" y="4172066"/>
+            <p:cNvPr id="173" name="pl172"/>
+            <p:cNvSpPr/>
+            <p:nvPr/>
+          </p:nvSpPr>
+          <p:spPr>
+            <a:xfrm>
+              <a:off x="3445627" y="4172066"/>
               <a:ext cx="0" cy="34794"/>
             </a:xfrm>
             <a:custGeom>
@@ -8853,13 +8955,13 @@
         </p:sp>
         <p:sp>
           <p:nvSpPr>
-            <p:cNvPr id="171" name="pl170"/>
-            <p:cNvSpPr/>
-            <p:nvPr/>
-          </p:nvSpPr>
-          <p:spPr>
-            <a:xfrm>
-              <a:off x="3757505" y="4172066"/>
+            <p:cNvPr id="174" name="pl173"/>
+            <p:cNvSpPr/>
+            <p:nvPr/>
+          </p:nvSpPr>
+          <p:spPr>
+            <a:xfrm>
+              <a:off x="3798541" y="4172066"/>
               <a:ext cx="0" cy="34794"/>
             </a:xfrm>
             <a:custGeom>
@@ -8893,13 +8995,13 @@
         </p:sp>
         <p:sp>
           <p:nvSpPr>
-            <p:cNvPr id="172" name="pl171"/>
-            <p:cNvSpPr/>
-            <p:nvPr/>
-          </p:nvSpPr>
-          <p:spPr>
-            <a:xfrm>
-              <a:off x="4104144" y="4172066"/>
+            <p:cNvPr id="175" name="pl174"/>
+            <p:cNvSpPr/>
+            <p:nvPr/>
+          </p:nvSpPr>
+          <p:spPr>
+            <a:xfrm>
+              <a:off x="4151455" y="4172066"/>
               <a:ext cx="0" cy="34794"/>
             </a:xfrm>
             <a:custGeom>
@@ -8933,13 +9035,13 @@
         </p:sp>
         <p:sp>
           <p:nvSpPr>
-            <p:cNvPr id="173" name="pl172"/>
-            <p:cNvSpPr/>
-            <p:nvPr/>
-          </p:nvSpPr>
-          <p:spPr>
-            <a:xfrm>
-              <a:off x="4450783" y="4172066"/>
+            <p:cNvPr id="176" name="pl175"/>
+            <p:cNvSpPr/>
+            <p:nvPr/>
+          </p:nvSpPr>
+          <p:spPr>
+            <a:xfrm>
+              <a:off x="4504368" y="4172066"/>
               <a:ext cx="0" cy="34794"/>
             </a:xfrm>
             <a:custGeom>
@@ -8973,13 +9075,13 @@
         </p:sp>
         <p:sp>
           <p:nvSpPr>
-            <p:cNvPr id="174" name="pl173"/>
-            <p:cNvSpPr/>
-            <p:nvPr/>
-          </p:nvSpPr>
-          <p:spPr>
-            <a:xfrm>
-              <a:off x="4797422" y="4172066"/>
+            <p:cNvPr id="177" name="pl176"/>
+            <p:cNvSpPr/>
+            <p:nvPr/>
+          </p:nvSpPr>
+          <p:spPr>
+            <a:xfrm>
+              <a:off x="4857282" y="4172066"/>
               <a:ext cx="0" cy="34794"/>
             </a:xfrm>
             <a:custGeom>
@@ -9013,13 +9115,13 @@
         </p:sp>
         <p:sp>
           <p:nvSpPr>
-            <p:cNvPr id="175" name="pl174"/>
-            <p:cNvSpPr/>
-            <p:nvPr/>
-          </p:nvSpPr>
-          <p:spPr>
-            <a:xfrm>
-              <a:off x="5144061" y="4172066"/>
+            <p:cNvPr id="178" name="pl177"/>
+            <p:cNvSpPr/>
+            <p:nvPr/>
+          </p:nvSpPr>
+          <p:spPr>
+            <a:xfrm>
+              <a:off x="5210196" y="4172066"/>
               <a:ext cx="0" cy="34794"/>
             </a:xfrm>
             <a:custGeom>
@@ -9053,13 +9155,13 @@
         </p:sp>
         <p:sp>
           <p:nvSpPr>
-            <p:cNvPr id="176" name="pl175"/>
-            <p:cNvSpPr/>
-            <p:nvPr/>
-          </p:nvSpPr>
-          <p:spPr>
-            <a:xfrm>
-              <a:off x="5490699" y="4172066"/>
+            <p:cNvPr id="179" name="pl178"/>
+            <p:cNvSpPr/>
+            <p:nvPr/>
+          </p:nvSpPr>
+          <p:spPr>
+            <a:xfrm>
+              <a:off x="5563109" y="4172066"/>
               <a:ext cx="0" cy="34794"/>
             </a:xfrm>
             <a:custGeom>
@@ -9093,13 +9195,13 @@
         </p:sp>
         <p:sp>
           <p:nvSpPr>
-            <p:cNvPr id="177" name="tx176"/>
-            <p:cNvSpPr/>
-            <p:nvPr/>
-          </p:nvSpPr>
-          <p:spPr>
-            <a:xfrm>
-              <a:off x="1646593" y="4233005"/>
+            <p:cNvPr id="180" name="tx179"/>
+            <p:cNvSpPr/>
+            <p:nvPr/>
+          </p:nvSpPr>
+          <p:spPr>
+            <a:xfrm>
+              <a:off x="1649981" y="4233005"/>
               <a:ext cx="62155" cy="81691"/>
             </a:xfrm>
             <a:prstGeom prst="rect">
@@ -9139,13 +9241,13 @@
         </p:sp>
         <p:sp>
           <p:nvSpPr>
-            <p:cNvPr id="178" name="tx177"/>
-            <p:cNvSpPr/>
-            <p:nvPr/>
-          </p:nvSpPr>
-          <p:spPr>
-            <a:xfrm>
-              <a:off x="1993232" y="4234423"/>
+            <p:cNvPr id="181" name="tx180"/>
+            <p:cNvSpPr/>
+            <p:nvPr/>
+          </p:nvSpPr>
+          <p:spPr>
+            <a:xfrm>
+              <a:off x="2002895" y="4234423"/>
               <a:ext cx="62155" cy="80272"/>
             </a:xfrm>
             <a:prstGeom prst="rect">
@@ -9185,13 +9287,13 @@
         </p:sp>
         <p:sp>
           <p:nvSpPr>
-            <p:cNvPr id="179" name="tx178"/>
-            <p:cNvSpPr/>
-            <p:nvPr/>
-          </p:nvSpPr>
-          <p:spPr>
-            <a:xfrm>
-              <a:off x="2308793" y="4233005"/>
+            <p:cNvPr id="182" name="tx181"/>
+            <p:cNvSpPr/>
+            <p:nvPr/>
+          </p:nvSpPr>
+          <p:spPr>
+            <a:xfrm>
+              <a:off x="2324731" y="4233005"/>
               <a:ext cx="124311" cy="81691"/>
             </a:xfrm>
             <a:prstGeom prst="rect">
@@ -9231,13 +9333,13 @@
         </p:sp>
         <p:sp>
           <p:nvSpPr>
-            <p:cNvPr id="180" name="tx179"/>
-            <p:cNvSpPr/>
-            <p:nvPr/>
-          </p:nvSpPr>
-          <p:spPr>
-            <a:xfrm>
-              <a:off x="2655432" y="4233005"/>
+            <p:cNvPr id="183" name="tx182"/>
+            <p:cNvSpPr/>
+            <p:nvPr/>
+          </p:nvSpPr>
+          <p:spPr>
+            <a:xfrm>
+              <a:off x="2677645" y="4233005"/>
               <a:ext cx="124311" cy="81691"/>
             </a:xfrm>
             <a:prstGeom prst="rect">
@@ -9277,13 +9379,13 @@
         </p:sp>
         <p:sp>
           <p:nvSpPr>
-            <p:cNvPr id="181" name="tx180"/>
-            <p:cNvSpPr/>
-            <p:nvPr/>
-          </p:nvSpPr>
-          <p:spPr>
-            <a:xfrm>
-              <a:off x="3002071" y="4233005"/>
+            <p:cNvPr id="184" name="tx183"/>
+            <p:cNvSpPr/>
+            <p:nvPr/>
+          </p:nvSpPr>
+          <p:spPr>
+            <a:xfrm>
+              <a:off x="3030558" y="4233005"/>
               <a:ext cx="124311" cy="81691"/>
             </a:xfrm>
             <a:prstGeom prst="rect">
@@ -9323,13 +9425,13 @@
         </p:sp>
         <p:sp>
           <p:nvSpPr>
-            <p:cNvPr id="182" name="tx181"/>
-            <p:cNvSpPr/>
-            <p:nvPr/>
-          </p:nvSpPr>
-          <p:spPr>
-            <a:xfrm>
-              <a:off x="3348710" y="4233005"/>
+            <p:cNvPr id="185" name="tx184"/>
+            <p:cNvSpPr/>
+            <p:nvPr/>
+          </p:nvSpPr>
+          <p:spPr>
+            <a:xfrm>
+              <a:off x="3383472" y="4233005"/>
               <a:ext cx="124311" cy="81691"/>
             </a:xfrm>
             <a:prstGeom prst="rect">
@@ -9369,13 +9471,13 @@
         </p:sp>
         <p:sp>
           <p:nvSpPr>
-            <p:cNvPr id="183" name="tx182"/>
-            <p:cNvSpPr/>
-            <p:nvPr/>
-          </p:nvSpPr>
-          <p:spPr>
-            <a:xfrm>
-              <a:off x="3695349" y="4232950"/>
+            <p:cNvPr id="186" name="tx185"/>
+            <p:cNvSpPr/>
+            <p:nvPr/>
+          </p:nvSpPr>
+          <p:spPr>
+            <a:xfrm>
+              <a:off x="3736385" y="4232950"/>
               <a:ext cx="124311" cy="81746"/>
             </a:xfrm>
             <a:prstGeom prst="rect">
@@ -9415,13 +9517,13 @@
         </p:sp>
         <p:sp>
           <p:nvSpPr>
-            <p:cNvPr id="184" name="tx183"/>
-            <p:cNvSpPr/>
-            <p:nvPr/>
-          </p:nvSpPr>
-          <p:spPr>
-            <a:xfrm>
-              <a:off x="4041988" y="4232950"/>
+            <p:cNvPr id="187" name="tx186"/>
+            <p:cNvSpPr/>
+            <p:nvPr/>
+          </p:nvSpPr>
+          <p:spPr>
+            <a:xfrm>
+              <a:off x="4089299" y="4232950"/>
               <a:ext cx="124311" cy="81746"/>
             </a:xfrm>
             <a:prstGeom prst="rect">
@@ -9461,13 +9563,13 @@
         </p:sp>
         <p:sp>
           <p:nvSpPr>
-            <p:cNvPr id="185" name="tx184"/>
-            <p:cNvSpPr/>
-            <p:nvPr/>
-          </p:nvSpPr>
-          <p:spPr>
-            <a:xfrm>
-              <a:off x="4388627" y="4233005"/>
+            <p:cNvPr id="188" name="tx187"/>
+            <p:cNvSpPr/>
+            <p:nvPr/>
+          </p:nvSpPr>
+          <p:spPr>
+            <a:xfrm>
+              <a:off x="4442213" y="4233005"/>
               <a:ext cx="124311" cy="81691"/>
             </a:xfrm>
             <a:prstGeom prst="rect">
@@ -9507,13 +9609,13 @@
         </p:sp>
         <p:sp>
           <p:nvSpPr>
-            <p:cNvPr id="186" name="tx185"/>
-            <p:cNvSpPr/>
-            <p:nvPr/>
-          </p:nvSpPr>
-          <p:spPr>
-            <a:xfrm>
-              <a:off x="4735266" y="4233332"/>
+            <p:cNvPr id="189" name="tx188"/>
+            <p:cNvSpPr/>
+            <p:nvPr/>
+          </p:nvSpPr>
+          <p:spPr>
+            <a:xfrm>
+              <a:off x="4795126" y="4233332"/>
               <a:ext cx="124311" cy="81364"/>
             </a:xfrm>
             <a:prstGeom prst="rect">
@@ -9553,13 +9655,13 @@
         </p:sp>
         <p:sp>
           <p:nvSpPr>
-            <p:cNvPr id="187" name="tx186"/>
-            <p:cNvSpPr/>
-            <p:nvPr/>
-          </p:nvSpPr>
-          <p:spPr>
-            <a:xfrm>
-              <a:off x="5081905" y="4233005"/>
+            <p:cNvPr id="190" name="tx189"/>
+            <p:cNvSpPr/>
+            <p:nvPr/>
+          </p:nvSpPr>
+          <p:spPr>
+            <a:xfrm>
+              <a:off x="5148040" y="4233005"/>
               <a:ext cx="124311" cy="81691"/>
             </a:xfrm>
             <a:prstGeom prst="rect">
@@ -9599,13 +9701,13 @@
         </p:sp>
         <p:sp>
           <p:nvSpPr>
-            <p:cNvPr id="188" name="tx187"/>
-            <p:cNvSpPr/>
-            <p:nvPr/>
-          </p:nvSpPr>
-          <p:spPr>
-            <a:xfrm>
-              <a:off x="5428544" y="4234423"/>
+            <p:cNvPr id="191" name="tx190"/>
+            <p:cNvSpPr/>
+            <p:nvPr/>
+          </p:nvSpPr>
+          <p:spPr>
+            <a:xfrm>
+              <a:off x="5500954" y="4234423"/>
               <a:ext cx="124311" cy="80272"/>
             </a:xfrm>
             <a:prstGeom prst="rect">
@@ -9645,13 +9747,13 @@
         </p:sp>
         <p:sp>
           <p:nvSpPr>
-            <p:cNvPr id="189" name="tx188"/>
-            <p:cNvSpPr/>
-            <p:nvPr/>
-          </p:nvSpPr>
-          <p:spPr>
-            <a:xfrm>
-              <a:off x="2897236" y="4341906"/>
+            <p:cNvPr id="192" name="tx191"/>
+            <p:cNvSpPr/>
+            <p:nvPr/>
+          </p:nvSpPr>
+          <p:spPr>
+            <a:xfrm>
+              <a:off x="2934507" y="4341906"/>
               <a:ext cx="1304571" cy="131105"/>
             </a:xfrm>
             <a:prstGeom prst="rect">
@@ -9691,7 +9793,7 @@
         </p:sp>
         <p:sp>
           <p:nvSpPr>
-            <p:cNvPr id="190" name="tx189"/>
+            <p:cNvPr id="193" name="tx192"/>
             <p:cNvSpPr/>
             <p:nvPr/>
           </p:nvSpPr>
@@ -9737,14 +9839,14 @@
         </p:sp>
         <p:sp>
           <p:nvSpPr>
-            <p:cNvPr id="191" name="rc190"/>
-            <p:cNvSpPr/>
-            <p:nvPr/>
-          </p:nvSpPr>
-          <p:spPr>
-            <a:xfrm>
-              <a:off x="5747735" y="2299216"/>
-              <a:ext cx="583475" cy="557622"/>
+            <p:cNvPr id="194" name="rc193"/>
+            <p:cNvSpPr/>
+            <p:nvPr/>
+          </p:nvSpPr>
+          <p:spPr>
+            <a:xfrm>
+              <a:off x="5822278" y="1970032"/>
+              <a:ext cx="508932" cy="1215990"/>
             </a:xfrm>
             <a:prstGeom prst="rect">
               <a:avLst/>
@@ -9763,13 +9865,13 @@
         </p:sp>
         <p:sp>
           <p:nvSpPr>
-            <p:cNvPr id="192" name="tx191"/>
-            <p:cNvSpPr/>
-            <p:nvPr/>
-          </p:nvSpPr>
-          <p:spPr>
-            <a:xfrm>
-              <a:off x="5817324" y="2382550"/>
+            <p:cNvPr id="195" name="tx194"/>
+            <p:cNvSpPr/>
+            <p:nvPr/>
+          </p:nvSpPr>
+          <p:spPr>
+            <a:xfrm>
+              <a:off x="5891867" y="2053366"/>
               <a:ext cx="349181" cy="100955"/>
             </a:xfrm>
             <a:prstGeom prst="rect">
@@ -9809,13 +9911,13 @@
         </p:sp>
         <p:sp>
           <p:nvSpPr>
-            <p:cNvPr id="193" name="rc192"/>
-            <p:cNvSpPr/>
-            <p:nvPr/>
-          </p:nvSpPr>
-          <p:spPr>
-            <a:xfrm>
-              <a:off x="5817324" y="2567794"/>
+            <p:cNvPr id="196" name="rc195"/>
+            <p:cNvSpPr/>
+            <p:nvPr/>
+          </p:nvSpPr>
+          <p:spPr>
+            <a:xfrm>
+              <a:off x="5891867" y="2238610"/>
               <a:ext cx="219455" cy="219456"/>
             </a:xfrm>
             <a:prstGeom prst="rect">
@@ -9835,13 +9937,13 @@
         </p:sp>
         <p:sp>
           <p:nvSpPr>
-            <p:cNvPr id="194" name="pl193"/>
-            <p:cNvSpPr/>
-            <p:nvPr/>
-          </p:nvSpPr>
-          <p:spPr>
-            <a:xfrm>
-              <a:off x="5839269" y="2677522"/>
+            <p:cNvPr id="197" name="pl196"/>
+            <p:cNvSpPr/>
+            <p:nvPr/>
+          </p:nvSpPr>
+          <p:spPr>
+            <a:xfrm>
+              <a:off x="5913812" y="2348338"/>
               <a:ext cx="175564" cy="0"/>
             </a:xfrm>
             <a:custGeom>
@@ -9859,65 +9961,368 @@
             </a:custGeom>
             <a:ln w="27101" cap="flat">
               <a:solidFill>
-                <a:srgbClr val="7F7F7F">
-                  <a:alpha val="100000"/>
-                </a:srgbClr>
-              </a:solidFill>
-              <a:prstDash val="solid"/>
-              <a:round/>
-            </a:ln>
-          </p:spPr>
-          <p:txBody>
-            <a:bodyPr/>
-            <a:lstStyle/>
-            <a:p/>
-          </p:txBody>
-        </p:sp>
-        <p:sp>
-          <p:nvSpPr>
-            <p:cNvPr id="195" name="pt194"/>
-            <p:cNvSpPr/>
-            <p:nvPr/>
-          </p:nvSpPr>
-          <p:spPr>
-            <a:xfrm>
-              <a:off x="5902226" y="2652696"/>
-              <a:ext cx="49651" cy="49651"/>
-            </a:xfrm>
-            <a:prstGeom prst="ellipse">
-              <a:avLst/>
-            </a:prstGeom>
-            <a:solidFill>
-              <a:srgbClr val="7F7F7F">
-                <a:alpha val="100000"/>
-              </a:srgbClr>
-            </a:solidFill>
-            <a:ln w="9000" cap="rnd">
-              <a:solidFill>
-                <a:srgbClr val="7F7F7F">
-                  <a:alpha val="100000"/>
-                </a:srgbClr>
-              </a:solidFill>
-              <a:prstDash val="solid"/>
-              <a:round/>
-            </a:ln>
-          </p:spPr>
-          <p:txBody>
-            <a:bodyPr/>
-            <a:lstStyle/>
-            <a:p/>
-          </p:txBody>
-        </p:sp>
-        <p:sp>
-          <p:nvSpPr>
-            <p:cNvPr id="196" name="tx195"/>
-            <p:cNvSpPr/>
-            <p:nvPr/>
-          </p:nvSpPr>
-          <p:spPr>
-            <a:xfrm>
-              <a:off x="6106369" y="2637522"/>
-              <a:ext cx="155252" cy="80000"/>
+                <a:srgbClr val="F8766D">
+                  <a:alpha val="100000"/>
+                </a:srgbClr>
+              </a:solidFill>
+              <a:prstDash val="solid"/>
+              <a:round/>
+            </a:ln>
+          </p:spPr>
+          <p:txBody>
+            <a:bodyPr/>
+            <a:lstStyle/>
+            <a:p/>
+          </p:txBody>
+        </p:sp>
+        <p:sp>
+          <p:nvSpPr>
+            <p:cNvPr id="198" name="pt197"/>
+            <p:cNvSpPr/>
+            <p:nvPr/>
+          </p:nvSpPr>
+          <p:spPr>
+            <a:xfrm>
+              <a:off x="5976769" y="2323512"/>
+              <a:ext cx="49651" cy="49651"/>
+            </a:xfrm>
+            <a:prstGeom prst="ellipse">
+              <a:avLst/>
+            </a:prstGeom>
+            <a:solidFill>
+              <a:srgbClr val="F8766D">
+                <a:alpha val="100000"/>
+              </a:srgbClr>
+            </a:solidFill>
+            <a:ln w="9000" cap="rnd">
+              <a:solidFill>
+                <a:srgbClr val="F8766D">
+                  <a:alpha val="100000"/>
+                </a:srgbClr>
+              </a:solidFill>
+              <a:prstDash val="solid"/>
+              <a:round/>
+            </a:ln>
+          </p:spPr>
+          <p:txBody>
+            <a:bodyPr/>
+            <a:lstStyle/>
+            <a:p/>
+          </p:txBody>
+        </p:sp>
+        <p:sp>
+          <p:nvSpPr>
+            <p:cNvPr id="199" name="rc198"/>
+            <p:cNvSpPr/>
+            <p:nvPr/>
+          </p:nvSpPr>
+          <p:spPr>
+            <a:xfrm>
+              <a:off x="5891867" y="2458066"/>
+              <a:ext cx="219455" cy="219456"/>
+            </a:xfrm>
+            <a:prstGeom prst="rect">
+              <a:avLst/>
+            </a:prstGeom>
+            <a:solidFill>
+              <a:srgbClr val="EBEBEB">
+                <a:alpha val="100000"/>
+              </a:srgbClr>
+            </a:solidFill>
+          </p:spPr>
+          <p:txBody>
+            <a:bodyPr/>
+            <a:lstStyle/>
+            <a:p/>
+          </p:txBody>
+        </p:sp>
+        <p:sp>
+          <p:nvSpPr>
+            <p:cNvPr id="200" name="pl199"/>
+            <p:cNvSpPr/>
+            <p:nvPr/>
+          </p:nvSpPr>
+          <p:spPr>
+            <a:xfrm>
+              <a:off x="5913812" y="2567794"/>
+              <a:ext cx="175564" cy="0"/>
+            </a:xfrm>
+            <a:custGeom>
+              <a:avLst/>
+              <a:pathLst>
+                <a:path w="175564" h="0">
+                  <a:moveTo>
+                    <a:pt x="0" y="0"/>
+                  </a:moveTo>
+                  <a:lnTo>
+                    <a:pt x="175564" y="0"/>
+                  </a:lnTo>
+                </a:path>
+              </a:pathLst>
+            </a:custGeom>
+            <a:ln w="27101" cap="flat">
+              <a:solidFill>
+                <a:srgbClr val="7CAE00">
+                  <a:alpha val="100000"/>
+                </a:srgbClr>
+              </a:solidFill>
+              <a:prstDash val="solid"/>
+              <a:round/>
+            </a:ln>
+          </p:spPr>
+          <p:txBody>
+            <a:bodyPr/>
+            <a:lstStyle/>
+            <a:p/>
+          </p:txBody>
+        </p:sp>
+        <p:sp>
+          <p:nvSpPr>
+            <p:cNvPr id="201" name="pt200"/>
+            <p:cNvSpPr/>
+            <p:nvPr/>
+          </p:nvSpPr>
+          <p:spPr>
+            <a:xfrm>
+              <a:off x="5976769" y="2542968"/>
+              <a:ext cx="49651" cy="49651"/>
+            </a:xfrm>
+            <a:prstGeom prst="ellipse">
+              <a:avLst/>
+            </a:prstGeom>
+            <a:solidFill>
+              <a:srgbClr val="7CAE00">
+                <a:alpha val="100000"/>
+              </a:srgbClr>
+            </a:solidFill>
+            <a:ln w="9000" cap="rnd">
+              <a:solidFill>
+                <a:srgbClr val="7CAE00">
+                  <a:alpha val="100000"/>
+                </a:srgbClr>
+              </a:solidFill>
+              <a:prstDash val="solid"/>
+              <a:round/>
+            </a:ln>
+          </p:spPr>
+          <p:txBody>
+            <a:bodyPr/>
+            <a:lstStyle/>
+            <a:p/>
+          </p:txBody>
+        </p:sp>
+        <p:sp>
+          <p:nvSpPr>
+            <p:cNvPr id="202" name="rc201"/>
+            <p:cNvSpPr/>
+            <p:nvPr/>
+          </p:nvSpPr>
+          <p:spPr>
+            <a:xfrm>
+              <a:off x="5891867" y="2677522"/>
+              <a:ext cx="219455" cy="219456"/>
+            </a:xfrm>
+            <a:prstGeom prst="rect">
+              <a:avLst/>
+            </a:prstGeom>
+            <a:solidFill>
+              <a:srgbClr val="EBEBEB">
+                <a:alpha val="100000"/>
+              </a:srgbClr>
+            </a:solidFill>
+          </p:spPr>
+          <p:txBody>
+            <a:bodyPr/>
+            <a:lstStyle/>
+            <a:p/>
+          </p:txBody>
+        </p:sp>
+        <p:sp>
+          <p:nvSpPr>
+            <p:cNvPr id="203" name="pl202"/>
+            <p:cNvSpPr/>
+            <p:nvPr/>
+          </p:nvSpPr>
+          <p:spPr>
+            <a:xfrm>
+              <a:off x="5913812" y="2787250"/>
+              <a:ext cx="175564" cy="0"/>
+            </a:xfrm>
+            <a:custGeom>
+              <a:avLst/>
+              <a:pathLst>
+                <a:path w="175564" h="0">
+                  <a:moveTo>
+                    <a:pt x="0" y="0"/>
+                  </a:moveTo>
+                  <a:lnTo>
+                    <a:pt x="175564" y="0"/>
+                  </a:lnTo>
+                </a:path>
+              </a:pathLst>
+            </a:custGeom>
+            <a:ln w="27101" cap="flat">
+              <a:solidFill>
+                <a:srgbClr val="00BFC4">
+                  <a:alpha val="100000"/>
+                </a:srgbClr>
+              </a:solidFill>
+              <a:prstDash val="solid"/>
+              <a:round/>
+            </a:ln>
+          </p:spPr>
+          <p:txBody>
+            <a:bodyPr/>
+            <a:lstStyle/>
+            <a:p/>
+          </p:txBody>
+        </p:sp>
+        <p:sp>
+          <p:nvSpPr>
+            <p:cNvPr id="204" name="pt203"/>
+            <p:cNvSpPr/>
+            <p:nvPr/>
+          </p:nvSpPr>
+          <p:spPr>
+            <a:xfrm>
+              <a:off x="5976769" y="2762424"/>
+              <a:ext cx="49651" cy="49651"/>
+            </a:xfrm>
+            <a:prstGeom prst="ellipse">
+              <a:avLst/>
+            </a:prstGeom>
+            <a:solidFill>
+              <a:srgbClr val="00BFC4">
+                <a:alpha val="100000"/>
+              </a:srgbClr>
+            </a:solidFill>
+            <a:ln w="9000" cap="rnd">
+              <a:solidFill>
+                <a:srgbClr val="00BFC4">
+                  <a:alpha val="100000"/>
+                </a:srgbClr>
+              </a:solidFill>
+              <a:prstDash val="solid"/>
+              <a:round/>
+            </a:ln>
+          </p:spPr>
+          <p:txBody>
+            <a:bodyPr/>
+            <a:lstStyle/>
+            <a:p/>
+          </p:txBody>
+        </p:sp>
+        <p:sp>
+          <p:nvSpPr>
+            <p:cNvPr id="205" name="rc204"/>
+            <p:cNvSpPr/>
+            <p:nvPr/>
+          </p:nvSpPr>
+          <p:spPr>
+            <a:xfrm>
+              <a:off x="5891867" y="2896978"/>
+              <a:ext cx="219455" cy="219456"/>
+            </a:xfrm>
+            <a:prstGeom prst="rect">
+              <a:avLst/>
+            </a:prstGeom>
+            <a:solidFill>
+              <a:srgbClr val="EBEBEB">
+                <a:alpha val="100000"/>
+              </a:srgbClr>
+            </a:solidFill>
+          </p:spPr>
+          <p:txBody>
+            <a:bodyPr/>
+            <a:lstStyle/>
+            <a:p/>
+          </p:txBody>
+        </p:sp>
+        <p:sp>
+          <p:nvSpPr>
+            <p:cNvPr id="206" name="pl205"/>
+            <p:cNvSpPr/>
+            <p:nvPr/>
+          </p:nvSpPr>
+          <p:spPr>
+            <a:xfrm>
+              <a:off x="5913812" y="3006706"/>
+              <a:ext cx="175564" cy="0"/>
+            </a:xfrm>
+            <a:custGeom>
+              <a:avLst/>
+              <a:pathLst>
+                <a:path w="175564" h="0">
+                  <a:moveTo>
+                    <a:pt x="0" y="0"/>
+                  </a:moveTo>
+                  <a:lnTo>
+                    <a:pt x="175564" y="0"/>
+                  </a:lnTo>
+                </a:path>
+              </a:pathLst>
+            </a:custGeom>
+            <a:ln w="27101" cap="flat">
+              <a:solidFill>
+                <a:srgbClr val="C77CFF">
+                  <a:alpha val="100000"/>
+                </a:srgbClr>
+              </a:solidFill>
+              <a:prstDash val="solid"/>
+              <a:round/>
+            </a:ln>
+          </p:spPr>
+          <p:txBody>
+            <a:bodyPr/>
+            <a:lstStyle/>
+            <a:p/>
+          </p:txBody>
+        </p:sp>
+        <p:sp>
+          <p:nvSpPr>
+            <p:cNvPr id="207" name="pt206"/>
+            <p:cNvSpPr/>
+            <p:nvPr/>
+          </p:nvSpPr>
+          <p:spPr>
+            <a:xfrm>
+              <a:off x="5976769" y="2981880"/>
+              <a:ext cx="49651" cy="49651"/>
+            </a:xfrm>
+            <a:prstGeom prst="ellipse">
+              <a:avLst/>
+            </a:prstGeom>
+            <a:solidFill>
+              <a:srgbClr val="C77CFF">
+                <a:alpha val="100000"/>
+              </a:srgbClr>
+            </a:solidFill>
+            <a:ln w="9000" cap="rnd">
+              <a:solidFill>
+                <a:srgbClr val="C77CFF">
+                  <a:alpha val="100000"/>
+                </a:srgbClr>
+              </a:solidFill>
+              <a:prstDash val="solid"/>
+              <a:round/>
+            </a:ln>
+          </p:spPr>
+          <p:txBody>
+            <a:bodyPr/>
+            <a:lstStyle/>
+            <a:p/>
+          </p:txBody>
+        </p:sp>
+        <p:sp>
+          <p:nvSpPr>
+            <p:cNvPr id="208" name="tx207"/>
+            <p:cNvSpPr/>
+            <p:nvPr/>
+          </p:nvSpPr>
+          <p:spPr>
+            <a:xfrm>
+              <a:off x="6180912" y="2308338"/>
+              <a:ext cx="74543" cy="80000"/>
             </a:xfrm>
             <a:prstGeom prst="rect">
               <a:avLst/>
@@ -9949,7 +10354,145 @@
                   <a:latin typeface="Arial"/>
                   <a:cs typeface="Arial"/>
                 </a:rPr>
-                <a:t>NA</a:t>
+                <a:t>A</a:t>
+              </a:r>
+            </a:p>
+          </p:txBody>
+        </p:sp>
+        <p:sp>
+          <p:nvSpPr>
+            <p:cNvPr id="209" name="tx208"/>
+            <p:cNvSpPr/>
+            <p:nvPr/>
+          </p:nvSpPr>
+          <p:spPr>
+            <a:xfrm>
+              <a:off x="6180912" y="2527794"/>
+              <a:ext cx="74543" cy="80000"/>
+            </a:xfrm>
+            <a:prstGeom prst="rect">
+              <a:avLst/>
+            </a:prstGeom>
+            <a:noFill/>
+          </p:spPr>
+          <p:txBody>
+            <a:bodyPr lIns="0" rIns="0" tIns="0" bIns="0" anchorCtr="1" anchor="ctr" wrap="none"/>
+            <a:lstStyle/>
+            <a:p>
+              <a:pPr algn="l" marL="0" marR="0" indent="0">
+                <a:lnSpc>
+                  <a:spcPts val="880"/>
+                </a:lnSpc>
+                <a:spcBef>
+                  <a:spcPts val="0"/>
+                </a:spcBef>
+                <a:spcAft>
+                  <a:spcPts val="0"/>
+                </a:spcAft>
+              </a:pPr>
+              <a:r>
+                <a:rPr sz="880">
+                  <a:solidFill>
+                    <a:srgbClr val="000000">
+                      <a:alpha val="100000"/>
+                    </a:srgbClr>
+                  </a:solidFill>
+                  <a:latin typeface="Arial"/>
+                  <a:cs typeface="Arial"/>
+                </a:rPr>
+                <a:t>B</a:t>
+              </a:r>
+            </a:p>
+          </p:txBody>
+        </p:sp>
+        <p:sp>
+          <p:nvSpPr>
+            <p:cNvPr id="210" name="tx209"/>
+            <p:cNvSpPr/>
+            <p:nvPr/>
+          </p:nvSpPr>
+          <p:spPr>
+            <a:xfrm>
+              <a:off x="6180912" y="2744521"/>
+              <a:ext cx="80709" cy="82728"/>
+            </a:xfrm>
+            <a:prstGeom prst="rect">
+              <a:avLst/>
+            </a:prstGeom>
+            <a:noFill/>
+          </p:spPr>
+          <p:txBody>
+            <a:bodyPr lIns="0" rIns="0" tIns="0" bIns="0" anchorCtr="1" anchor="ctr" wrap="none"/>
+            <a:lstStyle/>
+            <a:p>
+              <a:pPr algn="l" marL="0" marR="0" indent="0">
+                <a:lnSpc>
+                  <a:spcPts val="880"/>
+                </a:lnSpc>
+                <a:spcBef>
+                  <a:spcPts val="0"/>
+                </a:spcBef>
+                <a:spcAft>
+                  <a:spcPts val="0"/>
+                </a:spcAft>
+              </a:pPr>
+              <a:r>
+                <a:rPr sz="880">
+                  <a:solidFill>
+                    <a:srgbClr val="000000">
+                      <a:alpha val="100000"/>
+                    </a:srgbClr>
+                  </a:solidFill>
+                  <a:latin typeface="Arial"/>
+                  <a:cs typeface="Arial"/>
+                </a:rPr>
+                <a:t>C</a:t>
+              </a:r>
+            </a:p>
+          </p:txBody>
+        </p:sp>
+        <p:sp>
+          <p:nvSpPr>
+            <p:cNvPr id="211" name="tx210"/>
+            <p:cNvSpPr/>
+            <p:nvPr/>
+          </p:nvSpPr>
+          <p:spPr>
+            <a:xfrm>
+              <a:off x="6180912" y="2966706"/>
+              <a:ext cx="80709" cy="80000"/>
+            </a:xfrm>
+            <a:prstGeom prst="rect">
+              <a:avLst/>
+            </a:prstGeom>
+            <a:noFill/>
+          </p:spPr>
+          <p:txBody>
+            <a:bodyPr lIns="0" rIns="0" tIns="0" bIns="0" anchorCtr="1" anchor="ctr" wrap="none"/>
+            <a:lstStyle/>
+            <a:p>
+              <a:pPr algn="l" marL="0" marR="0" indent="0">
+                <a:lnSpc>
+                  <a:spcPts val="880"/>
+                </a:lnSpc>
+                <a:spcBef>
+                  <a:spcPts val="0"/>
+                </a:spcBef>
+                <a:spcAft>
+                  <a:spcPts val="0"/>
+                </a:spcAft>
+              </a:pPr>
+              <a:r>
+                <a:rPr sz="880">
+                  <a:solidFill>
+                    <a:srgbClr val="000000">
+                      <a:alpha val="100000"/>
+                    </a:srgbClr>
+                  </a:solidFill>
+                  <a:latin typeface="Arial"/>
+                  <a:cs typeface="Arial"/>
+                </a:rPr>
+                <a:t>D</a:t>
               </a:r>
             </a:p>
           </p:txBody>

--- a/vignettes/ONDA_XX-Hazard-Curve.pptx
+++ b/vignettes/ONDA_XX-Hazard-Curve.pptx
@@ -2299,7 +2299,7 @@
           <p:spPr>
             <a:xfrm>
               <a:off x="914400" y="914400"/>
-              <a:ext cx="5486400" cy="3657600"/>
+              <a:ext cx="5486399" cy="3657600"/>
             </a:xfrm>
             <a:prstGeom prst="rect">
               <a:avLst/>
@@ -9799,8 +9799,8 @@
           </p:nvSpPr>
           <p:spPr>
             <a:xfrm rot="-5400000">
-              <a:off x="641048" y="2527209"/>
-              <a:ext cx="784243" cy="101637"/>
+              <a:off x="807999" y="2527209"/>
+              <a:ext cx="450341" cy="101637"/>
             </a:xfrm>
             <a:prstGeom prst="rect">
               <a:avLst/>
@@ -9832,7 +9832,7 @@
                   <a:latin typeface="Arial"/>
                   <a:cs typeface="Arial"/>
                 </a:rPr>
-                <a:t>Hazard Rate</a:t>
+                <a:t>Hazard</a:t>
               </a:r>
             </a:p>
           </p:txBody>
